--- a/Lecture04_ProviderPayment/L4Slides_ProviderPayment_2023W.pptx
+++ b/Lecture04_ProviderPayment/L4Slides_ProviderPayment_2023W.pptx
@@ -19,27 +19,27 @@
     <p:sldId id="262" r:id="rId10"/>
     <p:sldId id="263" r:id="rId11"/>
     <p:sldId id="479" r:id="rId12"/>
-    <p:sldId id="482" r:id="rId13"/>
-    <p:sldId id="481" r:id="rId14"/>
-    <p:sldId id="341" r:id="rId15"/>
-    <p:sldId id="271" r:id="rId16"/>
-    <p:sldId id="483" r:id="rId17"/>
-    <p:sldId id="484" r:id="rId18"/>
-    <p:sldId id="283" r:id="rId19"/>
-    <p:sldId id="307" r:id="rId20"/>
-    <p:sldId id="485" r:id="rId21"/>
-    <p:sldId id="486" r:id="rId22"/>
-    <p:sldId id="487" r:id="rId23"/>
-    <p:sldId id="488" r:id="rId24"/>
-    <p:sldId id="489" r:id="rId25"/>
-    <p:sldId id="490" r:id="rId26"/>
-    <p:sldId id="491" r:id="rId27"/>
-    <p:sldId id="492" r:id="rId28"/>
-    <p:sldId id="493" r:id="rId29"/>
-    <p:sldId id="494" r:id="rId30"/>
-    <p:sldId id="495" r:id="rId31"/>
-    <p:sldId id="496" r:id="rId32"/>
-    <p:sldId id="497" r:id="rId33"/>
+    <p:sldId id="660" r:id="rId13"/>
+    <p:sldId id="482" r:id="rId14"/>
+    <p:sldId id="481" r:id="rId15"/>
+    <p:sldId id="341" r:id="rId16"/>
+    <p:sldId id="271" r:id="rId17"/>
+    <p:sldId id="483" r:id="rId18"/>
+    <p:sldId id="484" r:id="rId19"/>
+    <p:sldId id="283" r:id="rId20"/>
+    <p:sldId id="307" r:id="rId21"/>
+    <p:sldId id="485" r:id="rId22"/>
+    <p:sldId id="486" r:id="rId23"/>
+    <p:sldId id="487" r:id="rId24"/>
+    <p:sldId id="488" r:id="rId25"/>
+    <p:sldId id="489" r:id="rId26"/>
+    <p:sldId id="490" r:id="rId27"/>
+    <p:sldId id="493" r:id="rId28"/>
+    <p:sldId id="494" r:id="rId29"/>
+    <p:sldId id="495" r:id="rId30"/>
+    <p:sldId id="661" r:id="rId31"/>
+    <p:sldId id="497" r:id="rId32"/>
+    <p:sldId id="662" r:id="rId33"/>
     <p:sldId id="285" r:id="rId34"/>
     <p:sldId id="498" r:id="rId35"/>
     <p:sldId id="499" r:id="rId36"/>
@@ -182,857 +182,6 @@
 </p:presentation>
 </file>
 
-<file path=ppt/ink/ink1.xml><?xml version="1.0" encoding="utf-8"?>
-<inkml:ink xmlns:inkml="http://www.w3.org/2003/InkML">
-  <inkml:definitions>
-    <inkml:context xml:id="ctx0">
-      <inkml:inkSource xml:id="inkSrc0">
-        <inkml:traceFormat>
-          <inkml:channel name="X" type="integer" min="-2.14748E9" max="2.14748E9" units="cm"/>
-          <inkml:channel name="Y" type="integer" min="-2.14748E9" max="2.14748E9" units="cm"/>
-        </inkml:traceFormat>
-        <inkml:channelProperties>
-          <inkml:channelProperty channel="X" name="resolution" value="1000" units="1/cm"/>
-          <inkml:channelProperty channel="Y" name="resolution" value="1000" units="1/cm"/>
-        </inkml:channelProperties>
-      </inkml:inkSource>
-      <inkml:timestamp xml:id="ts0" timeString="2022-11-07T17:57:44.216"/>
-    </inkml:context>
-    <inkml:brush xml:id="br0">
-      <inkml:brushProperty name="width" value="0.05" units="cm"/>
-      <inkml:brushProperty name="height" value="0.05" units="cm"/>
-      <inkml:brushProperty name="ignorePressure" value="1"/>
-    </inkml:brush>
-  </inkml:definitions>
-  <inkml:trace contextRef="#ctx0" brushRef="#br0">1 0,'0'13644,"0"-13645</inkml:trace>
-</inkml:ink>
-</file>
-
-<file path=ppt/ink/ink10.xml><?xml version="1.0" encoding="utf-8"?>
-<inkml:ink xmlns:inkml="http://www.w3.org/2003/InkML">
-  <inkml:definitions>
-    <inkml:context xml:id="ctx0">
-      <inkml:inkSource xml:id="inkSrc0">
-        <inkml:traceFormat>
-          <inkml:channel name="X" type="integer" min="-2.14748E9" max="2.14748E9" units="cm"/>
-          <inkml:channel name="Y" type="integer" min="-2.14748E9" max="2.14748E9" units="cm"/>
-        </inkml:traceFormat>
-        <inkml:channelProperties>
-          <inkml:channelProperty channel="X" name="resolution" value="1000" units="1/cm"/>
-          <inkml:channelProperty channel="Y" name="resolution" value="1000" units="1/cm"/>
-        </inkml:channelProperties>
-      </inkml:inkSource>
-      <inkml:timestamp xml:id="ts0" timeString="2022-11-07T17:57:44.216"/>
-    </inkml:context>
-    <inkml:brush xml:id="br0">
-      <inkml:brushProperty name="width" value="0.05" units="cm"/>
-      <inkml:brushProperty name="height" value="0.05" units="cm"/>
-      <inkml:brushProperty name="ignorePressure" value="1"/>
-    </inkml:brush>
-  </inkml:definitions>
-  <inkml:trace contextRef="#ctx0" brushRef="#br0">1 0,'0'13644,"0"-13645</inkml:trace>
-</inkml:ink>
-</file>
-
-<file path=ppt/ink/ink11.xml><?xml version="1.0" encoding="utf-8"?>
-<inkml:ink xmlns:inkml="http://www.w3.org/2003/InkML">
-  <inkml:definitions>
-    <inkml:context xml:id="ctx0">
-      <inkml:inkSource xml:id="inkSrc0">
-        <inkml:traceFormat>
-          <inkml:channel name="X" type="integer" min="-2.14748E9" max="2.14748E9" units="cm"/>
-          <inkml:channel name="Y" type="integer" min="-2.14748E9" max="2.14748E9" units="cm"/>
-        </inkml:traceFormat>
-        <inkml:channelProperties>
-          <inkml:channelProperty channel="X" name="resolution" value="1000" units="1/cm"/>
-          <inkml:channelProperty channel="Y" name="resolution" value="1000" units="1/cm"/>
-        </inkml:channelProperties>
-      </inkml:inkSource>
-      <inkml:timestamp xml:id="ts0" timeString="2022-11-07T17:57:53.066"/>
-    </inkml:context>
-    <inkml:brush xml:id="br0">
-      <inkml:brushProperty name="width" value="0.05" units="cm"/>
-      <inkml:brushProperty name="height" value="0.05" units="cm"/>
-      <inkml:brushProperty name="ignorePressure" value="1"/>
-    </inkml:brush>
-  </inkml:definitions>
-  <inkml:trace contextRef="#ctx0" brushRef="#br0">0 1,'0'0,"0"0,0 0,0 0,0 0,0 0,0 0,0 0,0 0,0 0,0 0,3 0,22485 0,-21453 0,-1035 0,0 0</inkml:trace>
-</inkml:ink>
-</file>
-
-<file path=ppt/ink/ink12.xml><?xml version="1.0" encoding="utf-8"?>
-<inkml:ink xmlns:inkml="http://www.w3.org/2003/InkML">
-  <inkml:definitions>
-    <inkml:context xml:id="ctx0">
-      <inkml:inkSource xml:id="inkSrc0">
-        <inkml:traceFormat>
-          <inkml:channel name="X" type="integer" min="-2.14748E9" max="2.14748E9" units="cm"/>
-          <inkml:channel name="Y" type="integer" min="-2.14748E9" max="2.14748E9" units="cm"/>
-          <inkml:channel name="F" type="integer" max="32767" units="dev"/>
-        </inkml:traceFormat>
-        <inkml:channelProperties>
-          <inkml:channelProperty channel="X" name="resolution" value="1000" units="1/cm"/>
-          <inkml:channelProperty channel="Y" name="resolution" value="1000" units="1/cm"/>
-          <inkml:channelProperty channel="F" name="resolution" value="0" units="1/dev"/>
-        </inkml:channelProperties>
-      </inkml:inkSource>
-      <inkml:timestamp xml:id="ts0" timeString="2022-11-07T17:58:34.733"/>
-    </inkml:context>
-    <inkml:brush xml:id="br0">
-      <inkml:brushProperty name="width" value="0.05" units="cm"/>
-      <inkml:brushProperty name="height" value="0.05" units="cm"/>
-    </inkml:brush>
-  </inkml:definitions>
-  <inkml:trace contextRef="#ctx0" brushRef="#br0">0 1 24575,'111'250'0,"119"291"0,-131-267 0,67 165 0,-25-145 0,11-6 0,285 402 0,480 466 0,-467-664 0,21-20 0,21-21 0,821 581 0,104-90 0,67-107 0,199-71 0,-1294-619 0,7-17 0,591 112 0,-94-108 0,5-32 0,-836-94 0,1577 88 0,-1228-101 0,808-121 0,-1100 106-1365,-93 18-5461</inkml:trace>
-</inkml:ink>
-</file>
-
-<file path=ppt/ink/ink13.xml><?xml version="1.0" encoding="utf-8"?>
-<inkml:ink xmlns:inkml="http://www.w3.org/2003/InkML">
-  <inkml:definitions>
-    <inkml:context xml:id="ctx0">
-      <inkml:inkSource xml:id="inkSrc0">
-        <inkml:traceFormat>
-          <inkml:channel name="X" type="integer" min="-2.14748E9" max="2.14748E9" units="cm"/>
-          <inkml:channel name="Y" type="integer" min="-2.14748E9" max="2.14748E9" units="cm"/>
-        </inkml:traceFormat>
-        <inkml:channelProperties>
-          <inkml:channelProperty channel="X" name="resolution" value="1000" units="1/cm"/>
-          <inkml:channelProperty channel="Y" name="resolution" value="1000" units="1/cm"/>
-        </inkml:channelProperties>
-      </inkml:inkSource>
-      <inkml:timestamp xml:id="ts0" timeString="2022-11-07T17:58:43.173"/>
-    </inkml:context>
-    <inkml:brush xml:id="br0">
-      <inkml:brushProperty name="width" value="0.05" units="cm"/>
-      <inkml:brushProperty name="height" value="0.05" units="cm"/>
-      <inkml:brushProperty name="color" value="#E71224"/>
-      <inkml:brushProperty name="ignorePressure" value="1"/>
-    </inkml:brush>
-  </inkml:definitions>
-  <inkml:trace contextRef="#ctx0" brushRef="#br0">1 0,'15101'11380,"-15081"-11365</inkml:trace>
-</inkml:ink>
-</file>
-
-<file path=ppt/ink/ink14.xml><?xml version="1.0" encoding="utf-8"?>
-<inkml:ink xmlns:inkml="http://www.w3.org/2003/InkML">
-  <inkml:definitions>
-    <inkml:context xml:id="ctx0">
-      <inkml:inkSource xml:id="inkSrc0">
-        <inkml:traceFormat>
-          <inkml:channel name="X" type="integer" min="-2.14748E9" max="2.14748E9" units="cm"/>
-          <inkml:channel name="Y" type="integer" min="-2.14748E9" max="2.14748E9" units="cm"/>
-        </inkml:traceFormat>
-        <inkml:channelProperties>
-          <inkml:channelProperty channel="X" name="resolution" value="1000" units="1/cm"/>
-          <inkml:channelProperty channel="Y" name="resolution" value="1000" units="1/cm"/>
-        </inkml:channelProperties>
-      </inkml:inkSource>
-      <inkml:timestamp xml:id="ts0" timeString="2022-11-07T17:58:50.731"/>
-    </inkml:context>
-    <inkml:brush xml:id="br0">
-      <inkml:brushProperty name="width" value="0.05" units="cm"/>
-      <inkml:brushProperty name="height" value="0.05" units="cm"/>
-      <inkml:brushProperty name="ignorePressure" value="1"/>
-    </inkml:brush>
-  </inkml:definitions>
-  <inkml:trace contextRef="#ctx0" brushRef="#br0">1 0,'0'1412,"0"-1239</inkml:trace>
-</inkml:ink>
-</file>
-
-<file path=ppt/ink/ink15.xml><?xml version="1.0" encoding="utf-8"?>
-<inkml:ink xmlns:inkml="http://www.w3.org/2003/InkML">
-  <inkml:definitions>
-    <inkml:context xml:id="ctx0">
-      <inkml:inkSource xml:id="inkSrc0">
-        <inkml:traceFormat>
-          <inkml:channel name="X" type="integer" min="-2.14748E9" max="2.14748E9" units="cm"/>
-          <inkml:channel name="Y" type="integer" min="-2.14748E9" max="2.14748E9" units="cm"/>
-        </inkml:traceFormat>
-        <inkml:channelProperties>
-          <inkml:channelProperty channel="X" name="resolution" value="1000" units="1/cm"/>
-          <inkml:channelProperty channel="Y" name="resolution" value="1000" units="1/cm"/>
-        </inkml:channelProperties>
-      </inkml:inkSource>
-      <inkml:timestamp xml:id="ts0" timeString="2022-11-07T17:59:33.423"/>
-    </inkml:context>
-    <inkml:brush xml:id="br0">
-      <inkml:brushProperty name="width" value="0.05" units="cm"/>
-      <inkml:brushProperty name="height" value="0.05" units="cm"/>
-      <inkml:brushProperty name="color" value="#004F8B"/>
-      <inkml:brushProperty name="ignorePressure" value="1"/>
-    </inkml:brush>
-  </inkml:definitions>
-  <inkml:trace contextRef="#ctx0" brushRef="#br0">1 1,'0'0,"0"0,0 0,0 0,0 0,0 0,0 0,13 7,20226 11678,-20229-11679</inkml:trace>
-</inkml:ink>
-</file>
-
-<file path=ppt/ink/ink16.xml><?xml version="1.0" encoding="utf-8"?>
-<inkml:ink xmlns:inkml="http://www.w3.org/2003/InkML">
-  <inkml:definitions>
-    <inkml:context xml:id="ctx0">
-      <inkml:inkSource xml:id="inkSrc0">
-        <inkml:traceFormat>
-          <inkml:channel name="X" type="integer" min="-2.14748E9" max="2.14748E9" units="cm"/>
-          <inkml:channel name="Y" type="integer" min="-2.14748E9" max="2.14748E9" units="cm"/>
-        </inkml:traceFormat>
-        <inkml:channelProperties>
-          <inkml:channelProperty channel="X" name="resolution" value="1000" units="1/cm"/>
-          <inkml:channelProperty channel="Y" name="resolution" value="1000" units="1/cm"/>
-        </inkml:channelProperties>
-      </inkml:inkSource>
-      <inkml:timestamp xml:id="ts0" timeString="2022-11-07T17:59:39.593"/>
-    </inkml:context>
-    <inkml:brush xml:id="br0">
-      <inkml:brushProperty name="width" value="0.05" units="cm"/>
-      <inkml:brushProperty name="height" value="0.05" units="cm"/>
-      <inkml:brushProperty name="color" value="#004F8B"/>
-      <inkml:brushProperty name="ignorePressure" value="1"/>
-    </inkml:brush>
-  </inkml:definitions>
-  <inkml:trace contextRef="#ctx0" brushRef="#br0">0 0,'0'896,"0"-854</inkml:trace>
-</inkml:ink>
-</file>
-
-<file path=ppt/ink/ink17.xml><?xml version="1.0" encoding="utf-8"?>
-<inkml:ink xmlns:inkml="http://www.w3.org/2003/InkML">
-  <inkml:definitions>
-    <inkml:context xml:id="ctx0">
-      <inkml:inkSource xml:id="inkSrc0">
-        <inkml:traceFormat>
-          <inkml:channel name="X" type="integer" min="-2.14748E9" max="2.14748E9" units="cm"/>
-          <inkml:channel name="Y" type="integer" min="-2.14748E9" max="2.14748E9" units="cm"/>
-        </inkml:traceFormat>
-        <inkml:channelProperties>
-          <inkml:channelProperty channel="X" name="resolution" value="1000" units="1/cm"/>
-          <inkml:channelProperty channel="Y" name="resolution" value="1000" units="1/cm"/>
-        </inkml:channelProperties>
-      </inkml:inkSource>
-      <inkml:timestamp xml:id="ts0" timeString="2022-11-07T17:59:40.148"/>
-    </inkml:context>
-    <inkml:brush xml:id="br0">
-      <inkml:brushProperty name="width" value="0.05" units="cm"/>
-      <inkml:brushProperty name="height" value="0.05" units="cm"/>
-      <inkml:brushProperty name="color" value="#004F8B"/>
-      <inkml:brushProperty name="ignorePressure" value="1"/>
-    </inkml:brush>
-  </inkml:definitions>
-  <inkml:trace contextRef="#ctx0" brushRef="#br0">0 1,'0'1128,"0"-1022</inkml:trace>
-</inkml:ink>
-</file>
-
-<file path=ppt/ink/ink18.xml><?xml version="1.0" encoding="utf-8"?>
-<inkml:ink xmlns:inkml="http://www.w3.org/2003/InkML">
-  <inkml:definitions>
-    <inkml:context xml:id="ctx0">
-      <inkml:inkSource xml:id="inkSrc0">
-        <inkml:traceFormat>
-          <inkml:channel name="X" type="integer" min="-2.14748E9" max="2.14748E9" units="cm"/>
-          <inkml:channel name="Y" type="integer" min="-2.14748E9" max="2.14748E9" units="cm"/>
-        </inkml:traceFormat>
-        <inkml:channelProperties>
-          <inkml:channelProperty channel="X" name="resolution" value="1000" units="1/cm"/>
-          <inkml:channelProperty channel="Y" name="resolution" value="1000" units="1/cm"/>
-        </inkml:channelProperties>
-      </inkml:inkSource>
-      <inkml:timestamp xml:id="ts0" timeString="2022-11-07T17:59:40.648"/>
-    </inkml:context>
-    <inkml:brush xml:id="br0">
-      <inkml:brushProperty name="width" value="0.05" units="cm"/>
-      <inkml:brushProperty name="height" value="0.05" units="cm"/>
-      <inkml:brushProperty name="color" value="#004F8B"/>
-      <inkml:brushProperty name="ignorePressure" value="1"/>
-    </inkml:brush>
-  </inkml:definitions>
-  <inkml:trace contextRef="#ctx0" brushRef="#br0">0 1,'0'1388,"0"-1321</inkml:trace>
-</inkml:ink>
-</file>
-
-<file path=ppt/ink/ink19.xml><?xml version="1.0" encoding="utf-8"?>
-<inkml:ink xmlns:inkml="http://www.w3.org/2003/InkML">
-  <inkml:definitions>
-    <inkml:context xml:id="ctx0">
-      <inkml:inkSource xml:id="inkSrc0">
-        <inkml:traceFormat>
-          <inkml:channel name="X" type="integer" min="-2.14748E9" max="2.14748E9" units="cm"/>
-          <inkml:channel name="Y" type="integer" min="-2.14748E9" max="2.14748E9" units="cm"/>
-        </inkml:traceFormat>
-        <inkml:channelProperties>
-          <inkml:channelProperty channel="X" name="resolution" value="1000" units="1/cm"/>
-          <inkml:channelProperty channel="Y" name="resolution" value="1000" units="1/cm"/>
-        </inkml:channelProperties>
-      </inkml:inkSource>
-      <inkml:timestamp xml:id="ts0" timeString="2022-11-07T17:59:44.736"/>
-    </inkml:context>
-    <inkml:brush xml:id="br0">
-      <inkml:brushProperty name="width" value="0.05" units="cm"/>
-      <inkml:brushProperty name="height" value="0.05" units="cm"/>
-      <inkml:brushProperty name="color" value="#004F8B"/>
-      <inkml:brushProperty name="ignorePressure" value="1"/>
-    </inkml:brush>
-  </inkml:definitions>
-  <inkml:trace contextRef="#ctx0" brushRef="#br0">838 0,'0'0,"0"0,0 0,0 0,0 0,0 0,0 0,0 0,0 0,0 0,0 0,0 0,0 0,0 0,0 0,-3 0,-788 0,747 0</inkml:trace>
-</inkml:ink>
-</file>
-
-<file path=ppt/ink/ink2.xml><?xml version="1.0" encoding="utf-8"?>
-<inkml:ink xmlns:inkml="http://www.w3.org/2003/InkML">
-  <inkml:definitions>
-    <inkml:context xml:id="ctx0">
-      <inkml:inkSource xml:id="inkSrc0">
-        <inkml:traceFormat>
-          <inkml:channel name="X" type="integer" min="-2.14748E9" max="2.14748E9" units="cm"/>
-          <inkml:channel name="Y" type="integer" min="-2.14748E9" max="2.14748E9" units="cm"/>
-        </inkml:traceFormat>
-        <inkml:channelProperties>
-          <inkml:channelProperty channel="X" name="resolution" value="1000" units="1/cm"/>
-          <inkml:channelProperty channel="Y" name="resolution" value="1000" units="1/cm"/>
-        </inkml:channelProperties>
-      </inkml:inkSource>
-      <inkml:timestamp xml:id="ts0" timeString="2022-11-07T17:57:53.066"/>
-    </inkml:context>
-    <inkml:brush xml:id="br0">
-      <inkml:brushProperty name="width" value="0.05" units="cm"/>
-      <inkml:brushProperty name="height" value="0.05" units="cm"/>
-      <inkml:brushProperty name="ignorePressure" value="1"/>
-    </inkml:brush>
-  </inkml:definitions>
-  <inkml:trace contextRef="#ctx0" brushRef="#br0">0 1,'0'0,"0"0,0 0,0 0,0 0,0 0,0 0,0 0,0 0,0 0,0 0,3 0,22485 0,-21453 0,-1035 0,0 0</inkml:trace>
-</inkml:ink>
-</file>
-
-<file path=ppt/ink/ink20.xml><?xml version="1.0" encoding="utf-8"?>
-<inkml:ink xmlns:inkml="http://www.w3.org/2003/InkML">
-  <inkml:definitions>
-    <inkml:context xml:id="ctx0">
-      <inkml:inkSource xml:id="inkSrc0">
-        <inkml:traceFormat>
-          <inkml:channel name="X" type="integer" min="-2.14748E9" max="2.14748E9" units="cm"/>
-          <inkml:channel name="Y" type="integer" min="-2.14748E9" max="2.14748E9" units="cm"/>
-        </inkml:traceFormat>
-        <inkml:channelProperties>
-          <inkml:channelProperty channel="X" name="resolution" value="1000" units="1/cm"/>
-          <inkml:channelProperty channel="Y" name="resolution" value="1000" units="1/cm"/>
-        </inkml:channelProperties>
-      </inkml:inkSource>
-      <inkml:timestamp xml:id="ts0" timeString="2022-11-07T17:59:45.189"/>
-    </inkml:context>
-    <inkml:brush xml:id="br0">
-      <inkml:brushProperty name="width" value="0.05" units="cm"/>
-      <inkml:brushProperty name="height" value="0.05" units="cm"/>
-      <inkml:brushProperty name="color" value="#004F8B"/>
-      <inkml:brushProperty name="ignorePressure" value="1"/>
-    </inkml:brush>
-  </inkml:definitions>
-  <inkml:trace contextRef="#ctx0" brushRef="#br0">927 0,'-854'0,"781"0</inkml:trace>
-</inkml:ink>
-</file>
-
-<file path=ppt/ink/ink21.xml><?xml version="1.0" encoding="utf-8"?>
-<inkml:ink xmlns:inkml="http://www.w3.org/2003/InkML">
-  <inkml:definitions>
-    <inkml:context xml:id="ctx0">
-      <inkml:inkSource xml:id="inkSrc0">
-        <inkml:traceFormat>
-          <inkml:channel name="X" type="integer" min="-2.14748E9" max="2.14748E9" units="cm"/>
-          <inkml:channel name="Y" type="integer" min="-2.14748E9" max="2.14748E9" units="cm"/>
-        </inkml:traceFormat>
-        <inkml:channelProperties>
-          <inkml:channelProperty channel="X" name="resolution" value="1000" units="1/cm"/>
-          <inkml:channelProperty channel="Y" name="resolution" value="1000" units="1/cm"/>
-        </inkml:channelProperties>
-      </inkml:inkSource>
-      <inkml:timestamp xml:id="ts0" timeString="2022-11-07T17:59:45.628"/>
-    </inkml:context>
-    <inkml:brush xml:id="br0">
-      <inkml:brushProperty name="width" value="0.05" units="cm"/>
-      <inkml:brushProperty name="height" value="0.05" units="cm"/>
-      <inkml:brushProperty name="color" value="#004F8B"/>
-      <inkml:brushProperty name="ignorePressure" value="1"/>
-    </inkml:brush>
-  </inkml:definitions>
-  <inkml:trace contextRef="#ctx0" brushRef="#br0">1258 0,'-1189'0,"1120"0</inkml:trace>
-</inkml:ink>
-</file>
-
-<file path=ppt/ink/ink22.xml><?xml version="1.0" encoding="utf-8"?>
-<inkml:ink xmlns:inkml="http://www.w3.org/2003/InkML">
-  <inkml:definitions>
-    <inkml:context xml:id="ctx0">
-      <inkml:inkSource xml:id="inkSrc0">
-        <inkml:traceFormat>
-          <inkml:channel name="X" type="integer" min="-2.14748E9" max="2.14748E9" units="cm"/>
-          <inkml:channel name="Y" type="integer" min="-2.14748E9" max="2.14748E9" units="cm"/>
-        </inkml:traceFormat>
-        <inkml:channelProperties>
-          <inkml:channelProperty channel="X" name="resolution" value="1000" units="1/cm"/>
-          <inkml:channelProperty channel="Y" name="resolution" value="1000" units="1/cm"/>
-        </inkml:channelProperties>
-      </inkml:inkSource>
-      <inkml:timestamp xml:id="ts0" timeString="2022-11-07T17:59:46.058"/>
-    </inkml:context>
-    <inkml:brush xml:id="br0">
-      <inkml:brushProperty name="width" value="0.05" units="cm"/>
-      <inkml:brushProperty name="height" value="0.05" units="cm"/>
-      <inkml:brushProperty name="color" value="#004F8B"/>
-      <inkml:brushProperty name="ignorePressure" value="1"/>
-    </inkml:brush>
-  </inkml:definitions>
-  <inkml:trace contextRef="#ctx0" brushRef="#br0">1200 0,'-1145'0,"1091"0</inkml:trace>
-</inkml:ink>
-</file>
-
-<file path=ppt/ink/ink23.xml><?xml version="1.0" encoding="utf-8"?>
-<inkml:ink xmlns:inkml="http://www.w3.org/2003/InkML">
-  <inkml:definitions>
-    <inkml:context xml:id="ctx0">
-      <inkml:inkSource xml:id="inkSrc0">
-        <inkml:traceFormat>
-          <inkml:channel name="X" type="integer" min="-2.14748E9" max="2.14748E9" units="cm"/>
-          <inkml:channel name="Y" type="integer" min="-2.14748E9" max="2.14748E9" units="cm"/>
-        </inkml:traceFormat>
-        <inkml:channelProperties>
-          <inkml:channelProperty channel="X" name="resolution" value="1000" units="1/cm"/>
-          <inkml:channelProperty channel="Y" name="resolution" value="1000" units="1/cm"/>
-        </inkml:channelProperties>
-      </inkml:inkSource>
-      <inkml:timestamp xml:id="ts0" timeString="2022-11-07T17:59:46.496"/>
-    </inkml:context>
-    <inkml:brush xml:id="br0">
-      <inkml:brushProperty name="width" value="0.05" units="cm"/>
-      <inkml:brushProperty name="height" value="0.05" units="cm"/>
-      <inkml:brushProperty name="color" value="#004F8B"/>
-      <inkml:brushProperty name="ignorePressure" value="1"/>
-    </inkml:brush>
-  </inkml:definitions>
-  <inkml:trace contextRef="#ctx0" brushRef="#br0">1160 0,'-1057'0,"955"0</inkml:trace>
-</inkml:ink>
-</file>
-
-<file path=ppt/ink/ink24.xml><?xml version="1.0" encoding="utf-8"?>
-<inkml:ink xmlns:inkml="http://www.w3.org/2003/InkML">
-  <inkml:definitions>
-    <inkml:context xml:id="ctx0">
-      <inkml:inkSource xml:id="inkSrc0">
-        <inkml:traceFormat>
-          <inkml:channel name="X" type="integer" min="-2.14748E9" max="2.14748E9" units="cm"/>
-          <inkml:channel name="Y" type="integer" min="-2.14748E9" max="2.14748E9" units="cm"/>
-        </inkml:traceFormat>
-        <inkml:channelProperties>
-          <inkml:channelProperty channel="X" name="resolution" value="1000" units="1/cm"/>
-          <inkml:channelProperty channel="Y" name="resolution" value="1000" units="1/cm"/>
-        </inkml:channelProperties>
-      </inkml:inkSource>
-      <inkml:timestamp xml:id="ts0" timeString="2022-11-07T17:58:49.068"/>
-    </inkml:context>
-    <inkml:brush xml:id="br0">
-      <inkml:brushProperty name="width" value="0.05" units="cm"/>
-      <inkml:brushProperty name="height" value="0.05" units="cm"/>
-      <inkml:brushProperty name="ignorePressure" value="1"/>
-    </inkml:brush>
-  </inkml:definitions>
-  <inkml:trace contextRef="#ctx0" brushRef="#br0">1 0,'0'386,"0"-323</inkml:trace>
-</inkml:ink>
-</file>
-
-<file path=ppt/ink/ink25.xml><?xml version="1.0" encoding="utf-8"?>
-<inkml:ink xmlns:inkml="http://www.w3.org/2003/InkML">
-  <inkml:definitions>
-    <inkml:context xml:id="ctx0">
-      <inkml:inkSource xml:id="inkSrc0">
-        <inkml:traceFormat>
-          <inkml:channel name="X" type="integer" min="-2.14748E9" max="2.14748E9" units="cm"/>
-          <inkml:channel name="Y" type="integer" min="-2.14748E9" max="2.14748E9" units="cm"/>
-        </inkml:traceFormat>
-        <inkml:channelProperties>
-          <inkml:channelProperty channel="X" name="resolution" value="1000" units="1/cm"/>
-          <inkml:channelProperty channel="Y" name="resolution" value="1000" units="1/cm"/>
-        </inkml:channelProperties>
-      </inkml:inkSource>
-      <inkml:timestamp xml:id="ts0" timeString="2022-11-07T17:58:49.594"/>
-    </inkml:context>
-    <inkml:brush xml:id="br0">
-      <inkml:brushProperty name="width" value="0.05" units="cm"/>
-      <inkml:brushProperty name="height" value="0.05" units="cm"/>
-      <inkml:brushProperty name="ignorePressure" value="1"/>
-    </inkml:brush>
-  </inkml:definitions>
-  <inkml:trace contextRef="#ctx0" brushRef="#br0">1 1,'0'0,"0"0,0 0,0 0,0 0,0 17,0 33,0 47,0 58,0 1</inkml:trace>
-</inkml:ink>
-</file>
-
-<file path=ppt/ink/ink26.xml><?xml version="1.0" encoding="utf-8"?>
-<inkml:ink xmlns:inkml="http://www.w3.org/2003/InkML">
-  <inkml:definitions>
-    <inkml:context xml:id="ctx0">
-      <inkml:inkSource xml:id="inkSrc0">
-        <inkml:traceFormat>
-          <inkml:channel name="X" type="integer" min="-2.14748E9" max="2.14748E9" units="cm"/>
-          <inkml:channel name="Y" type="integer" min="-2.14748E9" max="2.14748E9" units="cm"/>
-        </inkml:traceFormat>
-        <inkml:channelProperties>
-          <inkml:channelProperty channel="X" name="resolution" value="1000" units="1/cm"/>
-          <inkml:channelProperty channel="Y" name="resolution" value="1000" units="1/cm"/>
-        </inkml:channelProperties>
-      </inkml:inkSource>
-      <inkml:timestamp xml:id="ts0" timeString="2022-11-07T17:58:50.152"/>
-    </inkml:context>
-    <inkml:brush xml:id="br0">
-      <inkml:brushProperty name="width" value="0.05" units="cm"/>
-      <inkml:brushProperty name="height" value="0.05" units="cm"/>
-      <inkml:brushProperty name="ignorePressure" value="1"/>
-    </inkml:brush>
-  </inkml:definitions>
-  <inkml:trace contextRef="#ctx0" brushRef="#br0">1 1,'0'0,"0"0,0 0,0 0,0 18,0 38,0 63,0 83,0 29,0-31,0-49</inkml:trace>
-</inkml:ink>
-</file>
-
-<file path=ppt/ink/ink27.xml><?xml version="1.0" encoding="utf-8"?>
-<inkml:ink xmlns:inkml="http://www.w3.org/2003/InkML">
-  <inkml:definitions>
-    <inkml:context xml:id="ctx0">
-      <inkml:inkSource xml:id="inkSrc0">
-        <inkml:traceFormat>
-          <inkml:channel name="X" type="integer" min="-2.14748E9" max="2.14748E9" units="cm"/>
-          <inkml:channel name="Y" type="integer" min="-2.14748E9" max="2.14748E9" units="cm"/>
-        </inkml:traceFormat>
-        <inkml:channelProperties>
-          <inkml:channelProperty channel="X" name="resolution" value="1000" units="1/cm"/>
-          <inkml:channelProperty channel="Y" name="resolution" value="1000" units="1/cm"/>
-        </inkml:channelProperties>
-      </inkml:inkSource>
-      <inkml:timestamp xml:id="ts0" timeString="2022-11-07T17:58:57.107"/>
-    </inkml:context>
-    <inkml:brush xml:id="br0">
-      <inkml:brushProperty name="width" value="0.05" units="cm"/>
-      <inkml:brushProperty name="height" value="0.05" units="cm"/>
-      <inkml:brushProperty name="ignorePressure" value="1"/>
-    </inkml:brush>
-  </inkml:definitions>
-  <inkml:trace contextRef="#ctx0" brushRef="#br0">625 1,'0'0,"0"0,0 0,0 0,0 0,-13 0,-26 0,-38 0,-50 0,-16 0,15 0,30 0</inkml:trace>
-</inkml:ink>
-</file>
-
-<file path=ppt/ink/ink28.xml><?xml version="1.0" encoding="utf-8"?>
-<inkml:ink xmlns:inkml="http://www.w3.org/2003/InkML">
-  <inkml:definitions>
-    <inkml:context xml:id="ctx0">
-      <inkml:inkSource xml:id="inkSrc0">
-        <inkml:traceFormat>
-          <inkml:channel name="X" type="integer" min="-2.14748E9" max="2.14748E9" units="cm"/>
-          <inkml:channel name="Y" type="integer" min="-2.14748E9" max="2.14748E9" units="cm"/>
-        </inkml:traceFormat>
-        <inkml:channelProperties>
-          <inkml:channelProperty channel="X" name="resolution" value="1000" units="1/cm"/>
-          <inkml:channelProperty channel="Y" name="resolution" value="1000" units="1/cm"/>
-        </inkml:channelProperties>
-      </inkml:inkSource>
-      <inkml:timestamp xml:id="ts0" timeString="2022-11-07T17:58:57.529"/>
-    </inkml:context>
-    <inkml:brush xml:id="br0">
-      <inkml:brushProperty name="width" value="0.05" units="cm"/>
-      <inkml:brushProperty name="height" value="0.05" units="cm"/>
-      <inkml:brushProperty name="ignorePressure" value="1"/>
-    </inkml:brush>
-  </inkml:definitions>
-  <inkml:trace contextRef="#ctx0" brushRef="#br0">1078 1,'-999'0,"921"0</inkml:trace>
-</inkml:ink>
-</file>
-
-<file path=ppt/ink/ink29.xml><?xml version="1.0" encoding="utf-8"?>
-<inkml:ink xmlns:inkml="http://www.w3.org/2003/InkML">
-  <inkml:definitions>
-    <inkml:context xml:id="ctx0">
-      <inkml:inkSource xml:id="inkSrc0">
-        <inkml:traceFormat>
-          <inkml:channel name="X" type="integer" min="-2.14748E9" max="2.14748E9" units="cm"/>
-          <inkml:channel name="Y" type="integer" min="-2.14748E9" max="2.14748E9" units="cm"/>
-        </inkml:traceFormat>
-        <inkml:channelProperties>
-          <inkml:channelProperty channel="X" name="resolution" value="1000" units="1/cm"/>
-          <inkml:channelProperty channel="Y" name="resolution" value="1000" units="1/cm"/>
-        </inkml:channelProperties>
-      </inkml:inkSource>
-      <inkml:timestamp xml:id="ts0" timeString="2022-11-07T17:58:58.736"/>
-    </inkml:context>
-    <inkml:brush xml:id="br0">
-      <inkml:brushProperty name="width" value="0.05" units="cm"/>
-      <inkml:brushProperty name="height" value="0.05" units="cm"/>
-      <inkml:brushProperty name="ignorePressure" value="1"/>
-    </inkml:brush>
-  </inkml:definitions>
-  <inkml:trace contextRef="#ctx0" brushRef="#br0">644 1,'0'0,"0"0,0 0,0 0,0 0,-22 0,-44 0,-64 0,-81 0,-4 0</inkml:trace>
-</inkml:ink>
-</file>
-
-<file path=ppt/ink/ink3.xml><?xml version="1.0" encoding="utf-8"?>
-<inkml:ink xmlns:inkml="http://www.w3.org/2003/InkML">
-  <inkml:definitions>
-    <inkml:context xml:id="ctx0">
-      <inkml:inkSource xml:id="inkSrc0">
-        <inkml:traceFormat>
-          <inkml:channel name="X" type="integer" min="-2.14748E9" max="2.14748E9" units="cm"/>
-          <inkml:channel name="Y" type="integer" min="-2.14748E9" max="2.14748E9" units="cm"/>
-          <inkml:channel name="F" type="integer" max="32767" units="dev"/>
-        </inkml:traceFormat>
-        <inkml:channelProperties>
-          <inkml:channelProperty channel="X" name="resolution" value="1000" units="1/cm"/>
-          <inkml:channelProperty channel="Y" name="resolution" value="1000" units="1/cm"/>
-          <inkml:channelProperty channel="F" name="resolution" value="0" units="1/dev"/>
-        </inkml:channelProperties>
-      </inkml:inkSource>
-      <inkml:timestamp xml:id="ts0" timeString="2022-11-07T17:58:34.733"/>
-    </inkml:context>
-    <inkml:brush xml:id="br0">
-      <inkml:brushProperty name="width" value="0.05" units="cm"/>
-      <inkml:brushProperty name="height" value="0.05" units="cm"/>
-    </inkml:brush>
-  </inkml:definitions>
-  <inkml:trace contextRef="#ctx0" brushRef="#br0">0 1 24575,'111'250'0,"119"291"0,-131-267 0,67 165 0,-25-145 0,11-6 0,285 402 0,480 466 0,-467-664 0,21-20 0,21-21 0,821 581 0,104-90 0,67-107 0,199-71 0,-1294-619 0,7-17 0,591 112 0,-94-108 0,5-32 0,-836-94 0,1577 88 0,-1228-101 0,808-121 0,-1100 106-1365,-93 18-5461</inkml:trace>
-</inkml:ink>
-</file>
-
-<file path=ppt/ink/ink30.xml><?xml version="1.0" encoding="utf-8"?>
-<inkml:ink xmlns:inkml="http://www.w3.org/2003/InkML">
-  <inkml:definitions>
-    <inkml:context xml:id="ctx0">
-      <inkml:inkSource xml:id="inkSrc0">
-        <inkml:traceFormat>
-          <inkml:channel name="X" type="integer" min="-2.14748E9" max="2.14748E9" units="cm"/>
-          <inkml:channel name="Y" type="integer" min="-2.14748E9" max="2.14748E9" units="cm"/>
-        </inkml:traceFormat>
-        <inkml:channelProperties>
-          <inkml:channelProperty channel="X" name="resolution" value="1000" units="1/cm"/>
-          <inkml:channelProperty channel="Y" name="resolution" value="1000" units="1/cm"/>
-        </inkml:channelProperties>
-      </inkml:inkSource>
-      <inkml:timestamp xml:id="ts0" timeString="2022-11-07T17:58:59.911"/>
-    </inkml:context>
-    <inkml:brush xml:id="br0">
-      <inkml:brushProperty name="width" value="0.05" units="cm"/>
-      <inkml:brushProperty name="height" value="0.05" units="cm"/>
-      <inkml:brushProperty name="ignorePressure" value="1"/>
-    </inkml:brush>
-  </inkml:definitions>
-  <inkml:trace contextRef="#ctx0" brushRef="#br0">1032 1,'0'0,"0"0,0 0,0 0,0 0,-20 0,-39 0,-52 0,-59 0,-17 0,23 0,32 0,23 0,30 0</inkml:trace>
-</inkml:ink>
-</file>
-
-<file path=ppt/ink/ink31.xml><?xml version="1.0" encoding="utf-8"?>
-<inkml:ink xmlns:inkml="http://www.w3.org/2003/InkML">
-  <inkml:definitions>
-    <inkml:context xml:id="ctx0">
-      <inkml:inkSource xml:id="inkSrc0">
-        <inkml:traceFormat>
-          <inkml:channel name="X" type="integer" min="-2.14748E9" max="2.14748E9" units="cm"/>
-          <inkml:channel name="Y" type="integer" min="-2.14748E9" max="2.14748E9" units="cm"/>
-          <inkml:channel name="F" type="integer" max="32767" units="dev"/>
-        </inkml:traceFormat>
-        <inkml:channelProperties>
-          <inkml:channelProperty channel="X" name="resolution" value="1000" units="1/cm"/>
-          <inkml:channelProperty channel="Y" name="resolution" value="1000" units="1/cm"/>
-          <inkml:channelProperty channel="F" name="resolution" value="0" units="1/dev"/>
-        </inkml:channelProperties>
-      </inkml:inkSource>
-      <inkml:timestamp xml:id="ts0" timeString="2022-11-07T17:59:53.386"/>
-    </inkml:context>
-    <inkml:brush xml:id="br0">
-      <inkml:brushProperty name="width" value="0.05" units="cm"/>
-      <inkml:brushProperty name="height" value="0.05" units="cm"/>
-    </inkml:brush>
-  </inkml:definitions>
-  <inkml:trace contextRef="#ctx0" brushRef="#br0">4696 7337 24575,'-63'-47'0,"-271"-196"0,-16 27 0,61 69 0,-78-41 0,270 132 0,-150-114 0,149 90 0,4-3 0,4-5 0,-108-135 0,-436-666 0,316 314 0,193 342 0,3-5 0,11-5 0,10-4 0,-81-307 0,-260-891 0,20 113-1365,410 1293-5461</inkml:trace>
-</inkml:ink>
-</file>
-
-<file path=ppt/ink/ink32.xml><?xml version="1.0" encoding="utf-8"?>
-<inkml:ink xmlns:inkml="http://www.w3.org/2003/InkML">
-  <inkml:definitions>
-    <inkml:context xml:id="ctx0">
-      <inkml:inkSource xml:id="inkSrc0">
-        <inkml:traceFormat>
-          <inkml:channel name="X" type="integer" min="-2.14748E9" max="2.14748E9" units="cm"/>
-          <inkml:channel name="Y" type="integer" min="-2.14748E9" max="2.14748E9" units="cm"/>
-          <inkml:channel name="F" type="integer" max="32767" units="dev"/>
-        </inkml:traceFormat>
-        <inkml:channelProperties>
-          <inkml:channelProperty channel="X" name="resolution" value="1000" units="1/cm"/>
-          <inkml:channelProperty channel="Y" name="resolution" value="1000" units="1/cm"/>
-          <inkml:channelProperty channel="F" name="resolution" value="0" units="1/dev"/>
-        </inkml:channelProperties>
-      </inkml:inkSource>
-      <inkml:timestamp xml:id="ts0" timeString="2022-11-07T17:59:54.719"/>
-    </inkml:context>
-    <inkml:brush xml:id="br0">
-      <inkml:brushProperty name="width" value="0.05" units="cm"/>
-      <inkml:brushProperty name="height" value="0.05" units="cm"/>
-    </inkml:brush>
-  </inkml:definitions>
-  <inkml:trace contextRef="#ctx0" brushRef="#br0">0 1 24575,'606'330'0,"-142"-88"0,-118-63 0,-194-104 0,3-7 0,293 85 0,345 17 0,-198-107 0,4-38 0,-534-22 0,936-4 0,-2-38 0,-391 12 0,343-25 0,-747 39 0,848-43-1365,-988 54-5461</inkml:trace>
-</inkml:ink>
-</file>
-
-<file path=ppt/ink/ink4.xml><?xml version="1.0" encoding="utf-8"?>
-<inkml:ink xmlns:inkml="http://www.w3.org/2003/InkML">
-  <inkml:definitions>
-    <inkml:context xml:id="ctx0">
-      <inkml:inkSource xml:id="inkSrc0">
-        <inkml:traceFormat>
-          <inkml:channel name="X" type="integer" min="-2.14748E9" max="2.14748E9" units="cm"/>
-          <inkml:channel name="Y" type="integer" min="-2.14748E9" max="2.14748E9" units="cm"/>
-        </inkml:traceFormat>
-        <inkml:channelProperties>
-          <inkml:channelProperty channel="X" name="resolution" value="1000" units="1/cm"/>
-          <inkml:channelProperty channel="Y" name="resolution" value="1000" units="1/cm"/>
-        </inkml:channelProperties>
-      </inkml:inkSource>
-      <inkml:timestamp xml:id="ts0" timeString="2022-11-07T17:58:43.173"/>
-    </inkml:context>
-    <inkml:brush xml:id="br0">
-      <inkml:brushProperty name="width" value="0.05" units="cm"/>
-      <inkml:brushProperty name="height" value="0.05" units="cm"/>
-      <inkml:brushProperty name="color" value="#E71224"/>
-      <inkml:brushProperty name="ignorePressure" value="1"/>
-    </inkml:brush>
-  </inkml:definitions>
-  <inkml:trace contextRef="#ctx0" brushRef="#br0">1 0,'15101'11380,"-15081"-11365</inkml:trace>
-</inkml:ink>
-</file>
-
-<file path=ppt/ink/ink5.xml><?xml version="1.0" encoding="utf-8"?>
-<inkml:ink xmlns:inkml="http://www.w3.org/2003/InkML">
-  <inkml:definitions>
-    <inkml:context xml:id="ctx0">
-      <inkml:inkSource xml:id="inkSrc0">
-        <inkml:traceFormat>
-          <inkml:channel name="X" type="integer" min="-2.14748E9" max="2.14748E9" units="cm"/>
-          <inkml:channel name="Y" type="integer" min="-2.14748E9" max="2.14748E9" units="cm"/>
-        </inkml:traceFormat>
-        <inkml:channelProperties>
-          <inkml:channelProperty channel="X" name="resolution" value="1000" units="1/cm"/>
-          <inkml:channelProperty channel="Y" name="resolution" value="1000" units="1/cm"/>
-        </inkml:channelProperties>
-      </inkml:inkSource>
-      <inkml:timestamp xml:id="ts0" timeString="2022-11-07T17:58:50.731"/>
-    </inkml:context>
-    <inkml:brush xml:id="br0">
-      <inkml:brushProperty name="width" value="0.05" units="cm"/>
-      <inkml:brushProperty name="height" value="0.05" units="cm"/>
-      <inkml:brushProperty name="ignorePressure" value="1"/>
-    </inkml:brush>
-  </inkml:definitions>
-  <inkml:trace contextRef="#ctx0" brushRef="#br0">1 0,'0'1412,"0"-1239</inkml:trace>
-</inkml:ink>
-</file>
-
-<file path=ppt/ink/ink6.xml><?xml version="1.0" encoding="utf-8"?>
-<inkml:ink xmlns:inkml="http://www.w3.org/2003/InkML">
-  <inkml:definitions>
-    <inkml:context xml:id="ctx0">
-      <inkml:inkSource xml:id="inkSrc0">
-        <inkml:traceFormat>
-          <inkml:channel name="X" type="integer" min="-2.14748E9" max="2.14748E9" units="cm"/>
-          <inkml:channel name="Y" type="integer" min="-2.14748E9" max="2.14748E9" units="cm"/>
-          <inkml:channel name="F" type="integer" max="32767" units="dev"/>
-        </inkml:traceFormat>
-        <inkml:channelProperties>
-          <inkml:channelProperty channel="X" name="resolution" value="1000" units="1/cm"/>
-          <inkml:channelProperty channel="Y" name="resolution" value="1000" units="1/cm"/>
-          <inkml:channelProperty channel="F" name="resolution" value="0" units="1/dev"/>
-        </inkml:channelProperties>
-      </inkml:inkSource>
-      <inkml:timestamp xml:id="ts0" timeString="2022-11-07T18:01:13.425"/>
-    </inkml:context>
-    <inkml:brush xml:id="br0">
-      <inkml:brushProperty name="width" value="0.05" units="cm"/>
-      <inkml:brushProperty name="height" value="0.05" units="cm"/>
-    </inkml:brush>
-  </inkml:definitions>
-  <inkml:trace contextRef="#ctx0" brushRef="#br0">192 1315 24575,'-1'-17'0,"-1"1"0,0-1 0,-2 0 0,-7-24 0,-4-15 0,0-13 0,-82-415 0,77 353 0,-5-234 0,26 310-1365,0 9-5461</inkml:trace>
-</inkml:ink>
-</file>
-
-<file path=ppt/ink/ink7.xml><?xml version="1.0" encoding="utf-8"?>
-<inkml:ink xmlns:inkml="http://www.w3.org/2003/InkML">
-  <inkml:definitions>
-    <inkml:context xml:id="ctx0">
-      <inkml:inkSource xml:id="inkSrc0">
-        <inkml:traceFormat>
-          <inkml:channel name="X" type="integer" min="-2.14748E9" max="2.14748E9" units="cm"/>
-          <inkml:channel name="Y" type="integer" min="-2.14748E9" max="2.14748E9" units="cm"/>
-          <inkml:channel name="F" type="integer" max="32767" units="dev"/>
-        </inkml:traceFormat>
-        <inkml:channelProperties>
-          <inkml:channelProperty channel="X" name="resolution" value="1000" units="1/cm"/>
-          <inkml:channelProperty channel="Y" name="resolution" value="1000" units="1/cm"/>
-          <inkml:channelProperty channel="F" name="resolution" value="0" units="1/dev"/>
-        </inkml:channelProperties>
-      </inkml:inkSource>
-      <inkml:timestamp xml:id="ts0" timeString="2022-11-07T18:01:14.082"/>
-    </inkml:context>
-    <inkml:brush xml:id="br0">
-      <inkml:brushProperty name="width" value="0.05" units="cm"/>
-      <inkml:brushProperty name="height" value="0.05" units="cm"/>
-    </inkml:brush>
-  </inkml:definitions>
-  <inkml:trace contextRef="#ctx0" brushRef="#br0">0 1073 24575,'1'-20'0,"37"-978"-1365,-36 944-5461</inkml:trace>
-</inkml:ink>
-</file>
-
-<file path=ppt/ink/ink8.xml><?xml version="1.0" encoding="utf-8"?>
-<inkml:ink xmlns:inkml="http://www.w3.org/2003/InkML">
-  <inkml:definitions>
-    <inkml:context xml:id="ctx0">
-      <inkml:inkSource xml:id="inkSrc0">
-        <inkml:traceFormat>
-          <inkml:channel name="X" type="integer" min="-2.14748E9" max="2.14748E9" units="cm"/>
-          <inkml:channel name="Y" type="integer" min="-2.14748E9" max="2.14748E9" units="cm"/>
-          <inkml:channel name="F" type="integer" max="32767" units="dev"/>
-        </inkml:traceFormat>
-        <inkml:channelProperties>
-          <inkml:channelProperty channel="X" name="resolution" value="1000" units="1/cm"/>
-          <inkml:channelProperty channel="Y" name="resolution" value="1000" units="1/cm"/>
-          <inkml:channelProperty channel="F" name="resolution" value="0" units="1/dev"/>
-        </inkml:channelProperties>
-      </inkml:inkSource>
-      <inkml:timestamp xml:id="ts0" timeString="2022-11-07T18:01:14.668"/>
-    </inkml:context>
-    <inkml:brush xml:id="br0">
-      <inkml:brushProperty name="width" value="0.05" units="cm"/>
-      <inkml:brushProperty name="height" value="0.05" units="cm"/>
-    </inkml:brush>
-  </inkml:definitions>
-  <inkml:trace contextRef="#ctx0" brushRef="#br0">1190 49 24575,'0'0'0,"0"0"0,0 0 0,0 0 0,0 0 0,0 0 0,-2 0 0,-265-30-455,0 12 0,-303 17 0,487 7-6371</inkml:trace>
-</inkml:ink>
-</file>
-
-<file path=ppt/ink/ink9.xml><?xml version="1.0" encoding="utf-8"?>
-<inkml:ink xmlns:inkml="http://www.w3.org/2003/InkML">
-  <inkml:definitions>
-    <inkml:context xml:id="ctx0">
-      <inkml:inkSource xml:id="inkSrc0">
-        <inkml:traceFormat>
-          <inkml:channel name="X" type="integer" min="-2.14748E9" max="2.14748E9" units="cm"/>
-          <inkml:channel name="Y" type="integer" min="-2.14748E9" max="2.14748E9" units="cm"/>
-          <inkml:channel name="F" type="integer" max="32767" units="dev"/>
-        </inkml:traceFormat>
-        <inkml:channelProperties>
-          <inkml:channelProperty channel="X" name="resolution" value="1000" units="1/cm"/>
-          <inkml:channelProperty channel="Y" name="resolution" value="1000" units="1/cm"/>
-          <inkml:channelProperty channel="F" name="resolution" value="0" units="1/dev"/>
-        </inkml:channelProperties>
-      </inkml:inkSource>
-      <inkml:timestamp xml:id="ts0" timeString="2022-11-07T18:01:15.111"/>
-    </inkml:context>
-    <inkml:brush xml:id="br0">
-      <inkml:brushProperty name="width" value="0.05" units="cm"/>
-      <inkml:brushProperty name="height" value="0.05" units="cm"/>
-    </inkml:brush>
-  </inkml:definitions>
-  <inkml:trace contextRef="#ctx0" brushRef="#br0">1617 86 24575,'0'0'0,"0"0"0,0 0 0,0 0 0,0 0 0,0 0 0,0 0 0,-14-3 0,-30-7 0,-58-6 0,-83-8 0,-57 3 0,-23 11 0,-7 9 0,2 6 0,47 2-8191</inkml:trace>
-</inkml:ink>
-</file>
-
 <file path=ppt/notesMasters/notesMaster1.xml><?xml version="1.0" encoding="utf-8"?>
 <p:notesMaster xmlns:a="http://schemas.openxmlformats.org/drawingml/2006/main" xmlns:r="http://schemas.openxmlformats.org/officeDocument/2006/relationships" xmlns:p="http://schemas.openxmlformats.org/presentationml/2006/main">
   <p:cSld>
@@ -1115,7 +264,7 @@
           <a:p>
             <a:fld id="{EF911157-0FC2-4F06-8D61-FD647FE4E19D}" type="datetimeFigureOut">
               <a:rPr lang="en-US" smtClean="0"/>
-              <a:t>11/25/2022</a:t>
+              <a:t>1/30/2023</a:t>
             </a:fld>
             <a:endParaRPr lang="en-US"/>
           </a:p>
@@ -1494,7 +643,7 @@
       </p:grpSpPr>
       <p:sp>
         <p:nvSpPr>
-          <p:cNvPr id="38914" name="Slide Image Placeholder 1"/>
+          <p:cNvPr id="84994" name="Slide Image Placeholder 1"/>
           <p:cNvSpPr>
             <a:spLocks noGrp="1" noRot="1" noChangeAspect="1" noTextEdit="1"/>
           </p:cNvSpPr>
@@ -1502,13 +651,25 @@
             <p:ph type="sldImg"/>
           </p:nvPr>
         </p:nvSpPr>
-        <p:spPr>
-          <a:ln/>
+        <p:spPr bwMode="auto">
+          <a:xfrm>
+            <a:off x="381000" y="687388"/>
+            <a:ext cx="6096000" cy="3429000"/>
+          </a:xfrm>
+          <a:noFill/>
+          <a:ln>
+            <a:solidFill>
+              <a:srgbClr val="000000"/>
+            </a:solidFill>
+            <a:miter lim="800000"/>
+            <a:headEnd/>
+            <a:tailEnd/>
+          </a:ln>
         </p:spPr>
       </p:sp>
       <p:sp>
         <p:nvSpPr>
-          <p:cNvPr id="38915" name="Notes Placeholder 2"/>
+          <p:cNvPr id="84995" name="Notes Placeholder 2"/>
           <p:cNvSpPr>
             <a:spLocks noGrp="1"/>
           </p:cNvSpPr>
@@ -1516,37 +677,58 @@
             <p:ph type="body" idx="1"/>
           </p:nvPr>
         </p:nvSpPr>
-        <p:spPr>
+        <p:spPr bwMode="auto">
           <a:noFill/>
-          <a:ln w="9525"/>
-          <a:extLst>
-            <a:ext uri="{909E8E84-426E-40DD-AFC4-6F175D3DCCD1}">
-              <a14:hiddenFill xmlns:a14="http://schemas.microsoft.com/office/drawing/2010/main">
-                <a:solidFill>
-                  <a:srgbClr val="FFFFFF"/>
-                </a:solidFill>
-              </a14:hiddenFill>
-            </a:ext>
-            <a:ext uri="{91240B29-F687-4F45-9708-019B960494DF}">
-              <a14:hiddenLine xmlns:a14="http://schemas.microsoft.com/office/drawing/2010/main" w="9525">
-                <a:solidFill>
-                  <a:srgbClr val="000000"/>
-                </a:solidFill>
-                <a:miter lim="800000"/>
-                <a:headEnd/>
-                <a:tailEnd/>
-              </a14:hiddenLine>
-            </a:ext>
-          </a:extLst>
         </p:spPr>
         <p:txBody>
           <a:bodyPr/>
           <a:lstStyle/>
           <a:p>
             <a:r>
-              <a:rPr lang="en-US" altLang="en-US" dirty="0"/>
-              <a:t>Note that when alpha = 1, your utility is still maximized. What if alpha goes past 1?Who falls into that category?</a:t>
-            </a:r>
+              <a:rPr lang="en-US" dirty="0"/>
+              <a:t>From Ellis</a:t>
+            </a:r>
+          </a:p>
+        </p:txBody>
+      </p:sp>
+      <p:sp>
+        <p:nvSpPr>
+          <p:cNvPr id="84996" name="Slide Number Placeholder 3"/>
+          <p:cNvSpPr>
+            <a:spLocks noGrp="1"/>
+          </p:cNvSpPr>
+          <p:nvPr>
+            <p:ph type="sldNum" sz="quarter" idx="5"/>
+          </p:nvPr>
+        </p:nvSpPr>
+        <p:spPr bwMode="auto">
+          <a:noFill/>
+          <a:ln>
+            <a:miter lim="800000"/>
+            <a:headEnd/>
+            <a:tailEnd/>
+          </a:ln>
+        </p:spPr>
+        <p:txBody>
+          <a:bodyPr wrap="square" numCol="1" anchorCtr="0" compatLnSpc="1">
+            <a:prstTxWarp prst="textNoShape">
+              <a:avLst/>
+            </a:prstTxWarp>
+          </a:bodyPr>
+          <a:lstStyle/>
+          <a:p>
+            <a:fld id="{9CFC6E28-888C-4469-8095-07D465CE24F2}" type="slidenum">
+              <a:rPr lang="en-US" smtClean="0">
+                <a:latin typeface="Arial" pitchFamily="34" charset="0"/>
+                <a:ea typeface="宋体" pitchFamily="2" charset="-122"/>
+              </a:rPr>
+              <a:pPr/>
+              <a:t>18</a:t>
+            </a:fld>
+            <a:endParaRPr lang="en-US">
+              <a:latin typeface="Arial" pitchFamily="34" charset="0"/>
+              <a:ea typeface="宋体" pitchFamily="2" charset="-122"/>
+            </a:endParaRPr>
           </a:p>
         </p:txBody>
       </p:sp>
@@ -1628,17 +810,12 @@
           <a:p>
             <a:r>
               <a:rPr lang="en-US" altLang="en-US" dirty="0"/>
-              <a:t>Note that here we incorporate two possible payment extremes into pi – model lets us flexibly compare these</a:t>
+              <a:t>Note that when alpha = 1, your utility is still maximized. What if alpha goes past 1?Who falls into that category?</a:t>
             </a:r>
           </a:p>
         </p:txBody>
       </p:sp>
     </p:spTree>
-    <p:extLst>
-      <p:ext uri="{BB962C8B-B14F-4D97-AF65-F5344CB8AC3E}">
-        <p14:creationId xmlns:p14="http://schemas.microsoft.com/office/powerpoint/2010/main" val="2860834563"/>
-      </p:ext>
-    </p:extLst>
   </p:cSld>
   <p:clrMapOvr>
     <a:masterClrMapping/>
@@ -1665,19 +842,21 @@
       </p:grpSpPr>
       <p:sp>
         <p:nvSpPr>
-          <p:cNvPr id="2" name="Slide Image Placeholder 1"/>
+          <p:cNvPr id="38914" name="Slide Image Placeholder 1"/>
           <p:cNvSpPr>
-            <a:spLocks noGrp="1" noRot="1" noChangeAspect="1"/>
+            <a:spLocks noGrp="1" noRot="1" noChangeAspect="1" noTextEdit="1"/>
           </p:cNvSpPr>
           <p:nvPr>
             <p:ph type="sldImg"/>
           </p:nvPr>
         </p:nvSpPr>
-        <p:spPr/>
+        <p:spPr>
+          <a:ln/>
+        </p:spPr>
       </p:sp>
       <p:sp>
         <p:nvSpPr>
-          <p:cNvPr id="3" name="Notes Placeholder 2"/>
+          <p:cNvPr id="38915" name="Notes Placeholder 2"/>
           <p:cNvSpPr>
             <a:spLocks noGrp="1"/>
           </p:cNvSpPr>
@@ -1685,45 +864,44 @@
             <p:ph type="body" idx="1"/>
           </p:nvPr>
         </p:nvSpPr>
-        <p:spPr/>
+        <p:spPr>
+          <a:noFill/>
+          <a:ln w="9525"/>
+          <a:extLst>
+            <a:ext uri="{909E8E84-426E-40DD-AFC4-6F175D3DCCD1}">
+              <a14:hiddenFill xmlns:a14="http://schemas.microsoft.com/office/drawing/2010/main">
+                <a:solidFill>
+                  <a:srgbClr val="FFFFFF"/>
+                </a:solidFill>
+              </a14:hiddenFill>
+            </a:ext>
+            <a:ext uri="{91240B29-F687-4F45-9708-019B960494DF}">
+              <a14:hiddenLine xmlns:a14="http://schemas.microsoft.com/office/drawing/2010/main" w="9525">
+                <a:solidFill>
+                  <a:srgbClr val="000000"/>
+                </a:solidFill>
+                <a:miter lim="800000"/>
+                <a:headEnd/>
+                <a:tailEnd/>
+              </a14:hiddenLine>
+            </a:ext>
+          </a:extLst>
+        </p:spPr>
         <p:txBody>
           <a:bodyPr/>
           <a:lstStyle/>
           <a:p>
             <a:r>
-              <a:rPr lang="en-CA" dirty="0"/>
-              <a:t>What assumptions are we making here? (Leave graph on board)</a:t>
-            </a:r>
-          </a:p>
-        </p:txBody>
-      </p:sp>
-      <p:sp>
-        <p:nvSpPr>
-          <p:cNvPr id="4" name="Slide Number Placeholder 3"/>
-          <p:cNvSpPr>
-            <a:spLocks noGrp="1"/>
-          </p:cNvSpPr>
-          <p:nvPr>
-            <p:ph type="sldNum" sz="quarter" idx="5"/>
-          </p:nvPr>
-        </p:nvSpPr>
-        <p:spPr/>
-        <p:txBody>
-          <a:bodyPr/>
-          <a:lstStyle/>
-          <a:p>
-            <a:fld id="{4AF79E1B-2C51-4B9B-8EA4-26DE9E345AFF}" type="slidenum">
-              <a:rPr lang="en-US" smtClean="0"/>
-              <a:t>20</a:t>
-            </a:fld>
-            <a:endParaRPr lang="en-US"/>
+              <a:rPr lang="en-US" altLang="en-US" dirty="0"/>
+              <a:t>Note that here we incorporate two possible payment extremes into pi – model lets us flexibly compare these</a:t>
+            </a:r>
           </a:p>
         </p:txBody>
       </p:sp>
     </p:spTree>
     <p:extLst>
       <p:ext uri="{BB962C8B-B14F-4D97-AF65-F5344CB8AC3E}">
-        <p14:creationId xmlns:p14="http://schemas.microsoft.com/office/powerpoint/2010/main" val="3400181846"/>
+        <p14:creationId xmlns:p14="http://schemas.microsoft.com/office/powerpoint/2010/main" val="2860834563"/>
       </p:ext>
     </p:extLst>
   </p:cSld>
@@ -1779,7 +957,7 @@
           <a:p>
             <a:r>
               <a:rPr lang="en-CA" dirty="0"/>
-              <a:t>What assumptions are we making here? </a:t>
+              <a:t>What assumptions are we making here? (Leave graph on board)</a:t>
             </a:r>
           </a:p>
         </p:txBody>
@@ -1810,7 +988,7 @@
     </p:spTree>
     <p:extLst>
       <p:ext uri="{BB962C8B-B14F-4D97-AF65-F5344CB8AC3E}">
-        <p14:creationId xmlns:p14="http://schemas.microsoft.com/office/powerpoint/2010/main" val="1902832553"/>
+        <p14:creationId xmlns:p14="http://schemas.microsoft.com/office/powerpoint/2010/main" val="3400181846"/>
       </p:ext>
     </p:extLst>
   </p:cSld>
@@ -1866,7 +1044,7 @@
           <a:p>
             <a:r>
               <a:rPr lang="en-CA" dirty="0"/>
-              <a:t>Since alpha &lt; 1 , it is less than patient’s desired optimum</a:t>
+              <a:t>What assumptions are we making here? </a:t>
             </a:r>
           </a:p>
         </p:txBody>
@@ -1897,7 +1075,7 @@
     </p:spTree>
     <p:extLst>
       <p:ext uri="{BB962C8B-B14F-4D97-AF65-F5344CB8AC3E}">
-        <p14:creationId xmlns:p14="http://schemas.microsoft.com/office/powerpoint/2010/main" val="714266092"/>
+        <p14:creationId xmlns:p14="http://schemas.microsoft.com/office/powerpoint/2010/main" val="1902832553"/>
       </p:ext>
     </p:extLst>
   </p:cSld>
@@ -1953,7 +1131,7 @@
           <a:p>
             <a:r>
               <a:rPr lang="en-CA" dirty="0"/>
-              <a:t>(Leave graph on board) Note – this model is obviously simple – if doctors weren’t altruistic at all, then there would be no quantity provided. What else aren’t we accounting for? (Norms)</a:t>
+              <a:t>Since alpha &lt; 1 , it is less than patient’s desired optimum</a:t>
             </a:r>
           </a:p>
         </p:txBody>
@@ -1984,7 +1162,7 @@
     </p:spTree>
     <p:extLst>
       <p:ext uri="{BB962C8B-B14F-4D97-AF65-F5344CB8AC3E}">
-        <p14:creationId xmlns:p14="http://schemas.microsoft.com/office/powerpoint/2010/main" val="3979182852"/>
+        <p14:creationId xmlns:p14="http://schemas.microsoft.com/office/powerpoint/2010/main" val="714266092"/>
       </p:ext>
     </p:extLst>
   </p:cSld>
@@ -2040,7 +1218,7 @@
           <a:p>
             <a:r>
               <a:rPr lang="en-CA" dirty="0"/>
-              <a:t>If marginal costs are c, then we have the same condition as before except we increase the RHS from 0 to c. This means that we must increase b(q) from our capitated solution, which means increasing service provision. (Leave graph on board)</a:t>
+              <a:t>(Leave graph on board) Note – this model is obviously simple – if doctors weren’t altruistic at all, then there would be no quantity provided. What else aren’t we accounting for? (Norms)</a:t>
             </a:r>
           </a:p>
         </p:txBody>
@@ -2071,7 +1249,7 @@
     </p:spTree>
     <p:extLst>
       <p:ext uri="{BB962C8B-B14F-4D97-AF65-F5344CB8AC3E}">
-        <p14:creationId xmlns:p14="http://schemas.microsoft.com/office/powerpoint/2010/main" val="2423219825"/>
+        <p14:creationId xmlns:p14="http://schemas.microsoft.com/office/powerpoint/2010/main" val="3979182852"/>
       </p:ext>
     </p:extLst>
   </p:cSld>
@@ -2127,7 +1305,7 @@
           <a:p>
             <a:r>
               <a:rPr lang="en-CA" dirty="0"/>
-              <a:t>No reason to believe that FFS will get to the “right” level of provision</a:t>
+              <a:t>If marginal costs are c, then we have the same condition as before except we increase the RHS from 0 to c. This means that we must increase b(q) from our capitated solution, which means increasing service provision. (Leave graph on board)</a:t>
             </a:r>
           </a:p>
         </p:txBody>
@@ -2158,7 +1336,7 @@
     </p:spTree>
     <p:extLst>
       <p:ext uri="{BB962C8B-B14F-4D97-AF65-F5344CB8AC3E}">
-        <p14:creationId xmlns:p14="http://schemas.microsoft.com/office/powerpoint/2010/main" val="3314948882"/>
+        <p14:creationId xmlns:p14="http://schemas.microsoft.com/office/powerpoint/2010/main" val="2423219825"/>
       </p:ext>
     </p:extLst>
   </p:cSld>
@@ -2214,7 +1392,7 @@
           <a:p>
             <a:r>
               <a:rPr lang="en-CA" dirty="0"/>
-              <a:t>Start with utility curve (since MD utility depends on both of these pi and q). Then the revenue function is determined as r-c(q) = R-c. The solution is therefore maximize utility subject to this constraint, which gives q-star. What I am not sure about is why (0,q’) is on the revenue line here</a:t>
+              <a:t>No reason to believe that FFS will get to the “right” level of provision</a:t>
             </a:r>
           </a:p>
         </p:txBody>
@@ -2245,7 +1423,7 @@
     </p:spTree>
     <p:extLst>
       <p:ext uri="{BB962C8B-B14F-4D97-AF65-F5344CB8AC3E}">
-        <p14:creationId xmlns:p14="http://schemas.microsoft.com/office/powerpoint/2010/main" val="2676868631"/>
+        <p14:creationId xmlns:p14="http://schemas.microsoft.com/office/powerpoint/2010/main" val="3314948882"/>
       </p:ext>
     </p:extLst>
   </p:cSld>
@@ -2332,7 +1510,7 @@
     </p:spTree>
     <p:extLst>
       <p:ext uri="{BB962C8B-B14F-4D97-AF65-F5344CB8AC3E}">
-        <p14:creationId xmlns:p14="http://schemas.microsoft.com/office/powerpoint/2010/main" val="3871893757"/>
+        <p14:creationId xmlns:p14="http://schemas.microsoft.com/office/powerpoint/2010/main" val="3590120813"/>
       </p:ext>
     </p:extLst>
   </p:cSld>
@@ -2475,7 +1653,7 @@
           <a:p>
             <a:r>
               <a:rPr lang="en-CA" dirty="0"/>
-              <a:t>Yes, in this case we need to decrease the marginal costs</a:t>
+              <a:t>Suppose we have a mixed system where some fraction “r” of costs are paid and a physician is also paid a capitated “a” amount </a:t>
             </a:r>
           </a:p>
         </p:txBody>
@@ -2506,7 +1684,7 @@
     </p:spTree>
     <p:extLst>
       <p:ext uri="{BB962C8B-B14F-4D97-AF65-F5344CB8AC3E}">
-        <p14:creationId xmlns:p14="http://schemas.microsoft.com/office/powerpoint/2010/main" val="3590120813"/>
+        <p14:creationId xmlns:p14="http://schemas.microsoft.com/office/powerpoint/2010/main" val="527161287"/>
       </p:ext>
     </p:extLst>
   </p:cSld>
@@ -2560,9 +1738,26 @@
           <a:bodyPr/>
           <a:lstStyle/>
           <a:p>
+            <a:pPr marL="0" marR="0" lvl="0" indent="0" algn="l" defTabSz="914400" rtl="0" eaLnBrk="1" fontAlgn="auto" latinLnBrk="0" hangingPunct="1">
+              <a:lnSpc>
+                <a:spcPct val="100000"/>
+              </a:lnSpc>
+              <a:spcBef>
+                <a:spcPts val="0"/>
+              </a:spcBef>
+              <a:spcAft>
+                <a:spcPts val="0"/>
+              </a:spcAft>
+              <a:buClrTx/>
+              <a:buSzTx/>
+              <a:buFontTx/>
+              <a:buNone/>
+              <a:tabLst/>
+              <a:defRPr/>
+            </a:pPr>
             <a:r>
               <a:rPr lang="en-CA" dirty="0"/>
-              <a:t>Suppose we have a mixed system where some fraction “r” of costs are paid and a physician is also paid a capitated “a” amount </a:t>
+              <a:t>Marginal benefit = marginal cost. </a:t>
             </a:r>
           </a:p>
         </p:txBody>
@@ -2593,7 +1788,7 @@
     </p:spTree>
     <p:extLst>
       <p:ext uri="{BB962C8B-B14F-4D97-AF65-F5344CB8AC3E}">
-        <p14:creationId xmlns:p14="http://schemas.microsoft.com/office/powerpoint/2010/main" val="527161287"/>
+        <p14:creationId xmlns:p14="http://schemas.microsoft.com/office/powerpoint/2010/main" val="2317568186"/>
       </p:ext>
     </p:extLst>
   </p:cSld>
@@ -2647,10 +1842,43 @@
           <a:bodyPr/>
           <a:lstStyle/>
           <a:p>
+            <a:pPr marL="0" marR="0" lvl="0" indent="0" algn="l" defTabSz="914400" rtl="0" eaLnBrk="1" fontAlgn="auto" latinLnBrk="0" hangingPunct="1">
+              <a:lnSpc>
+                <a:spcPct val="100000"/>
+              </a:lnSpc>
+              <a:spcBef>
+                <a:spcPts val="0"/>
+              </a:spcBef>
+              <a:spcAft>
+                <a:spcPts val="0"/>
+              </a:spcAft>
+              <a:buClrTx/>
+              <a:buSzTx/>
+              <a:buFontTx/>
+              <a:buNone/>
+              <a:tabLst/>
+              <a:defRPr/>
+            </a:pPr>
             <a:r>
               <a:rPr lang="en-CA" dirty="0"/>
-              <a:t>Marginal benefit = marginal cost</a:t>
-            </a:r>
+              <a:t>Marginal benefit = marginal cost. Now, the MDs have to be paid for everything but their altruism. Think about comparative statics—what happens as alpha changes? If alpha = 1, then we can get away with full capitation (see figure 1), but otherwise need to “beef </a:t>
+            </a:r>
+            <a:r>
+              <a:rPr lang="en-CA" dirty="0" err="1"/>
+              <a:t>ti</a:t>
+            </a:r>
+            <a:r>
+              <a:rPr lang="en-CA" dirty="0"/>
+              <a:t> up” a </a:t>
+            </a:r>
+            <a:r>
+              <a:rPr lang="en-CA" dirty="0" err="1"/>
+              <a:t>litle</a:t>
+            </a:r>
+            <a:endParaRPr lang="en-CA" dirty="0"/>
+          </a:p>
+          <a:p>
+            <a:endParaRPr lang="en-CA" dirty="0"/>
           </a:p>
         </p:txBody>
       </p:sp>
@@ -2680,7 +1908,7 @@
     </p:spTree>
     <p:extLst>
       <p:ext uri="{BB962C8B-B14F-4D97-AF65-F5344CB8AC3E}">
-        <p14:creationId xmlns:p14="http://schemas.microsoft.com/office/powerpoint/2010/main" val="2317568186"/>
+        <p14:creationId xmlns:p14="http://schemas.microsoft.com/office/powerpoint/2010/main" val="3881209130"/>
       </p:ext>
     </p:extLst>
   </p:cSld>
@@ -2736,21 +1964,8 @@
           <a:p>
             <a:r>
               <a:rPr lang="en-CA" dirty="0"/>
-              <a:t>Now, the MDs have to be paid for everything but their altruism. Think about comparative statics—what happens as alpha changes? If alpha = 1, then we can get away with full capitation (see figure 1), but otherwise need to “beef </a:t>
-            </a:r>
-            <a:r>
-              <a:rPr lang="en-CA" dirty="0" err="1"/>
-              <a:t>ti</a:t>
-            </a:r>
-            <a:r>
-              <a:rPr lang="en-CA" dirty="0"/>
-              <a:t> up” a </a:t>
-            </a:r>
-            <a:r>
-              <a:rPr lang="en-CA" dirty="0" err="1"/>
-              <a:t>litle</a:t>
-            </a:r>
-            <a:endParaRPr lang="en-CA" dirty="0"/>
+              <a:t>Policy makers get to choose r and a</a:t>
+            </a:r>
           </a:p>
         </p:txBody>
       </p:sp>
@@ -2780,7 +1995,7 @@
     </p:spTree>
     <p:extLst>
       <p:ext uri="{BB962C8B-B14F-4D97-AF65-F5344CB8AC3E}">
-        <p14:creationId xmlns:p14="http://schemas.microsoft.com/office/powerpoint/2010/main" val="4151289501"/>
+        <p14:creationId xmlns:p14="http://schemas.microsoft.com/office/powerpoint/2010/main" val="1135223908"/>
       </p:ext>
     </p:extLst>
   </p:cSld>
@@ -2835,9 +2050,10 @@
           <a:lstStyle/>
           <a:p>
             <a:r>
-              <a:rPr lang="en-CA" dirty="0"/>
-              <a:t>Policy makers get to choose r and a</a:t>
-            </a:r>
+              <a:rPr lang="en-US" altLang="en-US" dirty="0"/>
+              <a:t>Also do we want to implement q’? Why or why not? </a:t>
+            </a:r>
+            <a:endParaRPr lang="en-US" dirty="0"/>
           </a:p>
         </p:txBody>
       </p:sp>
@@ -2867,7 +2083,7 @@
     </p:spTree>
     <p:extLst>
       <p:ext uri="{BB962C8B-B14F-4D97-AF65-F5344CB8AC3E}">
-        <p14:creationId xmlns:p14="http://schemas.microsoft.com/office/powerpoint/2010/main" val="1135223908"/>
+        <p14:creationId xmlns:p14="http://schemas.microsoft.com/office/powerpoint/2010/main" val="3569833132"/>
       </p:ext>
     </p:extLst>
   </p:cSld>
@@ -2947,7 +2163,7 @@
           <a:p>
             <a:r>
               <a:rPr lang="en-US" altLang="en-US" dirty="0"/>
-              <a:t>We’ll briefly walk through one extension of the model</a:t>
+              <a:t>We’ll briefly walk through one extension of the model. </a:t>
             </a:r>
           </a:p>
         </p:txBody>
@@ -3882,7 +3098,10 @@
           <a:bodyPr/>
           <a:lstStyle/>
           <a:p>
-            <a:endParaRPr lang="en-CA" dirty="0"/>
+            <a:r>
+              <a:rPr lang="en-CA" dirty="0"/>
+              <a:t>How does provider payment change if there are heterogeneous patients? </a:t>
+            </a:r>
           </a:p>
         </p:txBody>
       </p:sp>
@@ -4320,7 +3539,7 @@
           <a:p>
             <a:r>
               <a:rPr lang="en-CA" dirty="0"/>
-              <a:t>P4P is still kind of an open question </a:t>
+              <a:t>P4P is still kind of an open question. FFS is also called prospective reimbursement</a:t>
             </a:r>
           </a:p>
         </p:txBody>
@@ -4351,7 +3570,7 @@
     </p:spTree>
     <p:extLst>
       <p:ext uri="{BB962C8B-B14F-4D97-AF65-F5344CB8AC3E}">
-        <p14:creationId xmlns:p14="http://schemas.microsoft.com/office/powerpoint/2010/main" val="769144285"/>
+        <p14:creationId xmlns:p14="http://schemas.microsoft.com/office/powerpoint/2010/main" val="2538824954"/>
       </p:ext>
     </p:extLst>
   </p:cSld>
@@ -5329,6 +4548,93 @@
       </p:grpSpPr>
       <p:sp>
         <p:nvSpPr>
+          <p:cNvPr id="2" name="Slide Image Placeholder 1"/>
+          <p:cNvSpPr>
+            <a:spLocks noGrp="1" noRot="1" noChangeAspect="1"/>
+          </p:cNvSpPr>
+          <p:nvPr>
+            <p:ph type="sldImg"/>
+          </p:nvPr>
+        </p:nvSpPr>
+        <p:spPr/>
+      </p:sp>
+      <p:sp>
+        <p:nvSpPr>
+          <p:cNvPr id="3" name="Notes Placeholder 2"/>
+          <p:cNvSpPr>
+            <a:spLocks noGrp="1"/>
+          </p:cNvSpPr>
+          <p:nvPr>
+            <p:ph type="body" idx="1"/>
+          </p:nvPr>
+        </p:nvSpPr>
+        <p:spPr/>
+        <p:txBody>
+          <a:bodyPr/>
+          <a:lstStyle/>
+          <a:p>
+            <a:r>
+              <a:rPr lang="en-CA" dirty="0"/>
+              <a:t>P4P is still kind of an open question </a:t>
+            </a:r>
+          </a:p>
+        </p:txBody>
+      </p:sp>
+      <p:sp>
+        <p:nvSpPr>
+          <p:cNvPr id="4" name="Slide Number Placeholder 3"/>
+          <p:cNvSpPr>
+            <a:spLocks noGrp="1"/>
+          </p:cNvSpPr>
+          <p:nvPr>
+            <p:ph type="sldNum" sz="quarter" idx="5"/>
+          </p:nvPr>
+        </p:nvSpPr>
+        <p:spPr/>
+        <p:txBody>
+          <a:bodyPr/>
+          <a:lstStyle/>
+          <a:p>
+            <a:fld id="{4AF79E1B-2C51-4B9B-8EA4-26DE9E345AFF}" type="slidenum">
+              <a:rPr lang="en-US" smtClean="0"/>
+              <a:t>13</a:t>
+            </a:fld>
+            <a:endParaRPr lang="en-US"/>
+          </a:p>
+        </p:txBody>
+      </p:sp>
+    </p:spTree>
+    <p:extLst>
+      <p:ext uri="{BB962C8B-B14F-4D97-AF65-F5344CB8AC3E}">
+        <p14:creationId xmlns:p14="http://schemas.microsoft.com/office/powerpoint/2010/main" val="769144285"/>
+      </p:ext>
+    </p:extLst>
+  </p:cSld>
+  <p:clrMapOvr>
+    <a:masterClrMapping/>
+  </p:clrMapOvr>
+</p:notes>
+</file>
+
+<file path=ppt/notesSlides/notesSlide6.xml><?xml version="1.0" encoding="utf-8"?>
+<p:notes xmlns:a="http://schemas.openxmlformats.org/drawingml/2006/main" xmlns:r="http://schemas.openxmlformats.org/officeDocument/2006/relationships" xmlns:p="http://schemas.openxmlformats.org/presentationml/2006/main">
+  <p:cSld>
+    <p:spTree>
+      <p:nvGrpSpPr>
+        <p:cNvPr id="1" name=""/>
+        <p:cNvGrpSpPr/>
+        <p:nvPr/>
+      </p:nvGrpSpPr>
+      <p:grpSpPr>
+        <a:xfrm>
+          <a:off x="0" y="0"/>
+          <a:ext cx="0" cy="0"/>
+          <a:chOff x="0" y="0"/>
+          <a:chExt cx="0" cy="0"/>
+        </a:xfrm>
+      </p:grpSpPr>
+      <p:sp>
+        <p:nvSpPr>
           <p:cNvPr id="13314" name="Slide Image Placeholder 1"/>
           <p:cNvSpPr>
             <a:spLocks noGrp="1" noRot="1" noChangeAspect="1" noTextEdit="1"/>
@@ -5379,7 +4685,10 @@
                 <a:spcPct val="0"/>
               </a:spcBef>
             </a:pPr>
-            <a:endParaRPr lang="en-US"/>
+            <a:r>
+              <a:rPr lang="en-US" dirty="0"/>
+              <a:t>Notes: what do we think about this? We pay professors on salary without worrying about teaching incentives. Should we be worried this much? Why or why not? The tradeoff is trying to get the right level of healthcare given other information asymmetry. The normative issues are whether that asymmetry is first-order</a:t>
+            </a:r>
           </a:p>
         </p:txBody>
       </p:sp>
@@ -5415,7 +4724,7 @@
                 <a:cs typeface="Arial" pitchFamily="34" charset="0"/>
               </a:rPr>
               <a:pPr/>
-              <a:t>13</a:t>
+              <a:t>14</a:t>
             </a:fld>
             <a:endParaRPr lang="en-US">
               <a:latin typeface="Arial" pitchFamily="34" charset="0"/>
@@ -5432,7 +4741,7 @@
 </p:notes>
 </file>
 
-<file path=ppt/notesSlides/notesSlide6.xml><?xml version="1.0" encoding="utf-8"?>
+<file path=ppt/notesSlides/notesSlide7.xml><?xml version="1.0" encoding="utf-8"?>
 <p:notes xmlns:a="http://schemas.openxmlformats.org/drawingml/2006/main" xmlns:r="http://schemas.openxmlformats.org/officeDocument/2006/relationships" xmlns:p="http://schemas.openxmlformats.org/presentationml/2006/main">
   <p:cSld>
     <p:spTree>
@@ -5497,7 +4806,7 @@
           <a:p>
             <a:fld id="{4AF79E1B-2C51-4B9B-8EA4-26DE9E345AFF}" type="slidenum">
               <a:rPr lang="en-US" smtClean="0"/>
-              <a:t>14</a:t>
+              <a:t>15</a:t>
             </a:fld>
             <a:endParaRPr lang="en-US"/>
           </a:p>
@@ -5516,7 +4825,7 @@
 </p:notes>
 </file>
 
-<file path=ppt/notesSlides/notesSlide7.xml><?xml version="1.0" encoding="utf-8"?>
+<file path=ppt/notesSlides/notesSlide8.xml><?xml version="1.0" encoding="utf-8"?>
 <p:notes xmlns:a="http://schemas.openxmlformats.org/drawingml/2006/main" xmlns:r="http://schemas.openxmlformats.org/officeDocument/2006/relationships" xmlns:p="http://schemas.openxmlformats.org/presentationml/2006/main">
   <p:cSld>
     <p:spTree>
@@ -5599,7 +4908,7 @@
 </p:notes>
 </file>
 
-<file path=ppt/notesSlides/notesSlide8.xml><?xml version="1.0" encoding="utf-8"?>
+<file path=ppt/notesSlides/notesSlide9.xml><?xml version="1.0" encoding="utf-8"?>
 <p:notes xmlns:a="http://schemas.openxmlformats.org/drawingml/2006/main" xmlns:r="http://schemas.openxmlformats.org/officeDocument/2006/relationships" xmlns:p="http://schemas.openxmlformats.org/presentationml/2006/main">
   <p:cSld>
     <p:spTree>
@@ -5659,7 +4968,10 @@
           <a:bodyPr/>
           <a:lstStyle/>
           <a:p>
-            <a:endParaRPr lang="en-US"/>
+            <a:r>
+              <a:rPr lang="en-US" dirty="0"/>
+              <a:t>OHIP schedule: https://health.gov.on.ca/en/pro/programs/ohip/sob/physserv/sob_master_20221201.pdf</a:t>
+            </a:r>
           </a:p>
         </p:txBody>
       </p:sp>
@@ -5690,119 +5002,6 @@
           <a:lstStyle/>
           <a:p>
             <a:fld id="{36CDC6BA-1FC5-4CCD-A5B4-2BA7C40A2052}" type="slidenum">
-              <a:rPr lang="en-US" smtClean="0">
-                <a:latin typeface="Arial" pitchFamily="34" charset="0"/>
-                <a:ea typeface="宋体" pitchFamily="2" charset="-122"/>
-              </a:rPr>
-              <a:pPr/>
-              <a:t>16</a:t>
-            </a:fld>
-            <a:endParaRPr lang="en-US">
-              <a:latin typeface="Arial" pitchFamily="34" charset="0"/>
-              <a:ea typeface="宋体" pitchFamily="2" charset="-122"/>
-            </a:endParaRPr>
-          </a:p>
-        </p:txBody>
-      </p:sp>
-    </p:spTree>
-  </p:cSld>
-  <p:clrMapOvr>
-    <a:masterClrMapping/>
-  </p:clrMapOvr>
-</p:notes>
-</file>
-
-<file path=ppt/notesSlides/notesSlide9.xml><?xml version="1.0" encoding="utf-8"?>
-<p:notes xmlns:a="http://schemas.openxmlformats.org/drawingml/2006/main" xmlns:r="http://schemas.openxmlformats.org/officeDocument/2006/relationships" xmlns:p="http://schemas.openxmlformats.org/presentationml/2006/main">
-  <p:cSld>
-    <p:spTree>
-      <p:nvGrpSpPr>
-        <p:cNvPr id="1" name=""/>
-        <p:cNvGrpSpPr/>
-        <p:nvPr/>
-      </p:nvGrpSpPr>
-      <p:grpSpPr>
-        <a:xfrm>
-          <a:off x="0" y="0"/>
-          <a:ext cx="0" cy="0"/>
-          <a:chOff x="0" y="0"/>
-          <a:chExt cx="0" cy="0"/>
-        </a:xfrm>
-      </p:grpSpPr>
-      <p:sp>
-        <p:nvSpPr>
-          <p:cNvPr id="84994" name="Slide Image Placeholder 1"/>
-          <p:cNvSpPr>
-            <a:spLocks noGrp="1" noRot="1" noChangeAspect="1" noTextEdit="1"/>
-          </p:cNvSpPr>
-          <p:nvPr>
-            <p:ph type="sldImg"/>
-          </p:nvPr>
-        </p:nvSpPr>
-        <p:spPr bwMode="auto">
-          <a:xfrm>
-            <a:off x="381000" y="687388"/>
-            <a:ext cx="6096000" cy="3429000"/>
-          </a:xfrm>
-          <a:noFill/>
-          <a:ln>
-            <a:solidFill>
-              <a:srgbClr val="000000"/>
-            </a:solidFill>
-            <a:miter lim="800000"/>
-            <a:headEnd/>
-            <a:tailEnd/>
-          </a:ln>
-        </p:spPr>
-      </p:sp>
-      <p:sp>
-        <p:nvSpPr>
-          <p:cNvPr id="84995" name="Notes Placeholder 2"/>
-          <p:cNvSpPr>
-            <a:spLocks noGrp="1"/>
-          </p:cNvSpPr>
-          <p:nvPr>
-            <p:ph type="body" idx="1"/>
-          </p:nvPr>
-        </p:nvSpPr>
-        <p:spPr bwMode="auto">
-          <a:noFill/>
-        </p:spPr>
-        <p:txBody>
-          <a:bodyPr/>
-          <a:lstStyle/>
-          <a:p>
-            <a:endParaRPr lang="en-US"/>
-          </a:p>
-        </p:txBody>
-      </p:sp>
-      <p:sp>
-        <p:nvSpPr>
-          <p:cNvPr id="84996" name="Slide Number Placeholder 3"/>
-          <p:cNvSpPr>
-            <a:spLocks noGrp="1"/>
-          </p:cNvSpPr>
-          <p:nvPr>
-            <p:ph type="sldNum" sz="quarter" idx="5"/>
-          </p:nvPr>
-        </p:nvSpPr>
-        <p:spPr bwMode="auto">
-          <a:noFill/>
-          <a:ln>
-            <a:miter lim="800000"/>
-            <a:headEnd/>
-            <a:tailEnd/>
-          </a:ln>
-        </p:spPr>
-        <p:txBody>
-          <a:bodyPr wrap="square" numCol="1" anchorCtr="0" compatLnSpc="1">
-            <a:prstTxWarp prst="textNoShape">
-              <a:avLst/>
-            </a:prstTxWarp>
-          </a:bodyPr>
-          <a:lstStyle/>
-          <a:p>
-            <a:fld id="{9CFC6E28-888C-4469-8095-07D465CE24F2}" type="slidenum">
               <a:rPr lang="en-US" smtClean="0">
                 <a:latin typeface="Arial" pitchFamily="34" charset="0"/>
                 <a:ea typeface="宋体" pitchFamily="2" charset="-122"/>
@@ -5994,7 +5193,7 @@
             <a:fld id="{0972D05C-DCFB-4BB6-B49C-AC126BF3ED2C}" type="datetimeFigureOut">
               <a:rPr lang="en-US" smtClean="0"/>
               <a:pPr/>
-              <a:t>11/25/2022</a:t>
+              <a:t>1/30/2023</a:t>
             </a:fld>
             <a:endParaRPr lang="en-US"/>
           </a:p>
@@ -6224,7 +5423,7 @@
             <a:fld id="{0972D05C-DCFB-4BB6-B49C-AC126BF3ED2C}" type="datetimeFigureOut">
               <a:rPr lang="en-US" smtClean="0"/>
               <a:pPr/>
-              <a:t>11/25/2022</a:t>
+              <a:t>1/30/2023</a:t>
             </a:fld>
             <a:endParaRPr lang="en-US"/>
           </a:p>
@@ -6406,7 +5605,7 @@
             <a:fld id="{0972D05C-DCFB-4BB6-B49C-AC126BF3ED2C}" type="datetimeFigureOut">
               <a:rPr lang="en-US" smtClean="0"/>
               <a:pPr/>
-              <a:t>11/25/2022</a:t>
+              <a:t>1/30/2023</a:t>
             </a:fld>
             <a:endParaRPr lang="en-US"/>
           </a:p>
@@ -6853,7 +6052,7 @@
             <a:fld id="{0972D05C-DCFB-4BB6-B49C-AC126BF3ED2C}" type="datetimeFigureOut">
               <a:rPr lang="en-US" smtClean="0"/>
               <a:pPr/>
-              <a:t>11/25/2022</a:t>
+              <a:t>1/30/2023</a:t>
             </a:fld>
             <a:endParaRPr lang="en-US"/>
           </a:p>
@@ -7109,7 +6308,7 @@
             <a:fld id="{0972D05C-DCFB-4BB6-B49C-AC126BF3ED2C}" type="datetimeFigureOut">
               <a:rPr lang="en-US" smtClean="0"/>
               <a:pPr/>
-              <a:t>11/25/2022</a:t>
+              <a:t>1/30/2023</a:t>
             </a:fld>
             <a:endParaRPr lang="en-US"/>
           </a:p>
@@ -7437,7 +6636,7 @@
             <a:fld id="{0972D05C-DCFB-4BB6-B49C-AC126BF3ED2C}" type="datetimeFigureOut">
               <a:rPr lang="en-US" smtClean="0"/>
               <a:pPr/>
-              <a:t>11/25/2022</a:t>
+              <a:t>1/30/2023</a:t>
             </a:fld>
             <a:endParaRPr lang="en-US"/>
           </a:p>
@@ -7890,7 +7089,7 @@
             <a:fld id="{0972D05C-DCFB-4BB6-B49C-AC126BF3ED2C}" type="datetimeFigureOut">
               <a:rPr lang="en-US" smtClean="0"/>
               <a:pPr/>
-              <a:t>11/25/2022</a:t>
+              <a:t>1/30/2023</a:t>
             </a:fld>
             <a:endParaRPr lang="en-US"/>
           </a:p>
@@ -8010,7 +7209,7 @@
             <a:fld id="{0972D05C-DCFB-4BB6-B49C-AC126BF3ED2C}" type="datetimeFigureOut">
               <a:rPr lang="en-US" smtClean="0"/>
               <a:pPr/>
-              <a:t>11/25/2022</a:t>
+              <a:t>1/30/2023</a:t>
             </a:fld>
             <a:endParaRPr lang="en-US"/>
           </a:p>
@@ -8107,7 +7306,7 @@
             <a:fld id="{0972D05C-DCFB-4BB6-B49C-AC126BF3ED2C}" type="datetimeFigureOut">
               <a:rPr lang="en-US" smtClean="0"/>
               <a:pPr/>
-              <a:t>11/25/2022</a:t>
+              <a:t>1/30/2023</a:t>
             </a:fld>
             <a:endParaRPr lang="en-US"/>
           </a:p>
@@ -8396,7 +7595,7 @@
             <a:fld id="{0972D05C-DCFB-4BB6-B49C-AC126BF3ED2C}" type="datetimeFigureOut">
               <a:rPr lang="en-US" smtClean="0"/>
               <a:pPr/>
-              <a:t>11/25/2022</a:t>
+              <a:t>1/30/2023</a:t>
             </a:fld>
             <a:endParaRPr lang="en-US"/>
           </a:p>
@@ -8720,7 +7919,7 @@
             <a:fld id="{0972D05C-DCFB-4BB6-B49C-AC126BF3ED2C}" type="datetimeFigureOut">
               <a:rPr lang="en-US" smtClean="0"/>
               <a:pPr/>
-              <a:t>11/25/2022</a:t>
+              <a:t>1/30/2023</a:t>
             </a:fld>
             <a:endParaRPr lang="en-US"/>
           </a:p>
@@ -8975,7 +8174,7 @@
             <a:fld id="{0972D05C-DCFB-4BB6-B49C-AC126BF3ED2C}" type="datetimeFigureOut">
               <a:rPr lang="en-US" smtClean="0"/>
               <a:pPr/>
-              <a:t>11/25/2022</a:t>
+              <a:t>1/30/2023</a:t>
             </a:fld>
             <a:endParaRPr lang="en-US" dirty="0"/>
           </a:p>
@@ -9893,10 +9092,571 @@
           <p:nvPr>
             <p:extLst>
               <p:ext uri="{D42A27DB-BD31-4B8C-83A1-F6EECF244321}">
-                <p14:modId xmlns:p14="http://schemas.microsoft.com/office/powerpoint/2010/main" val="1938643958"/>
+                <p14:modId xmlns:p14="http://schemas.microsoft.com/office/powerpoint/2010/main" val="1848560088"/>
               </p:ext>
             </p:extLst>
           </p:nvPr>
+        </p:nvGraphicFramePr>
+        <p:xfrm>
+          <a:off x="304800" y="719666"/>
+          <a:ext cx="10820400" cy="5034280"/>
+        </p:xfrm>
+        <a:graphic>
+          <a:graphicData uri="http://schemas.openxmlformats.org/drawingml/2006/table">
+            <a:tbl>
+              <a:tblPr firstRow="1" bandRow="1">
+                <a:tableStyleId>{5C22544A-7EE6-4342-B048-85BDC9FD1C3A}</a:tableStyleId>
+              </a:tblPr>
+              <a:tblGrid>
+                <a:gridCol w="2209800">
+                  <a:extLst>
+                    <a:ext uri="{9D8B030D-6E8A-4147-A177-3AD203B41FA5}">
+                      <a16:colId xmlns:a16="http://schemas.microsoft.com/office/drawing/2014/main" val="4007734747"/>
+                    </a:ext>
+                  </a:extLst>
+                </a:gridCol>
+                <a:gridCol w="3200400">
+                  <a:extLst>
+                    <a:ext uri="{9D8B030D-6E8A-4147-A177-3AD203B41FA5}">
+                      <a16:colId xmlns:a16="http://schemas.microsoft.com/office/drawing/2014/main" val="2094428368"/>
+                    </a:ext>
+                  </a:extLst>
+                </a:gridCol>
+                <a:gridCol w="3276600">
+                  <a:extLst>
+                    <a:ext uri="{9D8B030D-6E8A-4147-A177-3AD203B41FA5}">
+                      <a16:colId xmlns:a16="http://schemas.microsoft.com/office/drawing/2014/main" val="3806109294"/>
+                    </a:ext>
+                  </a:extLst>
+                </a:gridCol>
+                <a:gridCol w="2133600">
+                  <a:extLst>
+                    <a:ext uri="{9D8B030D-6E8A-4147-A177-3AD203B41FA5}">
+                      <a16:colId xmlns:a16="http://schemas.microsoft.com/office/drawing/2014/main" val="2876004070"/>
+                    </a:ext>
+                  </a:extLst>
+                </a:gridCol>
+              </a:tblGrid>
+              <a:tr h="370840">
+                <a:tc>
+                  <a:txBody>
+                    <a:bodyPr/>
+                    <a:lstStyle/>
+                    <a:p>
+                      <a:r>
+                        <a:rPr lang="en-CA" dirty="0"/>
+                        <a:t>Payment Method</a:t>
+                      </a:r>
+                    </a:p>
+                  </a:txBody>
+                  <a:tcPr/>
+                </a:tc>
+                <a:tc>
+                  <a:txBody>
+                    <a:bodyPr/>
+                    <a:lstStyle/>
+                    <a:p>
+                      <a:r>
+                        <a:rPr lang="en-CA" dirty="0"/>
+                        <a:t>Description</a:t>
+                      </a:r>
+                    </a:p>
+                  </a:txBody>
+                  <a:tcPr/>
+                </a:tc>
+                <a:tc>
+                  <a:txBody>
+                    <a:bodyPr/>
+                    <a:lstStyle/>
+                    <a:p>
+                      <a:r>
+                        <a:rPr lang="en-CA" dirty="0"/>
+                        <a:t>Where Used</a:t>
+                      </a:r>
+                    </a:p>
+                  </a:txBody>
+                  <a:tcPr/>
+                </a:tc>
+                <a:tc>
+                  <a:txBody>
+                    <a:bodyPr/>
+                    <a:lstStyle/>
+                    <a:p>
+                      <a:r>
+                        <a:rPr lang="en-CA" dirty="0"/>
+                        <a:t>Provider Incentives</a:t>
+                      </a:r>
+                    </a:p>
+                  </a:txBody>
+                  <a:tcPr/>
+                </a:tc>
+                <a:extLst>
+                  <a:ext uri="{0D108BD9-81ED-4DB2-BD59-A6C34878D82A}">
+                    <a16:rowId xmlns:a16="http://schemas.microsoft.com/office/drawing/2014/main" val="257230613"/>
+                  </a:ext>
+                </a:extLst>
+              </a:tr>
+              <a:tr h="370840">
+                <a:tc>
+                  <a:txBody>
+                    <a:bodyPr/>
+                    <a:lstStyle/>
+                    <a:p>
+                      <a:r>
+                        <a:rPr lang="en-CA" dirty="0"/>
+                        <a:t>Salary </a:t>
+                      </a:r>
+                    </a:p>
+                  </a:txBody>
+                  <a:tcPr/>
+                </a:tc>
+                <a:tc>
+                  <a:txBody>
+                    <a:bodyPr/>
+                    <a:lstStyle/>
+                    <a:p>
+                      <a:r>
+                        <a:rPr lang="en-CA" dirty="0"/>
+                        <a:t>Pay independent of workload/quality</a:t>
+                      </a:r>
+                    </a:p>
+                  </a:txBody>
+                  <a:tcPr/>
+                </a:tc>
+                <a:tc>
+                  <a:txBody>
+                    <a:bodyPr/>
+                    <a:lstStyle/>
+                    <a:p>
+                      <a:r>
+                        <a:rPr lang="en-CA" dirty="0"/>
+                        <a:t>Academic hospitals, community health centers</a:t>
+                      </a:r>
+                    </a:p>
+                  </a:txBody>
+                  <a:tcPr/>
+                </a:tc>
+                <a:tc>
+                  <a:txBody>
+                    <a:bodyPr/>
+                    <a:lstStyle/>
+                    <a:p>
+                      <a:endParaRPr lang="en-CA" dirty="0"/>
+                    </a:p>
+                  </a:txBody>
+                  <a:tcPr/>
+                </a:tc>
+                <a:extLst>
+                  <a:ext uri="{0D108BD9-81ED-4DB2-BD59-A6C34878D82A}">
+                    <a16:rowId xmlns:a16="http://schemas.microsoft.com/office/drawing/2014/main" val="3763307949"/>
+                  </a:ext>
+                </a:extLst>
+              </a:tr>
+              <a:tr h="370840">
+                <a:tc>
+                  <a:txBody>
+                    <a:bodyPr/>
+                    <a:lstStyle/>
+                    <a:p>
+                      <a:r>
+                        <a:rPr lang="en-CA" dirty="0"/>
+                        <a:t>Capitation</a:t>
+                      </a:r>
+                    </a:p>
+                  </a:txBody>
+                  <a:tcPr/>
+                </a:tc>
+                <a:tc>
+                  <a:txBody>
+                    <a:bodyPr/>
+                    <a:lstStyle/>
+                    <a:p>
+                      <a:r>
+                        <a:rPr lang="en-CA" dirty="0"/>
+                        <a:t>Pay according to # of patients on roster</a:t>
+                      </a:r>
+                    </a:p>
+                  </a:txBody>
+                  <a:tcPr/>
+                </a:tc>
+                <a:tc>
+                  <a:txBody>
+                    <a:bodyPr/>
+                    <a:lstStyle/>
+                    <a:p>
+                      <a:endParaRPr lang="en-CA" dirty="0"/>
+                    </a:p>
+                  </a:txBody>
+                  <a:tcPr/>
+                </a:tc>
+                <a:tc>
+                  <a:txBody>
+                    <a:bodyPr/>
+                    <a:lstStyle/>
+                    <a:p>
+                      <a:endParaRPr lang="en-CA" dirty="0"/>
+                    </a:p>
+                  </a:txBody>
+                  <a:tcPr/>
+                </a:tc>
+                <a:extLst>
+                  <a:ext uri="{0D108BD9-81ED-4DB2-BD59-A6C34878D82A}">
+                    <a16:rowId xmlns:a16="http://schemas.microsoft.com/office/drawing/2014/main" val="3067109709"/>
+                  </a:ext>
+                </a:extLst>
+              </a:tr>
+              <a:tr h="370840">
+                <a:tc>
+                  <a:txBody>
+                    <a:bodyPr/>
+                    <a:lstStyle/>
+                    <a:p>
+                      <a:r>
+                        <a:rPr lang="en-CA" dirty="0"/>
+                        <a:t>Fee for Service</a:t>
+                      </a:r>
+                    </a:p>
+                  </a:txBody>
+                  <a:tcPr/>
+                </a:tc>
+                <a:tc>
+                  <a:txBody>
+                    <a:bodyPr/>
+                    <a:lstStyle/>
+                    <a:p>
+                      <a:r>
+                        <a:rPr lang="en-CA" dirty="0"/>
+                        <a:t>Pay for individual items of care</a:t>
+                      </a:r>
+                    </a:p>
+                  </a:txBody>
+                  <a:tcPr/>
+                </a:tc>
+                <a:tc>
+                  <a:txBody>
+                    <a:bodyPr/>
+                    <a:lstStyle/>
+                    <a:p>
+                      <a:r>
+                        <a:rPr lang="en-CA" dirty="0"/>
+                        <a:t>General Practitioners + Many Specialists</a:t>
+                      </a:r>
+                    </a:p>
+                  </a:txBody>
+                  <a:tcPr/>
+                </a:tc>
+                <a:tc>
+                  <a:txBody>
+                    <a:bodyPr/>
+                    <a:lstStyle/>
+                    <a:p>
+                      <a:endParaRPr lang="en-CA" dirty="0"/>
+                    </a:p>
+                  </a:txBody>
+                  <a:tcPr/>
+                </a:tc>
+                <a:extLst>
+                  <a:ext uri="{0D108BD9-81ED-4DB2-BD59-A6C34878D82A}">
+                    <a16:rowId xmlns:a16="http://schemas.microsoft.com/office/drawing/2014/main" val="179513913"/>
+                  </a:ext>
+                </a:extLst>
+              </a:tr>
+              <a:tr h="370840">
+                <a:tc>
+                  <a:txBody>
+                    <a:bodyPr/>
+                    <a:lstStyle/>
+                    <a:p>
+                      <a:r>
+                        <a:rPr lang="en-CA" dirty="0"/>
+                        <a:t>Enhanced FFS</a:t>
+                      </a:r>
+                    </a:p>
+                  </a:txBody>
+                  <a:tcPr/>
+                </a:tc>
+                <a:tc>
+                  <a:txBody>
+                    <a:bodyPr/>
+                    <a:lstStyle/>
+                    <a:p>
+                      <a:r>
+                        <a:rPr lang="en-CA" dirty="0"/>
+                        <a:t>Bonuses on top of FFS (e.g., chronic disease management, admission premia)</a:t>
+                      </a:r>
+                    </a:p>
+                  </a:txBody>
+                  <a:tcPr/>
+                </a:tc>
+                <a:tc>
+                  <a:txBody>
+                    <a:bodyPr/>
+                    <a:lstStyle/>
+                    <a:p>
+                      <a:r>
+                        <a:rPr lang="en-CA" dirty="0"/>
+                        <a:t>Family Medicine</a:t>
+                      </a:r>
+                    </a:p>
+                  </a:txBody>
+                  <a:tcPr/>
+                </a:tc>
+                <a:tc>
+                  <a:txBody>
+                    <a:bodyPr/>
+                    <a:lstStyle/>
+                    <a:p>
+                      <a:endParaRPr lang="en-CA" dirty="0"/>
+                    </a:p>
+                  </a:txBody>
+                  <a:tcPr/>
+                </a:tc>
+                <a:extLst>
+                  <a:ext uri="{0D108BD9-81ED-4DB2-BD59-A6C34878D82A}">
+                    <a16:rowId xmlns:a16="http://schemas.microsoft.com/office/drawing/2014/main" val="4277567574"/>
+                  </a:ext>
+                </a:extLst>
+              </a:tr>
+              <a:tr h="370840">
+                <a:tc>
+                  <a:txBody>
+                    <a:bodyPr/>
+                    <a:lstStyle/>
+                    <a:p>
+                      <a:r>
+                        <a:rPr lang="en-CA" dirty="0"/>
+                        <a:t>Pay for Performance</a:t>
+                      </a:r>
+                    </a:p>
+                  </a:txBody>
+                  <a:tcPr/>
+                </a:tc>
+                <a:tc>
+                  <a:txBody>
+                    <a:bodyPr/>
+                    <a:lstStyle/>
+                    <a:p>
+                      <a:r>
+                        <a:rPr lang="en-CA" dirty="0"/>
+                        <a:t>Pay for specific health outcomes</a:t>
+                      </a:r>
+                    </a:p>
+                  </a:txBody>
+                  <a:tcPr/>
+                </a:tc>
+                <a:tc>
+                  <a:txBody>
+                    <a:bodyPr/>
+                    <a:lstStyle/>
+                    <a:p>
+                      <a:r>
+                        <a:rPr lang="en-CA" dirty="0"/>
+                        <a:t>Family Medicine (e.g., vaccinating elderly patients against flu)</a:t>
+                      </a:r>
+                    </a:p>
+                  </a:txBody>
+                  <a:tcPr/>
+                </a:tc>
+                <a:tc>
+                  <a:txBody>
+                    <a:bodyPr/>
+                    <a:lstStyle/>
+                    <a:p>
+                      <a:endParaRPr lang="en-CA" dirty="0"/>
+                    </a:p>
+                  </a:txBody>
+                  <a:tcPr/>
+                </a:tc>
+                <a:extLst>
+                  <a:ext uri="{0D108BD9-81ED-4DB2-BD59-A6C34878D82A}">
+                    <a16:rowId xmlns:a16="http://schemas.microsoft.com/office/drawing/2014/main" val="3325724380"/>
+                  </a:ext>
+                </a:extLst>
+              </a:tr>
+              <a:tr h="370840">
+                <a:tc>
+                  <a:txBody>
+                    <a:bodyPr/>
+                    <a:lstStyle/>
+                    <a:p>
+                      <a:r>
+                        <a:rPr lang="en-CA" dirty="0"/>
+                        <a:t>Others?</a:t>
+                      </a:r>
+                    </a:p>
+                  </a:txBody>
+                  <a:tcPr/>
+                </a:tc>
+                <a:tc>
+                  <a:txBody>
+                    <a:bodyPr/>
+                    <a:lstStyle/>
+                    <a:p>
+                      <a:endParaRPr lang="en-CA" dirty="0"/>
+                    </a:p>
+                  </a:txBody>
+                  <a:tcPr/>
+                </a:tc>
+                <a:tc>
+                  <a:txBody>
+                    <a:bodyPr/>
+                    <a:lstStyle/>
+                    <a:p>
+                      <a:endParaRPr lang="en-CA" dirty="0"/>
+                    </a:p>
+                  </a:txBody>
+                  <a:tcPr/>
+                </a:tc>
+                <a:tc>
+                  <a:txBody>
+                    <a:bodyPr/>
+                    <a:lstStyle/>
+                    <a:p>
+                      <a:endParaRPr lang="en-CA" dirty="0"/>
+                    </a:p>
+                  </a:txBody>
+                  <a:tcPr/>
+                </a:tc>
+                <a:extLst>
+                  <a:ext uri="{0D108BD9-81ED-4DB2-BD59-A6C34878D82A}">
+                    <a16:rowId xmlns:a16="http://schemas.microsoft.com/office/drawing/2014/main" val="1557018234"/>
+                  </a:ext>
+                </a:extLst>
+              </a:tr>
+            </a:tbl>
+          </a:graphicData>
+        </a:graphic>
+      </p:graphicFrame>
+    </p:spTree>
+    <p:extLst>
+      <p:ext uri="{BB962C8B-B14F-4D97-AF65-F5344CB8AC3E}">
+        <p14:creationId xmlns:p14="http://schemas.microsoft.com/office/powerpoint/2010/main" val="168090599"/>
+      </p:ext>
+    </p:extLst>
+  </p:cSld>
+  <p:clrMapOvr>
+    <a:masterClrMapping/>
+  </p:clrMapOvr>
+  <p:transition>
+    <p:cut/>
+  </p:transition>
+</p:sld>
+</file>
+
+<file path=ppt/slides/slide12.xml><?xml version="1.0" encoding="utf-8"?>
+<p:sld xmlns:a="http://schemas.openxmlformats.org/drawingml/2006/main" xmlns:r="http://schemas.openxmlformats.org/officeDocument/2006/relationships" xmlns:p="http://schemas.openxmlformats.org/presentationml/2006/main">
+  <p:cSld>
+    <p:spTree>
+      <p:nvGrpSpPr>
+        <p:cNvPr id="1" name=""/>
+        <p:cNvGrpSpPr/>
+        <p:nvPr/>
+      </p:nvGrpSpPr>
+      <p:grpSpPr>
+        <a:xfrm>
+          <a:off x="0" y="0"/>
+          <a:ext cx="0" cy="0"/>
+          <a:chOff x="0" y="0"/>
+          <a:chExt cx="0" cy="0"/>
+        </a:xfrm>
+      </p:grpSpPr>
+      <p:sp>
+        <p:nvSpPr>
+          <p:cNvPr id="2" name="object 2"/>
+          <p:cNvSpPr txBox="1">
+            <a:spLocks noGrp="1"/>
+          </p:cNvSpPr>
+          <p:nvPr>
+            <p:ph type="title"/>
+          </p:nvPr>
+        </p:nvSpPr>
+        <p:spPr>
+          <a:xfrm>
+            <a:off x="152400" y="90806"/>
+            <a:ext cx="11218783" cy="579746"/>
+          </a:xfrm>
+          <a:prstGeom prst="rect">
+            <a:avLst/>
+          </a:prstGeom>
+        </p:spPr>
+        <p:txBody>
+          <a:bodyPr vert="horz" wrap="square" lIns="0" tIns="25499" rIns="0" bIns="0" rtlCol="0" anchor="b">
+            <a:spAutoFit/>
+          </a:bodyPr>
+          <a:lstStyle/>
+          <a:p>
+            <a:pPr marL="26841">
+              <a:lnSpc>
+                <a:spcPct val="100000"/>
+              </a:lnSpc>
+              <a:spcBef>
+                <a:spcPts val="201"/>
+              </a:spcBef>
+            </a:pPr>
+            <a:r>
+              <a:rPr lang="en-CA" sz="3600" spc="85" dirty="0"/>
+              <a:t>Brief Overview of Payment Models</a:t>
+            </a:r>
+            <a:endParaRPr sz="3600" spc="95" dirty="0"/>
+          </a:p>
+        </p:txBody>
+      </p:sp>
+      <p:sp>
+        <p:nvSpPr>
+          <p:cNvPr id="8" name="object 8"/>
+          <p:cNvSpPr txBox="1"/>
+          <p:nvPr/>
+        </p:nvSpPr>
+        <p:spPr>
+          <a:xfrm>
+            <a:off x="11853821" y="6407020"/>
+            <a:ext cx="140918" cy="220866"/>
+          </a:xfrm>
+          <a:prstGeom prst="rect">
+            <a:avLst/>
+          </a:prstGeom>
+        </p:spPr>
+        <p:txBody>
+          <a:bodyPr vert="horz" wrap="square" lIns="0" tIns="25499" rIns="0" bIns="0" rtlCol="0">
+            <a:spAutoFit/>
+          </a:bodyPr>
+          <a:lstStyle/>
+          <a:p>
+            <a:pPr marL="26841">
+              <a:spcBef>
+                <a:spcPts val="201"/>
+              </a:spcBef>
+            </a:pPr>
+            <a:r>
+              <a:rPr sz="1268" spc="-169" dirty="0">
+                <a:solidFill>
+                  <a:srgbClr val="22373A"/>
+                </a:solidFill>
+                <a:latin typeface="Arial Black"/>
+                <a:cs typeface="Arial Black"/>
+              </a:rPr>
+              <a:t>8</a:t>
+            </a:r>
+            <a:endParaRPr sz="1268">
+              <a:latin typeface="Arial Black"/>
+              <a:cs typeface="Arial Black"/>
+            </a:endParaRPr>
+          </a:p>
+        </p:txBody>
+      </p:sp>
+      <p:graphicFrame>
+        <p:nvGraphicFramePr>
+          <p:cNvPr id="10" name="Table 10">
+            <a:extLst>
+              <a:ext uri="{FF2B5EF4-FFF2-40B4-BE49-F238E27FC236}">
+                <a16:creationId xmlns:a16="http://schemas.microsoft.com/office/drawing/2014/main" id="{DE25C448-F317-F761-972D-60AF30FF1608}"/>
+              </a:ext>
+            </a:extLst>
+          </p:cNvPr>
+          <p:cNvGraphicFramePr>
+            <a:graphicFrameLocks noGrp="1"/>
+          </p:cNvGraphicFramePr>
+          <p:nvPr/>
         </p:nvGraphicFramePr>
         <p:xfrm>
           <a:off x="304800" y="719666"/>
@@ -10363,7 +10123,7 @@
     </p:spTree>
     <p:extLst>
       <p:ext uri="{BB962C8B-B14F-4D97-AF65-F5344CB8AC3E}">
-        <p14:creationId xmlns:p14="http://schemas.microsoft.com/office/powerpoint/2010/main" val="168090599"/>
+        <p14:creationId xmlns:p14="http://schemas.microsoft.com/office/powerpoint/2010/main" val="1988440729"/>
       </p:ext>
     </p:extLst>
   </p:cSld>
@@ -10376,7 +10136,7 @@
 </p:sld>
 </file>
 
-<file path=ppt/slides/slide12.xml><?xml version="1.0" encoding="utf-8"?>
+<file path=ppt/slides/slide13.xml><?xml version="1.0" encoding="utf-8"?>
 <p:sld xmlns:a="http://schemas.openxmlformats.org/drawingml/2006/main" xmlns:r="http://schemas.openxmlformats.org/officeDocument/2006/relationships" xmlns:p="http://schemas.openxmlformats.org/presentationml/2006/main">
   <p:cSld>
     <p:spTree>
@@ -11019,7 +10779,7 @@
 </p:sld>
 </file>
 
-<file path=ppt/slides/slide13.xml><?xml version="1.0" encoding="utf-8"?>
+<file path=ppt/slides/slide14.xml><?xml version="1.0" encoding="utf-8"?>
 <p:sld xmlns:a="http://schemas.openxmlformats.org/drawingml/2006/main" xmlns:r="http://schemas.openxmlformats.org/officeDocument/2006/relationships" xmlns:p="http://schemas.openxmlformats.org/presentationml/2006/main">
   <p:cSld>
     <p:bg>
@@ -11068,7 +10828,32 @@
                 </a:solidFill>
                 <a:latin typeface="+mj-lt"/>
               </a:rPr>
-              <a:t>“There are many mechanisms for paying physicians, some are good and some are bad. The three worst are fee-for-service, capitation and salary. ”</a:t>
+              <a:t>“There are many mechanisms for paying physicians, some are good, and some are bad. </a:t>
+            </a:r>
+            <a:br>
+              <a:rPr lang="en-US" sz="4800" dirty="0">
+                <a:solidFill>
+                  <a:srgbClr val="FFFFFF"/>
+                </a:solidFill>
+                <a:latin typeface="+mj-lt"/>
+              </a:rPr>
+            </a:br>
+            <a:br>
+              <a:rPr lang="en-US" sz="4800" dirty="0">
+                <a:solidFill>
+                  <a:srgbClr val="FFFFFF"/>
+                </a:solidFill>
+                <a:latin typeface="+mj-lt"/>
+              </a:rPr>
+            </a:br>
+            <a:r>
+              <a:rPr lang="en-US" sz="4800" dirty="0">
+                <a:solidFill>
+                  <a:srgbClr val="FFFFFF"/>
+                </a:solidFill>
+                <a:latin typeface="+mj-lt"/>
+              </a:rPr>
+              <a:t>The three worst are fee-for-service, capitation and salary. ”</a:t>
             </a:r>
           </a:p>
         </p:txBody>
@@ -11152,7 +10937,7 @@
 </p:sld>
 </file>
 
-<file path=ppt/slides/slide14.xml><?xml version="1.0" encoding="utf-8"?>
+<file path=ppt/slides/slide15.xml><?xml version="1.0" encoding="utf-8"?>
 <p:sld xmlns:a="http://schemas.openxmlformats.org/drawingml/2006/main" xmlns:r="http://schemas.openxmlformats.org/officeDocument/2006/relationships" xmlns:p="http://schemas.openxmlformats.org/presentationml/2006/main">
   <p:cSld>
     <p:spTree>
@@ -11516,7 +11301,7 @@
 </p:sld>
 </file>
 
-<file path=ppt/slides/slide15.xml><?xml version="1.0" encoding="utf-8"?>
+<file path=ppt/slides/slide16.xml><?xml version="1.0" encoding="utf-8"?>
 <p:sld xmlns:a="http://schemas.openxmlformats.org/drawingml/2006/main" xmlns:r="http://schemas.openxmlformats.org/officeDocument/2006/relationships" xmlns:p="http://schemas.openxmlformats.org/presentationml/2006/main">
   <p:cSld>
     <p:spTree>
@@ -11677,7 +11462,7 @@
 </p:sld>
 </file>
 
-<file path=ppt/slides/slide16.xml><?xml version="1.0" encoding="utf-8"?>
+<file path=ppt/slides/slide17.xml><?xml version="1.0" encoding="utf-8"?>
 <p:sld xmlns:a="http://schemas.openxmlformats.org/drawingml/2006/main" xmlns:r="http://schemas.openxmlformats.org/officeDocument/2006/relationships" xmlns:p="http://schemas.openxmlformats.org/presentationml/2006/main">
   <p:cSld>
     <p:spTree>
@@ -11745,14 +11530,14 @@
             <p:ph idx="1"/>
             <p:extLst>
               <p:ext uri="{D42A27DB-BD31-4B8C-83A1-F6EECF244321}">
-                <p14:modId xmlns:p14="http://schemas.microsoft.com/office/powerpoint/2010/main" val="4246586818"/>
+                <p14:modId xmlns:p14="http://schemas.microsoft.com/office/powerpoint/2010/main" val="2898513377"/>
               </p:ext>
             </p:extLst>
           </p:nvPr>
         </p:nvGraphicFramePr>
         <p:xfrm>
           <a:off x="381000" y="929480"/>
-          <a:ext cx="10667999" cy="5623719"/>
+          <a:ext cx="10667999" cy="4687206"/>
         </p:xfrm>
         <a:graphic>
           <a:graphicData uri="http://schemas.openxmlformats.org/drawingml/2006/table">
@@ -11814,10 +11599,30 @@
                             <a:srgbClr val="000000"/>
                           </a:solidFill>
                           <a:effectLst/>
+                          <a:latin typeface="+mj-lt"/>
                         </a:rPr>
-                        <a:t>CPT4:</a:t>
+                        <a:t>A005</a:t>
                       </a:r>
+                      <a:endParaRPr kumimoji="0" lang="en-US" sz="1800" b="0" i="0" u="none" strike="noStrike" cap="none" normalizeH="0" baseline="0" dirty="0">
+                        <a:ln>
+                          <a:noFill/>
+                        </a:ln>
+                        <a:solidFill>
+                          <a:srgbClr val="000000"/>
+                        </a:solidFill>
+                        <a:effectLst/>
+                        <a:latin typeface="+mj-lt"/>
+                        <a:ea typeface="宋体"/>
+                        <a:cs typeface="宋体"/>
+                      </a:endParaRPr>
                     </a:p>
+                  </a:txBody>
+                  <a:tcPr marL="9525" marR="9525" marT="9525" marB="0" anchor="ctr" horzOverflow="overflow"/>
+                </a:tc>
+                <a:tc>
+                  <a:txBody>
+                    <a:bodyPr/>
+                    <a:lstStyle/>
                     <a:p>
                       <a:pPr marL="0" marR="0" lvl="0" indent="0" algn="l" defTabSz="914400" rtl="0" eaLnBrk="1" fontAlgn="b" latinLnBrk="0" hangingPunct="1">
                         <a:lnSpc>
@@ -11836,16 +11641,10 @@
                         <a:tabLst/>
                       </a:pPr>
                       <a:r>
-                        <a:rPr kumimoji="0" lang="en-US" sz="1800" b="0" u="none" strike="noStrike" cap="none" normalizeH="0" baseline="0" dirty="0">
-                          <a:ln>
-                            <a:noFill/>
-                          </a:ln>
-                          <a:solidFill>
-                            <a:srgbClr val="000000"/>
-                          </a:solidFill>
-                          <a:effectLst/>
+                        <a:rPr lang="en-US" dirty="0">
+                          <a:latin typeface="+mj-lt"/>
                         </a:rPr>
-                        <a:t>99211</a:t>
+                        <a:t>Special family and general practice consultation</a:t>
                       </a:r>
                       <a:endParaRPr kumimoji="0" lang="en-US" sz="1800" b="0" i="0" u="none" strike="noStrike" cap="none" normalizeH="0" baseline="0" dirty="0">
                         <a:ln>
@@ -11855,7 +11654,7 @@
                           <a:srgbClr val="000000"/>
                         </a:solidFill>
                         <a:effectLst/>
-                        <a:latin typeface="Calibri" pitchFamily="34" charset="0"/>
+                        <a:latin typeface="+mj-lt"/>
                         <a:ea typeface="宋体"/>
                         <a:cs typeface="宋体"/>
                       </a:endParaRPr>
@@ -11893,8 +11692,9 @@
                             <a:srgbClr val="000000"/>
                           </a:solidFill>
                           <a:effectLst/>
+                          <a:latin typeface="+mj-lt"/>
                         </a:rPr>
-                        <a:t>Doctor's Office Visit To Evaluate Established Patient With Minimal Problems Not Necessarily Requiring The Presence Of A Physician</a:t>
+                        <a:t> $                84.45</a:t>
                       </a:r>
                       <a:endParaRPr kumimoji="0" lang="en-US" sz="1800" b="0" i="0" u="none" strike="noStrike" cap="none" normalizeH="0" baseline="0" dirty="0">
                         <a:ln>
@@ -11904,56 +11704,7 @@
                           <a:srgbClr val="000000"/>
                         </a:solidFill>
                         <a:effectLst/>
-                        <a:latin typeface="Calibri" pitchFamily="34" charset="0"/>
-                        <a:ea typeface="宋体"/>
-                        <a:cs typeface="宋体"/>
-                      </a:endParaRPr>
-                    </a:p>
-                  </a:txBody>
-                  <a:tcPr marL="9525" marR="9525" marT="9525" marB="0" anchor="ctr" horzOverflow="overflow"/>
-                </a:tc>
-                <a:tc>
-                  <a:txBody>
-                    <a:bodyPr/>
-                    <a:lstStyle/>
-                    <a:p>
-                      <a:pPr marL="0" marR="0" lvl="0" indent="0" algn="l" defTabSz="914400" rtl="0" eaLnBrk="1" fontAlgn="b" latinLnBrk="0" hangingPunct="1">
-                        <a:lnSpc>
-                          <a:spcPct val="100000"/>
-                        </a:lnSpc>
-                        <a:spcBef>
-                          <a:spcPct val="0"/>
-                        </a:spcBef>
-                        <a:spcAft>
-                          <a:spcPct val="0"/>
-                        </a:spcAft>
-                        <a:buClrTx/>
-                        <a:buSzTx/>
-                        <a:buFontTx/>
-                        <a:buNone/>
-                        <a:tabLst/>
-                      </a:pPr>
-                      <a:r>
-                        <a:rPr kumimoji="0" lang="en-US" sz="1800" b="0" u="none" strike="noStrike" cap="none" normalizeH="0" baseline="0" dirty="0">
-                          <a:ln>
-                            <a:noFill/>
-                          </a:ln>
-                          <a:solidFill>
-                            <a:srgbClr val="000000"/>
-                          </a:solidFill>
-                          <a:effectLst/>
-                        </a:rPr>
-                        <a:t> $                25 </a:t>
-                      </a:r>
-                      <a:endParaRPr kumimoji="0" lang="en-US" sz="1800" b="0" i="0" u="none" strike="noStrike" cap="none" normalizeH="0" baseline="0" dirty="0">
-                        <a:ln>
-                          <a:noFill/>
-                        </a:ln>
-                        <a:solidFill>
-                          <a:srgbClr val="000000"/>
-                        </a:solidFill>
-                        <a:effectLst/>
-                        <a:latin typeface="Calibri" pitchFamily="34" charset="0"/>
+                        <a:latin typeface="+mj-lt"/>
                         <a:ea typeface="宋体"/>
                         <a:cs typeface="宋体"/>
                       </a:endParaRPr>
@@ -11998,8 +11749,9 @@
                             <a:srgbClr val="000000"/>
                           </a:solidFill>
                           <a:effectLst/>
+                          <a:latin typeface="+mj-lt"/>
                         </a:rPr>
-                        <a:t>99212</a:t>
+                        <a:t>K017</a:t>
                       </a:r>
                       <a:endParaRPr kumimoji="0" lang="en-US" sz="1800" b="0" i="0" u="none" strike="noStrike" cap="none" normalizeH="0" baseline="0" dirty="0">
                         <a:ln>
@@ -12009,9 +11761,82 @@
                           <a:srgbClr val="000000"/>
                         </a:solidFill>
                         <a:effectLst/>
-                        <a:latin typeface="Calibri" pitchFamily="34" charset="0"/>
+                        <a:latin typeface="+mj-lt"/>
                         <a:ea typeface="宋体"/>
-                        <a:cs typeface="宋体"/>
+                      </a:endParaRPr>
+                    </a:p>
+                    <a:p>
+                      <a:pPr marL="0" marR="0" lvl="0" indent="0" algn="l" defTabSz="914400" rtl="0" eaLnBrk="1" fontAlgn="b" latinLnBrk="0" hangingPunct="1">
+                        <a:lnSpc>
+                          <a:spcPct val="100000"/>
+                        </a:lnSpc>
+                        <a:spcBef>
+                          <a:spcPct val="0"/>
+                        </a:spcBef>
+                        <a:spcAft>
+                          <a:spcPct val="0"/>
+                        </a:spcAft>
+                        <a:buClrTx/>
+                        <a:buSzTx/>
+                        <a:buFontTx/>
+                        <a:buNone/>
+                        <a:tabLst/>
+                      </a:pPr>
+                      <a:r>
+                        <a:rPr kumimoji="0" lang="en-US" sz="1800" b="0" i="0" u="none" strike="noStrike" cap="none" normalizeH="0" baseline="0" dirty="0">
+                          <a:ln>
+                            <a:noFill/>
+                          </a:ln>
+                          <a:solidFill>
+                            <a:srgbClr val="000000"/>
+                          </a:solidFill>
+                          <a:effectLst/>
+                          <a:latin typeface="+mj-lt"/>
+                          <a:ea typeface="宋体"/>
+                        </a:rPr>
+                        <a:t>K130</a:t>
+                      </a:r>
+                    </a:p>
+                    <a:p>
+                      <a:pPr marL="0" marR="0" lvl="0" indent="0" algn="l" defTabSz="914400" rtl="0" eaLnBrk="1" fontAlgn="b" latinLnBrk="0" hangingPunct="1">
+                        <a:lnSpc>
+                          <a:spcPct val="100000"/>
+                        </a:lnSpc>
+                        <a:spcBef>
+                          <a:spcPct val="0"/>
+                        </a:spcBef>
+                        <a:spcAft>
+                          <a:spcPct val="0"/>
+                        </a:spcAft>
+                        <a:buClrTx/>
+                        <a:buSzTx/>
+                        <a:buFontTx/>
+                        <a:buNone/>
+                        <a:tabLst/>
+                      </a:pPr>
+                      <a:r>
+                        <a:rPr kumimoji="0" lang="en-US" sz="1800" b="0" i="0" u="none" strike="noStrike" cap="none" normalizeH="0" baseline="0" dirty="0">
+                          <a:ln>
+                            <a:noFill/>
+                          </a:ln>
+                          <a:solidFill>
+                            <a:srgbClr val="000000"/>
+                          </a:solidFill>
+                          <a:effectLst/>
+                          <a:latin typeface="+mj-lt"/>
+                          <a:ea typeface="宋体"/>
+                        </a:rPr>
+                        <a:t>K131</a:t>
+                      </a:r>
+                      <a:endParaRPr kumimoji="0" lang="en-US" sz="1800" b="0" u="none" strike="noStrike" cap="none" normalizeH="0" baseline="0" dirty="0">
+                        <a:ln>
+                          <a:noFill/>
+                        </a:ln>
+                        <a:solidFill>
+                          <a:srgbClr val="000000"/>
+                        </a:solidFill>
+                        <a:effectLst/>
+                        <a:latin typeface="+mj-lt"/>
                       </a:endParaRPr>
                     </a:p>
                   </a:txBody>
@@ -12047,21 +11872,76 @@
                             <a:srgbClr val="000000"/>
                           </a:solidFill>
                           <a:effectLst/>
+                          <a:latin typeface="+mj-lt"/>
                         </a:rPr>
-                        <a:t>Doctor's Visit For The Evaluation Of An Established Patient For A Problem-Focused Examination And A Simple Medical Decision</a:t>
+                        <a:t>Wellness visit: child</a:t>
                       </a:r>
-                      <a:endParaRPr kumimoji="0" lang="en-US" sz="1800" b="0" i="0" u="none" strike="noStrike" cap="none" normalizeH="0" baseline="0" dirty="0">
-                        <a:ln>
-                          <a:noFill/>
-                        </a:ln>
-                        <a:solidFill>
-                          <a:srgbClr val="000000"/>
-                        </a:solidFill>
-                        <a:effectLst/>
-                        <a:latin typeface="Calibri" pitchFamily="34" charset="0"/>
-                        <a:ea typeface="宋体"/>
-                        <a:cs typeface="宋体"/>
-                      </a:endParaRPr>
+                    </a:p>
+                    <a:p>
+                      <a:pPr marL="0" marR="0" lvl="0" indent="0" algn="l" defTabSz="914400" rtl="0" eaLnBrk="1" fontAlgn="b" latinLnBrk="0" hangingPunct="1">
+                        <a:lnSpc>
+                          <a:spcPct val="100000"/>
+                        </a:lnSpc>
+                        <a:spcBef>
+                          <a:spcPct val="0"/>
+                        </a:spcBef>
+                        <a:spcAft>
+                          <a:spcPct val="0"/>
+                        </a:spcAft>
+                        <a:buClrTx/>
+                        <a:buSzTx/>
+                        <a:buFontTx/>
+                        <a:buNone/>
+                        <a:tabLst/>
+                      </a:pPr>
+                      <a:r>
+                        <a:rPr kumimoji="0" lang="en-US" sz="1800" b="0" i="0" u="none" strike="noStrike" cap="none" normalizeH="0" baseline="0" dirty="0">
+                          <a:ln>
+                            <a:noFill/>
+                          </a:ln>
+                          <a:solidFill>
+                            <a:srgbClr val="000000"/>
+                          </a:solidFill>
+                          <a:effectLst/>
+                          <a:latin typeface="+mj-lt"/>
+                          <a:ea typeface="宋体"/>
+                          <a:cs typeface="宋体"/>
+                        </a:rPr>
+                        <a:t>Adolescent</a:t>
+                      </a:r>
+                    </a:p>
+                    <a:p>
+                      <a:pPr marL="0" marR="0" lvl="0" indent="0" algn="l" defTabSz="914400" rtl="0" eaLnBrk="1" fontAlgn="b" latinLnBrk="0" hangingPunct="1">
+                        <a:lnSpc>
+                          <a:spcPct val="100000"/>
+                        </a:lnSpc>
+                        <a:spcBef>
+                          <a:spcPct val="0"/>
+                        </a:spcBef>
+                        <a:spcAft>
+                          <a:spcPct val="0"/>
+                        </a:spcAft>
+                        <a:buClrTx/>
+                        <a:buSzTx/>
+                        <a:buFontTx/>
+                        <a:buNone/>
+                        <a:tabLst/>
+                      </a:pPr>
+                      <a:r>
+                        <a:rPr kumimoji="0" lang="en-US" sz="1800" b="0" i="0" u="none" strike="noStrike" cap="none" normalizeH="0" baseline="0" dirty="0">
+                          <a:ln>
+                            <a:noFill/>
+                          </a:ln>
+                          <a:solidFill>
+                            <a:srgbClr val="000000"/>
+                          </a:solidFill>
+                          <a:effectLst/>
+                          <a:latin typeface="+mj-lt"/>
+                          <a:ea typeface="宋体"/>
+                          <a:cs typeface="宋体"/>
+                        </a:rPr>
+                        <a:t>Adult &lt; 64</a:t>
+                      </a:r>
                     </a:p>
                   </a:txBody>
                   <a:tcPr marL="9525" marR="9525" marT="9525" marB="0" anchor="ctr" horzOverflow="overflow"/>
@@ -12088,7 +11968,7 @@
                         <a:tabLst/>
                       </a:pPr>
                       <a:r>
-                        <a:rPr kumimoji="0" lang="en-US" sz="1800" b="0" u="none" strike="noStrike" cap="none" normalizeH="0" baseline="0">
+                        <a:rPr kumimoji="0" lang="en-US" sz="1800" b="0" u="none" strike="noStrike" cap="none" normalizeH="0" baseline="0" dirty="0">
                           <a:ln>
                             <a:noFill/>
                           </a:ln>
@@ -12096,10 +11976,73 @@
                             <a:srgbClr val="000000"/>
                           </a:solidFill>
                           <a:effectLst/>
+                          <a:latin typeface="+mj-lt"/>
                         </a:rPr>
-                        <a:t> $                44 </a:t>
+                        <a:t> $                43.60</a:t>
                       </a:r>
-                      <a:endParaRPr kumimoji="0" lang="en-US" sz="1800" b="0" i="0" u="none" strike="noStrike" cap="none" normalizeH="0" baseline="0">
+                    </a:p>
+                    <a:p>
+                      <a:pPr marL="0" marR="0" lvl="0" indent="0" algn="l" defTabSz="914400" rtl="0" eaLnBrk="1" fontAlgn="b" latinLnBrk="0" hangingPunct="1">
+                        <a:lnSpc>
+                          <a:spcPct val="100000"/>
+                        </a:lnSpc>
+                        <a:spcBef>
+                          <a:spcPct val="0"/>
+                        </a:spcBef>
+                        <a:spcAft>
+                          <a:spcPct val="0"/>
+                        </a:spcAft>
+                        <a:buClrTx/>
+                        <a:buSzTx/>
+                        <a:buFontTx/>
+                        <a:buNone/>
+                        <a:tabLst/>
+                      </a:pPr>
+                      <a:r>
+                        <a:rPr kumimoji="0" lang="en-US" sz="1800" b="0" u="none" strike="noStrike" cap="none" normalizeH="0" baseline="0" dirty="0">
+                          <a:ln>
+                            <a:noFill/>
+                          </a:ln>
+                          <a:solidFill>
+                            <a:srgbClr val="000000"/>
+                          </a:solidFill>
+                          <a:effectLst/>
+                          <a:latin typeface="+mj-lt"/>
+                        </a:rPr>
+                        <a:t> $                77.20</a:t>
+                      </a:r>
+                    </a:p>
+                    <a:p>
+                      <a:pPr marL="0" marR="0" lvl="0" indent="0" algn="l" defTabSz="914400" rtl="0" eaLnBrk="1" fontAlgn="b" latinLnBrk="0" hangingPunct="1">
+                        <a:lnSpc>
+                          <a:spcPct val="100000"/>
+                        </a:lnSpc>
+                        <a:spcBef>
+                          <a:spcPct val="0"/>
+                        </a:spcBef>
+                        <a:spcAft>
+                          <a:spcPct val="0"/>
+                        </a:spcAft>
+                        <a:buClrTx/>
+                        <a:buSzTx/>
+                        <a:buFontTx/>
+                        <a:buNone/>
+                        <a:tabLst/>
+                      </a:pPr>
+                      <a:r>
+                        <a:rPr kumimoji="0" lang="en-US" sz="1800" b="0" u="none" strike="noStrike" cap="none" normalizeH="0" baseline="0" dirty="0">
+                          <a:ln>
+                            <a:noFill/>
+                          </a:ln>
+                          <a:solidFill>
+                            <a:srgbClr val="000000"/>
+                          </a:solidFill>
+                          <a:effectLst/>
+                          <a:latin typeface="+mj-lt"/>
+                        </a:rPr>
+                        <a:t> $                54.00 </a:t>
+                      </a:r>
+                      <a:endParaRPr kumimoji="0" lang="en-US" sz="1800" b="0" i="0" u="none" strike="noStrike" cap="none" normalizeH="0" baseline="0" dirty="0">
                         <a:ln>
                           <a:noFill/>
                         </a:ln>
@@ -12107,7 +12050,7 @@
                           <a:srgbClr val="000000"/>
                         </a:solidFill>
                         <a:effectLst/>
-                        <a:latin typeface="Calibri" pitchFamily="34" charset="0"/>
+                        <a:latin typeface="+mj-lt"/>
                         <a:ea typeface="宋体"/>
                         <a:cs typeface="宋体"/>
                       </a:endParaRPr>
@@ -12152,8 +12095,9 @@
                             <a:srgbClr val="000000"/>
                           </a:solidFill>
                           <a:effectLst/>
+                          <a:latin typeface="+mj-lt"/>
                         </a:rPr>
-                        <a:t>99213</a:t>
+                        <a:t>K082</a:t>
                       </a:r>
                       <a:endParaRPr kumimoji="0" lang="en-US" sz="1800" b="0" i="0" u="none" strike="noStrike" cap="none" normalizeH="0" baseline="0" dirty="0">
                         <a:ln>
@@ -12163,7 +12107,7 @@
                           <a:srgbClr val="000000"/>
                         </a:solidFill>
                         <a:effectLst/>
-                        <a:latin typeface="Calibri" pitchFamily="34" charset="0"/>
+                        <a:latin typeface="+mj-lt"/>
                         <a:ea typeface="宋体"/>
                         <a:cs typeface="宋体"/>
                       </a:endParaRPr>
@@ -12193,121 +12137,16 @@
                         <a:tabLst/>
                       </a:pPr>
                       <a:r>
-                        <a:rPr kumimoji="0" lang="en-US" sz="1800" b="0" u="none" strike="noStrike" cap="none" normalizeH="0" baseline="0">
-                          <a:ln>
-                            <a:noFill/>
-                          </a:ln>
+                        <a:rPr lang="en-US" sz="1800" b="0" i="0" kern="1200" dirty="0">
                           <a:solidFill>
-                            <a:srgbClr val="000000"/>
+                            <a:schemeClr val="dk1"/>
                           </a:solidFill>
                           <a:effectLst/>
+                          <a:latin typeface="+mj-lt"/>
+                          <a:ea typeface="+mn-ea"/>
+                          <a:cs typeface="+mn-cs"/>
                         </a:rPr>
-                        <a:t>Doctor's Visit For The Evaluation Of An Established Patient For Expanded Examination And History Of A Problem Requiring A Fairly Simple Medical Decision</a:t>
-                      </a:r>
-                      <a:endParaRPr kumimoji="0" lang="en-US" sz="1800" b="0" i="0" u="none" strike="noStrike" cap="none" normalizeH="0" baseline="0">
-                        <a:ln>
-                          <a:noFill/>
-                        </a:ln>
-                        <a:solidFill>
-                          <a:srgbClr val="000000"/>
-                        </a:solidFill>
-                        <a:effectLst/>
-                        <a:latin typeface="Calibri" pitchFamily="34" charset="0"/>
-                        <a:ea typeface="宋体"/>
-                        <a:cs typeface="宋体"/>
-                      </a:endParaRPr>
-                    </a:p>
-                  </a:txBody>
-                  <a:tcPr marL="9525" marR="9525" marT="9525" marB="0" anchor="ctr" horzOverflow="overflow"/>
-                </a:tc>
-                <a:tc>
-                  <a:txBody>
-                    <a:bodyPr/>
-                    <a:lstStyle/>
-                    <a:p>
-                      <a:pPr marL="0" marR="0" lvl="0" indent="0" algn="l" defTabSz="914400" rtl="0" eaLnBrk="1" fontAlgn="b" latinLnBrk="0" hangingPunct="1">
-                        <a:lnSpc>
-                          <a:spcPct val="100000"/>
-                        </a:lnSpc>
-                        <a:spcBef>
-                          <a:spcPct val="0"/>
-                        </a:spcBef>
-                        <a:spcAft>
-                          <a:spcPct val="0"/>
-                        </a:spcAft>
-                        <a:buClrTx/>
-                        <a:buSzTx/>
-                        <a:buFontTx/>
-                        <a:buNone/>
-                        <a:tabLst/>
-                      </a:pPr>
-                      <a:r>
-                        <a:rPr kumimoji="0" lang="en-US" sz="1800" b="0" u="none" strike="noStrike" cap="none" normalizeH="0" baseline="0">
-                          <a:ln>
-                            <a:noFill/>
-                          </a:ln>
-                          <a:solidFill>
-                            <a:srgbClr val="000000"/>
-                          </a:solidFill>
-                          <a:effectLst/>
-                        </a:rPr>
-                        <a:t> $                60 </a:t>
-                      </a:r>
-                      <a:endParaRPr kumimoji="0" lang="en-US" sz="1800" b="0" i="0" u="none" strike="noStrike" cap="none" normalizeH="0" baseline="0">
-                        <a:ln>
-                          <a:noFill/>
-                        </a:ln>
-                        <a:solidFill>
-                          <a:srgbClr val="000000"/>
-                        </a:solidFill>
-                        <a:effectLst/>
-                        <a:latin typeface="Calibri" pitchFamily="34" charset="0"/>
-                        <a:ea typeface="宋体"/>
-                        <a:cs typeface="宋体"/>
-                      </a:endParaRPr>
-                    </a:p>
-                  </a:txBody>
-                  <a:tcPr marL="9525" marR="9525" marT="9525" marB="0" anchor="ctr" horzOverflow="overflow"/>
-                </a:tc>
-                <a:extLst>
-                  <a:ext uri="{0D108BD9-81ED-4DB2-BD59-A6C34878D82A}">
-                    <a16:rowId xmlns:a16="http://schemas.microsoft.com/office/drawing/2014/main" val="10002"/>
-                  </a:ext>
-                </a:extLst>
-              </a:tr>
-              <a:tr h="936513">
-                <a:tc>
-                  <a:txBody>
-                    <a:bodyPr/>
-                    <a:lstStyle/>
-                    <a:p>
-                      <a:pPr marL="0" marR="0" lvl="0" indent="0" algn="l" defTabSz="914400" rtl="0" eaLnBrk="1" fontAlgn="b" latinLnBrk="0" hangingPunct="1">
-                        <a:lnSpc>
-                          <a:spcPct val="100000"/>
-                        </a:lnSpc>
-                        <a:spcBef>
-                          <a:spcPct val="0"/>
-                        </a:spcBef>
-                        <a:spcAft>
-                          <a:spcPct val="0"/>
-                        </a:spcAft>
-                        <a:buClrTx/>
-                        <a:buSzTx/>
-                        <a:buFontTx/>
-                        <a:buNone/>
-                        <a:tabLst/>
-                      </a:pPr>
-                      <a:r>
-                        <a:rPr kumimoji="0" lang="en-US" sz="1800" b="0" u="none" strike="noStrike" cap="none" normalizeH="0" baseline="0" dirty="0">
-                          <a:ln>
-                            <a:noFill/>
-                          </a:ln>
-                          <a:solidFill>
-                            <a:srgbClr val="000000"/>
-                          </a:solidFill>
-                          <a:effectLst/>
-                        </a:rPr>
-                        <a:t>99214</a:t>
+                        <a:t>Psychotherapy, psychiatric or primary mental health care counselling or Interview conducted by telephone or video per unit (unit means half hour or major part thereof)</a:t>
                       </a:r>
                       <a:endParaRPr kumimoji="0" lang="en-US" sz="1800" b="0" i="0" u="none" strike="noStrike" cap="none" normalizeH="0" baseline="0" dirty="0">
                         <a:ln>
@@ -12317,7 +12156,7 @@
                           <a:srgbClr val="000000"/>
                         </a:solidFill>
                         <a:effectLst/>
-                        <a:latin typeface="Calibri" pitchFamily="34" charset="0"/>
+                        <a:latin typeface="+mj-lt"/>
                         <a:ea typeface="宋体"/>
                         <a:cs typeface="宋体"/>
                       </a:endParaRPr>
@@ -12355,8 +12194,9 @@
                             <a:srgbClr val="000000"/>
                           </a:solidFill>
                           <a:effectLst/>
+                          <a:latin typeface="+mj-lt"/>
                         </a:rPr>
-                        <a:t>Doctor's Visit For The Evaluation Of An Established Patient For A Detailed History, Examination, And A Medical Decision Of Moderate Complexity, Unlisted Evaluation</a:t>
+                        <a:t> $                67.75</a:t>
                       </a:r>
                       <a:endParaRPr kumimoji="0" lang="en-US" sz="1800" b="0" i="0" u="none" strike="noStrike" cap="none" normalizeH="0" baseline="0" dirty="0">
                         <a:ln>
@@ -12366,56 +12206,7 @@
                           <a:srgbClr val="000000"/>
                         </a:solidFill>
                         <a:effectLst/>
-                        <a:latin typeface="Calibri" pitchFamily="34" charset="0"/>
-                        <a:ea typeface="宋体"/>
-                        <a:cs typeface="宋体"/>
-                      </a:endParaRPr>
-                    </a:p>
-                  </a:txBody>
-                  <a:tcPr marL="9525" marR="9525" marT="9525" marB="0" anchor="ctr" horzOverflow="overflow"/>
-                </a:tc>
-                <a:tc>
-                  <a:txBody>
-                    <a:bodyPr/>
-                    <a:lstStyle/>
-                    <a:p>
-                      <a:pPr marL="0" marR="0" lvl="0" indent="0" algn="l" defTabSz="914400" rtl="0" eaLnBrk="1" fontAlgn="b" latinLnBrk="0" hangingPunct="1">
-                        <a:lnSpc>
-                          <a:spcPct val="100000"/>
-                        </a:lnSpc>
-                        <a:spcBef>
-                          <a:spcPct val="0"/>
-                        </a:spcBef>
-                        <a:spcAft>
-                          <a:spcPct val="0"/>
-                        </a:spcAft>
-                        <a:buClrTx/>
-                        <a:buSzTx/>
-                        <a:buFontTx/>
-                        <a:buNone/>
-                        <a:tabLst/>
-                      </a:pPr>
-                      <a:r>
-                        <a:rPr kumimoji="0" lang="en-US" sz="1800" b="0" u="none" strike="noStrike" cap="none" normalizeH="0" baseline="0">
-                          <a:ln>
-                            <a:noFill/>
-                          </a:ln>
-                          <a:solidFill>
-                            <a:srgbClr val="000000"/>
-                          </a:solidFill>
-                          <a:effectLst/>
-                        </a:rPr>
-                        <a:t> $                91 </a:t>
-                      </a:r>
-                      <a:endParaRPr kumimoji="0" lang="en-US" sz="1800" b="0" i="0" u="none" strike="noStrike" cap="none" normalizeH="0" baseline="0">
-                        <a:ln>
-                          <a:noFill/>
-                        </a:ln>
-                        <a:solidFill>
-                          <a:srgbClr val="000000"/>
-                        </a:solidFill>
-                        <a:effectLst/>
-                        <a:latin typeface="Calibri" pitchFamily="34" charset="0"/>
+                        <a:latin typeface="+mj-lt"/>
                         <a:ea typeface="宋体"/>
                         <a:cs typeface="宋体"/>
                       </a:endParaRPr>
@@ -12425,7 +12216,7 @@
                 </a:tc>
                 <a:extLst>
                   <a:ext uri="{0D108BD9-81ED-4DB2-BD59-A6C34878D82A}">
-                    <a16:rowId xmlns:a16="http://schemas.microsoft.com/office/drawing/2014/main" val="10003"/>
+                    <a16:rowId xmlns:a16="http://schemas.microsoft.com/office/drawing/2014/main" val="10002"/>
                   </a:ext>
                 </a:extLst>
               </a:tr>
@@ -12460,8 +12251,9 @@
                             <a:srgbClr val="000000"/>
                           </a:solidFill>
                           <a:effectLst/>
+                          <a:latin typeface="+mj-lt"/>
                         </a:rPr>
-                        <a:t>99215</a:t>
+                        <a:t>H065</a:t>
                       </a:r>
                       <a:endParaRPr kumimoji="0" lang="en-US" sz="1800" b="0" i="0" u="none" strike="noStrike" cap="none" normalizeH="0" baseline="0" dirty="0">
                         <a:ln>
@@ -12471,7 +12263,7 @@
                           <a:srgbClr val="000000"/>
                         </a:solidFill>
                         <a:effectLst/>
-                        <a:latin typeface="Calibri" pitchFamily="34" charset="0"/>
+                        <a:latin typeface="+mj-lt"/>
                         <a:ea typeface="宋体"/>
                         <a:cs typeface="宋体"/>
                       </a:endParaRPr>
@@ -12501,7 +12293,7 @@
                         <a:tabLst/>
                       </a:pPr>
                       <a:r>
-                        <a:rPr kumimoji="0" lang="en-US" sz="1800" b="0" u="none" strike="noStrike" cap="none" normalizeH="0" baseline="0">
+                        <a:rPr kumimoji="0" lang="en-US" sz="1800" b="0" u="none" strike="noStrike" cap="none" normalizeH="0" baseline="0" dirty="0">
                           <a:ln>
                             <a:noFill/>
                           </a:ln>
@@ -12509,10 +12301,11 @@
                             <a:srgbClr val="000000"/>
                           </a:solidFill>
                           <a:effectLst/>
+                          <a:latin typeface="+mj-lt"/>
                         </a:rPr>
-                        <a:t>Office/Op Visit, Est Pt, 2 Key Components:comprehensive Hx;comprehensiv Exam;med Decisn High Complex</a:t>
+                        <a:t>Consultation in Emergency Medicine</a:t>
                       </a:r>
-                      <a:endParaRPr kumimoji="0" lang="en-US" sz="1800" b="0" i="0" u="none" strike="noStrike" cap="none" normalizeH="0" baseline="0">
+                      <a:endParaRPr kumimoji="0" lang="en-US" sz="1800" b="0" i="0" u="none" strike="noStrike" cap="none" normalizeH="0" baseline="0" dirty="0">
                         <a:ln>
                           <a:noFill/>
                         </a:ln>
@@ -12520,7 +12313,7 @@
                           <a:srgbClr val="000000"/>
                         </a:solidFill>
                         <a:effectLst/>
-                        <a:latin typeface="Calibri" pitchFamily="34" charset="0"/>
+                        <a:latin typeface="+mj-lt"/>
                         <a:ea typeface="宋体"/>
                         <a:cs typeface="宋体"/>
                       </a:endParaRPr>
@@ -12550,7 +12343,7 @@
                         <a:tabLst/>
                       </a:pPr>
                       <a:r>
-                        <a:rPr kumimoji="0" lang="en-US" sz="1800" b="0" u="none" strike="noStrike" cap="none" normalizeH="0" baseline="0">
+                        <a:rPr kumimoji="0" lang="en-US" sz="1800" b="0" u="none" strike="noStrike" cap="none" normalizeH="0" baseline="0" dirty="0">
                           <a:ln>
                             <a:noFill/>
                           </a:ln>
@@ -12558,10 +12351,11 @@
                             <a:srgbClr val="000000"/>
                           </a:solidFill>
                           <a:effectLst/>
+                          <a:latin typeface="+mj-lt"/>
                         </a:rPr>
-                        <a:t> $              130 </a:t>
+                        <a:t> $                81.25</a:t>
                       </a:r>
-                      <a:endParaRPr kumimoji="0" lang="en-US" sz="1800" b="0" i="0" u="none" strike="noStrike" cap="none" normalizeH="0" baseline="0">
+                      <a:endParaRPr kumimoji="0" lang="en-US" sz="1800" b="0" i="0" u="none" strike="noStrike" cap="none" normalizeH="0" baseline="0" dirty="0">
                         <a:ln>
                           <a:noFill/>
                         </a:ln>
@@ -12569,7 +12363,7 @@
                           <a:srgbClr val="000000"/>
                         </a:solidFill>
                         <a:effectLst/>
-                        <a:latin typeface="Calibri" pitchFamily="34" charset="0"/>
+                        <a:latin typeface="+mj-lt"/>
                         <a:ea typeface="宋体"/>
                         <a:cs typeface="宋体"/>
                       </a:endParaRPr>
@@ -12614,8 +12408,97 @@
                             <a:srgbClr val="000000"/>
                           </a:solidFill>
                           <a:effectLst/>
+                          <a:latin typeface="+mj-lt"/>
                         </a:rPr>
-                        <a:t>87071</a:t>
+                        <a:t>A330</a:t>
+                      </a:r>
+                    </a:p>
+                    <a:p>
+                      <a:pPr marL="0" marR="0" lvl="0" indent="0" algn="l" defTabSz="914400" rtl="0" eaLnBrk="1" fontAlgn="b" latinLnBrk="0" hangingPunct="1">
+                        <a:lnSpc>
+                          <a:spcPct val="100000"/>
+                        </a:lnSpc>
+                        <a:spcBef>
+                          <a:spcPct val="0"/>
+                        </a:spcBef>
+                        <a:spcAft>
+                          <a:spcPct val="0"/>
+                        </a:spcAft>
+                        <a:buClrTx/>
+                        <a:buSzTx/>
+                        <a:buFontTx/>
+                        <a:buNone/>
+                        <a:tabLst/>
+                      </a:pPr>
+                      <a:r>
+                        <a:rPr kumimoji="0" lang="en-US" sz="1800" b="0" i="0" u="none" strike="noStrike" cap="none" normalizeH="0" baseline="0" dirty="0">
+                          <a:ln>
+                            <a:noFill/>
+                          </a:ln>
+                          <a:solidFill>
+                            <a:srgbClr val="000000"/>
+                          </a:solidFill>
+                          <a:effectLst/>
+                          <a:latin typeface="+mj-lt"/>
+                          <a:ea typeface="宋体"/>
+                          <a:cs typeface="宋体"/>
+                        </a:rPr>
+                        <a:t>A332</a:t>
+                      </a:r>
+                    </a:p>
+                  </a:txBody>
+                  <a:tcPr marL="9525" marR="9525" marT="9525" marB="0" anchor="ctr" horzOverflow="overflow"/>
+                </a:tc>
+                <a:tc>
+                  <a:txBody>
+                    <a:bodyPr/>
+                    <a:lstStyle/>
+                    <a:p>
+                      <a:pPr marL="0" marR="0" lvl="0" indent="0" algn="l" defTabSz="914400" rtl="0" eaLnBrk="1" fontAlgn="b" latinLnBrk="0" hangingPunct="1">
+                        <a:lnSpc>
+                          <a:spcPct val="100000"/>
+                        </a:lnSpc>
+                        <a:spcBef>
+                          <a:spcPct val="0"/>
+                        </a:spcBef>
+                        <a:spcAft>
+                          <a:spcPct val="0"/>
+                        </a:spcAft>
+                        <a:buClrTx/>
+                        <a:buSzTx/>
+                        <a:buFontTx/>
+                        <a:buNone/>
+                        <a:tabLst/>
+                      </a:pPr>
+                      <a:r>
+                        <a:rPr lang="en-US" dirty="0">
+                          <a:latin typeface="+mj-lt"/>
+                        </a:rPr>
+                        <a:t>Radiology second opinion of CT study, per study.</a:t>
+                      </a:r>
+                    </a:p>
+                    <a:p>
+                      <a:pPr marL="0" marR="0" lvl="0" indent="0" algn="l" defTabSz="914400" rtl="0" eaLnBrk="1" fontAlgn="b" latinLnBrk="0" hangingPunct="1">
+                        <a:lnSpc>
+                          <a:spcPct val="100000"/>
+                        </a:lnSpc>
+                        <a:spcBef>
+                          <a:spcPct val="0"/>
+                        </a:spcBef>
+                        <a:spcAft>
+                          <a:spcPct val="0"/>
+                        </a:spcAft>
+                        <a:buClrTx/>
+                        <a:buSzTx/>
+                        <a:buFontTx/>
+                        <a:buNone/>
+                        <a:tabLst/>
+                      </a:pPr>
+                      <a:r>
+                        <a:rPr lang="en-US" dirty="0">
+                          <a:latin typeface="+mj-lt"/>
+                        </a:rPr>
+                        <a:t>Radiology second opinion of MRI study, per study</a:t>
                       </a:r>
                       <a:endParaRPr kumimoji="0" lang="en-US" sz="1800" b="0" i="0" u="none" strike="noStrike" cap="none" normalizeH="0" baseline="0" dirty="0">
                         <a:ln>
@@ -12625,7 +12508,7 @@
                           <a:srgbClr val="000000"/>
                         </a:solidFill>
                         <a:effectLst/>
-                        <a:latin typeface="Calibri" pitchFamily="34" charset="0"/>
+                        <a:latin typeface="+mj-lt"/>
                         <a:ea typeface="宋体"/>
                         <a:cs typeface="宋体"/>
                       </a:endParaRPr>
@@ -12655,7 +12538,7 @@
                         <a:tabLst/>
                       </a:pPr>
                       <a:r>
-                        <a:rPr kumimoji="0" lang="en-US" sz="1800" b="0" u="none" strike="noStrike" cap="none" normalizeH="0" baseline="0">
+                        <a:rPr kumimoji="0" lang="en-US" sz="1800" b="0" u="none" strike="noStrike" cap="none" normalizeH="0" baseline="0" dirty="0">
                           <a:ln>
                             <a:noFill/>
                           </a:ln>
@@ -12663,29 +12546,11 @@
                             <a:srgbClr val="000000"/>
                           </a:solidFill>
                           <a:effectLst/>
+                          <a:latin typeface="+mj-lt"/>
                         </a:rPr>
-                        <a:t>Culture, Bacterial; Quantit, Aerobic W/ Isolatn &amp; Id Isolates, Any Source Except Urine/Blood/Stool</a:t>
+                        <a:t> $                89.50</a:t>
                       </a:r>
-                      <a:endParaRPr kumimoji="0" lang="en-US" sz="1800" b="0" i="0" u="none" strike="noStrike" cap="none" normalizeH="0" baseline="0">
-                        <a:ln>
-                          <a:noFill/>
-                        </a:ln>
-                        <a:solidFill>
-                          <a:srgbClr val="000000"/>
-                        </a:solidFill>
-                        <a:effectLst/>
-                        <a:latin typeface="Calibri" pitchFamily="34" charset="0"/>
-                        <a:ea typeface="宋体"/>
-                        <a:cs typeface="宋体"/>
-                      </a:endParaRPr>
                     </a:p>
-                  </a:txBody>
-                  <a:tcPr marL="9525" marR="9525" marT="9525" marB="0" anchor="ctr" horzOverflow="overflow"/>
-                </a:tc>
-                <a:tc>
-                  <a:txBody>
-                    <a:bodyPr/>
-                    <a:lstStyle/>
                     <a:p>
                       <a:pPr marL="0" marR="0" lvl="0" indent="0" algn="l" defTabSz="914400" rtl="0" eaLnBrk="1" fontAlgn="b" latinLnBrk="0" hangingPunct="1">
                         <a:lnSpc>
@@ -12704,7 +12569,7 @@
                         <a:tabLst/>
                       </a:pPr>
                       <a:r>
-                        <a:rPr kumimoji="0" lang="en-US" sz="1800" b="0" u="none" strike="noStrike" cap="none" normalizeH="0" baseline="0">
+                        <a:rPr kumimoji="0" lang="en-US" sz="1800" b="0" i="0" u="none" strike="noStrike" cap="none" normalizeH="0" baseline="0" dirty="0">
                           <a:ln>
                             <a:noFill/>
                           </a:ln>
@@ -12712,21 +12577,12 @@
                             <a:srgbClr val="000000"/>
                           </a:solidFill>
                           <a:effectLst/>
+                          <a:latin typeface="+mj-lt"/>
+                          <a:ea typeface="宋体"/>
+                          <a:cs typeface="宋体"/>
                         </a:rPr>
-                        <a:t> $                13 </a:t>
+                        <a:t> $              199.70</a:t>
                       </a:r>
-                      <a:endParaRPr kumimoji="0" lang="en-US" sz="1800" b="0" i="0" u="none" strike="noStrike" cap="none" normalizeH="0" baseline="0">
-                        <a:ln>
-                          <a:noFill/>
-                        </a:ln>
-                        <a:solidFill>
-                          <a:srgbClr val="000000"/>
-                        </a:solidFill>
-                        <a:effectLst/>
-                        <a:latin typeface="Calibri" pitchFamily="34" charset="0"/>
-                        <a:ea typeface="宋体"/>
-                        <a:cs typeface="宋体"/>
-                      </a:endParaRPr>
                     </a:p>
                   </a:txBody>
                   <a:tcPr marL="9525" marR="9525" marT="9525" marB="0" anchor="ctr" horzOverflow="overflow"/>
@@ -12768,8 +12624,9 @@
                             <a:srgbClr val="000000"/>
                           </a:solidFill>
                           <a:effectLst/>
+                          <a:latin typeface="+mj-lt"/>
                         </a:rPr>
-                        <a:t>93005</a:t>
+                        <a:t>G176</a:t>
                       </a:r>
                       <a:endParaRPr kumimoji="0" lang="en-US" sz="1800" b="0" i="0" u="none" strike="noStrike" cap="none" normalizeH="0" baseline="0" dirty="0">
                         <a:ln>
@@ -12779,56 +12636,7 @@
                           <a:srgbClr val="000000"/>
                         </a:solidFill>
                         <a:effectLst/>
-                        <a:latin typeface="Calibri" pitchFamily="34" charset="0"/>
-                        <a:ea typeface="宋体"/>
-                        <a:cs typeface="宋体"/>
-                      </a:endParaRPr>
-                    </a:p>
-                  </a:txBody>
-                  <a:tcPr marL="9525" marR="9525" marT="9525" marB="0" anchor="ctr" horzOverflow="overflow"/>
-                </a:tc>
-                <a:tc>
-                  <a:txBody>
-                    <a:bodyPr/>
-                    <a:lstStyle/>
-                    <a:p>
-                      <a:pPr marL="0" marR="0" lvl="0" indent="0" algn="l" defTabSz="914400" rtl="0" eaLnBrk="1" fontAlgn="b" latinLnBrk="0" hangingPunct="1">
-                        <a:lnSpc>
-                          <a:spcPct val="100000"/>
-                        </a:lnSpc>
-                        <a:spcBef>
-                          <a:spcPct val="0"/>
-                        </a:spcBef>
-                        <a:spcAft>
-                          <a:spcPct val="0"/>
-                        </a:spcAft>
-                        <a:buClrTx/>
-                        <a:buSzTx/>
-                        <a:buFontTx/>
-                        <a:buNone/>
-                        <a:tabLst/>
-                      </a:pPr>
-                      <a:r>
-                        <a:rPr kumimoji="0" lang="en-US" sz="1800" b="0" u="none" strike="noStrike" cap="none" normalizeH="0" baseline="0">
-                          <a:ln>
-                            <a:noFill/>
-                          </a:ln>
-                          <a:solidFill>
-                            <a:srgbClr val="000000"/>
-                          </a:solidFill>
-                          <a:effectLst/>
-                        </a:rPr>
-                        <a:t>Electrocardiogram, Routine 12+ Leads; Tracing Only W/O Interpretation &amp; Report</a:t>
-                      </a:r>
-                      <a:endParaRPr kumimoji="0" lang="en-US" sz="1800" b="0" i="0" u="none" strike="noStrike" cap="none" normalizeH="0" baseline="0">
-                        <a:ln>
-                          <a:noFill/>
-                        </a:ln>
-                        <a:solidFill>
-                          <a:srgbClr val="000000"/>
-                        </a:solidFill>
-                        <a:effectLst/>
-                        <a:latin typeface="Calibri" pitchFamily="34" charset="0"/>
+                        <a:latin typeface="+mj-lt"/>
                         <a:ea typeface="宋体"/>
                         <a:cs typeface="宋体"/>
                       </a:endParaRPr>
@@ -12866,8 +12674,15 @@
                             <a:srgbClr val="000000"/>
                           </a:solidFill>
                           <a:effectLst/>
+                          <a:latin typeface="+mj-lt"/>
                         </a:rPr>
-                        <a:t> $                26 </a:t>
+                        <a:t>Electrocardiogram, </a:t>
+                      </a:r>
+                      <a:r>
+                        <a:rPr lang="en-US" dirty="0">
+                          <a:latin typeface="+mj-lt"/>
+                        </a:rPr>
+                        <a:t>Electrophysiologic Pacing, Mapping and Ablation</a:t>
                       </a:r>
                       <a:endParaRPr kumimoji="0" lang="en-US" sz="1800" b="0" i="0" u="none" strike="noStrike" cap="none" normalizeH="0" baseline="0" dirty="0">
                         <a:ln>
@@ -12877,7 +12692,57 @@
                           <a:srgbClr val="000000"/>
                         </a:solidFill>
                         <a:effectLst/>
-                        <a:latin typeface="Calibri" pitchFamily="34" charset="0"/>
+                        <a:latin typeface="+mj-lt"/>
+                        <a:ea typeface="宋体"/>
+                        <a:cs typeface="宋体"/>
+                      </a:endParaRPr>
+                    </a:p>
+                  </a:txBody>
+                  <a:tcPr marL="9525" marR="9525" marT="9525" marB="0" anchor="ctr" horzOverflow="overflow"/>
+                </a:tc>
+                <a:tc>
+                  <a:txBody>
+                    <a:bodyPr/>
+                    <a:lstStyle/>
+                    <a:p>
+                      <a:pPr marL="0" marR="0" lvl="0" indent="0" algn="l" defTabSz="914400" rtl="0" eaLnBrk="1" fontAlgn="b" latinLnBrk="0" hangingPunct="1">
+                        <a:lnSpc>
+                          <a:spcPct val="100000"/>
+                        </a:lnSpc>
+                        <a:spcBef>
+                          <a:spcPct val="0"/>
+                        </a:spcBef>
+                        <a:spcAft>
+                          <a:spcPct val="0"/>
+                        </a:spcAft>
+                        <a:buClrTx/>
+                        <a:buSzTx/>
+                        <a:buFontTx/>
+                        <a:buNone/>
+                        <a:tabLst/>
+                      </a:pPr>
+                      <a:r>
+                        <a:rPr kumimoji="0" lang="en-US" sz="1800" b="0" u="none" strike="noStrike" cap="none" normalizeH="0" baseline="0" dirty="0">
+                          <a:ln>
+                            <a:noFill/>
+                          </a:ln>
+                          <a:solidFill>
+                            <a:srgbClr val="000000"/>
+                          </a:solidFill>
+                          <a:effectLst/>
+                          <a:latin typeface="+mj-lt"/>
+                        </a:rPr>
+                        <a:t> $               334.25</a:t>
+                      </a:r>
+                      <a:endParaRPr kumimoji="0" lang="en-US" sz="1800" b="0" i="0" u="none" strike="noStrike" cap="none" normalizeH="0" baseline="0" dirty="0">
+                        <a:ln>
+                          <a:noFill/>
+                        </a:ln>
+                        <a:solidFill>
+                          <a:srgbClr val="000000"/>
+                        </a:solidFill>
+                        <a:effectLst/>
+                        <a:latin typeface="+mj-lt"/>
                         <a:ea typeface="宋体"/>
                         <a:cs typeface="宋体"/>
                       </a:endParaRPr>
@@ -12908,7 +12773,7 @@
 </p:sld>
 </file>
 
-<file path=ppt/slides/slide17.xml><?xml version="1.0" encoding="utf-8"?>
+<file path=ppt/slides/slide18.xml><?xml version="1.0" encoding="utf-8"?>
 <p:sld xmlns:a="http://schemas.openxmlformats.org/drawingml/2006/main" xmlns:r="http://schemas.openxmlformats.org/officeDocument/2006/relationships" xmlns:p="http://schemas.openxmlformats.org/presentationml/2006/main">
   <p:cSld>
     <p:spTree>
@@ -14398,7 +14263,7 @@
 </p:sld>
 </file>
 
-<file path=ppt/slides/slide18.xml><?xml version="1.0" encoding="utf-8"?>
+<file path=ppt/slides/slide19.xml><?xml version="1.0" encoding="utf-8"?>
 <p:sld xmlns:a="http://schemas.openxmlformats.org/drawingml/2006/main" xmlns:r="http://schemas.openxmlformats.org/officeDocument/2006/relationships" xmlns:p="http://schemas.openxmlformats.org/presentationml/2006/main">
   <p:cSld>
     <p:spTree>
@@ -14771,340 +14636,6 @@
 </p:sld>
 </file>
 
-<file path=ppt/slides/slide19.xml><?xml version="1.0" encoding="utf-8"?>
-<p:sld xmlns:a="http://schemas.openxmlformats.org/drawingml/2006/main" xmlns:r="http://schemas.openxmlformats.org/officeDocument/2006/relationships" xmlns:p="http://schemas.openxmlformats.org/presentationml/2006/main">
-  <p:cSld>
-    <p:spTree>
-      <p:nvGrpSpPr>
-        <p:cNvPr id="1" name=""/>
-        <p:cNvGrpSpPr/>
-        <p:nvPr/>
-      </p:nvGrpSpPr>
-      <p:grpSpPr>
-        <a:xfrm>
-          <a:off x="0" y="0"/>
-          <a:ext cx="0" cy="0"/>
-          <a:chOff x="0" y="0"/>
-          <a:chExt cx="0" cy="0"/>
-        </a:xfrm>
-      </p:grpSpPr>
-      <p:sp>
-        <p:nvSpPr>
-          <p:cNvPr id="16387" name="Content Placeholder 2"/>
-          <p:cNvSpPr>
-            <a:spLocks noGrp="1"/>
-          </p:cNvSpPr>
-          <p:nvPr>
-            <p:ph idx="1"/>
-          </p:nvPr>
-        </p:nvSpPr>
-        <p:spPr>
-          <a:xfrm>
-            <a:off x="533400" y="914400"/>
-            <a:ext cx="9753600" cy="5384800"/>
-          </a:xfrm>
-        </p:spPr>
-        <p:txBody>
-          <a:bodyPr>
-            <a:normAutofit fontScale="92500" lnSpcReduction="10000"/>
-          </a:bodyPr>
-          <a:lstStyle/>
-          <a:p>
-            <a:pPr>
-              <a:buFont typeface="Symbol" pitchFamily="18" charset="2"/>
-              <a:buNone/>
-            </a:pPr>
-            <a:endParaRPr lang="en-US" altLang="en-US" sz="2400" dirty="0">
-              <a:latin typeface="Calibri" pitchFamily="34" charset="0"/>
-            </a:endParaRPr>
-          </a:p>
-          <a:p>
-            <a:pPr>
-              <a:buFont typeface="Symbol" pitchFamily="18" charset="2"/>
-              <a:buNone/>
-            </a:pPr>
-            <a:r>
-              <a:rPr lang="en-US" altLang="en-US" sz="2400" dirty="0">
-                <a:latin typeface="Calibri" pitchFamily="34" charset="0"/>
-              </a:rPr>
-              <a:t>U=Provider utility  = Profits + </a:t>
-            </a:r>
-            <a:r>
-              <a:rPr lang="el-GR" altLang="en-US" sz="2400" dirty="0">
-                <a:latin typeface="Calibri" pitchFamily="34" charset="0"/>
-              </a:rPr>
-              <a:t>α</a:t>
-            </a:r>
-            <a:r>
-              <a:rPr lang="en-US" altLang="en-US" sz="2400" dirty="0">
-                <a:latin typeface="Calibri" pitchFamily="34" charset="0"/>
-              </a:rPr>
-              <a:t> Benefits</a:t>
-            </a:r>
-          </a:p>
-          <a:p>
-            <a:pPr>
-              <a:buFont typeface="Symbol" pitchFamily="18" charset="2"/>
-              <a:buNone/>
-            </a:pPr>
-            <a:r>
-              <a:rPr lang="en-US" altLang="en-US" sz="2400" dirty="0">
-                <a:latin typeface="Calibri" pitchFamily="34" charset="0"/>
-              </a:rPr>
-              <a:t>                      	  =   </a:t>
-            </a:r>
-            <a:r>
-              <a:rPr lang="el-GR" altLang="en-US" sz="2400" dirty="0">
-                <a:latin typeface="Calibri" pitchFamily="34" charset="0"/>
-              </a:rPr>
-              <a:t>Π</a:t>
-            </a:r>
-            <a:r>
-              <a:rPr lang="en-US" altLang="en-US" sz="2400" dirty="0">
-                <a:latin typeface="Calibri" pitchFamily="34" charset="0"/>
-              </a:rPr>
-              <a:t> (q)   +  </a:t>
-            </a:r>
-            <a:r>
-              <a:rPr lang="el-GR" altLang="en-US" sz="2400" dirty="0">
-                <a:latin typeface="Calibri" pitchFamily="34" charset="0"/>
-              </a:rPr>
-              <a:t>α</a:t>
-            </a:r>
-            <a:r>
-              <a:rPr lang="en-US" altLang="en-US" sz="2400" dirty="0">
-                <a:latin typeface="Calibri" pitchFamily="34" charset="0"/>
-              </a:rPr>
-              <a:t> B(q)</a:t>
-            </a:r>
-          </a:p>
-          <a:p>
-            <a:pPr>
-              <a:buFont typeface="Symbol" pitchFamily="18" charset="2"/>
-              <a:buNone/>
-            </a:pPr>
-            <a:r>
-              <a:rPr lang="en-US" altLang="en-US" sz="2400" dirty="0">
-                <a:latin typeface="Calibri" pitchFamily="34" charset="0"/>
-              </a:rPr>
-              <a:t>			  = R</a:t>
-            </a:r>
-            <a:r>
-              <a:rPr lang="en-US" altLang="en-US" sz="2400" baseline="30000" dirty="0">
-                <a:latin typeface="Calibri" pitchFamily="34" charset="0"/>
-              </a:rPr>
-              <a:t>0</a:t>
-            </a:r>
-            <a:r>
-              <a:rPr lang="en-US" altLang="en-US" sz="2400" dirty="0">
-                <a:latin typeface="Calibri" pitchFamily="34" charset="0"/>
-              </a:rPr>
-              <a:t> +(r-c) q + </a:t>
-            </a:r>
-            <a:r>
-              <a:rPr lang="el-GR" altLang="en-US" sz="2400" dirty="0">
-                <a:latin typeface="Calibri" pitchFamily="34" charset="0"/>
-              </a:rPr>
-              <a:t>α</a:t>
-            </a:r>
-            <a:r>
-              <a:rPr lang="en-US" altLang="en-US" sz="2400" dirty="0">
-                <a:latin typeface="Calibri" pitchFamily="34" charset="0"/>
-              </a:rPr>
-              <a:t> B(q)</a:t>
-            </a:r>
-          </a:p>
-          <a:p>
-            <a:pPr>
-              <a:buFont typeface="Symbol" pitchFamily="18" charset="2"/>
-              <a:buNone/>
-            </a:pPr>
-            <a:r>
-              <a:rPr lang="en-US" altLang="en-US" sz="2400" dirty="0">
-                <a:latin typeface="Calibri" pitchFamily="34" charset="0"/>
-              </a:rPr>
-              <a:t>Where:</a:t>
-            </a:r>
-          </a:p>
-          <a:p>
-            <a:pPr>
-              <a:buFont typeface="Symbol" pitchFamily="18" charset="2"/>
-              <a:buNone/>
-            </a:pPr>
-            <a:r>
-              <a:rPr lang="en-US" altLang="en-US" sz="2400" dirty="0">
-                <a:latin typeface="Calibri" pitchFamily="34" charset="0"/>
-              </a:rPr>
-              <a:t>	</a:t>
-            </a:r>
-            <a:r>
-              <a:rPr lang="el-GR" altLang="en-US" sz="2400" dirty="0">
-                <a:latin typeface="Calibri" pitchFamily="34" charset="0"/>
-              </a:rPr>
-              <a:t>α</a:t>
-            </a:r>
-            <a:r>
-              <a:rPr lang="en-US" altLang="en-US" sz="2400" dirty="0">
-                <a:latin typeface="Calibri" pitchFamily="34" charset="0"/>
-              </a:rPr>
-              <a:t> = agency index = weight assigned to B relative to </a:t>
-            </a:r>
-            <a:r>
-              <a:rPr lang="el-GR" altLang="en-US" sz="2400" dirty="0">
-                <a:latin typeface="Calibri" pitchFamily="34" charset="0"/>
-              </a:rPr>
-              <a:t>Π</a:t>
-            </a:r>
-            <a:endParaRPr lang="en-US" altLang="en-US" sz="2400" dirty="0">
-              <a:latin typeface="Calibri" pitchFamily="34" charset="0"/>
-            </a:endParaRPr>
-          </a:p>
-          <a:p>
-            <a:pPr>
-              <a:buFont typeface="Symbol" pitchFamily="18" charset="2"/>
-              <a:buNone/>
-            </a:pPr>
-            <a:r>
-              <a:rPr lang="en-US" altLang="en-US" sz="2400" dirty="0">
-                <a:latin typeface="Calibri" pitchFamily="34" charset="0"/>
-              </a:rPr>
-              <a:t>	q = quantity of services (days, visits or tests)</a:t>
-            </a:r>
-          </a:p>
-          <a:p>
-            <a:pPr>
-              <a:buFont typeface="Symbol" pitchFamily="18" charset="2"/>
-              <a:buNone/>
-            </a:pPr>
-            <a:r>
-              <a:rPr lang="en-US" altLang="en-US" sz="2400" dirty="0">
-                <a:latin typeface="Calibri" pitchFamily="34" charset="0"/>
-              </a:rPr>
-              <a:t>     c = cost per unit of q</a:t>
-            </a:r>
-          </a:p>
-          <a:p>
-            <a:pPr>
-              <a:buFont typeface="Symbol" pitchFamily="18" charset="2"/>
-              <a:buNone/>
-            </a:pPr>
-            <a:r>
-              <a:rPr lang="en-US" altLang="en-US" sz="2400" b="1" dirty="0">
-                <a:latin typeface="Calibri" pitchFamily="34" charset="0"/>
-              </a:rPr>
-              <a:t>Payment System parameters</a:t>
-            </a:r>
-          </a:p>
-          <a:p>
-            <a:pPr>
-              <a:buFont typeface="Symbol" pitchFamily="18" charset="2"/>
-              <a:buNone/>
-            </a:pPr>
-            <a:r>
-              <a:rPr lang="en-US" altLang="en-US" sz="2400" dirty="0">
-                <a:latin typeface="Calibri" pitchFamily="34" charset="0"/>
-              </a:rPr>
-              <a:t> R</a:t>
-            </a:r>
-            <a:r>
-              <a:rPr lang="en-US" altLang="en-US" sz="2400" baseline="30000" dirty="0">
-                <a:latin typeface="Calibri" pitchFamily="34" charset="0"/>
-              </a:rPr>
-              <a:t>0 </a:t>
-            </a:r>
-            <a:r>
-              <a:rPr lang="en-US" altLang="en-US" sz="2400" dirty="0">
-                <a:latin typeface="Calibri" pitchFamily="34" charset="0"/>
-              </a:rPr>
-              <a:t>= bundled payment, such as DRGs or a capitation payment</a:t>
-            </a:r>
-          </a:p>
-          <a:p>
-            <a:pPr>
-              <a:buFont typeface="Symbol" pitchFamily="18" charset="2"/>
-              <a:buNone/>
-            </a:pPr>
-            <a:r>
-              <a:rPr lang="en-US" altLang="en-US" sz="2400" dirty="0">
-                <a:latin typeface="Calibri" pitchFamily="34" charset="0"/>
-              </a:rPr>
-              <a:t> r = payment per service provided, such as fee-for-service </a:t>
-            </a:r>
-          </a:p>
-        </p:txBody>
-      </p:sp>
-      <p:sp>
-        <p:nvSpPr>
-          <p:cNvPr id="3" name="Title 1">
-            <a:extLst>
-              <a:ext uri="{FF2B5EF4-FFF2-40B4-BE49-F238E27FC236}">
-                <a16:creationId xmlns:a16="http://schemas.microsoft.com/office/drawing/2014/main" id="{006550FE-9F08-2506-F527-9AE6B0A506BC}"/>
-              </a:ext>
-            </a:extLst>
-          </p:cNvPr>
-          <p:cNvSpPr txBox="1">
-            <a:spLocks/>
-          </p:cNvSpPr>
-          <p:nvPr/>
-        </p:nvSpPr>
-        <p:spPr>
-          <a:xfrm>
-            <a:off x="304800" y="365760"/>
-            <a:ext cx="10896600" cy="624840"/>
-          </a:xfrm>
-          <a:prstGeom prst="rect">
-            <a:avLst/>
-          </a:prstGeom>
-        </p:spPr>
-        <p:txBody>
-          <a:bodyPr vert="horz" lIns="91440" tIns="45720" rIns="91440" bIns="45720" rtlCol="0" anchor="b">
-            <a:normAutofit fontScale="97500" lnSpcReduction="10000"/>
-          </a:bodyPr>
-          <a:lstStyle>
-            <a:lvl1pPr algn="l" defTabSz="914400" rtl="0" eaLnBrk="1" latinLnBrk="0" hangingPunct="1">
-              <a:lnSpc>
-                <a:spcPct val="90000"/>
-              </a:lnSpc>
-              <a:spcBef>
-                <a:spcPct val="0"/>
-              </a:spcBef>
-              <a:buNone/>
-              <a:defRPr sz="4400" kern="1200" spc="-50" baseline="0">
-                <a:solidFill>
-                  <a:schemeClr val="tx1"/>
-                </a:solidFill>
-                <a:latin typeface="Times New Roman" panose="02020603050405020304" pitchFamily="18" charset="0"/>
-                <a:ea typeface="+mj-ea"/>
-                <a:cs typeface="+mj-cs"/>
-              </a:defRPr>
-            </a:lvl1pPr>
-          </a:lstStyle>
-          <a:p>
-            <a:pPr>
-              <a:defRPr/>
-            </a:pPr>
-            <a:r>
-              <a:rPr lang="en-US" sz="4000" dirty="0">
-                <a:cs typeface="Times New Roman" panose="02020603050405020304" pitchFamily="18" charset="0"/>
-              </a:rPr>
-              <a:t>Ellis and McGuire (1986) model of provider payment</a:t>
-            </a:r>
-          </a:p>
-        </p:txBody>
-      </p:sp>
-    </p:spTree>
-    <p:extLst>
-      <p:ext uri="{BB962C8B-B14F-4D97-AF65-F5344CB8AC3E}">
-        <p14:creationId xmlns:p14="http://schemas.microsoft.com/office/powerpoint/2010/main" val="937225048"/>
-      </p:ext>
-    </p:extLst>
-  </p:cSld>
-  <p:clrMapOvr>
-    <a:masterClrMapping/>
-  </p:clrMapOvr>
-</p:sld>
-</file>
-
 <file path=ppt/slides/slide2.xml><?xml version="1.0" encoding="utf-8"?>
 <p:sld xmlns:a="http://schemas.openxmlformats.org/drawingml/2006/main" xmlns:r="http://schemas.openxmlformats.org/officeDocument/2006/relationships" xmlns:p="http://schemas.openxmlformats.org/presentationml/2006/main">
   <p:cSld>
@@ -15522,6 +15053,340 @@
       </p:grpSpPr>
       <p:sp>
         <p:nvSpPr>
+          <p:cNvPr id="16387" name="Content Placeholder 2"/>
+          <p:cNvSpPr>
+            <a:spLocks noGrp="1"/>
+          </p:cNvSpPr>
+          <p:nvPr>
+            <p:ph idx="1"/>
+          </p:nvPr>
+        </p:nvSpPr>
+        <p:spPr>
+          <a:xfrm>
+            <a:off x="533400" y="914400"/>
+            <a:ext cx="9753600" cy="5384800"/>
+          </a:xfrm>
+        </p:spPr>
+        <p:txBody>
+          <a:bodyPr>
+            <a:normAutofit fontScale="92500" lnSpcReduction="10000"/>
+          </a:bodyPr>
+          <a:lstStyle/>
+          <a:p>
+            <a:pPr>
+              <a:buFont typeface="Symbol" pitchFamily="18" charset="2"/>
+              <a:buNone/>
+            </a:pPr>
+            <a:endParaRPr lang="en-US" altLang="en-US" sz="2400" dirty="0">
+              <a:latin typeface="Calibri" pitchFamily="34" charset="0"/>
+            </a:endParaRPr>
+          </a:p>
+          <a:p>
+            <a:pPr>
+              <a:buFont typeface="Symbol" pitchFamily="18" charset="2"/>
+              <a:buNone/>
+            </a:pPr>
+            <a:r>
+              <a:rPr lang="en-US" altLang="en-US" sz="2400" dirty="0">
+                <a:latin typeface="Calibri" pitchFamily="34" charset="0"/>
+              </a:rPr>
+              <a:t>U=Provider utility  = Profits + </a:t>
+            </a:r>
+            <a:r>
+              <a:rPr lang="el-GR" altLang="en-US" sz="2400" dirty="0">
+                <a:latin typeface="Calibri" pitchFamily="34" charset="0"/>
+              </a:rPr>
+              <a:t>α</a:t>
+            </a:r>
+            <a:r>
+              <a:rPr lang="en-US" altLang="en-US" sz="2400" dirty="0">
+                <a:latin typeface="Calibri" pitchFamily="34" charset="0"/>
+              </a:rPr>
+              <a:t> Benefits</a:t>
+            </a:r>
+          </a:p>
+          <a:p>
+            <a:pPr>
+              <a:buFont typeface="Symbol" pitchFamily="18" charset="2"/>
+              <a:buNone/>
+            </a:pPr>
+            <a:r>
+              <a:rPr lang="en-US" altLang="en-US" sz="2400" dirty="0">
+                <a:latin typeface="Calibri" pitchFamily="34" charset="0"/>
+              </a:rPr>
+              <a:t>                      	  =   </a:t>
+            </a:r>
+            <a:r>
+              <a:rPr lang="el-GR" altLang="en-US" sz="2400" dirty="0">
+                <a:latin typeface="Calibri" pitchFamily="34" charset="0"/>
+              </a:rPr>
+              <a:t>Π</a:t>
+            </a:r>
+            <a:r>
+              <a:rPr lang="en-US" altLang="en-US" sz="2400" dirty="0">
+                <a:latin typeface="Calibri" pitchFamily="34" charset="0"/>
+              </a:rPr>
+              <a:t> (q)   +  </a:t>
+            </a:r>
+            <a:r>
+              <a:rPr lang="el-GR" altLang="en-US" sz="2400" dirty="0">
+                <a:latin typeface="Calibri" pitchFamily="34" charset="0"/>
+              </a:rPr>
+              <a:t>α</a:t>
+            </a:r>
+            <a:r>
+              <a:rPr lang="en-US" altLang="en-US" sz="2400" dirty="0">
+                <a:latin typeface="Calibri" pitchFamily="34" charset="0"/>
+              </a:rPr>
+              <a:t> B(q)</a:t>
+            </a:r>
+          </a:p>
+          <a:p>
+            <a:pPr>
+              <a:buFont typeface="Symbol" pitchFamily="18" charset="2"/>
+              <a:buNone/>
+            </a:pPr>
+            <a:r>
+              <a:rPr lang="en-US" altLang="en-US" sz="2400" dirty="0">
+                <a:latin typeface="Calibri" pitchFamily="34" charset="0"/>
+              </a:rPr>
+              <a:t>			  = R</a:t>
+            </a:r>
+            <a:r>
+              <a:rPr lang="en-US" altLang="en-US" sz="2400" baseline="30000" dirty="0">
+                <a:latin typeface="Calibri" pitchFamily="34" charset="0"/>
+              </a:rPr>
+              <a:t>0</a:t>
+            </a:r>
+            <a:r>
+              <a:rPr lang="en-US" altLang="en-US" sz="2400" dirty="0">
+                <a:latin typeface="Calibri" pitchFamily="34" charset="0"/>
+              </a:rPr>
+              <a:t> +(r-c) q + </a:t>
+            </a:r>
+            <a:r>
+              <a:rPr lang="el-GR" altLang="en-US" sz="2400" dirty="0">
+                <a:latin typeface="Calibri" pitchFamily="34" charset="0"/>
+              </a:rPr>
+              <a:t>α</a:t>
+            </a:r>
+            <a:r>
+              <a:rPr lang="en-US" altLang="en-US" sz="2400" dirty="0">
+                <a:latin typeface="Calibri" pitchFamily="34" charset="0"/>
+              </a:rPr>
+              <a:t> B(q)</a:t>
+            </a:r>
+          </a:p>
+          <a:p>
+            <a:pPr>
+              <a:buFont typeface="Symbol" pitchFamily="18" charset="2"/>
+              <a:buNone/>
+            </a:pPr>
+            <a:r>
+              <a:rPr lang="en-US" altLang="en-US" sz="2400" dirty="0">
+                <a:latin typeface="Calibri" pitchFamily="34" charset="0"/>
+              </a:rPr>
+              <a:t>Where:</a:t>
+            </a:r>
+          </a:p>
+          <a:p>
+            <a:pPr>
+              <a:buFont typeface="Symbol" pitchFamily="18" charset="2"/>
+              <a:buNone/>
+            </a:pPr>
+            <a:r>
+              <a:rPr lang="en-US" altLang="en-US" sz="2400" dirty="0">
+                <a:latin typeface="Calibri" pitchFamily="34" charset="0"/>
+              </a:rPr>
+              <a:t>	</a:t>
+            </a:r>
+            <a:r>
+              <a:rPr lang="el-GR" altLang="en-US" sz="2400" dirty="0">
+                <a:latin typeface="Calibri" pitchFamily="34" charset="0"/>
+              </a:rPr>
+              <a:t>α</a:t>
+            </a:r>
+            <a:r>
+              <a:rPr lang="en-US" altLang="en-US" sz="2400" dirty="0">
+                <a:latin typeface="Calibri" pitchFamily="34" charset="0"/>
+              </a:rPr>
+              <a:t> = agency index = weight assigned to B relative to </a:t>
+            </a:r>
+            <a:r>
+              <a:rPr lang="el-GR" altLang="en-US" sz="2400" dirty="0">
+                <a:latin typeface="Calibri" pitchFamily="34" charset="0"/>
+              </a:rPr>
+              <a:t>Π</a:t>
+            </a:r>
+            <a:endParaRPr lang="en-US" altLang="en-US" sz="2400" dirty="0">
+              <a:latin typeface="Calibri" pitchFamily="34" charset="0"/>
+            </a:endParaRPr>
+          </a:p>
+          <a:p>
+            <a:pPr>
+              <a:buFont typeface="Symbol" pitchFamily="18" charset="2"/>
+              <a:buNone/>
+            </a:pPr>
+            <a:r>
+              <a:rPr lang="en-US" altLang="en-US" sz="2400" dirty="0">
+                <a:latin typeface="Calibri" pitchFamily="34" charset="0"/>
+              </a:rPr>
+              <a:t>	q = quantity of services (days, visits or tests)</a:t>
+            </a:r>
+          </a:p>
+          <a:p>
+            <a:pPr>
+              <a:buFont typeface="Symbol" pitchFamily="18" charset="2"/>
+              <a:buNone/>
+            </a:pPr>
+            <a:r>
+              <a:rPr lang="en-US" altLang="en-US" sz="2400" dirty="0">
+                <a:latin typeface="Calibri" pitchFamily="34" charset="0"/>
+              </a:rPr>
+              <a:t>     c = cost per unit of q</a:t>
+            </a:r>
+          </a:p>
+          <a:p>
+            <a:pPr>
+              <a:buFont typeface="Symbol" pitchFamily="18" charset="2"/>
+              <a:buNone/>
+            </a:pPr>
+            <a:r>
+              <a:rPr lang="en-US" altLang="en-US" sz="2400" b="1" dirty="0">
+                <a:latin typeface="Calibri" pitchFamily="34" charset="0"/>
+              </a:rPr>
+              <a:t>Payment System parameters</a:t>
+            </a:r>
+          </a:p>
+          <a:p>
+            <a:pPr>
+              <a:buFont typeface="Symbol" pitchFamily="18" charset="2"/>
+              <a:buNone/>
+            </a:pPr>
+            <a:r>
+              <a:rPr lang="en-US" altLang="en-US" sz="2400" dirty="0">
+                <a:latin typeface="Calibri" pitchFamily="34" charset="0"/>
+              </a:rPr>
+              <a:t> R</a:t>
+            </a:r>
+            <a:r>
+              <a:rPr lang="en-US" altLang="en-US" sz="2400" baseline="30000" dirty="0">
+                <a:latin typeface="Calibri" pitchFamily="34" charset="0"/>
+              </a:rPr>
+              <a:t>0 </a:t>
+            </a:r>
+            <a:r>
+              <a:rPr lang="en-US" altLang="en-US" sz="2400" dirty="0">
+                <a:latin typeface="Calibri" pitchFamily="34" charset="0"/>
+              </a:rPr>
+              <a:t>= bundled payment, such as DRGs or a capitation payment</a:t>
+            </a:r>
+          </a:p>
+          <a:p>
+            <a:pPr>
+              <a:buFont typeface="Symbol" pitchFamily="18" charset="2"/>
+              <a:buNone/>
+            </a:pPr>
+            <a:r>
+              <a:rPr lang="en-US" altLang="en-US" sz="2400" dirty="0">
+                <a:latin typeface="Calibri" pitchFamily="34" charset="0"/>
+              </a:rPr>
+              <a:t> r = payment per service provided, such as fee-for-service </a:t>
+            </a:r>
+          </a:p>
+        </p:txBody>
+      </p:sp>
+      <p:sp>
+        <p:nvSpPr>
+          <p:cNvPr id="3" name="Title 1">
+            <a:extLst>
+              <a:ext uri="{FF2B5EF4-FFF2-40B4-BE49-F238E27FC236}">
+                <a16:creationId xmlns:a16="http://schemas.microsoft.com/office/drawing/2014/main" id="{006550FE-9F08-2506-F527-9AE6B0A506BC}"/>
+              </a:ext>
+            </a:extLst>
+          </p:cNvPr>
+          <p:cNvSpPr txBox="1">
+            <a:spLocks/>
+          </p:cNvSpPr>
+          <p:nvPr/>
+        </p:nvSpPr>
+        <p:spPr>
+          <a:xfrm>
+            <a:off x="304800" y="365760"/>
+            <a:ext cx="10896600" cy="624840"/>
+          </a:xfrm>
+          <a:prstGeom prst="rect">
+            <a:avLst/>
+          </a:prstGeom>
+        </p:spPr>
+        <p:txBody>
+          <a:bodyPr vert="horz" lIns="91440" tIns="45720" rIns="91440" bIns="45720" rtlCol="0" anchor="b">
+            <a:normAutofit fontScale="97500" lnSpcReduction="10000"/>
+          </a:bodyPr>
+          <a:lstStyle>
+            <a:lvl1pPr algn="l" defTabSz="914400" rtl="0" eaLnBrk="1" latinLnBrk="0" hangingPunct="1">
+              <a:lnSpc>
+                <a:spcPct val="90000"/>
+              </a:lnSpc>
+              <a:spcBef>
+                <a:spcPct val="0"/>
+              </a:spcBef>
+              <a:buNone/>
+              <a:defRPr sz="4400" kern="1200" spc="-50" baseline="0">
+                <a:solidFill>
+                  <a:schemeClr val="tx1"/>
+                </a:solidFill>
+                <a:latin typeface="Times New Roman" panose="02020603050405020304" pitchFamily="18" charset="0"/>
+                <a:ea typeface="+mj-ea"/>
+                <a:cs typeface="+mj-cs"/>
+              </a:defRPr>
+            </a:lvl1pPr>
+          </a:lstStyle>
+          <a:p>
+            <a:pPr>
+              <a:defRPr/>
+            </a:pPr>
+            <a:r>
+              <a:rPr lang="en-US" sz="4000" dirty="0">
+                <a:cs typeface="Times New Roman" panose="02020603050405020304" pitchFamily="18" charset="0"/>
+              </a:rPr>
+              <a:t>Ellis and McGuire (1986) model of provider payment</a:t>
+            </a:r>
+          </a:p>
+        </p:txBody>
+      </p:sp>
+    </p:spTree>
+    <p:extLst>
+      <p:ext uri="{BB962C8B-B14F-4D97-AF65-F5344CB8AC3E}">
+        <p14:creationId xmlns:p14="http://schemas.microsoft.com/office/powerpoint/2010/main" val="937225048"/>
+      </p:ext>
+    </p:extLst>
+  </p:cSld>
+  <p:clrMapOvr>
+    <a:masterClrMapping/>
+  </p:clrMapOvr>
+</p:sld>
+</file>
+
+<file path=ppt/slides/slide21.xml><?xml version="1.0" encoding="utf-8"?>
+<p:sld xmlns:a="http://schemas.openxmlformats.org/drawingml/2006/main" xmlns:r="http://schemas.openxmlformats.org/officeDocument/2006/relationships" xmlns:p="http://schemas.openxmlformats.org/presentationml/2006/main">
+  <p:cSld>
+    <p:spTree>
+      <p:nvGrpSpPr>
+        <p:cNvPr id="1" name=""/>
+        <p:cNvGrpSpPr/>
+        <p:nvPr/>
+      </p:nvGrpSpPr>
+      <p:grpSpPr>
+        <a:xfrm>
+          <a:off x="0" y="0"/>
+          <a:ext cx="0" cy="0"/>
+          <a:chOff x="0" y="0"/>
+          <a:chExt cx="0" cy="0"/>
+        </a:xfrm>
+      </p:grpSpPr>
+      <p:sp>
+        <p:nvSpPr>
           <p:cNvPr id="2" name="Title 1">
             <a:extLst>
               <a:ext uri="{FF2B5EF4-FFF2-40B4-BE49-F238E27FC236}">
@@ -15758,7 +15623,7 @@
 </p:sld>
 </file>
 
-<file path=ppt/slides/slide21.xml><?xml version="1.0" encoding="utf-8"?>
+<file path=ppt/slides/slide22.xml><?xml version="1.0" encoding="utf-8"?>
 <p:sld xmlns:a="http://schemas.openxmlformats.org/drawingml/2006/main" xmlns:r="http://schemas.openxmlformats.org/officeDocument/2006/relationships" xmlns:p="http://schemas.openxmlformats.org/presentationml/2006/main">
   <p:cSld>
     <p:spTree>
@@ -16105,7 +15970,7 @@
 </p:sld>
 </file>
 
-<file path=ppt/slides/slide22.xml><?xml version="1.0" encoding="utf-8"?>
+<file path=ppt/slides/slide23.xml><?xml version="1.0" encoding="utf-8"?>
 <p:sld xmlns:a="http://schemas.openxmlformats.org/drawingml/2006/main" xmlns:r="http://schemas.openxmlformats.org/officeDocument/2006/relationships" xmlns:p="http://schemas.openxmlformats.org/presentationml/2006/main">
   <p:cSld>
     <p:spTree>
@@ -16472,7 +16337,7 @@
 </p:sld>
 </file>
 
-<file path=ppt/slides/slide23.xml><?xml version="1.0" encoding="utf-8"?>
+<file path=ppt/slides/slide24.xml><?xml version="1.0" encoding="utf-8"?>
 <p:sld xmlns:a="http://schemas.openxmlformats.org/drawingml/2006/main" xmlns:r="http://schemas.openxmlformats.org/officeDocument/2006/relationships" xmlns:p="http://schemas.openxmlformats.org/presentationml/2006/main">
   <p:cSld>
     <p:spTree>
@@ -16874,7 +16739,7 @@
 </p:sld>
 </file>
 
-<file path=ppt/slides/slide24.xml><?xml version="1.0" encoding="utf-8"?>
+<file path=ppt/slides/slide25.xml><?xml version="1.0" encoding="utf-8"?>
 <p:sld xmlns:a="http://schemas.openxmlformats.org/drawingml/2006/main" xmlns:r="http://schemas.openxmlformats.org/officeDocument/2006/relationships" xmlns:p="http://schemas.openxmlformats.org/presentationml/2006/main">
   <p:cSld>
     <p:spTree>
@@ -16891,8 +16756,8 @@
           <a:chExt cx="0" cy="0"/>
         </a:xfrm>
       </p:grpSpPr>
-      <mc:AlternateContent xmlns:mc="http://schemas.openxmlformats.org/markup-compatibility/2006" xmlns:a14="http://schemas.microsoft.com/office/drawing/2010/main">
-        <mc:Choice Requires="a14">
+      <mc:AlternateContent xmlns:mc="http://schemas.openxmlformats.org/markup-compatibility/2006">
+        <mc:Choice xmlns:a14="http://schemas.microsoft.com/office/drawing/2010/main" Requires="a14">
           <p:sp>
             <p:nvSpPr>
               <p:cNvPr id="3" name="Content Placeholder 2">
@@ -16949,7 +16814,7 @@
                       <a:rPr lang="en-CA" sz="2400" b="0" i="1" smtClean="0">
                         <a:latin typeface="Cambria Math" panose="02040503050406030204" pitchFamily="18" charset="0"/>
                       </a:rPr>
-                      <m:t>𝑟</m:t>
+                      <m:t>𝑟𝑞</m:t>
                     </m:r>
                     <m:r>
                       <a:rPr lang="en-CA" sz="2400" b="0" i="1" smtClean="0">
@@ -17048,7 +16913,19 @@
                       <a:rPr lang="en-CA" sz="2400" b="0" i="1" smtClean="0">
                         <a:latin typeface="Cambria Math" panose="02040503050406030204" pitchFamily="18" charset="0"/>
                       </a:rPr>
-                      <m:t>=−</m:t>
+                      <m:t>=</m:t>
+                    </m:r>
+                    <m:r>
+                      <a:rPr lang="en-CA" sz="2400" b="0" i="1" smtClean="0">
+                        <a:latin typeface="Cambria Math" panose="02040503050406030204" pitchFamily="18" charset="0"/>
+                      </a:rPr>
+                      <m:t>𝑟</m:t>
+                    </m:r>
+                    <m:r>
+                      <a:rPr lang="en-CA" sz="2400" b="0" i="1" smtClean="0">
+                        <a:latin typeface="Cambria Math" panose="02040503050406030204" pitchFamily="18" charset="0"/>
+                      </a:rPr>
+                      <m:t>−</m:t>
                     </m:r>
                     <m:f>
                       <m:fPr>
@@ -17142,7 +17019,19 @@
                         <a:rPr lang="en-CA" sz="2400" b="0" i="1" smtClean="0">
                           <a:latin typeface="Cambria Math" panose="02040503050406030204" pitchFamily="18" charset="0"/>
                         </a:rPr>
-                        <m:t>=−</m:t>
+                        <m:t>=</m:t>
+                      </m:r>
+                      <m:r>
+                        <a:rPr lang="en-CA" sz="2400" b="0" i="1" smtClean="0">
+                          <a:latin typeface="Cambria Math" panose="02040503050406030204" pitchFamily="18" charset="0"/>
+                        </a:rPr>
+                        <m:t>𝑟</m:t>
+                      </m:r>
+                      <m:r>
+                        <a:rPr lang="en-CA" sz="2400" b="0" i="1" smtClean="0">
+                          <a:latin typeface="Cambria Math" panose="02040503050406030204" pitchFamily="18" charset="0"/>
+                        </a:rPr>
+                        <m:t>−</m:t>
                       </m:r>
                       <m:f>
                         <m:fPr>
@@ -17264,7 +17153,7 @@
             </p:txBody>
           </p:sp>
         </mc:Choice>
-        <mc:Fallback xmlns="">
+        <mc:Fallback>
           <p:sp>
             <p:nvSpPr>
               <p:cNvPr id="3" name="Content Placeholder 2">
@@ -17399,7 +17288,7 @@
 </p:sld>
 </file>
 
-<file path=ppt/slides/slide25.xml><?xml version="1.0" encoding="utf-8"?>
+<file path=ppt/slides/slide26.xml><?xml version="1.0" encoding="utf-8"?>
 <p:sld xmlns:a="http://schemas.openxmlformats.org/drawingml/2006/main" xmlns:r="http://schemas.openxmlformats.org/officeDocument/2006/relationships" xmlns:p="http://schemas.openxmlformats.org/presentationml/2006/main">
   <p:cSld>
     <p:spTree>
@@ -17979,2386 +17868,7 @@
 </p:sld>
 </file>
 
-<file path=ppt/slides/slide26.xml><?xml version="1.0" encoding="utf-8"?>
-<p:sld xmlns:a="http://schemas.openxmlformats.org/drawingml/2006/main" xmlns:r="http://schemas.openxmlformats.org/officeDocument/2006/relationships" xmlns:p="http://schemas.openxmlformats.org/presentationml/2006/main">
-  <p:cSld>
-    <p:spTree>
-      <p:nvGrpSpPr>
-        <p:cNvPr id="1" name=""/>
-        <p:cNvGrpSpPr/>
-        <p:nvPr/>
-      </p:nvGrpSpPr>
-      <p:grpSpPr>
-        <a:xfrm>
-          <a:off x="0" y="0"/>
-          <a:ext cx="0" cy="0"/>
-          <a:chOff x="0" y="0"/>
-          <a:chExt cx="0" cy="0"/>
-        </a:xfrm>
-      </p:grpSpPr>
-      <p:sp>
-        <p:nvSpPr>
-          <p:cNvPr id="6" name="Title 1">
-            <a:extLst>
-              <a:ext uri="{FF2B5EF4-FFF2-40B4-BE49-F238E27FC236}">
-                <a16:creationId xmlns:a16="http://schemas.microsoft.com/office/drawing/2014/main" id="{7BD7A2E9-C7E8-9116-5BE2-1C6A3EE63774}"/>
-              </a:ext>
-            </a:extLst>
-          </p:cNvPr>
-          <p:cNvSpPr txBox="1">
-            <a:spLocks/>
-          </p:cNvSpPr>
-          <p:nvPr/>
-        </p:nvSpPr>
-        <p:spPr>
-          <a:xfrm>
-            <a:off x="304800" y="365760"/>
-            <a:ext cx="10896600" cy="624840"/>
-          </a:xfrm>
-          <a:prstGeom prst="rect">
-            <a:avLst/>
-          </a:prstGeom>
-        </p:spPr>
-        <p:txBody>
-          <a:bodyPr vert="horz" lIns="91440" tIns="45720" rIns="91440" bIns="45720" rtlCol="0" anchor="b">
-            <a:normAutofit fontScale="97500" lnSpcReduction="10000"/>
-          </a:bodyPr>
-          <a:lstStyle>
-            <a:lvl1pPr algn="l" defTabSz="914400" rtl="0" eaLnBrk="1" latinLnBrk="0" hangingPunct="1">
-              <a:lnSpc>
-                <a:spcPct val="90000"/>
-              </a:lnSpc>
-              <a:spcBef>
-                <a:spcPct val="0"/>
-              </a:spcBef>
-              <a:buNone/>
-              <a:defRPr sz="4400" kern="1200" spc="-50" baseline="0">
-                <a:solidFill>
-                  <a:schemeClr val="tx1"/>
-                </a:solidFill>
-                <a:latin typeface="Times New Roman" panose="02020603050405020304" pitchFamily="18" charset="0"/>
-                <a:ea typeface="+mj-ea"/>
-                <a:cs typeface="+mj-cs"/>
-              </a:defRPr>
-            </a:lvl1pPr>
-          </a:lstStyle>
-          <a:p>
-            <a:pPr>
-              <a:defRPr/>
-            </a:pPr>
-            <a:r>
-              <a:rPr lang="en-CA" sz="4000" dirty="0">
-                <a:cs typeface="Times New Roman" panose="02020603050405020304" pitchFamily="18" charset="0"/>
-              </a:rPr>
-              <a:t>Characterizing an Equilibrium </a:t>
-            </a:r>
-            <a:r>
-              <a:rPr lang="en-CA" sz="4000" dirty="0">
-                <a:solidFill>
-                  <a:schemeClr val="accent3">
-                    <a:lumMod val="75000"/>
-                  </a:schemeClr>
-                </a:solidFill>
-                <a:cs typeface="Times New Roman" panose="02020603050405020304" pitchFamily="18" charset="0"/>
-              </a:rPr>
-              <a:t>2: FFS</a:t>
-            </a:r>
-            <a:endParaRPr lang="en-US" sz="4000" dirty="0">
-              <a:solidFill>
-                <a:schemeClr val="accent3">
-                  <a:lumMod val="75000"/>
-                </a:schemeClr>
-              </a:solidFill>
-              <a:cs typeface="Times New Roman" panose="02020603050405020304" pitchFamily="18" charset="0"/>
-            </a:endParaRPr>
-          </a:p>
-        </p:txBody>
-      </p:sp>
-      <mc:AlternateContent xmlns:mc="http://schemas.openxmlformats.org/markup-compatibility/2006" xmlns:p14="http://schemas.microsoft.com/office/powerpoint/2010/main">
-        <mc:Choice Requires="p14">
-          <p:contentPart p14:bwMode="auto" r:id="rId3">
-            <p14:nvContentPartPr>
-              <p14:cNvPr id="12" name="Ink 11">
-                <a:extLst>
-                  <a:ext uri="{FF2B5EF4-FFF2-40B4-BE49-F238E27FC236}">
-                    <a16:creationId xmlns:a16="http://schemas.microsoft.com/office/drawing/2014/main" id="{352E000B-4CB0-C957-DB64-45BCAAD9C036}"/>
-                  </a:ext>
-                </a:extLst>
-              </p14:cNvPr>
-              <p14:cNvContentPartPr/>
-              <p14:nvPr/>
-            </p14:nvContentPartPr>
-            <p14:xfrm>
-              <a:off x="1271922" y="1195192"/>
-              <a:ext cx="360" cy="4911840"/>
-            </p14:xfrm>
-          </p:contentPart>
-        </mc:Choice>
-        <mc:Fallback xmlns="">
-          <p:pic>
-            <p:nvPicPr>
-              <p:cNvPr id="12" name="Ink 11">
-                <a:extLst>
-                  <a:ext uri="{FF2B5EF4-FFF2-40B4-BE49-F238E27FC236}">
-                    <a16:creationId xmlns:a16="http://schemas.microsoft.com/office/drawing/2014/main" id="{352E000B-4CB0-C957-DB64-45BCAAD9C036}"/>
-                  </a:ext>
-                </a:extLst>
-              </p:cNvPr>
-              <p:cNvPicPr/>
-              <p:nvPr/>
-            </p:nvPicPr>
-            <p:blipFill>
-              <a:blip r:embed="rId4"/>
-              <a:stretch>
-                <a:fillRect/>
-              </a:stretch>
-            </p:blipFill>
-            <p:spPr>
-              <a:xfrm>
-                <a:off x="1263282" y="1186192"/>
-                <a:ext cx="18000" cy="4929480"/>
-              </a:xfrm>
-              <a:prstGeom prst="rect">
-                <a:avLst/>
-              </a:prstGeom>
-            </p:spPr>
-          </p:pic>
-        </mc:Fallback>
-      </mc:AlternateContent>
-      <mc:AlternateContent xmlns:mc="http://schemas.openxmlformats.org/markup-compatibility/2006" xmlns:p14="http://schemas.microsoft.com/office/powerpoint/2010/main">
-        <mc:Choice Requires="p14">
-          <p:contentPart p14:bwMode="auto" r:id="rId5">
-            <p14:nvContentPartPr>
-              <p14:cNvPr id="13" name="Ink 12">
-                <a:extLst>
-                  <a:ext uri="{FF2B5EF4-FFF2-40B4-BE49-F238E27FC236}">
-                    <a16:creationId xmlns:a16="http://schemas.microsoft.com/office/drawing/2014/main" id="{A60B68F9-5D31-8706-FF04-EDC232D1DD99}"/>
-                  </a:ext>
-                </a:extLst>
-              </p14:cNvPr>
-              <p14:cNvContentPartPr/>
-              <p14:nvPr/>
-            </p14:nvContentPartPr>
-            <p14:xfrm>
-              <a:off x="1294242" y="6055192"/>
-              <a:ext cx="8469360" cy="360"/>
-            </p14:xfrm>
-          </p:contentPart>
-        </mc:Choice>
-        <mc:Fallback xmlns="">
-          <p:pic>
-            <p:nvPicPr>
-              <p:cNvPr id="13" name="Ink 12">
-                <a:extLst>
-                  <a:ext uri="{FF2B5EF4-FFF2-40B4-BE49-F238E27FC236}">
-                    <a16:creationId xmlns:a16="http://schemas.microsoft.com/office/drawing/2014/main" id="{A60B68F9-5D31-8706-FF04-EDC232D1DD99}"/>
-                  </a:ext>
-                </a:extLst>
-              </p:cNvPr>
-              <p:cNvPicPr/>
-              <p:nvPr/>
-            </p:nvPicPr>
-            <p:blipFill>
-              <a:blip r:embed="rId6"/>
-              <a:stretch>
-                <a:fillRect/>
-              </a:stretch>
-            </p:blipFill>
-            <p:spPr>
-              <a:xfrm>
-                <a:off x="1285242" y="6046552"/>
-                <a:ext cx="8487000" cy="18000"/>
-              </a:xfrm>
-              <a:prstGeom prst="rect">
-                <a:avLst/>
-              </a:prstGeom>
-            </p:spPr>
-          </p:pic>
-        </mc:Fallback>
-      </mc:AlternateContent>
-      <mc:AlternateContent xmlns:mc="http://schemas.openxmlformats.org/markup-compatibility/2006" xmlns:p14="http://schemas.microsoft.com/office/powerpoint/2010/main">
-        <mc:Choice Requires="p14">
-          <p:contentPart p14:bwMode="auto" r:id="rId7">
-            <p14:nvContentPartPr>
-              <p14:cNvPr id="17" name="Ink 16">
-                <a:extLst>
-                  <a:ext uri="{FF2B5EF4-FFF2-40B4-BE49-F238E27FC236}">
-                    <a16:creationId xmlns:a16="http://schemas.microsoft.com/office/drawing/2014/main" id="{E9C44EB2-250D-F068-98AB-54F734F975C8}"/>
-                  </a:ext>
-                </a:extLst>
-              </p14:cNvPr>
-              <p14:cNvContentPartPr/>
-              <p14:nvPr/>
-            </p14:nvContentPartPr>
-            <p14:xfrm>
-              <a:off x="1864842" y="1422352"/>
-              <a:ext cx="5977080" cy="3515760"/>
-            </p14:xfrm>
-          </p:contentPart>
-        </mc:Choice>
-        <mc:Fallback xmlns="">
-          <p:pic>
-            <p:nvPicPr>
-              <p:cNvPr id="17" name="Ink 16">
-                <a:extLst>
-                  <a:ext uri="{FF2B5EF4-FFF2-40B4-BE49-F238E27FC236}">
-                    <a16:creationId xmlns:a16="http://schemas.microsoft.com/office/drawing/2014/main" id="{E9C44EB2-250D-F068-98AB-54F734F975C8}"/>
-                  </a:ext>
-                </a:extLst>
-              </p:cNvPr>
-              <p:cNvPicPr/>
-              <p:nvPr/>
-            </p:nvPicPr>
-            <p:blipFill>
-              <a:blip r:embed="rId8"/>
-              <a:stretch>
-                <a:fillRect/>
-              </a:stretch>
-            </p:blipFill>
-            <p:spPr>
-              <a:xfrm>
-                <a:off x="1855842" y="1413712"/>
-                <a:ext cx="5994720" cy="3533400"/>
-              </a:xfrm>
-              <a:prstGeom prst="rect">
-                <a:avLst/>
-              </a:prstGeom>
-            </p:spPr>
-          </p:pic>
-        </mc:Fallback>
-      </mc:AlternateContent>
-      <mc:AlternateContent xmlns:mc="http://schemas.openxmlformats.org/markup-compatibility/2006" xmlns:p14="http://schemas.microsoft.com/office/powerpoint/2010/main">
-        <mc:Choice Requires="p14">
-          <p:contentPart p14:bwMode="auto" r:id="rId9">
-            <p14:nvContentPartPr>
-              <p14:cNvPr id="18" name="Ink 17">
-                <a:extLst>
-                  <a:ext uri="{FF2B5EF4-FFF2-40B4-BE49-F238E27FC236}">
-                    <a16:creationId xmlns:a16="http://schemas.microsoft.com/office/drawing/2014/main" id="{F993ECE9-4FCF-02AF-FE93-29FB1AEC323E}"/>
-                  </a:ext>
-                </a:extLst>
-              </p14:cNvPr>
-              <p14:cNvContentPartPr/>
-              <p14:nvPr/>
-            </p14:nvContentPartPr>
-            <p14:xfrm>
-              <a:off x="1309362" y="1946512"/>
-              <a:ext cx="5443920" cy="4102560"/>
-            </p14:xfrm>
-          </p:contentPart>
-        </mc:Choice>
-        <mc:Fallback xmlns="">
-          <p:pic>
-            <p:nvPicPr>
-              <p:cNvPr id="18" name="Ink 17">
-                <a:extLst>
-                  <a:ext uri="{FF2B5EF4-FFF2-40B4-BE49-F238E27FC236}">
-                    <a16:creationId xmlns:a16="http://schemas.microsoft.com/office/drawing/2014/main" id="{F993ECE9-4FCF-02AF-FE93-29FB1AEC323E}"/>
-                  </a:ext>
-                </a:extLst>
-              </p:cNvPr>
-              <p:cNvPicPr/>
-              <p:nvPr/>
-            </p:nvPicPr>
-            <p:blipFill>
-              <a:blip r:embed="rId10"/>
-              <a:stretch>
-                <a:fillRect/>
-              </a:stretch>
-            </p:blipFill>
-            <p:spPr>
-              <a:xfrm>
-                <a:off x="1300722" y="1937512"/>
-                <a:ext cx="5461560" cy="4120200"/>
-              </a:xfrm>
-              <a:prstGeom prst="rect">
-                <a:avLst/>
-              </a:prstGeom>
-            </p:spPr>
-          </p:pic>
-        </mc:Fallback>
-      </mc:AlternateContent>
-      <mc:AlternateContent xmlns:mc="http://schemas.openxmlformats.org/markup-compatibility/2006" xmlns:p14="http://schemas.microsoft.com/office/powerpoint/2010/main">
-        <mc:Choice Requires="p14">
-          <p:contentPart p14:bwMode="auto" r:id="rId11">
-            <p14:nvContentPartPr>
-              <p14:cNvPr id="22" name="Ink 21">
-                <a:extLst>
-                  <a:ext uri="{FF2B5EF4-FFF2-40B4-BE49-F238E27FC236}">
-                    <a16:creationId xmlns:a16="http://schemas.microsoft.com/office/drawing/2014/main" id="{76D496BB-2C02-E3B1-C242-CF4C544D8F66}"/>
-                  </a:ext>
-                </a:extLst>
-              </p14:cNvPr>
-              <p14:cNvContentPartPr/>
-              <p14:nvPr/>
-            </p14:nvContentPartPr>
-            <p14:xfrm>
-              <a:off x="3429042" y="5297392"/>
-              <a:ext cx="360" cy="570960"/>
-            </p14:xfrm>
-          </p:contentPart>
-        </mc:Choice>
-        <mc:Fallback xmlns="">
-          <p:pic>
-            <p:nvPicPr>
-              <p:cNvPr id="22" name="Ink 21">
-                <a:extLst>
-                  <a:ext uri="{FF2B5EF4-FFF2-40B4-BE49-F238E27FC236}">
-                    <a16:creationId xmlns:a16="http://schemas.microsoft.com/office/drawing/2014/main" id="{76D496BB-2C02-E3B1-C242-CF4C544D8F66}"/>
-                  </a:ext>
-                </a:extLst>
-              </p:cNvPr>
-              <p:cNvPicPr/>
-              <p:nvPr/>
-            </p:nvPicPr>
-            <p:blipFill>
-              <a:blip r:embed="rId12"/>
-              <a:stretch>
-                <a:fillRect/>
-              </a:stretch>
-            </p:blipFill>
-            <p:spPr>
-              <a:xfrm>
-                <a:off x="3420402" y="5288392"/>
-                <a:ext cx="18000" cy="588600"/>
-              </a:xfrm>
-              <a:prstGeom prst="rect">
-                <a:avLst/>
-              </a:prstGeom>
-            </p:spPr>
-          </p:pic>
-        </mc:Fallback>
-      </mc:AlternateContent>
-      <mc:AlternateContent xmlns:mc="http://schemas.openxmlformats.org/markup-compatibility/2006" xmlns:a14="http://schemas.microsoft.com/office/drawing/2010/main">
-        <mc:Choice Requires="a14">
-          <p:sp>
-            <p:nvSpPr>
-              <p:cNvPr id="44" name="TextBox 43">
-                <a:extLst>
-                  <a:ext uri="{FF2B5EF4-FFF2-40B4-BE49-F238E27FC236}">
-                    <a16:creationId xmlns:a16="http://schemas.microsoft.com/office/drawing/2014/main" id="{17ED5314-A2FA-7879-17CD-3F9F5CC33AF1}"/>
-                  </a:ext>
-                </a:extLst>
-              </p:cNvPr>
-              <p:cNvSpPr txBox="1"/>
-              <p:nvPr/>
-            </p:nvSpPr>
-            <p:spPr>
-              <a:xfrm>
-                <a:off x="209602" y="842487"/>
-                <a:ext cx="1558760" cy="369332"/>
-              </a:xfrm>
-              <a:prstGeom prst="rect">
-                <a:avLst/>
-              </a:prstGeom>
-              <a:noFill/>
-            </p:spPr>
-            <p:txBody>
-              <a:bodyPr wrap="none" rtlCol="0">
-                <a:spAutoFit/>
-              </a:bodyPr>
-              <a:lstStyle/>
-              <a:p>
-                <a:pPr/>
-                <a14:m>
-                  <m:oMathPara xmlns:m="http://schemas.openxmlformats.org/officeDocument/2006/math">
-                    <m:oMathParaPr>
-                      <m:jc m:val="centerGroup"/>
-                    </m:oMathParaPr>
-                    <m:oMath xmlns:m="http://schemas.openxmlformats.org/officeDocument/2006/math">
-                      <m:r>
-                        <a:rPr lang="en-CA" b="0" i="1" smtClean="0">
-                          <a:latin typeface="Cambria Math" panose="02040503050406030204" pitchFamily="18" charset="0"/>
-                        </a:rPr>
-                        <m:t>𝜋</m:t>
-                      </m:r>
-                      <m:r>
-                        <a:rPr lang="en-CA" b="0" i="1" smtClean="0">
-                          <a:latin typeface="Cambria Math" panose="02040503050406030204" pitchFamily="18" charset="0"/>
-                        </a:rPr>
-                        <m:t>=</m:t>
-                      </m:r>
-                      <m:r>
-                        <a:rPr lang="en-CA" b="0" i="1" smtClean="0">
-                          <a:latin typeface="Cambria Math" panose="02040503050406030204" pitchFamily="18" charset="0"/>
-                        </a:rPr>
-                        <m:t>𝑅</m:t>
-                      </m:r>
-                      <m:r>
-                        <a:rPr lang="en-CA" b="0" i="1" smtClean="0">
-                          <a:latin typeface="Cambria Math" panose="02040503050406030204" pitchFamily="18" charset="0"/>
-                        </a:rPr>
-                        <m:t>−</m:t>
-                      </m:r>
-                      <m:r>
-                        <a:rPr lang="en-CA" b="0" i="1" smtClean="0">
-                          <a:latin typeface="Cambria Math" panose="02040503050406030204" pitchFamily="18" charset="0"/>
-                        </a:rPr>
-                        <m:t>𝑐</m:t>
-                      </m:r>
-                      <m:r>
-                        <a:rPr lang="en-CA" b="0" i="1" smtClean="0">
-                          <a:latin typeface="Cambria Math" panose="02040503050406030204" pitchFamily="18" charset="0"/>
-                        </a:rPr>
-                        <m:t>(</m:t>
-                      </m:r>
-                      <m:r>
-                        <a:rPr lang="en-CA" b="0" i="1" smtClean="0">
-                          <a:latin typeface="Cambria Math" panose="02040503050406030204" pitchFamily="18" charset="0"/>
-                        </a:rPr>
-                        <m:t>𝑞</m:t>
-                      </m:r>
-                      <m:r>
-                        <a:rPr lang="en-CA" b="0" i="1" smtClean="0">
-                          <a:latin typeface="Cambria Math" panose="02040503050406030204" pitchFamily="18" charset="0"/>
-                        </a:rPr>
-                        <m:t>)</m:t>
-                      </m:r>
-                    </m:oMath>
-                  </m:oMathPara>
-                </a14:m>
-                <a:endParaRPr lang="en-CA" dirty="0"/>
-              </a:p>
-            </p:txBody>
-          </p:sp>
-        </mc:Choice>
-        <mc:Fallback xmlns="">
-          <p:sp>
-            <p:nvSpPr>
-              <p:cNvPr id="44" name="TextBox 43">
-                <a:extLst>
-                  <a:ext uri="{FF2B5EF4-FFF2-40B4-BE49-F238E27FC236}">
-                    <a16:creationId xmlns:a16="http://schemas.microsoft.com/office/drawing/2014/main" id="{17ED5314-A2FA-7879-17CD-3F9F5CC33AF1}"/>
-                  </a:ext>
-                </a:extLst>
-              </p:cNvPr>
-              <p:cNvSpPr txBox="1">
-                <a:spLocks noRot="1" noChangeAspect="1" noMove="1" noResize="1" noEditPoints="1" noAdjustHandles="1" noChangeArrowheads="1" noChangeShapeType="1" noTextEdit="1"/>
-              </p:cNvSpPr>
-              <p:nvPr/>
-            </p:nvSpPr>
-            <p:spPr>
-              <a:xfrm>
-                <a:off x="209602" y="842487"/>
-                <a:ext cx="1558760" cy="369332"/>
-              </a:xfrm>
-              <a:prstGeom prst="rect">
-                <a:avLst/>
-              </a:prstGeom>
-              <a:blipFill>
-                <a:blip r:embed="rId13"/>
-                <a:stretch>
-                  <a:fillRect b="-16393"/>
-                </a:stretch>
-              </a:blipFill>
-            </p:spPr>
-            <p:txBody>
-              <a:bodyPr/>
-              <a:lstStyle/>
-              <a:p>
-                <a:r>
-                  <a:rPr lang="en-CA">
-                    <a:noFill/>
-                  </a:rPr>
-                  <a:t> </a:t>
-                </a:r>
-              </a:p>
-            </p:txBody>
-          </p:sp>
-        </mc:Fallback>
-      </mc:AlternateContent>
-      <p:sp>
-        <p:nvSpPr>
-          <p:cNvPr id="45" name="TextBox 44">
-            <a:extLst>
-              <a:ext uri="{FF2B5EF4-FFF2-40B4-BE49-F238E27FC236}">
-                <a16:creationId xmlns:a16="http://schemas.microsoft.com/office/drawing/2014/main" id="{018C6F56-A9D4-25A4-AC4F-97F7F49973AA}"/>
-              </a:ext>
-            </a:extLst>
-          </p:cNvPr>
-          <p:cNvSpPr txBox="1"/>
-          <p:nvPr/>
-        </p:nvSpPr>
-        <p:spPr>
-          <a:xfrm>
-            <a:off x="9982200" y="5791200"/>
-            <a:ext cx="457200" cy="369332"/>
-          </a:xfrm>
-          <a:prstGeom prst="rect">
-            <a:avLst/>
-          </a:prstGeom>
-          <a:noFill/>
-        </p:spPr>
-        <p:txBody>
-          <a:bodyPr wrap="square" rtlCol="0">
-            <a:spAutoFit/>
-          </a:bodyPr>
-          <a:lstStyle/>
-          <a:p>
-            <a:r>
-              <a:rPr lang="en-CA" dirty="0"/>
-              <a:t>q</a:t>
-            </a:r>
-          </a:p>
-        </p:txBody>
-      </p:sp>
-      <p:grpSp>
-        <p:nvGrpSpPr>
-          <p:cNvPr id="50" name="Group 49">
-            <a:extLst>
-              <a:ext uri="{FF2B5EF4-FFF2-40B4-BE49-F238E27FC236}">
-                <a16:creationId xmlns:a16="http://schemas.microsoft.com/office/drawing/2014/main" id="{7302F2FA-C365-C32B-A69B-CD45AA638FBE}"/>
-              </a:ext>
-            </a:extLst>
-          </p:cNvPr>
-          <p:cNvGrpSpPr/>
-          <p:nvPr/>
-        </p:nvGrpSpPr>
-        <p:grpSpPr>
-          <a:xfrm>
-            <a:off x="1663491" y="3514975"/>
-            <a:ext cx="1833120" cy="1365480"/>
-            <a:chOff x="1663491" y="3514975"/>
-            <a:chExt cx="1833120" cy="1365480"/>
-          </a:xfrm>
-        </p:grpSpPr>
-        <mc:AlternateContent xmlns:mc="http://schemas.openxmlformats.org/markup-compatibility/2006" xmlns:p14="http://schemas.microsoft.com/office/powerpoint/2010/main">
-          <mc:Choice Requires="p14">
-            <p:contentPart p14:bwMode="auto" r:id="rId14">
-              <p14:nvContentPartPr>
-                <p14:cNvPr id="46" name="Ink 45">
-                  <a:extLst>
-                    <a:ext uri="{FF2B5EF4-FFF2-40B4-BE49-F238E27FC236}">
-                      <a16:creationId xmlns:a16="http://schemas.microsoft.com/office/drawing/2014/main" id="{1F0F18A8-04BB-BB82-EAE0-3FE23D1EF1E6}"/>
-                    </a:ext>
-                  </a:extLst>
-                </p14:cNvPr>
-                <p14:cNvContentPartPr/>
-                <p14:nvPr/>
-              </p14:nvContentPartPr>
-              <p14:xfrm>
-                <a:off x="3427131" y="4407055"/>
-                <a:ext cx="69480" cy="473400"/>
-              </p14:xfrm>
-            </p:contentPart>
-          </mc:Choice>
-          <mc:Fallback xmlns="">
-            <p:pic>
-              <p:nvPicPr>
-                <p:cNvPr id="46" name="Ink 45">
-                  <a:extLst>
-                    <a:ext uri="{FF2B5EF4-FFF2-40B4-BE49-F238E27FC236}">
-                      <a16:creationId xmlns:a16="http://schemas.microsoft.com/office/drawing/2014/main" id="{1F0F18A8-04BB-BB82-EAE0-3FE23D1EF1E6}"/>
-                    </a:ext>
-                  </a:extLst>
-                </p:cNvPr>
-                <p:cNvPicPr/>
-                <p:nvPr/>
-              </p:nvPicPr>
-              <p:blipFill>
-                <a:blip r:embed="rId15"/>
-                <a:stretch>
-                  <a:fillRect/>
-                </a:stretch>
-              </p:blipFill>
-              <p:spPr>
-                <a:xfrm>
-                  <a:off x="3418131" y="4398415"/>
-                  <a:ext cx="87120" cy="491040"/>
-                </a:xfrm>
-                <a:prstGeom prst="rect">
-                  <a:avLst/>
-                </a:prstGeom>
-              </p:spPr>
-            </p:pic>
-          </mc:Fallback>
-        </mc:AlternateContent>
-        <mc:AlternateContent xmlns:mc="http://schemas.openxmlformats.org/markup-compatibility/2006" xmlns:p14="http://schemas.microsoft.com/office/powerpoint/2010/main">
-          <mc:Choice Requires="p14">
-            <p:contentPart p14:bwMode="auto" r:id="rId16">
-              <p14:nvContentPartPr>
-                <p14:cNvPr id="47" name="Ink 46">
-                  <a:extLst>
-                    <a:ext uri="{FF2B5EF4-FFF2-40B4-BE49-F238E27FC236}">
-                      <a16:creationId xmlns:a16="http://schemas.microsoft.com/office/drawing/2014/main" id="{C060F3C6-5CC4-CD55-DC6C-3F3C854564FA}"/>
-                    </a:ext>
-                  </a:extLst>
-                </p14:cNvPr>
-                <p14:cNvContentPartPr/>
-                <p14:nvPr/>
-              </p14:nvContentPartPr>
-              <p14:xfrm>
-                <a:off x="3475011" y="3713335"/>
-                <a:ext cx="14760" cy="386280"/>
-              </p14:xfrm>
-            </p:contentPart>
-          </mc:Choice>
-          <mc:Fallback xmlns="">
-            <p:pic>
-              <p:nvPicPr>
-                <p:cNvPr id="47" name="Ink 46">
-                  <a:extLst>
-                    <a:ext uri="{FF2B5EF4-FFF2-40B4-BE49-F238E27FC236}">
-                      <a16:creationId xmlns:a16="http://schemas.microsoft.com/office/drawing/2014/main" id="{C060F3C6-5CC4-CD55-DC6C-3F3C854564FA}"/>
-                    </a:ext>
-                  </a:extLst>
-                </p:cNvPr>
-                <p:cNvPicPr/>
-                <p:nvPr/>
-              </p:nvPicPr>
-              <p:blipFill>
-                <a:blip r:embed="rId17"/>
-                <a:stretch>
-                  <a:fillRect/>
-                </a:stretch>
-              </p:blipFill>
-              <p:spPr>
-                <a:xfrm>
-                  <a:off x="3466011" y="3704695"/>
-                  <a:ext cx="32400" cy="403920"/>
-                </a:xfrm>
-                <a:prstGeom prst="rect">
-                  <a:avLst/>
-                </a:prstGeom>
-              </p:spPr>
-            </p:pic>
-          </mc:Fallback>
-        </mc:AlternateContent>
-        <mc:AlternateContent xmlns:mc="http://schemas.openxmlformats.org/markup-compatibility/2006" xmlns:p14="http://schemas.microsoft.com/office/powerpoint/2010/main">
-          <mc:Choice Requires="p14">
-            <p:contentPart p14:bwMode="auto" r:id="rId18">
-              <p14:nvContentPartPr>
-                <p14:cNvPr id="48" name="Ink 47">
-                  <a:extLst>
-                    <a:ext uri="{FF2B5EF4-FFF2-40B4-BE49-F238E27FC236}">
-                      <a16:creationId xmlns:a16="http://schemas.microsoft.com/office/drawing/2014/main" id="{167B6CEE-8406-63AF-B183-7D87E6D866FD}"/>
-                    </a:ext>
-                  </a:extLst>
-                </p14:cNvPr>
-                <p14:cNvContentPartPr/>
-                <p14:nvPr/>
-              </p14:nvContentPartPr>
-              <p14:xfrm>
-                <a:off x="2662491" y="3521095"/>
-                <a:ext cx="428760" cy="18000"/>
-              </p14:xfrm>
-            </p:contentPart>
-          </mc:Choice>
-          <mc:Fallback xmlns="">
-            <p:pic>
-              <p:nvPicPr>
-                <p:cNvPr id="48" name="Ink 47">
-                  <a:extLst>
-                    <a:ext uri="{FF2B5EF4-FFF2-40B4-BE49-F238E27FC236}">
-                      <a16:creationId xmlns:a16="http://schemas.microsoft.com/office/drawing/2014/main" id="{167B6CEE-8406-63AF-B183-7D87E6D866FD}"/>
-                    </a:ext>
-                  </a:extLst>
-                </p:cNvPr>
-                <p:cNvPicPr/>
-                <p:nvPr/>
-              </p:nvPicPr>
-              <p:blipFill>
-                <a:blip r:embed="rId19"/>
-                <a:stretch>
-                  <a:fillRect/>
-                </a:stretch>
-              </p:blipFill>
-              <p:spPr>
-                <a:xfrm>
-                  <a:off x="2653851" y="3512095"/>
-                  <a:ext cx="446400" cy="35640"/>
-                </a:xfrm>
-                <a:prstGeom prst="rect">
-                  <a:avLst/>
-                </a:prstGeom>
-              </p:spPr>
-            </p:pic>
-          </mc:Fallback>
-        </mc:AlternateContent>
-        <mc:AlternateContent xmlns:mc="http://schemas.openxmlformats.org/markup-compatibility/2006" xmlns:p14="http://schemas.microsoft.com/office/powerpoint/2010/main">
-          <mc:Choice Requires="p14">
-            <p:contentPart p14:bwMode="auto" r:id="rId20">
-              <p14:nvContentPartPr>
-                <p14:cNvPr id="49" name="Ink 48">
-                  <a:extLst>
-                    <a:ext uri="{FF2B5EF4-FFF2-40B4-BE49-F238E27FC236}">
-                      <a16:creationId xmlns:a16="http://schemas.microsoft.com/office/drawing/2014/main" id="{A62F51EA-885E-D69F-8E3D-62B7A15D00CC}"/>
-                    </a:ext>
-                  </a:extLst>
-                </p14:cNvPr>
-                <p14:cNvContentPartPr/>
-                <p14:nvPr/>
-              </p14:nvContentPartPr>
-              <p14:xfrm>
-                <a:off x="1663491" y="3514975"/>
-                <a:ext cx="582480" cy="31320"/>
-              </p14:xfrm>
-            </p:contentPart>
-          </mc:Choice>
-          <mc:Fallback xmlns="">
-            <p:pic>
-              <p:nvPicPr>
-                <p:cNvPr id="49" name="Ink 48">
-                  <a:extLst>
-                    <a:ext uri="{FF2B5EF4-FFF2-40B4-BE49-F238E27FC236}">
-                      <a16:creationId xmlns:a16="http://schemas.microsoft.com/office/drawing/2014/main" id="{A62F51EA-885E-D69F-8E3D-62B7A15D00CC}"/>
-                    </a:ext>
-                  </a:extLst>
-                </p:cNvPr>
-                <p:cNvPicPr/>
-                <p:nvPr/>
-              </p:nvPicPr>
-              <p:blipFill>
-                <a:blip r:embed="rId21"/>
-                <a:stretch>
-                  <a:fillRect/>
-                </a:stretch>
-              </p:blipFill>
-              <p:spPr>
-                <a:xfrm>
-                  <a:off x="1654491" y="3506335"/>
-                  <a:ext cx="600120" cy="48960"/>
-                </a:xfrm>
-                <a:prstGeom prst="rect">
-                  <a:avLst/>
-                </a:prstGeom>
-              </p:spPr>
-            </p:pic>
-          </mc:Fallback>
-        </mc:AlternateContent>
-      </p:grpSp>
-    </p:spTree>
-    <p:extLst>
-      <p:ext uri="{BB962C8B-B14F-4D97-AF65-F5344CB8AC3E}">
-        <p14:creationId xmlns:p14="http://schemas.microsoft.com/office/powerpoint/2010/main" val="1204514839"/>
-      </p:ext>
-    </p:extLst>
-  </p:cSld>
-  <p:clrMapOvr>
-    <a:masterClrMapping/>
-  </p:clrMapOvr>
-</p:sld>
-</file>
-
 <file path=ppt/slides/slide27.xml><?xml version="1.0" encoding="utf-8"?>
-<p:sld xmlns:a="http://schemas.openxmlformats.org/drawingml/2006/main" xmlns:r="http://schemas.openxmlformats.org/officeDocument/2006/relationships" xmlns:p="http://schemas.openxmlformats.org/presentationml/2006/main">
-  <p:cSld>
-    <p:spTree>
-      <p:nvGrpSpPr>
-        <p:cNvPr id="1" name=""/>
-        <p:cNvGrpSpPr/>
-        <p:nvPr/>
-      </p:nvGrpSpPr>
-      <p:grpSpPr>
-        <a:xfrm>
-          <a:off x="0" y="0"/>
-          <a:ext cx="0" cy="0"/>
-          <a:chOff x="0" y="0"/>
-          <a:chExt cx="0" cy="0"/>
-        </a:xfrm>
-      </p:grpSpPr>
-      <p:sp>
-        <p:nvSpPr>
-          <p:cNvPr id="3" name="Content Placeholder 2">
-            <a:extLst>
-              <a:ext uri="{FF2B5EF4-FFF2-40B4-BE49-F238E27FC236}">
-                <a16:creationId xmlns:a16="http://schemas.microsoft.com/office/drawing/2014/main" id="{2CA9A688-580F-ECC9-5F65-3BC2434DDF2C}"/>
-              </a:ext>
-            </a:extLst>
-          </p:cNvPr>
-          <p:cNvSpPr>
-            <a:spLocks noGrp="1"/>
-          </p:cNvSpPr>
-          <p:nvPr>
-            <p:ph idx="1"/>
-          </p:nvPr>
-        </p:nvSpPr>
-        <p:spPr/>
-        <p:txBody>
-          <a:bodyPr/>
-          <a:lstStyle/>
-          <a:p>
-            <a:endParaRPr lang="en-CA" dirty="0"/>
-          </a:p>
-        </p:txBody>
-      </p:sp>
-      <mc:AlternateContent xmlns:mc="http://schemas.openxmlformats.org/markup-compatibility/2006" xmlns:a14="http://schemas.microsoft.com/office/drawing/2010/main">
-        <mc:Choice Requires="a14">
-          <p:sp>
-            <p:nvSpPr>
-              <p:cNvPr id="6" name="Title 1">
-                <a:extLst>
-                  <a:ext uri="{FF2B5EF4-FFF2-40B4-BE49-F238E27FC236}">
-                    <a16:creationId xmlns:a16="http://schemas.microsoft.com/office/drawing/2014/main" id="{7BD7A2E9-C7E8-9116-5BE2-1C6A3EE63774}"/>
-                  </a:ext>
-                </a:extLst>
-              </p:cNvPr>
-              <p:cNvSpPr txBox="1">
-                <a:spLocks/>
-              </p:cNvSpPr>
-              <p:nvPr/>
-            </p:nvSpPr>
-            <p:spPr>
-              <a:xfrm>
-                <a:off x="304800" y="365760"/>
-                <a:ext cx="10896600" cy="624840"/>
-              </a:xfrm>
-              <a:prstGeom prst="rect">
-                <a:avLst/>
-              </a:prstGeom>
-            </p:spPr>
-            <p:txBody>
-              <a:bodyPr vert="horz" lIns="91440" tIns="45720" rIns="91440" bIns="45720" rtlCol="0" anchor="b">
-                <a:normAutofit fontScale="97500" lnSpcReduction="10000"/>
-              </a:bodyPr>
-              <a:lstStyle>
-                <a:lvl1pPr algn="l" defTabSz="914400" rtl="0" eaLnBrk="1" latinLnBrk="0" hangingPunct="1">
-                  <a:lnSpc>
-                    <a:spcPct val="90000"/>
-                  </a:lnSpc>
-                  <a:spcBef>
-                    <a:spcPct val="0"/>
-                  </a:spcBef>
-                  <a:buNone/>
-                  <a:defRPr sz="4400" kern="1200" spc="-50" baseline="0">
-                    <a:solidFill>
-                      <a:schemeClr val="tx1"/>
-                    </a:solidFill>
-                    <a:latin typeface="Times New Roman" panose="02020603050405020304" pitchFamily="18" charset="0"/>
-                    <a:ea typeface="+mj-ea"/>
-                    <a:cs typeface="+mj-cs"/>
-                  </a:defRPr>
-                </a:lvl1pPr>
-              </a:lstStyle>
-              <a:p>
-                <a:pPr>
-                  <a:defRPr/>
-                </a:pPr>
-                <a:r>
-                  <a:rPr lang="en-CA" sz="4000" dirty="0">
-                    <a:cs typeface="Times New Roman" panose="02020603050405020304" pitchFamily="18" charset="0"/>
-                  </a:rPr>
-                  <a:t>Can we get to </a:t>
-                </a:r>
-                <a14:m>
-                  <m:oMath xmlns:m="http://schemas.openxmlformats.org/officeDocument/2006/math">
-                    <m:sSup>
-                      <m:sSupPr>
-                        <m:ctrlPr>
-                          <a:rPr lang="en-CA" sz="4000" b="0" i="1" smtClean="0">
-                            <a:latin typeface="Cambria Math" panose="02040503050406030204" pitchFamily="18" charset="0"/>
-                            <a:cs typeface="Times New Roman" panose="02020603050405020304" pitchFamily="18" charset="0"/>
-                          </a:rPr>
-                        </m:ctrlPr>
-                      </m:sSupPr>
-                      <m:e>
-                        <m:r>
-                          <a:rPr lang="en-CA" sz="4000" b="0" i="1" smtClean="0">
-                            <a:latin typeface="Cambria Math" panose="02040503050406030204" pitchFamily="18" charset="0"/>
-                            <a:cs typeface="Times New Roman" panose="02020603050405020304" pitchFamily="18" charset="0"/>
-                          </a:rPr>
-                          <m:t>𝑞</m:t>
-                        </m:r>
-                      </m:e>
-                      <m:sup>
-                        <m:r>
-                          <a:rPr lang="en-CA" sz="4000" b="0" i="1" smtClean="0">
-                            <a:latin typeface="Cambria Math" panose="02040503050406030204" pitchFamily="18" charset="0"/>
-                            <a:cs typeface="Times New Roman" panose="02020603050405020304" pitchFamily="18" charset="0"/>
-                          </a:rPr>
-                          <m:t>′</m:t>
-                        </m:r>
-                      </m:sup>
-                    </m:sSup>
-                    <m:r>
-                      <a:rPr lang="en-CA" sz="4000" b="0" i="1" smtClean="0">
-                        <a:latin typeface="Cambria Math" panose="02040503050406030204" pitchFamily="18" charset="0"/>
-                        <a:cs typeface="Times New Roman" panose="02020603050405020304" pitchFamily="18" charset="0"/>
-                      </a:rPr>
-                      <m:t>?</m:t>
-                    </m:r>
-                  </m:oMath>
-                </a14:m>
-                <a:endParaRPr lang="en-US" sz="4000" dirty="0">
-                  <a:solidFill>
-                    <a:schemeClr val="accent3">
-                      <a:lumMod val="75000"/>
-                    </a:schemeClr>
-                  </a:solidFill>
-                  <a:cs typeface="Times New Roman" panose="02020603050405020304" pitchFamily="18" charset="0"/>
-                </a:endParaRPr>
-              </a:p>
-            </p:txBody>
-          </p:sp>
-        </mc:Choice>
-        <mc:Fallback xmlns="">
-          <p:sp>
-            <p:nvSpPr>
-              <p:cNvPr id="6" name="Title 1">
-                <a:extLst>
-                  <a:ext uri="{FF2B5EF4-FFF2-40B4-BE49-F238E27FC236}">
-                    <a16:creationId xmlns:a16="http://schemas.microsoft.com/office/drawing/2014/main" id="{7BD7A2E9-C7E8-9116-5BE2-1C6A3EE63774}"/>
-                  </a:ext>
-                </a:extLst>
-              </p:cNvPr>
-              <p:cNvSpPr txBox="1">
-                <a:spLocks noRot="1" noChangeAspect="1" noMove="1" noResize="1" noEditPoints="1" noAdjustHandles="1" noChangeArrowheads="1" noChangeShapeType="1" noTextEdit="1"/>
-              </p:cNvSpPr>
-              <p:nvPr/>
-            </p:nvSpPr>
-            <p:spPr>
-              <a:xfrm>
-                <a:off x="304800" y="365760"/>
-                <a:ext cx="10896600" cy="624840"/>
-              </a:xfrm>
-              <a:prstGeom prst="rect">
-                <a:avLst/>
-              </a:prstGeom>
-              <a:blipFill>
-                <a:blip r:embed="rId3"/>
-                <a:stretch>
-                  <a:fillRect l="-1902" t="-26214" b="-39806"/>
-                </a:stretch>
-              </a:blipFill>
-            </p:spPr>
-            <p:txBody>
-              <a:bodyPr/>
-              <a:lstStyle/>
-              <a:p>
-                <a:r>
-                  <a:rPr lang="en-CA">
-                    <a:noFill/>
-                  </a:rPr>
-                  <a:t> </a:t>
-                </a:r>
-              </a:p>
-            </p:txBody>
-          </p:sp>
-        </mc:Fallback>
-      </mc:AlternateContent>
-      <mc:AlternateContent xmlns:mc="http://schemas.openxmlformats.org/markup-compatibility/2006" xmlns:p14="http://schemas.microsoft.com/office/powerpoint/2010/main">
-        <mc:Choice Requires="p14">
-          <p:contentPart p14:bwMode="auto" r:id="rId4">
-            <p14:nvContentPartPr>
-              <p14:cNvPr id="12" name="Ink 11">
-                <a:extLst>
-                  <a:ext uri="{FF2B5EF4-FFF2-40B4-BE49-F238E27FC236}">
-                    <a16:creationId xmlns:a16="http://schemas.microsoft.com/office/drawing/2014/main" id="{352E000B-4CB0-C957-DB64-45BCAAD9C036}"/>
-                  </a:ext>
-                </a:extLst>
-              </p14:cNvPr>
-              <p14:cNvContentPartPr/>
-              <p14:nvPr/>
-            </p14:nvContentPartPr>
-            <p14:xfrm>
-              <a:off x="1271922" y="1195192"/>
-              <a:ext cx="360" cy="4911840"/>
-            </p14:xfrm>
-          </p:contentPart>
-        </mc:Choice>
-        <mc:Fallback xmlns="">
-          <p:pic>
-            <p:nvPicPr>
-              <p:cNvPr id="12" name="Ink 11">
-                <a:extLst>
-                  <a:ext uri="{FF2B5EF4-FFF2-40B4-BE49-F238E27FC236}">
-                    <a16:creationId xmlns:a16="http://schemas.microsoft.com/office/drawing/2014/main" id="{352E000B-4CB0-C957-DB64-45BCAAD9C036}"/>
-                  </a:ext>
-                </a:extLst>
-              </p:cNvPr>
-              <p:cNvPicPr/>
-              <p:nvPr/>
-            </p:nvPicPr>
-            <p:blipFill>
-              <a:blip r:embed="rId5"/>
-              <a:stretch>
-                <a:fillRect/>
-              </a:stretch>
-            </p:blipFill>
-            <p:spPr>
-              <a:xfrm>
-                <a:off x="1263282" y="1186192"/>
-                <a:ext cx="18000" cy="4929480"/>
-              </a:xfrm>
-              <a:prstGeom prst="rect">
-                <a:avLst/>
-              </a:prstGeom>
-            </p:spPr>
-          </p:pic>
-        </mc:Fallback>
-      </mc:AlternateContent>
-      <mc:AlternateContent xmlns:mc="http://schemas.openxmlformats.org/markup-compatibility/2006" xmlns:p14="http://schemas.microsoft.com/office/powerpoint/2010/main">
-        <mc:Choice Requires="p14">
-          <p:contentPart p14:bwMode="auto" r:id="rId6">
-            <p14:nvContentPartPr>
-              <p14:cNvPr id="13" name="Ink 12">
-                <a:extLst>
-                  <a:ext uri="{FF2B5EF4-FFF2-40B4-BE49-F238E27FC236}">
-                    <a16:creationId xmlns:a16="http://schemas.microsoft.com/office/drawing/2014/main" id="{A60B68F9-5D31-8706-FF04-EDC232D1DD99}"/>
-                  </a:ext>
-                </a:extLst>
-              </p14:cNvPr>
-              <p14:cNvContentPartPr/>
-              <p14:nvPr/>
-            </p14:nvContentPartPr>
-            <p14:xfrm>
-              <a:off x="1294242" y="6055192"/>
-              <a:ext cx="8469360" cy="360"/>
-            </p14:xfrm>
-          </p:contentPart>
-        </mc:Choice>
-        <mc:Fallback xmlns="">
-          <p:pic>
-            <p:nvPicPr>
-              <p:cNvPr id="13" name="Ink 12">
-                <a:extLst>
-                  <a:ext uri="{FF2B5EF4-FFF2-40B4-BE49-F238E27FC236}">
-                    <a16:creationId xmlns:a16="http://schemas.microsoft.com/office/drawing/2014/main" id="{A60B68F9-5D31-8706-FF04-EDC232D1DD99}"/>
-                  </a:ext>
-                </a:extLst>
-              </p:cNvPr>
-              <p:cNvPicPr/>
-              <p:nvPr/>
-            </p:nvPicPr>
-            <p:blipFill>
-              <a:blip r:embed="rId7"/>
-              <a:stretch>
-                <a:fillRect/>
-              </a:stretch>
-            </p:blipFill>
-            <p:spPr>
-              <a:xfrm>
-                <a:off x="1285242" y="6046552"/>
-                <a:ext cx="8487000" cy="18000"/>
-              </a:xfrm>
-              <a:prstGeom prst="rect">
-                <a:avLst/>
-              </a:prstGeom>
-            </p:spPr>
-          </p:pic>
-        </mc:Fallback>
-      </mc:AlternateContent>
-      <mc:AlternateContent xmlns:mc="http://schemas.openxmlformats.org/markup-compatibility/2006" xmlns:p14="http://schemas.microsoft.com/office/powerpoint/2010/main">
-        <mc:Choice Requires="p14">
-          <p:contentPart p14:bwMode="auto" r:id="rId8">
-            <p14:nvContentPartPr>
-              <p14:cNvPr id="17" name="Ink 16">
-                <a:extLst>
-                  <a:ext uri="{FF2B5EF4-FFF2-40B4-BE49-F238E27FC236}">
-                    <a16:creationId xmlns:a16="http://schemas.microsoft.com/office/drawing/2014/main" id="{E9C44EB2-250D-F068-98AB-54F734F975C8}"/>
-                  </a:ext>
-                </a:extLst>
-              </p14:cNvPr>
-              <p14:cNvContentPartPr/>
-              <p14:nvPr/>
-            </p14:nvContentPartPr>
-            <p14:xfrm>
-              <a:off x="1864842" y="1422352"/>
-              <a:ext cx="5977080" cy="3515760"/>
-            </p14:xfrm>
-          </p:contentPart>
-        </mc:Choice>
-        <mc:Fallback xmlns="">
-          <p:pic>
-            <p:nvPicPr>
-              <p:cNvPr id="17" name="Ink 16">
-                <a:extLst>
-                  <a:ext uri="{FF2B5EF4-FFF2-40B4-BE49-F238E27FC236}">
-                    <a16:creationId xmlns:a16="http://schemas.microsoft.com/office/drawing/2014/main" id="{E9C44EB2-250D-F068-98AB-54F734F975C8}"/>
-                  </a:ext>
-                </a:extLst>
-              </p:cNvPr>
-              <p:cNvPicPr/>
-              <p:nvPr/>
-            </p:nvPicPr>
-            <p:blipFill>
-              <a:blip r:embed="rId9"/>
-              <a:stretch>
-                <a:fillRect/>
-              </a:stretch>
-            </p:blipFill>
-            <p:spPr>
-              <a:xfrm>
-                <a:off x="1855842" y="1413712"/>
-                <a:ext cx="5994720" cy="3533400"/>
-              </a:xfrm>
-              <a:prstGeom prst="rect">
-                <a:avLst/>
-              </a:prstGeom>
-            </p:spPr>
-          </p:pic>
-        </mc:Fallback>
-      </mc:AlternateContent>
-      <mc:AlternateContent xmlns:mc="http://schemas.openxmlformats.org/markup-compatibility/2006" xmlns:p14="http://schemas.microsoft.com/office/powerpoint/2010/main">
-        <mc:Choice Requires="p14">
-          <p:contentPart p14:bwMode="auto" r:id="rId10">
-            <p14:nvContentPartPr>
-              <p14:cNvPr id="18" name="Ink 17">
-                <a:extLst>
-                  <a:ext uri="{FF2B5EF4-FFF2-40B4-BE49-F238E27FC236}">
-                    <a16:creationId xmlns:a16="http://schemas.microsoft.com/office/drawing/2014/main" id="{F993ECE9-4FCF-02AF-FE93-29FB1AEC323E}"/>
-                  </a:ext>
-                </a:extLst>
-              </p14:cNvPr>
-              <p14:cNvContentPartPr/>
-              <p14:nvPr/>
-            </p14:nvContentPartPr>
-            <p14:xfrm>
-              <a:off x="1309362" y="1946512"/>
-              <a:ext cx="5443920" cy="4102560"/>
-            </p14:xfrm>
-          </p:contentPart>
-        </mc:Choice>
-        <mc:Fallback xmlns="">
-          <p:pic>
-            <p:nvPicPr>
-              <p:cNvPr id="18" name="Ink 17">
-                <a:extLst>
-                  <a:ext uri="{FF2B5EF4-FFF2-40B4-BE49-F238E27FC236}">
-                    <a16:creationId xmlns:a16="http://schemas.microsoft.com/office/drawing/2014/main" id="{F993ECE9-4FCF-02AF-FE93-29FB1AEC323E}"/>
-                  </a:ext>
-                </a:extLst>
-              </p:cNvPr>
-              <p:cNvPicPr/>
-              <p:nvPr/>
-            </p:nvPicPr>
-            <p:blipFill>
-              <a:blip r:embed="rId11"/>
-              <a:stretch>
-                <a:fillRect/>
-              </a:stretch>
-            </p:blipFill>
-            <p:spPr>
-              <a:xfrm>
-                <a:off x="1300722" y="1937512"/>
-                <a:ext cx="5461560" cy="4120200"/>
-              </a:xfrm>
-              <a:prstGeom prst="rect">
-                <a:avLst/>
-              </a:prstGeom>
-            </p:spPr>
-          </p:pic>
-        </mc:Fallback>
-      </mc:AlternateContent>
-      <mc:AlternateContent xmlns:mc="http://schemas.openxmlformats.org/markup-compatibility/2006" xmlns:p14="http://schemas.microsoft.com/office/powerpoint/2010/main">
-        <mc:Choice Requires="p14">
-          <p:contentPart p14:bwMode="auto" r:id="rId12">
-            <p14:nvContentPartPr>
-              <p14:cNvPr id="22" name="Ink 21">
-                <a:extLst>
-                  <a:ext uri="{FF2B5EF4-FFF2-40B4-BE49-F238E27FC236}">
-                    <a16:creationId xmlns:a16="http://schemas.microsoft.com/office/drawing/2014/main" id="{76D496BB-2C02-E3B1-C242-CF4C544D8F66}"/>
-                  </a:ext>
-                </a:extLst>
-              </p14:cNvPr>
-              <p14:cNvContentPartPr/>
-              <p14:nvPr/>
-            </p14:nvContentPartPr>
-            <p14:xfrm>
-              <a:off x="3429042" y="5297392"/>
-              <a:ext cx="360" cy="570960"/>
-            </p14:xfrm>
-          </p:contentPart>
-        </mc:Choice>
-        <mc:Fallback xmlns="">
-          <p:pic>
-            <p:nvPicPr>
-              <p:cNvPr id="22" name="Ink 21">
-                <a:extLst>
-                  <a:ext uri="{FF2B5EF4-FFF2-40B4-BE49-F238E27FC236}">
-                    <a16:creationId xmlns:a16="http://schemas.microsoft.com/office/drawing/2014/main" id="{76D496BB-2C02-E3B1-C242-CF4C544D8F66}"/>
-                  </a:ext>
-                </a:extLst>
-              </p:cNvPr>
-              <p:cNvPicPr/>
-              <p:nvPr/>
-            </p:nvPicPr>
-            <p:blipFill>
-              <a:blip r:embed="rId13"/>
-              <a:stretch>
-                <a:fillRect/>
-              </a:stretch>
-            </p:blipFill>
-            <p:spPr>
-              <a:xfrm>
-                <a:off x="3420402" y="5288392"/>
-                <a:ext cx="18000" cy="588600"/>
-              </a:xfrm>
-              <a:prstGeom prst="rect">
-                <a:avLst/>
-              </a:prstGeom>
-            </p:spPr>
-          </p:pic>
-        </mc:Fallback>
-      </mc:AlternateContent>
-      <mc:AlternateContent xmlns:mc="http://schemas.openxmlformats.org/markup-compatibility/2006" xmlns:p14="http://schemas.microsoft.com/office/powerpoint/2010/main">
-        <mc:Choice Requires="p14">
-          <p:contentPart p14:bwMode="auto" r:id="rId14">
-            <p14:nvContentPartPr>
-              <p14:cNvPr id="30" name="Ink 29">
-                <a:extLst>
-                  <a:ext uri="{FF2B5EF4-FFF2-40B4-BE49-F238E27FC236}">
-                    <a16:creationId xmlns:a16="http://schemas.microsoft.com/office/drawing/2014/main" id="{E36E11C5-8267-D1B3-AFE6-5B5BC2D4BE37}"/>
-                  </a:ext>
-                </a:extLst>
-              </p14:cNvPr>
-              <p14:cNvContentPartPr/>
-              <p14:nvPr/>
-            </p14:nvContentPartPr>
-            <p14:xfrm>
-              <a:off x="1365162" y="1977112"/>
-              <a:ext cx="7294680" cy="4211640"/>
-            </p14:xfrm>
-          </p:contentPart>
-        </mc:Choice>
-        <mc:Fallback xmlns="">
-          <p:pic>
-            <p:nvPicPr>
-              <p:cNvPr id="30" name="Ink 29">
-                <a:extLst>
-                  <a:ext uri="{FF2B5EF4-FFF2-40B4-BE49-F238E27FC236}">
-                    <a16:creationId xmlns:a16="http://schemas.microsoft.com/office/drawing/2014/main" id="{E36E11C5-8267-D1B3-AFE6-5B5BC2D4BE37}"/>
-                  </a:ext>
-                </a:extLst>
-              </p:cNvPr>
-              <p:cNvPicPr/>
-              <p:nvPr/>
-            </p:nvPicPr>
-            <p:blipFill>
-              <a:blip r:embed="rId15"/>
-              <a:stretch>
-                <a:fillRect/>
-              </a:stretch>
-            </p:blipFill>
-            <p:spPr>
-              <a:xfrm>
-                <a:off x="1356522" y="1968472"/>
-                <a:ext cx="7312320" cy="4229280"/>
-              </a:xfrm>
-              <a:prstGeom prst="rect">
-                <a:avLst/>
-              </a:prstGeom>
-            </p:spPr>
-          </p:pic>
-        </mc:Fallback>
-      </mc:AlternateContent>
-      <p:grpSp>
-        <p:nvGrpSpPr>
-          <p:cNvPr id="34" name="Group 33">
-            <a:extLst>
-              <a:ext uri="{FF2B5EF4-FFF2-40B4-BE49-F238E27FC236}">
-                <a16:creationId xmlns:a16="http://schemas.microsoft.com/office/drawing/2014/main" id="{C08C430F-6BE7-30FB-6B74-4164BE441C1A}"/>
-              </a:ext>
-            </a:extLst>
-          </p:cNvPr>
-          <p:cNvGrpSpPr/>
-          <p:nvPr/>
-        </p:nvGrpSpPr>
-        <p:grpSpPr>
-          <a:xfrm>
-            <a:off x="4766082" y="4011112"/>
-            <a:ext cx="360" cy="1847880"/>
-            <a:chOff x="4766082" y="4011112"/>
-            <a:chExt cx="360" cy="1847880"/>
-          </a:xfrm>
-        </p:grpSpPr>
-        <mc:AlternateContent xmlns:mc="http://schemas.openxmlformats.org/markup-compatibility/2006" xmlns:p14="http://schemas.microsoft.com/office/powerpoint/2010/main">
-          <mc:Choice Requires="p14">
-            <p:contentPart p14:bwMode="auto" r:id="rId16">
-              <p14:nvContentPartPr>
-                <p14:cNvPr id="31" name="Ink 30">
-                  <a:extLst>
-                    <a:ext uri="{FF2B5EF4-FFF2-40B4-BE49-F238E27FC236}">
-                      <a16:creationId xmlns:a16="http://schemas.microsoft.com/office/drawing/2014/main" id="{A5758503-194D-4B90-43B8-4C8798FD896A}"/>
-                    </a:ext>
-                  </a:extLst>
-                </p14:cNvPr>
-                <p14:cNvContentPartPr/>
-                <p14:nvPr/>
-              </p14:nvContentPartPr>
-              <p14:xfrm>
-                <a:off x="4766082" y="4011112"/>
-                <a:ext cx="360" cy="338040"/>
-              </p14:xfrm>
-            </p:contentPart>
-          </mc:Choice>
-          <mc:Fallback xmlns="">
-            <p:pic>
-              <p:nvPicPr>
-                <p:cNvPr id="31" name="Ink 30">
-                  <a:extLst>
-                    <a:ext uri="{FF2B5EF4-FFF2-40B4-BE49-F238E27FC236}">
-                      <a16:creationId xmlns:a16="http://schemas.microsoft.com/office/drawing/2014/main" id="{A5758503-194D-4B90-43B8-4C8798FD896A}"/>
-                    </a:ext>
-                  </a:extLst>
-                </p:cNvPr>
-                <p:cNvPicPr/>
-                <p:nvPr/>
-              </p:nvPicPr>
-              <p:blipFill>
-                <a:blip r:embed="rId17"/>
-                <a:stretch>
-                  <a:fillRect/>
-                </a:stretch>
-              </p:blipFill>
-              <p:spPr>
-                <a:xfrm>
-                  <a:off x="4757082" y="4002112"/>
-                  <a:ext cx="18000" cy="355680"/>
-                </a:xfrm>
-                <a:prstGeom prst="rect">
-                  <a:avLst/>
-                </a:prstGeom>
-              </p:spPr>
-            </p:pic>
-          </mc:Fallback>
-        </mc:AlternateContent>
-        <mc:AlternateContent xmlns:mc="http://schemas.openxmlformats.org/markup-compatibility/2006" xmlns:p14="http://schemas.microsoft.com/office/powerpoint/2010/main">
-          <mc:Choice Requires="p14">
-            <p:contentPart p14:bwMode="auto" r:id="rId18">
-              <p14:nvContentPartPr>
-                <p14:cNvPr id="32" name="Ink 31">
-                  <a:extLst>
-                    <a:ext uri="{FF2B5EF4-FFF2-40B4-BE49-F238E27FC236}">
-                      <a16:creationId xmlns:a16="http://schemas.microsoft.com/office/drawing/2014/main" id="{CAC1EF8E-C0B9-5DD4-49BE-2130BF6873C2}"/>
-                    </a:ext>
-                  </a:extLst>
-                </p14:cNvPr>
-                <p14:cNvContentPartPr/>
-                <p14:nvPr/>
-              </p14:nvContentPartPr>
-              <p14:xfrm>
-                <a:off x="4766082" y="4591072"/>
-                <a:ext cx="360" cy="444600"/>
-              </p14:xfrm>
-            </p:contentPart>
-          </mc:Choice>
-          <mc:Fallback xmlns="">
-            <p:pic>
-              <p:nvPicPr>
-                <p:cNvPr id="32" name="Ink 31">
-                  <a:extLst>
-                    <a:ext uri="{FF2B5EF4-FFF2-40B4-BE49-F238E27FC236}">
-                      <a16:creationId xmlns:a16="http://schemas.microsoft.com/office/drawing/2014/main" id="{CAC1EF8E-C0B9-5DD4-49BE-2130BF6873C2}"/>
-                    </a:ext>
-                  </a:extLst>
-                </p:cNvPr>
-                <p:cNvPicPr/>
-                <p:nvPr/>
-              </p:nvPicPr>
-              <p:blipFill>
-                <a:blip r:embed="rId19"/>
-                <a:stretch>
-                  <a:fillRect/>
-                </a:stretch>
-              </p:blipFill>
-              <p:spPr>
-                <a:xfrm>
-                  <a:off x="4757082" y="4582432"/>
-                  <a:ext cx="18000" cy="462240"/>
-                </a:xfrm>
-                <a:prstGeom prst="rect">
-                  <a:avLst/>
-                </a:prstGeom>
-              </p:spPr>
-            </p:pic>
-          </mc:Fallback>
-        </mc:AlternateContent>
-        <mc:AlternateContent xmlns:mc="http://schemas.openxmlformats.org/markup-compatibility/2006" xmlns:p14="http://schemas.microsoft.com/office/powerpoint/2010/main">
-          <mc:Choice Requires="p14">
-            <p:contentPart p14:bwMode="auto" r:id="rId20">
-              <p14:nvContentPartPr>
-                <p14:cNvPr id="33" name="Ink 32">
-                  <a:extLst>
-                    <a:ext uri="{FF2B5EF4-FFF2-40B4-BE49-F238E27FC236}">
-                      <a16:creationId xmlns:a16="http://schemas.microsoft.com/office/drawing/2014/main" id="{90E86851-AABC-0D72-C11A-0219B3D0A1B5}"/>
-                    </a:ext>
-                  </a:extLst>
-                </p14:cNvPr>
-                <p14:cNvContentPartPr/>
-                <p14:nvPr/>
-              </p14:nvContentPartPr>
-              <p14:xfrm>
-                <a:off x="4766082" y="5334832"/>
-                <a:ext cx="360" cy="524160"/>
-              </p14:xfrm>
-            </p:contentPart>
-          </mc:Choice>
-          <mc:Fallback xmlns="">
-            <p:pic>
-              <p:nvPicPr>
-                <p:cNvPr id="33" name="Ink 32">
-                  <a:extLst>
-                    <a:ext uri="{FF2B5EF4-FFF2-40B4-BE49-F238E27FC236}">
-                      <a16:creationId xmlns:a16="http://schemas.microsoft.com/office/drawing/2014/main" id="{90E86851-AABC-0D72-C11A-0219B3D0A1B5}"/>
-                    </a:ext>
-                  </a:extLst>
-                </p:cNvPr>
-                <p:cNvPicPr/>
-                <p:nvPr/>
-              </p:nvPicPr>
-              <p:blipFill>
-                <a:blip r:embed="rId21"/>
-                <a:stretch>
-                  <a:fillRect/>
-                </a:stretch>
-              </p:blipFill>
-              <p:spPr>
-                <a:xfrm>
-                  <a:off x="4757082" y="5326192"/>
-                  <a:ext cx="18000" cy="541800"/>
-                </a:xfrm>
-                <a:prstGeom prst="rect">
-                  <a:avLst/>
-                </a:prstGeom>
-              </p:spPr>
-            </p:pic>
-          </mc:Fallback>
-        </mc:AlternateContent>
-      </p:grpSp>
-      <p:grpSp>
-        <p:nvGrpSpPr>
-          <p:cNvPr id="40" name="Group 39">
-            <a:extLst>
-              <a:ext uri="{FF2B5EF4-FFF2-40B4-BE49-F238E27FC236}">
-                <a16:creationId xmlns:a16="http://schemas.microsoft.com/office/drawing/2014/main" id="{D7DC293D-F7CD-F1AF-EA5C-70B20EDB57A4}"/>
-              </a:ext>
-            </a:extLst>
-          </p:cNvPr>
-          <p:cNvGrpSpPr/>
-          <p:nvPr/>
-        </p:nvGrpSpPr>
-        <p:grpSpPr>
-          <a:xfrm>
-            <a:off x="1361202" y="3984112"/>
-            <a:ext cx="3255480" cy="360"/>
-            <a:chOff x="1361202" y="3984112"/>
-            <a:chExt cx="3255480" cy="360"/>
-          </a:xfrm>
-        </p:grpSpPr>
-        <mc:AlternateContent xmlns:mc="http://schemas.openxmlformats.org/markup-compatibility/2006" xmlns:p14="http://schemas.microsoft.com/office/powerpoint/2010/main">
-          <mc:Choice Requires="p14">
-            <p:contentPart p14:bwMode="auto" r:id="rId22">
-              <p14:nvContentPartPr>
-                <p14:cNvPr id="35" name="Ink 34">
-                  <a:extLst>
-                    <a:ext uri="{FF2B5EF4-FFF2-40B4-BE49-F238E27FC236}">
-                      <a16:creationId xmlns:a16="http://schemas.microsoft.com/office/drawing/2014/main" id="{37E97B4F-B31E-FC65-6FBD-C9AE720F1682}"/>
-                    </a:ext>
-                  </a:extLst>
-                </p14:cNvPr>
-                <p14:cNvContentPartPr/>
-                <p14:nvPr/>
-              </p14:nvContentPartPr>
-              <p14:xfrm>
-                <a:off x="4314642" y="3984112"/>
-                <a:ext cx="302040" cy="360"/>
-              </p14:xfrm>
-            </p:contentPart>
-          </mc:Choice>
-          <mc:Fallback xmlns="">
-            <p:pic>
-              <p:nvPicPr>
-                <p:cNvPr id="35" name="Ink 34">
-                  <a:extLst>
-                    <a:ext uri="{FF2B5EF4-FFF2-40B4-BE49-F238E27FC236}">
-                      <a16:creationId xmlns:a16="http://schemas.microsoft.com/office/drawing/2014/main" id="{37E97B4F-B31E-FC65-6FBD-C9AE720F1682}"/>
-                    </a:ext>
-                  </a:extLst>
-                </p:cNvPr>
-                <p:cNvPicPr/>
-                <p:nvPr/>
-              </p:nvPicPr>
-              <p:blipFill>
-                <a:blip r:embed="rId23"/>
-                <a:stretch>
-                  <a:fillRect/>
-                </a:stretch>
-              </p:blipFill>
-              <p:spPr>
-                <a:xfrm>
-                  <a:off x="4305642" y="3975112"/>
-                  <a:ext cx="319680" cy="18000"/>
-                </a:xfrm>
-                <a:prstGeom prst="rect">
-                  <a:avLst/>
-                </a:prstGeom>
-              </p:spPr>
-            </p:pic>
-          </mc:Fallback>
-        </mc:AlternateContent>
-        <mc:AlternateContent xmlns:mc="http://schemas.openxmlformats.org/markup-compatibility/2006" xmlns:p14="http://schemas.microsoft.com/office/powerpoint/2010/main">
-          <mc:Choice Requires="p14">
-            <p:contentPart p14:bwMode="auto" r:id="rId24">
-              <p14:nvContentPartPr>
-                <p14:cNvPr id="36" name="Ink 35">
-                  <a:extLst>
-                    <a:ext uri="{FF2B5EF4-FFF2-40B4-BE49-F238E27FC236}">
-                      <a16:creationId xmlns:a16="http://schemas.microsoft.com/office/drawing/2014/main" id="{217BF8CD-6C20-17D4-BFD3-1F6F9E769659}"/>
-                    </a:ext>
-                  </a:extLst>
-                </p14:cNvPr>
-                <p14:cNvContentPartPr/>
-                <p14:nvPr/>
-              </p14:nvContentPartPr>
-              <p14:xfrm>
-                <a:off x="3619842" y="3984112"/>
-                <a:ext cx="333720" cy="360"/>
-              </p14:xfrm>
-            </p:contentPart>
-          </mc:Choice>
-          <mc:Fallback xmlns="">
-            <p:pic>
-              <p:nvPicPr>
-                <p:cNvPr id="36" name="Ink 35">
-                  <a:extLst>
-                    <a:ext uri="{FF2B5EF4-FFF2-40B4-BE49-F238E27FC236}">
-                      <a16:creationId xmlns:a16="http://schemas.microsoft.com/office/drawing/2014/main" id="{217BF8CD-6C20-17D4-BFD3-1F6F9E769659}"/>
-                    </a:ext>
-                  </a:extLst>
-                </p:cNvPr>
-                <p:cNvPicPr/>
-                <p:nvPr/>
-              </p:nvPicPr>
-              <p:blipFill>
-                <a:blip r:embed="rId25"/>
-                <a:stretch>
-                  <a:fillRect/>
-                </a:stretch>
-              </p:blipFill>
-              <p:spPr>
-                <a:xfrm>
-                  <a:off x="3610842" y="3975112"/>
-                  <a:ext cx="351360" cy="18000"/>
-                </a:xfrm>
-                <a:prstGeom prst="rect">
-                  <a:avLst/>
-                </a:prstGeom>
-              </p:spPr>
-            </p:pic>
-          </mc:Fallback>
-        </mc:AlternateContent>
-        <mc:AlternateContent xmlns:mc="http://schemas.openxmlformats.org/markup-compatibility/2006" xmlns:p14="http://schemas.microsoft.com/office/powerpoint/2010/main">
-          <mc:Choice Requires="p14">
-            <p:contentPart p14:bwMode="auto" r:id="rId26">
-              <p14:nvContentPartPr>
-                <p14:cNvPr id="37" name="Ink 36">
-                  <a:extLst>
-                    <a:ext uri="{FF2B5EF4-FFF2-40B4-BE49-F238E27FC236}">
-                      <a16:creationId xmlns:a16="http://schemas.microsoft.com/office/drawing/2014/main" id="{52058798-BC8C-04DB-4FCC-10C03A168EF5}"/>
-                    </a:ext>
-                  </a:extLst>
-                </p14:cNvPr>
-                <p14:cNvContentPartPr/>
-                <p14:nvPr/>
-              </p14:nvContentPartPr>
-              <p14:xfrm>
-                <a:off x="2859522" y="3984112"/>
-                <a:ext cx="453240" cy="360"/>
-              </p14:xfrm>
-            </p:contentPart>
-          </mc:Choice>
-          <mc:Fallback xmlns="">
-            <p:pic>
-              <p:nvPicPr>
-                <p:cNvPr id="37" name="Ink 36">
-                  <a:extLst>
-                    <a:ext uri="{FF2B5EF4-FFF2-40B4-BE49-F238E27FC236}">
-                      <a16:creationId xmlns:a16="http://schemas.microsoft.com/office/drawing/2014/main" id="{52058798-BC8C-04DB-4FCC-10C03A168EF5}"/>
-                    </a:ext>
-                  </a:extLst>
-                </p:cNvPr>
-                <p:cNvPicPr/>
-                <p:nvPr/>
-              </p:nvPicPr>
-              <p:blipFill>
-                <a:blip r:embed="rId27"/>
-                <a:stretch>
-                  <a:fillRect/>
-                </a:stretch>
-              </p:blipFill>
-              <p:spPr>
-                <a:xfrm>
-                  <a:off x="2850522" y="3975112"/>
-                  <a:ext cx="470880" cy="18000"/>
-                </a:xfrm>
-                <a:prstGeom prst="rect">
-                  <a:avLst/>
-                </a:prstGeom>
-              </p:spPr>
-            </p:pic>
-          </mc:Fallback>
-        </mc:AlternateContent>
-        <mc:AlternateContent xmlns:mc="http://schemas.openxmlformats.org/markup-compatibility/2006" xmlns:p14="http://schemas.microsoft.com/office/powerpoint/2010/main">
-          <mc:Choice Requires="p14">
-            <p:contentPart p14:bwMode="auto" r:id="rId28">
-              <p14:nvContentPartPr>
-                <p14:cNvPr id="38" name="Ink 37">
-                  <a:extLst>
-                    <a:ext uri="{FF2B5EF4-FFF2-40B4-BE49-F238E27FC236}">
-                      <a16:creationId xmlns:a16="http://schemas.microsoft.com/office/drawing/2014/main" id="{34B505B6-46BB-80A5-582D-24C6360CF6F3}"/>
-                    </a:ext>
-                  </a:extLst>
-                </p14:cNvPr>
-                <p14:cNvContentPartPr/>
-                <p14:nvPr/>
-              </p14:nvContentPartPr>
-              <p14:xfrm>
-                <a:off x="2151402" y="3984112"/>
-                <a:ext cx="432000" cy="360"/>
-              </p14:xfrm>
-            </p:contentPart>
-          </mc:Choice>
-          <mc:Fallback xmlns="">
-            <p:pic>
-              <p:nvPicPr>
-                <p:cNvPr id="38" name="Ink 37">
-                  <a:extLst>
-                    <a:ext uri="{FF2B5EF4-FFF2-40B4-BE49-F238E27FC236}">
-                      <a16:creationId xmlns:a16="http://schemas.microsoft.com/office/drawing/2014/main" id="{34B505B6-46BB-80A5-582D-24C6360CF6F3}"/>
-                    </a:ext>
-                  </a:extLst>
-                </p:cNvPr>
-                <p:cNvPicPr/>
-                <p:nvPr/>
-              </p:nvPicPr>
-              <p:blipFill>
-                <a:blip r:embed="rId29"/>
-                <a:stretch>
-                  <a:fillRect/>
-                </a:stretch>
-              </p:blipFill>
-              <p:spPr>
-                <a:xfrm>
-                  <a:off x="2142762" y="3975112"/>
-                  <a:ext cx="449640" cy="18000"/>
-                </a:xfrm>
-                <a:prstGeom prst="rect">
-                  <a:avLst/>
-                </a:prstGeom>
-              </p:spPr>
-            </p:pic>
-          </mc:Fallback>
-        </mc:AlternateContent>
-        <mc:AlternateContent xmlns:mc="http://schemas.openxmlformats.org/markup-compatibility/2006" xmlns:p14="http://schemas.microsoft.com/office/powerpoint/2010/main">
-          <mc:Choice Requires="p14">
-            <p:contentPart p14:bwMode="auto" r:id="rId30">
-              <p14:nvContentPartPr>
-                <p14:cNvPr id="39" name="Ink 38">
-                  <a:extLst>
-                    <a:ext uri="{FF2B5EF4-FFF2-40B4-BE49-F238E27FC236}">
-                      <a16:creationId xmlns:a16="http://schemas.microsoft.com/office/drawing/2014/main" id="{5A0B4D00-7CBA-D94A-0EE4-87D286DD8C9A}"/>
-                    </a:ext>
-                  </a:extLst>
-                </p14:cNvPr>
-                <p14:cNvContentPartPr/>
-                <p14:nvPr/>
-              </p14:nvContentPartPr>
-              <p14:xfrm>
-                <a:off x="1361202" y="3984112"/>
-                <a:ext cx="417960" cy="360"/>
-              </p14:xfrm>
-            </p:contentPart>
-          </mc:Choice>
-          <mc:Fallback xmlns="">
-            <p:pic>
-              <p:nvPicPr>
-                <p:cNvPr id="39" name="Ink 38">
-                  <a:extLst>
-                    <a:ext uri="{FF2B5EF4-FFF2-40B4-BE49-F238E27FC236}">
-                      <a16:creationId xmlns:a16="http://schemas.microsoft.com/office/drawing/2014/main" id="{5A0B4D00-7CBA-D94A-0EE4-87D286DD8C9A}"/>
-                    </a:ext>
-                  </a:extLst>
-                </p:cNvPr>
-                <p:cNvPicPr/>
-                <p:nvPr/>
-              </p:nvPicPr>
-              <p:blipFill>
-                <a:blip r:embed="rId31"/>
-                <a:stretch>
-                  <a:fillRect/>
-                </a:stretch>
-              </p:blipFill>
-              <p:spPr>
-                <a:xfrm>
-                  <a:off x="1352562" y="3975112"/>
-                  <a:ext cx="435600" cy="18000"/>
-                </a:xfrm>
-                <a:prstGeom prst="rect">
-                  <a:avLst/>
-                </a:prstGeom>
-              </p:spPr>
-            </p:pic>
-          </mc:Fallback>
-        </mc:AlternateContent>
-      </p:grpSp>
-      <p:grpSp>
-        <p:nvGrpSpPr>
-          <p:cNvPr id="43" name="Group 42">
-            <a:extLst>
-              <a:ext uri="{FF2B5EF4-FFF2-40B4-BE49-F238E27FC236}">
-                <a16:creationId xmlns:a16="http://schemas.microsoft.com/office/drawing/2014/main" id="{BEC265A3-A56E-B71B-7E64-621B69587B4A}"/>
-              </a:ext>
-            </a:extLst>
-          </p:cNvPr>
-          <p:cNvGrpSpPr/>
-          <p:nvPr/>
-        </p:nvGrpSpPr>
-        <p:grpSpPr>
-          <a:xfrm>
-            <a:off x="1228002" y="1303192"/>
-            <a:ext cx="6710400" cy="3574080"/>
-            <a:chOff x="1228002" y="1303192"/>
-            <a:chExt cx="6710400" cy="3574080"/>
-          </a:xfrm>
-        </p:grpSpPr>
-        <mc:AlternateContent xmlns:mc="http://schemas.openxmlformats.org/markup-compatibility/2006" xmlns:p14="http://schemas.microsoft.com/office/powerpoint/2010/main">
-          <mc:Choice Requires="p14">
-            <p:contentPart p14:bwMode="auto" r:id="rId32">
-              <p14:nvContentPartPr>
-                <p14:cNvPr id="19" name="Ink 18">
-                  <a:extLst>
-                    <a:ext uri="{FF2B5EF4-FFF2-40B4-BE49-F238E27FC236}">
-                      <a16:creationId xmlns:a16="http://schemas.microsoft.com/office/drawing/2014/main" id="{714EB1F1-DFB4-3260-CCE7-F9C0CED76FEB}"/>
-                    </a:ext>
-                  </a:extLst>
-                </p14:cNvPr>
-                <p14:cNvContentPartPr/>
-                <p14:nvPr/>
-              </p14:nvContentPartPr>
-              <p14:xfrm>
-                <a:off x="3429042" y="3540952"/>
-                <a:ext cx="360" cy="162000"/>
-              </p14:xfrm>
-            </p:contentPart>
-          </mc:Choice>
-          <mc:Fallback xmlns="">
-            <p:pic>
-              <p:nvPicPr>
-                <p:cNvPr id="19" name="Ink 18">
-                  <a:extLst>
-                    <a:ext uri="{FF2B5EF4-FFF2-40B4-BE49-F238E27FC236}">
-                      <a16:creationId xmlns:a16="http://schemas.microsoft.com/office/drawing/2014/main" id="{714EB1F1-DFB4-3260-CCE7-F9C0CED76FEB}"/>
-                    </a:ext>
-                  </a:extLst>
-                </p:cNvPr>
-                <p:cNvPicPr/>
-                <p:nvPr/>
-              </p:nvPicPr>
-              <p:blipFill>
-                <a:blip r:embed="rId33"/>
-                <a:stretch>
-                  <a:fillRect/>
-                </a:stretch>
-              </p:blipFill>
-              <p:spPr>
-                <a:xfrm>
-                  <a:off x="3420402" y="3531952"/>
-                  <a:ext cx="18000" cy="179640"/>
-                </a:xfrm>
-                <a:prstGeom prst="rect">
-                  <a:avLst/>
-                </a:prstGeom>
-              </p:spPr>
-            </p:pic>
-          </mc:Fallback>
-        </mc:AlternateContent>
-        <mc:AlternateContent xmlns:mc="http://schemas.openxmlformats.org/markup-compatibility/2006" xmlns:p14="http://schemas.microsoft.com/office/powerpoint/2010/main">
-          <mc:Choice Requires="p14">
-            <p:contentPart p14:bwMode="auto" r:id="rId34">
-              <p14:nvContentPartPr>
-                <p14:cNvPr id="20" name="Ink 19">
-                  <a:extLst>
-                    <a:ext uri="{FF2B5EF4-FFF2-40B4-BE49-F238E27FC236}">
-                      <a16:creationId xmlns:a16="http://schemas.microsoft.com/office/drawing/2014/main" id="{91E4D097-90DC-28B4-C213-B901EBEBC74E}"/>
-                    </a:ext>
-                  </a:extLst>
-                </p14:cNvPr>
-                <p14:cNvContentPartPr/>
-                <p14:nvPr/>
-              </p14:nvContentPartPr>
-              <p14:xfrm>
-                <a:off x="3429042" y="3983752"/>
-                <a:ext cx="360" cy="171360"/>
-              </p14:xfrm>
-            </p:contentPart>
-          </mc:Choice>
-          <mc:Fallback xmlns="">
-            <p:pic>
-              <p:nvPicPr>
-                <p:cNvPr id="20" name="Ink 19">
-                  <a:extLst>
-                    <a:ext uri="{FF2B5EF4-FFF2-40B4-BE49-F238E27FC236}">
-                      <a16:creationId xmlns:a16="http://schemas.microsoft.com/office/drawing/2014/main" id="{91E4D097-90DC-28B4-C213-B901EBEBC74E}"/>
-                    </a:ext>
-                  </a:extLst>
-                </p:cNvPr>
-                <p:cNvPicPr/>
-                <p:nvPr/>
-              </p:nvPicPr>
-              <p:blipFill>
-                <a:blip r:embed="rId35"/>
-                <a:stretch>
-                  <a:fillRect/>
-                </a:stretch>
-              </p:blipFill>
-              <p:spPr>
-                <a:xfrm>
-                  <a:off x="3420402" y="3975112"/>
-                  <a:ext cx="18000" cy="189000"/>
-                </a:xfrm>
-                <a:prstGeom prst="rect">
-                  <a:avLst/>
-                </a:prstGeom>
-              </p:spPr>
-            </p:pic>
-          </mc:Fallback>
-        </mc:AlternateContent>
-        <mc:AlternateContent xmlns:mc="http://schemas.openxmlformats.org/markup-compatibility/2006" xmlns:p14="http://schemas.microsoft.com/office/powerpoint/2010/main">
-          <mc:Choice Requires="p14">
-            <p:contentPart p14:bwMode="auto" r:id="rId36">
-              <p14:nvContentPartPr>
-                <p14:cNvPr id="21" name="Ink 20">
-                  <a:extLst>
-                    <a:ext uri="{FF2B5EF4-FFF2-40B4-BE49-F238E27FC236}">
-                      <a16:creationId xmlns:a16="http://schemas.microsoft.com/office/drawing/2014/main" id="{10852FF5-FB53-4B6A-5E64-884B7CDC6C6D}"/>
-                    </a:ext>
-                  </a:extLst>
-                </p14:cNvPr>
-                <p14:cNvContentPartPr/>
-                <p14:nvPr/>
-              </p14:nvContentPartPr>
-              <p14:xfrm>
-                <a:off x="3429042" y="4525192"/>
-                <a:ext cx="360" cy="352080"/>
-              </p14:xfrm>
-            </p:contentPart>
-          </mc:Choice>
-          <mc:Fallback xmlns="">
-            <p:pic>
-              <p:nvPicPr>
-                <p:cNvPr id="21" name="Ink 20">
-                  <a:extLst>
-                    <a:ext uri="{FF2B5EF4-FFF2-40B4-BE49-F238E27FC236}">
-                      <a16:creationId xmlns:a16="http://schemas.microsoft.com/office/drawing/2014/main" id="{10852FF5-FB53-4B6A-5E64-884B7CDC6C6D}"/>
-                    </a:ext>
-                  </a:extLst>
-                </p:cNvPr>
-                <p:cNvPicPr/>
-                <p:nvPr/>
-              </p:nvPicPr>
-              <p:blipFill>
-                <a:blip r:embed="rId37"/>
-                <a:stretch>
-                  <a:fillRect/>
-                </a:stretch>
-              </p:blipFill>
-              <p:spPr>
-                <a:xfrm>
-                  <a:off x="3420402" y="4516552"/>
-                  <a:ext cx="18000" cy="369720"/>
-                </a:xfrm>
-                <a:prstGeom prst="rect">
-                  <a:avLst/>
-                </a:prstGeom>
-              </p:spPr>
-            </p:pic>
-          </mc:Fallback>
-        </mc:AlternateContent>
-        <mc:AlternateContent xmlns:mc="http://schemas.openxmlformats.org/markup-compatibility/2006" xmlns:p14="http://schemas.microsoft.com/office/powerpoint/2010/main">
-          <mc:Choice Requires="p14">
-            <p:contentPart p14:bwMode="auto" r:id="rId38">
-              <p14:nvContentPartPr>
-                <p14:cNvPr id="24" name="Ink 23">
-                  <a:extLst>
-                    <a:ext uri="{FF2B5EF4-FFF2-40B4-BE49-F238E27FC236}">
-                      <a16:creationId xmlns:a16="http://schemas.microsoft.com/office/drawing/2014/main" id="{DDCE8411-1F74-EC97-BBAB-41BBBD9E98D8}"/>
-                    </a:ext>
-                  </a:extLst>
-                </p14:cNvPr>
-                <p14:cNvContentPartPr/>
-                <p14:nvPr/>
-              </p14:nvContentPartPr>
-              <p14:xfrm>
-                <a:off x="3125202" y="3520792"/>
-                <a:ext cx="225360" cy="360"/>
-              </p14:xfrm>
-            </p:contentPart>
-          </mc:Choice>
-          <mc:Fallback xmlns="">
-            <p:pic>
-              <p:nvPicPr>
-                <p:cNvPr id="24" name="Ink 23">
-                  <a:extLst>
-                    <a:ext uri="{FF2B5EF4-FFF2-40B4-BE49-F238E27FC236}">
-                      <a16:creationId xmlns:a16="http://schemas.microsoft.com/office/drawing/2014/main" id="{DDCE8411-1F74-EC97-BBAB-41BBBD9E98D8}"/>
-                    </a:ext>
-                  </a:extLst>
-                </p:cNvPr>
-                <p:cNvPicPr/>
-                <p:nvPr/>
-              </p:nvPicPr>
-              <p:blipFill>
-                <a:blip r:embed="rId39"/>
-                <a:stretch>
-                  <a:fillRect/>
-                </a:stretch>
-              </p:blipFill>
-              <p:spPr>
-                <a:xfrm>
-                  <a:off x="3116202" y="3512152"/>
-                  <a:ext cx="243000" cy="18000"/>
-                </a:xfrm>
-                <a:prstGeom prst="rect">
-                  <a:avLst/>
-                </a:prstGeom>
-              </p:spPr>
-            </p:pic>
-          </mc:Fallback>
-        </mc:AlternateContent>
-        <mc:AlternateContent xmlns:mc="http://schemas.openxmlformats.org/markup-compatibility/2006" xmlns:p14="http://schemas.microsoft.com/office/powerpoint/2010/main">
-          <mc:Choice Requires="p14">
-            <p:contentPart p14:bwMode="auto" r:id="rId40">
-              <p14:nvContentPartPr>
-                <p14:cNvPr id="25" name="Ink 24">
-                  <a:extLst>
-                    <a:ext uri="{FF2B5EF4-FFF2-40B4-BE49-F238E27FC236}">
-                      <a16:creationId xmlns:a16="http://schemas.microsoft.com/office/drawing/2014/main" id="{23C3A58F-C967-E00D-E407-B9A4D86AF808}"/>
-                    </a:ext>
-                  </a:extLst>
-                </p14:cNvPr>
-                <p14:cNvContentPartPr/>
-                <p14:nvPr/>
-              </p14:nvContentPartPr>
-              <p14:xfrm>
-                <a:off x="2216922" y="3520792"/>
-                <a:ext cx="388440" cy="360"/>
-              </p14:xfrm>
-            </p:contentPart>
-          </mc:Choice>
-          <mc:Fallback xmlns="">
-            <p:pic>
-              <p:nvPicPr>
-                <p:cNvPr id="25" name="Ink 24">
-                  <a:extLst>
-                    <a:ext uri="{FF2B5EF4-FFF2-40B4-BE49-F238E27FC236}">
-                      <a16:creationId xmlns:a16="http://schemas.microsoft.com/office/drawing/2014/main" id="{23C3A58F-C967-E00D-E407-B9A4D86AF808}"/>
-                    </a:ext>
-                  </a:extLst>
-                </p:cNvPr>
-                <p:cNvPicPr/>
-                <p:nvPr/>
-              </p:nvPicPr>
-              <p:blipFill>
-                <a:blip r:embed="rId41"/>
-                <a:stretch>
-                  <a:fillRect/>
-                </a:stretch>
-              </p:blipFill>
-              <p:spPr>
-                <a:xfrm>
-                  <a:off x="2208282" y="3512152"/>
-                  <a:ext cx="406080" cy="18000"/>
-                </a:xfrm>
-                <a:prstGeom prst="rect">
-                  <a:avLst/>
-                </a:prstGeom>
-              </p:spPr>
-            </p:pic>
-          </mc:Fallback>
-        </mc:AlternateContent>
-        <mc:AlternateContent xmlns:mc="http://schemas.openxmlformats.org/markup-compatibility/2006" xmlns:p14="http://schemas.microsoft.com/office/powerpoint/2010/main">
-          <mc:Choice Requires="p14">
-            <p:contentPart p14:bwMode="auto" r:id="rId42">
-              <p14:nvContentPartPr>
-                <p14:cNvPr id="27" name="Ink 26">
-                  <a:extLst>
-                    <a:ext uri="{FF2B5EF4-FFF2-40B4-BE49-F238E27FC236}">
-                      <a16:creationId xmlns:a16="http://schemas.microsoft.com/office/drawing/2014/main" id="{F29A852E-0B43-4ADA-25DC-32B29C5330B4}"/>
-                    </a:ext>
-                  </a:extLst>
-                </p14:cNvPr>
-                <p14:cNvContentPartPr/>
-                <p14:nvPr/>
-              </p14:nvContentPartPr>
-              <p14:xfrm>
-                <a:off x="1768362" y="3520792"/>
-                <a:ext cx="232200" cy="360"/>
-              </p14:xfrm>
-            </p:contentPart>
-          </mc:Choice>
-          <mc:Fallback xmlns="">
-            <p:pic>
-              <p:nvPicPr>
-                <p:cNvPr id="27" name="Ink 26">
-                  <a:extLst>
-                    <a:ext uri="{FF2B5EF4-FFF2-40B4-BE49-F238E27FC236}">
-                      <a16:creationId xmlns:a16="http://schemas.microsoft.com/office/drawing/2014/main" id="{F29A852E-0B43-4ADA-25DC-32B29C5330B4}"/>
-                    </a:ext>
-                  </a:extLst>
-                </p:cNvPr>
-                <p:cNvPicPr/>
-                <p:nvPr/>
-              </p:nvPicPr>
-              <p:blipFill>
-                <a:blip r:embed="rId43"/>
-                <a:stretch>
-                  <a:fillRect/>
-                </a:stretch>
-              </p:blipFill>
-              <p:spPr>
-                <a:xfrm>
-                  <a:off x="1759362" y="3512152"/>
-                  <a:ext cx="249840" cy="18000"/>
-                </a:xfrm>
-                <a:prstGeom prst="rect">
-                  <a:avLst/>
-                </a:prstGeom>
-              </p:spPr>
-            </p:pic>
-          </mc:Fallback>
-        </mc:AlternateContent>
-        <mc:AlternateContent xmlns:mc="http://schemas.openxmlformats.org/markup-compatibility/2006" xmlns:p14="http://schemas.microsoft.com/office/powerpoint/2010/main">
-          <mc:Choice Requires="p14">
-            <p:contentPart p14:bwMode="auto" r:id="rId44">
-              <p14:nvContentPartPr>
-                <p14:cNvPr id="28" name="Ink 27">
-                  <a:extLst>
-                    <a:ext uri="{FF2B5EF4-FFF2-40B4-BE49-F238E27FC236}">
-                      <a16:creationId xmlns:a16="http://schemas.microsoft.com/office/drawing/2014/main" id="{D3ED3D44-09C4-8249-6F50-BF6BF2D307C9}"/>
-                    </a:ext>
-                  </a:extLst>
-                </p14:cNvPr>
-                <p14:cNvContentPartPr/>
-                <p14:nvPr/>
-              </p14:nvContentPartPr>
-              <p14:xfrm>
-                <a:off x="1228002" y="3520792"/>
-                <a:ext cx="371520" cy="360"/>
-              </p14:xfrm>
-            </p:contentPart>
-          </mc:Choice>
-          <mc:Fallback xmlns="">
-            <p:pic>
-              <p:nvPicPr>
-                <p:cNvPr id="28" name="Ink 27">
-                  <a:extLst>
-                    <a:ext uri="{FF2B5EF4-FFF2-40B4-BE49-F238E27FC236}">
-                      <a16:creationId xmlns:a16="http://schemas.microsoft.com/office/drawing/2014/main" id="{D3ED3D44-09C4-8249-6F50-BF6BF2D307C9}"/>
-                    </a:ext>
-                  </a:extLst>
-                </p:cNvPr>
-                <p:cNvPicPr/>
-                <p:nvPr/>
-              </p:nvPicPr>
-              <p:blipFill>
-                <a:blip r:embed="rId45"/>
-                <a:stretch>
-                  <a:fillRect/>
-                </a:stretch>
-              </p:blipFill>
-              <p:spPr>
-                <a:xfrm>
-                  <a:off x="1219362" y="3512152"/>
-                  <a:ext cx="389160" cy="18000"/>
-                </a:xfrm>
-                <a:prstGeom prst="rect">
-                  <a:avLst/>
-                </a:prstGeom>
-              </p:spPr>
-            </p:pic>
-          </mc:Fallback>
-        </mc:AlternateContent>
-        <mc:AlternateContent xmlns:mc="http://schemas.openxmlformats.org/markup-compatibility/2006" xmlns:p14="http://schemas.microsoft.com/office/powerpoint/2010/main">
-          <mc:Choice Requires="p14">
-            <p:contentPart p14:bwMode="auto" r:id="rId46">
-              <p14:nvContentPartPr>
-                <p14:cNvPr id="41" name="Ink 40">
-                  <a:extLst>
-                    <a:ext uri="{FF2B5EF4-FFF2-40B4-BE49-F238E27FC236}">
-                      <a16:creationId xmlns:a16="http://schemas.microsoft.com/office/drawing/2014/main" id="{6041BAD2-BE69-448E-DCCF-37884B9DDA1C}"/>
-                    </a:ext>
-                  </a:extLst>
-                </p14:cNvPr>
-                <p14:cNvContentPartPr/>
-                <p14:nvPr/>
-              </p14:nvContentPartPr>
-              <p14:xfrm>
-                <a:off x="3161922" y="1303192"/>
-                <a:ext cx="1690920" cy="2641680"/>
-              </p14:xfrm>
-            </p:contentPart>
-          </mc:Choice>
-          <mc:Fallback xmlns="">
-            <p:pic>
-              <p:nvPicPr>
-                <p:cNvPr id="41" name="Ink 40">
-                  <a:extLst>
-                    <a:ext uri="{FF2B5EF4-FFF2-40B4-BE49-F238E27FC236}">
-                      <a16:creationId xmlns:a16="http://schemas.microsoft.com/office/drawing/2014/main" id="{6041BAD2-BE69-448E-DCCF-37884B9DDA1C}"/>
-                    </a:ext>
-                  </a:extLst>
-                </p:cNvPr>
-                <p:cNvPicPr/>
-                <p:nvPr/>
-              </p:nvPicPr>
-              <p:blipFill>
-                <a:blip r:embed="rId47"/>
-                <a:stretch>
-                  <a:fillRect/>
-                </a:stretch>
-              </p:blipFill>
-              <p:spPr>
-                <a:xfrm>
-                  <a:off x="3152922" y="1294552"/>
-                  <a:ext cx="1708560" cy="2659320"/>
-                </a:xfrm>
-                <a:prstGeom prst="rect">
-                  <a:avLst/>
-                </a:prstGeom>
-              </p:spPr>
-            </p:pic>
-          </mc:Fallback>
-        </mc:AlternateContent>
-        <mc:AlternateContent xmlns:mc="http://schemas.openxmlformats.org/markup-compatibility/2006" xmlns:p14="http://schemas.microsoft.com/office/powerpoint/2010/main">
-          <mc:Choice Requires="p14">
-            <p:contentPart p14:bwMode="auto" r:id="rId48">
-              <p14:nvContentPartPr>
-                <p14:cNvPr id="42" name="Ink 41">
-                  <a:extLst>
-                    <a:ext uri="{FF2B5EF4-FFF2-40B4-BE49-F238E27FC236}">
-                      <a16:creationId xmlns:a16="http://schemas.microsoft.com/office/drawing/2014/main" id="{3F7C9CC1-ADA4-0DE4-C0E8-3F8A503BF294}"/>
-                    </a:ext>
-                  </a:extLst>
-                </p14:cNvPr>
-                <p14:cNvContentPartPr/>
-                <p14:nvPr/>
-              </p14:nvContentPartPr>
-              <p14:xfrm>
-                <a:off x="4661322" y="3865672"/>
-                <a:ext cx="3277080" cy="471240"/>
-              </p14:xfrm>
-            </p:contentPart>
-          </mc:Choice>
-          <mc:Fallback xmlns="">
-            <p:pic>
-              <p:nvPicPr>
-                <p:cNvPr id="42" name="Ink 41">
-                  <a:extLst>
-                    <a:ext uri="{FF2B5EF4-FFF2-40B4-BE49-F238E27FC236}">
-                      <a16:creationId xmlns:a16="http://schemas.microsoft.com/office/drawing/2014/main" id="{3F7C9CC1-ADA4-0DE4-C0E8-3F8A503BF294}"/>
-                    </a:ext>
-                  </a:extLst>
-                </p:cNvPr>
-                <p:cNvPicPr/>
-                <p:nvPr/>
-              </p:nvPicPr>
-              <p:blipFill>
-                <a:blip r:embed="rId49"/>
-                <a:stretch>
-                  <a:fillRect/>
-                </a:stretch>
-              </p:blipFill>
-              <p:spPr>
-                <a:xfrm>
-                  <a:off x="4652322" y="3857032"/>
-                  <a:ext cx="3294720" cy="488880"/>
-                </a:xfrm>
-                <a:prstGeom prst="rect">
-                  <a:avLst/>
-                </a:prstGeom>
-              </p:spPr>
-            </p:pic>
-          </mc:Fallback>
-        </mc:AlternateContent>
-      </p:grpSp>
-      <mc:AlternateContent xmlns:mc="http://schemas.openxmlformats.org/markup-compatibility/2006" xmlns:a14="http://schemas.microsoft.com/office/drawing/2010/main">
-        <mc:Choice Requires="a14">
-          <p:sp>
-            <p:nvSpPr>
-              <p:cNvPr id="44" name="TextBox 43">
-                <a:extLst>
-                  <a:ext uri="{FF2B5EF4-FFF2-40B4-BE49-F238E27FC236}">
-                    <a16:creationId xmlns:a16="http://schemas.microsoft.com/office/drawing/2014/main" id="{17ED5314-A2FA-7879-17CD-3F9F5CC33AF1}"/>
-                  </a:ext>
-                </a:extLst>
-              </p:cNvPr>
-              <p:cNvSpPr txBox="1"/>
-              <p:nvPr/>
-            </p:nvSpPr>
-            <p:spPr>
-              <a:xfrm>
-                <a:off x="209602" y="842487"/>
-                <a:ext cx="1558760" cy="369332"/>
-              </a:xfrm>
-              <a:prstGeom prst="rect">
-                <a:avLst/>
-              </a:prstGeom>
-              <a:noFill/>
-            </p:spPr>
-            <p:txBody>
-              <a:bodyPr wrap="none" rtlCol="0">
-                <a:spAutoFit/>
-              </a:bodyPr>
-              <a:lstStyle/>
-              <a:p>
-                <a:pPr/>
-                <a14:m>
-                  <m:oMathPara xmlns:m="http://schemas.openxmlformats.org/officeDocument/2006/math">
-                    <m:oMathParaPr>
-                      <m:jc m:val="centerGroup"/>
-                    </m:oMathParaPr>
-                    <m:oMath xmlns:m="http://schemas.openxmlformats.org/officeDocument/2006/math">
-                      <m:r>
-                        <a:rPr lang="en-CA" b="0" i="1" smtClean="0">
-                          <a:latin typeface="Cambria Math" panose="02040503050406030204" pitchFamily="18" charset="0"/>
-                        </a:rPr>
-                        <m:t>𝜋</m:t>
-                      </m:r>
-                      <m:r>
-                        <a:rPr lang="en-CA" b="0" i="1" smtClean="0">
-                          <a:latin typeface="Cambria Math" panose="02040503050406030204" pitchFamily="18" charset="0"/>
-                        </a:rPr>
-                        <m:t>=</m:t>
-                      </m:r>
-                      <m:r>
-                        <a:rPr lang="en-CA" b="0" i="1" smtClean="0">
-                          <a:latin typeface="Cambria Math" panose="02040503050406030204" pitchFamily="18" charset="0"/>
-                        </a:rPr>
-                        <m:t>𝑅</m:t>
-                      </m:r>
-                      <m:r>
-                        <a:rPr lang="en-CA" b="0" i="1" smtClean="0">
-                          <a:latin typeface="Cambria Math" panose="02040503050406030204" pitchFamily="18" charset="0"/>
-                        </a:rPr>
-                        <m:t>−</m:t>
-                      </m:r>
-                      <m:r>
-                        <a:rPr lang="en-CA" b="0" i="1" smtClean="0">
-                          <a:latin typeface="Cambria Math" panose="02040503050406030204" pitchFamily="18" charset="0"/>
-                        </a:rPr>
-                        <m:t>𝑐</m:t>
-                      </m:r>
-                      <m:r>
-                        <a:rPr lang="en-CA" b="0" i="1" smtClean="0">
-                          <a:latin typeface="Cambria Math" panose="02040503050406030204" pitchFamily="18" charset="0"/>
-                        </a:rPr>
-                        <m:t>(</m:t>
-                      </m:r>
-                      <m:r>
-                        <a:rPr lang="en-CA" b="0" i="1" smtClean="0">
-                          <a:latin typeface="Cambria Math" panose="02040503050406030204" pitchFamily="18" charset="0"/>
-                        </a:rPr>
-                        <m:t>𝑞</m:t>
-                      </m:r>
-                      <m:r>
-                        <a:rPr lang="en-CA" b="0" i="1" smtClean="0">
-                          <a:latin typeface="Cambria Math" panose="02040503050406030204" pitchFamily="18" charset="0"/>
-                        </a:rPr>
-                        <m:t>)</m:t>
-                      </m:r>
-                    </m:oMath>
-                  </m:oMathPara>
-                </a14:m>
-                <a:endParaRPr lang="en-CA" dirty="0"/>
-              </a:p>
-            </p:txBody>
-          </p:sp>
-        </mc:Choice>
-        <mc:Fallback xmlns="">
-          <p:sp>
-            <p:nvSpPr>
-              <p:cNvPr id="44" name="TextBox 43">
-                <a:extLst>
-                  <a:ext uri="{FF2B5EF4-FFF2-40B4-BE49-F238E27FC236}">
-                    <a16:creationId xmlns:a16="http://schemas.microsoft.com/office/drawing/2014/main" id="{17ED5314-A2FA-7879-17CD-3F9F5CC33AF1}"/>
-                  </a:ext>
-                </a:extLst>
-              </p:cNvPr>
-              <p:cNvSpPr txBox="1">
-                <a:spLocks noRot="1" noChangeAspect="1" noMove="1" noResize="1" noEditPoints="1" noAdjustHandles="1" noChangeArrowheads="1" noChangeShapeType="1" noTextEdit="1"/>
-              </p:cNvSpPr>
-              <p:nvPr/>
-            </p:nvSpPr>
-            <p:spPr>
-              <a:xfrm>
-                <a:off x="209602" y="842487"/>
-                <a:ext cx="1558760" cy="369332"/>
-              </a:xfrm>
-              <a:prstGeom prst="rect">
-                <a:avLst/>
-              </a:prstGeom>
-              <a:blipFill>
-                <a:blip r:embed="rId50"/>
-                <a:stretch>
-                  <a:fillRect b="-16393"/>
-                </a:stretch>
-              </a:blipFill>
-            </p:spPr>
-            <p:txBody>
-              <a:bodyPr/>
-              <a:lstStyle/>
-              <a:p>
-                <a:r>
-                  <a:rPr lang="en-CA">
-                    <a:noFill/>
-                  </a:rPr>
-                  <a:t> </a:t>
-                </a:r>
-              </a:p>
-            </p:txBody>
-          </p:sp>
-        </mc:Fallback>
-      </mc:AlternateContent>
-      <p:sp>
-        <p:nvSpPr>
-          <p:cNvPr id="45" name="TextBox 44">
-            <a:extLst>
-              <a:ext uri="{FF2B5EF4-FFF2-40B4-BE49-F238E27FC236}">
-                <a16:creationId xmlns:a16="http://schemas.microsoft.com/office/drawing/2014/main" id="{018C6F56-A9D4-25A4-AC4F-97F7F49973AA}"/>
-              </a:ext>
-            </a:extLst>
-          </p:cNvPr>
-          <p:cNvSpPr txBox="1"/>
-          <p:nvPr/>
-        </p:nvSpPr>
-        <p:spPr>
-          <a:xfrm>
-            <a:off x="9982200" y="5791200"/>
-            <a:ext cx="457200" cy="369332"/>
-          </a:xfrm>
-          <a:prstGeom prst="rect">
-            <a:avLst/>
-          </a:prstGeom>
-          <a:noFill/>
-        </p:spPr>
-        <p:txBody>
-          <a:bodyPr wrap="square" rtlCol="0">
-            <a:spAutoFit/>
-          </a:bodyPr>
-          <a:lstStyle/>
-          <a:p>
-            <a:r>
-              <a:rPr lang="en-CA" dirty="0"/>
-              <a:t>q</a:t>
-            </a:r>
-          </a:p>
-        </p:txBody>
-      </p:sp>
-    </p:spTree>
-    <p:extLst>
-      <p:ext uri="{BB962C8B-B14F-4D97-AF65-F5344CB8AC3E}">
-        <p14:creationId xmlns:p14="http://schemas.microsoft.com/office/powerpoint/2010/main" val="4259562201"/>
-      </p:ext>
-    </p:extLst>
-  </p:cSld>
-  <p:clrMapOvr>
-    <a:masterClrMapping/>
-  </p:clrMapOvr>
-</p:sld>
-</file>
-
-<file path=ppt/slides/slide28.xml><?xml version="1.0" encoding="utf-8"?>
 <p:sld xmlns:a="http://schemas.openxmlformats.org/drawingml/2006/main" xmlns:r="http://schemas.openxmlformats.org/officeDocument/2006/relationships" xmlns:p="http://schemas.openxmlformats.org/presentationml/2006/main">
   <p:cSld>
     <p:spTree>
@@ -20510,7 +18020,7 @@
 </p:sld>
 </file>
 
-<file path=ppt/slides/slide29.xml><?xml version="1.0" encoding="utf-8"?>
+<file path=ppt/slides/slide28.xml><?xml version="1.0" encoding="utf-8"?>
 <p:sld xmlns:a="http://schemas.openxmlformats.org/drawingml/2006/main" xmlns:r="http://schemas.openxmlformats.org/officeDocument/2006/relationships" xmlns:p="http://schemas.openxmlformats.org/presentationml/2006/main">
   <p:cSld>
     <p:spTree>
@@ -20527,8 +18037,8 @@
           <a:chExt cx="0" cy="0"/>
         </a:xfrm>
       </p:grpSpPr>
-      <mc:AlternateContent xmlns:mc="http://schemas.openxmlformats.org/markup-compatibility/2006" xmlns:a14="http://schemas.microsoft.com/office/drawing/2010/main">
-        <mc:Choice Requires="a14">
+      <mc:AlternateContent xmlns:mc="http://schemas.openxmlformats.org/markup-compatibility/2006">
+        <mc:Choice xmlns:a14="http://schemas.microsoft.com/office/drawing/2010/main" Requires="a14">
           <p:sp>
             <p:nvSpPr>
               <p:cNvPr id="3" name="Content Placeholder 2">
@@ -20775,6 +18285,12 @@
                         <a:rPr lang="en-CA" sz="2400" b="0" i="1" smtClean="0">
                           <a:latin typeface="Cambria Math" panose="02040503050406030204" pitchFamily="18" charset="0"/>
                         </a:rPr>
+                        <m:t>𝑐</m:t>
+                      </m:r>
+                      <m:r>
+                        <a:rPr lang="en-CA" sz="2400" b="0" i="1" smtClean="0">
+                          <a:latin typeface="Cambria Math" panose="02040503050406030204" pitchFamily="18" charset="0"/>
+                        </a:rPr>
                         <m:t>𝑞</m:t>
                       </m:r>
                       <m:r>
@@ -20821,7 +18337,7 @@
             </p:txBody>
           </p:sp>
         </mc:Choice>
-        <mc:Fallback xmlns="">
+        <mc:Fallback>
           <p:sp>
             <p:nvSpPr>
               <p:cNvPr id="3" name="Content Placeholder 2">
@@ -20936,6 +18452,395 @@
     <p:extLst>
       <p:ext uri="{BB962C8B-B14F-4D97-AF65-F5344CB8AC3E}">
         <p14:creationId xmlns:p14="http://schemas.microsoft.com/office/powerpoint/2010/main" val="1537466378"/>
+      </p:ext>
+    </p:extLst>
+  </p:cSld>
+  <p:clrMapOvr>
+    <a:masterClrMapping/>
+  </p:clrMapOvr>
+</p:sld>
+</file>
+
+<file path=ppt/slides/slide29.xml><?xml version="1.0" encoding="utf-8"?>
+<p:sld xmlns:a="http://schemas.openxmlformats.org/drawingml/2006/main" xmlns:r="http://schemas.openxmlformats.org/officeDocument/2006/relationships" xmlns:p="http://schemas.openxmlformats.org/presentationml/2006/main">
+  <p:cSld>
+    <p:spTree>
+      <p:nvGrpSpPr>
+        <p:cNvPr id="1" name=""/>
+        <p:cNvGrpSpPr/>
+        <p:nvPr/>
+      </p:nvGrpSpPr>
+      <p:grpSpPr>
+        <a:xfrm>
+          <a:off x="0" y="0"/>
+          <a:ext cx="0" cy="0"/>
+          <a:chOff x="0" y="0"/>
+          <a:chExt cx="0" cy="0"/>
+        </a:xfrm>
+      </p:grpSpPr>
+      <mc:AlternateContent xmlns:mc="http://schemas.openxmlformats.org/markup-compatibility/2006">
+        <mc:Choice xmlns:a14="http://schemas.microsoft.com/office/drawing/2010/main" Requires="a14">
+          <p:sp>
+            <p:nvSpPr>
+              <p:cNvPr id="3" name="Content Placeholder 2">
+                <a:extLst>
+                  <a:ext uri="{FF2B5EF4-FFF2-40B4-BE49-F238E27FC236}">
+                    <a16:creationId xmlns:a16="http://schemas.microsoft.com/office/drawing/2014/main" id="{2CA9A688-580F-ECC9-5F65-3BC2434DDF2C}"/>
+                  </a:ext>
+                </a:extLst>
+              </p:cNvPr>
+              <p:cNvSpPr>
+                <a:spLocks noGrp="1"/>
+              </p:cNvSpPr>
+              <p:nvPr>
+                <p:ph idx="1"/>
+              </p:nvPr>
+            </p:nvSpPr>
+            <p:spPr>
+              <a:xfrm>
+                <a:off x="609600" y="857052"/>
+                <a:ext cx="9247632" cy="5323086"/>
+              </a:xfrm>
+            </p:spPr>
+            <p:txBody>
+              <a:bodyPr>
+                <a:normAutofit/>
+              </a:bodyPr>
+              <a:lstStyle/>
+              <a:p>
+                <a:r>
+                  <a:rPr lang="en-CA" sz="2400" dirty="0"/>
+                  <a:t>Capitation leads to underinvestment</a:t>
+                </a:r>
+              </a:p>
+              <a:p>
+                <a:r>
+                  <a:rPr lang="en-CA" sz="2400" dirty="0"/>
+                  <a:t>Cost reimbursement/prospective payment/FFS leads to overinvestment</a:t>
+                </a:r>
+              </a:p>
+              <a:p>
+                <a:r>
+                  <a:rPr lang="en-CA" sz="2400" dirty="0"/>
+                  <a:t>Can we </a:t>
+                </a:r>
+                <a:r>
+                  <a:rPr lang="en-CA" sz="2400" b="1" dirty="0"/>
+                  <a:t>split the difference</a:t>
+                </a:r>
+                <a:r>
+                  <a:rPr lang="en-CA" sz="2400" dirty="0"/>
+                  <a:t>?</a:t>
+                </a:r>
+              </a:p>
+              <a:p>
+                <a:r>
+                  <a:rPr lang="en-CA" sz="2400" dirty="0"/>
+                  <a:t>Now consider the fully “mixed payment” model: </a:t>
+                </a:r>
+              </a:p>
+              <a:p>
+                <a:pPr marL="0" indent="0">
+                  <a:buNone/>
+                </a:pPr>
+                <a14:m>
+                  <m:oMathPara xmlns:m="http://schemas.openxmlformats.org/officeDocument/2006/math">
+                    <m:oMathParaPr>
+                      <m:jc m:val="centerGroup"/>
+                    </m:oMathParaPr>
+                    <m:oMath xmlns:m="http://schemas.openxmlformats.org/officeDocument/2006/math">
+                      <m:r>
+                        <a:rPr lang="en-CA" sz="2400" b="0" i="1" smtClean="0">
+                          <a:latin typeface="Cambria Math" panose="02040503050406030204" pitchFamily="18" charset="0"/>
+                        </a:rPr>
+                        <m:t>𝑈</m:t>
+                      </m:r>
+                      <m:r>
+                        <a:rPr lang="en-CA" sz="2400" b="0" i="1" smtClean="0">
+                          <a:latin typeface="Cambria Math" panose="02040503050406030204" pitchFamily="18" charset="0"/>
+                        </a:rPr>
+                        <m:t>=</m:t>
+                      </m:r>
+                      <m:r>
+                        <a:rPr lang="en-CA" sz="2400" b="0" i="1" smtClean="0">
+                          <a:latin typeface="Cambria Math" panose="02040503050406030204" pitchFamily="18" charset="0"/>
+                        </a:rPr>
+                        <m:t>𝑅</m:t>
+                      </m:r>
+                      <m:d>
+                        <m:dPr>
+                          <m:ctrlPr>
+                            <a:rPr lang="en-CA" sz="2400" b="0" i="1" smtClean="0">
+                              <a:latin typeface="Cambria Math" panose="02040503050406030204" pitchFamily="18" charset="0"/>
+                            </a:rPr>
+                          </m:ctrlPr>
+                        </m:dPr>
+                        <m:e>
+                          <m:r>
+                            <a:rPr lang="en-CA" sz="2400" b="0" i="1" smtClean="0">
+                              <a:latin typeface="Cambria Math" panose="02040503050406030204" pitchFamily="18" charset="0"/>
+                            </a:rPr>
+                            <m:t>𝑞</m:t>
+                          </m:r>
+                        </m:e>
+                      </m:d>
+                      <m:r>
+                        <a:rPr lang="en-CA" sz="2400" b="0" i="1" smtClean="0">
+                          <a:latin typeface="Cambria Math" panose="02040503050406030204" pitchFamily="18" charset="0"/>
+                        </a:rPr>
+                        <m:t>−</m:t>
+                      </m:r>
+                      <m:r>
+                        <a:rPr lang="en-CA" sz="2400" b="0" i="1" smtClean="0">
+                          <a:latin typeface="Cambria Math" panose="02040503050406030204" pitchFamily="18" charset="0"/>
+                        </a:rPr>
+                        <m:t>𝐶</m:t>
+                      </m:r>
+                      <m:d>
+                        <m:dPr>
+                          <m:ctrlPr>
+                            <a:rPr lang="en-CA" sz="2400" b="0" i="1" smtClean="0">
+                              <a:latin typeface="Cambria Math" panose="02040503050406030204" pitchFamily="18" charset="0"/>
+                            </a:rPr>
+                          </m:ctrlPr>
+                        </m:dPr>
+                        <m:e>
+                          <m:r>
+                            <a:rPr lang="en-CA" sz="2400" b="0" i="1" smtClean="0">
+                              <a:latin typeface="Cambria Math" panose="02040503050406030204" pitchFamily="18" charset="0"/>
+                            </a:rPr>
+                            <m:t>𝑞</m:t>
+                          </m:r>
+                        </m:e>
+                      </m:d>
+                      <m:r>
+                        <a:rPr lang="en-CA" sz="2400" b="0" i="1" smtClean="0">
+                          <a:latin typeface="Cambria Math" panose="02040503050406030204" pitchFamily="18" charset="0"/>
+                        </a:rPr>
+                        <m:t>+</m:t>
+                      </m:r>
+                      <m:r>
+                        <a:rPr lang="en-CA" sz="2400" b="0" i="1" smtClean="0">
+                          <a:latin typeface="Cambria Math" panose="02040503050406030204" pitchFamily="18" charset="0"/>
+                        </a:rPr>
+                        <m:t>𝛼</m:t>
+                      </m:r>
+                      <m:r>
+                        <a:rPr lang="en-CA" sz="2400" b="0" i="1" smtClean="0">
+                          <a:latin typeface="Cambria Math" panose="02040503050406030204" pitchFamily="18" charset="0"/>
+                        </a:rPr>
+                        <m:t>𝐵</m:t>
+                      </m:r>
+                      <m:d>
+                        <m:dPr>
+                          <m:ctrlPr>
+                            <a:rPr lang="en-CA" sz="2400" b="0" i="1" smtClean="0">
+                              <a:latin typeface="Cambria Math" panose="02040503050406030204" pitchFamily="18" charset="0"/>
+                            </a:rPr>
+                          </m:ctrlPr>
+                        </m:dPr>
+                        <m:e>
+                          <m:r>
+                            <a:rPr lang="en-CA" sz="2400" b="0" i="1" smtClean="0">
+                              <a:latin typeface="Cambria Math" panose="02040503050406030204" pitchFamily="18" charset="0"/>
+                            </a:rPr>
+                            <m:t>𝑞</m:t>
+                          </m:r>
+                        </m:e>
+                      </m:d>
+                    </m:oMath>
+                  </m:oMathPara>
+                </a14:m>
+                <a:endParaRPr lang="en-CA" sz="2400" b="0" dirty="0"/>
+              </a:p>
+              <a:p>
+                <a:r>
+                  <a:rPr lang="en-CA" sz="2400" dirty="0"/>
+                  <a:t>In equilibrium, we suppose that </a:t>
+                </a:r>
+                <a14:m>
+                  <m:oMath xmlns:m="http://schemas.openxmlformats.org/officeDocument/2006/math">
+                    <m:sSub>
+                      <m:sSubPr>
+                        <m:ctrlPr>
+                          <a:rPr lang="en-CA" sz="2400" b="0" i="1" smtClean="0">
+                            <a:latin typeface="Cambria Math" panose="02040503050406030204" pitchFamily="18" charset="0"/>
+                          </a:rPr>
+                        </m:ctrlPr>
+                      </m:sSubPr>
+                      <m:e>
+                        <m:r>
+                          <a:rPr lang="en-CA" sz="2400" b="0" i="1" smtClean="0">
+                            <a:latin typeface="Cambria Math" panose="02040503050406030204" pitchFamily="18" charset="0"/>
+                          </a:rPr>
+                          <m:t>𝐵</m:t>
+                        </m:r>
+                      </m:e>
+                      <m:sub>
+                        <m:r>
+                          <a:rPr lang="en-CA" sz="2400" b="0" i="1" smtClean="0">
+                            <a:latin typeface="Cambria Math" panose="02040503050406030204" pitchFamily="18" charset="0"/>
+                          </a:rPr>
+                          <m:t>𝑞</m:t>
+                        </m:r>
+                      </m:sub>
+                    </m:sSub>
+                    <m:r>
+                      <a:rPr lang="en-CA" sz="2400" b="0" i="1" smtClean="0">
+                        <a:latin typeface="Cambria Math" panose="02040503050406030204" pitchFamily="18" charset="0"/>
+                      </a:rPr>
+                      <m:t>=</m:t>
+                    </m:r>
+                    <m:sSub>
+                      <m:sSubPr>
+                        <m:ctrlPr>
+                          <a:rPr lang="en-CA" sz="2400" b="0" i="1" smtClean="0">
+                            <a:latin typeface="Cambria Math" panose="02040503050406030204" pitchFamily="18" charset="0"/>
+                          </a:rPr>
+                        </m:ctrlPr>
+                      </m:sSubPr>
+                      <m:e>
+                        <m:r>
+                          <a:rPr lang="en-CA" sz="2400" b="0" i="1" smtClean="0">
+                            <a:latin typeface="Cambria Math" panose="02040503050406030204" pitchFamily="18" charset="0"/>
+                          </a:rPr>
+                          <m:t>𝐶</m:t>
+                        </m:r>
+                      </m:e>
+                      <m:sub>
+                        <m:r>
+                          <a:rPr lang="en-CA" sz="2400" b="0" i="1" smtClean="0">
+                            <a:latin typeface="Cambria Math" panose="02040503050406030204" pitchFamily="18" charset="0"/>
+                          </a:rPr>
+                          <m:t>𝑞</m:t>
+                        </m:r>
+                      </m:sub>
+                    </m:sSub>
+                  </m:oMath>
+                </a14:m>
+                <a:r>
+                  <a:rPr lang="en-CA" sz="2400" dirty="0"/>
+                  <a:t> (why?)</a:t>
+                </a:r>
+              </a:p>
+            </p:txBody>
+          </p:sp>
+        </mc:Choice>
+        <mc:Fallback>
+          <p:sp>
+            <p:nvSpPr>
+              <p:cNvPr id="3" name="Content Placeholder 2">
+                <a:extLst>
+                  <a:ext uri="{FF2B5EF4-FFF2-40B4-BE49-F238E27FC236}">
+                    <a16:creationId xmlns:a16="http://schemas.microsoft.com/office/drawing/2014/main" id="{2CA9A688-580F-ECC9-5F65-3BC2434DDF2C}"/>
+                  </a:ext>
+                </a:extLst>
+              </p:cNvPr>
+              <p:cNvSpPr>
+                <a:spLocks noGrp="1" noRot="1" noChangeAspect="1" noMove="1" noResize="1" noEditPoints="1" noAdjustHandles="1" noChangeArrowheads="1" noChangeShapeType="1" noTextEdit="1"/>
+              </p:cNvSpPr>
+              <p:nvPr>
+                <p:ph idx="1"/>
+              </p:nvPr>
+            </p:nvSpPr>
+            <p:spPr>
+              <a:xfrm>
+                <a:off x="609600" y="857052"/>
+                <a:ext cx="9247632" cy="5323086"/>
+              </a:xfrm>
+              <a:blipFill>
+                <a:blip r:embed="rId3"/>
+                <a:stretch>
+                  <a:fillRect l="-461" t="-1260"/>
+                </a:stretch>
+              </a:blipFill>
+            </p:spPr>
+            <p:txBody>
+              <a:bodyPr/>
+              <a:lstStyle/>
+              <a:p>
+                <a:r>
+                  <a:rPr lang="en-CA">
+                    <a:noFill/>
+                  </a:rPr>
+                  <a:t> </a:t>
+                </a:r>
+              </a:p>
+            </p:txBody>
+          </p:sp>
+        </mc:Fallback>
+      </mc:AlternateContent>
+      <p:sp>
+        <p:nvSpPr>
+          <p:cNvPr id="6" name="Title 1">
+            <a:extLst>
+              <a:ext uri="{FF2B5EF4-FFF2-40B4-BE49-F238E27FC236}">
+                <a16:creationId xmlns:a16="http://schemas.microsoft.com/office/drawing/2014/main" id="{7BD7A2E9-C7E8-9116-5BE2-1C6A3EE63774}"/>
+              </a:ext>
+            </a:extLst>
+          </p:cNvPr>
+          <p:cNvSpPr txBox="1">
+            <a:spLocks/>
+          </p:cNvSpPr>
+          <p:nvPr/>
+        </p:nvSpPr>
+        <p:spPr>
+          <a:xfrm>
+            <a:off x="304800" y="232211"/>
+            <a:ext cx="10896600" cy="624840"/>
+          </a:xfrm>
+          <a:prstGeom prst="rect">
+            <a:avLst/>
+          </a:prstGeom>
+        </p:spPr>
+        <p:txBody>
+          <a:bodyPr vert="horz" lIns="91440" tIns="45720" rIns="91440" bIns="45720" rtlCol="0" anchor="b">
+            <a:normAutofit fontScale="97500" lnSpcReduction="10000"/>
+          </a:bodyPr>
+          <a:lstStyle>
+            <a:lvl1pPr algn="l" defTabSz="914400" rtl="0" eaLnBrk="1" latinLnBrk="0" hangingPunct="1">
+              <a:lnSpc>
+                <a:spcPct val="90000"/>
+              </a:lnSpc>
+              <a:spcBef>
+                <a:spcPct val="0"/>
+              </a:spcBef>
+              <a:buNone/>
+              <a:defRPr sz="4400" kern="1200" spc="-50" baseline="0">
+                <a:solidFill>
+                  <a:schemeClr val="tx1"/>
+                </a:solidFill>
+                <a:latin typeface="Times New Roman" panose="02020603050405020304" pitchFamily="18" charset="0"/>
+                <a:ea typeface="+mj-ea"/>
+                <a:cs typeface="+mj-cs"/>
+              </a:defRPr>
+            </a:lvl1pPr>
+          </a:lstStyle>
+          <a:p>
+            <a:pPr>
+              <a:defRPr/>
+            </a:pPr>
+            <a:r>
+              <a:rPr lang="en-CA" sz="4000" dirty="0">
+                <a:cs typeface="Times New Roman" panose="02020603050405020304" pitchFamily="18" charset="0"/>
+              </a:rPr>
+              <a:t>What is the social optimum?</a:t>
+            </a:r>
+            <a:endParaRPr lang="en-US" sz="4000" dirty="0">
+              <a:solidFill>
+                <a:schemeClr val="accent3">
+                  <a:lumMod val="75000"/>
+                </a:schemeClr>
+              </a:solidFill>
+              <a:cs typeface="Times New Roman" panose="02020603050405020304" pitchFamily="18" charset="0"/>
+            </a:endParaRPr>
+          </a:p>
+        </p:txBody>
+      </p:sp>
+    </p:spTree>
+    <p:extLst>
+      <p:ext uri="{BB962C8B-B14F-4D97-AF65-F5344CB8AC3E}">
+        <p14:creationId xmlns:p14="http://schemas.microsoft.com/office/powerpoint/2010/main" val="1529667946"/>
       </p:ext>
     </p:extLst>
   </p:cSld>
@@ -21747,8 +19652,8 @@
           <a:chExt cx="0" cy="0"/>
         </a:xfrm>
       </p:grpSpPr>
-      <mc:AlternateContent xmlns:mc="http://schemas.openxmlformats.org/markup-compatibility/2006" xmlns:a14="http://schemas.microsoft.com/office/drawing/2010/main">
-        <mc:Choice Requires="a14">
+      <mc:AlternateContent xmlns:mc="http://schemas.openxmlformats.org/markup-compatibility/2006">
+        <mc:Choice xmlns:a14="http://schemas.microsoft.com/office/drawing/2010/main" Requires="a14">
           <p:sp>
             <p:nvSpPr>
               <p:cNvPr id="3" name="Content Placeholder 2">
@@ -22012,19 +19917,7 @@
                         <a:rPr lang="en-CA" sz="2400" b="0" i="1" smtClean="0">
                           <a:latin typeface="Cambria Math" panose="02040503050406030204" pitchFamily="18" charset="0"/>
                         </a:rPr>
-                        <m:t>(</m:t>
-                      </m:r>
-                      <m:r>
-                        <a:rPr lang="en-CA" sz="2400" b="0" i="1" smtClean="0">
-                          <a:latin typeface="Cambria Math" panose="02040503050406030204" pitchFamily="18" charset="0"/>
-                        </a:rPr>
                         <m:t>𝛼</m:t>
-                      </m:r>
-                      <m:r>
-                        <a:rPr lang="en-CA" sz="2400" b="0" i="1" smtClean="0">
-                          <a:latin typeface="Cambria Math" panose="02040503050406030204" pitchFamily="18" charset="0"/>
-                        </a:rPr>
-                        <m:t>−1)</m:t>
                       </m:r>
                       <m:f>
                         <m:fPr>
@@ -22069,43 +19962,35 @@
                         </a:rPr>
                         <m:t>=</m:t>
                       </m:r>
-                      <m:f>
-                        <m:fPr>
+                      <m:d>
+                        <m:dPr>
                           <m:ctrlPr>
                             <a:rPr lang="en-CA" sz="2400" b="0" i="1" smtClean="0">
                               <a:latin typeface="Cambria Math" panose="02040503050406030204" pitchFamily="18" charset="0"/>
                             </a:rPr>
                           </m:ctrlPr>
-                        </m:fPr>
-                        <m:num>
+                        </m:dPr>
+                        <m:e>
                           <m:r>
                             <a:rPr lang="en-CA" sz="2400" b="0" i="1" smtClean="0">
                               <a:latin typeface="Cambria Math" panose="02040503050406030204" pitchFamily="18" charset="0"/>
                             </a:rPr>
-                            <m:t>𝜕</m:t>
+                            <m:t>1−</m:t>
                           </m:r>
                           <m:r>
                             <a:rPr lang="en-CA" sz="2400" b="0" i="1" smtClean="0">
                               <a:latin typeface="Cambria Math" panose="02040503050406030204" pitchFamily="18" charset="0"/>
                             </a:rPr>
-                            <m:t>𝑅</m:t>
+                            <m:t>𝑟</m:t>
                           </m:r>
-                        </m:num>
-                        <m:den>
-                          <m:r>
-                            <a:rPr lang="en-CA" sz="2400" b="0" i="1" smtClean="0">
-                              <a:latin typeface="Cambria Math" panose="02040503050406030204" pitchFamily="18" charset="0"/>
-                            </a:rPr>
-                            <m:t>𝜕</m:t>
-                          </m:r>
-                          <m:r>
-                            <a:rPr lang="en-CA" sz="2400" b="0" i="1" smtClean="0">
-                              <a:latin typeface="Cambria Math" panose="02040503050406030204" pitchFamily="18" charset="0"/>
-                            </a:rPr>
-                            <m:t>𝑞</m:t>
-                          </m:r>
-                        </m:den>
-                      </m:f>
+                        </m:e>
+                      </m:d>
+                      <m:r>
+                        <a:rPr lang="en-CA" sz="2400" b="0" i="1" smtClean="0">
+                          <a:latin typeface="Cambria Math" panose="02040503050406030204" pitchFamily="18" charset="0"/>
+                        </a:rPr>
+                        <m:t>𝑐</m:t>
+                      </m:r>
                     </m:oMath>
                   </m:oMathPara>
                 </a14:m>
@@ -22114,7 +19999,7 @@
             </p:txBody>
           </p:sp>
         </mc:Choice>
-        <mc:Fallback xmlns="">
+        <mc:Fallback>
           <p:sp>
             <p:nvSpPr>
               <p:cNvPr id="3" name="Content Placeholder 2">
@@ -22225,10 +20110,68 @@
           </a:p>
         </p:txBody>
       </p:sp>
+      <p:sp>
+        <p:nvSpPr>
+          <p:cNvPr id="4" name="TextBox 3">
+            <a:extLst>
+              <a:ext uri="{FF2B5EF4-FFF2-40B4-BE49-F238E27FC236}">
+                <a16:creationId xmlns:a16="http://schemas.microsoft.com/office/drawing/2014/main" id="{06626EA1-8D64-2AC7-C4B1-DC7AB6DF87A8}"/>
+              </a:ext>
+            </a:extLst>
+          </p:cNvPr>
+          <p:cNvSpPr txBox="1"/>
+          <p:nvPr/>
+        </p:nvSpPr>
+        <p:spPr>
+          <a:xfrm>
+            <a:off x="615820" y="5526031"/>
+            <a:ext cx="6102220" cy="646331"/>
+          </a:xfrm>
+          <a:prstGeom prst="rect">
+            <a:avLst/>
+          </a:prstGeom>
+          <a:solidFill>
+            <a:schemeClr val="accent3">
+              <a:lumMod val="40000"/>
+              <a:lumOff val="60000"/>
+            </a:schemeClr>
+          </a:solidFill>
+        </p:spPr>
+        <p:txBody>
+          <a:bodyPr wrap="square">
+            <a:spAutoFit/>
+          </a:bodyPr>
+          <a:lstStyle/>
+          <a:p>
+            <a:r>
+              <a:rPr lang="en-CA" sz="1800" b="1" dirty="0">
+                <a:solidFill>
+                  <a:schemeClr val="accent3">
+                    <a:lumMod val="75000"/>
+                  </a:schemeClr>
+                </a:solidFill>
+              </a:rPr>
+              <a:t>How do we interpret this?</a:t>
+            </a:r>
+          </a:p>
+          <a:p>
+            <a:r>
+              <a:rPr lang="en-CA" sz="1800" b="1" dirty="0">
+                <a:solidFill>
+                  <a:schemeClr val="accent3">
+                    <a:lumMod val="75000"/>
+                  </a:schemeClr>
+                </a:solidFill>
+              </a:rPr>
+              <a:t>What are the comparative statics?</a:t>
+            </a:r>
+          </a:p>
+        </p:txBody>
+      </p:sp>
     </p:spTree>
     <p:extLst>
       <p:ext uri="{BB962C8B-B14F-4D97-AF65-F5344CB8AC3E}">
-        <p14:creationId xmlns:p14="http://schemas.microsoft.com/office/powerpoint/2010/main" val="1529667946"/>
+        <p14:creationId xmlns:p14="http://schemas.microsoft.com/office/powerpoint/2010/main" val="2616837116"/>
       </p:ext>
     </p:extLst>
   </p:cSld>
@@ -22255,8 +20198,8 @@
           <a:chExt cx="0" cy="0"/>
         </a:xfrm>
       </p:grpSpPr>
-      <mc:AlternateContent xmlns:mc="http://schemas.openxmlformats.org/markup-compatibility/2006" xmlns:a14="http://schemas.microsoft.com/office/drawing/2010/main">
-        <mc:Choice Requires="a14">
+      <mc:AlternateContent xmlns:mc="http://schemas.openxmlformats.org/markup-compatibility/2006">
+        <mc:Choice xmlns:a14="http://schemas.microsoft.com/office/drawing/2010/main" Requires="a14">
           <p:sp>
             <p:nvSpPr>
               <p:cNvPr id="3" name="Content Placeholder 2">
@@ -22605,36 +20548,63 @@
                 <a:endParaRPr lang="en-CA" sz="2400" dirty="0"/>
               </a:p>
               <a:p>
+                <a:endParaRPr lang="en-CA" sz="2400" dirty="0"/>
+              </a:p>
+              <a:p>
                 <a:r>
-                  <a:rPr lang="en-CA" sz="2400" b="1" dirty="0">
-                    <a:solidFill>
-                      <a:schemeClr val="accent3">
-                        <a:lumMod val="75000"/>
-                      </a:schemeClr>
-                    </a:solidFill>
-                  </a:rPr>
-                  <a:t>How do we interpret this?</a:t>
+                  <a:rPr lang="en-CA" sz="2400" dirty="0"/>
+                  <a:t>Suppose we want to incentivize provision of </a:t>
+                </a:r>
+                <a14:m>
+                  <m:oMath xmlns:m="http://schemas.openxmlformats.org/officeDocument/2006/math">
+                    <m:sSup>
+                      <m:sSupPr>
+                        <m:ctrlPr>
+                          <a:rPr lang="en-CA" sz="2400" b="0" i="1" smtClean="0">
+                            <a:latin typeface="Cambria Math" panose="02040503050406030204" pitchFamily="18" charset="0"/>
+                          </a:rPr>
+                        </m:ctrlPr>
+                      </m:sSupPr>
+                      <m:e>
+                        <m:r>
+                          <a:rPr lang="en-CA" sz="2400" b="0" i="1" smtClean="0">
+                            <a:latin typeface="Cambria Math" panose="02040503050406030204" pitchFamily="18" charset="0"/>
+                          </a:rPr>
+                          <m:t>𝑞</m:t>
+                        </m:r>
+                      </m:e>
+                      <m:sup>
+                        <m:r>
+                          <a:rPr lang="en-CA" sz="2400" b="0" i="1" smtClean="0">
+                            <a:latin typeface="Cambria Math" panose="02040503050406030204" pitchFamily="18" charset="0"/>
+                          </a:rPr>
+                          <m:t>′</m:t>
+                        </m:r>
+                      </m:sup>
+                    </m:sSup>
+                    <m:r>
+                      <a:rPr lang="en-CA" sz="2400" b="0" i="0" smtClean="0">
+                        <a:latin typeface="Cambria Math" panose="02040503050406030204" pitchFamily="18" charset="0"/>
+                      </a:rPr>
+                      <m:t>. </m:t>
+                    </m:r>
+                  </m:oMath>
+                </a14:m>
+                <a:r>
+                  <a:rPr lang="en-CA" sz="2400" dirty="0"/>
+                  <a:t>Can we?</a:t>
                 </a:r>
               </a:p>
               <a:p>
                 <a:r>
-                  <a:rPr lang="en-CA" sz="2400" b="1" dirty="0">
-                    <a:solidFill>
-                      <a:schemeClr val="accent3">
-                        <a:lumMod val="75000"/>
-                      </a:schemeClr>
-                    </a:solidFill>
-                  </a:rPr>
-                  <a:t>What are the comparative statics?</a:t>
+                  <a:rPr lang="en-CA" sz="2400" dirty="0"/>
+                  <a:t>What parameters do policy-makers in the model have?</a:t>
                 </a:r>
-              </a:p>
-              <a:p>
-                <a:endParaRPr lang="en-CA" sz="2400" dirty="0"/>
               </a:p>
             </p:txBody>
           </p:sp>
         </mc:Choice>
-        <mc:Fallback xmlns="">
+        <mc:Fallback>
           <p:sp>
             <p:nvSpPr>
               <p:cNvPr id="3" name="Content Placeholder 2">
@@ -22745,10 +20715,56 @@
           </a:p>
         </p:txBody>
       </p:sp>
+      <p:sp>
+        <p:nvSpPr>
+          <p:cNvPr id="2" name="TextBox 1">
+            <a:extLst>
+              <a:ext uri="{FF2B5EF4-FFF2-40B4-BE49-F238E27FC236}">
+                <a16:creationId xmlns:a16="http://schemas.microsoft.com/office/drawing/2014/main" id="{DB6DA3F7-CA3C-F6FB-505D-575F2031132A}"/>
+              </a:ext>
+            </a:extLst>
+          </p:cNvPr>
+          <p:cNvSpPr txBox="1"/>
+          <p:nvPr/>
+        </p:nvSpPr>
+        <p:spPr>
+          <a:xfrm>
+            <a:off x="608045" y="3149263"/>
+            <a:ext cx="6102220" cy="369332"/>
+          </a:xfrm>
+          <a:prstGeom prst="rect">
+            <a:avLst/>
+          </a:prstGeom>
+          <a:solidFill>
+            <a:schemeClr val="accent5">
+              <a:lumMod val="40000"/>
+              <a:lumOff val="60000"/>
+            </a:schemeClr>
+          </a:solidFill>
+        </p:spPr>
+        <p:txBody>
+          <a:bodyPr wrap="square">
+            <a:spAutoFit/>
+          </a:bodyPr>
+          <a:lstStyle/>
+          <a:p>
+            <a:r>
+              <a:rPr lang="en-CA" sz="1800" b="1" dirty="0">
+                <a:solidFill>
+                  <a:schemeClr val="accent5">
+                    <a:lumMod val="75000"/>
+                  </a:schemeClr>
+                </a:solidFill>
+              </a:rPr>
+              <a:t>What about policymakers? </a:t>
+            </a:r>
+          </a:p>
+        </p:txBody>
+      </p:sp>
     </p:spTree>
     <p:extLst>
       <p:ext uri="{BB962C8B-B14F-4D97-AF65-F5344CB8AC3E}">
-        <p14:creationId xmlns:p14="http://schemas.microsoft.com/office/powerpoint/2010/main" val="619110384"/>
+        <p14:creationId xmlns:p14="http://schemas.microsoft.com/office/powerpoint/2010/main" val="2796363430"/>
       </p:ext>
     </p:extLst>
   </p:cSld>
@@ -22775,539 +20791,103 @@
           <a:chExt cx="0" cy="0"/>
         </a:xfrm>
       </p:grpSpPr>
-      <mc:AlternateContent xmlns:mc="http://schemas.openxmlformats.org/markup-compatibility/2006" xmlns:a14="http://schemas.microsoft.com/office/drawing/2010/main">
-        <mc:Choice Requires="a14">
-          <p:sp>
-            <p:nvSpPr>
-              <p:cNvPr id="3" name="Content Placeholder 2">
-                <a:extLst>
-                  <a:ext uri="{FF2B5EF4-FFF2-40B4-BE49-F238E27FC236}">
-                    <a16:creationId xmlns:a16="http://schemas.microsoft.com/office/drawing/2014/main" id="{2CA9A688-580F-ECC9-5F65-3BC2434DDF2C}"/>
-                  </a:ext>
-                </a:extLst>
-              </p:cNvPr>
-              <p:cNvSpPr>
-                <a:spLocks noGrp="1"/>
-              </p:cNvSpPr>
-              <p:nvPr>
-                <p:ph idx="1"/>
-              </p:nvPr>
-            </p:nvSpPr>
-            <p:spPr>
-              <a:xfrm>
-                <a:off x="609600" y="857052"/>
-                <a:ext cx="9247632" cy="5323086"/>
-              </a:xfrm>
-            </p:spPr>
-            <p:txBody>
-              <a:bodyPr>
-                <a:normAutofit/>
-              </a:bodyPr>
-              <a:lstStyle/>
-              <a:p>
-                <a:r>
-                  <a:rPr lang="en-CA" sz="2400" dirty="0"/>
-                  <a:t>Then the solution is characterized by </a:t>
-                </a:r>
-              </a:p>
-              <a:p>
-                <a:pPr marL="0" indent="0">
-                  <a:buNone/>
-                </a:pPr>
-                <a14:m>
-                  <m:oMathPara xmlns:m="http://schemas.openxmlformats.org/officeDocument/2006/math">
-                    <m:oMathParaPr>
-                      <m:jc m:val="centerGroup"/>
-                    </m:oMathParaPr>
-                    <m:oMath xmlns:m="http://schemas.openxmlformats.org/officeDocument/2006/math">
-                      <m:d>
-                        <m:dPr>
-                          <m:ctrlPr>
-                            <a:rPr lang="en-CA" sz="2400" b="0" i="1" smtClean="0">
-                              <a:latin typeface="Cambria Math" panose="02040503050406030204" pitchFamily="18" charset="0"/>
-                            </a:rPr>
-                          </m:ctrlPr>
-                        </m:dPr>
-                        <m:e>
-                          <m:r>
-                            <a:rPr lang="en-CA" sz="2400" b="0" i="1" smtClean="0">
-                              <a:latin typeface="Cambria Math" panose="02040503050406030204" pitchFamily="18" charset="0"/>
-                            </a:rPr>
-                            <m:t>𝛼</m:t>
-                          </m:r>
-                          <m:r>
-                            <a:rPr lang="en-CA" sz="2400" b="0" i="1" smtClean="0">
-                              <a:latin typeface="Cambria Math" panose="02040503050406030204" pitchFamily="18" charset="0"/>
-                            </a:rPr>
-                            <m:t>−1</m:t>
-                          </m:r>
-                        </m:e>
-                      </m:d>
-                      <m:f>
-                        <m:fPr>
-                          <m:ctrlPr>
-                            <a:rPr lang="en-CA" sz="2400" b="0" i="1" smtClean="0">
-                              <a:latin typeface="Cambria Math" panose="02040503050406030204" pitchFamily="18" charset="0"/>
-                            </a:rPr>
-                          </m:ctrlPr>
-                        </m:fPr>
-                        <m:num>
-                          <m:r>
-                            <a:rPr lang="en-CA" sz="2400" b="0" i="1" smtClean="0">
-                              <a:latin typeface="Cambria Math" panose="02040503050406030204" pitchFamily="18" charset="0"/>
-                            </a:rPr>
-                            <m:t>𝜕</m:t>
-                          </m:r>
-                          <m:r>
-                            <a:rPr lang="en-CA" sz="2400" b="0" i="1" smtClean="0">
-                              <a:latin typeface="Cambria Math" panose="02040503050406030204" pitchFamily="18" charset="0"/>
-                            </a:rPr>
-                            <m:t>𝐵</m:t>
-                          </m:r>
-                        </m:num>
-                        <m:den>
-                          <m:r>
-                            <a:rPr lang="en-CA" sz="2400" b="0" i="1" smtClean="0">
-                              <a:latin typeface="Cambria Math" panose="02040503050406030204" pitchFamily="18" charset="0"/>
-                            </a:rPr>
-                            <m:t>𝜕</m:t>
-                          </m:r>
-                          <m:r>
-                            <a:rPr lang="en-CA" sz="2400" b="0" i="1" smtClean="0">
-                              <a:latin typeface="Cambria Math" panose="02040503050406030204" pitchFamily="18" charset="0"/>
-                            </a:rPr>
-                            <m:t>𝑞</m:t>
-                          </m:r>
-                        </m:den>
-                      </m:f>
-                      <m:r>
-                        <a:rPr lang="en-CA" sz="2400" b="0" i="1" smtClean="0">
-                          <a:latin typeface="Cambria Math" panose="02040503050406030204" pitchFamily="18" charset="0"/>
-                        </a:rPr>
-                        <m:t>=</m:t>
-                      </m:r>
-                      <m:f>
-                        <m:fPr>
-                          <m:ctrlPr>
-                            <a:rPr lang="en-CA" sz="2400" b="0" i="1" smtClean="0">
-                              <a:latin typeface="Cambria Math" panose="02040503050406030204" pitchFamily="18" charset="0"/>
-                            </a:rPr>
-                          </m:ctrlPr>
-                        </m:fPr>
-                        <m:num>
-                          <m:r>
-                            <a:rPr lang="en-CA" sz="2400" b="0" i="1" smtClean="0">
-                              <a:latin typeface="Cambria Math" panose="02040503050406030204" pitchFamily="18" charset="0"/>
-                            </a:rPr>
-                            <m:t>𝜕</m:t>
-                          </m:r>
-                          <m:r>
-                            <a:rPr lang="en-CA" sz="2400" b="0" i="1" smtClean="0">
-                              <a:latin typeface="Cambria Math" panose="02040503050406030204" pitchFamily="18" charset="0"/>
-                            </a:rPr>
-                            <m:t>𝑅</m:t>
-                          </m:r>
-                        </m:num>
-                        <m:den>
-                          <m:r>
-                            <a:rPr lang="en-CA" sz="2400" b="0" i="1" smtClean="0">
-                              <a:latin typeface="Cambria Math" panose="02040503050406030204" pitchFamily="18" charset="0"/>
-                            </a:rPr>
-                            <m:t>𝜕</m:t>
-                          </m:r>
-                          <m:r>
-                            <a:rPr lang="en-CA" sz="2400" b="0" i="1" smtClean="0">
-                              <a:latin typeface="Cambria Math" panose="02040503050406030204" pitchFamily="18" charset="0"/>
-                            </a:rPr>
-                            <m:t>𝑞</m:t>
-                          </m:r>
-                        </m:den>
-                      </m:f>
-                    </m:oMath>
-                  </m:oMathPara>
-                </a14:m>
-                <a:endParaRPr lang="en-CA" sz="2400" b="0" dirty="0"/>
-              </a:p>
-              <a:p>
-                <a:r>
-                  <a:rPr lang="en-CA" sz="2400" dirty="0"/>
-                  <a:t>If we suppose that </a:t>
-                </a:r>
-                <a14:m>
-                  <m:oMath xmlns:m="http://schemas.openxmlformats.org/officeDocument/2006/math">
-                    <m:r>
-                      <a:rPr lang="en-CA" sz="2400" b="0" i="1" smtClean="0">
-                        <a:latin typeface="Cambria Math" panose="02040503050406030204" pitchFamily="18" charset="0"/>
-                      </a:rPr>
-                      <m:t>𝑅</m:t>
-                    </m:r>
-                    <m:d>
-                      <m:dPr>
-                        <m:ctrlPr>
-                          <a:rPr lang="en-CA" sz="2400" b="0" i="1" smtClean="0">
-                            <a:latin typeface="Cambria Math" panose="02040503050406030204" pitchFamily="18" charset="0"/>
-                          </a:rPr>
-                        </m:ctrlPr>
-                      </m:dPr>
-                      <m:e>
-                        <m:r>
-                          <a:rPr lang="en-CA" sz="2400" b="0" i="1" smtClean="0">
-                            <a:latin typeface="Cambria Math" panose="02040503050406030204" pitchFamily="18" charset="0"/>
-                          </a:rPr>
-                          <m:t>𝑞</m:t>
-                        </m:r>
-                      </m:e>
-                    </m:d>
-                    <m:r>
-                      <a:rPr lang="en-CA" sz="2400" b="0" i="1" smtClean="0">
-                        <a:latin typeface="Cambria Math" panose="02040503050406030204" pitchFamily="18" charset="0"/>
-                      </a:rPr>
-                      <m:t>=</m:t>
-                    </m:r>
-                    <m:r>
-                      <a:rPr lang="en-CA" sz="2400" b="0" i="1" smtClean="0">
-                        <a:latin typeface="Cambria Math" panose="02040503050406030204" pitchFamily="18" charset="0"/>
-                      </a:rPr>
-                      <m:t>𝑎</m:t>
-                    </m:r>
-                    <m:r>
-                      <a:rPr lang="en-CA" sz="2400" b="0" i="1" smtClean="0">
-                        <a:latin typeface="Cambria Math" panose="02040503050406030204" pitchFamily="18" charset="0"/>
-                      </a:rPr>
-                      <m:t>+</m:t>
-                    </m:r>
-                    <m:r>
-                      <a:rPr lang="en-CA" sz="2400" b="0" i="1" smtClean="0">
-                        <a:latin typeface="Cambria Math" panose="02040503050406030204" pitchFamily="18" charset="0"/>
-                      </a:rPr>
-                      <m:t>𝑟𝐶</m:t>
-                    </m:r>
-                    <m:d>
-                      <m:dPr>
-                        <m:ctrlPr>
-                          <a:rPr lang="en-CA" sz="2400" b="0" i="1" smtClean="0">
-                            <a:latin typeface="Cambria Math" panose="02040503050406030204" pitchFamily="18" charset="0"/>
-                          </a:rPr>
-                        </m:ctrlPr>
-                      </m:dPr>
-                      <m:e>
-                        <m:r>
-                          <a:rPr lang="en-CA" sz="2400" b="0" i="1" smtClean="0">
-                            <a:latin typeface="Cambria Math" panose="02040503050406030204" pitchFamily="18" charset="0"/>
-                          </a:rPr>
-                          <m:t>𝑞</m:t>
-                        </m:r>
-                      </m:e>
-                    </m:d>
-                    <m:r>
-                      <a:rPr lang="en-CA" sz="2400" b="0" i="1" smtClean="0">
-                        <a:latin typeface="Cambria Math" panose="02040503050406030204" pitchFamily="18" charset="0"/>
-                      </a:rPr>
-                      <m:t>,</m:t>
-                    </m:r>
-                  </m:oMath>
-                </a14:m>
-                <a:r>
-                  <a:rPr lang="en-CA" sz="2400" dirty="0"/>
-                  <a:t> and </a:t>
-                </a:r>
-                <a14:m>
-                  <m:oMath xmlns:m="http://schemas.openxmlformats.org/officeDocument/2006/math">
-                    <m:r>
-                      <a:rPr lang="en-CA" sz="2400" b="0" i="1" smtClean="0">
-                        <a:latin typeface="Cambria Math" panose="02040503050406030204" pitchFamily="18" charset="0"/>
-                      </a:rPr>
-                      <m:t>𝐶</m:t>
-                    </m:r>
-                    <m:d>
-                      <m:dPr>
-                        <m:ctrlPr>
-                          <a:rPr lang="en-CA" sz="2400" b="0" i="1" smtClean="0">
-                            <a:latin typeface="Cambria Math" panose="02040503050406030204" pitchFamily="18" charset="0"/>
-                          </a:rPr>
-                        </m:ctrlPr>
-                      </m:dPr>
-                      <m:e>
-                        <m:r>
-                          <a:rPr lang="en-CA" sz="2400" b="0" i="1" smtClean="0">
-                            <a:latin typeface="Cambria Math" panose="02040503050406030204" pitchFamily="18" charset="0"/>
-                          </a:rPr>
-                          <m:t>𝑞</m:t>
-                        </m:r>
-                      </m:e>
-                    </m:d>
-                    <m:r>
-                      <a:rPr lang="en-CA" sz="2400" b="0" i="1" smtClean="0">
-                        <a:latin typeface="Cambria Math" panose="02040503050406030204" pitchFamily="18" charset="0"/>
-                      </a:rPr>
-                      <m:t>=</m:t>
-                    </m:r>
-                    <m:r>
-                      <a:rPr lang="en-CA" sz="2400" b="0" i="1" smtClean="0">
-                        <a:latin typeface="Cambria Math" panose="02040503050406030204" pitchFamily="18" charset="0"/>
-                      </a:rPr>
-                      <m:t>𝑐𝑞</m:t>
-                    </m:r>
-                  </m:oMath>
-                </a14:m>
-                <a:r>
-                  <a:rPr lang="en-CA" sz="2400" dirty="0"/>
-                  <a:t>, then: </a:t>
-                </a:r>
-              </a:p>
-              <a:p>
-                <a:pPr marL="0" indent="0">
-                  <a:buNone/>
-                </a:pPr>
-                <a14:m>
-                  <m:oMathPara xmlns:m="http://schemas.openxmlformats.org/officeDocument/2006/math">
-                    <m:oMathParaPr>
-                      <m:jc m:val="centerGroup"/>
-                    </m:oMathParaPr>
-                    <m:oMath xmlns:m="http://schemas.openxmlformats.org/officeDocument/2006/math">
-                      <m:sSup>
-                        <m:sSupPr>
-                          <m:ctrlPr>
-                            <a:rPr lang="en-CA" sz="2400" b="0" i="1" smtClean="0">
-                              <a:latin typeface="Cambria Math" panose="02040503050406030204" pitchFamily="18" charset="0"/>
-                            </a:rPr>
-                          </m:ctrlPr>
-                        </m:sSupPr>
-                        <m:e>
-                          <m:r>
-                            <a:rPr lang="en-CA" sz="2400" b="0" i="1" smtClean="0">
-                              <a:latin typeface="Cambria Math" panose="02040503050406030204" pitchFamily="18" charset="0"/>
-                            </a:rPr>
-                            <m:t>𝑟</m:t>
-                          </m:r>
-                        </m:e>
-                        <m:sup>
-                          <m:r>
-                            <a:rPr lang="en-CA" sz="2400" b="0" i="1" smtClean="0">
-                              <a:latin typeface="Cambria Math" panose="02040503050406030204" pitchFamily="18" charset="0"/>
-                            </a:rPr>
-                            <m:t>∗</m:t>
-                          </m:r>
-                        </m:sup>
-                      </m:sSup>
-                      <m:r>
-                        <a:rPr lang="en-CA" sz="2400" b="0" i="1" smtClean="0">
-                          <a:latin typeface="Cambria Math" panose="02040503050406030204" pitchFamily="18" charset="0"/>
-                        </a:rPr>
-                        <m:t>=</m:t>
-                      </m:r>
-                      <m:d>
-                        <m:dPr>
-                          <m:ctrlPr>
-                            <a:rPr lang="en-CA" sz="2400" b="0" i="1" smtClean="0">
-                              <a:latin typeface="Cambria Math" panose="02040503050406030204" pitchFamily="18" charset="0"/>
-                            </a:rPr>
-                          </m:ctrlPr>
-                        </m:dPr>
-                        <m:e>
-                          <m:r>
-                            <a:rPr lang="en-CA" sz="2400" b="0" i="1" smtClean="0">
-                              <a:latin typeface="Cambria Math" panose="02040503050406030204" pitchFamily="18" charset="0"/>
-                            </a:rPr>
-                            <m:t>1−</m:t>
-                          </m:r>
-                          <m:r>
-                            <a:rPr lang="en-CA" sz="2400" b="0" i="1" smtClean="0">
-                              <a:latin typeface="Cambria Math" panose="02040503050406030204" pitchFamily="18" charset="0"/>
-                            </a:rPr>
-                            <m:t>𝛼</m:t>
-                          </m:r>
-                        </m:e>
-                      </m:d>
-                    </m:oMath>
-                  </m:oMathPara>
-                </a14:m>
-                <a:endParaRPr lang="en-CA" sz="2400" dirty="0"/>
-              </a:p>
-              <a:p>
-                <a:pPr marL="0" indent="0">
-                  <a:buNone/>
-                </a:pPr>
-                <a:r>
-                  <a:rPr lang="en-CA" sz="2400" b="1" dirty="0">
-                    <a:solidFill>
-                      <a:schemeClr val="accent5">
-                        <a:lumMod val="75000"/>
-                      </a:schemeClr>
-                    </a:solidFill>
-                  </a:rPr>
-                  <a:t>What about policy makers?</a:t>
-                </a:r>
-              </a:p>
-              <a:p>
-                <a:r>
-                  <a:rPr lang="en-CA" sz="2400" dirty="0"/>
-                  <a:t>Suppose we want to incentivize provision of </a:t>
-                </a:r>
-                <a14:m>
-                  <m:oMath xmlns:m="http://schemas.openxmlformats.org/officeDocument/2006/math">
-                    <m:sSup>
-                      <m:sSupPr>
-                        <m:ctrlPr>
-                          <a:rPr lang="en-CA" sz="2400" b="0" i="1" smtClean="0">
-                            <a:latin typeface="Cambria Math" panose="02040503050406030204" pitchFamily="18" charset="0"/>
-                          </a:rPr>
-                        </m:ctrlPr>
-                      </m:sSupPr>
-                      <m:e>
-                        <m:r>
-                          <a:rPr lang="en-CA" sz="2400" b="0" i="1" smtClean="0">
-                            <a:latin typeface="Cambria Math" panose="02040503050406030204" pitchFamily="18" charset="0"/>
-                          </a:rPr>
-                          <m:t>𝑞</m:t>
-                        </m:r>
-                      </m:e>
-                      <m:sup>
-                        <m:r>
-                          <a:rPr lang="en-CA" sz="2400" b="0" i="1" smtClean="0">
-                            <a:latin typeface="Cambria Math" panose="02040503050406030204" pitchFamily="18" charset="0"/>
-                          </a:rPr>
-                          <m:t>′</m:t>
-                        </m:r>
-                      </m:sup>
-                    </m:sSup>
-                    <m:r>
-                      <a:rPr lang="en-CA" sz="2400" b="0" i="0" smtClean="0">
-                        <a:latin typeface="Cambria Math" panose="02040503050406030204" pitchFamily="18" charset="0"/>
-                      </a:rPr>
-                      <m:t>. </m:t>
-                    </m:r>
-                  </m:oMath>
-                </a14:m>
-                <a:r>
-                  <a:rPr lang="en-CA" sz="2400" dirty="0"/>
-                  <a:t>Can we?</a:t>
-                </a:r>
-              </a:p>
-              <a:p>
-                <a:r>
-                  <a:rPr lang="en-CA" sz="2400" dirty="0"/>
-                  <a:t>What parameters do policy-makers in the model have?</a:t>
-                </a:r>
-              </a:p>
-            </p:txBody>
-          </p:sp>
-        </mc:Choice>
-        <mc:Fallback xmlns="">
-          <p:sp>
-            <p:nvSpPr>
-              <p:cNvPr id="3" name="Content Placeholder 2">
-                <a:extLst>
-                  <a:ext uri="{FF2B5EF4-FFF2-40B4-BE49-F238E27FC236}">
-                    <a16:creationId xmlns:a16="http://schemas.microsoft.com/office/drawing/2014/main" id="{2CA9A688-580F-ECC9-5F65-3BC2434DDF2C}"/>
-                  </a:ext>
-                </a:extLst>
-              </p:cNvPr>
-              <p:cNvSpPr>
-                <a:spLocks noGrp="1" noRot="1" noChangeAspect="1" noMove="1" noResize="1" noEditPoints="1" noAdjustHandles="1" noChangeArrowheads="1" noChangeShapeType="1" noTextEdit="1"/>
-              </p:cNvSpPr>
-              <p:nvPr>
-                <p:ph idx="1"/>
-              </p:nvPr>
-            </p:nvSpPr>
-            <p:spPr>
-              <a:xfrm>
-                <a:off x="609600" y="857052"/>
-                <a:ext cx="9247632" cy="5323086"/>
-              </a:xfrm>
-              <a:blipFill>
-                <a:blip r:embed="rId3"/>
-                <a:stretch>
-                  <a:fillRect l="-989" t="-1260"/>
-                </a:stretch>
-              </a:blipFill>
-            </p:spPr>
-            <p:txBody>
-              <a:bodyPr/>
-              <a:lstStyle/>
-              <a:p>
-                <a:r>
-                  <a:rPr lang="en-CA">
-                    <a:noFill/>
-                  </a:rPr>
-                  <a:t> </a:t>
-                </a:r>
-              </a:p>
-            </p:txBody>
-          </p:sp>
-        </mc:Fallback>
-      </mc:AlternateContent>
       <p:sp>
         <p:nvSpPr>
-          <p:cNvPr id="6" name="Title 1">
-            <a:extLst>
-              <a:ext uri="{FF2B5EF4-FFF2-40B4-BE49-F238E27FC236}">
-                <a16:creationId xmlns:a16="http://schemas.microsoft.com/office/drawing/2014/main" id="{7BD7A2E9-C7E8-9116-5BE2-1C6A3EE63774}"/>
-              </a:ext>
-            </a:extLst>
-          </p:cNvPr>
-          <p:cNvSpPr txBox="1">
-            <a:spLocks/>
+          <p:cNvPr id="2" name="Title 1"/>
+          <p:cNvSpPr>
+            <a:spLocks noGrp="1"/>
           </p:cNvSpPr>
-          <p:nvPr/>
+          <p:nvPr>
+            <p:ph type="title"/>
+          </p:nvPr>
         </p:nvSpPr>
         <p:spPr>
           <a:xfrm>
-            <a:off x="304800" y="232211"/>
-            <a:ext cx="10896600" cy="624840"/>
+            <a:off x="609600" y="337391"/>
+            <a:ext cx="10439400" cy="624840"/>
           </a:xfrm>
-          <a:prstGeom prst="rect">
-            <a:avLst/>
-          </a:prstGeom>
         </p:spPr>
         <p:txBody>
-          <a:bodyPr vert="horz" lIns="91440" tIns="45720" rIns="91440" bIns="45720" rtlCol="0" anchor="b">
-            <a:normAutofit fontScale="97500" lnSpcReduction="10000"/>
+          <a:bodyPr>
+            <a:noAutofit/>
           </a:bodyPr>
-          <a:lstStyle>
-            <a:lvl1pPr algn="l" defTabSz="914400" rtl="0" eaLnBrk="1" latinLnBrk="0" hangingPunct="1">
-              <a:lnSpc>
-                <a:spcPct val="90000"/>
-              </a:lnSpc>
-              <a:spcBef>
-                <a:spcPct val="0"/>
-              </a:spcBef>
-              <a:buNone/>
-              <a:defRPr sz="4400" kern="1200" spc="-50" baseline="0">
-                <a:solidFill>
-                  <a:schemeClr val="tx1"/>
-                </a:solidFill>
-                <a:latin typeface="Times New Roman" panose="02020603050405020304" pitchFamily="18" charset="0"/>
-                <a:ea typeface="+mj-ea"/>
-                <a:cs typeface="+mj-cs"/>
-              </a:defRPr>
-            </a:lvl1pPr>
-          </a:lstStyle>
+          <a:lstStyle/>
           <a:p>
-            <a:pPr>
-              <a:defRPr/>
-            </a:pPr>
-            <a:r>
-              <a:rPr lang="en-CA" sz="4000" dirty="0">
+            <a:r>
+              <a:rPr lang="en-US" sz="3600" dirty="0">
                 <a:cs typeface="Times New Roman" panose="02020603050405020304" pitchFamily="18" charset="0"/>
               </a:rPr>
-              <a:t>What is the social optimum?</a:t>
-            </a:r>
-            <a:endParaRPr lang="en-US" sz="4000" dirty="0">
-              <a:solidFill>
-                <a:schemeClr val="accent3">
-                  <a:lumMod val="75000"/>
-                </a:schemeClr>
-              </a:solidFill>
+              <a:t>Mini Referee Report</a:t>
+            </a:r>
+            <a:endParaRPr lang="en-US" sz="3600" dirty="0">
+              <a:latin typeface="Times New Roman" panose="02020603050405020304" pitchFamily="18" charset="0"/>
               <a:cs typeface="Times New Roman" panose="02020603050405020304" pitchFamily="18" charset="0"/>
             </a:endParaRPr>
+          </a:p>
+        </p:txBody>
+      </p:sp>
+      <p:sp>
+        <p:nvSpPr>
+          <p:cNvPr id="3" name="Content Placeholder 2"/>
+          <p:cNvSpPr>
+            <a:spLocks noGrp="1"/>
+          </p:cNvSpPr>
+          <p:nvPr>
+            <p:ph idx="1"/>
+          </p:nvPr>
+        </p:nvSpPr>
+        <p:spPr>
+          <a:xfrm>
+            <a:off x="914400" y="1066801"/>
+            <a:ext cx="9984829" cy="5141388"/>
+          </a:xfrm>
+        </p:spPr>
+        <p:txBody>
+          <a:bodyPr>
+            <a:normAutofit/>
+          </a:bodyPr>
+          <a:lstStyle/>
+          <a:p>
+            <a:r>
+              <a:rPr lang="en-US" sz="2400" dirty="0">
+                <a:cs typeface="Times New Roman" panose="02020603050405020304" pitchFamily="18" charset="0"/>
+              </a:rPr>
+              <a:t>What do you think about these papers?</a:t>
+            </a:r>
+          </a:p>
+          <a:p>
+            <a:pPr lvl="1"/>
+            <a:r>
+              <a:rPr lang="en-US" sz="2200" dirty="0">
+                <a:cs typeface="Times New Roman" panose="02020603050405020304" pitchFamily="18" charset="0"/>
+              </a:rPr>
+              <a:t>Any concerns? </a:t>
+            </a:r>
+          </a:p>
+          <a:p>
+            <a:pPr lvl="1"/>
+            <a:r>
+              <a:rPr lang="en-US" sz="2200" dirty="0">
+                <a:cs typeface="Times New Roman" panose="02020603050405020304" pitchFamily="18" charset="0"/>
+              </a:rPr>
+              <a:t>Anything clever?</a:t>
+            </a:r>
+          </a:p>
+          <a:p>
+            <a:pPr lvl="1"/>
+            <a:r>
+              <a:rPr lang="en-US" sz="2200" dirty="0">
+                <a:cs typeface="Times New Roman" panose="02020603050405020304" pitchFamily="18" charset="0"/>
+              </a:rPr>
+              <a:t>What would you extend? </a:t>
+            </a:r>
           </a:p>
         </p:txBody>
       </p:sp>
     </p:spTree>
     <p:extLst>
       <p:ext uri="{BB962C8B-B14F-4D97-AF65-F5344CB8AC3E}">
-        <p14:creationId xmlns:p14="http://schemas.microsoft.com/office/powerpoint/2010/main" val="2796363430"/>
+        <p14:creationId xmlns:p14="http://schemas.microsoft.com/office/powerpoint/2010/main" val="918926862"/>
       </p:ext>
     </p:extLst>
   </p:cSld>
@@ -42176,7 +39756,27 @@
                 <a:latin typeface="Times New Roman" panose="02020603050405020304" pitchFamily="18" charset="0"/>
                 <a:cs typeface="Times New Roman" panose="02020603050405020304" pitchFamily="18" charset="0"/>
               </a:rPr>
-              <a:t>While these regulations are essential to a well-functioning healthcare sector, they also keep physician wages high (not unique to physicians)</a:t>
+              <a:t>While these regulations </a:t>
+            </a:r>
+            <a:r>
+              <a:rPr lang="en-CA" sz="2200" dirty="0">
+                <a:solidFill>
+                  <a:srgbClr val="22373A"/>
+                </a:solidFill>
+                <a:latin typeface="Times New Roman" panose="02020603050405020304" pitchFamily="18" charset="0"/>
+                <a:cs typeface="Times New Roman" panose="02020603050405020304" pitchFamily="18" charset="0"/>
+              </a:rPr>
+              <a:t>aid </a:t>
+            </a:r>
+            <a:r>
+              <a:rPr sz="2200" dirty="0">
+                <a:solidFill>
+                  <a:srgbClr val="22373A"/>
+                </a:solidFill>
+                <a:latin typeface="Times New Roman" panose="02020603050405020304" pitchFamily="18" charset="0"/>
+                <a:cs typeface="Times New Roman" panose="02020603050405020304" pitchFamily="18" charset="0"/>
+              </a:rPr>
+              <a:t>a well-functioning healthcare sector, they also keep physician wages high (not unique to physicians)</a:t>
             </a:r>
             <a:endParaRPr sz="2200" dirty="0">
               <a:latin typeface="Times New Roman" panose="02020603050405020304" pitchFamily="18" charset="0"/>

--- a/Lecture04_ProviderPayment/L4Slides_ProviderPayment_2023W.pptx
+++ b/Lecture04_ProviderPayment/L4Slides_ProviderPayment_2023W.pptx
@@ -5,66 +5,67 @@
     <p:sldMasterId id="2147483738" r:id="rId1"/>
   </p:sldMasterIdLst>
   <p:notesMasterIdLst>
-    <p:notesMasterId r:id="rId59"/>
+    <p:notesMasterId r:id="rId60"/>
   </p:notesMasterIdLst>
   <p:sldIdLst>
     <p:sldId id="256" r:id="rId2"/>
     <p:sldId id="357" r:id="rId3"/>
-    <p:sldId id="476" r:id="rId4"/>
-    <p:sldId id="257" r:id="rId5"/>
-    <p:sldId id="478" r:id="rId6"/>
-    <p:sldId id="258" r:id="rId7"/>
-    <p:sldId id="260" r:id="rId8"/>
-    <p:sldId id="261" r:id="rId9"/>
-    <p:sldId id="262" r:id="rId10"/>
-    <p:sldId id="263" r:id="rId11"/>
-    <p:sldId id="479" r:id="rId12"/>
-    <p:sldId id="660" r:id="rId13"/>
-    <p:sldId id="482" r:id="rId14"/>
-    <p:sldId id="481" r:id="rId15"/>
-    <p:sldId id="341" r:id="rId16"/>
-    <p:sldId id="271" r:id="rId17"/>
-    <p:sldId id="483" r:id="rId18"/>
-    <p:sldId id="484" r:id="rId19"/>
-    <p:sldId id="283" r:id="rId20"/>
-    <p:sldId id="307" r:id="rId21"/>
-    <p:sldId id="485" r:id="rId22"/>
-    <p:sldId id="486" r:id="rId23"/>
-    <p:sldId id="487" r:id="rId24"/>
-    <p:sldId id="488" r:id="rId25"/>
-    <p:sldId id="489" r:id="rId26"/>
-    <p:sldId id="490" r:id="rId27"/>
-    <p:sldId id="493" r:id="rId28"/>
-    <p:sldId id="494" r:id="rId29"/>
-    <p:sldId id="495" r:id="rId30"/>
-    <p:sldId id="661" r:id="rId31"/>
-    <p:sldId id="497" r:id="rId32"/>
-    <p:sldId id="662" r:id="rId33"/>
-    <p:sldId id="285" r:id="rId34"/>
-    <p:sldId id="498" r:id="rId35"/>
-    <p:sldId id="499" r:id="rId36"/>
-    <p:sldId id="500" r:id="rId37"/>
-    <p:sldId id="501" r:id="rId38"/>
-    <p:sldId id="502" r:id="rId39"/>
-    <p:sldId id="503" r:id="rId40"/>
-    <p:sldId id="504" r:id="rId41"/>
-    <p:sldId id="505" r:id="rId42"/>
-    <p:sldId id="646" r:id="rId43"/>
-    <p:sldId id="477" r:id="rId44"/>
-    <p:sldId id="647" r:id="rId45"/>
-    <p:sldId id="648" r:id="rId46"/>
-    <p:sldId id="649" r:id="rId47"/>
-    <p:sldId id="651" r:id="rId48"/>
-    <p:sldId id="652" r:id="rId49"/>
-    <p:sldId id="653" r:id="rId50"/>
-    <p:sldId id="654" r:id="rId51"/>
-    <p:sldId id="655" r:id="rId52"/>
-    <p:sldId id="656" r:id="rId53"/>
-    <p:sldId id="657" r:id="rId54"/>
-    <p:sldId id="658" r:id="rId55"/>
-    <p:sldId id="659" r:id="rId56"/>
-    <p:sldId id="650" r:id="rId57"/>
-    <p:sldId id="414" r:id="rId58"/>
+    <p:sldId id="663" r:id="rId4"/>
+    <p:sldId id="476" r:id="rId5"/>
+    <p:sldId id="257" r:id="rId6"/>
+    <p:sldId id="478" r:id="rId7"/>
+    <p:sldId id="258" r:id="rId8"/>
+    <p:sldId id="260" r:id="rId9"/>
+    <p:sldId id="261" r:id="rId10"/>
+    <p:sldId id="262" r:id="rId11"/>
+    <p:sldId id="263" r:id="rId12"/>
+    <p:sldId id="479" r:id="rId13"/>
+    <p:sldId id="660" r:id="rId14"/>
+    <p:sldId id="482" r:id="rId15"/>
+    <p:sldId id="481" r:id="rId16"/>
+    <p:sldId id="341" r:id="rId17"/>
+    <p:sldId id="271" r:id="rId18"/>
+    <p:sldId id="483" r:id="rId19"/>
+    <p:sldId id="484" r:id="rId20"/>
+    <p:sldId id="283" r:id="rId21"/>
+    <p:sldId id="307" r:id="rId22"/>
+    <p:sldId id="485" r:id="rId23"/>
+    <p:sldId id="486" r:id="rId24"/>
+    <p:sldId id="487" r:id="rId25"/>
+    <p:sldId id="488" r:id="rId26"/>
+    <p:sldId id="489" r:id="rId27"/>
+    <p:sldId id="490" r:id="rId28"/>
+    <p:sldId id="493" r:id="rId29"/>
+    <p:sldId id="494" r:id="rId30"/>
+    <p:sldId id="495" r:id="rId31"/>
+    <p:sldId id="661" r:id="rId32"/>
+    <p:sldId id="497" r:id="rId33"/>
+    <p:sldId id="662" r:id="rId34"/>
+    <p:sldId id="285" r:id="rId35"/>
+    <p:sldId id="498" r:id="rId36"/>
+    <p:sldId id="499" r:id="rId37"/>
+    <p:sldId id="500" r:id="rId38"/>
+    <p:sldId id="501" r:id="rId39"/>
+    <p:sldId id="502" r:id="rId40"/>
+    <p:sldId id="503" r:id="rId41"/>
+    <p:sldId id="504" r:id="rId42"/>
+    <p:sldId id="505" r:id="rId43"/>
+    <p:sldId id="646" r:id="rId44"/>
+    <p:sldId id="477" r:id="rId45"/>
+    <p:sldId id="647" r:id="rId46"/>
+    <p:sldId id="648" r:id="rId47"/>
+    <p:sldId id="649" r:id="rId48"/>
+    <p:sldId id="651" r:id="rId49"/>
+    <p:sldId id="652" r:id="rId50"/>
+    <p:sldId id="653" r:id="rId51"/>
+    <p:sldId id="654" r:id="rId52"/>
+    <p:sldId id="655" r:id="rId53"/>
+    <p:sldId id="656" r:id="rId54"/>
+    <p:sldId id="657" r:id="rId55"/>
+    <p:sldId id="658" r:id="rId56"/>
+    <p:sldId id="659" r:id="rId57"/>
+    <p:sldId id="650" r:id="rId58"/>
+    <p:sldId id="414" r:id="rId59"/>
   </p:sldIdLst>
   <p:sldSz cx="12192000" cy="6858000"/>
   <p:notesSz cx="7010400" cy="9296400"/>
@@ -264,7 +265,7 @@
           <a:p>
             <a:fld id="{EF911157-0FC2-4F06-8D61-FD647FE4E19D}" type="datetimeFigureOut">
               <a:rPr lang="en-US" smtClean="0"/>
-              <a:t>1/30/2023</a:t>
+              <a:t>2/1/2023</a:t>
             </a:fld>
             <a:endParaRPr lang="en-US"/>
           </a:p>
@@ -643,6 +644,122 @@
       </p:grpSpPr>
       <p:sp>
         <p:nvSpPr>
+          <p:cNvPr id="83970" name="Slide Image Placeholder 1"/>
+          <p:cNvSpPr>
+            <a:spLocks noGrp="1" noRot="1" noChangeAspect="1" noTextEdit="1"/>
+          </p:cNvSpPr>
+          <p:nvPr>
+            <p:ph type="sldImg"/>
+          </p:nvPr>
+        </p:nvSpPr>
+        <p:spPr bwMode="auto">
+          <a:xfrm>
+            <a:off x="381000" y="687388"/>
+            <a:ext cx="6096000" cy="3429000"/>
+          </a:xfrm>
+          <a:noFill/>
+          <a:ln>
+            <a:solidFill>
+              <a:srgbClr val="000000"/>
+            </a:solidFill>
+            <a:miter lim="800000"/>
+            <a:headEnd/>
+            <a:tailEnd/>
+          </a:ln>
+        </p:spPr>
+      </p:sp>
+      <p:sp>
+        <p:nvSpPr>
+          <p:cNvPr id="83971" name="Notes Placeholder 2"/>
+          <p:cNvSpPr>
+            <a:spLocks noGrp="1"/>
+          </p:cNvSpPr>
+          <p:nvPr>
+            <p:ph type="body" idx="1"/>
+          </p:nvPr>
+        </p:nvSpPr>
+        <p:spPr bwMode="auto">
+          <a:noFill/>
+        </p:spPr>
+        <p:txBody>
+          <a:bodyPr/>
+          <a:lstStyle/>
+          <a:p>
+            <a:r>
+              <a:rPr lang="en-US" dirty="0"/>
+              <a:t>OHIP schedule: https://health.gov.on.ca/en/pro/programs/ohip/sob/physserv/sob_master_20221201.pdf</a:t>
+            </a:r>
+          </a:p>
+        </p:txBody>
+      </p:sp>
+      <p:sp>
+        <p:nvSpPr>
+          <p:cNvPr id="83972" name="Slide Number Placeholder 3"/>
+          <p:cNvSpPr>
+            <a:spLocks noGrp="1"/>
+          </p:cNvSpPr>
+          <p:nvPr>
+            <p:ph type="sldNum" sz="quarter" idx="5"/>
+          </p:nvPr>
+        </p:nvSpPr>
+        <p:spPr bwMode="auto">
+          <a:noFill/>
+          <a:ln>
+            <a:miter lim="800000"/>
+            <a:headEnd/>
+            <a:tailEnd/>
+          </a:ln>
+        </p:spPr>
+        <p:txBody>
+          <a:bodyPr wrap="square" numCol="1" anchorCtr="0" compatLnSpc="1">
+            <a:prstTxWarp prst="textNoShape">
+              <a:avLst/>
+            </a:prstTxWarp>
+          </a:bodyPr>
+          <a:lstStyle/>
+          <a:p>
+            <a:fld id="{36CDC6BA-1FC5-4CCD-A5B4-2BA7C40A2052}" type="slidenum">
+              <a:rPr lang="en-US" smtClean="0">
+                <a:latin typeface="Arial" pitchFamily="34" charset="0"/>
+                <a:ea typeface="宋体" pitchFamily="2" charset="-122"/>
+              </a:rPr>
+              <a:pPr/>
+              <a:t>18</a:t>
+            </a:fld>
+            <a:endParaRPr lang="en-US">
+              <a:latin typeface="Arial" pitchFamily="34" charset="0"/>
+              <a:ea typeface="宋体" pitchFamily="2" charset="-122"/>
+            </a:endParaRPr>
+          </a:p>
+        </p:txBody>
+      </p:sp>
+    </p:spTree>
+  </p:cSld>
+  <p:clrMapOvr>
+    <a:masterClrMapping/>
+  </p:clrMapOvr>
+</p:notes>
+</file>
+
+<file path=ppt/notesSlides/notesSlide11.xml><?xml version="1.0" encoding="utf-8"?>
+<p:notes xmlns:a="http://schemas.openxmlformats.org/drawingml/2006/main" xmlns:r="http://schemas.openxmlformats.org/officeDocument/2006/relationships" xmlns:p="http://schemas.openxmlformats.org/presentationml/2006/main">
+  <p:cSld>
+    <p:spTree>
+      <p:nvGrpSpPr>
+        <p:cNvPr id="1" name=""/>
+        <p:cNvGrpSpPr/>
+        <p:nvPr/>
+      </p:nvGrpSpPr>
+      <p:grpSpPr>
+        <a:xfrm>
+          <a:off x="0" y="0"/>
+          <a:ext cx="0" cy="0"/>
+          <a:chOff x="0" y="0"/>
+          <a:chExt cx="0" cy="0"/>
+        </a:xfrm>
+      </p:grpSpPr>
+      <p:sp>
+        <p:nvSpPr>
           <p:cNvPr id="84994" name="Slide Image Placeholder 1"/>
           <p:cNvSpPr>
             <a:spLocks noGrp="1" noRot="1" noChangeAspect="1" noTextEdit="1"/>
@@ -723,95 +840,12 @@
                 <a:ea typeface="宋体" pitchFamily="2" charset="-122"/>
               </a:rPr>
               <a:pPr/>
-              <a:t>18</a:t>
+              <a:t>19</a:t>
             </a:fld>
             <a:endParaRPr lang="en-US">
               <a:latin typeface="Arial" pitchFamily="34" charset="0"/>
               <a:ea typeface="宋体" pitchFamily="2" charset="-122"/>
             </a:endParaRPr>
-          </a:p>
-        </p:txBody>
-      </p:sp>
-    </p:spTree>
-  </p:cSld>
-  <p:clrMapOvr>
-    <a:masterClrMapping/>
-  </p:clrMapOvr>
-</p:notes>
-</file>
-
-<file path=ppt/notesSlides/notesSlide11.xml><?xml version="1.0" encoding="utf-8"?>
-<p:notes xmlns:a="http://schemas.openxmlformats.org/drawingml/2006/main" xmlns:r="http://schemas.openxmlformats.org/officeDocument/2006/relationships" xmlns:p="http://schemas.openxmlformats.org/presentationml/2006/main">
-  <p:cSld>
-    <p:spTree>
-      <p:nvGrpSpPr>
-        <p:cNvPr id="1" name=""/>
-        <p:cNvGrpSpPr/>
-        <p:nvPr/>
-      </p:nvGrpSpPr>
-      <p:grpSpPr>
-        <a:xfrm>
-          <a:off x="0" y="0"/>
-          <a:ext cx="0" cy="0"/>
-          <a:chOff x="0" y="0"/>
-          <a:chExt cx="0" cy="0"/>
-        </a:xfrm>
-      </p:grpSpPr>
-      <p:sp>
-        <p:nvSpPr>
-          <p:cNvPr id="38914" name="Slide Image Placeholder 1"/>
-          <p:cNvSpPr>
-            <a:spLocks noGrp="1" noRot="1" noChangeAspect="1" noTextEdit="1"/>
-          </p:cNvSpPr>
-          <p:nvPr>
-            <p:ph type="sldImg"/>
-          </p:nvPr>
-        </p:nvSpPr>
-        <p:spPr>
-          <a:ln/>
-        </p:spPr>
-      </p:sp>
-      <p:sp>
-        <p:nvSpPr>
-          <p:cNvPr id="38915" name="Notes Placeholder 2"/>
-          <p:cNvSpPr>
-            <a:spLocks noGrp="1"/>
-          </p:cNvSpPr>
-          <p:nvPr>
-            <p:ph type="body" idx="1"/>
-          </p:nvPr>
-        </p:nvSpPr>
-        <p:spPr>
-          <a:noFill/>
-          <a:ln w="9525"/>
-          <a:extLst>
-            <a:ext uri="{909E8E84-426E-40DD-AFC4-6F175D3DCCD1}">
-              <a14:hiddenFill xmlns:a14="http://schemas.microsoft.com/office/drawing/2010/main">
-                <a:solidFill>
-                  <a:srgbClr val="FFFFFF"/>
-                </a:solidFill>
-              </a14:hiddenFill>
-            </a:ext>
-            <a:ext uri="{91240B29-F687-4F45-9708-019B960494DF}">
-              <a14:hiddenLine xmlns:a14="http://schemas.microsoft.com/office/drawing/2010/main" w="9525">
-                <a:solidFill>
-                  <a:srgbClr val="000000"/>
-                </a:solidFill>
-                <a:miter lim="800000"/>
-                <a:headEnd/>
-                <a:tailEnd/>
-              </a14:hiddenLine>
-            </a:ext>
-          </a:extLst>
-        </p:spPr>
-        <p:txBody>
-          <a:bodyPr/>
-          <a:lstStyle/>
-          <a:p>
-            <a:r>
-              <a:rPr lang="en-US" altLang="en-US" dirty="0"/>
-              <a:t>Note that when alpha = 1, your utility is still maximized. What if alpha goes past 1?Who falls into that category?</a:t>
-            </a:r>
           </a:p>
         </p:txBody>
       </p:sp>
@@ -893,17 +927,12 @@
           <a:p>
             <a:r>
               <a:rPr lang="en-US" altLang="en-US" dirty="0"/>
-              <a:t>Note that here we incorporate two possible payment extremes into pi – model lets us flexibly compare these</a:t>
+              <a:t>Note that when alpha = 1, your utility is still maximized. What if alpha goes past 1?Who falls into that category?</a:t>
             </a:r>
           </a:p>
         </p:txBody>
       </p:sp>
     </p:spTree>
-    <p:extLst>
-      <p:ext uri="{BB962C8B-B14F-4D97-AF65-F5344CB8AC3E}">
-        <p14:creationId xmlns:p14="http://schemas.microsoft.com/office/powerpoint/2010/main" val="2860834563"/>
-      </p:ext>
-    </p:extLst>
   </p:cSld>
   <p:clrMapOvr>
     <a:masterClrMapping/>
@@ -930,19 +959,21 @@
       </p:grpSpPr>
       <p:sp>
         <p:nvSpPr>
-          <p:cNvPr id="2" name="Slide Image Placeholder 1"/>
+          <p:cNvPr id="38914" name="Slide Image Placeholder 1"/>
           <p:cNvSpPr>
-            <a:spLocks noGrp="1" noRot="1" noChangeAspect="1"/>
+            <a:spLocks noGrp="1" noRot="1" noChangeAspect="1" noTextEdit="1"/>
           </p:cNvSpPr>
           <p:nvPr>
             <p:ph type="sldImg"/>
           </p:nvPr>
         </p:nvSpPr>
-        <p:spPr/>
+        <p:spPr>
+          <a:ln/>
+        </p:spPr>
       </p:sp>
       <p:sp>
         <p:nvSpPr>
-          <p:cNvPr id="3" name="Notes Placeholder 2"/>
+          <p:cNvPr id="38915" name="Notes Placeholder 2"/>
           <p:cNvSpPr>
             <a:spLocks noGrp="1"/>
           </p:cNvSpPr>
@@ -950,45 +981,44 @@
             <p:ph type="body" idx="1"/>
           </p:nvPr>
         </p:nvSpPr>
-        <p:spPr/>
+        <p:spPr>
+          <a:noFill/>
+          <a:ln w="9525"/>
+          <a:extLst>
+            <a:ext uri="{909E8E84-426E-40DD-AFC4-6F175D3DCCD1}">
+              <a14:hiddenFill xmlns:a14="http://schemas.microsoft.com/office/drawing/2010/main">
+                <a:solidFill>
+                  <a:srgbClr val="FFFFFF"/>
+                </a:solidFill>
+              </a14:hiddenFill>
+            </a:ext>
+            <a:ext uri="{91240B29-F687-4F45-9708-019B960494DF}">
+              <a14:hiddenLine xmlns:a14="http://schemas.microsoft.com/office/drawing/2010/main" w="9525">
+                <a:solidFill>
+                  <a:srgbClr val="000000"/>
+                </a:solidFill>
+                <a:miter lim="800000"/>
+                <a:headEnd/>
+                <a:tailEnd/>
+              </a14:hiddenLine>
+            </a:ext>
+          </a:extLst>
+        </p:spPr>
         <p:txBody>
           <a:bodyPr/>
           <a:lstStyle/>
           <a:p>
             <a:r>
-              <a:rPr lang="en-CA" dirty="0"/>
-              <a:t>What assumptions are we making here? (Leave graph on board)</a:t>
-            </a:r>
-          </a:p>
-        </p:txBody>
-      </p:sp>
-      <p:sp>
-        <p:nvSpPr>
-          <p:cNvPr id="4" name="Slide Number Placeholder 3"/>
-          <p:cNvSpPr>
-            <a:spLocks noGrp="1"/>
-          </p:cNvSpPr>
-          <p:nvPr>
-            <p:ph type="sldNum" sz="quarter" idx="5"/>
-          </p:nvPr>
-        </p:nvSpPr>
-        <p:spPr/>
-        <p:txBody>
-          <a:bodyPr/>
-          <a:lstStyle/>
-          <a:p>
-            <a:fld id="{4AF79E1B-2C51-4B9B-8EA4-26DE9E345AFF}" type="slidenum">
-              <a:rPr lang="en-US" smtClean="0"/>
-              <a:t>21</a:t>
-            </a:fld>
-            <a:endParaRPr lang="en-US"/>
+              <a:rPr lang="en-US" altLang="en-US" dirty="0"/>
+              <a:t>Note that here we incorporate two possible payment extremes into pi – model lets us flexibly compare these</a:t>
+            </a:r>
           </a:p>
         </p:txBody>
       </p:sp>
     </p:spTree>
     <p:extLst>
       <p:ext uri="{BB962C8B-B14F-4D97-AF65-F5344CB8AC3E}">
-        <p14:creationId xmlns:p14="http://schemas.microsoft.com/office/powerpoint/2010/main" val="3400181846"/>
+        <p14:creationId xmlns:p14="http://schemas.microsoft.com/office/powerpoint/2010/main" val="2860834563"/>
       </p:ext>
     </p:extLst>
   </p:cSld>
@@ -1044,7 +1074,7 @@
           <a:p>
             <a:r>
               <a:rPr lang="en-CA" dirty="0"/>
-              <a:t>What assumptions are we making here? </a:t>
+              <a:t>What assumptions are we making here? (Leave graph on board)</a:t>
             </a:r>
           </a:p>
         </p:txBody>
@@ -1075,7 +1105,7 @@
     </p:spTree>
     <p:extLst>
       <p:ext uri="{BB962C8B-B14F-4D97-AF65-F5344CB8AC3E}">
-        <p14:creationId xmlns:p14="http://schemas.microsoft.com/office/powerpoint/2010/main" val="1902832553"/>
+        <p14:creationId xmlns:p14="http://schemas.microsoft.com/office/powerpoint/2010/main" val="3400181846"/>
       </p:ext>
     </p:extLst>
   </p:cSld>
@@ -1131,7 +1161,7 @@
           <a:p>
             <a:r>
               <a:rPr lang="en-CA" dirty="0"/>
-              <a:t>Since alpha &lt; 1 , it is less than patient’s desired optimum</a:t>
+              <a:t>What assumptions are we making here? </a:t>
             </a:r>
           </a:p>
         </p:txBody>
@@ -1162,7 +1192,7 @@
     </p:spTree>
     <p:extLst>
       <p:ext uri="{BB962C8B-B14F-4D97-AF65-F5344CB8AC3E}">
-        <p14:creationId xmlns:p14="http://schemas.microsoft.com/office/powerpoint/2010/main" val="714266092"/>
+        <p14:creationId xmlns:p14="http://schemas.microsoft.com/office/powerpoint/2010/main" val="1902832553"/>
       </p:ext>
     </p:extLst>
   </p:cSld>
@@ -1218,7 +1248,7 @@
           <a:p>
             <a:r>
               <a:rPr lang="en-CA" dirty="0"/>
-              <a:t>(Leave graph on board) Note – this model is obviously simple – if doctors weren’t altruistic at all, then there would be no quantity provided. What else aren’t we accounting for? (Norms)</a:t>
+              <a:t>Since alpha &lt; 1 , it is less than patient’s desired optimum</a:t>
             </a:r>
           </a:p>
         </p:txBody>
@@ -1249,7 +1279,7 @@
     </p:spTree>
     <p:extLst>
       <p:ext uri="{BB962C8B-B14F-4D97-AF65-F5344CB8AC3E}">
-        <p14:creationId xmlns:p14="http://schemas.microsoft.com/office/powerpoint/2010/main" val="3979182852"/>
+        <p14:creationId xmlns:p14="http://schemas.microsoft.com/office/powerpoint/2010/main" val="714266092"/>
       </p:ext>
     </p:extLst>
   </p:cSld>
@@ -1305,7 +1335,7 @@
           <a:p>
             <a:r>
               <a:rPr lang="en-CA" dirty="0"/>
-              <a:t>If marginal costs are c, then we have the same condition as before except we increase the RHS from 0 to c. This means that we must increase b(q) from our capitated solution, which means increasing service provision. (Leave graph on board)</a:t>
+              <a:t>(Leave graph on board) Note – this model is obviously simple – if doctors weren’t altruistic at all, then there would be no quantity provided. What else aren’t we accounting for? (Norms)</a:t>
             </a:r>
           </a:p>
         </p:txBody>
@@ -1336,7 +1366,7 @@
     </p:spTree>
     <p:extLst>
       <p:ext uri="{BB962C8B-B14F-4D97-AF65-F5344CB8AC3E}">
-        <p14:creationId xmlns:p14="http://schemas.microsoft.com/office/powerpoint/2010/main" val="2423219825"/>
+        <p14:creationId xmlns:p14="http://schemas.microsoft.com/office/powerpoint/2010/main" val="3979182852"/>
       </p:ext>
     </p:extLst>
   </p:cSld>
@@ -1392,7 +1422,7 @@
           <a:p>
             <a:r>
               <a:rPr lang="en-CA" dirty="0"/>
-              <a:t>No reason to believe that FFS will get to the “right” level of provision</a:t>
+              <a:t>If marginal costs are c, then we have the same condition as before except we increase the RHS from 0 to c. This means that we must increase b(q) from our capitated solution, which means increasing service provision. (Leave graph on board)</a:t>
             </a:r>
           </a:p>
         </p:txBody>
@@ -1423,7 +1453,7 @@
     </p:spTree>
     <p:extLst>
       <p:ext uri="{BB962C8B-B14F-4D97-AF65-F5344CB8AC3E}">
-        <p14:creationId xmlns:p14="http://schemas.microsoft.com/office/powerpoint/2010/main" val="3314948882"/>
+        <p14:creationId xmlns:p14="http://schemas.microsoft.com/office/powerpoint/2010/main" val="2423219825"/>
       </p:ext>
     </p:extLst>
   </p:cSld>
@@ -1479,7 +1509,7 @@
           <a:p>
             <a:r>
               <a:rPr lang="en-CA" dirty="0"/>
-              <a:t>Yes, in this case we need to decrease the marginal costs</a:t>
+              <a:t>No reason to believe that FFS will get to the “right” level of provision</a:t>
             </a:r>
           </a:p>
         </p:txBody>
@@ -1510,7 +1540,7 @@
     </p:spTree>
     <p:extLst>
       <p:ext uri="{BB962C8B-B14F-4D97-AF65-F5344CB8AC3E}">
-        <p14:creationId xmlns:p14="http://schemas.microsoft.com/office/powerpoint/2010/main" val="3590120813"/>
+        <p14:creationId xmlns:p14="http://schemas.microsoft.com/office/powerpoint/2010/main" val="3314948882"/>
       </p:ext>
     </p:extLst>
   </p:cSld>
@@ -1566,7 +1596,11 @@
           <a:p>
             <a:r>
               <a:rPr lang="en-CA" dirty="0"/>
-              <a:t>Today we’ll focus on these but there are models/research for lots of other topics too!</a:t>
+              <a:t>Think through this: what are the concerns of adverse selection? How would that impact the market? What about advantageous selection (how would that impact)? What can we expect to happen </a:t>
+            </a:r>
+            <a:r>
+              <a:rPr lang="en-CA"/>
+              <a:t>in equilibrium? </a:t>
             </a:r>
           </a:p>
         </p:txBody>
@@ -1588,7 +1622,7 @@
           <a:p>
             <a:fld id="{4AF79E1B-2C51-4B9B-8EA4-26DE9E345AFF}" type="slidenum">
               <a:rPr lang="en-US" smtClean="0"/>
-              <a:t>5</a:t>
+              <a:t>3</a:t>
             </a:fld>
             <a:endParaRPr lang="en-US"/>
           </a:p>
@@ -1597,7 +1631,7 @@
     </p:spTree>
     <p:extLst>
       <p:ext uri="{BB962C8B-B14F-4D97-AF65-F5344CB8AC3E}">
-        <p14:creationId xmlns:p14="http://schemas.microsoft.com/office/powerpoint/2010/main" val="1661900130"/>
+        <p14:creationId xmlns:p14="http://schemas.microsoft.com/office/powerpoint/2010/main" val="3204219638"/>
       </p:ext>
     </p:extLst>
   </p:cSld>
@@ -1653,7 +1687,7 @@
           <a:p>
             <a:r>
               <a:rPr lang="en-CA" dirty="0"/>
-              <a:t>Suppose we have a mixed system where some fraction “r” of costs are paid and a physician is also paid a capitated “a” amount </a:t>
+              <a:t>Yes, in this case we need to decrease the marginal costs</a:t>
             </a:r>
           </a:p>
         </p:txBody>
@@ -1684,7 +1718,7 @@
     </p:spTree>
     <p:extLst>
       <p:ext uri="{BB962C8B-B14F-4D97-AF65-F5344CB8AC3E}">
-        <p14:creationId xmlns:p14="http://schemas.microsoft.com/office/powerpoint/2010/main" val="527161287"/>
+        <p14:creationId xmlns:p14="http://schemas.microsoft.com/office/powerpoint/2010/main" val="3590120813"/>
       </p:ext>
     </p:extLst>
   </p:cSld>
@@ -1738,26 +1772,9 @@
           <a:bodyPr/>
           <a:lstStyle/>
           <a:p>
-            <a:pPr marL="0" marR="0" lvl="0" indent="0" algn="l" defTabSz="914400" rtl="0" eaLnBrk="1" fontAlgn="auto" latinLnBrk="0" hangingPunct="1">
-              <a:lnSpc>
-                <a:spcPct val="100000"/>
-              </a:lnSpc>
-              <a:spcBef>
-                <a:spcPts val="0"/>
-              </a:spcBef>
-              <a:spcAft>
-                <a:spcPts val="0"/>
-              </a:spcAft>
-              <a:buClrTx/>
-              <a:buSzTx/>
-              <a:buFontTx/>
-              <a:buNone/>
-              <a:tabLst/>
-              <a:defRPr/>
-            </a:pPr>
             <a:r>
               <a:rPr lang="en-CA" dirty="0"/>
-              <a:t>Marginal benefit = marginal cost. </a:t>
+              <a:t>Suppose we have a mixed system where some fraction “r” of costs are paid and a physician is also paid a capitated “a” amount </a:t>
             </a:r>
           </a:p>
         </p:txBody>
@@ -1788,7 +1805,7 @@
     </p:spTree>
     <p:extLst>
       <p:ext uri="{BB962C8B-B14F-4D97-AF65-F5344CB8AC3E}">
-        <p14:creationId xmlns:p14="http://schemas.microsoft.com/office/powerpoint/2010/main" val="2317568186"/>
+        <p14:creationId xmlns:p14="http://schemas.microsoft.com/office/powerpoint/2010/main" val="527161287"/>
       </p:ext>
     </p:extLst>
   </p:cSld>
@@ -1861,24 +1878,8 @@
             </a:pPr>
             <a:r>
               <a:rPr lang="en-CA" dirty="0"/>
-              <a:t>Marginal benefit = marginal cost. Now, the MDs have to be paid for everything but their altruism. Think about comparative statics—what happens as alpha changes? If alpha = 1, then we can get away with full capitation (see figure 1), but otherwise need to “beef </a:t>
-            </a:r>
-            <a:r>
-              <a:rPr lang="en-CA" dirty="0" err="1"/>
-              <a:t>ti</a:t>
-            </a:r>
-            <a:r>
-              <a:rPr lang="en-CA" dirty="0"/>
-              <a:t> up” a </a:t>
-            </a:r>
-            <a:r>
-              <a:rPr lang="en-CA" dirty="0" err="1"/>
-              <a:t>litle</a:t>
-            </a:r>
-            <a:endParaRPr lang="en-CA" dirty="0"/>
-          </a:p>
-          <a:p>
-            <a:endParaRPr lang="en-CA" dirty="0"/>
+              <a:t>Marginal benefit = marginal cost. </a:t>
+            </a:r>
           </a:p>
         </p:txBody>
       </p:sp>
@@ -1908,7 +1909,7 @@
     </p:spTree>
     <p:extLst>
       <p:ext uri="{BB962C8B-B14F-4D97-AF65-F5344CB8AC3E}">
-        <p14:creationId xmlns:p14="http://schemas.microsoft.com/office/powerpoint/2010/main" val="3881209130"/>
+        <p14:creationId xmlns:p14="http://schemas.microsoft.com/office/powerpoint/2010/main" val="2317568186"/>
       </p:ext>
     </p:extLst>
   </p:cSld>
@@ -1962,10 +1963,43 @@
           <a:bodyPr/>
           <a:lstStyle/>
           <a:p>
+            <a:pPr marL="0" marR="0" lvl="0" indent="0" algn="l" defTabSz="914400" rtl="0" eaLnBrk="1" fontAlgn="auto" latinLnBrk="0" hangingPunct="1">
+              <a:lnSpc>
+                <a:spcPct val="100000"/>
+              </a:lnSpc>
+              <a:spcBef>
+                <a:spcPts val="0"/>
+              </a:spcBef>
+              <a:spcAft>
+                <a:spcPts val="0"/>
+              </a:spcAft>
+              <a:buClrTx/>
+              <a:buSzTx/>
+              <a:buFontTx/>
+              <a:buNone/>
+              <a:tabLst/>
+              <a:defRPr/>
+            </a:pPr>
             <a:r>
               <a:rPr lang="en-CA" dirty="0"/>
-              <a:t>Policy makers get to choose r and a</a:t>
-            </a:r>
+              <a:t>Marginal benefit = marginal cost. Now, the MDs have to be paid for everything but their altruism. Think about comparative statics—what happens as alpha changes? If alpha = 1, then we can get away with full capitation (see figure 1), but otherwise need to “beef </a:t>
+            </a:r>
+            <a:r>
+              <a:rPr lang="en-CA" dirty="0" err="1"/>
+              <a:t>ti</a:t>
+            </a:r>
+            <a:r>
+              <a:rPr lang="en-CA" dirty="0"/>
+              <a:t> up” a </a:t>
+            </a:r>
+            <a:r>
+              <a:rPr lang="en-CA" dirty="0" err="1"/>
+              <a:t>litle</a:t>
+            </a:r>
+            <a:endParaRPr lang="en-CA" dirty="0"/>
+          </a:p>
+          <a:p>
+            <a:endParaRPr lang="en-CA" dirty="0"/>
           </a:p>
         </p:txBody>
       </p:sp>
@@ -1995,7 +2029,7 @@
     </p:spTree>
     <p:extLst>
       <p:ext uri="{BB962C8B-B14F-4D97-AF65-F5344CB8AC3E}">
-        <p14:creationId xmlns:p14="http://schemas.microsoft.com/office/powerpoint/2010/main" val="1135223908"/>
+        <p14:creationId xmlns:p14="http://schemas.microsoft.com/office/powerpoint/2010/main" val="3881209130"/>
       </p:ext>
     </p:extLst>
   </p:cSld>
@@ -2050,10 +2084,9 @@
           <a:lstStyle/>
           <a:p>
             <a:r>
-              <a:rPr lang="en-US" altLang="en-US" dirty="0"/>
-              <a:t>Also do we want to implement q’? Why or why not? </a:t>
-            </a:r>
-            <a:endParaRPr lang="en-US" dirty="0"/>
+              <a:rPr lang="en-CA" dirty="0"/>
+              <a:t>Policy makers get to choose r and a</a:t>
+            </a:r>
           </a:p>
         </p:txBody>
       </p:sp>
@@ -2083,7 +2116,7 @@
     </p:spTree>
     <p:extLst>
       <p:ext uri="{BB962C8B-B14F-4D97-AF65-F5344CB8AC3E}">
-        <p14:creationId xmlns:p14="http://schemas.microsoft.com/office/powerpoint/2010/main" val="3569833132"/>
+        <p14:creationId xmlns:p14="http://schemas.microsoft.com/office/powerpoint/2010/main" val="1135223908"/>
       </p:ext>
     </p:extLst>
   </p:cSld>
@@ -2112,21 +2145,19 @@
       </p:grpSpPr>
       <p:sp>
         <p:nvSpPr>
-          <p:cNvPr id="40962" name="Slide Image Placeholder 1"/>
+          <p:cNvPr id="2" name="Slide Image Placeholder 1"/>
           <p:cNvSpPr>
-            <a:spLocks noGrp="1" noRot="1" noChangeAspect="1" noTextEdit="1"/>
+            <a:spLocks noGrp="1" noRot="1" noChangeAspect="1"/>
           </p:cNvSpPr>
           <p:nvPr>
             <p:ph type="sldImg"/>
           </p:nvPr>
         </p:nvSpPr>
-        <p:spPr>
-          <a:ln/>
-        </p:spPr>
+        <p:spPr/>
       </p:sp>
       <p:sp>
         <p:nvSpPr>
-          <p:cNvPr id="40963" name="Notes Placeholder 2"/>
+          <p:cNvPr id="3" name="Notes Placeholder 2"/>
           <p:cNvSpPr>
             <a:spLocks noGrp="1"/>
           </p:cNvSpPr>
@@ -2134,41 +2165,48 @@
             <p:ph type="body" idx="1"/>
           </p:nvPr>
         </p:nvSpPr>
-        <p:spPr>
-          <a:noFill/>
-          <a:ln w="9525"/>
-          <a:extLst>
-            <a:ext uri="{909E8E84-426E-40DD-AFC4-6F175D3DCCD1}">
-              <a14:hiddenFill xmlns:a14="http://schemas.microsoft.com/office/drawing/2010/main">
-                <a:solidFill>
-                  <a:srgbClr val="FFFFFF"/>
-                </a:solidFill>
-              </a14:hiddenFill>
-            </a:ext>
-            <a:ext uri="{91240B29-F687-4F45-9708-019B960494DF}">
-              <a14:hiddenLine xmlns:a14="http://schemas.microsoft.com/office/drawing/2010/main" w="9525">
-                <a:solidFill>
-                  <a:srgbClr val="000000"/>
-                </a:solidFill>
-                <a:miter lim="800000"/>
-                <a:headEnd/>
-                <a:tailEnd/>
-              </a14:hiddenLine>
-            </a:ext>
-          </a:extLst>
-        </p:spPr>
+        <p:spPr/>
         <p:txBody>
           <a:bodyPr/>
           <a:lstStyle/>
           <a:p>
             <a:r>
               <a:rPr lang="en-US" altLang="en-US" dirty="0"/>
-              <a:t>We’ll briefly walk through one extension of the model. </a:t>
-            </a:r>
+              <a:t>Also do we want to implement q’? Why or why not? </a:t>
+            </a:r>
+            <a:endParaRPr lang="en-US" dirty="0"/>
+          </a:p>
+        </p:txBody>
+      </p:sp>
+      <p:sp>
+        <p:nvSpPr>
+          <p:cNvPr id="4" name="Slide Number Placeholder 3"/>
+          <p:cNvSpPr>
+            <a:spLocks noGrp="1"/>
+          </p:cNvSpPr>
+          <p:nvPr>
+            <p:ph type="sldNum" sz="quarter" idx="5"/>
+          </p:nvPr>
+        </p:nvSpPr>
+        <p:spPr/>
+        <p:txBody>
+          <a:bodyPr/>
+          <a:lstStyle/>
+          <a:p>
+            <a:fld id="{4AF79E1B-2C51-4B9B-8EA4-26DE9E345AFF}" type="slidenum">
+              <a:rPr lang="en-US" smtClean="0"/>
+              <a:t>33</a:t>
+            </a:fld>
+            <a:endParaRPr lang="en-US"/>
           </a:p>
         </p:txBody>
       </p:sp>
     </p:spTree>
+    <p:extLst>
+      <p:ext uri="{BB962C8B-B14F-4D97-AF65-F5344CB8AC3E}">
+        <p14:creationId xmlns:p14="http://schemas.microsoft.com/office/powerpoint/2010/main" val="3569833132"/>
+      </p:ext>
+    </p:extLst>
   </p:cSld>
   <p:clrMapOvr>
     <a:masterClrMapping/>
@@ -2246,17 +2284,12 @@
           <a:p>
             <a:r>
               <a:rPr lang="en-US" altLang="en-US" dirty="0"/>
-              <a:t>We’ll briefly walk through one extension of the model (can skip this part if there isn’t time)</a:t>
+              <a:t>We’ll briefly walk through one extension of the model. </a:t>
             </a:r>
           </a:p>
         </p:txBody>
       </p:sp>
     </p:spTree>
-    <p:extLst>
-      <p:ext uri="{BB962C8B-B14F-4D97-AF65-F5344CB8AC3E}">
-        <p14:creationId xmlns:p14="http://schemas.microsoft.com/office/powerpoint/2010/main" val="4251555495"/>
-      </p:ext>
-    </p:extLst>
   </p:cSld>
   <p:clrMapOvr>
     <a:masterClrMapping/>
@@ -2334,7 +2367,7 @@
           <a:p>
             <a:r>
               <a:rPr lang="en-US" altLang="en-US" dirty="0"/>
-              <a:t>Simplified this utility function from the paper – note that the patient optimum is easy to compute, and depends only on patient cost-sharing © being less than a (note that the bracketed term is benefit from treatment)</a:t>
+              <a:t>We’ll briefly walk through one extension of the model (can skip this part if there isn’t time)</a:t>
             </a:r>
           </a:p>
         </p:txBody>
@@ -2342,7 +2375,7 @@
     </p:spTree>
     <p:extLst>
       <p:ext uri="{BB962C8B-B14F-4D97-AF65-F5344CB8AC3E}">
-        <p14:creationId xmlns:p14="http://schemas.microsoft.com/office/powerpoint/2010/main" val="3688866236"/>
+        <p14:creationId xmlns:p14="http://schemas.microsoft.com/office/powerpoint/2010/main" val="4251555495"/>
       </p:ext>
     </p:extLst>
   </p:cSld>
@@ -2422,7 +2455,7 @@
           <a:p>
             <a:r>
               <a:rPr lang="en-US" altLang="en-US" dirty="0"/>
-              <a:t>Now the provider’s utility max is just (a-(r/alpha))/b and requires only that r &lt; alpha * a. In previous part of problem we had r = 1-alpha . Leave solutions on the board</a:t>
+              <a:t>Simplified this utility function from the paper – note that the patient optimum is easy to compute, and depends only on patient cost-sharing © being less than a (note that the bracketed term is benefit from treatment)</a:t>
             </a:r>
           </a:p>
         </p:txBody>
@@ -2430,7 +2463,7 @@
     </p:spTree>
     <p:extLst>
       <p:ext uri="{BB962C8B-B14F-4D97-AF65-F5344CB8AC3E}">
-        <p14:creationId xmlns:p14="http://schemas.microsoft.com/office/powerpoint/2010/main" val="3261817441"/>
+        <p14:creationId xmlns:p14="http://schemas.microsoft.com/office/powerpoint/2010/main" val="3688866236"/>
       </p:ext>
     </p:extLst>
   </p:cSld>
@@ -2510,7 +2543,7 @@
           <a:p>
             <a:r>
               <a:rPr lang="en-US" altLang="en-US" dirty="0"/>
-              <a:t>Not going to go through this solution, but you can derive it yourself easily. Note that the q is flipped (patient is considering the minimal deviation from the provider’s quantity, and vice versa)</a:t>
+              <a:t>Now the provider’s utility max is just (a-(r/alpha))/b and requires only that r &lt; alpha * a. In previous part of problem we had r = 1-alpha . Leave solutions on the board</a:t>
             </a:r>
           </a:p>
         </p:txBody>
@@ -2518,7 +2551,7 @@
     </p:spTree>
     <p:extLst>
       <p:ext uri="{BB962C8B-B14F-4D97-AF65-F5344CB8AC3E}">
-        <p14:creationId xmlns:p14="http://schemas.microsoft.com/office/powerpoint/2010/main" val="1005153845"/>
+        <p14:creationId xmlns:p14="http://schemas.microsoft.com/office/powerpoint/2010/main" val="3261817441"/>
       </p:ext>
     </p:extLst>
   </p:cSld>
@@ -2574,7 +2607,7 @@
           <a:p>
             <a:r>
               <a:rPr lang="en-CA" dirty="0"/>
-              <a:t>P4P is still kind of an open question. FFS is also called prospective reimbursement</a:t>
+              <a:t>Today we’ll focus on these but there are models/research for lots of other topics too!</a:t>
             </a:r>
           </a:p>
         </p:txBody>
@@ -2596,7 +2629,7 @@
           <a:p>
             <a:fld id="{4AF79E1B-2C51-4B9B-8EA4-26DE9E345AFF}" type="slidenum">
               <a:rPr lang="en-US" smtClean="0"/>
-              <a:t>11</a:t>
+              <a:t>6</a:t>
             </a:fld>
             <a:endParaRPr lang="en-US"/>
           </a:p>
@@ -2605,7 +2638,7 @@
     </p:spTree>
     <p:extLst>
       <p:ext uri="{BB962C8B-B14F-4D97-AF65-F5344CB8AC3E}">
-        <p14:creationId xmlns:p14="http://schemas.microsoft.com/office/powerpoint/2010/main" val="2932517144"/>
+        <p14:creationId xmlns:p14="http://schemas.microsoft.com/office/powerpoint/2010/main" val="1661900130"/>
       </p:ext>
     </p:extLst>
   </p:cSld>
@@ -2685,7 +2718,7 @@
           <a:p>
             <a:r>
               <a:rPr lang="en-US" altLang="en-US" dirty="0"/>
-              <a:t>Not going to go through this solution, but you can derive it yourself easily. Note that F, G, H, and I depend on the quadratic terms of utility functions </a:t>
+              <a:t>Not going to go through this solution, but you can derive it yourself easily. Note that the q is flipped (patient is considering the minimal deviation from the provider’s quantity, and vice versa)</a:t>
             </a:r>
           </a:p>
         </p:txBody>
@@ -2693,7 +2726,7 @@
     </p:spTree>
     <p:extLst>
       <p:ext uri="{BB962C8B-B14F-4D97-AF65-F5344CB8AC3E}">
-        <p14:creationId xmlns:p14="http://schemas.microsoft.com/office/powerpoint/2010/main" val="1635011627"/>
+        <p14:creationId xmlns:p14="http://schemas.microsoft.com/office/powerpoint/2010/main" val="1005153845"/>
       </p:ext>
     </p:extLst>
   </p:cSld>
@@ -2773,7 +2806,7 @@
           <a:p>
             <a:r>
               <a:rPr lang="en-US" altLang="en-US" dirty="0"/>
-              <a:t>Is this a good assumption? Can work this out from the solutions to individual problems on the board</a:t>
+              <a:t>Not going to go through this solution, but you can derive it yourself easily. Note that F, G, H, and I depend on the quadratic terms of utility functions </a:t>
             </a:r>
           </a:p>
         </p:txBody>
@@ -2781,7 +2814,7 @@
     </p:spTree>
     <p:extLst>
       <p:ext uri="{BB962C8B-B14F-4D97-AF65-F5344CB8AC3E}">
-        <p14:creationId xmlns:p14="http://schemas.microsoft.com/office/powerpoint/2010/main" val="406141902"/>
+        <p14:creationId xmlns:p14="http://schemas.microsoft.com/office/powerpoint/2010/main" val="1635011627"/>
       </p:ext>
     </p:extLst>
   </p:cSld>
@@ -2869,7 +2902,7 @@
     </p:spTree>
     <p:extLst>
       <p:ext uri="{BB962C8B-B14F-4D97-AF65-F5344CB8AC3E}">
-        <p14:creationId xmlns:p14="http://schemas.microsoft.com/office/powerpoint/2010/main" val="3717872741"/>
+        <p14:creationId xmlns:p14="http://schemas.microsoft.com/office/powerpoint/2010/main" val="406141902"/>
       </p:ext>
     </p:extLst>
   </p:cSld>
@@ -2949,7 +2982,7 @@
           <a:p>
             <a:r>
               <a:rPr lang="en-US" altLang="en-US" dirty="0"/>
-              <a:t>And there we go! Why is B’ = 1? Because here we have assumed constant marginal costs of 1</a:t>
+              <a:t>Is this a good assumption? Can work this out from the solutions to individual problems on the board</a:t>
             </a:r>
           </a:p>
         </p:txBody>
@@ -2957,7 +2990,7 @@
     </p:spTree>
     <p:extLst>
       <p:ext uri="{BB962C8B-B14F-4D97-AF65-F5344CB8AC3E}">
-        <p14:creationId xmlns:p14="http://schemas.microsoft.com/office/powerpoint/2010/main" val="562158162"/>
+        <p14:creationId xmlns:p14="http://schemas.microsoft.com/office/powerpoint/2010/main" val="3717872741"/>
       </p:ext>
     </p:extLst>
   </p:cSld>
@@ -2968,180 +3001,6 @@
 </file>
 
 <file path=ppt/notesSlides/notesSlide34.xml><?xml version="1.0" encoding="utf-8"?>
-<p:notes xmlns:a="http://schemas.openxmlformats.org/drawingml/2006/main" xmlns:r="http://schemas.openxmlformats.org/officeDocument/2006/relationships" xmlns:p="http://schemas.openxmlformats.org/presentationml/2006/main">
-  <p:cSld>
-    <p:spTree>
-      <p:nvGrpSpPr>
-        <p:cNvPr id="1" name=""/>
-        <p:cNvGrpSpPr/>
-        <p:nvPr/>
-      </p:nvGrpSpPr>
-      <p:grpSpPr>
-        <a:xfrm>
-          <a:off x="0" y="0"/>
-          <a:ext cx="0" cy="0"/>
-          <a:chOff x="0" y="0"/>
-          <a:chExt cx="0" cy="0"/>
-        </a:xfrm>
-      </p:grpSpPr>
-      <p:sp>
-        <p:nvSpPr>
-          <p:cNvPr id="2" name="Slide Image Placeholder 1"/>
-          <p:cNvSpPr>
-            <a:spLocks noGrp="1" noRot="1" noChangeAspect="1"/>
-          </p:cNvSpPr>
-          <p:nvPr>
-            <p:ph type="sldImg"/>
-          </p:nvPr>
-        </p:nvSpPr>
-        <p:spPr/>
-      </p:sp>
-      <p:sp>
-        <p:nvSpPr>
-          <p:cNvPr id="3" name="Notes Placeholder 2"/>
-          <p:cNvSpPr>
-            <a:spLocks noGrp="1"/>
-          </p:cNvSpPr>
-          <p:nvPr>
-            <p:ph type="body" idx="1"/>
-          </p:nvPr>
-        </p:nvSpPr>
-        <p:spPr/>
-        <p:txBody>
-          <a:bodyPr/>
-          <a:lstStyle/>
-          <a:p>
-            <a:r>
-              <a:rPr lang="en-US" dirty="0"/>
-              <a:t>Some of my concerns – can we estimate bargaining? What about multiple types of insurance? </a:t>
-            </a:r>
-          </a:p>
-        </p:txBody>
-      </p:sp>
-      <p:sp>
-        <p:nvSpPr>
-          <p:cNvPr id="4" name="Slide Number Placeholder 3"/>
-          <p:cNvSpPr>
-            <a:spLocks noGrp="1"/>
-          </p:cNvSpPr>
-          <p:nvPr>
-            <p:ph type="sldNum" sz="quarter" idx="5"/>
-          </p:nvPr>
-        </p:nvSpPr>
-        <p:spPr/>
-        <p:txBody>
-          <a:bodyPr/>
-          <a:lstStyle/>
-          <a:p>
-            <a:fld id="{4AF79E1B-2C51-4B9B-8EA4-26DE9E345AFF}" type="slidenum">
-              <a:rPr lang="en-US" smtClean="0"/>
-              <a:t>42</a:t>
-            </a:fld>
-            <a:endParaRPr lang="en-US"/>
-          </a:p>
-        </p:txBody>
-      </p:sp>
-    </p:spTree>
-    <p:extLst>
-      <p:ext uri="{BB962C8B-B14F-4D97-AF65-F5344CB8AC3E}">
-        <p14:creationId xmlns:p14="http://schemas.microsoft.com/office/powerpoint/2010/main" val="3569833132"/>
-      </p:ext>
-    </p:extLst>
-  </p:cSld>
-  <p:clrMapOvr>
-    <a:masterClrMapping/>
-  </p:clrMapOvr>
-</p:notes>
-</file>
-
-<file path=ppt/notesSlides/notesSlide35.xml><?xml version="1.0" encoding="utf-8"?>
-<p:notes xmlns:a="http://schemas.openxmlformats.org/drawingml/2006/main" xmlns:r="http://schemas.openxmlformats.org/officeDocument/2006/relationships" xmlns:p="http://schemas.openxmlformats.org/presentationml/2006/main">
-  <p:cSld>
-    <p:spTree>
-      <p:nvGrpSpPr>
-        <p:cNvPr id="1" name=""/>
-        <p:cNvGrpSpPr/>
-        <p:nvPr/>
-      </p:nvGrpSpPr>
-      <p:grpSpPr>
-        <a:xfrm>
-          <a:off x="0" y="0"/>
-          <a:ext cx="0" cy="0"/>
-          <a:chOff x="0" y="0"/>
-          <a:chExt cx="0" cy="0"/>
-        </a:xfrm>
-      </p:grpSpPr>
-      <p:sp>
-        <p:nvSpPr>
-          <p:cNvPr id="2" name="Slide Image Placeholder 1"/>
-          <p:cNvSpPr>
-            <a:spLocks noGrp="1" noRot="1" noChangeAspect="1"/>
-          </p:cNvSpPr>
-          <p:nvPr>
-            <p:ph type="sldImg"/>
-          </p:nvPr>
-        </p:nvSpPr>
-        <p:spPr/>
-      </p:sp>
-      <p:sp>
-        <p:nvSpPr>
-          <p:cNvPr id="3" name="Notes Placeholder 2"/>
-          <p:cNvSpPr>
-            <a:spLocks noGrp="1"/>
-          </p:cNvSpPr>
-          <p:nvPr>
-            <p:ph type="body" idx="1"/>
-          </p:nvPr>
-        </p:nvSpPr>
-        <p:spPr/>
-        <p:txBody>
-          <a:bodyPr/>
-          <a:lstStyle/>
-          <a:p>
-            <a:r>
-              <a:rPr lang="en-CA" dirty="0"/>
-              <a:t>How does provider payment change if there are heterogeneous patients? </a:t>
-            </a:r>
-          </a:p>
-        </p:txBody>
-      </p:sp>
-      <p:sp>
-        <p:nvSpPr>
-          <p:cNvPr id="4" name="Slide Number Placeholder 3"/>
-          <p:cNvSpPr>
-            <a:spLocks noGrp="1"/>
-          </p:cNvSpPr>
-          <p:nvPr>
-            <p:ph type="sldNum" sz="quarter" idx="5"/>
-          </p:nvPr>
-        </p:nvSpPr>
-        <p:spPr/>
-        <p:txBody>
-          <a:bodyPr/>
-          <a:lstStyle/>
-          <a:p>
-            <a:fld id="{4AF79E1B-2C51-4B9B-8EA4-26DE9E345AFF}" type="slidenum">
-              <a:rPr lang="en-US" smtClean="0"/>
-              <a:t>43</a:t>
-            </a:fld>
-            <a:endParaRPr lang="en-US"/>
-          </a:p>
-        </p:txBody>
-      </p:sp>
-    </p:spTree>
-    <p:extLst>
-      <p:ext uri="{BB962C8B-B14F-4D97-AF65-F5344CB8AC3E}">
-        <p14:creationId xmlns:p14="http://schemas.microsoft.com/office/powerpoint/2010/main" val="234933604"/>
-      </p:ext>
-    </p:extLst>
-  </p:cSld>
-  <p:clrMapOvr>
-    <a:masterClrMapping/>
-  </p:clrMapOvr>
-</p:notes>
-</file>
-
-<file path=ppt/notesSlides/notesSlide36.xml><?xml version="1.0" encoding="utf-8"?>
 <p:notes xmlns:a="http://schemas.openxmlformats.org/drawingml/2006/main" xmlns:r="http://schemas.openxmlformats.org/officeDocument/2006/relationships" xmlns:p="http://schemas.openxmlformats.org/presentationml/2006/main">
   <p:cSld>
     <p:spTree>
@@ -3219,7 +3078,181 @@
     </p:spTree>
     <p:extLst>
       <p:ext uri="{BB962C8B-B14F-4D97-AF65-F5344CB8AC3E}">
-        <p14:creationId xmlns:p14="http://schemas.microsoft.com/office/powerpoint/2010/main" val="2830558088"/>
+        <p14:creationId xmlns:p14="http://schemas.microsoft.com/office/powerpoint/2010/main" val="562158162"/>
+      </p:ext>
+    </p:extLst>
+  </p:cSld>
+  <p:clrMapOvr>
+    <a:masterClrMapping/>
+  </p:clrMapOvr>
+</p:notes>
+</file>
+
+<file path=ppt/notesSlides/notesSlide35.xml><?xml version="1.0" encoding="utf-8"?>
+<p:notes xmlns:a="http://schemas.openxmlformats.org/drawingml/2006/main" xmlns:r="http://schemas.openxmlformats.org/officeDocument/2006/relationships" xmlns:p="http://schemas.openxmlformats.org/presentationml/2006/main">
+  <p:cSld>
+    <p:spTree>
+      <p:nvGrpSpPr>
+        <p:cNvPr id="1" name=""/>
+        <p:cNvGrpSpPr/>
+        <p:nvPr/>
+      </p:nvGrpSpPr>
+      <p:grpSpPr>
+        <a:xfrm>
+          <a:off x="0" y="0"/>
+          <a:ext cx="0" cy="0"/>
+          <a:chOff x="0" y="0"/>
+          <a:chExt cx="0" cy="0"/>
+        </a:xfrm>
+      </p:grpSpPr>
+      <p:sp>
+        <p:nvSpPr>
+          <p:cNvPr id="2" name="Slide Image Placeholder 1"/>
+          <p:cNvSpPr>
+            <a:spLocks noGrp="1" noRot="1" noChangeAspect="1"/>
+          </p:cNvSpPr>
+          <p:nvPr>
+            <p:ph type="sldImg"/>
+          </p:nvPr>
+        </p:nvSpPr>
+        <p:spPr/>
+      </p:sp>
+      <p:sp>
+        <p:nvSpPr>
+          <p:cNvPr id="3" name="Notes Placeholder 2"/>
+          <p:cNvSpPr>
+            <a:spLocks noGrp="1"/>
+          </p:cNvSpPr>
+          <p:nvPr>
+            <p:ph type="body" idx="1"/>
+          </p:nvPr>
+        </p:nvSpPr>
+        <p:spPr/>
+        <p:txBody>
+          <a:bodyPr/>
+          <a:lstStyle/>
+          <a:p>
+            <a:r>
+              <a:rPr lang="en-US" dirty="0"/>
+              <a:t>Some of my concerns – can we estimate bargaining? What about multiple types of insurance? </a:t>
+            </a:r>
+          </a:p>
+        </p:txBody>
+      </p:sp>
+      <p:sp>
+        <p:nvSpPr>
+          <p:cNvPr id="4" name="Slide Number Placeholder 3"/>
+          <p:cNvSpPr>
+            <a:spLocks noGrp="1"/>
+          </p:cNvSpPr>
+          <p:nvPr>
+            <p:ph type="sldNum" sz="quarter" idx="5"/>
+          </p:nvPr>
+        </p:nvSpPr>
+        <p:spPr/>
+        <p:txBody>
+          <a:bodyPr/>
+          <a:lstStyle/>
+          <a:p>
+            <a:fld id="{4AF79E1B-2C51-4B9B-8EA4-26DE9E345AFF}" type="slidenum">
+              <a:rPr lang="en-US" smtClean="0"/>
+              <a:t>43</a:t>
+            </a:fld>
+            <a:endParaRPr lang="en-US"/>
+          </a:p>
+        </p:txBody>
+      </p:sp>
+    </p:spTree>
+    <p:extLst>
+      <p:ext uri="{BB962C8B-B14F-4D97-AF65-F5344CB8AC3E}">
+        <p14:creationId xmlns:p14="http://schemas.microsoft.com/office/powerpoint/2010/main" val="3569833132"/>
+      </p:ext>
+    </p:extLst>
+  </p:cSld>
+  <p:clrMapOvr>
+    <a:masterClrMapping/>
+  </p:clrMapOvr>
+</p:notes>
+</file>
+
+<file path=ppt/notesSlides/notesSlide36.xml><?xml version="1.0" encoding="utf-8"?>
+<p:notes xmlns:a="http://schemas.openxmlformats.org/drawingml/2006/main" xmlns:r="http://schemas.openxmlformats.org/officeDocument/2006/relationships" xmlns:p="http://schemas.openxmlformats.org/presentationml/2006/main">
+  <p:cSld>
+    <p:spTree>
+      <p:nvGrpSpPr>
+        <p:cNvPr id="1" name=""/>
+        <p:cNvGrpSpPr/>
+        <p:nvPr/>
+      </p:nvGrpSpPr>
+      <p:grpSpPr>
+        <a:xfrm>
+          <a:off x="0" y="0"/>
+          <a:ext cx="0" cy="0"/>
+          <a:chOff x="0" y="0"/>
+          <a:chExt cx="0" cy="0"/>
+        </a:xfrm>
+      </p:grpSpPr>
+      <p:sp>
+        <p:nvSpPr>
+          <p:cNvPr id="2" name="Slide Image Placeholder 1"/>
+          <p:cNvSpPr>
+            <a:spLocks noGrp="1" noRot="1" noChangeAspect="1"/>
+          </p:cNvSpPr>
+          <p:nvPr>
+            <p:ph type="sldImg"/>
+          </p:nvPr>
+        </p:nvSpPr>
+        <p:spPr/>
+      </p:sp>
+      <p:sp>
+        <p:nvSpPr>
+          <p:cNvPr id="3" name="Notes Placeholder 2"/>
+          <p:cNvSpPr>
+            <a:spLocks noGrp="1"/>
+          </p:cNvSpPr>
+          <p:nvPr>
+            <p:ph type="body" idx="1"/>
+          </p:nvPr>
+        </p:nvSpPr>
+        <p:spPr/>
+        <p:txBody>
+          <a:bodyPr/>
+          <a:lstStyle/>
+          <a:p>
+            <a:r>
+              <a:rPr lang="en-CA" dirty="0"/>
+              <a:t>How does provider payment change if there are heterogeneous patients? </a:t>
+            </a:r>
+          </a:p>
+        </p:txBody>
+      </p:sp>
+      <p:sp>
+        <p:nvSpPr>
+          <p:cNvPr id="4" name="Slide Number Placeholder 3"/>
+          <p:cNvSpPr>
+            <a:spLocks noGrp="1"/>
+          </p:cNvSpPr>
+          <p:nvPr>
+            <p:ph type="sldNum" sz="quarter" idx="5"/>
+          </p:nvPr>
+        </p:nvSpPr>
+        <p:spPr/>
+        <p:txBody>
+          <a:bodyPr/>
+          <a:lstStyle/>
+          <a:p>
+            <a:fld id="{4AF79E1B-2C51-4B9B-8EA4-26DE9E345AFF}" type="slidenum">
+              <a:rPr lang="en-US" smtClean="0"/>
+              <a:t>44</a:t>
+            </a:fld>
+            <a:endParaRPr lang="en-US"/>
+          </a:p>
+        </p:txBody>
+      </p:sp>
+    </p:spTree>
+    <p:extLst>
+      <p:ext uri="{BB962C8B-B14F-4D97-AF65-F5344CB8AC3E}">
+        <p14:creationId xmlns:p14="http://schemas.microsoft.com/office/powerpoint/2010/main" val="234933604"/>
       </p:ext>
     </p:extLst>
   </p:cSld>
@@ -3307,7 +3340,7 @@
     </p:spTree>
     <p:extLst>
       <p:ext uri="{BB962C8B-B14F-4D97-AF65-F5344CB8AC3E}">
-        <p14:creationId xmlns:p14="http://schemas.microsoft.com/office/powerpoint/2010/main" val="367138001"/>
+        <p14:creationId xmlns:p14="http://schemas.microsoft.com/office/powerpoint/2010/main" val="2830558088"/>
       </p:ext>
     </p:extLst>
   </p:cSld>
@@ -3387,7 +3420,7 @@
           <a:p>
             <a:r>
               <a:rPr lang="en-US" altLang="en-US" dirty="0"/>
-              <a:t>Note: now we have to switch out of the q for quantity mindset. Also have to think of B as social benefit (could potentially be different from above). ,Note: should H be public information? How would model change without it being public?</a:t>
+              <a:t>And there we go! Why is B’ = 1? Because here we have assumed constant marginal costs of 1</a:t>
             </a:r>
           </a:p>
         </p:txBody>
@@ -3395,7 +3428,7 @@
     </p:spTree>
     <p:extLst>
       <p:ext uri="{BB962C8B-B14F-4D97-AF65-F5344CB8AC3E}">
-        <p14:creationId xmlns:p14="http://schemas.microsoft.com/office/powerpoint/2010/main" val="348208287"/>
+        <p14:creationId xmlns:p14="http://schemas.microsoft.com/office/powerpoint/2010/main" val="367138001"/>
       </p:ext>
     </p:extLst>
   </p:cSld>
@@ -3475,7 +3508,7 @@
           <a:p>
             <a:r>
               <a:rPr lang="en-US" altLang="en-US" dirty="0"/>
-              <a:t>Would we assume this to be true in most cases? When would we assume it to be true? ( Maybe in Canadian contexts)</a:t>
+              <a:t>Note: now we have to switch out of the q for quantity mindset. Also have to think of B as social benefit (could potentially be different from above). ,Note: should H be public information? How would model change without it being public?</a:t>
             </a:r>
           </a:p>
         </p:txBody>
@@ -3483,7 +3516,7 @@
     </p:spTree>
     <p:extLst>
       <p:ext uri="{BB962C8B-B14F-4D97-AF65-F5344CB8AC3E}">
-        <p14:creationId xmlns:p14="http://schemas.microsoft.com/office/powerpoint/2010/main" val="1438983011"/>
+        <p14:creationId xmlns:p14="http://schemas.microsoft.com/office/powerpoint/2010/main" val="348208287"/>
       </p:ext>
     </p:extLst>
   </p:cSld>
@@ -3570,7 +3603,7 @@
     </p:spTree>
     <p:extLst>
       <p:ext uri="{BB962C8B-B14F-4D97-AF65-F5344CB8AC3E}">
-        <p14:creationId xmlns:p14="http://schemas.microsoft.com/office/powerpoint/2010/main" val="2538824954"/>
+        <p14:creationId xmlns:p14="http://schemas.microsoft.com/office/powerpoint/2010/main" val="2932517144"/>
       </p:ext>
     </p:extLst>
   </p:cSld>
@@ -3650,7 +3683,7 @@
           <a:p>
             <a:r>
               <a:rPr lang="en-US" altLang="en-US" dirty="0"/>
-              <a:t>This independence is the interesting bit. Also note that here we don’ have the altruism parameter – could we incorporate it somehow? Yes, in H.</a:t>
+              <a:t>Would we assume this to be true in most cases? When would we assume it to be true? ( Maybe in Canadian contexts)</a:t>
             </a:r>
           </a:p>
         </p:txBody>
@@ -3658,7 +3691,7 @@
     </p:spTree>
     <p:extLst>
       <p:ext uri="{BB962C8B-B14F-4D97-AF65-F5344CB8AC3E}">
-        <p14:creationId xmlns:p14="http://schemas.microsoft.com/office/powerpoint/2010/main" val="3947596991"/>
+        <p14:creationId xmlns:p14="http://schemas.microsoft.com/office/powerpoint/2010/main" val="1438983011"/>
       </p:ext>
     </p:extLst>
   </p:cSld>
@@ -3738,15 +3771,7 @@
           <a:p>
             <a:r>
               <a:rPr lang="en-US" altLang="en-US" dirty="0"/>
-              <a:t>Proof: just need to take first order condition </a:t>
-            </a:r>
-            <a:r>
-              <a:rPr lang="en-US" altLang="en-US" dirty="0" err="1"/>
-              <a:t>w.r.t.</a:t>
-            </a:r>
-            <a:r>
-              <a:rPr lang="en-US" altLang="en-US" dirty="0"/>
-              <a:t> p. Then the first part = B’(q) by the proposition, and the rest (three terms) are equal to the social FOC, B’(q) = 0.</a:t>
+              <a:t>This independence is the interesting bit. Also note that here we don’ have the altruism parameter – could we incorporate it somehow? Yes, in H.</a:t>
             </a:r>
           </a:p>
         </p:txBody>
@@ -3754,7 +3779,7 @@
     </p:spTree>
     <p:extLst>
       <p:ext uri="{BB962C8B-B14F-4D97-AF65-F5344CB8AC3E}">
-        <p14:creationId xmlns:p14="http://schemas.microsoft.com/office/powerpoint/2010/main" val="995771109"/>
+        <p14:creationId xmlns:p14="http://schemas.microsoft.com/office/powerpoint/2010/main" val="3947596991"/>
       </p:ext>
     </p:extLst>
   </p:cSld>
@@ -3850,7 +3875,7 @@
     </p:spTree>
     <p:extLst>
       <p:ext uri="{BB962C8B-B14F-4D97-AF65-F5344CB8AC3E}">
-        <p14:creationId xmlns:p14="http://schemas.microsoft.com/office/powerpoint/2010/main" val="568825844"/>
+        <p14:creationId xmlns:p14="http://schemas.microsoft.com/office/powerpoint/2010/main" val="995771109"/>
       </p:ext>
     </p:extLst>
   </p:cSld>
@@ -3930,7 +3955,15 @@
           <a:p>
             <a:r>
               <a:rPr lang="en-US" altLang="en-US" dirty="0"/>
-              <a:t>No! We still want everyone to be treated</a:t>
+              <a:t>Proof: just need to take first order condition </a:t>
+            </a:r>
+            <a:r>
+              <a:rPr lang="en-US" altLang="en-US" dirty="0" err="1"/>
+              <a:t>w.r.t.</a:t>
+            </a:r>
+            <a:r>
+              <a:rPr lang="en-US" altLang="en-US" dirty="0"/>
+              <a:t> p. Then the first part = B’(q) by the proposition, and the rest (three terms) are equal to the social FOC, B’(q) = 0.</a:t>
             </a:r>
           </a:p>
         </p:txBody>
@@ -3938,7 +3971,7 @@
     </p:spTree>
     <p:extLst>
       <p:ext uri="{BB962C8B-B14F-4D97-AF65-F5344CB8AC3E}">
-        <p14:creationId xmlns:p14="http://schemas.microsoft.com/office/powerpoint/2010/main" val="956691528"/>
+        <p14:creationId xmlns:p14="http://schemas.microsoft.com/office/powerpoint/2010/main" val="568825844"/>
       </p:ext>
     </p:extLst>
   </p:cSld>
@@ -4018,7 +4051,7 @@
           <a:p>
             <a:r>
               <a:rPr lang="en-US" altLang="en-US" dirty="0"/>
-              <a:t>Now there’s no way the social planner can get around the link between p and x- -- if the optimal p leads to patients being dumped, there’s nothing the planner can do about it. </a:t>
+              <a:t>No! We still want everyone to be treated</a:t>
             </a:r>
           </a:p>
         </p:txBody>
@@ -4026,7 +4059,7 @@
     </p:spTree>
     <p:extLst>
       <p:ext uri="{BB962C8B-B14F-4D97-AF65-F5344CB8AC3E}">
-        <p14:creationId xmlns:p14="http://schemas.microsoft.com/office/powerpoint/2010/main" val="3613515749"/>
+        <p14:creationId xmlns:p14="http://schemas.microsoft.com/office/powerpoint/2010/main" val="956691528"/>
       </p:ext>
     </p:extLst>
   </p:cSld>
@@ -4106,47 +4139,7 @@
           <a:p>
             <a:r>
               <a:rPr lang="en-US" altLang="en-US" dirty="0"/>
-              <a:t>Difference between dumping, creaming, and skimping: dumping is not treating sick. </a:t>
-            </a:r>
-            <a:r>
-              <a:rPr lang="en-CA" altLang="en-US" sz="1800" b="0" i="0" u="none" strike="noStrike" baseline="0" dirty="0">
-                <a:solidFill>
-                  <a:srgbClr val="000000"/>
-                </a:solidFill>
-                <a:latin typeface="Deja Vu Serif"/>
-              </a:rPr>
-              <a:t>Creaming is keeping healthier patients on roster longer (e.g., </a:t>
-            </a:r>
-            <a:r>
-              <a:rPr lang="en-US" sz="1800" b="0" i="0" u="none" strike="noStrike" baseline="0" dirty="0">
-                <a:solidFill>
-                  <a:srgbClr val="000000"/>
-                </a:solidFill>
-                <a:latin typeface="Deja Vu Serif"/>
-              </a:rPr>
-              <a:t>increased length of hospital stay for healthier patients). Skimping is kicking out sicker patients faster (</a:t>
-            </a:r>
-            <a:r>
-              <a:rPr lang="en-US" sz="1800" b="0" i="0" u="none" strike="noStrike" baseline="0" dirty="0" err="1">
-                <a:solidFill>
-                  <a:srgbClr val="000000"/>
-                </a:solidFill>
-                <a:latin typeface="Deja Vu Serif"/>
-              </a:rPr>
-              <a:t>e.g</a:t>
-            </a:r>
-            <a:r>
-              <a:rPr lang="en-US" sz="1800" b="0" i="0" u="none" strike="noStrike" baseline="0" dirty="0">
-                <a:solidFill>
-                  <a:srgbClr val="000000"/>
-                </a:solidFill>
-                <a:latin typeface="Deja Vu Serif"/>
-              </a:rPr>
-              <a:t>,. decreased length of stay for sicker patients). </a:t>
-            </a:r>
-            <a:r>
-              <a:rPr lang="en-US" altLang="en-US" dirty="0"/>
-              <a:t>Of course there will be no effort if costs are always reimbursed perfectly. So can we blend the two?</a:t>
+              <a:t>Now there’s no way the social planner can get around the link between p and x- -- if the optimal p leads to patients being dumped, there’s nothing the planner can do about it. </a:t>
             </a:r>
           </a:p>
         </p:txBody>
@@ -4154,7 +4147,7 @@
     </p:spTree>
     <p:extLst>
       <p:ext uri="{BB962C8B-B14F-4D97-AF65-F5344CB8AC3E}">
-        <p14:creationId xmlns:p14="http://schemas.microsoft.com/office/powerpoint/2010/main" val="3765907633"/>
+        <p14:creationId xmlns:p14="http://schemas.microsoft.com/office/powerpoint/2010/main" val="3613515749"/>
       </p:ext>
     </p:extLst>
   </p:cSld>
@@ -4233,17 +4226,56 @@
           <a:lstStyle/>
           <a:p>
             <a:r>
-              <a:rPr lang="en-CA" altLang="en-US" dirty="0"/>
-              <a:t>Skipping over the derivation here. Note that now q depends on risk as well (creaming and skimping)</a:t>
-            </a:r>
-            <a:endParaRPr lang="en-US" altLang="en-US" dirty="0"/>
+              <a:rPr lang="en-US" altLang="en-US" dirty="0"/>
+              <a:t>Difference between dumping, creaming, and skimping: dumping is not treating sick. </a:t>
+            </a:r>
+            <a:r>
+              <a:rPr lang="en-CA" altLang="en-US" sz="1800" b="0" i="0" u="none" strike="noStrike" baseline="0" dirty="0">
+                <a:solidFill>
+                  <a:srgbClr val="000000"/>
+                </a:solidFill>
+                <a:latin typeface="Deja Vu Serif"/>
+              </a:rPr>
+              <a:t>Creaming is keeping healthier patients on roster longer (e.g., </a:t>
+            </a:r>
+            <a:r>
+              <a:rPr lang="en-US" sz="1800" b="0" i="0" u="none" strike="noStrike" baseline="0" dirty="0">
+                <a:solidFill>
+                  <a:srgbClr val="000000"/>
+                </a:solidFill>
+                <a:latin typeface="Deja Vu Serif"/>
+              </a:rPr>
+              <a:t>increased length of hospital stay for healthier patients). Skimping is kicking out sicker patients faster (</a:t>
+            </a:r>
+            <a:r>
+              <a:rPr lang="en-US" sz="1800" b="0" i="0" u="none" strike="noStrike" baseline="0" dirty="0" err="1">
+                <a:solidFill>
+                  <a:srgbClr val="000000"/>
+                </a:solidFill>
+                <a:latin typeface="Deja Vu Serif"/>
+              </a:rPr>
+              <a:t>e.g</a:t>
+            </a:r>
+            <a:r>
+              <a:rPr lang="en-US" sz="1800" b="0" i="0" u="none" strike="noStrike" baseline="0" dirty="0">
+                <a:solidFill>
+                  <a:srgbClr val="000000"/>
+                </a:solidFill>
+                <a:latin typeface="Deja Vu Serif"/>
+              </a:rPr>
+              <a:t>,. decreased length of stay for sicker patients). </a:t>
+            </a:r>
+            <a:r>
+              <a:rPr lang="en-US" altLang="en-US" dirty="0"/>
+              <a:t>Of course there will be no effort if costs are always reimbursed perfectly. So can we blend the two?</a:t>
+            </a:r>
           </a:p>
         </p:txBody>
       </p:sp>
     </p:spTree>
     <p:extLst>
       <p:ext uri="{BB962C8B-B14F-4D97-AF65-F5344CB8AC3E}">
-        <p14:creationId xmlns:p14="http://schemas.microsoft.com/office/powerpoint/2010/main" val="2489615303"/>
+        <p14:creationId xmlns:p14="http://schemas.microsoft.com/office/powerpoint/2010/main" val="3765907633"/>
       </p:ext>
     </p:extLst>
   </p:cSld>
@@ -4323,6 +4355,95 @@
           <a:p>
             <a:r>
               <a:rPr lang="en-CA" altLang="en-US" dirty="0"/>
+              <a:t>Skipping over the derivation here. Note that now q depends on risk as well (creaming and skimping)</a:t>
+            </a:r>
+            <a:endParaRPr lang="en-US" altLang="en-US" dirty="0"/>
+          </a:p>
+        </p:txBody>
+      </p:sp>
+    </p:spTree>
+    <p:extLst>
+      <p:ext uri="{BB962C8B-B14F-4D97-AF65-F5344CB8AC3E}">
+        <p14:creationId xmlns:p14="http://schemas.microsoft.com/office/powerpoint/2010/main" val="2489615303"/>
+      </p:ext>
+    </p:extLst>
+  </p:cSld>
+  <p:clrMapOvr>
+    <a:masterClrMapping/>
+  </p:clrMapOvr>
+</p:notes>
+</file>
+
+<file path=ppt/notesSlides/notesSlide48.xml><?xml version="1.0" encoding="utf-8"?>
+<p:notes xmlns:a="http://schemas.openxmlformats.org/drawingml/2006/main" xmlns:r="http://schemas.openxmlformats.org/officeDocument/2006/relationships" xmlns:p="http://schemas.openxmlformats.org/presentationml/2006/main">
+  <p:cSld>
+    <p:spTree>
+      <p:nvGrpSpPr>
+        <p:cNvPr id="1" name=""/>
+        <p:cNvGrpSpPr/>
+        <p:nvPr/>
+      </p:nvGrpSpPr>
+      <p:grpSpPr>
+        <a:xfrm>
+          <a:off x="0" y="0"/>
+          <a:ext cx="0" cy="0"/>
+          <a:chOff x="0" y="0"/>
+          <a:chExt cx="0" cy="0"/>
+        </a:xfrm>
+      </p:grpSpPr>
+      <p:sp>
+        <p:nvSpPr>
+          <p:cNvPr id="40962" name="Slide Image Placeholder 1"/>
+          <p:cNvSpPr>
+            <a:spLocks noGrp="1" noRot="1" noChangeAspect="1" noTextEdit="1"/>
+          </p:cNvSpPr>
+          <p:nvPr>
+            <p:ph type="sldImg"/>
+          </p:nvPr>
+        </p:nvSpPr>
+        <p:spPr>
+          <a:ln/>
+        </p:spPr>
+      </p:sp>
+      <p:sp>
+        <p:nvSpPr>
+          <p:cNvPr id="40963" name="Notes Placeholder 2"/>
+          <p:cNvSpPr>
+            <a:spLocks noGrp="1"/>
+          </p:cNvSpPr>
+          <p:nvPr>
+            <p:ph type="body" idx="1"/>
+          </p:nvPr>
+        </p:nvSpPr>
+        <p:spPr>
+          <a:noFill/>
+          <a:ln w="9525"/>
+          <a:extLst>
+            <a:ext uri="{909E8E84-426E-40DD-AFC4-6F175D3DCCD1}">
+              <a14:hiddenFill xmlns:a14="http://schemas.microsoft.com/office/drawing/2010/main">
+                <a:solidFill>
+                  <a:srgbClr val="FFFFFF"/>
+                </a:solidFill>
+              </a14:hiddenFill>
+            </a:ext>
+            <a:ext uri="{91240B29-F687-4F45-9708-019B960494DF}">
+              <a14:hiddenLine xmlns:a14="http://schemas.microsoft.com/office/drawing/2010/main" w="9525">
+                <a:solidFill>
+                  <a:srgbClr val="000000"/>
+                </a:solidFill>
+                <a:miter lim="800000"/>
+                <a:headEnd/>
+                <a:tailEnd/>
+              </a14:hiddenLine>
+            </a:ext>
+          </a:extLst>
+        </p:spPr>
+        <p:txBody>
+          <a:bodyPr/>
+          <a:lstStyle/>
+          <a:p>
+            <a:r>
+              <a:rPr lang="en-CA" altLang="en-US" dirty="0"/>
               <a:t>This last one is an </a:t>
             </a:r>
             <a:r>
@@ -4358,7 +4479,7 @@
 </p:notes>
 </file>
 
-<file path=ppt/notesSlides/notesSlide48.xml><?xml version="1.0" encoding="utf-8"?>
+<file path=ppt/notesSlides/notesSlide49.xml><?xml version="1.0" encoding="utf-8"?>
 <p:notes xmlns:a="http://schemas.openxmlformats.org/drawingml/2006/main" xmlns:r="http://schemas.openxmlformats.org/officeDocument/2006/relationships" xmlns:p="http://schemas.openxmlformats.org/presentationml/2006/main">
   <p:cSld>
     <p:spTree>
@@ -4426,7 +4547,7 @@
           <a:p>
             <a:fld id="{4AF79E1B-2C51-4B9B-8EA4-26DE9E345AFF}" type="slidenum">
               <a:rPr lang="en-US" smtClean="0"/>
-              <a:t>56</a:t>
+              <a:t>57</a:t>
             </a:fld>
             <a:endParaRPr lang="en-US"/>
           </a:p>
@@ -4445,7 +4566,94 @@
 </p:notes>
 </file>
 
-<file path=ppt/notesSlides/notesSlide49.xml><?xml version="1.0" encoding="utf-8"?>
+<file path=ppt/notesSlides/notesSlide5.xml><?xml version="1.0" encoding="utf-8"?>
+<p:notes xmlns:a="http://schemas.openxmlformats.org/drawingml/2006/main" xmlns:r="http://schemas.openxmlformats.org/officeDocument/2006/relationships" xmlns:p="http://schemas.openxmlformats.org/presentationml/2006/main">
+  <p:cSld>
+    <p:spTree>
+      <p:nvGrpSpPr>
+        <p:cNvPr id="1" name=""/>
+        <p:cNvGrpSpPr/>
+        <p:nvPr/>
+      </p:nvGrpSpPr>
+      <p:grpSpPr>
+        <a:xfrm>
+          <a:off x="0" y="0"/>
+          <a:ext cx="0" cy="0"/>
+          <a:chOff x="0" y="0"/>
+          <a:chExt cx="0" cy="0"/>
+        </a:xfrm>
+      </p:grpSpPr>
+      <p:sp>
+        <p:nvSpPr>
+          <p:cNvPr id="2" name="Slide Image Placeholder 1"/>
+          <p:cNvSpPr>
+            <a:spLocks noGrp="1" noRot="1" noChangeAspect="1"/>
+          </p:cNvSpPr>
+          <p:nvPr>
+            <p:ph type="sldImg"/>
+          </p:nvPr>
+        </p:nvSpPr>
+        <p:spPr/>
+      </p:sp>
+      <p:sp>
+        <p:nvSpPr>
+          <p:cNvPr id="3" name="Notes Placeholder 2"/>
+          <p:cNvSpPr>
+            <a:spLocks noGrp="1"/>
+          </p:cNvSpPr>
+          <p:nvPr>
+            <p:ph type="body" idx="1"/>
+          </p:nvPr>
+        </p:nvSpPr>
+        <p:spPr/>
+        <p:txBody>
+          <a:bodyPr/>
+          <a:lstStyle/>
+          <a:p>
+            <a:r>
+              <a:rPr lang="en-CA" dirty="0"/>
+              <a:t>P4P is still kind of an open question. FFS is also called prospective reimbursement</a:t>
+            </a:r>
+          </a:p>
+        </p:txBody>
+      </p:sp>
+      <p:sp>
+        <p:nvSpPr>
+          <p:cNvPr id="4" name="Slide Number Placeholder 3"/>
+          <p:cNvSpPr>
+            <a:spLocks noGrp="1"/>
+          </p:cNvSpPr>
+          <p:nvPr>
+            <p:ph type="sldNum" sz="quarter" idx="5"/>
+          </p:nvPr>
+        </p:nvSpPr>
+        <p:spPr/>
+        <p:txBody>
+          <a:bodyPr/>
+          <a:lstStyle/>
+          <a:p>
+            <a:fld id="{4AF79E1B-2C51-4B9B-8EA4-26DE9E345AFF}" type="slidenum">
+              <a:rPr lang="en-US" smtClean="0"/>
+              <a:t>13</a:t>
+            </a:fld>
+            <a:endParaRPr lang="en-US"/>
+          </a:p>
+        </p:txBody>
+      </p:sp>
+    </p:spTree>
+    <p:extLst>
+      <p:ext uri="{BB962C8B-B14F-4D97-AF65-F5344CB8AC3E}">
+        <p14:creationId xmlns:p14="http://schemas.microsoft.com/office/powerpoint/2010/main" val="2538824954"/>
+      </p:ext>
+    </p:extLst>
+  </p:cSld>
+  <p:clrMapOvr>
+    <a:masterClrMapping/>
+  </p:clrMapOvr>
+</p:notes>
+</file>
+
+<file path=ppt/notesSlides/notesSlide50.xml><?xml version="1.0" encoding="utf-8"?>
 <p:notes xmlns:a="http://schemas.openxmlformats.org/drawingml/2006/main" xmlns:r="http://schemas.openxmlformats.org/officeDocument/2006/relationships" xmlns:p="http://schemas.openxmlformats.org/presentationml/2006/main">
   <p:cSld>
     <p:spTree>
@@ -4510,7 +4718,7 @@
           <a:p>
             <a:fld id="{4AF79E1B-2C51-4B9B-8EA4-26DE9E345AFF}" type="slidenum">
               <a:rPr lang="en-US" smtClean="0"/>
-              <a:t>57</a:t>
+              <a:t>58</a:t>
             </a:fld>
             <a:endParaRPr lang="en-US"/>
           </a:p>
@@ -4529,7 +4737,7 @@
 </p:notes>
 </file>
 
-<file path=ppt/notesSlides/notesSlide5.xml><?xml version="1.0" encoding="utf-8"?>
+<file path=ppt/notesSlides/notesSlide6.xml><?xml version="1.0" encoding="utf-8"?>
 <p:notes xmlns:a="http://schemas.openxmlformats.org/drawingml/2006/main" xmlns:r="http://schemas.openxmlformats.org/officeDocument/2006/relationships" xmlns:p="http://schemas.openxmlformats.org/presentationml/2006/main">
   <p:cSld>
     <p:spTree>
@@ -4597,7 +4805,7 @@
           <a:p>
             <a:fld id="{4AF79E1B-2C51-4B9B-8EA4-26DE9E345AFF}" type="slidenum">
               <a:rPr lang="en-US" smtClean="0"/>
-              <a:t>13</a:t>
+              <a:t>14</a:t>
             </a:fld>
             <a:endParaRPr lang="en-US"/>
           </a:p>
@@ -4616,7 +4824,7 @@
 </p:notes>
 </file>
 
-<file path=ppt/notesSlides/notesSlide6.xml><?xml version="1.0" encoding="utf-8"?>
+<file path=ppt/notesSlides/notesSlide7.xml><?xml version="1.0" encoding="utf-8"?>
 <p:notes xmlns:a="http://schemas.openxmlformats.org/drawingml/2006/main" xmlns:r="http://schemas.openxmlformats.org/officeDocument/2006/relationships" xmlns:p="http://schemas.openxmlformats.org/presentationml/2006/main">
   <p:cSld>
     <p:spTree>
@@ -4724,7 +4932,7 @@
                 <a:cs typeface="Arial" pitchFamily="34" charset="0"/>
               </a:rPr>
               <a:pPr/>
-              <a:t>14</a:t>
+              <a:t>15</a:t>
             </a:fld>
             <a:endParaRPr lang="en-US">
               <a:latin typeface="Arial" pitchFamily="34" charset="0"/>
@@ -4741,7 +4949,7 @@
 </p:notes>
 </file>
 
-<file path=ppt/notesSlides/notesSlide7.xml><?xml version="1.0" encoding="utf-8"?>
+<file path=ppt/notesSlides/notesSlide8.xml><?xml version="1.0" encoding="utf-8"?>
 <p:notes xmlns:a="http://schemas.openxmlformats.org/drawingml/2006/main" xmlns:r="http://schemas.openxmlformats.org/officeDocument/2006/relationships" xmlns:p="http://schemas.openxmlformats.org/presentationml/2006/main">
   <p:cSld>
     <p:spTree>
@@ -4806,7 +5014,7 @@
           <a:p>
             <a:fld id="{4AF79E1B-2C51-4B9B-8EA4-26DE9E345AFF}" type="slidenum">
               <a:rPr lang="en-US" smtClean="0"/>
-              <a:t>15</a:t>
+              <a:t>16</a:t>
             </a:fld>
             <a:endParaRPr lang="en-US"/>
           </a:p>
@@ -4825,7 +5033,7 @@
 </p:notes>
 </file>
 
-<file path=ppt/notesSlides/notesSlide8.xml><?xml version="1.0" encoding="utf-8"?>
+<file path=ppt/notesSlides/notesSlide9.xml><?xml version="1.0" encoding="utf-8"?>
 <p:notes xmlns:a="http://schemas.openxmlformats.org/drawingml/2006/main" xmlns:r="http://schemas.openxmlformats.org/officeDocument/2006/relationships" xmlns:p="http://schemas.openxmlformats.org/presentationml/2006/main">
   <p:cSld>
     <p:spTree>
@@ -4897,122 +5105,6 @@
               <a:rPr lang="en-US" altLang="en-US" dirty="0"/>
               <a:t>Simple model: how do we think about trade-offs between FFS and capitation?</a:t>
             </a:r>
-          </a:p>
-        </p:txBody>
-      </p:sp>
-    </p:spTree>
-  </p:cSld>
-  <p:clrMapOvr>
-    <a:masterClrMapping/>
-  </p:clrMapOvr>
-</p:notes>
-</file>
-
-<file path=ppt/notesSlides/notesSlide9.xml><?xml version="1.0" encoding="utf-8"?>
-<p:notes xmlns:a="http://schemas.openxmlformats.org/drawingml/2006/main" xmlns:r="http://schemas.openxmlformats.org/officeDocument/2006/relationships" xmlns:p="http://schemas.openxmlformats.org/presentationml/2006/main">
-  <p:cSld>
-    <p:spTree>
-      <p:nvGrpSpPr>
-        <p:cNvPr id="1" name=""/>
-        <p:cNvGrpSpPr/>
-        <p:nvPr/>
-      </p:nvGrpSpPr>
-      <p:grpSpPr>
-        <a:xfrm>
-          <a:off x="0" y="0"/>
-          <a:ext cx="0" cy="0"/>
-          <a:chOff x="0" y="0"/>
-          <a:chExt cx="0" cy="0"/>
-        </a:xfrm>
-      </p:grpSpPr>
-      <p:sp>
-        <p:nvSpPr>
-          <p:cNvPr id="83970" name="Slide Image Placeholder 1"/>
-          <p:cNvSpPr>
-            <a:spLocks noGrp="1" noRot="1" noChangeAspect="1" noTextEdit="1"/>
-          </p:cNvSpPr>
-          <p:nvPr>
-            <p:ph type="sldImg"/>
-          </p:nvPr>
-        </p:nvSpPr>
-        <p:spPr bwMode="auto">
-          <a:xfrm>
-            <a:off x="381000" y="687388"/>
-            <a:ext cx="6096000" cy="3429000"/>
-          </a:xfrm>
-          <a:noFill/>
-          <a:ln>
-            <a:solidFill>
-              <a:srgbClr val="000000"/>
-            </a:solidFill>
-            <a:miter lim="800000"/>
-            <a:headEnd/>
-            <a:tailEnd/>
-          </a:ln>
-        </p:spPr>
-      </p:sp>
-      <p:sp>
-        <p:nvSpPr>
-          <p:cNvPr id="83971" name="Notes Placeholder 2"/>
-          <p:cNvSpPr>
-            <a:spLocks noGrp="1"/>
-          </p:cNvSpPr>
-          <p:nvPr>
-            <p:ph type="body" idx="1"/>
-          </p:nvPr>
-        </p:nvSpPr>
-        <p:spPr bwMode="auto">
-          <a:noFill/>
-        </p:spPr>
-        <p:txBody>
-          <a:bodyPr/>
-          <a:lstStyle/>
-          <a:p>
-            <a:r>
-              <a:rPr lang="en-US" dirty="0"/>
-              <a:t>OHIP schedule: https://health.gov.on.ca/en/pro/programs/ohip/sob/physserv/sob_master_20221201.pdf</a:t>
-            </a:r>
-          </a:p>
-        </p:txBody>
-      </p:sp>
-      <p:sp>
-        <p:nvSpPr>
-          <p:cNvPr id="83972" name="Slide Number Placeholder 3"/>
-          <p:cNvSpPr>
-            <a:spLocks noGrp="1"/>
-          </p:cNvSpPr>
-          <p:nvPr>
-            <p:ph type="sldNum" sz="quarter" idx="5"/>
-          </p:nvPr>
-        </p:nvSpPr>
-        <p:spPr bwMode="auto">
-          <a:noFill/>
-          <a:ln>
-            <a:miter lim="800000"/>
-            <a:headEnd/>
-            <a:tailEnd/>
-          </a:ln>
-        </p:spPr>
-        <p:txBody>
-          <a:bodyPr wrap="square" numCol="1" anchorCtr="0" compatLnSpc="1">
-            <a:prstTxWarp prst="textNoShape">
-              <a:avLst/>
-            </a:prstTxWarp>
-          </a:bodyPr>
-          <a:lstStyle/>
-          <a:p>
-            <a:fld id="{36CDC6BA-1FC5-4CCD-A5B4-2BA7C40A2052}" type="slidenum">
-              <a:rPr lang="en-US" smtClean="0">
-                <a:latin typeface="Arial" pitchFamily="34" charset="0"/>
-                <a:ea typeface="宋体" pitchFamily="2" charset="-122"/>
-              </a:rPr>
-              <a:pPr/>
-              <a:t>17</a:t>
-            </a:fld>
-            <a:endParaRPr lang="en-US">
-              <a:latin typeface="Arial" pitchFamily="34" charset="0"/>
-              <a:ea typeface="宋体" pitchFamily="2" charset="-122"/>
-            </a:endParaRPr>
           </a:p>
         </p:txBody>
       </p:sp>
@@ -5193,7 +5285,7 @@
             <a:fld id="{0972D05C-DCFB-4BB6-B49C-AC126BF3ED2C}" type="datetimeFigureOut">
               <a:rPr lang="en-US" smtClean="0"/>
               <a:pPr/>
-              <a:t>1/30/2023</a:t>
+              <a:t>2/1/2023</a:t>
             </a:fld>
             <a:endParaRPr lang="en-US"/>
           </a:p>
@@ -5423,7 +5515,7 @@
             <a:fld id="{0972D05C-DCFB-4BB6-B49C-AC126BF3ED2C}" type="datetimeFigureOut">
               <a:rPr lang="en-US" smtClean="0"/>
               <a:pPr/>
-              <a:t>1/30/2023</a:t>
+              <a:t>2/1/2023</a:t>
             </a:fld>
             <a:endParaRPr lang="en-US"/>
           </a:p>
@@ -5605,7 +5697,7 @@
             <a:fld id="{0972D05C-DCFB-4BB6-B49C-AC126BF3ED2C}" type="datetimeFigureOut">
               <a:rPr lang="en-US" smtClean="0"/>
               <a:pPr/>
-              <a:t>1/30/2023</a:t>
+              <a:t>2/1/2023</a:t>
             </a:fld>
             <a:endParaRPr lang="en-US"/>
           </a:p>
@@ -6052,7 +6144,7 @@
             <a:fld id="{0972D05C-DCFB-4BB6-B49C-AC126BF3ED2C}" type="datetimeFigureOut">
               <a:rPr lang="en-US" smtClean="0"/>
               <a:pPr/>
-              <a:t>1/30/2023</a:t>
+              <a:t>2/1/2023</a:t>
             </a:fld>
             <a:endParaRPr lang="en-US"/>
           </a:p>
@@ -6308,7 +6400,7 @@
             <a:fld id="{0972D05C-DCFB-4BB6-B49C-AC126BF3ED2C}" type="datetimeFigureOut">
               <a:rPr lang="en-US" smtClean="0"/>
               <a:pPr/>
-              <a:t>1/30/2023</a:t>
+              <a:t>2/1/2023</a:t>
             </a:fld>
             <a:endParaRPr lang="en-US"/>
           </a:p>
@@ -6636,7 +6728,7 @@
             <a:fld id="{0972D05C-DCFB-4BB6-B49C-AC126BF3ED2C}" type="datetimeFigureOut">
               <a:rPr lang="en-US" smtClean="0"/>
               <a:pPr/>
-              <a:t>1/30/2023</a:t>
+              <a:t>2/1/2023</a:t>
             </a:fld>
             <a:endParaRPr lang="en-US"/>
           </a:p>
@@ -7089,7 +7181,7 @@
             <a:fld id="{0972D05C-DCFB-4BB6-B49C-AC126BF3ED2C}" type="datetimeFigureOut">
               <a:rPr lang="en-US" smtClean="0"/>
               <a:pPr/>
-              <a:t>1/30/2023</a:t>
+              <a:t>2/1/2023</a:t>
             </a:fld>
             <a:endParaRPr lang="en-US"/>
           </a:p>
@@ -7209,7 +7301,7 @@
             <a:fld id="{0972D05C-DCFB-4BB6-B49C-AC126BF3ED2C}" type="datetimeFigureOut">
               <a:rPr lang="en-US" smtClean="0"/>
               <a:pPr/>
-              <a:t>1/30/2023</a:t>
+              <a:t>2/1/2023</a:t>
             </a:fld>
             <a:endParaRPr lang="en-US"/>
           </a:p>
@@ -7306,7 +7398,7 @@
             <a:fld id="{0972D05C-DCFB-4BB6-B49C-AC126BF3ED2C}" type="datetimeFigureOut">
               <a:rPr lang="en-US" smtClean="0"/>
               <a:pPr/>
-              <a:t>1/30/2023</a:t>
+              <a:t>2/1/2023</a:t>
             </a:fld>
             <a:endParaRPr lang="en-US"/>
           </a:p>
@@ -7595,7 +7687,7 @@
             <a:fld id="{0972D05C-DCFB-4BB6-B49C-AC126BF3ED2C}" type="datetimeFigureOut">
               <a:rPr lang="en-US" smtClean="0"/>
               <a:pPr/>
-              <a:t>1/30/2023</a:t>
+              <a:t>2/1/2023</a:t>
             </a:fld>
             <a:endParaRPr lang="en-US"/>
           </a:p>
@@ -7919,7 +8011,7 @@
             <a:fld id="{0972D05C-DCFB-4BB6-B49C-AC126BF3ED2C}" type="datetimeFigureOut">
               <a:rPr lang="en-US" smtClean="0"/>
               <a:pPr/>
-              <a:t>1/30/2023</a:t>
+              <a:t>2/1/2023</a:t>
             </a:fld>
             <a:endParaRPr lang="en-US"/>
           </a:p>
@@ -8174,7 +8266,7 @@
             <a:fld id="{0972D05C-DCFB-4BB6-B49C-AC126BF3ED2C}" type="datetimeFigureOut">
               <a:rPr lang="en-US" smtClean="0"/>
               <a:pPr/>
-              <a:t>1/30/2023</a:t>
+              <a:t>2/1/2023</a:t>
             </a:fld>
             <a:endParaRPr lang="en-US" dirty="0"/>
           </a:p>
@@ -8786,6 +8878,303 @@
         </p:nvSpPr>
         <p:spPr>
           <a:xfrm>
+            <a:off x="218306" y="228600"/>
+            <a:ext cx="10898048" cy="702856"/>
+          </a:xfrm>
+          <a:prstGeom prst="rect">
+            <a:avLst/>
+          </a:prstGeom>
+        </p:spPr>
+        <p:txBody>
+          <a:bodyPr vert="horz" wrap="square" lIns="0" tIns="25499" rIns="0" bIns="0" rtlCol="0" anchor="b">
+            <a:spAutoFit/>
+          </a:bodyPr>
+          <a:lstStyle/>
+          <a:p>
+            <a:pPr marL="26841">
+              <a:lnSpc>
+                <a:spcPct val="100000"/>
+              </a:lnSpc>
+              <a:spcBef>
+                <a:spcPts val="201"/>
+              </a:spcBef>
+            </a:pPr>
+            <a:r>
+              <a:rPr lang="en-CA" spc="95" dirty="0"/>
+              <a:t>…and large </a:t>
+            </a:r>
+            <a:r>
+              <a:rPr spc="85" dirty="0"/>
+              <a:t>barriers </a:t>
+            </a:r>
+            <a:r>
+              <a:rPr spc="63" dirty="0"/>
+              <a:t>to</a:t>
+            </a:r>
+            <a:r>
+              <a:rPr spc="42" dirty="0"/>
+              <a:t> </a:t>
+            </a:r>
+            <a:r>
+              <a:rPr spc="74" dirty="0"/>
+              <a:t>entry</a:t>
+            </a:r>
+          </a:p>
+        </p:txBody>
+      </p:sp>
+      <p:sp>
+        <p:nvSpPr>
+          <p:cNvPr id="6" name="object 6"/>
+          <p:cNvSpPr txBox="1"/>
+          <p:nvPr/>
+        </p:nvSpPr>
+        <p:spPr>
+          <a:xfrm>
+            <a:off x="533400" y="1025953"/>
+            <a:ext cx="10080321" cy="2403047"/>
+          </a:xfrm>
+          <a:prstGeom prst="rect">
+            <a:avLst/>
+          </a:prstGeom>
+        </p:spPr>
+        <p:txBody>
+          <a:bodyPr vert="horz" wrap="square" lIns="0" tIns="101998" rIns="0" bIns="0" rtlCol="0">
+            <a:spAutoFit/>
+          </a:bodyPr>
+          <a:lstStyle/>
+          <a:p>
+            <a:pPr marL="216074" indent="-190574">
+              <a:spcBef>
+                <a:spcPts val="803"/>
+              </a:spcBef>
+              <a:buChar char="•"/>
+              <a:tabLst>
+                <a:tab pos="217416" algn="l"/>
+              </a:tabLst>
+            </a:pPr>
+            <a:r>
+              <a:rPr sz="2200" dirty="0">
+                <a:solidFill>
+                  <a:srgbClr val="22373A"/>
+                </a:solidFill>
+                <a:latin typeface="Times New Roman" panose="02020603050405020304" pitchFamily="18" charset="0"/>
+                <a:cs typeface="Times New Roman" panose="02020603050405020304" pitchFamily="18" charset="0"/>
+              </a:rPr>
+              <a:t>The Canadian Medical Association (CMA) has monopoly power to</a:t>
+            </a:r>
+            <a:endParaRPr sz="2200" dirty="0">
+              <a:latin typeface="Times New Roman" panose="02020603050405020304" pitchFamily="18" charset="0"/>
+              <a:cs typeface="Times New Roman" panose="02020603050405020304" pitchFamily="18" charset="0"/>
+            </a:endParaRPr>
+          </a:p>
+          <a:p>
+            <a:pPr marL="696536" lvl="1" indent="-182522">
+              <a:spcBef>
+                <a:spcPts val="528"/>
+              </a:spcBef>
+              <a:buChar char="•"/>
+              <a:tabLst>
+                <a:tab pos="697878" algn="l"/>
+              </a:tabLst>
+            </a:pPr>
+            <a:r>
+              <a:rPr sz="2200" dirty="0">
+                <a:solidFill>
+                  <a:srgbClr val="22373A"/>
+                </a:solidFill>
+                <a:latin typeface="Times New Roman" panose="02020603050405020304" pitchFamily="18" charset="0"/>
+                <a:cs typeface="Times New Roman" panose="02020603050405020304" pitchFamily="18" charset="0"/>
+              </a:rPr>
+              <a:t>Govern the educational requirements to become a physician</a:t>
+            </a:r>
+            <a:endParaRPr sz="2200" dirty="0">
+              <a:latin typeface="Times New Roman" panose="02020603050405020304" pitchFamily="18" charset="0"/>
+              <a:cs typeface="Times New Roman" panose="02020603050405020304" pitchFamily="18" charset="0"/>
+            </a:endParaRPr>
+          </a:p>
+          <a:p>
+            <a:pPr marL="696536" lvl="1" indent="-182522">
+              <a:spcBef>
+                <a:spcPts val="148"/>
+              </a:spcBef>
+              <a:buChar char="•"/>
+              <a:tabLst>
+                <a:tab pos="697878" algn="l"/>
+              </a:tabLst>
+            </a:pPr>
+            <a:r>
+              <a:rPr sz="2200" dirty="0">
+                <a:solidFill>
+                  <a:srgbClr val="22373A"/>
+                </a:solidFill>
+                <a:latin typeface="Times New Roman" panose="02020603050405020304" pitchFamily="18" charset="0"/>
+                <a:cs typeface="Times New Roman" panose="02020603050405020304" pitchFamily="18" charset="0"/>
+              </a:rPr>
+              <a:t>Grant licenses</a:t>
+            </a:r>
+            <a:endParaRPr sz="2200" dirty="0">
+              <a:latin typeface="Times New Roman" panose="02020603050405020304" pitchFamily="18" charset="0"/>
+              <a:cs typeface="Times New Roman" panose="02020603050405020304" pitchFamily="18" charset="0"/>
+            </a:endParaRPr>
+          </a:p>
+          <a:p>
+            <a:pPr marL="696536" lvl="1" indent="-182522">
+              <a:spcBef>
+                <a:spcPts val="159"/>
+              </a:spcBef>
+              <a:buChar char="•"/>
+              <a:tabLst>
+                <a:tab pos="697878" algn="l"/>
+              </a:tabLst>
+            </a:pPr>
+            <a:r>
+              <a:rPr sz="2200" dirty="0">
+                <a:solidFill>
+                  <a:srgbClr val="22373A"/>
+                </a:solidFill>
+                <a:latin typeface="Times New Roman" panose="02020603050405020304" pitchFamily="18" charset="0"/>
+                <a:cs typeface="Times New Roman" panose="02020603050405020304" pitchFamily="18" charset="0"/>
+              </a:rPr>
+              <a:t>Determine the number of new residency slots to new physicians</a:t>
+            </a:r>
+            <a:endParaRPr sz="2200" dirty="0">
+              <a:latin typeface="Times New Roman" panose="02020603050405020304" pitchFamily="18" charset="0"/>
+              <a:cs typeface="Times New Roman" panose="02020603050405020304" pitchFamily="18" charset="0"/>
+            </a:endParaRPr>
+          </a:p>
+          <a:p>
+            <a:pPr marL="216074" marR="10737" indent="-190574">
+              <a:lnSpc>
+                <a:spcPct val="116199"/>
+              </a:lnSpc>
+              <a:spcBef>
+                <a:spcPts val="666"/>
+              </a:spcBef>
+              <a:buChar char="•"/>
+              <a:tabLst>
+                <a:tab pos="217416" algn="l"/>
+              </a:tabLst>
+            </a:pPr>
+            <a:r>
+              <a:rPr sz="2200" dirty="0">
+                <a:solidFill>
+                  <a:srgbClr val="22373A"/>
+                </a:solidFill>
+                <a:latin typeface="Times New Roman" panose="02020603050405020304" pitchFamily="18" charset="0"/>
+                <a:cs typeface="Times New Roman" panose="02020603050405020304" pitchFamily="18" charset="0"/>
+              </a:rPr>
+              <a:t>While these regulations </a:t>
+            </a:r>
+            <a:r>
+              <a:rPr lang="en-CA" sz="2200" dirty="0">
+                <a:solidFill>
+                  <a:srgbClr val="22373A"/>
+                </a:solidFill>
+                <a:latin typeface="Times New Roman" panose="02020603050405020304" pitchFamily="18" charset="0"/>
+                <a:cs typeface="Times New Roman" panose="02020603050405020304" pitchFamily="18" charset="0"/>
+              </a:rPr>
+              <a:t>aid </a:t>
+            </a:r>
+            <a:r>
+              <a:rPr sz="2200" dirty="0">
+                <a:solidFill>
+                  <a:srgbClr val="22373A"/>
+                </a:solidFill>
+                <a:latin typeface="Times New Roman" panose="02020603050405020304" pitchFamily="18" charset="0"/>
+                <a:cs typeface="Times New Roman" panose="02020603050405020304" pitchFamily="18" charset="0"/>
+              </a:rPr>
+              <a:t>a well-functioning healthcare sector, they also keep physician wages high (not unique to physicians)</a:t>
+            </a:r>
+            <a:endParaRPr sz="2200" dirty="0">
+              <a:latin typeface="Times New Roman" panose="02020603050405020304" pitchFamily="18" charset="0"/>
+              <a:cs typeface="Times New Roman" panose="02020603050405020304" pitchFamily="18" charset="0"/>
+            </a:endParaRPr>
+          </a:p>
+        </p:txBody>
+      </p:sp>
+      <p:sp>
+        <p:nvSpPr>
+          <p:cNvPr id="7" name="object 7"/>
+          <p:cNvSpPr txBox="1"/>
+          <p:nvPr/>
+        </p:nvSpPr>
+        <p:spPr>
+          <a:xfrm>
+            <a:off x="11870006" y="6407476"/>
+            <a:ext cx="124813" cy="220866"/>
+          </a:xfrm>
+          <a:prstGeom prst="rect">
+            <a:avLst/>
+          </a:prstGeom>
+        </p:spPr>
+        <p:txBody>
+          <a:bodyPr vert="horz" wrap="square" lIns="0" tIns="25499" rIns="0" bIns="0" rtlCol="0">
+            <a:spAutoFit/>
+          </a:bodyPr>
+          <a:lstStyle/>
+          <a:p>
+            <a:pPr marL="26841">
+              <a:spcBef>
+                <a:spcPts val="201"/>
+              </a:spcBef>
+            </a:pPr>
+            <a:r>
+              <a:rPr sz="1268" spc="-296" dirty="0">
+                <a:solidFill>
+                  <a:srgbClr val="22373A"/>
+                </a:solidFill>
+                <a:latin typeface="Arial Black"/>
+                <a:cs typeface="Arial Black"/>
+              </a:rPr>
+              <a:t>7</a:t>
+            </a:r>
+            <a:endParaRPr sz="1268">
+              <a:latin typeface="Arial Black"/>
+              <a:cs typeface="Arial Black"/>
+            </a:endParaRPr>
+          </a:p>
+        </p:txBody>
+      </p:sp>
+    </p:spTree>
+  </p:cSld>
+  <p:clrMapOvr>
+    <a:masterClrMapping/>
+  </p:clrMapOvr>
+  <p:transition>
+    <p:cut/>
+  </p:transition>
+</p:sld>
+</file>
+
+<file path=ppt/slides/slide11.xml><?xml version="1.0" encoding="utf-8"?>
+<p:sld xmlns:a="http://schemas.openxmlformats.org/drawingml/2006/main" xmlns:r="http://schemas.openxmlformats.org/officeDocument/2006/relationships" xmlns:p="http://schemas.openxmlformats.org/presentationml/2006/main">
+  <p:cSld>
+    <p:spTree>
+      <p:nvGrpSpPr>
+        <p:cNvPr id="1" name=""/>
+        <p:cNvGrpSpPr/>
+        <p:nvPr/>
+      </p:nvGrpSpPr>
+      <p:grpSpPr>
+        <a:xfrm>
+          <a:off x="0" y="0"/>
+          <a:ext cx="0" cy="0"/>
+          <a:chOff x="0" y="0"/>
+          <a:chExt cx="0" cy="0"/>
+        </a:xfrm>
+      </p:grpSpPr>
+      <p:sp>
+        <p:nvSpPr>
+          <p:cNvPr id="2" name="object 2"/>
+          <p:cNvSpPr txBox="1">
+            <a:spLocks noGrp="1"/>
+          </p:cNvSpPr>
+          <p:nvPr>
+            <p:ph type="title"/>
+          </p:nvPr>
+        </p:nvSpPr>
+        <p:spPr>
+          <a:xfrm>
             <a:off x="152400" y="90806"/>
             <a:ext cx="11218783" cy="579746"/>
           </a:xfrm>
@@ -8976,7 +9365,7 @@
 </p:sld>
 </file>
 
-<file path=ppt/slides/slide11.xml><?xml version="1.0" encoding="utf-8"?>
+<file path=ppt/slides/slide12.xml><?xml version="1.0" encoding="utf-8"?>
 <p:sld xmlns:a="http://schemas.openxmlformats.org/drawingml/2006/main" xmlns:r="http://schemas.openxmlformats.org/officeDocument/2006/relationships" xmlns:p="http://schemas.openxmlformats.org/presentationml/2006/main">
   <p:cSld>
     <p:spTree>
@@ -9543,7 +9932,7 @@
 </p:sld>
 </file>
 
-<file path=ppt/slides/slide12.xml><?xml version="1.0" encoding="utf-8"?>
+<file path=ppt/slides/slide13.xml><?xml version="1.0" encoding="utf-8"?>
 <p:sld xmlns:a="http://schemas.openxmlformats.org/drawingml/2006/main" xmlns:r="http://schemas.openxmlformats.org/officeDocument/2006/relationships" xmlns:p="http://schemas.openxmlformats.org/presentationml/2006/main">
   <p:cSld>
     <p:spTree>
@@ -10136,7 +10525,7 @@
 </p:sld>
 </file>
 
-<file path=ppt/slides/slide13.xml><?xml version="1.0" encoding="utf-8"?>
+<file path=ppt/slides/slide14.xml><?xml version="1.0" encoding="utf-8"?>
 <p:sld xmlns:a="http://schemas.openxmlformats.org/drawingml/2006/main" xmlns:r="http://schemas.openxmlformats.org/officeDocument/2006/relationships" xmlns:p="http://schemas.openxmlformats.org/presentationml/2006/main">
   <p:cSld>
     <p:spTree>
@@ -10779,7 +11168,7 @@
 </p:sld>
 </file>
 
-<file path=ppt/slides/slide14.xml><?xml version="1.0" encoding="utf-8"?>
+<file path=ppt/slides/slide15.xml><?xml version="1.0" encoding="utf-8"?>
 <p:sld xmlns:a="http://schemas.openxmlformats.org/drawingml/2006/main" xmlns:r="http://schemas.openxmlformats.org/officeDocument/2006/relationships" xmlns:p="http://schemas.openxmlformats.org/presentationml/2006/main">
   <p:cSld>
     <p:bg>
@@ -10937,7 +11326,7 @@
 </p:sld>
 </file>
 
-<file path=ppt/slides/slide15.xml><?xml version="1.0" encoding="utf-8"?>
+<file path=ppt/slides/slide16.xml><?xml version="1.0" encoding="utf-8"?>
 <p:sld xmlns:a="http://schemas.openxmlformats.org/drawingml/2006/main" xmlns:r="http://schemas.openxmlformats.org/officeDocument/2006/relationships" xmlns:p="http://schemas.openxmlformats.org/presentationml/2006/main">
   <p:cSld>
     <p:spTree>
@@ -11301,7 +11690,7 @@
 </p:sld>
 </file>
 
-<file path=ppt/slides/slide16.xml><?xml version="1.0" encoding="utf-8"?>
+<file path=ppt/slides/slide17.xml><?xml version="1.0" encoding="utf-8"?>
 <p:sld xmlns:a="http://schemas.openxmlformats.org/drawingml/2006/main" xmlns:r="http://schemas.openxmlformats.org/officeDocument/2006/relationships" xmlns:p="http://schemas.openxmlformats.org/presentationml/2006/main">
   <p:cSld>
     <p:spTree>
@@ -11462,7 +11851,7 @@
 </p:sld>
 </file>
 
-<file path=ppt/slides/slide17.xml><?xml version="1.0" encoding="utf-8"?>
+<file path=ppt/slides/slide18.xml><?xml version="1.0" encoding="utf-8"?>
 <p:sld xmlns:a="http://schemas.openxmlformats.org/drawingml/2006/main" xmlns:r="http://schemas.openxmlformats.org/officeDocument/2006/relationships" xmlns:p="http://schemas.openxmlformats.org/presentationml/2006/main">
   <p:cSld>
     <p:spTree>
@@ -12773,7 +13162,7 @@
 </p:sld>
 </file>
 
-<file path=ppt/slides/slide18.xml><?xml version="1.0" encoding="utf-8"?>
+<file path=ppt/slides/slide19.xml><?xml version="1.0" encoding="utf-8"?>
 <p:sld xmlns:a="http://schemas.openxmlformats.org/drawingml/2006/main" xmlns:r="http://schemas.openxmlformats.org/officeDocument/2006/relationships" xmlns:p="http://schemas.openxmlformats.org/presentationml/2006/main">
   <p:cSld>
     <p:spTree>
@@ -14263,7 +14652,405 @@
 </p:sld>
 </file>
 
-<file path=ppt/slides/slide19.xml><?xml version="1.0" encoding="utf-8"?>
+<file path=ppt/slides/slide2.xml><?xml version="1.0" encoding="utf-8"?>
+<p:sld xmlns:a="http://schemas.openxmlformats.org/drawingml/2006/main" xmlns:r="http://schemas.openxmlformats.org/officeDocument/2006/relationships" xmlns:p="http://schemas.openxmlformats.org/presentationml/2006/main">
+  <p:cSld>
+    <p:spTree>
+      <p:nvGrpSpPr>
+        <p:cNvPr id="1" name=""/>
+        <p:cNvGrpSpPr/>
+        <p:nvPr/>
+      </p:nvGrpSpPr>
+      <p:grpSpPr>
+        <a:xfrm>
+          <a:off x="0" y="0"/>
+          <a:ext cx="0" cy="0"/>
+          <a:chOff x="0" y="0"/>
+          <a:chExt cx="0" cy="0"/>
+        </a:xfrm>
+      </p:grpSpPr>
+      <p:sp>
+        <p:nvSpPr>
+          <p:cNvPr id="2" name="Title 1"/>
+          <p:cNvSpPr>
+            <a:spLocks noGrp="1"/>
+          </p:cNvSpPr>
+          <p:nvPr>
+            <p:ph type="title"/>
+          </p:nvPr>
+        </p:nvSpPr>
+        <p:spPr>
+          <a:xfrm>
+            <a:off x="609600" y="272078"/>
+            <a:ext cx="7269480" cy="624840"/>
+          </a:xfrm>
+        </p:spPr>
+        <p:txBody>
+          <a:bodyPr>
+            <a:normAutofit fontScale="90000"/>
+          </a:bodyPr>
+          <a:lstStyle/>
+          <a:p>
+            <a:r>
+              <a:rPr lang="en-US" dirty="0">
+                <a:solidFill>
+                  <a:schemeClr val="accent2">
+                    <a:lumMod val="75000"/>
+                  </a:schemeClr>
+                </a:solidFill>
+                <a:cs typeface="Times New Roman" panose="02020603050405020304" pitchFamily="18" charset="0"/>
+              </a:rPr>
+              <a:t>Last time: Adverse Selection</a:t>
+            </a:r>
+            <a:endParaRPr lang="en-US" dirty="0">
+              <a:solidFill>
+                <a:schemeClr val="accent2">
+                  <a:lumMod val="75000"/>
+                </a:schemeClr>
+              </a:solidFill>
+              <a:latin typeface="Times New Roman" panose="02020603050405020304" pitchFamily="18" charset="0"/>
+              <a:cs typeface="Times New Roman" panose="02020603050405020304" pitchFamily="18" charset="0"/>
+            </a:endParaRPr>
+          </a:p>
+        </p:txBody>
+      </p:sp>
+      <p:sp>
+        <p:nvSpPr>
+          <p:cNvPr id="5" name="Content Placeholder 2">
+            <a:extLst>
+              <a:ext uri="{FF2B5EF4-FFF2-40B4-BE49-F238E27FC236}">
+                <a16:creationId xmlns:a16="http://schemas.microsoft.com/office/drawing/2014/main" id="{D52D31A3-19BE-0C56-23AB-F009C1779EED}"/>
+              </a:ext>
+            </a:extLst>
+          </p:cNvPr>
+          <p:cNvSpPr txBox="1">
+            <a:spLocks/>
+          </p:cNvSpPr>
+          <p:nvPr/>
+        </p:nvSpPr>
+        <p:spPr>
+          <a:xfrm>
+            <a:off x="876300" y="929575"/>
+            <a:ext cx="10439400" cy="5141388"/>
+          </a:xfrm>
+          <a:prstGeom prst="rect">
+            <a:avLst/>
+          </a:prstGeom>
+        </p:spPr>
+        <p:txBody>
+          <a:bodyPr vert="horz" lIns="91440" tIns="45720" rIns="91440" bIns="45720" rtlCol="0">
+            <a:noAutofit/>
+          </a:bodyPr>
+          <a:lstStyle>
+            <a:lvl1pPr marL="182880" indent="-182880" algn="l" defTabSz="914400" rtl="0" eaLnBrk="1" latinLnBrk="0" hangingPunct="1">
+              <a:lnSpc>
+                <a:spcPct val="95000"/>
+              </a:lnSpc>
+              <a:spcBef>
+                <a:spcPts val="1400"/>
+              </a:spcBef>
+              <a:spcAft>
+                <a:spcPts val="200"/>
+              </a:spcAft>
+              <a:buClr>
+                <a:schemeClr val="accent1"/>
+              </a:buClr>
+              <a:buSzPct val="80000"/>
+              <a:buFont typeface="Arial" pitchFamily="34" charset="0"/>
+              <a:buChar char="•"/>
+              <a:defRPr sz="1800" kern="1200" spc="10" baseline="0">
+                <a:solidFill>
+                  <a:schemeClr val="tx1"/>
+                </a:solidFill>
+                <a:latin typeface="Times New Roman" panose="02020603050405020304" pitchFamily="18" charset="0"/>
+                <a:ea typeface="+mn-ea"/>
+                <a:cs typeface="+mn-cs"/>
+              </a:defRPr>
+            </a:lvl1pPr>
+            <a:lvl2pPr marL="457200" indent="-182880" algn="l" defTabSz="914400" rtl="0" eaLnBrk="1" latinLnBrk="0" hangingPunct="1">
+              <a:lnSpc>
+                <a:spcPct val="90000"/>
+              </a:lnSpc>
+              <a:spcBef>
+                <a:spcPts val="300"/>
+              </a:spcBef>
+              <a:spcAft>
+                <a:spcPts val="300"/>
+              </a:spcAft>
+              <a:buClr>
+                <a:schemeClr val="accent1"/>
+              </a:buClr>
+              <a:buFont typeface="Wingdings 2" pitchFamily="18" charset="2"/>
+              <a:buChar char=""/>
+              <a:defRPr sz="1600" kern="1200">
+                <a:solidFill>
+                  <a:schemeClr val="tx1">
+                    <a:lumMod val="85000"/>
+                    <a:lumOff val="15000"/>
+                  </a:schemeClr>
+                </a:solidFill>
+                <a:latin typeface="Times New Roman" panose="02020603050405020304" pitchFamily="18" charset="0"/>
+                <a:ea typeface="+mn-ea"/>
+                <a:cs typeface="+mn-cs"/>
+              </a:defRPr>
+            </a:lvl2pPr>
+            <a:lvl3pPr marL="731520" indent="-182880" algn="l" defTabSz="914400" rtl="0" eaLnBrk="1" latinLnBrk="0" hangingPunct="1">
+              <a:lnSpc>
+                <a:spcPct val="90000"/>
+              </a:lnSpc>
+              <a:spcBef>
+                <a:spcPts val="300"/>
+              </a:spcBef>
+              <a:spcAft>
+                <a:spcPts val="300"/>
+              </a:spcAft>
+              <a:buClr>
+                <a:schemeClr val="accent1"/>
+              </a:buClr>
+              <a:buFont typeface="Wingdings 2" pitchFamily="18" charset="2"/>
+              <a:buChar char=""/>
+              <a:defRPr sz="1400" kern="1200">
+                <a:solidFill>
+                  <a:schemeClr val="tx1">
+                    <a:lumMod val="85000"/>
+                    <a:lumOff val="15000"/>
+                  </a:schemeClr>
+                </a:solidFill>
+                <a:latin typeface="Times New Roman" panose="02020603050405020304" pitchFamily="18" charset="0"/>
+                <a:ea typeface="+mn-ea"/>
+                <a:cs typeface="+mn-cs"/>
+              </a:defRPr>
+            </a:lvl3pPr>
+            <a:lvl4pPr marL="1005840" indent="-182880" algn="l" defTabSz="914400" rtl="0" eaLnBrk="1" latinLnBrk="0" hangingPunct="1">
+              <a:lnSpc>
+                <a:spcPct val="90000"/>
+              </a:lnSpc>
+              <a:spcBef>
+                <a:spcPts val="300"/>
+              </a:spcBef>
+              <a:spcAft>
+                <a:spcPts val="300"/>
+              </a:spcAft>
+              <a:buClr>
+                <a:schemeClr val="accent1"/>
+              </a:buClr>
+              <a:buFont typeface="Wingdings 2" pitchFamily="18" charset="2"/>
+              <a:buChar char=""/>
+              <a:defRPr sz="1400" kern="1200">
+                <a:solidFill>
+                  <a:schemeClr val="tx1">
+                    <a:lumMod val="85000"/>
+                    <a:lumOff val="15000"/>
+                  </a:schemeClr>
+                </a:solidFill>
+                <a:latin typeface="Times New Roman" panose="02020603050405020304" pitchFamily="18" charset="0"/>
+                <a:ea typeface="+mn-ea"/>
+                <a:cs typeface="+mn-cs"/>
+              </a:defRPr>
+            </a:lvl4pPr>
+            <a:lvl5pPr marL="1280160" indent="-182880" algn="l" defTabSz="914400" rtl="0" eaLnBrk="1" latinLnBrk="0" hangingPunct="1">
+              <a:lnSpc>
+                <a:spcPct val="90000"/>
+              </a:lnSpc>
+              <a:spcBef>
+                <a:spcPts val="300"/>
+              </a:spcBef>
+              <a:spcAft>
+                <a:spcPts val="300"/>
+              </a:spcAft>
+              <a:buClr>
+                <a:schemeClr val="accent1"/>
+              </a:buClr>
+              <a:buFont typeface="Wingdings 2" pitchFamily="18" charset="2"/>
+              <a:buChar char=""/>
+              <a:defRPr sz="1400" kern="1200">
+                <a:solidFill>
+                  <a:schemeClr val="tx1">
+                    <a:lumMod val="85000"/>
+                    <a:lumOff val="15000"/>
+                  </a:schemeClr>
+                </a:solidFill>
+                <a:latin typeface="Times New Roman" panose="02020603050405020304" pitchFamily="18" charset="0"/>
+                <a:ea typeface="+mn-ea"/>
+                <a:cs typeface="+mn-cs"/>
+              </a:defRPr>
+            </a:lvl5pPr>
+            <a:lvl6pPr marL="1600000" indent="-228600" algn="l" defTabSz="914400" rtl="0" eaLnBrk="1" latinLnBrk="0" hangingPunct="1">
+              <a:lnSpc>
+                <a:spcPct val="90000"/>
+              </a:lnSpc>
+              <a:spcBef>
+                <a:spcPts val="300"/>
+              </a:spcBef>
+              <a:spcAft>
+                <a:spcPts val="300"/>
+              </a:spcAft>
+              <a:buClr>
+                <a:schemeClr val="accent1"/>
+              </a:buClr>
+              <a:buFont typeface="Wingdings 2" pitchFamily="18" charset="2"/>
+              <a:buChar char=""/>
+              <a:defRPr sz="1400" kern="1200">
+                <a:solidFill>
+                  <a:schemeClr val="tx1">
+                    <a:lumMod val="85000"/>
+                    <a:lumOff val="15000"/>
+                  </a:schemeClr>
+                </a:solidFill>
+                <a:latin typeface="+mn-lt"/>
+                <a:ea typeface="+mn-ea"/>
+                <a:cs typeface="+mn-cs"/>
+              </a:defRPr>
+            </a:lvl6pPr>
+            <a:lvl7pPr marL="1900000" indent="-228600" algn="l" defTabSz="914400" rtl="0" eaLnBrk="1" latinLnBrk="0" hangingPunct="1">
+              <a:lnSpc>
+                <a:spcPct val="90000"/>
+              </a:lnSpc>
+              <a:spcBef>
+                <a:spcPts val="300"/>
+              </a:spcBef>
+              <a:spcAft>
+                <a:spcPts val="300"/>
+              </a:spcAft>
+              <a:buClr>
+                <a:schemeClr val="accent1"/>
+              </a:buClr>
+              <a:buFont typeface="Wingdings 2" pitchFamily="18" charset="2"/>
+              <a:buChar char=""/>
+              <a:defRPr sz="1400" kern="1200">
+                <a:solidFill>
+                  <a:schemeClr val="tx1">
+                    <a:lumMod val="85000"/>
+                    <a:lumOff val="15000"/>
+                  </a:schemeClr>
+                </a:solidFill>
+                <a:latin typeface="+mn-lt"/>
+                <a:ea typeface="+mn-ea"/>
+                <a:cs typeface="+mn-cs"/>
+              </a:defRPr>
+            </a:lvl7pPr>
+            <a:lvl8pPr marL="2200000" indent="-228600" algn="l" defTabSz="914400" rtl="0" eaLnBrk="1" latinLnBrk="0" hangingPunct="1">
+              <a:lnSpc>
+                <a:spcPct val="90000"/>
+              </a:lnSpc>
+              <a:spcBef>
+                <a:spcPts val="300"/>
+              </a:spcBef>
+              <a:spcAft>
+                <a:spcPts val="300"/>
+              </a:spcAft>
+              <a:buClr>
+                <a:schemeClr val="accent1"/>
+              </a:buClr>
+              <a:buFont typeface="Wingdings 2" pitchFamily="18" charset="2"/>
+              <a:buChar char=""/>
+              <a:defRPr sz="1400" kern="1200">
+                <a:solidFill>
+                  <a:schemeClr val="tx1">
+                    <a:lumMod val="85000"/>
+                    <a:lumOff val="15000"/>
+                  </a:schemeClr>
+                </a:solidFill>
+                <a:latin typeface="+mn-lt"/>
+                <a:ea typeface="+mn-ea"/>
+                <a:cs typeface="+mn-cs"/>
+              </a:defRPr>
+            </a:lvl8pPr>
+            <a:lvl9pPr marL="2500000" indent="-228600" algn="l" defTabSz="914400" rtl="0" eaLnBrk="1" latinLnBrk="0" hangingPunct="1">
+              <a:lnSpc>
+                <a:spcPct val="90000"/>
+              </a:lnSpc>
+              <a:spcBef>
+                <a:spcPts val="300"/>
+              </a:spcBef>
+              <a:spcAft>
+                <a:spcPts val="300"/>
+              </a:spcAft>
+              <a:buClr>
+                <a:schemeClr val="accent1"/>
+              </a:buClr>
+              <a:buFont typeface="Wingdings 2" pitchFamily="18" charset="2"/>
+              <a:buChar char=""/>
+              <a:defRPr sz="1400" kern="1200">
+                <a:solidFill>
+                  <a:schemeClr val="tx1">
+                    <a:lumMod val="85000"/>
+                    <a:lumOff val="15000"/>
+                  </a:schemeClr>
+                </a:solidFill>
+                <a:latin typeface="+mn-lt"/>
+                <a:ea typeface="+mn-ea"/>
+                <a:cs typeface="+mn-cs"/>
+              </a:defRPr>
+            </a:lvl9pPr>
+          </a:lstStyle>
+          <a:p>
+            <a:r>
+              <a:rPr lang="en-US" sz="2400" dirty="0">
+                <a:cs typeface="Times New Roman" panose="02020603050405020304" pitchFamily="18" charset="0"/>
+              </a:rPr>
+              <a:t>Private information distorts demand for services! </a:t>
+            </a:r>
+          </a:p>
+          <a:p>
+            <a:r>
+              <a:rPr lang="en-US" sz="2400" dirty="0">
+                <a:cs typeface="Times New Roman" panose="02020603050405020304" pitchFamily="18" charset="0"/>
+              </a:rPr>
+              <a:t>People have information about their own risk</a:t>
+            </a:r>
+          </a:p>
+          <a:p>
+            <a:pPr lvl="1"/>
+            <a:r>
+              <a:rPr lang="en-US" sz="2200" dirty="0">
+                <a:cs typeface="Times New Roman" panose="02020603050405020304" pitchFamily="18" charset="0"/>
+              </a:rPr>
+              <a:t>Sometimes on multiple dimensions</a:t>
+            </a:r>
+          </a:p>
+          <a:p>
+            <a:r>
+              <a:rPr lang="en-US" sz="2400" dirty="0">
+                <a:cs typeface="Times New Roman" panose="02020603050405020304" pitchFamily="18" charset="0"/>
+              </a:rPr>
+              <a:t>Government intervention may be needed to mitigate risks</a:t>
+            </a:r>
+          </a:p>
+          <a:p>
+            <a:pPr lvl="1"/>
+            <a:r>
+              <a:rPr lang="en-US" sz="2200" dirty="0">
+                <a:cs typeface="Times New Roman" panose="02020603050405020304" pitchFamily="18" charset="0"/>
+              </a:rPr>
+              <a:t>Mandates, risk adjustment, subsidies (oh my!) </a:t>
+            </a:r>
+          </a:p>
+          <a:p>
+            <a:pPr lvl="1"/>
+            <a:r>
+              <a:rPr lang="en-US" sz="2200" dirty="0">
+                <a:cs typeface="Times New Roman" panose="02020603050405020304" pitchFamily="18" charset="0"/>
+              </a:rPr>
+              <a:t>But may also have unintended consequences!</a:t>
+            </a:r>
+          </a:p>
+        </p:txBody>
+      </p:sp>
+    </p:spTree>
+    <p:extLst>
+      <p:ext uri="{BB962C8B-B14F-4D97-AF65-F5344CB8AC3E}">
+        <p14:creationId xmlns:p14="http://schemas.microsoft.com/office/powerpoint/2010/main" val="3746653845"/>
+      </p:ext>
+    </p:extLst>
+  </p:cSld>
+  <p:clrMapOvr>
+    <a:masterClrMapping/>
+  </p:clrMapOvr>
+</p:sld>
+</file>
+
+<file path=ppt/slides/slide20.xml><?xml version="1.0" encoding="utf-8"?>
 <p:sld xmlns:a="http://schemas.openxmlformats.org/drawingml/2006/main" xmlns:r="http://schemas.openxmlformats.org/officeDocument/2006/relationships" xmlns:p="http://schemas.openxmlformats.org/presentationml/2006/main">
   <p:cSld>
     <p:spTree>
@@ -14636,405 +15423,7 @@
 </p:sld>
 </file>
 
-<file path=ppt/slides/slide2.xml><?xml version="1.0" encoding="utf-8"?>
-<p:sld xmlns:a="http://schemas.openxmlformats.org/drawingml/2006/main" xmlns:r="http://schemas.openxmlformats.org/officeDocument/2006/relationships" xmlns:p="http://schemas.openxmlformats.org/presentationml/2006/main">
-  <p:cSld>
-    <p:spTree>
-      <p:nvGrpSpPr>
-        <p:cNvPr id="1" name=""/>
-        <p:cNvGrpSpPr/>
-        <p:nvPr/>
-      </p:nvGrpSpPr>
-      <p:grpSpPr>
-        <a:xfrm>
-          <a:off x="0" y="0"/>
-          <a:ext cx="0" cy="0"/>
-          <a:chOff x="0" y="0"/>
-          <a:chExt cx="0" cy="0"/>
-        </a:xfrm>
-      </p:grpSpPr>
-      <p:sp>
-        <p:nvSpPr>
-          <p:cNvPr id="2" name="Title 1"/>
-          <p:cNvSpPr>
-            <a:spLocks noGrp="1"/>
-          </p:cNvSpPr>
-          <p:nvPr>
-            <p:ph type="title"/>
-          </p:nvPr>
-        </p:nvSpPr>
-        <p:spPr>
-          <a:xfrm>
-            <a:off x="609600" y="272078"/>
-            <a:ext cx="7269480" cy="624840"/>
-          </a:xfrm>
-        </p:spPr>
-        <p:txBody>
-          <a:bodyPr>
-            <a:normAutofit fontScale="90000"/>
-          </a:bodyPr>
-          <a:lstStyle/>
-          <a:p>
-            <a:r>
-              <a:rPr lang="en-US" dirty="0">
-                <a:solidFill>
-                  <a:schemeClr val="accent2">
-                    <a:lumMod val="75000"/>
-                  </a:schemeClr>
-                </a:solidFill>
-                <a:cs typeface="Times New Roman" panose="02020603050405020304" pitchFamily="18" charset="0"/>
-              </a:rPr>
-              <a:t>Last time: Adverse Selection</a:t>
-            </a:r>
-            <a:endParaRPr lang="en-US" dirty="0">
-              <a:solidFill>
-                <a:schemeClr val="accent2">
-                  <a:lumMod val="75000"/>
-                </a:schemeClr>
-              </a:solidFill>
-              <a:latin typeface="Times New Roman" panose="02020603050405020304" pitchFamily="18" charset="0"/>
-              <a:cs typeface="Times New Roman" panose="02020603050405020304" pitchFamily="18" charset="0"/>
-            </a:endParaRPr>
-          </a:p>
-        </p:txBody>
-      </p:sp>
-      <p:sp>
-        <p:nvSpPr>
-          <p:cNvPr id="5" name="Content Placeholder 2">
-            <a:extLst>
-              <a:ext uri="{FF2B5EF4-FFF2-40B4-BE49-F238E27FC236}">
-                <a16:creationId xmlns:a16="http://schemas.microsoft.com/office/drawing/2014/main" id="{D52D31A3-19BE-0C56-23AB-F009C1779EED}"/>
-              </a:ext>
-            </a:extLst>
-          </p:cNvPr>
-          <p:cNvSpPr txBox="1">
-            <a:spLocks/>
-          </p:cNvSpPr>
-          <p:nvPr/>
-        </p:nvSpPr>
-        <p:spPr>
-          <a:xfrm>
-            <a:off x="876300" y="929575"/>
-            <a:ext cx="10439400" cy="5141388"/>
-          </a:xfrm>
-          <a:prstGeom prst="rect">
-            <a:avLst/>
-          </a:prstGeom>
-        </p:spPr>
-        <p:txBody>
-          <a:bodyPr vert="horz" lIns="91440" tIns="45720" rIns="91440" bIns="45720" rtlCol="0">
-            <a:noAutofit/>
-          </a:bodyPr>
-          <a:lstStyle>
-            <a:lvl1pPr marL="182880" indent="-182880" algn="l" defTabSz="914400" rtl="0" eaLnBrk="1" latinLnBrk="0" hangingPunct="1">
-              <a:lnSpc>
-                <a:spcPct val="95000"/>
-              </a:lnSpc>
-              <a:spcBef>
-                <a:spcPts val="1400"/>
-              </a:spcBef>
-              <a:spcAft>
-                <a:spcPts val="200"/>
-              </a:spcAft>
-              <a:buClr>
-                <a:schemeClr val="accent1"/>
-              </a:buClr>
-              <a:buSzPct val="80000"/>
-              <a:buFont typeface="Arial" pitchFamily="34" charset="0"/>
-              <a:buChar char="•"/>
-              <a:defRPr sz="1800" kern="1200" spc="10" baseline="0">
-                <a:solidFill>
-                  <a:schemeClr val="tx1"/>
-                </a:solidFill>
-                <a:latin typeface="Times New Roman" panose="02020603050405020304" pitchFamily="18" charset="0"/>
-                <a:ea typeface="+mn-ea"/>
-                <a:cs typeface="+mn-cs"/>
-              </a:defRPr>
-            </a:lvl1pPr>
-            <a:lvl2pPr marL="457200" indent="-182880" algn="l" defTabSz="914400" rtl="0" eaLnBrk="1" latinLnBrk="0" hangingPunct="1">
-              <a:lnSpc>
-                <a:spcPct val="90000"/>
-              </a:lnSpc>
-              <a:spcBef>
-                <a:spcPts val="300"/>
-              </a:spcBef>
-              <a:spcAft>
-                <a:spcPts val="300"/>
-              </a:spcAft>
-              <a:buClr>
-                <a:schemeClr val="accent1"/>
-              </a:buClr>
-              <a:buFont typeface="Wingdings 2" pitchFamily="18" charset="2"/>
-              <a:buChar char=""/>
-              <a:defRPr sz="1600" kern="1200">
-                <a:solidFill>
-                  <a:schemeClr val="tx1">
-                    <a:lumMod val="85000"/>
-                    <a:lumOff val="15000"/>
-                  </a:schemeClr>
-                </a:solidFill>
-                <a:latin typeface="Times New Roman" panose="02020603050405020304" pitchFamily="18" charset="0"/>
-                <a:ea typeface="+mn-ea"/>
-                <a:cs typeface="+mn-cs"/>
-              </a:defRPr>
-            </a:lvl2pPr>
-            <a:lvl3pPr marL="731520" indent="-182880" algn="l" defTabSz="914400" rtl="0" eaLnBrk="1" latinLnBrk="0" hangingPunct="1">
-              <a:lnSpc>
-                <a:spcPct val="90000"/>
-              </a:lnSpc>
-              <a:spcBef>
-                <a:spcPts val="300"/>
-              </a:spcBef>
-              <a:spcAft>
-                <a:spcPts val="300"/>
-              </a:spcAft>
-              <a:buClr>
-                <a:schemeClr val="accent1"/>
-              </a:buClr>
-              <a:buFont typeface="Wingdings 2" pitchFamily="18" charset="2"/>
-              <a:buChar char=""/>
-              <a:defRPr sz="1400" kern="1200">
-                <a:solidFill>
-                  <a:schemeClr val="tx1">
-                    <a:lumMod val="85000"/>
-                    <a:lumOff val="15000"/>
-                  </a:schemeClr>
-                </a:solidFill>
-                <a:latin typeface="Times New Roman" panose="02020603050405020304" pitchFamily="18" charset="0"/>
-                <a:ea typeface="+mn-ea"/>
-                <a:cs typeface="+mn-cs"/>
-              </a:defRPr>
-            </a:lvl3pPr>
-            <a:lvl4pPr marL="1005840" indent="-182880" algn="l" defTabSz="914400" rtl="0" eaLnBrk="1" latinLnBrk="0" hangingPunct="1">
-              <a:lnSpc>
-                <a:spcPct val="90000"/>
-              </a:lnSpc>
-              <a:spcBef>
-                <a:spcPts val="300"/>
-              </a:spcBef>
-              <a:spcAft>
-                <a:spcPts val="300"/>
-              </a:spcAft>
-              <a:buClr>
-                <a:schemeClr val="accent1"/>
-              </a:buClr>
-              <a:buFont typeface="Wingdings 2" pitchFamily="18" charset="2"/>
-              <a:buChar char=""/>
-              <a:defRPr sz="1400" kern="1200">
-                <a:solidFill>
-                  <a:schemeClr val="tx1">
-                    <a:lumMod val="85000"/>
-                    <a:lumOff val="15000"/>
-                  </a:schemeClr>
-                </a:solidFill>
-                <a:latin typeface="Times New Roman" panose="02020603050405020304" pitchFamily="18" charset="0"/>
-                <a:ea typeface="+mn-ea"/>
-                <a:cs typeface="+mn-cs"/>
-              </a:defRPr>
-            </a:lvl4pPr>
-            <a:lvl5pPr marL="1280160" indent="-182880" algn="l" defTabSz="914400" rtl="0" eaLnBrk="1" latinLnBrk="0" hangingPunct="1">
-              <a:lnSpc>
-                <a:spcPct val="90000"/>
-              </a:lnSpc>
-              <a:spcBef>
-                <a:spcPts val="300"/>
-              </a:spcBef>
-              <a:spcAft>
-                <a:spcPts val="300"/>
-              </a:spcAft>
-              <a:buClr>
-                <a:schemeClr val="accent1"/>
-              </a:buClr>
-              <a:buFont typeface="Wingdings 2" pitchFamily="18" charset="2"/>
-              <a:buChar char=""/>
-              <a:defRPr sz="1400" kern="1200">
-                <a:solidFill>
-                  <a:schemeClr val="tx1">
-                    <a:lumMod val="85000"/>
-                    <a:lumOff val="15000"/>
-                  </a:schemeClr>
-                </a:solidFill>
-                <a:latin typeface="Times New Roman" panose="02020603050405020304" pitchFamily="18" charset="0"/>
-                <a:ea typeface="+mn-ea"/>
-                <a:cs typeface="+mn-cs"/>
-              </a:defRPr>
-            </a:lvl5pPr>
-            <a:lvl6pPr marL="1600000" indent="-228600" algn="l" defTabSz="914400" rtl="0" eaLnBrk="1" latinLnBrk="0" hangingPunct="1">
-              <a:lnSpc>
-                <a:spcPct val="90000"/>
-              </a:lnSpc>
-              <a:spcBef>
-                <a:spcPts val="300"/>
-              </a:spcBef>
-              <a:spcAft>
-                <a:spcPts val="300"/>
-              </a:spcAft>
-              <a:buClr>
-                <a:schemeClr val="accent1"/>
-              </a:buClr>
-              <a:buFont typeface="Wingdings 2" pitchFamily="18" charset="2"/>
-              <a:buChar char=""/>
-              <a:defRPr sz="1400" kern="1200">
-                <a:solidFill>
-                  <a:schemeClr val="tx1">
-                    <a:lumMod val="85000"/>
-                    <a:lumOff val="15000"/>
-                  </a:schemeClr>
-                </a:solidFill>
-                <a:latin typeface="+mn-lt"/>
-                <a:ea typeface="+mn-ea"/>
-                <a:cs typeface="+mn-cs"/>
-              </a:defRPr>
-            </a:lvl6pPr>
-            <a:lvl7pPr marL="1900000" indent="-228600" algn="l" defTabSz="914400" rtl="0" eaLnBrk="1" latinLnBrk="0" hangingPunct="1">
-              <a:lnSpc>
-                <a:spcPct val="90000"/>
-              </a:lnSpc>
-              <a:spcBef>
-                <a:spcPts val="300"/>
-              </a:spcBef>
-              <a:spcAft>
-                <a:spcPts val="300"/>
-              </a:spcAft>
-              <a:buClr>
-                <a:schemeClr val="accent1"/>
-              </a:buClr>
-              <a:buFont typeface="Wingdings 2" pitchFamily="18" charset="2"/>
-              <a:buChar char=""/>
-              <a:defRPr sz="1400" kern="1200">
-                <a:solidFill>
-                  <a:schemeClr val="tx1">
-                    <a:lumMod val="85000"/>
-                    <a:lumOff val="15000"/>
-                  </a:schemeClr>
-                </a:solidFill>
-                <a:latin typeface="+mn-lt"/>
-                <a:ea typeface="+mn-ea"/>
-                <a:cs typeface="+mn-cs"/>
-              </a:defRPr>
-            </a:lvl7pPr>
-            <a:lvl8pPr marL="2200000" indent="-228600" algn="l" defTabSz="914400" rtl="0" eaLnBrk="1" latinLnBrk="0" hangingPunct="1">
-              <a:lnSpc>
-                <a:spcPct val="90000"/>
-              </a:lnSpc>
-              <a:spcBef>
-                <a:spcPts val="300"/>
-              </a:spcBef>
-              <a:spcAft>
-                <a:spcPts val="300"/>
-              </a:spcAft>
-              <a:buClr>
-                <a:schemeClr val="accent1"/>
-              </a:buClr>
-              <a:buFont typeface="Wingdings 2" pitchFamily="18" charset="2"/>
-              <a:buChar char=""/>
-              <a:defRPr sz="1400" kern="1200">
-                <a:solidFill>
-                  <a:schemeClr val="tx1">
-                    <a:lumMod val="85000"/>
-                    <a:lumOff val="15000"/>
-                  </a:schemeClr>
-                </a:solidFill>
-                <a:latin typeface="+mn-lt"/>
-                <a:ea typeface="+mn-ea"/>
-                <a:cs typeface="+mn-cs"/>
-              </a:defRPr>
-            </a:lvl8pPr>
-            <a:lvl9pPr marL="2500000" indent="-228600" algn="l" defTabSz="914400" rtl="0" eaLnBrk="1" latinLnBrk="0" hangingPunct="1">
-              <a:lnSpc>
-                <a:spcPct val="90000"/>
-              </a:lnSpc>
-              <a:spcBef>
-                <a:spcPts val="300"/>
-              </a:spcBef>
-              <a:spcAft>
-                <a:spcPts val="300"/>
-              </a:spcAft>
-              <a:buClr>
-                <a:schemeClr val="accent1"/>
-              </a:buClr>
-              <a:buFont typeface="Wingdings 2" pitchFamily="18" charset="2"/>
-              <a:buChar char=""/>
-              <a:defRPr sz="1400" kern="1200">
-                <a:solidFill>
-                  <a:schemeClr val="tx1">
-                    <a:lumMod val="85000"/>
-                    <a:lumOff val="15000"/>
-                  </a:schemeClr>
-                </a:solidFill>
-                <a:latin typeface="+mn-lt"/>
-                <a:ea typeface="+mn-ea"/>
-                <a:cs typeface="+mn-cs"/>
-              </a:defRPr>
-            </a:lvl9pPr>
-          </a:lstStyle>
-          <a:p>
-            <a:r>
-              <a:rPr lang="en-US" sz="2400" dirty="0">
-                <a:cs typeface="Times New Roman" panose="02020603050405020304" pitchFamily="18" charset="0"/>
-              </a:rPr>
-              <a:t>Private information distorts demand for services! </a:t>
-            </a:r>
-          </a:p>
-          <a:p>
-            <a:r>
-              <a:rPr lang="en-US" sz="2400" dirty="0">
-                <a:cs typeface="Times New Roman" panose="02020603050405020304" pitchFamily="18" charset="0"/>
-              </a:rPr>
-              <a:t>People have information about their own risk</a:t>
-            </a:r>
-          </a:p>
-          <a:p>
-            <a:pPr lvl="1"/>
-            <a:r>
-              <a:rPr lang="en-US" sz="2200" dirty="0">
-                <a:cs typeface="Times New Roman" panose="02020603050405020304" pitchFamily="18" charset="0"/>
-              </a:rPr>
-              <a:t>Sometimes on multiple dimensions</a:t>
-            </a:r>
-          </a:p>
-          <a:p>
-            <a:r>
-              <a:rPr lang="en-US" sz="2400" dirty="0">
-                <a:cs typeface="Times New Roman" panose="02020603050405020304" pitchFamily="18" charset="0"/>
-              </a:rPr>
-              <a:t>Government intervention may be needed to mitigate risks</a:t>
-            </a:r>
-          </a:p>
-          <a:p>
-            <a:pPr lvl="1"/>
-            <a:r>
-              <a:rPr lang="en-US" sz="2200" dirty="0">
-                <a:cs typeface="Times New Roman" panose="02020603050405020304" pitchFamily="18" charset="0"/>
-              </a:rPr>
-              <a:t>Mandates, risk adjustment, subsidies (oh my!) </a:t>
-            </a:r>
-          </a:p>
-          <a:p>
-            <a:pPr lvl="1"/>
-            <a:r>
-              <a:rPr lang="en-US" sz="2200" dirty="0">
-                <a:cs typeface="Times New Roman" panose="02020603050405020304" pitchFamily="18" charset="0"/>
-              </a:rPr>
-              <a:t>But may also have unintended consequences!</a:t>
-            </a:r>
-          </a:p>
-        </p:txBody>
-      </p:sp>
-    </p:spTree>
-    <p:extLst>
-      <p:ext uri="{BB962C8B-B14F-4D97-AF65-F5344CB8AC3E}">
-        <p14:creationId xmlns:p14="http://schemas.microsoft.com/office/powerpoint/2010/main" val="3746653845"/>
-      </p:ext>
-    </p:extLst>
-  </p:cSld>
-  <p:clrMapOvr>
-    <a:masterClrMapping/>
-  </p:clrMapOvr>
-</p:sld>
-</file>
-
-<file path=ppt/slides/slide20.xml><?xml version="1.0" encoding="utf-8"?>
+<file path=ppt/slides/slide21.xml><?xml version="1.0" encoding="utf-8"?>
 <p:sld xmlns:a="http://schemas.openxmlformats.org/drawingml/2006/main" xmlns:r="http://schemas.openxmlformats.org/officeDocument/2006/relationships" xmlns:p="http://schemas.openxmlformats.org/presentationml/2006/main">
   <p:cSld>
     <p:spTree>
@@ -15368,7 +15757,7 @@
 </p:sld>
 </file>
 
-<file path=ppt/slides/slide21.xml><?xml version="1.0" encoding="utf-8"?>
+<file path=ppt/slides/slide22.xml><?xml version="1.0" encoding="utf-8"?>
 <p:sld xmlns:a="http://schemas.openxmlformats.org/drawingml/2006/main" xmlns:r="http://schemas.openxmlformats.org/officeDocument/2006/relationships" xmlns:p="http://schemas.openxmlformats.org/presentationml/2006/main">
   <p:cSld>
     <p:spTree>
@@ -15623,7 +16012,7 @@
 </p:sld>
 </file>
 
-<file path=ppt/slides/slide22.xml><?xml version="1.0" encoding="utf-8"?>
+<file path=ppt/slides/slide23.xml><?xml version="1.0" encoding="utf-8"?>
 <p:sld xmlns:a="http://schemas.openxmlformats.org/drawingml/2006/main" xmlns:r="http://schemas.openxmlformats.org/officeDocument/2006/relationships" xmlns:p="http://schemas.openxmlformats.org/presentationml/2006/main">
   <p:cSld>
     <p:spTree>
@@ -15970,7 +16359,7 @@
 </p:sld>
 </file>
 
-<file path=ppt/slides/slide23.xml><?xml version="1.0" encoding="utf-8"?>
+<file path=ppt/slides/slide24.xml><?xml version="1.0" encoding="utf-8"?>
 <p:sld xmlns:a="http://schemas.openxmlformats.org/drawingml/2006/main" xmlns:r="http://schemas.openxmlformats.org/officeDocument/2006/relationships" xmlns:p="http://schemas.openxmlformats.org/presentationml/2006/main">
   <p:cSld>
     <p:spTree>
@@ -16337,7 +16726,7 @@
 </p:sld>
 </file>
 
-<file path=ppt/slides/slide24.xml><?xml version="1.0" encoding="utf-8"?>
+<file path=ppt/slides/slide25.xml><?xml version="1.0" encoding="utf-8"?>
 <p:sld xmlns:a="http://schemas.openxmlformats.org/drawingml/2006/main" xmlns:r="http://schemas.openxmlformats.org/officeDocument/2006/relationships" xmlns:p="http://schemas.openxmlformats.org/presentationml/2006/main">
   <p:cSld>
     <p:spTree>
@@ -16739,7 +17128,7 @@
 </p:sld>
 </file>
 
-<file path=ppt/slides/slide25.xml><?xml version="1.0" encoding="utf-8"?>
+<file path=ppt/slides/slide26.xml><?xml version="1.0" encoding="utf-8"?>
 <p:sld xmlns:a="http://schemas.openxmlformats.org/drawingml/2006/main" xmlns:r="http://schemas.openxmlformats.org/officeDocument/2006/relationships" xmlns:p="http://schemas.openxmlformats.org/presentationml/2006/main">
   <p:cSld>
     <p:spTree>
@@ -16756,8 +17145,8 @@
           <a:chExt cx="0" cy="0"/>
         </a:xfrm>
       </p:grpSpPr>
-      <mc:AlternateContent xmlns:mc="http://schemas.openxmlformats.org/markup-compatibility/2006">
-        <mc:Choice xmlns:a14="http://schemas.microsoft.com/office/drawing/2010/main" Requires="a14">
+      <mc:AlternateContent xmlns:mc="http://schemas.openxmlformats.org/markup-compatibility/2006" xmlns:a14="http://schemas.microsoft.com/office/drawing/2010/main">
+        <mc:Choice Requires="a14">
           <p:sp>
             <p:nvSpPr>
               <p:cNvPr id="3" name="Content Placeholder 2">
@@ -17153,7 +17542,7 @@
             </p:txBody>
           </p:sp>
         </mc:Choice>
-        <mc:Fallback>
+        <mc:Fallback xmlns="">
           <p:sp>
             <p:nvSpPr>
               <p:cNvPr id="3" name="Content Placeholder 2">
@@ -17288,7 +17677,7 @@
 </p:sld>
 </file>
 
-<file path=ppt/slides/slide26.xml><?xml version="1.0" encoding="utf-8"?>
+<file path=ppt/slides/slide27.xml><?xml version="1.0" encoding="utf-8"?>
 <p:sld xmlns:a="http://schemas.openxmlformats.org/drawingml/2006/main" xmlns:r="http://schemas.openxmlformats.org/officeDocument/2006/relationships" xmlns:p="http://schemas.openxmlformats.org/presentationml/2006/main">
   <p:cSld>
     <p:spTree>
@@ -17868,7 +18257,7 @@
 </p:sld>
 </file>
 
-<file path=ppt/slides/slide27.xml><?xml version="1.0" encoding="utf-8"?>
+<file path=ppt/slides/slide28.xml><?xml version="1.0" encoding="utf-8"?>
 <p:sld xmlns:a="http://schemas.openxmlformats.org/drawingml/2006/main" xmlns:r="http://schemas.openxmlformats.org/officeDocument/2006/relationships" xmlns:p="http://schemas.openxmlformats.org/presentationml/2006/main">
   <p:cSld>
     <p:spTree>
@@ -18020,7 +18409,7 @@
 </p:sld>
 </file>
 
-<file path=ppt/slides/slide28.xml><?xml version="1.0" encoding="utf-8"?>
+<file path=ppt/slides/slide29.xml><?xml version="1.0" encoding="utf-8"?>
 <p:sld xmlns:a="http://schemas.openxmlformats.org/drawingml/2006/main" xmlns:r="http://schemas.openxmlformats.org/officeDocument/2006/relationships" xmlns:p="http://schemas.openxmlformats.org/presentationml/2006/main">
   <p:cSld>
     <p:spTree>
@@ -18037,8 +18426,8 @@
           <a:chExt cx="0" cy="0"/>
         </a:xfrm>
       </p:grpSpPr>
-      <mc:AlternateContent xmlns:mc="http://schemas.openxmlformats.org/markup-compatibility/2006">
-        <mc:Choice xmlns:a14="http://schemas.microsoft.com/office/drawing/2010/main" Requires="a14">
+      <mc:AlternateContent xmlns:mc="http://schemas.openxmlformats.org/markup-compatibility/2006" xmlns:a14="http://schemas.microsoft.com/office/drawing/2010/main">
+        <mc:Choice Requires="a14">
           <p:sp>
             <p:nvSpPr>
               <p:cNvPr id="3" name="Content Placeholder 2">
@@ -18285,13 +18674,7 @@
                         <a:rPr lang="en-CA" sz="2400" b="0" i="1" smtClean="0">
                           <a:latin typeface="Cambria Math" panose="02040503050406030204" pitchFamily="18" charset="0"/>
                         </a:rPr>
-                        <m:t>𝑐</m:t>
-                      </m:r>
-                      <m:r>
-                        <a:rPr lang="en-CA" sz="2400" b="0" i="1" smtClean="0">
-                          <a:latin typeface="Cambria Math" panose="02040503050406030204" pitchFamily="18" charset="0"/>
-                        </a:rPr>
-                        <m:t>𝑞</m:t>
+                        <m:t>𝑐𝑞</m:t>
                       </m:r>
                       <m:r>
                         <a:rPr lang="en-CA" sz="2400" b="0" i="1" smtClean="0">
@@ -18337,7 +18720,7 @@
             </p:txBody>
           </p:sp>
         </mc:Choice>
-        <mc:Fallback>
+        <mc:Fallback xmlns="">
           <p:sp>
             <p:nvSpPr>
               <p:cNvPr id="3" name="Content Placeholder 2">
@@ -18461,395 +18844,6 @@
 </p:sld>
 </file>
 
-<file path=ppt/slides/slide29.xml><?xml version="1.0" encoding="utf-8"?>
-<p:sld xmlns:a="http://schemas.openxmlformats.org/drawingml/2006/main" xmlns:r="http://schemas.openxmlformats.org/officeDocument/2006/relationships" xmlns:p="http://schemas.openxmlformats.org/presentationml/2006/main">
-  <p:cSld>
-    <p:spTree>
-      <p:nvGrpSpPr>
-        <p:cNvPr id="1" name=""/>
-        <p:cNvGrpSpPr/>
-        <p:nvPr/>
-      </p:nvGrpSpPr>
-      <p:grpSpPr>
-        <a:xfrm>
-          <a:off x="0" y="0"/>
-          <a:ext cx="0" cy="0"/>
-          <a:chOff x="0" y="0"/>
-          <a:chExt cx="0" cy="0"/>
-        </a:xfrm>
-      </p:grpSpPr>
-      <mc:AlternateContent xmlns:mc="http://schemas.openxmlformats.org/markup-compatibility/2006">
-        <mc:Choice xmlns:a14="http://schemas.microsoft.com/office/drawing/2010/main" Requires="a14">
-          <p:sp>
-            <p:nvSpPr>
-              <p:cNvPr id="3" name="Content Placeholder 2">
-                <a:extLst>
-                  <a:ext uri="{FF2B5EF4-FFF2-40B4-BE49-F238E27FC236}">
-                    <a16:creationId xmlns:a16="http://schemas.microsoft.com/office/drawing/2014/main" id="{2CA9A688-580F-ECC9-5F65-3BC2434DDF2C}"/>
-                  </a:ext>
-                </a:extLst>
-              </p:cNvPr>
-              <p:cNvSpPr>
-                <a:spLocks noGrp="1"/>
-              </p:cNvSpPr>
-              <p:nvPr>
-                <p:ph idx="1"/>
-              </p:nvPr>
-            </p:nvSpPr>
-            <p:spPr>
-              <a:xfrm>
-                <a:off x="609600" y="857052"/>
-                <a:ext cx="9247632" cy="5323086"/>
-              </a:xfrm>
-            </p:spPr>
-            <p:txBody>
-              <a:bodyPr>
-                <a:normAutofit/>
-              </a:bodyPr>
-              <a:lstStyle/>
-              <a:p>
-                <a:r>
-                  <a:rPr lang="en-CA" sz="2400" dirty="0"/>
-                  <a:t>Capitation leads to underinvestment</a:t>
-                </a:r>
-              </a:p>
-              <a:p>
-                <a:r>
-                  <a:rPr lang="en-CA" sz="2400" dirty="0"/>
-                  <a:t>Cost reimbursement/prospective payment/FFS leads to overinvestment</a:t>
-                </a:r>
-              </a:p>
-              <a:p>
-                <a:r>
-                  <a:rPr lang="en-CA" sz="2400" dirty="0"/>
-                  <a:t>Can we </a:t>
-                </a:r>
-                <a:r>
-                  <a:rPr lang="en-CA" sz="2400" b="1" dirty="0"/>
-                  <a:t>split the difference</a:t>
-                </a:r>
-                <a:r>
-                  <a:rPr lang="en-CA" sz="2400" dirty="0"/>
-                  <a:t>?</a:t>
-                </a:r>
-              </a:p>
-              <a:p>
-                <a:r>
-                  <a:rPr lang="en-CA" sz="2400" dirty="0"/>
-                  <a:t>Now consider the fully “mixed payment” model: </a:t>
-                </a:r>
-              </a:p>
-              <a:p>
-                <a:pPr marL="0" indent="0">
-                  <a:buNone/>
-                </a:pPr>
-                <a14:m>
-                  <m:oMathPara xmlns:m="http://schemas.openxmlformats.org/officeDocument/2006/math">
-                    <m:oMathParaPr>
-                      <m:jc m:val="centerGroup"/>
-                    </m:oMathParaPr>
-                    <m:oMath xmlns:m="http://schemas.openxmlformats.org/officeDocument/2006/math">
-                      <m:r>
-                        <a:rPr lang="en-CA" sz="2400" b="0" i="1" smtClean="0">
-                          <a:latin typeface="Cambria Math" panose="02040503050406030204" pitchFamily="18" charset="0"/>
-                        </a:rPr>
-                        <m:t>𝑈</m:t>
-                      </m:r>
-                      <m:r>
-                        <a:rPr lang="en-CA" sz="2400" b="0" i="1" smtClean="0">
-                          <a:latin typeface="Cambria Math" panose="02040503050406030204" pitchFamily="18" charset="0"/>
-                        </a:rPr>
-                        <m:t>=</m:t>
-                      </m:r>
-                      <m:r>
-                        <a:rPr lang="en-CA" sz="2400" b="0" i="1" smtClean="0">
-                          <a:latin typeface="Cambria Math" panose="02040503050406030204" pitchFamily="18" charset="0"/>
-                        </a:rPr>
-                        <m:t>𝑅</m:t>
-                      </m:r>
-                      <m:d>
-                        <m:dPr>
-                          <m:ctrlPr>
-                            <a:rPr lang="en-CA" sz="2400" b="0" i="1" smtClean="0">
-                              <a:latin typeface="Cambria Math" panose="02040503050406030204" pitchFamily="18" charset="0"/>
-                            </a:rPr>
-                          </m:ctrlPr>
-                        </m:dPr>
-                        <m:e>
-                          <m:r>
-                            <a:rPr lang="en-CA" sz="2400" b="0" i="1" smtClean="0">
-                              <a:latin typeface="Cambria Math" panose="02040503050406030204" pitchFamily="18" charset="0"/>
-                            </a:rPr>
-                            <m:t>𝑞</m:t>
-                          </m:r>
-                        </m:e>
-                      </m:d>
-                      <m:r>
-                        <a:rPr lang="en-CA" sz="2400" b="0" i="1" smtClean="0">
-                          <a:latin typeface="Cambria Math" panose="02040503050406030204" pitchFamily="18" charset="0"/>
-                        </a:rPr>
-                        <m:t>−</m:t>
-                      </m:r>
-                      <m:r>
-                        <a:rPr lang="en-CA" sz="2400" b="0" i="1" smtClean="0">
-                          <a:latin typeface="Cambria Math" panose="02040503050406030204" pitchFamily="18" charset="0"/>
-                        </a:rPr>
-                        <m:t>𝐶</m:t>
-                      </m:r>
-                      <m:d>
-                        <m:dPr>
-                          <m:ctrlPr>
-                            <a:rPr lang="en-CA" sz="2400" b="0" i="1" smtClean="0">
-                              <a:latin typeface="Cambria Math" panose="02040503050406030204" pitchFamily="18" charset="0"/>
-                            </a:rPr>
-                          </m:ctrlPr>
-                        </m:dPr>
-                        <m:e>
-                          <m:r>
-                            <a:rPr lang="en-CA" sz="2400" b="0" i="1" smtClean="0">
-                              <a:latin typeface="Cambria Math" panose="02040503050406030204" pitchFamily="18" charset="0"/>
-                            </a:rPr>
-                            <m:t>𝑞</m:t>
-                          </m:r>
-                        </m:e>
-                      </m:d>
-                      <m:r>
-                        <a:rPr lang="en-CA" sz="2400" b="0" i="1" smtClean="0">
-                          <a:latin typeface="Cambria Math" panose="02040503050406030204" pitchFamily="18" charset="0"/>
-                        </a:rPr>
-                        <m:t>+</m:t>
-                      </m:r>
-                      <m:r>
-                        <a:rPr lang="en-CA" sz="2400" b="0" i="1" smtClean="0">
-                          <a:latin typeface="Cambria Math" panose="02040503050406030204" pitchFamily="18" charset="0"/>
-                        </a:rPr>
-                        <m:t>𝛼</m:t>
-                      </m:r>
-                      <m:r>
-                        <a:rPr lang="en-CA" sz="2400" b="0" i="1" smtClean="0">
-                          <a:latin typeface="Cambria Math" panose="02040503050406030204" pitchFamily="18" charset="0"/>
-                        </a:rPr>
-                        <m:t>𝐵</m:t>
-                      </m:r>
-                      <m:d>
-                        <m:dPr>
-                          <m:ctrlPr>
-                            <a:rPr lang="en-CA" sz="2400" b="0" i="1" smtClean="0">
-                              <a:latin typeface="Cambria Math" panose="02040503050406030204" pitchFamily="18" charset="0"/>
-                            </a:rPr>
-                          </m:ctrlPr>
-                        </m:dPr>
-                        <m:e>
-                          <m:r>
-                            <a:rPr lang="en-CA" sz="2400" b="0" i="1" smtClean="0">
-                              <a:latin typeface="Cambria Math" panose="02040503050406030204" pitchFamily="18" charset="0"/>
-                            </a:rPr>
-                            <m:t>𝑞</m:t>
-                          </m:r>
-                        </m:e>
-                      </m:d>
-                    </m:oMath>
-                  </m:oMathPara>
-                </a14:m>
-                <a:endParaRPr lang="en-CA" sz="2400" b="0" dirty="0"/>
-              </a:p>
-              <a:p>
-                <a:r>
-                  <a:rPr lang="en-CA" sz="2400" dirty="0"/>
-                  <a:t>In equilibrium, we suppose that </a:t>
-                </a:r>
-                <a14:m>
-                  <m:oMath xmlns:m="http://schemas.openxmlformats.org/officeDocument/2006/math">
-                    <m:sSub>
-                      <m:sSubPr>
-                        <m:ctrlPr>
-                          <a:rPr lang="en-CA" sz="2400" b="0" i="1" smtClean="0">
-                            <a:latin typeface="Cambria Math" panose="02040503050406030204" pitchFamily="18" charset="0"/>
-                          </a:rPr>
-                        </m:ctrlPr>
-                      </m:sSubPr>
-                      <m:e>
-                        <m:r>
-                          <a:rPr lang="en-CA" sz="2400" b="0" i="1" smtClean="0">
-                            <a:latin typeface="Cambria Math" panose="02040503050406030204" pitchFamily="18" charset="0"/>
-                          </a:rPr>
-                          <m:t>𝐵</m:t>
-                        </m:r>
-                      </m:e>
-                      <m:sub>
-                        <m:r>
-                          <a:rPr lang="en-CA" sz="2400" b="0" i="1" smtClean="0">
-                            <a:latin typeface="Cambria Math" panose="02040503050406030204" pitchFamily="18" charset="0"/>
-                          </a:rPr>
-                          <m:t>𝑞</m:t>
-                        </m:r>
-                      </m:sub>
-                    </m:sSub>
-                    <m:r>
-                      <a:rPr lang="en-CA" sz="2400" b="0" i="1" smtClean="0">
-                        <a:latin typeface="Cambria Math" panose="02040503050406030204" pitchFamily="18" charset="0"/>
-                      </a:rPr>
-                      <m:t>=</m:t>
-                    </m:r>
-                    <m:sSub>
-                      <m:sSubPr>
-                        <m:ctrlPr>
-                          <a:rPr lang="en-CA" sz="2400" b="0" i="1" smtClean="0">
-                            <a:latin typeface="Cambria Math" panose="02040503050406030204" pitchFamily="18" charset="0"/>
-                          </a:rPr>
-                        </m:ctrlPr>
-                      </m:sSubPr>
-                      <m:e>
-                        <m:r>
-                          <a:rPr lang="en-CA" sz="2400" b="0" i="1" smtClean="0">
-                            <a:latin typeface="Cambria Math" panose="02040503050406030204" pitchFamily="18" charset="0"/>
-                          </a:rPr>
-                          <m:t>𝐶</m:t>
-                        </m:r>
-                      </m:e>
-                      <m:sub>
-                        <m:r>
-                          <a:rPr lang="en-CA" sz="2400" b="0" i="1" smtClean="0">
-                            <a:latin typeface="Cambria Math" panose="02040503050406030204" pitchFamily="18" charset="0"/>
-                          </a:rPr>
-                          <m:t>𝑞</m:t>
-                        </m:r>
-                      </m:sub>
-                    </m:sSub>
-                  </m:oMath>
-                </a14:m>
-                <a:r>
-                  <a:rPr lang="en-CA" sz="2400" dirty="0"/>
-                  <a:t> (why?)</a:t>
-                </a:r>
-              </a:p>
-            </p:txBody>
-          </p:sp>
-        </mc:Choice>
-        <mc:Fallback>
-          <p:sp>
-            <p:nvSpPr>
-              <p:cNvPr id="3" name="Content Placeholder 2">
-                <a:extLst>
-                  <a:ext uri="{FF2B5EF4-FFF2-40B4-BE49-F238E27FC236}">
-                    <a16:creationId xmlns:a16="http://schemas.microsoft.com/office/drawing/2014/main" id="{2CA9A688-580F-ECC9-5F65-3BC2434DDF2C}"/>
-                  </a:ext>
-                </a:extLst>
-              </p:cNvPr>
-              <p:cNvSpPr>
-                <a:spLocks noGrp="1" noRot="1" noChangeAspect="1" noMove="1" noResize="1" noEditPoints="1" noAdjustHandles="1" noChangeArrowheads="1" noChangeShapeType="1" noTextEdit="1"/>
-              </p:cNvSpPr>
-              <p:nvPr>
-                <p:ph idx="1"/>
-              </p:nvPr>
-            </p:nvSpPr>
-            <p:spPr>
-              <a:xfrm>
-                <a:off x="609600" y="857052"/>
-                <a:ext cx="9247632" cy="5323086"/>
-              </a:xfrm>
-              <a:blipFill>
-                <a:blip r:embed="rId3"/>
-                <a:stretch>
-                  <a:fillRect l="-461" t="-1260"/>
-                </a:stretch>
-              </a:blipFill>
-            </p:spPr>
-            <p:txBody>
-              <a:bodyPr/>
-              <a:lstStyle/>
-              <a:p>
-                <a:r>
-                  <a:rPr lang="en-CA">
-                    <a:noFill/>
-                  </a:rPr>
-                  <a:t> </a:t>
-                </a:r>
-              </a:p>
-            </p:txBody>
-          </p:sp>
-        </mc:Fallback>
-      </mc:AlternateContent>
-      <p:sp>
-        <p:nvSpPr>
-          <p:cNvPr id="6" name="Title 1">
-            <a:extLst>
-              <a:ext uri="{FF2B5EF4-FFF2-40B4-BE49-F238E27FC236}">
-                <a16:creationId xmlns:a16="http://schemas.microsoft.com/office/drawing/2014/main" id="{7BD7A2E9-C7E8-9116-5BE2-1C6A3EE63774}"/>
-              </a:ext>
-            </a:extLst>
-          </p:cNvPr>
-          <p:cNvSpPr txBox="1">
-            <a:spLocks/>
-          </p:cNvSpPr>
-          <p:nvPr/>
-        </p:nvSpPr>
-        <p:spPr>
-          <a:xfrm>
-            <a:off x="304800" y="232211"/>
-            <a:ext cx="10896600" cy="624840"/>
-          </a:xfrm>
-          <a:prstGeom prst="rect">
-            <a:avLst/>
-          </a:prstGeom>
-        </p:spPr>
-        <p:txBody>
-          <a:bodyPr vert="horz" lIns="91440" tIns="45720" rIns="91440" bIns="45720" rtlCol="0" anchor="b">
-            <a:normAutofit fontScale="97500" lnSpcReduction="10000"/>
-          </a:bodyPr>
-          <a:lstStyle>
-            <a:lvl1pPr algn="l" defTabSz="914400" rtl="0" eaLnBrk="1" latinLnBrk="0" hangingPunct="1">
-              <a:lnSpc>
-                <a:spcPct val="90000"/>
-              </a:lnSpc>
-              <a:spcBef>
-                <a:spcPct val="0"/>
-              </a:spcBef>
-              <a:buNone/>
-              <a:defRPr sz="4400" kern="1200" spc="-50" baseline="0">
-                <a:solidFill>
-                  <a:schemeClr val="tx1"/>
-                </a:solidFill>
-                <a:latin typeface="Times New Roman" panose="02020603050405020304" pitchFamily="18" charset="0"/>
-                <a:ea typeface="+mj-ea"/>
-                <a:cs typeface="+mj-cs"/>
-              </a:defRPr>
-            </a:lvl1pPr>
-          </a:lstStyle>
-          <a:p>
-            <a:pPr>
-              <a:defRPr/>
-            </a:pPr>
-            <a:r>
-              <a:rPr lang="en-CA" sz="4000" dirty="0">
-                <a:cs typeface="Times New Roman" panose="02020603050405020304" pitchFamily="18" charset="0"/>
-              </a:rPr>
-              <a:t>What is the social optimum?</a:t>
-            </a:r>
-            <a:endParaRPr lang="en-US" sz="4000" dirty="0">
-              <a:solidFill>
-                <a:schemeClr val="accent3">
-                  <a:lumMod val="75000"/>
-                </a:schemeClr>
-              </a:solidFill>
-              <a:cs typeface="Times New Roman" panose="02020603050405020304" pitchFamily="18" charset="0"/>
-            </a:endParaRPr>
-          </a:p>
-        </p:txBody>
-      </p:sp>
-    </p:spTree>
-    <p:extLst>
-      <p:ext uri="{BB962C8B-B14F-4D97-AF65-F5344CB8AC3E}">
-        <p14:creationId xmlns:p14="http://schemas.microsoft.com/office/powerpoint/2010/main" val="1529667946"/>
-      </p:ext>
-    </p:extLst>
-  </p:cSld>
-  <p:clrMapOvr>
-    <a:masterClrMapping/>
-  </p:clrMapOvr>
-</p:sld>
-</file>
-
 <file path=ppt/slides/slide3.xml><?xml version="1.0" encoding="utf-8"?>
 <p:sld xmlns:a="http://schemas.openxmlformats.org/drawingml/2006/main" xmlns:r="http://schemas.openxmlformats.org/officeDocument/2006/relationships" xmlns:p="http://schemas.openxmlformats.org/presentationml/2006/main">
   <p:cSld>
@@ -18898,7 +18892,7 @@
                 </a:solidFill>
                 <a:cs typeface="Times New Roman" panose="02020603050405020304" pitchFamily="18" charset="0"/>
               </a:rPr>
-              <a:t>Last time: Adverse Selection</a:t>
+              <a:t>Case Study: Adverse Selection</a:t>
             </a:r>
             <a:endParaRPr lang="en-US" dirty="0">
               <a:solidFill>
@@ -18929,7 +18923,7 @@
         <p:spPr>
           <a:xfrm>
             <a:off x="876300" y="929575"/>
-            <a:ext cx="10439400" cy="2154348"/>
+            <a:ext cx="10439400" cy="5141388"/>
           </a:xfrm>
           <a:prstGeom prst="rect">
             <a:avLst/>
@@ -19183,449 +19177,46 @@
             </a:lvl9pPr>
           </a:lstStyle>
           <a:p>
-            <a:r>
-              <a:rPr lang="en-US" sz="2400" dirty="0">
-                <a:cs typeface="Times New Roman" panose="02020603050405020304" pitchFamily="18" charset="0"/>
-              </a:rPr>
-              <a:t>Private information distorts demand for services! </a:t>
-            </a:r>
-          </a:p>
-          <a:p>
-            <a:r>
-              <a:rPr lang="en-US" sz="2400" dirty="0">
-                <a:cs typeface="Times New Roman" panose="02020603050405020304" pitchFamily="18" charset="0"/>
-              </a:rPr>
-              <a:t>People have information about their own risk</a:t>
-            </a:r>
-          </a:p>
-          <a:p>
-            <a:pPr lvl="1"/>
-            <a:r>
-              <a:rPr lang="en-US" sz="2200" dirty="0">
-                <a:cs typeface="Times New Roman" panose="02020603050405020304" pitchFamily="18" charset="0"/>
-              </a:rPr>
-              <a:t>Sometimes on multiple dimensions</a:t>
-            </a:r>
-          </a:p>
-          <a:p>
-            <a:r>
-              <a:rPr lang="en-US" sz="2400" dirty="0">
-                <a:cs typeface="Times New Roman" panose="02020603050405020304" pitchFamily="18" charset="0"/>
-              </a:rPr>
-              <a:t>Government intervention may be needed to mitigate risks</a:t>
-            </a:r>
-          </a:p>
-          <a:p>
-            <a:pPr lvl="1"/>
-            <a:r>
-              <a:rPr lang="en-US" sz="2200" dirty="0">
-                <a:cs typeface="Times New Roman" panose="02020603050405020304" pitchFamily="18" charset="0"/>
-              </a:rPr>
-              <a:t>Mandates, risk adjustment, subsidies (oh my!) </a:t>
-            </a:r>
-          </a:p>
-          <a:p>
-            <a:pPr lvl="1"/>
-            <a:r>
-              <a:rPr lang="en-US" sz="2200" dirty="0">
-                <a:cs typeface="Times New Roman" panose="02020603050405020304" pitchFamily="18" charset="0"/>
-              </a:rPr>
-              <a:t>But may also have unintended consequences!</a:t>
-            </a:r>
-          </a:p>
-          <a:p>
-            <a:endParaRPr lang="en-US" sz="2400" dirty="0">
+            <a:endParaRPr lang="en-US" sz="2200" dirty="0">
               <a:cs typeface="Times New Roman" panose="02020603050405020304" pitchFamily="18" charset="0"/>
             </a:endParaRPr>
           </a:p>
         </p:txBody>
       </p:sp>
-      <p:sp>
-        <p:nvSpPr>
-          <p:cNvPr id="3" name="Title 1">
+      <p:pic>
+        <p:nvPicPr>
+          <p:cNvPr id="4" name="Picture 3">
             <a:extLst>
               <a:ext uri="{FF2B5EF4-FFF2-40B4-BE49-F238E27FC236}">
-                <a16:creationId xmlns:a16="http://schemas.microsoft.com/office/drawing/2014/main" id="{8B00CFD6-47D4-A5ED-8B83-09DCEAB85E25}"/>
+                <a16:creationId xmlns:a16="http://schemas.microsoft.com/office/drawing/2014/main" id="{EDE2CB16-5954-B6E4-2CE3-CB06167E7B14}"/>
               </a:ext>
             </a:extLst>
           </p:cNvPr>
-          <p:cNvSpPr txBox="1">
-            <a:spLocks/>
-          </p:cNvSpPr>
+          <p:cNvPicPr>
+            <a:picLocks noChangeAspect="1"/>
+          </p:cNvPicPr>
           <p:nvPr/>
-        </p:nvSpPr>
+        </p:nvPicPr>
+        <p:blipFill>
+          <a:blip r:embed="rId3"/>
+          <a:stretch>
+            <a:fillRect/>
+          </a:stretch>
+        </p:blipFill>
         <p:spPr>
           <a:xfrm>
-            <a:off x="597074" y="3853478"/>
-            <a:ext cx="7269480" cy="624840"/>
+            <a:off x="685800" y="875765"/>
+            <a:ext cx="5744377" cy="5249008"/>
           </a:xfrm>
           <a:prstGeom prst="rect">
             <a:avLst/>
           </a:prstGeom>
         </p:spPr>
-        <p:txBody>
-          <a:bodyPr vert="horz" lIns="91440" tIns="45720" rIns="91440" bIns="45720" rtlCol="0" anchor="b">
-            <a:normAutofit fontScale="90000" lnSpcReduction="10000"/>
-          </a:bodyPr>
-          <a:lstStyle>
-            <a:lvl1pPr algn="l" defTabSz="914400" rtl="0" eaLnBrk="1" latinLnBrk="0" hangingPunct="1">
-              <a:lnSpc>
-                <a:spcPct val="90000"/>
-              </a:lnSpc>
-              <a:spcBef>
-                <a:spcPct val="0"/>
-              </a:spcBef>
-              <a:buNone/>
-              <a:defRPr sz="4400" kern="1200" spc="-50" baseline="0">
-                <a:solidFill>
-                  <a:schemeClr val="tx1"/>
-                </a:solidFill>
-                <a:latin typeface="Times New Roman" panose="02020603050405020304" pitchFamily="18" charset="0"/>
-                <a:ea typeface="+mj-ea"/>
-                <a:cs typeface="+mj-cs"/>
-              </a:defRPr>
-            </a:lvl1pPr>
-          </a:lstStyle>
-          <a:p>
-            <a:r>
-              <a:rPr lang="en-US" dirty="0">
-                <a:solidFill>
-                  <a:schemeClr val="accent2">
-                    <a:lumMod val="75000"/>
-                  </a:schemeClr>
-                </a:solidFill>
-                <a:cs typeface="Times New Roman" panose="02020603050405020304" pitchFamily="18" charset="0"/>
-              </a:rPr>
-              <a:t>This time: Provider Payment</a:t>
-            </a:r>
-          </a:p>
-        </p:txBody>
-      </p:sp>
-      <p:sp>
-        <p:nvSpPr>
-          <p:cNvPr id="4" name="Content Placeholder 2">
-            <a:extLst>
-              <a:ext uri="{FF2B5EF4-FFF2-40B4-BE49-F238E27FC236}">
-                <a16:creationId xmlns:a16="http://schemas.microsoft.com/office/drawing/2014/main" id="{503F776D-A7DB-4AED-9B16-D81631B561AC}"/>
-              </a:ext>
-            </a:extLst>
-          </p:cNvPr>
-          <p:cNvSpPr txBox="1">
-            <a:spLocks/>
-          </p:cNvSpPr>
-          <p:nvPr/>
-        </p:nvSpPr>
-        <p:spPr>
-          <a:xfrm>
-            <a:off x="609600" y="4510975"/>
-            <a:ext cx="10439400" cy="1661225"/>
-          </a:xfrm>
-          <a:prstGeom prst="rect">
-            <a:avLst/>
-          </a:prstGeom>
-        </p:spPr>
-        <p:txBody>
-          <a:bodyPr vert="horz" lIns="91440" tIns="45720" rIns="91440" bIns="45720" rtlCol="0">
-            <a:noAutofit/>
-          </a:bodyPr>
-          <a:lstStyle>
-            <a:lvl1pPr marL="182880" indent="-182880" algn="l" defTabSz="914400" rtl="0" eaLnBrk="1" latinLnBrk="0" hangingPunct="1">
-              <a:lnSpc>
-                <a:spcPct val="95000"/>
-              </a:lnSpc>
-              <a:spcBef>
-                <a:spcPts val="1400"/>
-              </a:spcBef>
-              <a:spcAft>
-                <a:spcPts val="200"/>
-              </a:spcAft>
-              <a:buClr>
-                <a:schemeClr val="accent1"/>
-              </a:buClr>
-              <a:buSzPct val="80000"/>
-              <a:buFont typeface="Arial" pitchFamily="34" charset="0"/>
-              <a:buChar char="•"/>
-              <a:defRPr sz="1800" kern="1200" spc="10" baseline="0">
-                <a:solidFill>
-                  <a:schemeClr val="tx1"/>
-                </a:solidFill>
-                <a:latin typeface="Times New Roman" panose="02020603050405020304" pitchFamily="18" charset="0"/>
-                <a:ea typeface="+mn-ea"/>
-                <a:cs typeface="+mn-cs"/>
-              </a:defRPr>
-            </a:lvl1pPr>
-            <a:lvl2pPr marL="457200" indent="-182880" algn="l" defTabSz="914400" rtl="0" eaLnBrk="1" latinLnBrk="0" hangingPunct="1">
-              <a:lnSpc>
-                <a:spcPct val="90000"/>
-              </a:lnSpc>
-              <a:spcBef>
-                <a:spcPts val="300"/>
-              </a:spcBef>
-              <a:spcAft>
-                <a:spcPts val="300"/>
-              </a:spcAft>
-              <a:buClr>
-                <a:schemeClr val="accent1"/>
-              </a:buClr>
-              <a:buFont typeface="Wingdings 2" pitchFamily="18" charset="2"/>
-              <a:buChar char=""/>
-              <a:defRPr sz="1600" kern="1200">
-                <a:solidFill>
-                  <a:schemeClr val="tx1">
-                    <a:lumMod val="85000"/>
-                    <a:lumOff val="15000"/>
-                  </a:schemeClr>
-                </a:solidFill>
-                <a:latin typeface="Times New Roman" panose="02020603050405020304" pitchFamily="18" charset="0"/>
-                <a:ea typeface="+mn-ea"/>
-                <a:cs typeface="+mn-cs"/>
-              </a:defRPr>
-            </a:lvl2pPr>
-            <a:lvl3pPr marL="731520" indent="-182880" algn="l" defTabSz="914400" rtl="0" eaLnBrk="1" latinLnBrk="0" hangingPunct="1">
-              <a:lnSpc>
-                <a:spcPct val="90000"/>
-              </a:lnSpc>
-              <a:spcBef>
-                <a:spcPts val="300"/>
-              </a:spcBef>
-              <a:spcAft>
-                <a:spcPts val="300"/>
-              </a:spcAft>
-              <a:buClr>
-                <a:schemeClr val="accent1"/>
-              </a:buClr>
-              <a:buFont typeface="Wingdings 2" pitchFamily="18" charset="2"/>
-              <a:buChar char=""/>
-              <a:defRPr sz="1400" kern="1200">
-                <a:solidFill>
-                  <a:schemeClr val="tx1">
-                    <a:lumMod val="85000"/>
-                    <a:lumOff val="15000"/>
-                  </a:schemeClr>
-                </a:solidFill>
-                <a:latin typeface="Times New Roman" panose="02020603050405020304" pitchFamily="18" charset="0"/>
-                <a:ea typeface="+mn-ea"/>
-                <a:cs typeface="+mn-cs"/>
-              </a:defRPr>
-            </a:lvl3pPr>
-            <a:lvl4pPr marL="1005840" indent="-182880" algn="l" defTabSz="914400" rtl="0" eaLnBrk="1" latinLnBrk="0" hangingPunct="1">
-              <a:lnSpc>
-                <a:spcPct val="90000"/>
-              </a:lnSpc>
-              <a:spcBef>
-                <a:spcPts val="300"/>
-              </a:spcBef>
-              <a:spcAft>
-                <a:spcPts val="300"/>
-              </a:spcAft>
-              <a:buClr>
-                <a:schemeClr val="accent1"/>
-              </a:buClr>
-              <a:buFont typeface="Wingdings 2" pitchFamily="18" charset="2"/>
-              <a:buChar char=""/>
-              <a:defRPr sz="1400" kern="1200">
-                <a:solidFill>
-                  <a:schemeClr val="tx1">
-                    <a:lumMod val="85000"/>
-                    <a:lumOff val="15000"/>
-                  </a:schemeClr>
-                </a:solidFill>
-                <a:latin typeface="Times New Roman" panose="02020603050405020304" pitchFamily="18" charset="0"/>
-                <a:ea typeface="+mn-ea"/>
-                <a:cs typeface="+mn-cs"/>
-              </a:defRPr>
-            </a:lvl4pPr>
-            <a:lvl5pPr marL="1280160" indent="-182880" algn="l" defTabSz="914400" rtl="0" eaLnBrk="1" latinLnBrk="0" hangingPunct="1">
-              <a:lnSpc>
-                <a:spcPct val="90000"/>
-              </a:lnSpc>
-              <a:spcBef>
-                <a:spcPts val="300"/>
-              </a:spcBef>
-              <a:spcAft>
-                <a:spcPts val="300"/>
-              </a:spcAft>
-              <a:buClr>
-                <a:schemeClr val="accent1"/>
-              </a:buClr>
-              <a:buFont typeface="Wingdings 2" pitchFamily="18" charset="2"/>
-              <a:buChar char=""/>
-              <a:defRPr sz="1400" kern="1200">
-                <a:solidFill>
-                  <a:schemeClr val="tx1">
-                    <a:lumMod val="85000"/>
-                    <a:lumOff val="15000"/>
-                  </a:schemeClr>
-                </a:solidFill>
-                <a:latin typeface="Times New Roman" panose="02020603050405020304" pitchFamily="18" charset="0"/>
-                <a:ea typeface="+mn-ea"/>
-                <a:cs typeface="+mn-cs"/>
-              </a:defRPr>
-            </a:lvl5pPr>
-            <a:lvl6pPr marL="1600000" indent="-228600" algn="l" defTabSz="914400" rtl="0" eaLnBrk="1" latinLnBrk="0" hangingPunct="1">
-              <a:lnSpc>
-                <a:spcPct val="90000"/>
-              </a:lnSpc>
-              <a:spcBef>
-                <a:spcPts val="300"/>
-              </a:spcBef>
-              <a:spcAft>
-                <a:spcPts val="300"/>
-              </a:spcAft>
-              <a:buClr>
-                <a:schemeClr val="accent1"/>
-              </a:buClr>
-              <a:buFont typeface="Wingdings 2" pitchFamily="18" charset="2"/>
-              <a:buChar char=""/>
-              <a:defRPr sz="1400" kern="1200">
-                <a:solidFill>
-                  <a:schemeClr val="tx1">
-                    <a:lumMod val="85000"/>
-                    <a:lumOff val="15000"/>
-                  </a:schemeClr>
-                </a:solidFill>
-                <a:latin typeface="+mn-lt"/>
-                <a:ea typeface="+mn-ea"/>
-                <a:cs typeface="+mn-cs"/>
-              </a:defRPr>
-            </a:lvl6pPr>
-            <a:lvl7pPr marL="1900000" indent="-228600" algn="l" defTabSz="914400" rtl="0" eaLnBrk="1" latinLnBrk="0" hangingPunct="1">
-              <a:lnSpc>
-                <a:spcPct val="90000"/>
-              </a:lnSpc>
-              <a:spcBef>
-                <a:spcPts val="300"/>
-              </a:spcBef>
-              <a:spcAft>
-                <a:spcPts val="300"/>
-              </a:spcAft>
-              <a:buClr>
-                <a:schemeClr val="accent1"/>
-              </a:buClr>
-              <a:buFont typeface="Wingdings 2" pitchFamily="18" charset="2"/>
-              <a:buChar char=""/>
-              <a:defRPr sz="1400" kern="1200">
-                <a:solidFill>
-                  <a:schemeClr val="tx1">
-                    <a:lumMod val="85000"/>
-                    <a:lumOff val="15000"/>
-                  </a:schemeClr>
-                </a:solidFill>
-                <a:latin typeface="+mn-lt"/>
-                <a:ea typeface="+mn-ea"/>
-                <a:cs typeface="+mn-cs"/>
-              </a:defRPr>
-            </a:lvl7pPr>
-            <a:lvl8pPr marL="2200000" indent="-228600" algn="l" defTabSz="914400" rtl="0" eaLnBrk="1" latinLnBrk="0" hangingPunct="1">
-              <a:lnSpc>
-                <a:spcPct val="90000"/>
-              </a:lnSpc>
-              <a:spcBef>
-                <a:spcPts val="300"/>
-              </a:spcBef>
-              <a:spcAft>
-                <a:spcPts val="300"/>
-              </a:spcAft>
-              <a:buClr>
-                <a:schemeClr val="accent1"/>
-              </a:buClr>
-              <a:buFont typeface="Wingdings 2" pitchFamily="18" charset="2"/>
-              <a:buChar char=""/>
-              <a:defRPr sz="1400" kern="1200">
-                <a:solidFill>
-                  <a:schemeClr val="tx1">
-                    <a:lumMod val="85000"/>
-                    <a:lumOff val="15000"/>
-                  </a:schemeClr>
-                </a:solidFill>
-                <a:latin typeface="+mn-lt"/>
-                <a:ea typeface="+mn-ea"/>
-                <a:cs typeface="+mn-cs"/>
-              </a:defRPr>
-            </a:lvl8pPr>
-            <a:lvl9pPr marL="2500000" indent="-228600" algn="l" defTabSz="914400" rtl="0" eaLnBrk="1" latinLnBrk="0" hangingPunct="1">
-              <a:lnSpc>
-                <a:spcPct val="90000"/>
-              </a:lnSpc>
-              <a:spcBef>
-                <a:spcPts val="300"/>
-              </a:spcBef>
-              <a:spcAft>
-                <a:spcPts val="300"/>
-              </a:spcAft>
-              <a:buClr>
-                <a:schemeClr val="accent1"/>
-              </a:buClr>
-              <a:buFont typeface="Wingdings 2" pitchFamily="18" charset="2"/>
-              <a:buChar char=""/>
-              <a:defRPr sz="1400" kern="1200">
-                <a:solidFill>
-                  <a:schemeClr val="tx1">
-                    <a:lumMod val="85000"/>
-                    <a:lumOff val="15000"/>
-                  </a:schemeClr>
-                </a:solidFill>
-                <a:latin typeface="+mn-lt"/>
-                <a:ea typeface="+mn-ea"/>
-                <a:cs typeface="+mn-cs"/>
-              </a:defRPr>
-            </a:lvl9pPr>
-          </a:lstStyle>
-          <a:p>
-            <a:r>
-              <a:rPr lang="en-US" sz="2400" dirty="0">
-                <a:cs typeface="Times New Roman" panose="02020603050405020304" pitchFamily="18" charset="0"/>
-              </a:rPr>
-              <a:t>Thinking about </a:t>
-            </a:r>
-            <a:r>
-              <a:rPr lang="en-US" sz="2400" u="sng" dirty="0">
-                <a:cs typeface="Times New Roman" panose="02020603050405020304" pitchFamily="18" charset="0"/>
-              </a:rPr>
-              <a:t>supply </a:t>
-            </a:r>
-            <a:r>
-              <a:rPr lang="en-US" sz="2400" dirty="0">
-                <a:cs typeface="Times New Roman" panose="02020603050405020304" pitchFamily="18" charset="0"/>
-              </a:rPr>
-              <a:t>of healthcare rather than </a:t>
-            </a:r>
-            <a:r>
-              <a:rPr lang="en-US" sz="2400" u="sng" dirty="0">
-                <a:cs typeface="Times New Roman" panose="02020603050405020304" pitchFamily="18" charset="0"/>
-              </a:rPr>
-              <a:t>demand</a:t>
-            </a:r>
-            <a:endParaRPr lang="en-US" sz="2400" dirty="0">
-              <a:cs typeface="Times New Roman" panose="02020603050405020304" pitchFamily="18" charset="0"/>
-            </a:endParaRPr>
-          </a:p>
-          <a:p>
-            <a:r>
-              <a:rPr lang="en-US" sz="2400" dirty="0">
-                <a:cs typeface="Times New Roman" panose="02020603050405020304" pitchFamily="18" charset="0"/>
-              </a:rPr>
-              <a:t>How do </a:t>
-            </a:r>
-            <a:r>
-              <a:rPr lang="en-US" sz="2400" i="1" dirty="0">
-                <a:cs typeface="Times New Roman" panose="02020603050405020304" pitchFamily="18" charset="0"/>
-              </a:rPr>
-              <a:t>physicians</a:t>
-            </a:r>
-            <a:r>
-              <a:rPr lang="en-US" sz="2400" dirty="0">
-                <a:cs typeface="Times New Roman" panose="02020603050405020304" pitchFamily="18" charset="0"/>
-              </a:rPr>
-              <a:t> respond to incentives?</a:t>
-            </a:r>
-          </a:p>
-        </p:txBody>
-      </p:sp>
+      </p:pic>
     </p:spTree>
     <p:extLst>
       <p:ext uri="{BB962C8B-B14F-4D97-AF65-F5344CB8AC3E}">
-        <p14:creationId xmlns:p14="http://schemas.microsoft.com/office/powerpoint/2010/main" val="565854197"/>
+        <p14:creationId xmlns:p14="http://schemas.microsoft.com/office/powerpoint/2010/main" val="62364147"/>
       </p:ext>
     </p:extLst>
   </p:cSld>
@@ -19652,8 +19243,397 @@
           <a:chExt cx="0" cy="0"/>
         </a:xfrm>
       </p:grpSpPr>
-      <mc:AlternateContent xmlns:mc="http://schemas.openxmlformats.org/markup-compatibility/2006">
-        <mc:Choice xmlns:a14="http://schemas.microsoft.com/office/drawing/2010/main" Requires="a14">
+      <mc:AlternateContent xmlns:mc="http://schemas.openxmlformats.org/markup-compatibility/2006" xmlns:a14="http://schemas.microsoft.com/office/drawing/2010/main">
+        <mc:Choice Requires="a14">
+          <p:sp>
+            <p:nvSpPr>
+              <p:cNvPr id="3" name="Content Placeholder 2">
+                <a:extLst>
+                  <a:ext uri="{FF2B5EF4-FFF2-40B4-BE49-F238E27FC236}">
+                    <a16:creationId xmlns:a16="http://schemas.microsoft.com/office/drawing/2014/main" id="{2CA9A688-580F-ECC9-5F65-3BC2434DDF2C}"/>
+                  </a:ext>
+                </a:extLst>
+              </p:cNvPr>
+              <p:cNvSpPr>
+                <a:spLocks noGrp="1"/>
+              </p:cNvSpPr>
+              <p:nvPr>
+                <p:ph idx="1"/>
+              </p:nvPr>
+            </p:nvSpPr>
+            <p:spPr>
+              <a:xfrm>
+                <a:off x="609600" y="857052"/>
+                <a:ext cx="9247632" cy="5323086"/>
+              </a:xfrm>
+            </p:spPr>
+            <p:txBody>
+              <a:bodyPr>
+                <a:normAutofit/>
+              </a:bodyPr>
+              <a:lstStyle/>
+              <a:p>
+                <a:r>
+                  <a:rPr lang="en-CA" sz="2400" dirty="0"/>
+                  <a:t>Capitation leads to underinvestment</a:t>
+                </a:r>
+              </a:p>
+              <a:p>
+                <a:r>
+                  <a:rPr lang="en-CA" sz="2400" dirty="0"/>
+                  <a:t>Cost reimbursement/prospective payment/FFS leads to overinvestment</a:t>
+                </a:r>
+              </a:p>
+              <a:p>
+                <a:r>
+                  <a:rPr lang="en-CA" sz="2400" dirty="0"/>
+                  <a:t>Can we </a:t>
+                </a:r>
+                <a:r>
+                  <a:rPr lang="en-CA" sz="2400" b="1" dirty="0"/>
+                  <a:t>split the difference</a:t>
+                </a:r>
+                <a:r>
+                  <a:rPr lang="en-CA" sz="2400" dirty="0"/>
+                  <a:t>?</a:t>
+                </a:r>
+              </a:p>
+              <a:p>
+                <a:r>
+                  <a:rPr lang="en-CA" sz="2400" dirty="0"/>
+                  <a:t>Now consider the fully “mixed payment” model: </a:t>
+                </a:r>
+              </a:p>
+              <a:p>
+                <a:pPr marL="0" indent="0">
+                  <a:buNone/>
+                </a:pPr>
+                <a14:m>
+                  <m:oMathPara xmlns:m="http://schemas.openxmlformats.org/officeDocument/2006/math">
+                    <m:oMathParaPr>
+                      <m:jc m:val="centerGroup"/>
+                    </m:oMathParaPr>
+                    <m:oMath xmlns:m="http://schemas.openxmlformats.org/officeDocument/2006/math">
+                      <m:r>
+                        <a:rPr lang="en-CA" sz="2400" b="0" i="1" smtClean="0">
+                          <a:latin typeface="Cambria Math" panose="02040503050406030204" pitchFamily="18" charset="0"/>
+                        </a:rPr>
+                        <m:t>𝑈</m:t>
+                      </m:r>
+                      <m:r>
+                        <a:rPr lang="en-CA" sz="2400" b="0" i="1" smtClean="0">
+                          <a:latin typeface="Cambria Math" panose="02040503050406030204" pitchFamily="18" charset="0"/>
+                        </a:rPr>
+                        <m:t>=</m:t>
+                      </m:r>
+                      <m:r>
+                        <a:rPr lang="en-CA" sz="2400" b="0" i="1" smtClean="0">
+                          <a:latin typeface="Cambria Math" panose="02040503050406030204" pitchFamily="18" charset="0"/>
+                        </a:rPr>
+                        <m:t>𝑅</m:t>
+                      </m:r>
+                      <m:d>
+                        <m:dPr>
+                          <m:ctrlPr>
+                            <a:rPr lang="en-CA" sz="2400" b="0" i="1" smtClean="0">
+                              <a:latin typeface="Cambria Math" panose="02040503050406030204" pitchFamily="18" charset="0"/>
+                            </a:rPr>
+                          </m:ctrlPr>
+                        </m:dPr>
+                        <m:e>
+                          <m:r>
+                            <a:rPr lang="en-CA" sz="2400" b="0" i="1" smtClean="0">
+                              <a:latin typeface="Cambria Math" panose="02040503050406030204" pitchFamily="18" charset="0"/>
+                            </a:rPr>
+                            <m:t>𝑞</m:t>
+                          </m:r>
+                        </m:e>
+                      </m:d>
+                      <m:r>
+                        <a:rPr lang="en-CA" sz="2400" b="0" i="1" smtClean="0">
+                          <a:latin typeface="Cambria Math" panose="02040503050406030204" pitchFamily="18" charset="0"/>
+                        </a:rPr>
+                        <m:t>−</m:t>
+                      </m:r>
+                      <m:r>
+                        <a:rPr lang="en-CA" sz="2400" b="0" i="1" smtClean="0">
+                          <a:latin typeface="Cambria Math" panose="02040503050406030204" pitchFamily="18" charset="0"/>
+                        </a:rPr>
+                        <m:t>𝐶</m:t>
+                      </m:r>
+                      <m:d>
+                        <m:dPr>
+                          <m:ctrlPr>
+                            <a:rPr lang="en-CA" sz="2400" b="0" i="1" smtClean="0">
+                              <a:latin typeface="Cambria Math" panose="02040503050406030204" pitchFamily="18" charset="0"/>
+                            </a:rPr>
+                          </m:ctrlPr>
+                        </m:dPr>
+                        <m:e>
+                          <m:r>
+                            <a:rPr lang="en-CA" sz="2400" b="0" i="1" smtClean="0">
+                              <a:latin typeface="Cambria Math" panose="02040503050406030204" pitchFamily="18" charset="0"/>
+                            </a:rPr>
+                            <m:t>𝑞</m:t>
+                          </m:r>
+                        </m:e>
+                      </m:d>
+                      <m:r>
+                        <a:rPr lang="en-CA" sz="2400" b="0" i="1" smtClean="0">
+                          <a:latin typeface="Cambria Math" panose="02040503050406030204" pitchFamily="18" charset="0"/>
+                        </a:rPr>
+                        <m:t>+</m:t>
+                      </m:r>
+                      <m:r>
+                        <a:rPr lang="en-CA" sz="2400" b="0" i="1" smtClean="0">
+                          <a:latin typeface="Cambria Math" panose="02040503050406030204" pitchFamily="18" charset="0"/>
+                        </a:rPr>
+                        <m:t>𝛼</m:t>
+                      </m:r>
+                      <m:r>
+                        <a:rPr lang="en-CA" sz="2400" b="0" i="1" smtClean="0">
+                          <a:latin typeface="Cambria Math" panose="02040503050406030204" pitchFamily="18" charset="0"/>
+                        </a:rPr>
+                        <m:t>𝐵</m:t>
+                      </m:r>
+                      <m:d>
+                        <m:dPr>
+                          <m:ctrlPr>
+                            <a:rPr lang="en-CA" sz="2400" b="0" i="1" smtClean="0">
+                              <a:latin typeface="Cambria Math" panose="02040503050406030204" pitchFamily="18" charset="0"/>
+                            </a:rPr>
+                          </m:ctrlPr>
+                        </m:dPr>
+                        <m:e>
+                          <m:r>
+                            <a:rPr lang="en-CA" sz="2400" b="0" i="1" smtClean="0">
+                              <a:latin typeface="Cambria Math" panose="02040503050406030204" pitchFamily="18" charset="0"/>
+                            </a:rPr>
+                            <m:t>𝑞</m:t>
+                          </m:r>
+                        </m:e>
+                      </m:d>
+                    </m:oMath>
+                  </m:oMathPara>
+                </a14:m>
+                <a:endParaRPr lang="en-CA" sz="2400" b="0" dirty="0"/>
+              </a:p>
+              <a:p>
+                <a:r>
+                  <a:rPr lang="en-CA" sz="2400" dirty="0"/>
+                  <a:t>In equilibrium, we suppose that </a:t>
+                </a:r>
+                <a14:m>
+                  <m:oMath xmlns:m="http://schemas.openxmlformats.org/officeDocument/2006/math">
+                    <m:sSub>
+                      <m:sSubPr>
+                        <m:ctrlPr>
+                          <a:rPr lang="en-CA" sz="2400" b="0" i="1" smtClean="0">
+                            <a:latin typeface="Cambria Math" panose="02040503050406030204" pitchFamily="18" charset="0"/>
+                          </a:rPr>
+                        </m:ctrlPr>
+                      </m:sSubPr>
+                      <m:e>
+                        <m:r>
+                          <a:rPr lang="en-CA" sz="2400" b="0" i="1" smtClean="0">
+                            <a:latin typeface="Cambria Math" panose="02040503050406030204" pitchFamily="18" charset="0"/>
+                          </a:rPr>
+                          <m:t>𝐵</m:t>
+                        </m:r>
+                      </m:e>
+                      <m:sub>
+                        <m:r>
+                          <a:rPr lang="en-CA" sz="2400" b="0" i="1" smtClean="0">
+                            <a:latin typeface="Cambria Math" panose="02040503050406030204" pitchFamily="18" charset="0"/>
+                          </a:rPr>
+                          <m:t>𝑞</m:t>
+                        </m:r>
+                      </m:sub>
+                    </m:sSub>
+                    <m:r>
+                      <a:rPr lang="en-CA" sz="2400" b="0" i="1" smtClean="0">
+                        <a:latin typeface="Cambria Math" panose="02040503050406030204" pitchFamily="18" charset="0"/>
+                      </a:rPr>
+                      <m:t>=</m:t>
+                    </m:r>
+                    <m:sSub>
+                      <m:sSubPr>
+                        <m:ctrlPr>
+                          <a:rPr lang="en-CA" sz="2400" b="0" i="1" smtClean="0">
+                            <a:latin typeface="Cambria Math" panose="02040503050406030204" pitchFamily="18" charset="0"/>
+                          </a:rPr>
+                        </m:ctrlPr>
+                      </m:sSubPr>
+                      <m:e>
+                        <m:r>
+                          <a:rPr lang="en-CA" sz="2400" b="0" i="1" smtClean="0">
+                            <a:latin typeface="Cambria Math" panose="02040503050406030204" pitchFamily="18" charset="0"/>
+                          </a:rPr>
+                          <m:t>𝐶</m:t>
+                        </m:r>
+                      </m:e>
+                      <m:sub>
+                        <m:r>
+                          <a:rPr lang="en-CA" sz="2400" b="0" i="1" smtClean="0">
+                            <a:latin typeface="Cambria Math" panose="02040503050406030204" pitchFamily="18" charset="0"/>
+                          </a:rPr>
+                          <m:t>𝑞</m:t>
+                        </m:r>
+                      </m:sub>
+                    </m:sSub>
+                  </m:oMath>
+                </a14:m>
+                <a:r>
+                  <a:rPr lang="en-CA" sz="2400" dirty="0"/>
+                  <a:t> (why?)</a:t>
+                </a:r>
+              </a:p>
+            </p:txBody>
+          </p:sp>
+        </mc:Choice>
+        <mc:Fallback xmlns="">
+          <p:sp>
+            <p:nvSpPr>
+              <p:cNvPr id="3" name="Content Placeholder 2">
+                <a:extLst>
+                  <a:ext uri="{FF2B5EF4-FFF2-40B4-BE49-F238E27FC236}">
+                    <a16:creationId xmlns:a16="http://schemas.microsoft.com/office/drawing/2014/main" id="{2CA9A688-580F-ECC9-5F65-3BC2434DDF2C}"/>
+                  </a:ext>
+                </a:extLst>
+              </p:cNvPr>
+              <p:cNvSpPr>
+                <a:spLocks noGrp="1" noRot="1" noChangeAspect="1" noMove="1" noResize="1" noEditPoints="1" noAdjustHandles="1" noChangeArrowheads="1" noChangeShapeType="1" noTextEdit="1"/>
+              </p:cNvSpPr>
+              <p:nvPr>
+                <p:ph idx="1"/>
+              </p:nvPr>
+            </p:nvSpPr>
+            <p:spPr>
+              <a:xfrm>
+                <a:off x="609600" y="857052"/>
+                <a:ext cx="9247632" cy="5323086"/>
+              </a:xfrm>
+              <a:blipFill>
+                <a:blip r:embed="rId3"/>
+                <a:stretch>
+                  <a:fillRect l="-461" t="-1260"/>
+                </a:stretch>
+              </a:blipFill>
+            </p:spPr>
+            <p:txBody>
+              <a:bodyPr/>
+              <a:lstStyle/>
+              <a:p>
+                <a:r>
+                  <a:rPr lang="en-CA">
+                    <a:noFill/>
+                  </a:rPr>
+                  <a:t> </a:t>
+                </a:r>
+              </a:p>
+            </p:txBody>
+          </p:sp>
+        </mc:Fallback>
+      </mc:AlternateContent>
+      <p:sp>
+        <p:nvSpPr>
+          <p:cNvPr id="6" name="Title 1">
+            <a:extLst>
+              <a:ext uri="{FF2B5EF4-FFF2-40B4-BE49-F238E27FC236}">
+                <a16:creationId xmlns:a16="http://schemas.microsoft.com/office/drawing/2014/main" id="{7BD7A2E9-C7E8-9116-5BE2-1C6A3EE63774}"/>
+              </a:ext>
+            </a:extLst>
+          </p:cNvPr>
+          <p:cNvSpPr txBox="1">
+            <a:spLocks/>
+          </p:cNvSpPr>
+          <p:nvPr/>
+        </p:nvSpPr>
+        <p:spPr>
+          <a:xfrm>
+            <a:off x="304800" y="232211"/>
+            <a:ext cx="10896600" cy="624840"/>
+          </a:xfrm>
+          <a:prstGeom prst="rect">
+            <a:avLst/>
+          </a:prstGeom>
+        </p:spPr>
+        <p:txBody>
+          <a:bodyPr vert="horz" lIns="91440" tIns="45720" rIns="91440" bIns="45720" rtlCol="0" anchor="b">
+            <a:normAutofit fontScale="97500" lnSpcReduction="10000"/>
+          </a:bodyPr>
+          <a:lstStyle>
+            <a:lvl1pPr algn="l" defTabSz="914400" rtl="0" eaLnBrk="1" latinLnBrk="0" hangingPunct="1">
+              <a:lnSpc>
+                <a:spcPct val="90000"/>
+              </a:lnSpc>
+              <a:spcBef>
+                <a:spcPct val="0"/>
+              </a:spcBef>
+              <a:buNone/>
+              <a:defRPr sz="4400" kern="1200" spc="-50" baseline="0">
+                <a:solidFill>
+                  <a:schemeClr val="tx1"/>
+                </a:solidFill>
+                <a:latin typeface="Times New Roman" panose="02020603050405020304" pitchFamily="18" charset="0"/>
+                <a:ea typeface="+mj-ea"/>
+                <a:cs typeface="+mj-cs"/>
+              </a:defRPr>
+            </a:lvl1pPr>
+          </a:lstStyle>
+          <a:p>
+            <a:pPr>
+              <a:defRPr/>
+            </a:pPr>
+            <a:r>
+              <a:rPr lang="en-CA" sz="4000" dirty="0">
+                <a:cs typeface="Times New Roman" panose="02020603050405020304" pitchFamily="18" charset="0"/>
+              </a:rPr>
+              <a:t>What is the social optimum?</a:t>
+            </a:r>
+            <a:endParaRPr lang="en-US" sz="4000" dirty="0">
+              <a:solidFill>
+                <a:schemeClr val="accent3">
+                  <a:lumMod val="75000"/>
+                </a:schemeClr>
+              </a:solidFill>
+              <a:cs typeface="Times New Roman" panose="02020603050405020304" pitchFamily="18" charset="0"/>
+            </a:endParaRPr>
+          </a:p>
+        </p:txBody>
+      </p:sp>
+    </p:spTree>
+    <p:extLst>
+      <p:ext uri="{BB962C8B-B14F-4D97-AF65-F5344CB8AC3E}">
+        <p14:creationId xmlns:p14="http://schemas.microsoft.com/office/powerpoint/2010/main" val="1529667946"/>
+      </p:ext>
+    </p:extLst>
+  </p:cSld>
+  <p:clrMapOvr>
+    <a:masterClrMapping/>
+  </p:clrMapOvr>
+</p:sld>
+</file>
+
+<file path=ppt/slides/slide31.xml><?xml version="1.0" encoding="utf-8"?>
+<p:sld xmlns:a="http://schemas.openxmlformats.org/drawingml/2006/main" xmlns:r="http://schemas.openxmlformats.org/officeDocument/2006/relationships" xmlns:p="http://schemas.openxmlformats.org/presentationml/2006/main">
+  <p:cSld>
+    <p:spTree>
+      <p:nvGrpSpPr>
+        <p:cNvPr id="1" name=""/>
+        <p:cNvGrpSpPr/>
+        <p:nvPr/>
+      </p:nvGrpSpPr>
+      <p:grpSpPr>
+        <a:xfrm>
+          <a:off x="0" y="0"/>
+          <a:ext cx="0" cy="0"/>
+          <a:chOff x="0" y="0"/>
+          <a:chExt cx="0" cy="0"/>
+        </a:xfrm>
+      </p:grpSpPr>
+      <mc:AlternateContent xmlns:mc="http://schemas.openxmlformats.org/markup-compatibility/2006" xmlns:a14="http://schemas.microsoft.com/office/drawing/2010/main">
+        <mc:Choice Requires="a14">
           <p:sp>
             <p:nvSpPr>
               <p:cNvPr id="3" name="Content Placeholder 2">
@@ -19999,7 +19979,7 @@
             </p:txBody>
           </p:sp>
         </mc:Choice>
-        <mc:Fallback>
+        <mc:Fallback xmlns="">
           <p:sp>
             <p:nvSpPr>
               <p:cNvPr id="3" name="Content Placeholder 2">
@@ -20181,7 +20161,7 @@
 </p:sld>
 </file>
 
-<file path=ppt/slides/slide31.xml><?xml version="1.0" encoding="utf-8"?>
+<file path=ppt/slides/slide32.xml><?xml version="1.0" encoding="utf-8"?>
 <p:sld xmlns:a="http://schemas.openxmlformats.org/drawingml/2006/main" xmlns:r="http://schemas.openxmlformats.org/officeDocument/2006/relationships" xmlns:p="http://schemas.openxmlformats.org/presentationml/2006/main">
   <p:cSld>
     <p:spTree>
@@ -20198,8 +20178,8 @@
           <a:chExt cx="0" cy="0"/>
         </a:xfrm>
       </p:grpSpPr>
-      <mc:AlternateContent xmlns:mc="http://schemas.openxmlformats.org/markup-compatibility/2006">
-        <mc:Choice xmlns:a14="http://schemas.microsoft.com/office/drawing/2010/main" Requires="a14">
+      <mc:AlternateContent xmlns:mc="http://schemas.openxmlformats.org/markup-compatibility/2006" xmlns:a14="http://schemas.microsoft.com/office/drawing/2010/main">
+        <mc:Choice Requires="a14">
           <p:sp>
             <p:nvSpPr>
               <p:cNvPr id="3" name="Content Placeholder 2">
@@ -20604,7 +20584,7 @@
             </p:txBody>
           </p:sp>
         </mc:Choice>
-        <mc:Fallback>
+        <mc:Fallback xmlns="">
           <p:sp>
             <p:nvSpPr>
               <p:cNvPr id="3" name="Content Placeholder 2">
@@ -20774,7 +20754,7 @@
 </p:sld>
 </file>
 
-<file path=ppt/slides/slide32.xml><?xml version="1.0" encoding="utf-8"?>
+<file path=ppt/slides/slide33.xml><?xml version="1.0" encoding="utf-8"?>
 <p:sld xmlns:a="http://schemas.openxmlformats.org/drawingml/2006/main" xmlns:r="http://schemas.openxmlformats.org/officeDocument/2006/relationships" xmlns:p="http://schemas.openxmlformats.org/presentationml/2006/main">
   <p:cSld>
     <p:spTree>
@@ -20897,7 +20877,7 @@
 </p:sld>
 </file>
 
-<file path=ppt/slides/slide33.xml><?xml version="1.0" encoding="utf-8"?>
+<file path=ppt/slides/slide34.xml><?xml version="1.0" encoding="utf-8"?>
 <p:sld xmlns:a="http://schemas.openxmlformats.org/drawingml/2006/main" xmlns:r="http://schemas.openxmlformats.org/officeDocument/2006/relationships" xmlns:p="http://schemas.openxmlformats.org/presentationml/2006/main">
   <p:cSld>
     <p:spTree>
@@ -21210,7 +21190,7 @@
 </p:sld>
 </file>
 
-<file path=ppt/slides/slide34.xml><?xml version="1.0" encoding="utf-8"?>
+<file path=ppt/slides/slide35.xml><?xml version="1.0" encoding="utf-8"?>
 <p:sld xmlns:a="http://schemas.openxmlformats.org/drawingml/2006/main" xmlns:r="http://schemas.openxmlformats.org/officeDocument/2006/relationships" xmlns:p="http://schemas.openxmlformats.org/presentationml/2006/main">
   <p:cSld>
     <p:spTree>
@@ -21570,7 +21550,7 @@
 </p:sld>
 </file>
 
-<file path=ppt/slides/slide35.xml><?xml version="1.0" encoding="utf-8"?>
+<file path=ppt/slides/slide36.xml><?xml version="1.0" encoding="utf-8"?>
 <p:sld xmlns:a="http://schemas.openxmlformats.org/drawingml/2006/main" xmlns:r="http://schemas.openxmlformats.org/officeDocument/2006/relationships" xmlns:p="http://schemas.openxmlformats.org/presentationml/2006/main">
   <p:cSld>
     <p:spTree>
@@ -22183,7 +22163,7 @@
 </p:sld>
 </file>
 
-<file path=ppt/slides/slide36.xml><?xml version="1.0" encoding="utf-8"?>
+<file path=ppt/slides/slide37.xml><?xml version="1.0" encoding="utf-8"?>
 <p:sld xmlns:a="http://schemas.openxmlformats.org/drawingml/2006/main" xmlns:r="http://schemas.openxmlformats.org/officeDocument/2006/relationships" xmlns:p="http://schemas.openxmlformats.org/presentationml/2006/main">
   <p:cSld>
     <p:spTree>
@@ -23245,7 +23225,7 @@
 </p:sld>
 </file>
 
-<file path=ppt/slides/slide37.xml><?xml version="1.0" encoding="utf-8"?>
+<file path=ppt/slides/slide38.xml><?xml version="1.0" encoding="utf-8"?>
 <p:sld xmlns:a="http://schemas.openxmlformats.org/drawingml/2006/main" xmlns:r="http://schemas.openxmlformats.org/officeDocument/2006/relationships" xmlns:p="http://schemas.openxmlformats.org/presentationml/2006/main">
   <p:cSld>
     <p:spTree>
@@ -23922,7 +23902,7 @@
 </p:sld>
 </file>
 
-<file path=ppt/slides/slide38.xml><?xml version="1.0" encoding="utf-8"?>
+<file path=ppt/slides/slide39.xml><?xml version="1.0" encoding="utf-8"?>
 <p:sld xmlns:a="http://schemas.openxmlformats.org/drawingml/2006/main" xmlns:r="http://schemas.openxmlformats.org/officeDocument/2006/relationships" xmlns:p="http://schemas.openxmlformats.org/presentationml/2006/main">
   <p:cSld>
     <p:spTree>
@@ -25697,7 +25677,792 @@
 </p:sld>
 </file>
 
-<file path=ppt/slides/slide39.xml><?xml version="1.0" encoding="utf-8"?>
+<file path=ppt/slides/slide4.xml><?xml version="1.0" encoding="utf-8"?>
+<p:sld xmlns:a="http://schemas.openxmlformats.org/drawingml/2006/main" xmlns:r="http://schemas.openxmlformats.org/officeDocument/2006/relationships" xmlns:p="http://schemas.openxmlformats.org/presentationml/2006/main">
+  <p:cSld>
+    <p:spTree>
+      <p:nvGrpSpPr>
+        <p:cNvPr id="1" name=""/>
+        <p:cNvGrpSpPr/>
+        <p:nvPr/>
+      </p:nvGrpSpPr>
+      <p:grpSpPr>
+        <a:xfrm>
+          <a:off x="0" y="0"/>
+          <a:ext cx="0" cy="0"/>
+          <a:chOff x="0" y="0"/>
+          <a:chExt cx="0" cy="0"/>
+        </a:xfrm>
+      </p:grpSpPr>
+      <p:sp>
+        <p:nvSpPr>
+          <p:cNvPr id="2" name="Title 1"/>
+          <p:cNvSpPr>
+            <a:spLocks noGrp="1"/>
+          </p:cNvSpPr>
+          <p:nvPr>
+            <p:ph type="title"/>
+          </p:nvPr>
+        </p:nvSpPr>
+        <p:spPr>
+          <a:xfrm>
+            <a:off x="609600" y="272078"/>
+            <a:ext cx="7269480" cy="624840"/>
+          </a:xfrm>
+        </p:spPr>
+        <p:txBody>
+          <a:bodyPr>
+            <a:normAutofit fontScale="90000"/>
+          </a:bodyPr>
+          <a:lstStyle/>
+          <a:p>
+            <a:r>
+              <a:rPr lang="en-US" dirty="0">
+                <a:solidFill>
+                  <a:schemeClr val="accent2">
+                    <a:lumMod val="75000"/>
+                  </a:schemeClr>
+                </a:solidFill>
+                <a:cs typeface="Times New Roman" panose="02020603050405020304" pitchFamily="18" charset="0"/>
+              </a:rPr>
+              <a:t>Last time: Adverse Selection</a:t>
+            </a:r>
+            <a:endParaRPr lang="en-US" dirty="0">
+              <a:solidFill>
+                <a:schemeClr val="accent2">
+                  <a:lumMod val="75000"/>
+                </a:schemeClr>
+              </a:solidFill>
+              <a:latin typeface="Times New Roman" panose="02020603050405020304" pitchFamily="18" charset="0"/>
+              <a:cs typeface="Times New Roman" panose="02020603050405020304" pitchFamily="18" charset="0"/>
+            </a:endParaRPr>
+          </a:p>
+        </p:txBody>
+      </p:sp>
+      <p:sp>
+        <p:nvSpPr>
+          <p:cNvPr id="5" name="Content Placeholder 2">
+            <a:extLst>
+              <a:ext uri="{FF2B5EF4-FFF2-40B4-BE49-F238E27FC236}">
+                <a16:creationId xmlns:a16="http://schemas.microsoft.com/office/drawing/2014/main" id="{D52D31A3-19BE-0C56-23AB-F009C1779EED}"/>
+              </a:ext>
+            </a:extLst>
+          </p:cNvPr>
+          <p:cNvSpPr txBox="1">
+            <a:spLocks/>
+          </p:cNvSpPr>
+          <p:nvPr/>
+        </p:nvSpPr>
+        <p:spPr>
+          <a:xfrm>
+            <a:off x="876300" y="929575"/>
+            <a:ext cx="10439400" cy="2154348"/>
+          </a:xfrm>
+          <a:prstGeom prst="rect">
+            <a:avLst/>
+          </a:prstGeom>
+        </p:spPr>
+        <p:txBody>
+          <a:bodyPr vert="horz" lIns="91440" tIns="45720" rIns="91440" bIns="45720" rtlCol="0">
+            <a:noAutofit/>
+          </a:bodyPr>
+          <a:lstStyle>
+            <a:lvl1pPr marL="182880" indent="-182880" algn="l" defTabSz="914400" rtl="0" eaLnBrk="1" latinLnBrk="0" hangingPunct="1">
+              <a:lnSpc>
+                <a:spcPct val="95000"/>
+              </a:lnSpc>
+              <a:spcBef>
+                <a:spcPts val="1400"/>
+              </a:spcBef>
+              <a:spcAft>
+                <a:spcPts val="200"/>
+              </a:spcAft>
+              <a:buClr>
+                <a:schemeClr val="accent1"/>
+              </a:buClr>
+              <a:buSzPct val="80000"/>
+              <a:buFont typeface="Arial" pitchFamily="34" charset="0"/>
+              <a:buChar char="•"/>
+              <a:defRPr sz="1800" kern="1200" spc="10" baseline="0">
+                <a:solidFill>
+                  <a:schemeClr val="tx1"/>
+                </a:solidFill>
+                <a:latin typeface="Times New Roman" panose="02020603050405020304" pitchFamily="18" charset="0"/>
+                <a:ea typeface="+mn-ea"/>
+                <a:cs typeface="+mn-cs"/>
+              </a:defRPr>
+            </a:lvl1pPr>
+            <a:lvl2pPr marL="457200" indent="-182880" algn="l" defTabSz="914400" rtl="0" eaLnBrk="1" latinLnBrk="0" hangingPunct="1">
+              <a:lnSpc>
+                <a:spcPct val="90000"/>
+              </a:lnSpc>
+              <a:spcBef>
+                <a:spcPts val="300"/>
+              </a:spcBef>
+              <a:spcAft>
+                <a:spcPts val="300"/>
+              </a:spcAft>
+              <a:buClr>
+                <a:schemeClr val="accent1"/>
+              </a:buClr>
+              <a:buFont typeface="Wingdings 2" pitchFamily="18" charset="2"/>
+              <a:buChar char=""/>
+              <a:defRPr sz="1600" kern="1200">
+                <a:solidFill>
+                  <a:schemeClr val="tx1">
+                    <a:lumMod val="85000"/>
+                    <a:lumOff val="15000"/>
+                  </a:schemeClr>
+                </a:solidFill>
+                <a:latin typeface="Times New Roman" panose="02020603050405020304" pitchFamily="18" charset="0"/>
+                <a:ea typeface="+mn-ea"/>
+                <a:cs typeface="+mn-cs"/>
+              </a:defRPr>
+            </a:lvl2pPr>
+            <a:lvl3pPr marL="731520" indent="-182880" algn="l" defTabSz="914400" rtl="0" eaLnBrk="1" latinLnBrk="0" hangingPunct="1">
+              <a:lnSpc>
+                <a:spcPct val="90000"/>
+              </a:lnSpc>
+              <a:spcBef>
+                <a:spcPts val="300"/>
+              </a:spcBef>
+              <a:spcAft>
+                <a:spcPts val="300"/>
+              </a:spcAft>
+              <a:buClr>
+                <a:schemeClr val="accent1"/>
+              </a:buClr>
+              <a:buFont typeface="Wingdings 2" pitchFamily="18" charset="2"/>
+              <a:buChar char=""/>
+              <a:defRPr sz="1400" kern="1200">
+                <a:solidFill>
+                  <a:schemeClr val="tx1">
+                    <a:lumMod val="85000"/>
+                    <a:lumOff val="15000"/>
+                  </a:schemeClr>
+                </a:solidFill>
+                <a:latin typeface="Times New Roman" panose="02020603050405020304" pitchFamily="18" charset="0"/>
+                <a:ea typeface="+mn-ea"/>
+                <a:cs typeface="+mn-cs"/>
+              </a:defRPr>
+            </a:lvl3pPr>
+            <a:lvl4pPr marL="1005840" indent="-182880" algn="l" defTabSz="914400" rtl="0" eaLnBrk="1" latinLnBrk="0" hangingPunct="1">
+              <a:lnSpc>
+                <a:spcPct val="90000"/>
+              </a:lnSpc>
+              <a:spcBef>
+                <a:spcPts val="300"/>
+              </a:spcBef>
+              <a:spcAft>
+                <a:spcPts val="300"/>
+              </a:spcAft>
+              <a:buClr>
+                <a:schemeClr val="accent1"/>
+              </a:buClr>
+              <a:buFont typeface="Wingdings 2" pitchFamily="18" charset="2"/>
+              <a:buChar char=""/>
+              <a:defRPr sz="1400" kern="1200">
+                <a:solidFill>
+                  <a:schemeClr val="tx1">
+                    <a:lumMod val="85000"/>
+                    <a:lumOff val="15000"/>
+                  </a:schemeClr>
+                </a:solidFill>
+                <a:latin typeface="Times New Roman" panose="02020603050405020304" pitchFamily="18" charset="0"/>
+                <a:ea typeface="+mn-ea"/>
+                <a:cs typeface="+mn-cs"/>
+              </a:defRPr>
+            </a:lvl4pPr>
+            <a:lvl5pPr marL="1280160" indent="-182880" algn="l" defTabSz="914400" rtl="0" eaLnBrk="1" latinLnBrk="0" hangingPunct="1">
+              <a:lnSpc>
+                <a:spcPct val="90000"/>
+              </a:lnSpc>
+              <a:spcBef>
+                <a:spcPts val="300"/>
+              </a:spcBef>
+              <a:spcAft>
+                <a:spcPts val="300"/>
+              </a:spcAft>
+              <a:buClr>
+                <a:schemeClr val="accent1"/>
+              </a:buClr>
+              <a:buFont typeface="Wingdings 2" pitchFamily="18" charset="2"/>
+              <a:buChar char=""/>
+              <a:defRPr sz="1400" kern="1200">
+                <a:solidFill>
+                  <a:schemeClr val="tx1">
+                    <a:lumMod val="85000"/>
+                    <a:lumOff val="15000"/>
+                  </a:schemeClr>
+                </a:solidFill>
+                <a:latin typeface="Times New Roman" panose="02020603050405020304" pitchFamily="18" charset="0"/>
+                <a:ea typeface="+mn-ea"/>
+                <a:cs typeface="+mn-cs"/>
+              </a:defRPr>
+            </a:lvl5pPr>
+            <a:lvl6pPr marL="1600000" indent="-228600" algn="l" defTabSz="914400" rtl="0" eaLnBrk="1" latinLnBrk="0" hangingPunct="1">
+              <a:lnSpc>
+                <a:spcPct val="90000"/>
+              </a:lnSpc>
+              <a:spcBef>
+                <a:spcPts val="300"/>
+              </a:spcBef>
+              <a:spcAft>
+                <a:spcPts val="300"/>
+              </a:spcAft>
+              <a:buClr>
+                <a:schemeClr val="accent1"/>
+              </a:buClr>
+              <a:buFont typeface="Wingdings 2" pitchFamily="18" charset="2"/>
+              <a:buChar char=""/>
+              <a:defRPr sz="1400" kern="1200">
+                <a:solidFill>
+                  <a:schemeClr val="tx1">
+                    <a:lumMod val="85000"/>
+                    <a:lumOff val="15000"/>
+                  </a:schemeClr>
+                </a:solidFill>
+                <a:latin typeface="+mn-lt"/>
+                <a:ea typeface="+mn-ea"/>
+                <a:cs typeface="+mn-cs"/>
+              </a:defRPr>
+            </a:lvl6pPr>
+            <a:lvl7pPr marL="1900000" indent="-228600" algn="l" defTabSz="914400" rtl="0" eaLnBrk="1" latinLnBrk="0" hangingPunct="1">
+              <a:lnSpc>
+                <a:spcPct val="90000"/>
+              </a:lnSpc>
+              <a:spcBef>
+                <a:spcPts val="300"/>
+              </a:spcBef>
+              <a:spcAft>
+                <a:spcPts val="300"/>
+              </a:spcAft>
+              <a:buClr>
+                <a:schemeClr val="accent1"/>
+              </a:buClr>
+              <a:buFont typeface="Wingdings 2" pitchFamily="18" charset="2"/>
+              <a:buChar char=""/>
+              <a:defRPr sz="1400" kern="1200">
+                <a:solidFill>
+                  <a:schemeClr val="tx1">
+                    <a:lumMod val="85000"/>
+                    <a:lumOff val="15000"/>
+                  </a:schemeClr>
+                </a:solidFill>
+                <a:latin typeface="+mn-lt"/>
+                <a:ea typeface="+mn-ea"/>
+                <a:cs typeface="+mn-cs"/>
+              </a:defRPr>
+            </a:lvl7pPr>
+            <a:lvl8pPr marL="2200000" indent="-228600" algn="l" defTabSz="914400" rtl="0" eaLnBrk="1" latinLnBrk="0" hangingPunct="1">
+              <a:lnSpc>
+                <a:spcPct val="90000"/>
+              </a:lnSpc>
+              <a:spcBef>
+                <a:spcPts val="300"/>
+              </a:spcBef>
+              <a:spcAft>
+                <a:spcPts val="300"/>
+              </a:spcAft>
+              <a:buClr>
+                <a:schemeClr val="accent1"/>
+              </a:buClr>
+              <a:buFont typeface="Wingdings 2" pitchFamily="18" charset="2"/>
+              <a:buChar char=""/>
+              <a:defRPr sz="1400" kern="1200">
+                <a:solidFill>
+                  <a:schemeClr val="tx1">
+                    <a:lumMod val="85000"/>
+                    <a:lumOff val="15000"/>
+                  </a:schemeClr>
+                </a:solidFill>
+                <a:latin typeface="+mn-lt"/>
+                <a:ea typeface="+mn-ea"/>
+                <a:cs typeface="+mn-cs"/>
+              </a:defRPr>
+            </a:lvl8pPr>
+            <a:lvl9pPr marL="2500000" indent="-228600" algn="l" defTabSz="914400" rtl="0" eaLnBrk="1" latinLnBrk="0" hangingPunct="1">
+              <a:lnSpc>
+                <a:spcPct val="90000"/>
+              </a:lnSpc>
+              <a:spcBef>
+                <a:spcPts val="300"/>
+              </a:spcBef>
+              <a:spcAft>
+                <a:spcPts val="300"/>
+              </a:spcAft>
+              <a:buClr>
+                <a:schemeClr val="accent1"/>
+              </a:buClr>
+              <a:buFont typeface="Wingdings 2" pitchFamily="18" charset="2"/>
+              <a:buChar char=""/>
+              <a:defRPr sz="1400" kern="1200">
+                <a:solidFill>
+                  <a:schemeClr val="tx1">
+                    <a:lumMod val="85000"/>
+                    <a:lumOff val="15000"/>
+                  </a:schemeClr>
+                </a:solidFill>
+                <a:latin typeface="+mn-lt"/>
+                <a:ea typeface="+mn-ea"/>
+                <a:cs typeface="+mn-cs"/>
+              </a:defRPr>
+            </a:lvl9pPr>
+          </a:lstStyle>
+          <a:p>
+            <a:r>
+              <a:rPr lang="en-US" sz="2400" dirty="0">
+                <a:cs typeface="Times New Roman" panose="02020603050405020304" pitchFamily="18" charset="0"/>
+              </a:rPr>
+              <a:t>Private information distorts demand for services! </a:t>
+            </a:r>
+          </a:p>
+          <a:p>
+            <a:r>
+              <a:rPr lang="en-US" sz="2400" dirty="0">
+                <a:cs typeface="Times New Roman" panose="02020603050405020304" pitchFamily="18" charset="0"/>
+              </a:rPr>
+              <a:t>People have information about their own risk</a:t>
+            </a:r>
+          </a:p>
+          <a:p>
+            <a:pPr lvl="1"/>
+            <a:r>
+              <a:rPr lang="en-US" sz="2200" dirty="0">
+                <a:cs typeface="Times New Roman" panose="02020603050405020304" pitchFamily="18" charset="0"/>
+              </a:rPr>
+              <a:t>Sometimes on multiple dimensions</a:t>
+            </a:r>
+          </a:p>
+          <a:p>
+            <a:r>
+              <a:rPr lang="en-US" sz="2400" dirty="0">
+                <a:cs typeface="Times New Roman" panose="02020603050405020304" pitchFamily="18" charset="0"/>
+              </a:rPr>
+              <a:t>Government intervention may be needed to mitigate risks</a:t>
+            </a:r>
+          </a:p>
+          <a:p>
+            <a:pPr lvl="1"/>
+            <a:r>
+              <a:rPr lang="en-US" sz="2200" dirty="0">
+                <a:cs typeface="Times New Roman" panose="02020603050405020304" pitchFamily="18" charset="0"/>
+              </a:rPr>
+              <a:t>Mandates, risk adjustment, subsidies (oh my!) </a:t>
+            </a:r>
+          </a:p>
+          <a:p>
+            <a:pPr lvl="1"/>
+            <a:r>
+              <a:rPr lang="en-US" sz="2200" dirty="0">
+                <a:cs typeface="Times New Roman" panose="02020603050405020304" pitchFamily="18" charset="0"/>
+              </a:rPr>
+              <a:t>But may also have unintended consequences!</a:t>
+            </a:r>
+          </a:p>
+          <a:p>
+            <a:endParaRPr lang="en-US" sz="2400" dirty="0">
+              <a:cs typeface="Times New Roman" panose="02020603050405020304" pitchFamily="18" charset="0"/>
+            </a:endParaRPr>
+          </a:p>
+        </p:txBody>
+      </p:sp>
+      <p:sp>
+        <p:nvSpPr>
+          <p:cNvPr id="3" name="Title 1">
+            <a:extLst>
+              <a:ext uri="{FF2B5EF4-FFF2-40B4-BE49-F238E27FC236}">
+                <a16:creationId xmlns:a16="http://schemas.microsoft.com/office/drawing/2014/main" id="{8B00CFD6-47D4-A5ED-8B83-09DCEAB85E25}"/>
+              </a:ext>
+            </a:extLst>
+          </p:cNvPr>
+          <p:cNvSpPr txBox="1">
+            <a:spLocks/>
+          </p:cNvSpPr>
+          <p:nvPr/>
+        </p:nvSpPr>
+        <p:spPr>
+          <a:xfrm>
+            <a:off x="597074" y="3853478"/>
+            <a:ext cx="7269480" cy="624840"/>
+          </a:xfrm>
+          <a:prstGeom prst="rect">
+            <a:avLst/>
+          </a:prstGeom>
+        </p:spPr>
+        <p:txBody>
+          <a:bodyPr vert="horz" lIns="91440" tIns="45720" rIns="91440" bIns="45720" rtlCol="0" anchor="b">
+            <a:normAutofit fontScale="90000" lnSpcReduction="10000"/>
+          </a:bodyPr>
+          <a:lstStyle>
+            <a:lvl1pPr algn="l" defTabSz="914400" rtl="0" eaLnBrk="1" latinLnBrk="0" hangingPunct="1">
+              <a:lnSpc>
+                <a:spcPct val="90000"/>
+              </a:lnSpc>
+              <a:spcBef>
+                <a:spcPct val="0"/>
+              </a:spcBef>
+              <a:buNone/>
+              <a:defRPr sz="4400" kern="1200" spc="-50" baseline="0">
+                <a:solidFill>
+                  <a:schemeClr val="tx1"/>
+                </a:solidFill>
+                <a:latin typeface="Times New Roman" panose="02020603050405020304" pitchFamily="18" charset="0"/>
+                <a:ea typeface="+mj-ea"/>
+                <a:cs typeface="+mj-cs"/>
+              </a:defRPr>
+            </a:lvl1pPr>
+          </a:lstStyle>
+          <a:p>
+            <a:r>
+              <a:rPr lang="en-US" dirty="0">
+                <a:solidFill>
+                  <a:schemeClr val="accent2">
+                    <a:lumMod val="75000"/>
+                  </a:schemeClr>
+                </a:solidFill>
+                <a:cs typeface="Times New Roman" panose="02020603050405020304" pitchFamily="18" charset="0"/>
+              </a:rPr>
+              <a:t>This time: Provider Payment</a:t>
+            </a:r>
+          </a:p>
+        </p:txBody>
+      </p:sp>
+      <p:sp>
+        <p:nvSpPr>
+          <p:cNvPr id="4" name="Content Placeholder 2">
+            <a:extLst>
+              <a:ext uri="{FF2B5EF4-FFF2-40B4-BE49-F238E27FC236}">
+                <a16:creationId xmlns:a16="http://schemas.microsoft.com/office/drawing/2014/main" id="{503F776D-A7DB-4AED-9B16-D81631B561AC}"/>
+              </a:ext>
+            </a:extLst>
+          </p:cNvPr>
+          <p:cNvSpPr txBox="1">
+            <a:spLocks/>
+          </p:cNvSpPr>
+          <p:nvPr/>
+        </p:nvSpPr>
+        <p:spPr>
+          <a:xfrm>
+            <a:off x="609600" y="4510975"/>
+            <a:ext cx="10439400" cy="1661225"/>
+          </a:xfrm>
+          <a:prstGeom prst="rect">
+            <a:avLst/>
+          </a:prstGeom>
+        </p:spPr>
+        <p:txBody>
+          <a:bodyPr vert="horz" lIns="91440" tIns="45720" rIns="91440" bIns="45720" rtlCol="0">
+            <a:noAutofit/>
+          </a:bodyPr>
+          <a:lstStyle>
+            <a:lvl1pPr marL="182880" indent="-182880" algn="l" defTabSz="914400" rtl="0" eaLnBrk="1" latinLnBrk="0" hangingPunct="1">
+              <a:lnSpc>
+                <a:spcPct val="95000"/>
+              </a:lnSpc>
+              <a:spcBef>
+                <a:spcPts val="1400"/>
+              </a:spcBef>
+              <a:spcAft>
+                <a:spcPts val="200"/>
+              </a:spcAft>
+              <a:buClr>
+                <a:schemeClr val="accent1"/>
+              </a:buClr>
+              <a:buSzPct val="80000"/>
+              <a:buFont typeface="Arial" pitchFamily="34" charset="0"/>
+              <a:buChar char="•"/>
+              <a:defRPr sz="1800" kern="1200" spc="10" baseline="0">
+                <a:solidFill>
+                  <a:schemeClr val="tx1"/>
+                </a:solidFill>
+                <a:latin typeface="Times New Roman" panose="02020603050405020304" pitchFamily="18" charset="0"/>
+                <a:ea typeface="+mn-ea"/>
+                <a:cs typeface="+mn-cs"/>
+              </a:defRPr>
+            </a:lvl1pPr>
+            <a:lvl2pPr marL="457200" indent="-182880" algn="l" defTabSz="914400" rtl="0" eaLnBrk="1" latinLnBrk="0" hangingPunct="1">
+              <a:lnSpc>
+                <a:spcPct val="90000"/>
+              </a:lnSpc>
+              <a:spcBef>
+                <a:spcPts val="300"/>
+              </a:spcBef>
+              <a:spcAft>
+                <a:spcPts val="300"/>
+              </a:spcAft>
+              <a:buClr>
+                <a:schemeClr val="accent1"/>
+              </a:buClr>
+              <a:buFont typeface="Wingdings 2" pitchFamily="18" charset="2"/>
+              <a:buChar char=""/>
+              <a:defRPr sz="1600" kern="1200">
+                <a:solidFill>
+                  <a:schemeClr val="tx1">
+                    <a:lumMod val="85000"/>
+                    <a:lumOff val="15000"/>
+                  </a:schemeClr>
+                </a:solidFill>
+                <a:latin typeface="Times New Roman" panose="02020603050405020304" pitchFamily="18" charset="0"/>
+                <a:ea typeface="+mn-ea"/>
+                <a:cs typeface="+mn-cs"/>
+              </a:defRPr>
+            </a:lvl2pPr>
+            <a:lvl3pPr marL="731520" indent="-182880" algn="l" defTabSz="914400" rtl="0" eaLnBrk="1" latinLnBrk="0" hangingPunct="1">
+              <a:lnSpc>
+                <a:spcPct val="90000"/>
+              </a:lnSpc>
+              <a:spcBef>
+                <a:spcPts val="300"/>
+              </a:spcBef>
+              <a:spcAft>
+                <a:spcPts val="300"/>
+              </a:spcAft>
+              <a:buClr>
+                <a:schemeClr val="accent1"/>
+              </a:buClr>
+              <a:buFont typeface="Wingdings 2" pitchFamily="18" charset="2"/>
+              <a:buChar char=""/>
+              <a:defRPr sz="1400" kern="1200">
+                <a:solidFill>
+                  <a:schemeClr val="tx1">
+                    <a:lumMod val="85000"/>
+                    <a:lumOff val="15000"/>
+                  </a:schemeClr>
+                </a:solidFill>
+                <a:latin typeface="Times New Roman" panose="02020603050405020304" pitchFamily="18" charset="0"/>
+                <a:ea typeface="+mn-ea"/>
+                <a:cs typeface="+mn-cs"/>
+              </a:defRPr>
+            </a:lvl3pPr>
+            <a:lvl4pPr marL="1005840" indent="-182880" algn="l" defTabSz="914400" rtl="0" eaLnBrk="1" latinLnBrk="0" hangingPunct="1">
+              <a:lnSpc>
+                <a:spcPct val="90000"/>
+              </a:lnSpc>
+              <a:spcBef>
+                <a:spcPts val="300"/>
+              </a:spcBef>
+              <a:spcAft>
+                <a:spcPts val="300"/>
+              </a:spcAft>
+              <a:buClr>
+                <a:schemeClr val="accent1"/>
+              </a:buClr>
+              <a:buFont typeface="Wingdings 2" pitchFamily="18" charset="2"/>
+              <a:buChar char=""/>
+              <a:defRPr sz="1400" kern="1200">
+                <a:solidFill>
+                  <a:schemeClr val="tx1">
+                    <a:lumMod val="85000"/>
+                    <a:lumOff val="15000"/>
+                  </a:schemeClr>
+                </a:solidFill>
+                <a:latin typeface="Times New Roman" panose="02020603050405020304" pitchFamily="18" charset="0"/>
+                <a:ea typeface="+mn-ea"/>
+                <a:cs typeface="+mn-cs"/>
+              </a:defRPr>
+            </a:lvl4pPr>
+            <a:lvl5pPr marL="1280160" indent="-182880" algn="l" defTabSz="914400" rtl="0" eaLnBrk="1" latinLnBrk="0" hangingPunct="1">
+              <a:lnSpc>
+                <a:spcPct val="90000"/>
+              </a:lnSpc>
+              <a:spcBef>
+                <a:spcPts val="300"/>
+              </a:spcBef>
+              <a:spcAft>
+                <a:spcPts val="300"/>
+              </a:spcAft>
+              <a:buClr>
+                <a:schemeClr val="accent1"/>
+              </a:buClr>
+              <a:buFont typeface="Wingdings 2" pitchFamily="18" charset="2"/>
+              <a:buChar char=""/>
+              <a:defRPr sz="1400" kern="1200">
+                <a:solidFill>
+                  <a:schemeClr val="tx1">
+                    <a:lumMod val="85000"/>
+                    <a:lumOff val="15000"/>
+                  </a:schemeClr>
+                </a:solidFill>
+                <a:latin typeface="Times New Roman" panose="02020603050405020304" pitchFamily="18" charset="0"/>
+                <a:ea typeface="+mn-ea"/>
+                <a:cs typeface="+mn-cs"/>
+              </a:defRPr>
+            </a:lvl5pPr>
+            <a:lvl6pPr marL="1600000" indent="-228600" algn="l" defTabSz="914400" rtl="0" eaLnBrk="1" latinLnBrk="0" hangingPunct="1">
+              <a:lnSpc>
+                <a:spcPct val="90000"/>
+              </a:lnSpc>
+              <a:spcBef>
+                <a:spcPts val="300"/>
+              </a:spcBef>
+              <a:spcAft>
+                <a:spcPts val="300"/>
+              </a:spcAft>
+              <a:buClr>
+                <a:schemeClr val="accent1"/>
+              </a:buClr>
+              <a:buFont typeface="Wingdings 2" pitchFamily="18" charset="2"/>
+              <a:buChar char=""/>
+              <a:defRPr sz="1400" kern="1200">
+                <a:solidFill>
+                  <a:schemeClr val="tx1">
+                    <a:lumMod val="85000"/>
+                    <a:lumOff val="15000"/>
+                  </a:schemeClr>
+                </a:solidFill>
+                <a:latin typeface="+mn-lt"/>
+                <a:ea typeface="+mn-ea"/>
+                <a:cs typeface="+mn-cs"/>
+              </a:defRPr>
+            </a:lvl6pPr>
+            <a:lvl7pPr marL="1900000" indent="-228600" algn="l" defTabSz="914400" rtl="0" eaLnBrk="1" latinLnBrk="0" hangingPunct="1">
+              <a:lnSpc>
+                <a:spcPct val="90000"/>
+              </a:lnSpc>
+              <a:spcBef>
+                <a:spcPts val="300"/>
+              </a:spcBef>
+              <a:spcAft>
+                <a:spcPts val="300"/>
+              </a:spcAft>
+              <a:buClr>
+                <a:schemeClr val="accent1"/>
+              </a:buClr>
+              <a:buFont typeface="Wingdings 2" pitchFamily="18" charset="2"/>
+              <a:buChar char=""/>
+              <a:defRPr sz="1400" kern="1200">
+                <a:solidFill>
+                  <a:schemeClr val="tx1">
+                    <a:lumMod val="85000"/>
+                    <a:lumOff val="15000"/>
+                  </a:schemeClr>
+                </a:solidFill>
+                <a:latin typeface="+mn-lt"/>
+                <a:ea typeface="+mn-ea"/>
+                <a:cs typeface="+mn-cs"/>
+              </a:defRPr>
+            </a:lvl7pPr>
+            <a:lvl8pPr marL="2200000" indent="-228600" algn="l" defTabSz="914400" rtl="0" eaLnBrk="1" latinLnBrk="0" hangingPunct="1">
+              <a:lnSpc>
+                <a:spcPct val="90000"/>
+              </a:lnSpc>
+              <a:spcBef>
+                <a:spcPts val="300"/>
+              </a:spcBef>
+              <a:spcAft>
+                <a:spcPts val="300"/>
+              </a:spcAft>
+              <a:buClr>
+                <a:schemeClr val="accent1"/>
+              </a:buClr>
+              <a:buFont typeface="Wingdings 2" pitchFamily="18" charset="2"/>
+              <a:buChar char=""/>
+              <a:defRPr sz="1400" kern="1200">
+                <a:solidFill>
+                  <a:schemeClr val="tx1">
+                    <a:lumMod val="85000"/>
+                    <a:lumOff val="15000"/>
+                  </a:schemeClr>
+                </a:solidFill>
+                <a:latin typeface="+mn-lt"/>
+                <a:ea typeface="+mn-ea"/>
+                <a:cs typeface="+mn-cs"/>
+              </a:defRPr>
+            </a:lvl8pPr>
+            <a:lvl9pPr marL="2500000" indent="-228600" algn="l" defTabSz="914400" rtl="0" eaLnBrk="1" latinLnBrk="0" hangingPunct="1">
+              <a:lnSpc>
+                <a:spcPct val="90000"/>
+              </a:lnSpc>
+              <a:spcBef>
+                <a:spcPts val="300"/>
+              </a:spcBef>
+              <a:spcAft>
+                <a:spcPts val="300"/>
+              </a:spcAft>
+              <a:buClr>
+                <a:schemeClr val="accent1"/>
+              </a:buClr>
+              <a:buFont typeface="Wingdings 2" pitchFamily="18" charset="2"/>
+              <a:buChar char=""/>
+              <a:defRPr sz="1400" kern="1200">
+                <a:solidFill>
+                  <a:schemeClr val="tx1">
+                    <a:lumMod val="85000"/>
+                    <a:lumOff val="15000"/>
+                  </a:schemeClr>
+                </a:solidFill>
+                <a:latin typeface="+mn-lt"/>
+                <a:ea typeface="+mn-ea"/>
+                <a:cs typeface="+mn-cs"/>
+              </a:defRPr>
+            </a:lvl9pPr>
+          </a:lstStyle>
+          <a:p>
+            <a:r>
+              <a:rPr lang="en-US" sz="2400" dirty="0">
+                <a:cs typeface="Times New Roman" panose="02020603050405020304" pitchFamily="18" charset="0"/>
+              </a:rPr>
+              <a:t>Thinking about </a:t>
+            </a:r>
+            <a:r>
+              <a:rPr lang="en-US" sz="2400" u="sng" dirty="0">
+                <a:cs typeface="Times New Roman" panose="02020603050405020304" pitchFamily="18" charset="0"/>
+              </a:rPr>
+              <a:t>supply </a:t>
+            </a:r>
+            <a:r>
+              <a:rPr lang="en-US" sz="2400" dirty="0">
+                <a:cs typeface="Times New Roman" panose="02020603050405020304" pitchFamily="18" charset="0"/>
+              </a:rPr>
+              <a:t>of healthcare rather than </a:t>
+            </a:r>
+            <a:r>
+              <a:rPr lang="en-US" sz="2400" u="sng" dirty="0">
+                <a:cs typeface="Times New Roman" panose="02020603050405020304" pitchFamily="18" charset="0"/>
+              </a:rPr>
+              <a:t>demand</a:t>
+            </a:r>
+            <a:endParaRPr lang="en-US" sz="2400" dirty="0">
+              <a:cs typeface="Times New Roman" panose="02020603050405020304" pitchFamily="18" charset="0"/>
+            </a:endParaRPr>
+          </a:p>
+          <a:p>
+            <a:r>
+              <a:rPr lang="en-US" sz="2400" dirty="0">
+                <a:cs typeface="Times New Roman" panose="02020603050405020304" pitchFamily="18" charset="0"/>
+              </a:rPr>
+              <a:t>How do </a:t>
+            </a:r>
+            <a:r>
+              <a:rPr lang="en-US" sz="2400" i="1" dirty="0">
+                <a:cs typeface="Times New Roman" panose="02020603050405020304" pitchFamily="18" charset="0"/>
+              </a:rPr>
+              <a:t>physicians</a:t>
+            </a:r>
+            <a:r>
+              <a:rPr lang="en-US" sz="2400" dirty="0">
+                <a:cs typeface="Times New Roman" panose="02020603050405020304" pitchFamily="18" charset="0"/>
+              </a:rPr>
+              <a:t> respond to incentives?</a:t>
+            </a:r>
+          </a:p>
+        </p:txBody>
+      </p:sp>
+    </p:spTree>
+    <p:extLst>
+      <p:ext uri="{BB962C8B-B14F-4D97-AF65-F5344CB8AC3E}">
+        <p14:creationId xmlns:p14="http://schemas.microsoft.com/office/powerpoint/2010/main" val="565854197"/>
+      </p:ext>
+    </p:extLst>
+  </p:cSld>
+  <p:clrMapOvr>
+    <a:masterClrMapping/>
+  </p:clrMapOvr>
+</p:sld>
+</file>
+
+<file path=ppt/slides/slide40.xml><?xml version="1.0" encoding="utf-8"?>
 <p:sld xmlns:a="http://schemas.openxmlformats.org/drawingml/2006/main" xmlns:r="http://schemas.openxmlformats.org/officeDocument/2006/relationships" xmlns:p="http://schemas.openxmlformats.org/presentationml/2006/main">
   <p:cSld>
     <p:spTree>
@@ -26128,431 +26893,7 @@
 </p:sld>
 </file>
 
-<file path=ppt/slides/slide4.xml><?xml version="1.0" encoding="utf-8"?>
-<p:sld xmlns:a="http://schemas.openxmlformats.org/drawingml/2006/main" xmlns:r="http://schemas.openxmlformats.org/officeDocument/2006/relationships" xmlns:p="http://schemas.openxmlformats.org/presentationml/2006/main">
-  <p:cSld>
-    <p:spTree>
-      <p:nvGrpSpPr>
-        <p:cNvPr id="1" name=""/>
-        <p:cNvGrpSpPr/>
-        <p:nvPr/>
-      </p:nvGrpSpPr>
-      <p:grpSpPr>
-        <a:xfrm>
-          <a:off x="0" y="0"/>
-          <a:ext cx="0" cy="0"/>
-          <a:chOff x="0" y="0"/>
-          <a:chExt cx="0" cy="0"/>
-        </a:xfrm>
-      </p:grpSpPr>
-      <p:sp>
-        <p:nvSpPr>
-          <p:cNvPr id="2" name="object 2"/>
-          <p:cNvSpPr txBox="1">
-            <a:spLocks noGrp="1"/>
-          </p:cNvSpPr>
-          <p:nvPr>
-            <p:ph type="title"/>
-          </p:nvPr>
-        </p:nvSpPr>
-        <p:spPr>
-          <a:xfrm>
-            <a:off x="304800" y="304800"/>
-            <a:ext cx="6951582" cy="702856"/>
-          </a:xfrm>
-          <a:prstGeom prst="rect">
-            <a:avLst/>
-          </a:prstGeom>
-        </p:spPr>
-        <p:txBody>
-          <a:bodyPr vert="horz" wrap="square" lIns="0" tIns="25499" rIns="0" bIns="0" rtlCol="0" anchor="b">
-            <a:spAutoFit/>
-          </a:bodyPr>
-          <a:lstStyle/>
-          <a:p>
-            <a:pPr marL="26841">
-              <a:lnSpc>
-                <a:spcPct val="100000"/>
-              </a:lnSpc>
-              <a:spcBef>
-                <a:spcPts val="201"/>
-              </a:spcBef>
-            </a:pPr>
-            <a:r>
-              <a:rPr dirty="0"/>
-              <a:t>Why </a:t>
-            </a:r>
-            <a:r>
-              <a:rPr spc="95" dirty="0"/>
-              <a:t>study</a:t>
-            </a:r>
-            <a:r>
-              <a:rPr spc="116" dirty="0"/>
-              <a:t> </a:t>
-            </a:r>
-            <a:r>
-              <a:rPr spc="85" dirty="0"/>
-              <a:t>physicians?</a:t>
-            </a:r>
-          </a:p>
-        </p:txBody>
-      </p:sp>
-      <p:sp>
-        <p:nvSpPr>
-          <p:cNvPr id="6" name="object 6"/>
-          <p:cNvSpPr txBox="1"/>
-          <p:nvPr/>
-        </p:nvSpPr>
-        <p:spPr>
-          <a:xfrm>
-            <a:off x="457200" y="1066800"/>
-            <a:ext cx="10790298" cy="4336478"/>
-          </a:xfrm>
-          <a:prstGeom prst="rect">
-            <a:avLst/>
-          </a:prstGeom>
-        </p:spPr>
-        <p:txBody>
-          <a:bodyPr vert="horz" wrap="square" lIns="0" tIns="154339" rIns="0" bIns="0" rtlCol="0">
-            <a:spAutoFit/>
-          </a:bodyPr>
-          <a:lstStyle/>
-          <a:p>
-            <a:pPr marL="216074" indent="-190574">
-              <a:spcBef>
-                <a:spcPts val="1215"/>
-              </a:spcBef>
-              <a:buChar char="•"/>
-              <a:tabLst>
-                <a:tab pos="217416" algn="l"/>
-              </a:tabLst>
-            </a:pPr>
-            <a:r>
-              <a:rPr sz="2200" dirty="0">
-                <a:solidFill>
-                  <a:srgbClr val="22373A"/>
-                </a:solidFill>
-                <a:latin typeface="Times New Roman" panose="02020603050405020304" pitchFamily="18" charset="0"/>
-                <a:cs typeface="Times New Roman" panose="02020603050405020304" pitchFamily="18" charset="0"/>
-              </a:rPr>
-              <a:t>Usually the first healthcare provider we are exposed to in the healthcare sector</a:t>
-            </a:r>
-            <a:endParaRPr sz="2200" dirty="0">
-              <a:latin typeface="Times New Roman" panose="02020603050405020304" pitchFamily="18" charset="0"/>
-              <a:cs typeface="Times New Roman" panose="02020603050405020304" pitchFamily="18" charset="0"/>
-            </a:endParaRPr>
-          </a:p>
-          <a:p>
-            <a:pPr marL="216074" indent="-190574">
-              <a:spcBef>
-                <a:spcPts val="993"/>
-              </a:spcBef>
-              <a:buChar char="•"/>
-              <a:tabLst>
-                <a:tab pos="217416" algn="l"/>
-              </a:tabLst>
-            </a:pPr>
-            <a:r>
-              <a:rPr sz="2200" dirty="0">
-                <a:solidFill>
-                  <a:srgbClr val="22373A"/>
-                </a:solidFill>
-                <a:latin typeface="Times New Roman" panose="02020603050405020304" pitchFamily="18" charset="0"/>
-                <a:cs typeface="Times New Roman" panose="02020603050405020304" pitchFamily="18" charset="0"/>
-              </a:rPr>
-              <a:t>In Canada, they are the “gatekeeper” to many specialty services</a:t>
-            </a:r>
-            <a:endParaRPr sz="2200" dirty="0">
-              <a:latin typeface="Times New Roman" panose="02020603050405020304" pitchFamily="18" charset="0"/>
-              <a:cs typeface="Times New Roman" panose="02020603050405020304" pitchFamily="18" charset="0"/>
-            </a:endParaRPr>
-          </a:p>
-          <a:p>
-            <a:pPr marL="216074" indent="-190574">
-              <a:spcBef>
-                <a:spcPts val="528"/>
-              </a:spcBef>
-              <a:buChar char="•"/>
-              <a:tabLst>
-                <a:tab pos="217416" algn="l"/>
-              </a:tabLst>
-            </a:pPr>
-            <a:r>
-              <a:rPr sz="2200" dirty="0">
-                <a:solidFill>
-                  <a:srgbClr val="22373A"/>
-                </a:solidFill>
-                <a:latin typeface="Times New Roman" panose="02020603050405020304" pitchFamily="18" charset="0"/>
-                <a:cs typeface="Times New Roman" panose="02020603050405020304" pitchFamily="18" charset="0"/>
-              </a:rPr>
-              <a:t>Their decisions matter!</a:t>
-            </a:r>
-            <a:endParaRPr sz="2200" dirty="0">
-              <a:latin typeface="Times New Roman" panose="02020603050405020304" pitchFamily="18" charset="0"/>
-              <a:cs typeface="Times New Roman" panose="02020603050405020304" pitchFamily="18" charset="0"/>
-            </a:endParaRPr>
-          </a:p>
-          <a:p>
-            <a:pPr marL="696536" lvl="1" indent="-182522">
-              <a:spcBef>
-                <a:spcPts val="528"/>
-              </a:spcBef>
-              <a:buChar char="•"/>
-              <a:tabLst>
-                <a:tab pos="697878" algn="l"/>
-              </a:tabLst>
-            </a:pPr>
-            <a:r>
-              <a:rPr sz="2200" dirty="0">
-                <a:solidFill>
-                  <a:srgbClr val="22373A"/>
-                </a:solidFill>
-                <a:latin typeface="Times New Roman" panose="02020603050405020304" pitchFamily="18" charset="0"/>
-                <a:cs typeface="Times New Roman" panose="02020603050405020304" pitchFamily="18" charset="0"/>
-              </a:rPr>
-              <a:t>Order tests, interpret results, decide appropriate action</a:t>
-            </a:r>
-            <a:endParaRPr sz="2200" dirty="0">
-              <a:latin typeface="Times New Roman" panose="02020603050405020304" pitchFamily="18" charset="0"/>
-              <a:cs typeface="Times New Roman" panose="02020603050405020304" pitchFamily="18" charset="0"/>
-            </a:endParaRPr>
-          </a:p>
-          <a:p>
-            <a:pPr marL="216074" marR="10737" indent="-190574">
-              <a:spcBef>
-                <a:spcPts val="676"/>
-              </a:spcBef>
-              <a:buChar char="•"/>
-              <a:tabLst>
-                <a:tab pos="217416" algn="l"/>
-              </a:tabLst>
-            </a:pPr>
-            <a:r>
-              <a:rPr sz="2200" dirty="0">
-                <a:solidFill>
-                  <a:srgbClr val="22373A"/>
-                </a:solidFill>
-                <a:latin typeface="Times New Roman" panose="02020603050405020304" pitchFamily="18" charset="0"/>
-                <a:cs typeface="Times New Roman" panose="02020603050405020304" pitchFamily="18" charset="0"/>
-              </a:rPr>
-              <a:t>Physicians possess more (but incomplete) information than the patient</a:t>
-            </a:r>
-            <a:endParaRPr lang="en-CA" sz="2200" dirty="0">
-              <a:solidFill>
-                <a:srgbClr val="22373A"/>
-              </a:solidFill>
-              <a:latin typeface="Times New Roman" panose="02020603050405020304" pitchFamily="18" charset="0"/>
-              <a:cs typeface="Times New Roman" panose="02020603050405020304" pitchFamily="18" charset="0"/>
-            </a:endParaRPr>
-          </a:p>
-          <a:p>
-            <a:pPr marL="216074" marR="10737" indent="-190574">
-              <a:spcBef>
-                <a:spcPts val="676"/>
-              </a:spcBef>
-              <a:buChar char="•"/>
-              <a:tabLst>
-                <a:tab pos="217416" algn="l"/>
-              </a:tabLst>
-            </a:pPr>
-            <a:r>
-              <a:rPr lang="en-CA" sz="2200" dirty="0">
-                <a:solidFill>
-                  <a:srgbClr val="22373A"/>
-                </a:solidFill>
-                <a:latin typeface="Times New Roman" panose="02020603050405020304" pitchFamily="18" charset="0"/>
-                <a:cs typeface="Times New Roman" panose="02020603050405020304" pitchFamily="18" charset="0"/>
-              </a:rPr>
-              <a:t>But they also respond to: </a:t>
-            </a:r>
-          </a:p>
-          <a:p>
-            <a:pPr marL="673274" marR="10737" lvl="1" indent="-190574">
-              <a:spcBef>
-                <a:spcPts val="676"/>
-              </a:spcBef>
-              <a:buChar char="•"/>
-              <a:tabLst>
-                <a:tab pos="217416" algn="l"/>
-              </a:tabLst>
-            </a:pPr>
-            <a:r>
-              <a:rPr lang="en-CA" sz="2200" dirty="0">
-                <a:solidFill>
-                  <a:srgbClr val="22373A"/>
-                </a:solidFill>
-                <a:latin typeface="Times New Roman" panose="02020603050405020304" pitchFamily="18" charset="0"/>
-                <a:cs typeface="Times New Roman" panose="02020603050405020304" pitchFamily="18" charset="0"/>
-              </a:rPr>
-              <a:t>Heuristics</a:t>
-            </a:r>
-          </a:p>
-          <a:p>
-            <a:pPr marL="673274" marR="10737" lvl="1" indent="-190574">
-              <a:spcBef>
-                <a:spcPts val="676"/>
-              </a:spcBef>
-              <a:buChar char="•"/>
-              <a:tabLst>
-                <a:tab pos="217416" algn="l"/>
-              </a:tabLst>
-            </a:pPr>
-            <a:r>
-              <a:rPr lang="en-CA" sz="2200" dirty="0">
-                <a:solidFill>
-                  <a:srgbClr val="22373A"/>
-                </a:solidFill>
-                <a:latin typeface="Times New Roman" panose="02020603050405020304" pitchFamily="18" charset="0"/>
-                <a:cs typeface="Times New Roman" panose="02020603050405020304" pitchFamily="18" charset="0"/>
-              </a:rPr>
-              <a:t>Patient risk </a:t>
-            </a:r>
-            <a:r>
-              <a:rPr lang="en-CA" sz="2200" i="1" dirty="0">
-                <a:solidFill>
-                  <a:srgbClr val="22373A"/>
-                </a:solidFill>
-                <a:latin typeface="Times New Roman" panose="02020603050405020304" pitchFamily="18" charset="0"/>
-                <a:cs typeface="Times New Roman" panose="02020603050405020304" pitchFamily="18" charset="0"/>
-              </a:rPr>
-              <a:t>proxies</a:t>
-            </a:r>
-          </a:p>
-          <a:p>
-            <a:pPr marL="673274" marR="10737" lvl="1" indent="-190574">
-              <a:spcBef>
-                <a:spcPts val="676"/>
-              </a:spcBef>
-              <a:buChar char="•"/>
-              <a:tabLst>
-                <a:tab pos="217416" algn="l"/>
-              </a:tabLst>
-            </a:pPr>
-            <a:r>
-              <a:rPr lang="en-CA" sz="2200" dirty="0">
-                <a:solidFill>
-                  <a:srgbClr val="22373A"/>
-                </a:solidFill>
-                <a:latin typeface="Times New Roman" panose="02020603050405020304" pitchFamily="18" charset="0"/>
-                <a:cs typeface="Times New Roman" panose="02020603050405020304" pitchFamily="18" charset="0"/>
-              </a:rPr>
-              <a:t>Incentives</a:t>
-            </a:r>
-            <a:r>
-              <a:rPr sz="2200" dirty="0">
-                <a:solidFill>
-                  <a:srgbClr val="22373A"/>
-                </a:solidFill>
-                <a:latin typeface="Times New Roman" panose="02020603050405020304" pitchFamily="18" charset="0"/>
-                <a:cs typeface="Times New Roman" panose="02020603050405020304" pitchFamily="18" charset="0"/>
-              </a:rPr>
-              <a:t> (e.g., financial, malpractice, etc.)</a:t>
-            </a:r>
-            <a:endParaRPr lang="en-CA" sz="2200" dirty="0">
-              <a:solidFill>
-                <a:srgbClr val="22373A"/>
-              </a:solidFill>
-              <a:latin typeface="Times New Roman" panose="02020603050405020304" pitchFamily="18" charset="0"/>
-              <a:cs typeface="Times New Roman" panose="02020603050405020304" pitchFamily="18" charset="0"/>
-            </a:endParaRPr>
-          </a:p>
-          <a:p>
-            <a:pPr marL="673274" marR="10737" lvl="1" indent="-190574">
-              <a:spcBef>
-                <a:spcPts val="676"/>
-              </a:spcBef>
-              <a:buChar char="•"/>
-              <a:tabLst>
-                <a:tab pos="217416" algn="l"/>
-              </a:tabLst>
-            </a:pPr>
-            <a:r>
-              <a:rPr lang="en-CA" sz="2200" dirty="0">
-                <a:solidFill>
-                  <a:srgbClr val="22373A"/>
-                </a:solidFill>
-                <a:latin typeface="Times New Roman" panose="02020603050405020304" pitchFamily="18" charset="0"/>
-                <a:cs typeface="Times New Roman" panose="02020603050405020304" pitchFamily="18" charset="0"/>
-              </a:rPr>
-              <a:t>P</a:t>
-            </a:r>
-            <a:r>
-              <a:rPr sz="2200" dirty="0" err="1">
-                <a:solidFill>
-                  <a:srgbClr val="22373A"/>
-                </a:solidFill>
-                <a:latin typeface="Times New Roman" panose="02020603050405020304" pitchFamily="18" charset="0"/>
-                <a:cs typeface="Times New Roman" panose="02020603050405020304" pitchFamily="18" charset="0"/>
-              </a:rPr>
-              <a:t>rejudices</a:t>
-            </a:r>
-            <a:endParaRPr sz="2200" dirty="0">
-              <a:latin typeface="Times New Roman" panose="02020603050405020304" pitchFamily="18" charset="0"/>
-              <a:cs typeface="Times New Roman" panose="02020603050405020304" pitchFamily="18" charset="0"/>
-            </a:endParaRPr>
-          </a:p>
-        </p:txBody>
-      </p:sp>
-      <p:sp>
-        <p:nvSpPr>
-          <p:cNvPr id="7" name="object 7"/>
-          <p:cNvSpPr txBox="1"/>
-          <p:nvPr/>
-        </p:nvSpPr>
-        <p:spPr>
-          <a:xfrm>
-            <a:off x="11803331" y="6397071"/>
-            <a:ext cx="244258" cy="233063"/>
-          </a:xfrm>
-          <a:prstGeom prst="rect">
-            <a:avLst/>
-          </a:prstGeom>
-        </p:spPr>
-        <p:txBody>
-          <a:bodyPr vert="horz" wrap="square" lIns="0" tIns="37578" rIns="0" bIns="0" rtlCol="0">
-            <a:spAutoFit/>
-          </a:bodyPr>
-          <a:lstStyle/>
-          <a:p>
-            <a:pPr marL="80524">
-              <a:spcBef>
-                <a:spcPts val="296"/>
-              </a:spcBef>
-            </a:pPr>
-            <a:fld id="{81D60167-4931-47E6-BA6A-407CBD079E47}" type="slidenum">
-              <a:rPr sz="1268" spc="-201" dirty="0">
-                <a:solidFill>
-                  <a:srgbClr val="22373A"/>
-                </a:solidFill>
-                <a:latin typeface="Arial Black"/>
-                <a:cs typeface="Arial Black"/>
-              </a:rPr>
-              <a:pPr marL="80524">
-                <a:spcBef>
-                  <a:spcPts val="296"/>
-                </a:spcBef>
-              </a:pPr>
-              <a:t>4</a:t>
-            </a:fld>
-            <a:endParaRPr sz="1268">
-              <a:latin typeface="Arial Black"/>
-              <a:cs typeface="Arial Black"/>
-            </a:endParaRPr>
-          </a:p>
-        </p:txBody>
-      </p:sp>
-    </p:spTree>
-  </p:cSld>
-  <p:clrMapOvr>
-    <a:masterClrMapping/>
-  </p:clrMapOvr>
-  <p:transition>
-    <p:cut/>
-  </p:transition>
-</p:sld>
-</file>
-
-<file path=ppt/slides/slide40.xml><?xml version="1.0" encoding="utf-8"?>
+<file path=ppt/slides/slide41.xml><?xml version="1.0" encoding="utf-8"?>
 <p:sld xmlns:a="http://schemas.openxmlformats.org/drawingml/2006/main" xmlns:r="http://schemas.openxmlformats.org/officeDocument/2006/relationships" xmlns:p="http://schemas.openxmlformats.org/presentationml/2006/main">
   <p:cSld>
     <p:spTree>
@@ -27379,7 +27720,7 @@
 </p:sld>
 </file>
 
-<file path=ppt/slides/slide41.xml><?xml version="1.0" encoding="utf-8"?>
+<file path=ppt/slides/slide42.xml><?xml version="1.0" encoding="utf-8"?>
 <p:sld xmlns:a="http://schemas.openxmlformats.org/drawingml/2006/main" xmlns:r="http://schemas.openxmlformats.org/officeDocument/2006/relationships" xmlns:p="http://schemas.openxmlformats.org/presentationml/2006/main">
   <p:cSld>
     <p:spTree>
@@ -28405,7 +28746,7 @@
 </p:sld>
 </file>
 
-<file path=ppt/slides/slide42.xml><?xml version="1.0" encoding="utf-8"?>
+<file path=ppt/slides/slide43.xml><?xml version="1.0" encoding="utf-8"?>
 <p:sld xmlns:a="http://schemas.openxmlformats.org/drawingml/2006/main" xmlns:r="http://schemas.openxmlformats.org/officeDocument/2006/relationships" xmlns:p="http://schemas.openxmlformats.org/presentationml/2006/main">
   <p:cSld>
     <p:spTree>
@@ -28528,7 +28869,7 @@
 </p:sld>
 </file>
 
-<file path=ppt/slides/slide43.xml><?xml version="1.0" encoding="utf-8"?>
+<file path=ppt/slides/slide44.xml><?xml version="1.0" encoding="utf-8"?>
 <p:sld xmlns:a="http://schemas.openxmlformats.org/drawingml/2006/main" xmlns:r="http://schemas.openxmlformats.org/officeDocument/2006/relationships" xmlns:p="http://schemas.openxmlformats.org/presentationml/2006/main">
   <p:cSld>
     <p:spTree>
@@ -28897,198 +29238,6 @@
 </p:sld>
 </file>
 
-<file path=ppt/slides/slide44.xml><?xml version="1.0" encoding="utf-8"?>
-<p:sld xmlns:a="http://schemas.openxmlformats.org/drawingml/2006/main" xmlns:r="http://schemas.openxmlformats.org/officeDocument/2006/relationships" xmlns:p="http://schemas.openxmlformats.org/presentationml/2006/main">
-  <p:cSld>
-    <p:spTree>
-      <p:nvGrpSpPr>
-        <p:cNvPr id="1" name=""/>
-        <p:cNvGrpSpPr/>
-        <p:nvPr/>
-      </p:nvGrpSpPr>
-      <p:grpSpPr>
-        <a:xfrm>
-          <a:off x="0" y="0"/>
-          <a:ext cx="0" cy="0"/>
-          <a:chOff x="0" y="0"/>
-          <a:chExt cx="0" cy="0"/>
-        </a:xfrm>
-      </p:grpSpPr>
-      <p:sp>
-        <p:nvSpPr>
-          <p:cNvPr id="18434" name="Title 1"/>
-          <p:cNvSpPr>
-            <a:spLocks noGrp="1"/>
-          </p:cNvSpPr>
-          <p:nvPr>
-            <p:ph type="title" idx="4294967295"/>
-          </p:nvPr>
-        </p:nvSpPr>
-        <p:spPr>
-          <a:xfrm>
-            <a:off x="304800" y="-12700"/>
-            <a:ext cx="8229600" cy="927100"/>
-          </a:xfrm>
-          <a:noFill/>
-          <a:ln w="9525"/>
-          <a:extLst>
-            <a:ext uri="{909E8E84-426E-40DD-AFC4-6F175D3DCCD1}">
-              <a14:hiddenFill xmlns:a14="http://schemas.microsoft.com/office/drawing/2010/main">
-                <a:solidFill>
-                  <a:srgbClr val="FFFFFF"/>
-                </a:solidFill>
-              </a14:hiddenFill>
-            </a:ext>
-            <a:ext uri="{91240B29-F687-4F45-9708-019B960494DF}">
-              <a14:hiddenLine xmlns:a14="http://schemas.microsoft.com/office/drawing/2010/main" w="12700">
-                <a:solidFill>
-                  <a:srgbClr val="000000"/>
-                </a:solidFill>
-                <a:miter lim="800000"/>
-                <a:headEnd/>
-                <a:tailEnd/>
-              </a14:hiddenLine>
-            </a:ext>
-          </a:extLst>
-        </p:spPr>
-        <p:txBody>
-          <a:bodyPr>
-            <a:normAutofit/>
-          </a:bodyPr>
-          <a:lstStyle/>
-          <a:p>
-            <a:r>
-              <a:rPr lang="en-US" altLang="en-US" dirty="0">
-                <a:cs typeface="Times New Roman" panose="02020603050405020304" pitchFamily="18" charset="0"/>
-              </a:rPr>
-              <a:t>Internalizing the Social Optimum</a:t>
-            </a:r>
-          </a:p>
-        </p:txBody>
-      </p:sp>
-      <p:sp>
-        <p:nvSpPr>
-          <p:cNvPr id="17411" name="Content Placeholder 2"/>
-          <p:cNvSpPr>
-            <a:spLocks noGrp="1"/>
-          </p:cNvSpPr>
-          <p:nvPr>
-            <p:ph idx="4294967295"/>
-          </p:nvPr>
-        </p:nvSpPr>
-        <p:spPr>
-          <a:xfrm>
-            <a:off x="533400" y="914400"/>
-            <a:ext cx="10363199" cy="5384800"/>
-          </a:xfrm>
-        </p:spPr>
-        <p:txBody>
-          <a:bodyPr>
-            <a:normAutofit/>
-          </a:bodyPr>
-          <a:lstStyle/>
-          <a:p>
-            <a:pPr>
-              <a:spcBef>
-                <a:spcPts val="0"/>
-              </a:spcBef>
-              <a:defRPr/>
-            </a:pPr>
-            <a:r>
-              <a:rPr lang="en-CA" sz="2400" dirty="0">
-                <a:solidFill>
-                  <a:schemeClr val="tx1"/>
-                </a:solidFill>
-                <a:cs typeface="Times New Roman" panose="02020603050405020304" pitchFamily="18" charset="0"/>
-              </a:rPr>
-              <a:t>Do payment systems correctly lead physicians to </a:t>
-            </a:r>
-            <a:r>
-              <a:rPr lang="en-CA" sz="2400" i="1" dirty="0">
-                <a:solidFill>
-                  <a:schemeClr val="tx1"/>
-                </a:solidFill>
-                <a:cs typeface="Times New Roman" panose="02020603050405020304" pitchFamily="18" charset="0"/>
-              </a:rPr>
-              <a:t>internalize </a:t>
-            </a:r>
-            <a:r>
-              <a:rPr lang="en-CA" sz="2400" dirty="0">
-                <a:solidFill>
-                  <a:schemeClr val="tx1"/>
-                </a:solidFill>
-                <a:cs typeface="Times New Roman" panose="02020603050405020304" pitchFamily="18" charset="0"/>
-              </a:rPr>
-              <a:t>the social optima? </a:t>
-            </a:r>
-          </a:p>
-          <a:p>
-            <a:pPr>
-              <a:spcBef>
-                <a:spcPts val="0"/>
-              </a:spcBef>
-              <a:defRPr/>
-            </a:pPr>
-            <a:r>
-              <a:rPr lang="en-CA" sz="2400" dirty="0">
-                <a:cs typeface="Times New Roman" panose="02020603050405020304" pitchFamily="18" charset="0"/>
-              </a:rPr>
-              <a:t>Essentially, this is the fundamental problem of markets: do individual players act in a way that benefits the market? </a:t>
-            </a:r>
-          </a:p>
-          <a:p>
-            <a:pPr>
-              <a:spcBef>
-                <a:spcPts val="0"/>
-              </a:spcBef>
-              <a:defRPr/>
-            </a:pPr>
-            <a:r>
-              <a:rPr lang="en-CA" sz="2400" dirty="0">
-                <a:cs typeface="Times New Roman" panose="02020603050405020304" pitchFamily="18" charset="0"/>
-              </a:rPr>
-              <a:t>Ma and </a:t>
-            </a:r>
-            <a:r>
-              <a:rPr lang="en-CA" sz="2400" dirty="0" err="1">
-                <a:cs typeface="Times New Roman" panose="02020603050405020304" pitchFamily="18" charset="0"/>
-              </a:rPr>
-              <a:t>Mak</a:t>
-            </a:r>
-            <a:r>
-              <a:rPr lang="en-CA" sz="2400" dirty="0">
-                <a:cs typeface="Times New Roman" panose="02020603050405020304" pitchFamily="18" charset="0"/>
-              </a:rPr>
-              <a:t> call this the </a:t>
-            </a:r>
-            <a:r>
-              <a:rPr lang="en-CA" sz="2400" b="1" u="sng" dirty="0">
-                <a:cs typeface="Times New Roman" panose="02020603050405020304" pitchFamily="18" charset="0"/>
-              </a:rPr>
-              <a:t>internalization principle</a:t>
-            </a:r>
-            <a:endParaRPr lang="en-US" sz="2200" b="1" u="sng" dirty="0">
-              <a:solidFill>
-                <a:schemeClr val="tx1"/>
-              </a:solidFill>
-              <a:cs typeface="Times New Roman" panose="02020603050405020304" pitchFamily="18" charset="0"/>
-            </a:endParaRPr>
-          </a:p>
-        </p:txBody>
-      </p:sp>
-    </p:spTree>
-    <p:extLst>
-      <p:ext uri="{BB962C8B-B14F-4D97-AF65-F5344CB8AC3E}">
-        <p14:creationId xmlns:p14="http://schemas.microsoft.com/office/powerpoint/2010/main" val="486977207"/>
-      </p:ext>
-    </p:extLst>
-  </p:cSld>
-  <p:clrMapOvr>
-    <a:masterClrMapping/>
-  </p:clrMapOvr>
-</p:sld>
-</file>
-
 <file path=ppt/slides/slide45.xml><?xml version="1.0" encoding="utf-8"?>
 <p:sld xmlns:a="http://schemas.openxmlformats.org/drawingml/2006/main" xmlns:r="http://schemas.openxmlformats.org/officeDocument/2006/relationships" xmlns:p="http://schemas.openxmlformats.org/presentationml/2006/main">
   <p:cSld>
@@ -29259,6 +29408,198 @@
               </a:rPr>
               <a:t>internalization principle</a:t>
             </a:r>
+            <a:endParaRPr lang="en-US" sz="2200" b="1" u="sng" dirty="0">
+              <a:solidFill>
+                <a:schemeClr val="tx1"/>
+              </a:solidFill>
+              <a:cs typeface="Times New Roman" panose="02020603050405020304" pitchFamily="18" charset="0"/>
+            </a:endParaRPr>
+          </a:p>
+        </p:txBody>
+      </p:sp>
+    </p:spTree>
+    <p:extLst>
+      <p:ext uri="{BB962C8B-B14F-4D97-AF65-F5344CB8AC3E}">
+        <p14:creationId xmlns:p14="http://schemas.microsoft.com/office/powerpoint/2010/main" val="486977207"/>
+      </p:ext>
+    </p:extLst>
+  </p:cSld>
+  <p:clrMapOvr>
+    <a:masterClrMapping/>
+  </p:clrMapOvr>
+</p:sld>
+</file>
+
+<file path=ppt/slides/slide46.xml><?xml version="1.0" encoding="utf-8"?>
+<p:sld xmlns:a="http://schemas.openxmlformats.org/drawingml/2006/main" xmlns:r="http://schemas.openxmlformats.org/officeDocument/2006/relationships" xmlns:p="http://schemas.openxmlformats.org/presentationml/2006/main">
+  <p:cSld>
+    <p:spTree>
+      <p:nvGrpSpPr>
+        <p:cNvPr id="1" name=""/>
+        <p:cNvGrpSpPr/>
+        <p:nvPr/>
+      </p:nvGrpSpPr>
+      <p:grpSpPr>
+        <a:xfrm>
+          <a:off x="0" y="0"/>
+          <a:ext cx="0" cy="0"/>
+          <a:chOff x="0" y="0"/>
+          <a:chExt cx="0" cy="0"/>
+        </a:xfrm>
+      </p:grpSpPr>
+      <p:sp>
+        <p:nvSpPr>
+          <p:cNvPr id="18434" name="Title 1"/>
+          <p:cNvSpPr>
+            <a:spLocks noGrp="1"/>
+          </p:cNvSpPr>
+          <p:nvPr>
+            <p:ph type="title" idx="4294967295"/>
+          </p:nvPr>
+        </p:nvSpPr>
+        <p:spPr>
+          <a:xfrm>
+            <a:off x="304800" y="-12700"/>
+            <a:ext cx="8229600" cy="927100"/>
+          </a:xfrm>
+          <a:noFill/>
+          <a:ln w="9525"/>
+          <a:extLst>
+            <a:ext uri="{909E8E84-426E-40DD-AFC4-6F175D3DCCD1}">
+              <a14:hiddenFill xmlns:a14="http://schemas.microsoft.com/office/drawing/2010/main">
+                <a:solidFill>
+                  <a:srgbClr val="FFFFFF"/>
+                </a:solidFill>
+              </a14:hiddenFill>
+            </a:ext>
+            <a:ext uri="{91240B29-F687-4F45-9708-019B960494DF}">
+              <a14:hiddenLine xmlns:a14="http://schemas.microsoft.com/office/drawing/2010/main" w="12700">
+                <a:solidFill>
+                  <a:srgbClr val="000000"/>
+                </a:solidFill>
+                <a:miter lim="800000"/>
+                <a:headEnd/>
+                <a:tailEnd/>
+              </a14:hiddenLine>
+            </a:ext>
+          </a:extLst>
+        </p:spPr>
+        <p:txBody>
+          <a:bodyPr>
+            <a:normAutofit/>
+          </a:bodyPr>
+          <a:lstStyle/>
+          <a:p>
+            <a:r>
+              <a:rPr lang="en-US" altLang="en-US" dirty="0">
+                <a:cs typeface="Times New Roman" panose="02020603050405020304" pitchFamily="18" charset="0"/>
+              </a:rPr>
+              <a:t>Internalizing the Social Optimum</a:t>
+            </a:r>
+          </a:p>
+        </p:txBody>
+      </p:sp>
+      <p:sp>
+        <p:nvSpPr>
+          <p:cNvPr id="17411" name="Content Placeholder 2"/>
+          <p:cNvSpPr>
+            <a:spLocks noGrp="1"/>
+          </p:cNvSpPr>
+          <p:nvPr>
+            <p:ph idx="4294967295"/>
+          </p:nvPr>
+        </p:nvSpPr>
+        <p:spPr>
+          <a:xfrm>
+            <a:off x="533400" y="914400"/>
+            <a:ext cx="10363199" cy="5384800"/>
+          </a:xfrm>
+        </p:spPr>
+        <p:txBody>
+          <a:bodyPr>
+            <a:normAutofit/>
+          </a:bodyPr>
+          <a:lstStyle/>
+          <a:p>
+            <a:pPr>
+              <a:spcBef>
+                <a:spcPts val="0"/>
+              </a:spcBef>
+              <a:defRPr/>
+            </a:pPr>
+            <a:r>
+              <a:rPr lang="en-CA" sz="2400" dirty="0">
+                <a:solidFill>
+                  <a:schemeClr val="tx1"/>
+                </a:solidFill>
+                <a:cs typeface="Times New Roman" panose="02020603050405020304" pitchFamily="18" charset="0"/>
+              </a:rPr>
+              <a:t>Do payment systems correctly lead physicians to </a:t>
+            </a:r>
+            <a:r>
+              <a:rPr lang="en-CA" sz="2400" i="1" dirty="0">
+                <a:solidFill>
+                  <a:schemeClr val="tx1"/>
+                </a:solidFill>
+                <a:cs typeface="Times New Roman" panose="02020603050405020304" pitchFamily="18" charset="0"/>
+              </a:rPr>
+              <a:t>internalize </a:t>
+            </a:r>
+            <a:r>
+              <a:rPr lang="en-CA" sz="2400" dirty="0">
+                <a:solidFill>
+                  <a:schemeClr val="tx1"/>
+                </a:solidFill>
+                <a:cs typeface="Times New Roman" panose="02020603050405020304" pitchFamily="18" charset="0"/>
+              </a:rPr>
+              <a:t>the social optima? </a:t>
+            </a:r>
+          </a:p>
+          <a:p>
+            <a:pPr>
+              <a:spcBef>
+                <a:spcPts val="0"/>
+              </a:spcBef>
+              <a:defRPr/>
+            </a:pPr>
+            <a:r>
+              <a:rPr lang="en-CA" sz="2400" dirty="0">
+                <a:cs typeface="Times New Roman" panose="02020603050405020304" pitchFamily="18" charset="0"/>
+              </a:rPr>
+              <a:t>Essentially, this is the fundamental problem of markets: do individual players act in a way that benefits the market? </a:t>
+            </a:r>
+          </a:p>
+          <a:p>
+            <a:pPr>
+              <a:spcBef>
+                <a:spcPts val="0"/>
+              </a:spcBef>
+              <a:defRPr/>
+            </a:pPr>
+            <a:r>
+              <a:rPr lang="en-CA" sz="2400" dirty="0">
+                <a:cs typeface="Times New Roman" panose="02020603050405020304" pitchFamily="18" charset="0"/>
+              </a:rPr>
+              <a:t>Ma and </a:t>
+            </a:r>
+            <a:r>
+              <a:rPr lang="en-CA" sz="2400" dirty="0" err="1">
+                <a:cs typeface="Times New Roman" panose="02020603050405020304" pitchFamily="18" charset="0"/>
+              </a:rPr>
+              <a:t>Mak</a:t>
+            </a:r>
+            <a:r>
+              <a:rPr lang="en-CA" sz="2400" dirty="0">
+                <a:cs typeface="Times New Roman" panose="02020603050405020304" pitchFamily="18" charset="0"/>
+              </a:rPr>
+              <a:t> call this the </a:t>
+            </a:r>
+            <a:r>
+              <a:rPr lang="en-CA" sz="2400" b="1" u="sng" dirty="0">
+                <a:cs typeface="Times New Roman" panose="02020603050405020304" pitchFamily="18" charset="0"/>
+              </a:rPr>
+              <a:t>internalization principle</a:t>
+            </a:r>
           </a:p>
           <a:p>
             <a:pPr>
@@ -29360,7 +29701,7 @@
 </p:sld>
 </file>
 
-<file path=ppt/slides/slide46.xml><?xml version="1.0" encoding="utf-8"?>
+<file path=ppt/slides/slide47.xml><?xml version="1.0" encoding="utf-8"?>
 <p:sld xmlns:a="http://schemas.openxmlformats.org/drawingml/2006/main" xmlns:r="http://schemas.openxmlformats.org/officeDocument/2006/relationships" xmlns:p="http://schemas.openxmlformats.org/presentationml/2006/main">
   <p:cSld>
     <p:spTree>
@@ -29841,7 +30182,7 @@
 </p:sld>
 </file>
 
-<file path=ppt/slides/slide47.xml><?xml version="1.0" encoding="utf-8"?>
+<file path=ppt/slides/slide48.xml><?xml version="1.0" encoding="utf-8"?>
 <p:sld xmlns:a="http://schemas.openxmlformats.org/drawingml/2006/main" xmlns:r="http://schemas.openxmlformats.org/officeDocument/2006/relationships" xmlns:p="http://schemas.openxmlformats.org/presentationml/2006/main">
   <p:cSld>
     <p:spTree>
@@ -30608,7 +30949,7 @@
 </p:sld>
 </file>
 
-<file path=ppt/slides/slide48.xml><?xml version="1.0" encoding="utf-8"?>
+<file path=ppt/slides/slide49.xml><?xml version="1.0" encoding="utf-8"?>
 <p:sld xmlns:a="http://schemas.openxmlformats.org/drawingml/2006/main" xmlns:r="http://schemas.openxmlformats.org/officeDocument/2006/relationships" xmlns:p="http://schemas.openxmlformats.org/presentationml/2006/main">
   <p:cSld>
     <p:spTree>
@@ -31361,7 +31702,431 @@
 </p:sld>
 </file>
 
-<file path=ppt/slides/slide49.xml><?xml version="1.0" encoding="utf-8"?>
+<file path=ppt/slides/slide5.xml><?xml version="1.0" encoding="utf-8"?>
+<p:sld xmlns:a="http://schemas.openxmlformats.org/drawingml/2006/main" xmlns:r="http://schemas.openxmlformats.org/officeDocument/2006/relationships" xmlns:p="http://schemas.openxmlformats.org/presentationml/2006/main">
+  <p:cSld>
+    <p:spTree>
+      <p:nvGrpSpPr>
+        <p:cNvPr id="1" name=""/>
+        <p:cNvGrpSpPr/>
+        <p:nvPr/>
+      </p:nvGrpSpPr>
+      <p:grpSpPr>
+        <a:xfrm>
+          <a:off x="0" y="0"/>
+          <a:ext cx="0" cy="0"/>
+          <a:chOff x="0" y="0"/>
+          <a:chExt cx="0" cy="0"/>
+        </a:xfrm>
+      </p:grpSpPr>
+      <p:sp>
+        <p:nvSpPr>
+          <p:cNvPr id="2" name="object 2"/>
+          <p:cNvSpPr txBox="1">
+            <a:spLocks noGrp="1"/>
+          </p:cNvSpPr>
+          <p:nvPr>
+            <p:ph type="title"/>
+          </p:nvPr>
+        </p:nvSpPr>
+        <p:spPr>
+          <a:xfrm>
+            <a:off x="304800" y="304800"/>
+            <a:ext cx="6951582" cy="702856"/>
+          </a:xfrm>
+          <a:prstGeom prst="rect">
+            <a:avLst/>
+          </a:prstGeom>
+        </p:spPr>
+        <p:txBody>
+          <a:bodyPr vert="horz" wrap="square" lIns="0" tIns="25499" rIns="0" bIns="0" rtlCol="0" anchor="b">
+            <a:spAutoFit/>
+          </a:bodyPr>
+          <a:lstStyle/>
+          <a:p>
+            <a:pPr marL="26841">
+              <a:lnSpc>
+                <a:spcPct val="100000"/>
+              </a:lnSpc>
+              <a:spcBef>
+                <a:spcPts val="201"/>
+              </a:spcBef>
+            </a:pPr>
+            <a:r>
+              <a:rPr dirty="0"/>
+              <a:t>Why </a:t>
+            </a:r>
+            <a:r>
+              <a:rPr spc="95" dirty="0"/>
+              <a:t>study</a:t>
+            </a:r>
+            <a:r>
+              <a:rPr spc="116" dirty="0"/>
+              <a:t> </a:t>
+            </a:r>
+            <a:r>
+              <a:rPr spc="85" dirty="0"/>
+              <a:t>physicians?</a:t>
+            </a:r>
+          </a:p>
+        </p:txBody>
+      </p:sp>
+      <p:sp>
+        <p:nvSpPr>
+          <p:cNvPr id="6" name="object 6"/>
+          <p:cNvSpPr txBox="1"/>
+          <p:nvPr/>
+        </p:nvSpPr>
+        <p:spPr>
+          <a:xfrm>
+            <a:off x="457200" y="1066800"/>
+            <a:ext cx="10790298" cy="4336478"/>
+          </a:xfrm>
+          <a:prstGeom prst="rect">
+            <a:avLst/>
+          </a:prstGeom>
+        </p:spPr>
+        <p:txBody>
+          <a:bodyPr vert="horz" wrap="square" lIns="0" tIns="154339" rIns="0" bIns="0" rtlCol="0">
+            <a:spAutoFit/>
+          </a:bodyPr>
+          <a:lstStyle/>
+          <a:p>
+            <a:pPr marL="216074" indent="-190574">
+              <a:spcBef>
+                <a:spcPts val="1215"/>
+              </a:spcBef>
+              <a:buChar char="•"/>
+              <a:tabLst>
+                <a:tab pos="217416" algn="l"/>
+              </a:tabLst>
+            </a:pPr>
+            <a:r>
+              <a:rPr sz="2200" dirty="0">
+                <a:solidFill>
+                  <a:srgbClr val="22373A"/>
+                </a:solidFill>
+                <a:latin typeface="Times New Roman" panose="02020603050405020304" pitchFamily="18" charset="0"/>
+                <a:cs typeface="Times New Roman" panose="02020603050405020304" pitchFamily="18" charset="0"/>
+              </a:rPr>
+              <a:t>Usually the first healthcare provider we are exposed to in the healthcare sector</a:t>
+            </a:r>
+            <a:endParaRPr sz="2200" dirty="0">
+              <a:latin typeface="Times New Roman" panose="02020603050405020304" pitchFamily="18" charset="0"/>
+              <a:cs typeface="Times New Roman" panose="02020603050405020304" pitchFamily="18" charset="0"/>
+            </a:endParaRPr>
+          </a:p>
+          <a:p>
+            <a:pPr marL="216074" indent="-190574">
+              <a:spcBef>
+                <a:spcPts val="993"/>
+              </a:spcBef>
+              <a:buChar char="•"/>
+              <a:tabLst>
+                <a:tab pos="217416" algn="l"/>
+              </a:tabLst>
+            </a:pPr>
+            <a:r>
+              <a:rPr sz="2200" dirty="0">
+                <a:solidFill>
+                  <a:srgbClr val="22373A"/>
+                </a:solidFill>
+                <a:latin typeface="Times New Roman" panose="02020603050405020304" pitchFamily="18" charset="0"/>
+                <a:cs typeface="Times New Roman" panose="02020603050405020304" pitchFamily="18" charset="0"/>
+              </a:rPr>
+              <a:t>In Canada, they are the “gatekeeper” to many specialty services</a:t>
+            </a:r>
+            <a:endParaRPr sz="2200" dirty="0">
+              <a:latin typeface="Times New Roman" panose="02020603050405020304" pitchFamily="18" charset="0"/>
+              <a:cs typeface="Times New Roman" panose="02020603050405020304" pitchFamily="18" charset="0"/>
+            </a:endParaRPr>
+          </a:p>
+          <a:p>
+            <a:pPr marL="216074" indent="-190574">
+              <a:spcBef>
+                <a:spcPts val="528"/>
+              </a:spcBef>
+              <a:buChar char="•"/>
+              <a:tabLst>
+                <a:tab pos="217416" algn="l"/>
+              </a:tabLst>
+            </a:pPr>
+            <a:r>
+              <a:rPr sz="2200" dirty="0">
+                <a:solidFill>
+                  <a:srgbClr val="22373A"/>
+                </a:solidFill>
+                <a:latin typeface="Times New Roman" panose="02020603050405020304" pitchFamily="18" charset="0"/>
+                <a:cs typeface="Times New Roman" panose="02020603050405020304" pitchFamily="18" charset="0"/>
+              </a:rPr>
+              <a:t>Their decisions matter!</a:t>
+            </a:r>
+            <a:endParaRPr sz="2200" dirty="0">
+              <a:latin typeface="Times New Roman" panose="02020603050405020304" pitchFamily="18" charset="0"/>
+              <a:cs typeface="Times New Roman" panose="02020603050405020304" pitchFamily="18" charset="0"/>
+            </a:endParaRPr>
+          </a:p>
+          <a:p>
+            <a:pPr marL="696536" lvl="1" indent="-182522">
+              <a:spcBef>
+                <a:spcPts val="528"/>
+              </a:spcBef>
+              <a:buChar char="•"/>
+              <a:tabLst>
+                <a:tab pos="697878" algn="l"/>
+              </a:tabLst>
+            </a:pPr>
+            <a:r>
+              <a:rPr sz="2200" dirty="0">
+                <a:solidFill>
+                  <a:srgbClr val="22373A"/>
+                </a:solidFill>
+                <a:latin typeface="Times New Roman" panose="02020603050405020304" pitchFamily="18" charset="0"/>
+                <a:cs typeface="Times New Roman" panose="02020603050405020304" pitchFamily="18" charset="0"/>
+              </a:rPr>
+              <a:t>Order tests, interpret results, decide appropriate action</a:t>
+            </a:r>
+            <a:endParaRPr sz="2200" dirty="0">
+              <a:latin typeface="Times New Roman" panose="02020603050405020304" pitchFamily="18" charset="0"/>
+              <a:cs typeface="Times New Roman" panose="02020603050405020304" pitchFamily="18" charset="0"/>
+            </a:endParaRPr>
+          </a:p>
+          <a:p>
+            <a:pPr marL="216074" marR="10737" indent="-190574">
+              <a:spcBef>
+                <a:spcPts val="676"/>
+              </a:spcBef>
+              <a:buChar char="•"/>
+              <a:tabLst>
+                <a:tab pos="217416" algn="l"/>
+              </a:tabLst>
+            </a:pPr>
+            <a:r>
+              <a:rPr sz="2200" dirty="0">
+                <a:solidFill>
+                  <a:srgbClr val="22373A"/>
+                </a:solidFill>
+                <a:latin typeface="Times New Roman" panose="02020603050405020304" pitchFamily="18" charset="0"/>
+                <a:cs typeface="Times New Roman" panose="02020603050405020304" pitchFamily="18" charset="0"/>
+              </a:rPr>
+              <a:t>Physicians possess more (but incomplete) information than the patient</a:t>
+            </a:r>
+            <a:endParaRPr lang="en-CA" sz="2200" dirty="0">
+              <a:solidFill>
+                <a:srgbClr val="22373A"/>
+              </a:solidFill>
+              <a:latin typeface="Times New Roman" panose="02020603050405020304" pitchFamily="18" charset="0"/>
+              <a:cs typeface="Times New Roman" panose="02020603050405020304" pitchFamily="18" charset="0"/>
+            </a:endParaRPr>
+          </a:p>
+          <a:p>
+            <a:pPr marL="216074" marR="10737" indent="-190574">
+              <a:spcBef>
+                <a:spcPts val="676"/>
+              </a:spcBef>
+              <a:buChar char="•"/>
+              <a:tabLst>
+                <a:tab pos="217416" algn="l"/>
+              </a:tabLst>
+            </a:pPr>
+            <a:r>
+              <a:rPr lang="en-CA" sz="2200" dirty="0">
+                <a:solidFill>
+                  <a:srgbClr val="22373A"/>
+                </a:solidFill>
+                <a:latin typeface="Times New Roman" panose="02020603050405020304" pitchFamily="18" charset="0"/>
+                <a:cs typeface="Times New Roman" panose="02020603050405020304" pitchFamily="18" charset="0"/>
+              </a:rPr>
+              <a:t>But they also respond to: </a:t>
+            </a:r>
+          </a:p>
+          <a:p>
+            <a:pPr marL="673274" marR="10737" lvl="1" indent="-190574">
+              <a:spcBef>
+                <a:spcPts val="676"/>
+              </a:spcBef>
+              <a:buChar char="•"/>
+              <a:tabLst>
+                <a:tab pos="217416" algn="l"/>
+              </a:tabLst>
+            </a:pPr>
+            <a:r>
+              <a:rPr lang="en-CA" sz="2200" dirty="0">
+                <a:solidFill>
+                  <a:srgbClr val="22373A"/>
+                </a:solidFill>
+                <a:latin typeface="Times New Roman" panose="02020603050405020304" pitchFamily="18" charset="0"/>
+                <a:cs typeface="Times New Roman" panose="02020603050405020304" pitchFamily="18" charset="0"/>
+              </a:rPr>
+              <a:t>Heuristics</a:t>
+            </a:r>
+          </a:p>
+          <a:p>
+            <a:pPr marL="673274" marR="10737" lvl="1" indent="-190574">
+              <a:spcBef>
+                <a:spcPts val="676"/>
+              </a:spcBef>
+              <a:buChar char="•"/>
+              <a:tabLst>
+                <a:tab pos="217416" algn="l"/>
+              </a:tabLst>
+            </a:pPr>
+            <a:r>
+              <a:rPr lang="en-CA" sz="2200" dirty="0">
+                <a:solidFill>
+                  <a:srgbClr val="22373A"/>
+                </a:solidFill>
+                <a:latin typeface="Times New Roman" panose="02020603050405020304" pitchFamily="18" charset="0"/>
+                <a:cs typeface="Times New Roman" panose="02020603050405020304" pitchFamily="18" charset="0"/>
+              </a:rPr>
+              <a:t>Patient risk </a:t>
+            </a:r>
+            <a:r>
+              <a:rPr lang="en-CA" sz="2200" i="1" dirty="0">
+                <a:solidFill>
+                  <a:srgbClr val="22373A"/>
+                </a:solidFill>
+                <a:latin typeface="Times New Roman" panose="02020603050405020304" pitchFamily="18" charset="0"/>
+                <a:cs typeface="Times New Roman" panose="02020603050405020304" pitchFamily="18" charset="0"/>
+              </a:rPr>
+              <a:t>proxies</a:t>
+            </a:r>
+          </a:p>
+          <a:p>
+            <a:pPr marL="673274" marR="10737" lvl="1" indent="-190574">
+              <a:spcBef>
+                <a:spcPts val="676"/>
+              </a:spcBef>
+              <a:buChar char="•"/>
+              <a:tabLst>
+                <a:tab pos="217416" algn="l"/>
+              </a:tabLst>
+            </a:pPr>
+            <a:r>
+              <a:rPr lang="en-CA" sz="2200" dirty="0">
+                <a:solidFill>
+                  <a:srgbClr val="22373A"/>
+                </a:solidFill>
+                <a:latin typeface="Times New Roman" panose="02020603050405020304" pitchFamily="18" charset="0"/>
+                <a:cs typeface="Times New Roman" panose="02020603050405020304" pitchFamily="18" charset="0"/>
+              </a:rPr>
+              <a:t>Incentives</a:t>
+            </a:r>
+            <a:r>
+              <a:rPr sz="2200" dirty="0">
+                <a:solidFill>
+                  <a:srgbClr val="22373A"/>
+                </a:solidFill>
+                <a:latin typeface="Times New Roman" panose="02020603050405020304" pitchFamily="18" charset="0"/>
+                <a:cs typeface="Times New Roman" panose="02020603050405020304" pitchFamily="18" charset="0"/>
+              </a:rPr>
+              <a:t> (e.g., financial, malpractice, etc.)</a:t>
+            </a:r>
+            <a:endParaRPr lang="en-CA" sz="2200" dirty="0">
+              <a:solidFill>
+                <a:srgbClr val="22373A"/>
+              </a:solidFill>
+              <a:latin typeface="Times New Roman" panose="02020603050405020304" pitchFamily="18" charset="0"/>
+              <a:cs typeface="Times New Roman" panose="02020603050405020304" pitchFamily="18" charset="0"/>
+            </a:endParaRPr>
+          </a:p>
+          <a:p>
+            <a:pPr marL="673274" marR="10737" lvl="1" indent="-190574">
+              <a:spcBef>
+                <a:spcPts val="676"/>
+              </a:spcBef>
+              <a:buChar char="•"/>
+              <a:tabLst>
+                <a:tab pos="217416" algn="l"/>
+              </a:tabLst>
+            </a:pPr>
+            <a:r>
+              <a:rPr lang="en-CA" sz="2200" dirty="0">
+                <a:solidFill>
+                  <a:srgbClr val="22373A"/>
+                </a:solidFill>
+                <a:latin typeface="Times New Roman" panose="02020603050405020304" pitchFamily="18" charset="0"/>
+                <a:cs typeface="Times New Roman" panose="02020603050405020304" pitchFamily="18" charset="0"/>
+              </a:rPr>
+              <a:t>P</a:t>
+            </a:r>
+            <a:r>
+              <a:rPr sz="2200" dirty="0" err="1">
+                <a:solidFill>
+                  <a:srgbClr val="22373A"/>
+                </a:solidFill>
+                <a:latin typeface="Times New Roman" panose="02020603050405020304" pitchFamily="18" charset="0"/>
+                <a:cs typeface="Times New Roman" panose="02020603050405020304" pitchFamily="18" charset="0"/>
+              </a:rPr>
+              <a:t>rejudices</a:t>
+            </a:r>
+            <a:endParaRPr sz="2200" dirty="0">
+              <a:latin typeface="Times New Roman" panose="02020603050405020304" pitchFamily="18" charset="0"/>
+              <a:cs typeface="Times New Roman" panose="02020603050405020304" pitchFamily="18" charset="0"/>
+            </a:endParaRPr>
+          </a:p>
+        </p:txBody>
+      </p:sp>
+      <p:sp>
+        <p:nvSpPr>
+          <p:cNvPr id="7" name="object 7"/>
+          <p:cNvSpPr txBox="1"/>
+          <p:nvPr/>
+        </p:nvSpPr>
+        <p:spPr>
+          <a:xfrm>
+            <a:off x="11803331" y="6397071"/>
+            <a:ext cx="244258" cy="233063"/>
+          </a:xfrm>
+          <a:prstGeom prst="rect">
+            <a:avLst/>
+          </a:prstGeom>
+        </p:spPr>
+        <p:txBody>
+          <a:bodyPr vert="horz" wrap="square" lIns="0" tIns="37578" rIns="0" bIns="0" rtlCol="0">
+            <a:spAutoFit/>
+          </a:bodyPr>
+          <a:lstStyle/>
+          <a:p>
+            <a:pPr marL="80524">
+              <a:spcBef>
+                <a:spcPts val="296"/>
+              </a:spcBef>
+            </a:pPr>
+            <a:fld id="{81D60167-4931-47E6-BA6A-407CBD079E47}" type="slidenum">
+              <a:rPr sz="1268" spc="-201" dirty="0">
+                <a:solidFill>
+                  <a:srgbClr val="22373A"/>
+                </a:solidFill>
+                <a:latin typeface="Arial Black"/>
+                <a:cs typeface="Arial Black"/>
+              </a:rPr>
+              <a:pPr marL="80524">
+                <a:spcBef>
+                  <a:spcPts val="296"/>
+                </a:spcBef>
+              </a:pPr>
+              <a:t>5</a:t>
+            </a:fld>
+            <a:endParaRPr sz="1268">
+              <a:latin typeface="Arial Black"/>
+              <a:cs typeface="Arial Black"/>
+            </a:endParaRPr>
+          </a:p>
+        </p:txBody>
+      </p:sp>
+    </p:spTree>
+  </p:cSld>
+  <p:clrMapOvr>
+    <a:masterClrMapping/>
+  </p:clrMapOvr>
+  <p:transition>
+    <p:cut/>
+  </p:transition>
+</p:sld>
+</file>
+
+<file path=ppt/slides/slide50.xml><?xml version="1.0" encoding="utf-8"?>
 <p:sld xmlns:a="http://schemas.openxmlformats.org/drawingml/2006/main" xmlns:r="http://schemas.openxmlformats.org/officeDocument/2006/relationships" xmlns:p="http://schemas.openxmlformats.org/presentationml/2006/main">
   <p:cSld>
     <p:spTree>
@@ -32465,456 +33230,7 @@
 </p:sld>
 </file>
 
-<file path=ppt/slides/slide5.xml><?xml version="1.0" encoding="utf-8"?>
-<p:sld xmlns:a="http://schemas.openxmlformats.org/drawingml/2006/main" xmlns:r="http://schemas.openxmlformats.org/officeDocument/2006/relationships" xmlns:p="http://schemas.openxmlformats.org/presentationml/2006/main">
-  <p:cSld>
-    <p:spTree>
-      <p:nvGrpSpPr>
-        <p:cNvPr id="1" name=""/>
-        <p:cNvGrpSpPr/>
-        <p:nvPr/>
-      </p:nvGrpSpPr>
-      <p:grpSpPr>
-        <a:xfrm>
-          <a:off x="0" y="0"/>
-          <a:ext cx="0" cy="0"/>
-          <a:chOff x="0" y="0"/>
-          <a:chExt cx="0" cy="0"/>
-        </a:xfrm>
-      </p:grpSpPr>
-      <p:sp>
-        <p:nvSpPr>
-          <p:cNvPr id="2" name="object 2"/>
-          <p:cNvSpPr txBox="1">
-            <a:spLocks noGrp="1"/>
-          </p:cNvSpPr>
-          <p:nvPr>
-            <p:ph type="title"/>
-          </p:nvPr>
-        </p:nvSpPr>
-        <p:spPr>
-          <a:xfrm>
-            <a:off x="304800" y="304800"/>
-            <a:ext cx="6951582" cy="702856"/>
-          </a:xfrm>
-          <a:prstGeom prst="rect">
-            <a:avLst/>
-          </a:prstGeom>
-        </p:spPr>
-        <p:txBody>
-          <a:bodyPr vert="horz" wrap="square" lIns="0" tIns="25499" rIns="0" bIns="0" rtlCol="0" anchor="b">
-            <a:spAutoFit/>
-          </a:bodyPr>
-          <a:lstStyle/>
-          <a:p>
-            <a:pPr marL="26841">
-              <a:lnSpc>
-                <a:spcPct val="100000"/>
-              </a:lnSpc>
-              <a:spcBef>
-                <a:spcPts val="201"/>
-              </a:spcBef>
-            </a:pPr>
-            <a:r>
-              <a:rPr dirty="0"/>
-              <a:t>Why </a:t>
-            </a:r>
-            <a:r>
-              <a:rPr spc="95" dirty="0"/>
-              <a:t>study</a:t>
-            </a:r>
-            <a:r>
-              <a:rPr spc="116" dirty="0"/>
-              <a:t> </a:t>
-            </a:r>
-            <a:r>
-              <a:rPr spc="85" dirty="0"/>
-              <a:t>physicians?</a:t>
-            </a:r>
-          </a:p>
-        </p:txBody>
-      </p:sp>
-      <p:sp>
-        <p:nvSpPr>
-          <p:cNvPr id="6" name="object 6"/>
-          <p:cNvSpPr txBox="1"/>
-          <p:nvPr/>
-        </p:nvSpPr>
-        <p:spPr>
-          <a:xfrm>
-            <a:off x="457200" y="1066800"/>
-            <a:ext cx="10790298" cy="4336478"/>
-          </a:xfrm>
-          <a:prstGeom prst="rect">
-            <a:avLst/>
-          </a:prstGeom>
-        </p:spPr>
-        <p:txBody>
-          <a:bodyPr vert="horz" wrap="square" lIns="0" tIns="154339" rIns="0" bIns="0" rtlCol="0">
-            <a:spAutoFit/>
-          </a:bodyPr>
-          <a:lstStyle/>
-          <a:p>
-            <a:pPr marL="216074" indent="-190574">
-              <a:spcBef>
-                <a:spcPts val="1215"/>
-              </a:spcBef>
-              <a:buChar char="•"/>
-              <a:tabLst>
-                <a:tab pos="217416" algn="l"/>
-              </a:tabLst>
-            </a:pPr>
-            <a:r>
-              <a:rPr sz="2200" dirty="0">
-                <a:solidFill>
-                  <a:srgbClr val="22373A"/>
-                </a:solidFill>
-                <a:latin typeface="Times New Roman" panose="02020603050405020304" pitchFamily="18" charset="0"/>
-                <a:cs typeface="Times New Roman" panose="02020603050405020304" pitchFamily="18" charset="0"/>
-              </a:rPr>
-              <a:t>Usually the first healthcare provider we are exposed to in the healthcare sector</a:t>
-            </a:r>
-            <a:endParaRPr sz="2200" dirty="0">
-              <a:latin typeface="Times New Roman" panose="02020603050405020304" pitchFamily="18" charset="0"/>
-              <a:cs typeface="Times New Roman" panose="02020603050405020304" pitchFamily="18" charset="0"/>
-            </a:endParaRPr>
-          </a:p>
-          <a:p>
-            <a:pPr marL="216074" indent="-190574">
-              <a:spcBef>
-                <a:spcPts val="993"/>
-              </a:spcBef>
-              <a:buChar char="•"/>
-              <a:tabLst>
-                <a:tab pos="217416" algn="l"/>
-              </a:tabLst>
-            </a:pPr>
-            <a:r>
-              <a:rPr sz="2200" dirty="0">
-                <a:solidFill>
-                  <a:srgbClr val="22373A"/>
-                </a:solidFill>
-                <a:latin typeface="Times New Roman" panose="02020603050405020304" pitchFamily="18" charset="0"/>
-                <a:cs typeface="Times New Roman" panose="02020603050405020304" pitchFamily="18" charset="0"/>
-              </a:rPr>
-              <a:t>In Canada, they are the “gatekeeper” to many specialty services</a:t>
-            </a:r>
-            <a:endParaRPr sz="2200" dirty="0">
-              <a:latin typeface="Times New Roman" panose="02020603050405020304" pitchFamily="18" charset="0"/>
-              <a:cs typeface="Times New Roman" panose="02020603050405020304" pitchFamily="18" charset="0"/>
-            </a:endParaRPr>
-          </a:p>
-          <a:p>
-            <a:pPr marL="216074" indent="-190574">
-              <a:spcBef>
-                <a:spcPts val="528"/>
-              </a:spcBef>
-              <a:buChar char="•"/>
-              <a:tabLst>
-                <a:tab pos="217416" algn="l"/>
-              </a:tabLst>
-            </a:pPr>
-            <a:r>
-              <a:rPr sz="2200" dirty="0">
-                <a:solidFill>
-                  <a:srgbClr val="22373A"/>
-                </a:solidFill>
-                <a:latin typeface="Times New Roman" panose="02020603050405020304" pitchFamily="18" charset="0"/>
-                <a:cs typeface="Times New Roman" panose="02020603050405020304" pitchFamily="18" charset="0"/>
-              </a:rPr>
-              <a:t>Their decisions matter!</a:t>
-            </a:r>
-            <a:endParaRPr sz="2200" dirty="0">
-              <a:latin typeface="Times New Roman" panose="02020603050405020304" pitchFamily="18" charset="0"/>
-              <a:cs typeface="Times New Roman" panose="02020603050405020304" pitchFamily="18" charset="0"/>
-            </a:endParaRPr>
-          </a:p>
-          <a:p>
-            <a:pPr marL="696536" lvl="1" indent="-182522">
-              <a:spcBef>
-                <a:spcPts val="528"/>
-              </a:spcBef>
-              <a:buChar char="•"/>
-              <a:tabLst>
-                <a:tab pos="697878" algn="l"/>
-              </a:tabLst>
-            </a:pPr>
-            <a:r>
-              <a:rPr sz="2200" dirty="0">
-                <a:solidFill>
-                  <a:srgbClr val="22373A"/>
-                </a:solidFill>
-                <a:latin typeface="Times New Roman" panose="02020603050405020304" pitchFamily="18" charset="0"/>
-                <a:cs typeface="Times New Roman" panose="02020603050405020304" pitchFamily="18" charset="0"/>
-              </a:rPr>
-              <a:t>Order tests, interpret results, decide appropriate action</a:t>
-            </a:r>
-            <a:endParaRPr sz="2200" dirty="0">
-              <a:latin typeface="Times New Roman" panose="02020603050405020304" pitchFamily="18" charset="0"/>
-              <a:cs typeface="Times New Roman" panose="02020603050405020304" pitchFamily="18" charset="0"/>
-            </a:endParaRPr>
-          </a:p>
-          <a:p>
-            <a:pPr marL="216074" marR="10737" indent="-190574">
-              <a:spcBef>
-                <a:spcPts val="676"/>
-              </a:spcBef>
-              <a:buChar char="•"/>
-              <a:tabLst>
-                <a:tab pos="217416" algn="l"/>
-              </a:tabLst>
-            </a:pPr>
-            <a:r>
-              <a:rPr sz="2200" dirty="0">
-                <a:solidFill>
-                  <a:srgbClr val="22373A"/>
-                </a:solidFill>
-                <a:latin typeface="Times New Roman" panose="02020603050405020304" pitchFamily="18" charset="0"/>
-                <a:cs typeface="Times New Roman" panose="02020603050405020304" pitchFamily="18" charset="0"/>
-              </a:rPr>
-              <a:t>Physicians possess more (but incomplete) information than the patient</a:t>
-            </a:r>
-            <a:endParaRPr lang="en-CA" sz="2200" dirty="0">
-              <a:solidFill>
-                <a:srgbClr val="22373A"/>
-              </a:solidFill>
-              <a:latin typeface="Times New Roman" panose="02020603050405020304" pitchFamily="18" charset="0"/>
-              <a:cs typeface="Times New Roman" panose="02020603050405020304" pitchFamily="18" charset="0"/>
-            </a:endParaRPr>
-          </a:p>
-          <a:p>
-            <a:pPr marL="216074" marR="10737" indent="-190574">
-              <a:spcBef>
-                <a:spcPts val="676"/>
-              </a:spcBef>
-              <a:buChar char="•"/>
-              <a:tabLst>
-                <a:tab pos="217416" algn="l"/>
-              </a:tabLst>
-            </a:pPr>
-            <a:r>
-              <a:rPr lang="en-CA" sz="2200" dirty="0">
-                <a:solidFill>
-                  <a:srgbClr val="22373A"/>
-                </a:solidFill>
-                <a:latin typeface="Times New Roman" panose="02020603050405020304" pitchFamily="18" charset="0"/>
-                <a:cs typeface="Times New Roman" panose="02020603050405020304" pitchFamily="18" charset="0"/>
-              </a:rPr>
-              <a:t>But </a:t>
-            </a:r>
-            <a:r>
-              <a:rPr lang="en-CA" sz="2200" b="1" dirty="0">
-                <a:solidFill>
-                  <a:srgbClr val="22373A"/>
-                </a:solidFill>
-                <a:latin typeface="Times New Roman" panose="02020603050405020304" pitchFamily="18" charset="0"/>
-                <a:cs typeface="Times New Roman" panose="02020603050405020304" pitchFamily="18" charset="0"/>
-              </a:rPr>
-              <a:t>physicians are humans too!</a:t>
-            </a:r>
-            <a:r>
-              <a:rPr lang="en-CA" sz="2200" dirty="0">
-                <a:solidFill>
-                  <a:srgbClr val="22373A"/>
-                </a:solidFill>
-                <a:latin typeface="Times New Roman" panose="02020603050405020304" pitchFamily="18" charset="0"/>
-                <a:cs typeface="Times New Roman" panose="02020603050405020304" pitchFamily="18" charset="0"/>
-              </a:rPr>
-              <a:t> They also respond to: </a:t>
-            </a:r>
-          </a:p>
-          <a:p>
-            <a:pPr marL="673274" marR="10737" lvl="1" indent="-190574">
-              <a:spcBef>
-                <a:spcPts val="676"/>
-              </a:spcBef>
-              <a:buChar char="•"/>
-              <a:tabLst>
-                <a:tab pos="217416" algn="l"/>
-              </a:tabLst>
-            </a:pPr>
-            <a:r>
-              <a:rPr lang="en-CA" sz="2200" dirty="0">
-                <a:solidFill>
-                  <a:srgbClr val="22373A"/>
-                </a:solidFill>
-                <a:latin typeface="Times New Roman" panose="02020603050405020304" pitchFamily="18" charset="0"/>
-                <a:cs typeface="Times New Roman" panose="02020603050405020304" pitchFamily="18" charset="0"/>
-              </a:rPr>
-              <a:t>Heuristics</a:t>
-            </a:r>
-          </a:p>
-          <a:p>
-            <a:pPr marL="673274" marR="10737" lvl="1" indent="-190574">
-              <a:spcBef>
-                <a:spcPts val="676"/>
-              </a:spcBef>
-              <a:buChar char="•"/>
-              <a:tabLst>
-                <a:tab pos="217416" algn="l"/>
-              </a:tabLst>
-            </a:pPr>
-            <a:r>
-              <a:rPr lang="en-CA" sz="2200" dirty="0">
-                <a:solidFill>
-                  <a:srgbClr val="22373A"/>
-                </a:solidFill>
-                <a:latin typeface="Times New Roman" panose="02020603050405020304" pitchFamily="18" charset="0"/>
-                <a:cs typeface="Times New Roman" panose="02020603050405020304" pitchFamily="18" charset="0"/>
-              </a:rPr>
-              <a:t>Patient risk </a:t>
-            </a:r>
-            <a:r>
-              <a:rPr lang="en-CA" sz="2200" i="1" dirty="0">
-                <a:solidFill>
-                  <a:srgbClr val="22373A"/>
-                </a:solidFill>
-                <a:latin typeface="Times New Roman" panose="02020603050405020304" pitchFamily="18" charset="0"/>
-                <a:cs typeface="Times New Roman" panose="02020603050405020304" pitchFamily="18" charset="0"/>
-              </a:rPr>
-              <a:t>proxies</a:t>
-            </a:r>
-          </a:p>
-          <a:p>
-            <a:pPr marL="673274" marR="10737" lvl="1" indent="-190574">
-              <a:spcBef>
-                <a:spcPts val="676"/>
-              </a:spcBef>
-              <a:buChar char="•"/>
-              <a:tabLst>
-                <a:tab pos="217416" algn="l"/>
-              </a:tabLst>
-            </a:pPr>
-            <a:r>
-              <a:rPr lang="en-CA" sz="2200" b="1" dirty="0">
-                <a:solidFill>
-                  <a:srgbClr val="22373A"/>
-                </a:solidFill>
-                <a:latin typeface="Times New Roman" panose="02020603050405020304" pitchFamily="18" charset="0"/>
-                <a:cs typeface="Times New Roman" panose="02020603050405020304" pitchFamily="18" charset="0"/>
-              </a:rPr>
-              <a:t>Incentives</a:t>
-            </a:r>
-            <a:r>
-              <a:rPr sz="2200" b="1" dirty="0">
-                <a:solidFill>
-                  <a:srgbClr val="22373A"/>
-                </a:solidFill>
-                <a:latin typeface="Times New Roman" panose="02020603050405020304" pitchFamily="18" charset="0"/>
-                <a:cs typeface="Times New Roman" panose="02020603050405020304" pitchFamily="18" charset="0"/>
-              </a:rPr>
-              <a:t> (e.g., financial, malpractice, etc.)</a:t>
-            </a:r>
-            <a:endParaRPr lang="en-CA" sz="2200" b="1" dirty="0">
-              <a:solidFill>
-                <a:srgbClr val="22373A"/>
-              </a:solidFill>
-              <a:latin typeface="Times New Roman" panose="02020603050405020304" pitchFamily="18" charset="0"/>
-              <a:cs typeface="Times New Roman" panose="02020603050405020304" pitchFamily="18" charset="0"/>
-            </a:endParaRPr>
-          </a:p>
-          <a:p>
-            <a:pPr marL="673274" marR="10737" lvl="1" indent="-190574">
-              <a:spcBef>
-                <a:spcPts val="676"/>
-              </a:spcBef>
-              <a:buChar char="•"/>
-              <a:tabLst>
-                <a:tab pos="217416" algn="l"/>
-              </a:tabLst>
-            </a:pPr>
-            <a:r>
-              <a:rPr lang="en-CA" sz="2200" dirty="0">
-                <a:solidFill>
-                  <a:srgbClr val="22373A"/>
-                </a:solidFill>
-                <a:latin typeface="Times New Roman" panose="02020603050405020304" pitchFamily="18" charset="0"/>
-                <a:cs typeface="Times New Roman" panose="02020603050405020304" pitchFamily="18" charset="0"/>
-              </a:rPr>
-              <a:t>P</a:t>
-            </a:r>
-            <a:r>
-              <a:rPr sz="2200" dirty="0" err="1">
-                <a:solidFill>
-                  <a:srgbClr val="22373A"/>
-                </a:solidFill>
-                <a:latin typeface="Times New Roman" panose="02020603050405020304" pitchFamily="18" charset="0"/>
-                <a:cs typeface="Times New Roman" panose="02020603050405020304" pitchFamily="18" charset="0"/>
-              </a:rPr>
-              <a:t>rejudices</a:t>
-            </a:r>
-            <a:endParaRPr sz="2200" dirty="0">
-              <a:latin typeface="Times New Roman" panose="02020603050405020304" pitchFamily="18" charset="0"/>
-              <a:cs typeface="Times New Roman" panose="02020603050405020304" pitchFamily="18" charset="0"/>
-            </a:endParaRPr>
-          </a:p>
-        </p:txBody>
-      </p:sp>
-      <p:sp>
-        <p:nvSpPr>
-          <p:cNvPr id="7" name="object 7"/>
-          <p:cNvSpPr txBox="1"/>
-          <p:nvPr/>
-        </p:nvSpPr>
-        <p:spPr>
-          <a:xfrm>
-            <a:off x="11803331" y="6397071"/>
-            <a:ext cx="244258" cy="233063"/>
-          </a:xfrm>
-          <a:prstGeom prst="rect">
-            <a:avLst/>
-          </a:prstGeom>
-        </p:spPr>
-        <p:txBody>
-          <a:bodyPr vert="horz" wrap="square" lIns="0" tIns="37578" rIns="0" bIns="0" rtlCol="0">
-            <a:spAutoFit/>
-          </a:bodyPr>
-          <a:lstStyle/>
-          <a:p>
-            <a:pPr marL="80524">
-              <a:spcBef>
-                <a:spcPts val="296"/>
-              </a:spcBef>
-            </a:pPr>
-            <a:fld id="{81D60167-4931-47E6-BA6A-407CBD079E47}" type="slidenum">
-              <a:rPr sz="1268" spc="-201" dirty="0">
-                <a:solidFill>
-                  <a:srgbClr val="22373A"/>
-                </a:solidFill>
-                <a:latin typeface="Arial Black"/>
-                <a:cs typeface="Arial Black"/>
-              </a:rPr>
-              <a:pPr marL="80524">
-                <a:spcBef>
-                  <a:spcPts val="296"/>
-                </a:spcBef>
-              </a:pPr>
-              <a:t>5</a:t>
-            </a:fld>
-            <a:endParaRPr sz="1268">
-              <a:latin typeface="Arial Black"/>
-              <a:cs typeface="Arial Black"/>
-            </a:endParaRPr>
-          </a:p>
-        </p:txBody>
-      </p:sp>
-    </p:spTree>
-    <p:extLst>
-      <p:ext uri="{BB962C8B-B14F-4D97-AF65-F5344CB8AC3E}">
-        <p14:creationId xmlns:p14="http://schemas.microsoft.com/office/powerpoint/2010/main" val="3411423665"/>
-      </p:ext>
-    </p:extLst>
-  </p:cSld>
-  <p:clrMapOvr>
-    <a:masterClrMapping/>
-  </p:clrMapOvr>
-  <p:transition>
-    <p:cut/>
-  </p:transition>
-</p:sld>
-</file>
-
-<file path=ppt/slides/slide50.xml><?xml version="1.0" encoding="utf-8"?>
+<file path=ppt/slides/slide51.xml><?xml version="1.0" encoding="utf-8"?>
 <p:sld xmlns:a="http://schemas.openxmlformats.org/drawingml/2006/main" xmlns:r="http://schemas.openxmlformats.org/officeDocument/2006/relationships" xmlns:p="http://schemas.openxmlformats.org/presentationml/2006/main">
   <p:cSld>
     <p:spTree>
@@ -34058,7 +34374,7 @@
 </p:sld>
 </file>
 
-<file path=ppt/slides/slide51.xml><?xml version="1.0" encoding="utf-8"?>
+<file path=ppt/slides/slide52.xml><?xml version="1.0" encoding="utf-8"?>
 <p:sld xmlns:a="http://schemas.openxmlformats.org/drawingml/2006/main" xmlns:r="http://schemas.openxmlformats.org/officeDocument/2006/relationships" xmlns:p="http://schemas.openxmlformats.org/presentationml/2006/main">
   <p:cSld>
     <p:spTree>
@@ -34631,7 +34947,7 @@
 </p:sld>
 </file>
 
-<file path=ppt/slides/slide52.xml><?xml version="1.0" encoding="utf-8"?>
+<file path=ppt/slides/slide53.xml><?xml version="1.0" encoding="utf-8"?>
 <p:sld xmlns:a="http://schemas.openxmlformats.org/drawingml/2006/main" xmlns:r="http://schemas.openxmlformats.org/officeDocument/2006/relationships" xmlns:p="http://schemas.openxmlformats.org/presentationml/2006/main">
   <p:cSld>
     <p:spTree>
@@ -35695,7 +36011,7 @@
 </p:sld>
 </file>
 
-<file path=ppt/slides/slide53.xml><?xml version="1.0" encoding="utf-8"?>
+<file path=ppt/slides/slide54.xml><?xml version="1.0" encoding="utf-8"?>
 <p:sld xmlns:a="http://schemas.openxmlformats.org/drawingml/2006/main" xmlns:r="http://schemas.openxmlformats.org/officeDocument/2006/relationships" xmlns:p="http://schemas.openxmlformats.org/presentationml/2006/main">
   <p:cSld>
     <p:spTree>
@@ -36922,7 +37238,7 @@
 </p:sld>
 </file>
 
-<file path=ppt/slides/slide54.xml><?xml version="1.0" encoding="utf-8"?>
+<file path=ppt/slides/slide55.xml><?xml version="1.0" encoding="utf-8"?>
 <p:sld xmlns:a="http://schemas.openxmlformats.org/drawingml/2006/main" xmlns:r="http://schemas.openxmlformats.org/officeDocument/2006/relationships" xmlns:p="http://schemas.openxmlformats.org/presentationml/2006/main">
   <p:cSld>
     <p:spTree>
@@ -37700,7 +38016,7 @@
 </p:sld>
 </file>
 
-<file path=ppt/slides/slide55.xml><?xml version="1.0" encoding="utf-8"?>
+<file path=ppt/slides/slide56.xml><?xml version="1.0" encoding="utf-8"?>
 <p:sld xmlns:a="http://schemas.openxmlformats.org/drawingml/2006/main" xmlns:r="http://schemas.openxmlformats.org/officeDocument/2006/relationships" xmlns:p="http://schemas.openxmlformats.org/presentationml/2006/main">
   <p:cSld>
     <p:spTree>
@@ -38590,7 +38906,7 @@
 </p:sld>
 </file>
 
-<file path=ppt/slides/slide56.xml><?xml version="1.0" encoding="utf-8"?>
+<file path=ppt/slides/slide57.xml><?xml version="1.0" encoding="utf-8"?>
 <p:sld xmlns:a="http://schemas.openxmlformats.org/drawingml/2006/main" xmlns:r="http://schemas.openxmlformats.org/officeDocument/2006/relationships" xmlns:p="http://schemas.openxmlformats.org/presentationml/2006/main">
   <p:cSld>
     <p:spTree>
@@ -38713,7 +39029,7 @@
 </p:sld>
 </file>
 
-<file path=ppt/slides/slide57.xml><?xml version="1.0" encoding="utf-8"?>
+<file path=ppt/slides/slide58.xml><?xml version="1.0" encoding="utf-8"?>
 <p:sld xmlns:a="http://schemas.openxmlformats.org/drawingml/2006/main" xmlns:r="http://schemas.openxmlformats.org/officeDocument/2006/relationships" xmlns:p="http://schemas.openxmlformats.org/presentationml/2006/main">
   <p:cSld>
     <p:spTree>
@@ -38802,6 +39118,455 @@
 </file>
 
 <file path=ppt/slides/slide6.xml><?xml version="1.0" encoding="utf-8"?>
+<p:sld xmlns:a="http://schemas.openxmlformats.org/drawingml/2006/main" xmlns:r="http://schemas.openxmlformats.org/officeDocument/2006/relationships" xmlns:p="http://schemas.openxmlformats.org/presentationml/2006/main">
+  <p:cSld>
+    <p:spTree>
+      <p:nvGrpSpPr>
+        <p:cNvPr id="1" name=""/>
+        <p:cNvGrpSpPr/>
+        <p:nvPr/>
+      </p:nvGrpSpPr>
+      <p:grpSpPr>
+        <a:xfrm>
+          <a:off x="0" y="0"/>
+          <a:ext cx="0" cy="0"/>
+          <a:chOff x="0" y="0"/>
+          <a:chExt cx="0" cy="0"/>
+        </a:xfrm>
+      </p:grpSpPr>
+      <p:sp>
+        <p:nvSpPr>
+          <p:cNvPr id="2" name="object 2"/>
+          <p:cNvSpPr txBox="1">
+            <a:spLocks noGrp="1"/>
+          </p:cNvSpPr>
+          <p:nvPr>
+            <p:ph type="title"/>
+          </p:nvPr>
+        </p:nvSpPr>
+        <p:spPr>
+          <a:xfrm>
+            <a:off x="304800" y="304800"/>
+            <a:ext cx="6951582" cy="702856"/>
+          </a:xfrm>
+          <a:prstGeom prst="rect">
+            <a:avLst/>
+          </a:prstGeom>
+        </p:spPr>
+        <p:txBody>
+          <a:bodyPr vert="horz" wrap="square" lIns="0" tIns="25499" rIns="0" bIns="0" rtlCol="0" anchor="b">
+            <a:spAutoFit/>
+          </a:bodyPr>
+          <a:lstStyle/>
+          <a:p>
+            <a:pPr marL="26841">
+              <a:lnSpc>
+                <a:spcPct val="100000"/>
+              </a:lnSpc>
+              <a:spcBef>
+                <a:spcPts val="201"/>
+              </a:spcBef>
+            </a:pPr>
+            <a:r>
+              <a:rPr dirty="0"/>
+              <a:t>Why </a:t>
+            </a:r>
+            <a:r>
+              <a:rPr spc="95" dirty="0"/>
+              <a:t>study</a:t>
+            </a:r>
+            <a:r>
+              <a:rPr spc="116" dirty="0"/>
+              <a:t> </a:t>
+            </a:r>
+            <a:r>
+              <a:rPr spc="85" dirty="0"/>
+              <a:t>physicians?</a:t>
+            </a:r>
+          </a:p>
+        </p:txBody>
+      </p:sp>
+      <p:sp>
+        <p:nvSpPr>
+          <p:cNvPr id="6" name="object 6"/>
+          <p:cNvSpPr txBox="1"/>
+          <p:nvPr/>
+        </p:nvSpPr>
+        <p:spPr>
+          <a:xfrm>
+            <a:off x="457200" y="1066800"/>
+            <a:ext cx="10790298" cy="4336478"/>
+          </a:xfrm>
+          <a:prstGeom prst="rect">
+            <a:avLst/>
+          </a:prstGeom>
+        </p:spPr>
+        <p:txBody>
+          <a:bodyPr vert="horz" wrap="square" lIns="0" tIns="154339" rIns="0" bIns="0" rtlCol="0">
+            <a:spAutoFit/>
+          </a:bodyPr>
+          <a:lstStyle/>
+          <a:p>
+            <a:pPr marL="216074" indent="-190574">
+              <a:spcBef>
+                <a:spcPts val="1215"/>
+              </a:spcBef>
+              <a:buChar char="•"/>
+              <a:tabLst>
+                <a:tab pos="217416" algn="l"/>
+              </a:tabLst>
+            </a:pPr>
+            <a:r>
+              <a:rPr sz="2200" dirty="0">
+                <a:solidFill>
+                  <a:srgbClr val="22373A"/>
+                </a:solidFill>
+                <a:latin typeface="Times New Roman" panose="02020603050405020304" pitchFamily="18" charset="0"/>
+                <a:cs typeface="Times New Roman" panose="02020603050405020304" pitchFamily="18" charset="0"/>
+              </a:rPr>
+              <a:t>Usually the first healthcare provider we are exposed to in the healthcare sector</a:t>
+            </a:r>
+            <a:endParaRPr sz="2200" dirty="0">
+              <a:latin typeface="Times New Roman" panose="02020603050405020304" pitchFamily="18" charset="0"/>
+              <a:cs typeface="Times New Roman" panose="02020603050405020304" pitchFamily="18" charset="0"/>
+            </a:endParaRPr>
+          </a:p>
+          <a:p>
+            <a:pPr marL="216074" indent="-190574">
+              <a:spcBef>
+                <a:spcPts val="993"/>
+              </a:spcBef>
+              <a:buChar char="•"/>
+              <a:tabLst>
+                <a:tab pos="217416" algn="l"/>
+              </a:tabLst>
+            </a:pPr>
+            <a:r>
+              <a:rPr sz="2200" dirty="0">
+                <a:solidFill>
+                  <a:srgbClr val="22373A"/>
+                </a:solidFill>
+                <a:latin typeface="Times New Roman" panose="02020603050405020304" pitchFamily="18" charset="0"/>
+                <a:cs typeface="Times New Roman" panose="02020603050405020304" pitchFamily="18" charset="0"/>
+              </a:rPr>
+              <a:t>In Canada, they are the “gatekeeper” to many specialty services</a:t>
+            </a:r>
+            <a:endParaRPr sz="2200" dirty="0">
+              <a:latin typeface="Times New Roman" panose="02020603050405020304" pitchFamily="18" charset="0"/>
+              <a:cs typeface="Times New Roman" panose="02020603050405020304" pitchFamily="18" charset="0"/>
+            </a:endParaRPr>
+          </a:p>
+          <a:p>
+            <a:pPr marL="216074" indent="-190574">
+              <a:spcBef>
+                <a:spcPts val="528"/>
+              </a:spcBef>
+              <a:buChar char="•"/>
+              <a:tabLst>
+                <a:tab pos="217416" algn="l"/>
+              </a:tabLst>
+            </a:pPr>
+            <a:r>
+              <a:rPr sz="2200" dirty="0">
+                <a:solidFill>
+                  <a:srgbClr val="22373A"/>
+                </a:solidFill>
+                <a:latin typeface="Times New Roman" panose="02020603050405020304" pitchFamily="18" charset="0"/>
+                <a:cs typeface="Times New Roman" panose="02020603050405020304" pitchFamily="18" charset="0"/>
+              </a:rPr>
+              <a:t>Their decisions matter!</a:t>
+            </a:r>
+            <a:endParaRPr sz="2200" dirty="0">
+              <a:latin typeface="Times New Roman" panose="02020603050405020304" pitchFamily="18" charset="0"/>
+              <a:cs typeface="Times New Roman" panose="02020603050405020304" pitchFamily="18" charset="0"/>
+            </a:endParaRPr>
+          </a:p>
+          <a:p>
+            <a:pPr marL="696536" lvl="1" indent="-182522">
+              <a:spcBef>
+                <a:spcPts val="528"/>
+              </a:spcBef>
+              <a:buChar char="•"/>
+              <a:tabLst>
+                <a:tab pos="697878" algn="l"/>
+              </a:tabLst>
+            </a:pPr>
+            <a:r>
+              <a:rPr sz="2200" dirty="0">
+                <a:solidFill>
+                  <a:srgbClr val="22373A"/>
+                </a:solidFill>
+                <a:latin typeface="Times New Roman" panose="02020603050405020304" pitchFamily="18" charset="0"/>
+                <a:cs typeface="Times New Roman" panose="02020603050405020304" pitchFamily="18" charset="0"/>
+              </a:rPr>
+              <a:t>Order tests, interpret results, decide appropriate action</a:t>
+            </a:r>
+            <a:endParaRPr sz="2200" dirty="0">
+              <a:latin typeface="Times New Roman" panose="02020603050405020304" pitchFamily="18" charset="0"/>
+              <a:cs typeface="Times New Roman" panose="02020603050405020304" pitchFamily="18" charset="0"/>
+            </a:endParaRPr>
+          </a:p>
+          <a:p>
+            <a:pPr marL="216074" marR="10737" indent="-190574">
+              <a:spcBef>
+                <a:spcPts val="676"/>
+              </a:spcBef>
+              <a:buChar char="•"/>
+              <a:tabLst>
+                <a:tab pos="217416" algn="l"/>
+              </a:tabLst>
+            </a:pPr>
+            <a:r>
+              <a:rPr sz="2200" dirty="0">
+                <a:solidFill>
+                  <a:srgbClr val="22373A"/>
+                </a:solidFill>
+                <a:latin typeface="Times New Roman" panose="02020603050405020304" pitchFamily="18" charset="0"/>
+                <a:cs typeface="Times New Roman" panose="02020603050405020304" pitchFamily="18" charset="0"/>
+              </a:rPr>
+              <a:t>Physicians possess more (but incomplete) information than the patient</a:t>
+            </a:r>
+            <a:endParaRPr lang="en-CA" sz="2200" dirty="0">
+              <a:solidFill>
+                <a:srgbClr val="22373A"/>
+              </a:solidFill>
+              <a:latin typeface="Times New Roman" panose="02020603050405020304" pitchFamily="18" charset="0"/>
+              <a:cs typeface="Times New Roman" panose="02020603050405020304" pitchFamily="18" charset="0"/>
+            </a:endParaRPr>
+          </a:p>
+          <a:p>
+            <a:pPr marL="216074" marR="10737" indent="-190574">
+              <a:spcBef>
+                <a:spcPts val="676"/>
+              </a:spcBef>
+              <a:buChar char="•"/>
+              <a:tabLst>
+                <a:tab pos="217416" algn="l"/>
+              </a:tabLst>
+            </a:pPr>
+            <a:r>
+              <a:rPr lang="en-CA" sz="2200" dirty="0">
+                <a:solidFill>
+                  <a:srgbClr val="22373A"/>
+                </a:solidFill>
+                <a:latin typeface="Times New Roman" panose="02020603050405020304" pitchFamily="18" charset="0"/>
+                <a:cs typeface="Times New Roman" panose="02020603050405020304" pitchFamily="18" charset="0"/>
+              </a:rPr>
+              <a:t>But </a:t>
+            </a:r>
+            <a:r>
+              <a:rPr lang="en-CA" sz="2200" b="1" dirty="0">
+                <a:solidFill>
+                  <a:srgbClr val="22373A"/>
+                </a:solidFill>
+                <a:latin typeface="Times New Roman" panose="02020603050405020304" pitchFamily="18" charset="0"/>
+                <a:cs typeface="Times New Roman" panose="02020603050405020304" pitchFamily="18" charset="0"/>
+              </a:rPr>
+              <a:t>physicians are humans too!</a:t>
+            </a:r>
+            <a:r>
+              <a:rPr lang="en-CA" sz="2200" dirty="0">
+                <a:solidFill>
+                  <a:srgbClr val="22373A"/>
+                </a:solidFill>
+                <a:latin typeface="Times New Roman" panose="02020603050405020304" pitchFamily="18" charset="0"/>
+                <a:cs typeface="Times New Roman" panose="02020603050405020304" pitchFamily="18" charset="0"/>
+              </a:rPr>
+              <a:t> They also respond to: </a:t>
+            </a:r>
+          </a:p>
+          <a:p>
+            <a:pPr marL="673274" marR="10737" lvl="1" indent="-190574">
+              <a:spcBef>
+                <a:spcPts val="676"/>
+              </a:spcBef>
+              <a:buChar char="•"/>
+              <a:tabLst>
+                <a:tab pos="217416" algn="l"/>
+              </a:tabLst>
+            </a:pPr>
+            <a:r>
+              <a:rPr lang="en-CA" sz="2200" dirty="0">
+                <a:solidFill>
+                  <a:srgbClr val="22373A"/>
+                </a:solidFill>
+                <a:latin typeface="Times New Roman" panose="02020603050405020304" pitchFamily="18" charset="0"/>
+                <a:cs typeface="Times New Roman" panose="02020603050405020304" pitchFamily="18" charset="0"/>
+              </a:rPr>
+              <a:t>Heuristics</a:t>
+            </a:r>
+          </a:p>
+          <a:p>
+            <a:pPr marL="673274" marR="10737" lvl="1" indent="-190574">
+              <a:spcBef>
+                <a:spcPts val="676"/>
+              </a:spcBef>
+              <a:buChar char="•"/>
+              <a:tabLst>
+                <a:tab pos="217416" algn="l"/>
+              </a:tabLst>
+            </a:pPr>
+            <a:r>
+              <a:rPr lang="en-CA" sz="2200" dirty="0">
+                <a:solidFill>
+                  <a:srgbClr val="22373A"/>
+                </a:solidFill>
+                <a:latin typeface="Times New Roman" panose="02020603050405020304" pitchFamily="18" charset="0"/>
+                <a:cs typeface="Times New Roman" panose="02020603050405020304" pitchFamily="18" charset="0"/>
+              </a:rPr>
+              <a:t>Patient risk </a:t>
+            </a:r>
+            <a:r>
+              <a:rPr lang="en-CA" sz="2200" i="1" dirty="0">
+                <a:solidFill>
+                  <a:srgbClr val="22373A"/>
+                </a:solidFill>
+                <a:latin typeface="Times New Roman" panose="02020603050405020304" pitchFamily="18" charset="0"/>
+                <a:cs typeface="Times New Roman" panose="02020603050405020304" pitchFamily="18" charset="0"/>
+              </a:rPr>
+              <a:t>proxies</a:t>
+            </a:r>
+          </a:p>
+          <a:p>
+            <a:pPr marL="673274" marR="10737" lvl="1" indent="-190574">
+              <a:spcBef>
+                <a:spcPts val="676"/>
+              </a:spcBef>
+              <a:buChar char="•"/>
+              <a:tabLst>
+                <a:tab pos="217416" algn="l"/>
+              </a:tabLst>
+            </a:pPr>
+            <a:r>
+              <a:rPr lang="en-CA" sz="2200" b="1" dirty="0">
+                <a:solidFill>
+                  <a:srgbClr val="22373A"/>
+                </a:solidFill>
+                <a:latin typeface="Times New Roman" panose="02020603050405020304" pitchFamily="18" charset="0"/>
+                <a:cs typeface="Times New Roman" panose="02020603050405020304" pitchFamily="18" charset="0"/>
+              </a:rPr>
+              <a:t>Incentives</a:t>
+            </a:r>
+            <a:r>
+              <a:rPr sz="2200" b="1" dirty="0">
+                <a:solidFill>
+                  <a:srgbClr val="22373A"/>
+                </a:solidFill>
+                <a:latin typeface="Times New Roman" panose="02020603050405020304" pitchFamily="18" charset="0"/>
+                <a:cs typeface="Times New Roman" panose="02020603050405020304" pitchFamily="18" charset="0"/>
+              </a:rPr>
+              <a:t> (e.g., financial, malpractice, etc.)</a:t>
+            </a:r>
+            <a:endParaRPr lang="en-CA" sz="2200" b="1" dirty="0">
+              <a:solidFill>
+                <a:srgbClr val="22373A"/>
+              </a:solidFill>
+              <a:latin typeface="Times New Roman" panose="02020603050405020304" pitchFamily="18" charset="0"/>
+              <a:cs typeface="Times New Roman" panose="02020603050405020304" pitchFamily="18" charset="0"/>
+            </a:endParaRPr>
+          </a:p>
+          <a:p>
+            <a:pPr marL="673274" marR="10737" lvl="1" indent="-190574">
+              <a:spcBef>
+                <a:spcPts val="676"/>
+              </a:spcBef>
+              <a:buChar char="•"/>
+              <a:tabLst>
+                <a:tab pos="217416" algn="l"/>
+              </a:tabLst>
+            </a:pPr>
+            <a:r>
+              <a:rPr lang="en-CA" sz="2200" dirty="0">
+                <a:solidFill>
+                  <a:srgbClr val="22373A"/>
+                </a:solidFill>
+                <a:latin typeface="Times New Roman" panose="02020603050405020304" pitchFamily="18" charset="0"/>
+                <a:cs typeface="Times New Roman" panose="02020603050405020304" pitchFamily="18" charset="0"/>
+              </a:rPr>
+              <a:t>P</a:t>
+            </a:r>
+            <a:r>
+              <a:rPr sz="2200" dirty="0" err="1">
+                <a:solidFill>
+                  <a:srgbClr val="22373A"/>
+                </a:solidFill>
+                <a:latin typeface="Times New Roman" panose="02020603050405020304" pitchFamily="18" charset="0"/>
+                <a:cs typeface="Times New Roman" panose="02020603050405020304" pitchFamily="18" charset="0"/>
+              </a:rPr>
+              <a:t>rejudices</a:t>
+            </a:r>
+            <a:endParaRPr sz="2200" dirty="0">
+              <a:latin typeface="Times New Roman" panose="02020603050405020304" pitchFamily="18" charset="0"/>
+              <a:cs typeface="Times New Roman" panose="02020603050405020304" pitchFamily="18" charset="0"/>
+            </a:endParaRPr>
+          </a:p>
+        </p:txBody>
+      </p:sp>
+      <p:sp>
+        <p:nvSpPr>
+          <p:cNvPr id="7" name="object 7"/>
+          <p:cNvSpPr txBox="1"/>
+          <p:nvPr/>
+        </p:nvSpPr>
+        <p:spPr>
+          <a:xfrm>
+            <a:off x="11803331" y="6397071"/>
+            <a:ext cx="244258" cy="233063"/>
+          </a:xfrm>
+          <a:prstGeom prst="rect">
+            <a:avLst/>
+          </a:prstGeom>
+        </p:spPr>
+        <p:txBody>
+          <a:bodyPr vert="horz" wrap="square" lIns="0" tIns="37578" rIns="0" bIns="0" rtlCol="0">
+            <a:spAutoFit/>
+          </a:bodyPr>
+          <a:lstStyle/>
+          <a:p>
+            <a:pPr marL="80524">
+              <a:spcBef>
+                <a:spcPts val="296"/>
+              </a:spcBef>
+            </a:pPr>
+            <a:fld id="{81D60167-4931-47E6-BA6A-407CBD079E47}" type="slidenum">
+              <a:rPr sz="1268" spc="-201" dirty="0">
+                <a:solidFill>
+                  <a:srgbClr val="22373A"/>
+                </a:solidFill>
+                <a:latin typeface="Arial Black"/>
+                <a:cs typeface="Arial Black"/>
+              </a:rPr>
+              <a:pPr marL="80524">
+                <a:spcBef>
+                  <a:spcPts val="296"/>
+                </a:spcBef>
+              </a:pPr>
+              <a:t>6</a:t>
+            </a:fld>
+            <a:endParaRPr sz="1268">
+              <a:latin typeface="Arial Black"/>
+              <a:cs typeface="Arial Black"/>
+            </a:endParaRPr>
+          </a:p>
+        </p:txBody>
+      </p:sp>
+    </p:spTree>
+    <p:extLst>
+      <p:ext uri="{BB962C8B-B14F-4D97-AF65-F5344CB8AC3E}">
+        <p14:creationId xmlns:p14="http://schemas.microsoft.com/office/powerpoint/2010/main" val="3411423665"/>
+      </p:ext>
+    </p:extLst>
+  </p:cSld>
+  <p:clrMapOvr>
+    <a:masterClrMapping/>
+  </p:clrMapOvr>
+  <p:transition>
+    <p:cut/>
+  </p:transition>
+</p:sld>
+</file>
+
+<file path=ppt/slides/slide7.xml><?xml version="1.0" encoding="utf-8"?>
 <p:sld xmlns:a="http://schemas.openxmlformats.org/drawingml/2006/main" xmlns:r="http://schemas.openxmlformats.org/officeDocument/2006/relationships" xmlns:p="http://schemas.openxmlformats.org/presentationml/2006/main">
   <p:cSld>
     <p:spTree>
@@ -38968,7 +39733,7 @@
                   <a:spcPts val="296"/>
                 </a:spcBef>
               </a:pPr>
-              <a:t>6</a:t>
+              <a:t>7</a:t>
             </a:fld>
             <a:endParaRPr sz="1268">
               <a:latin typeface="Arial Black"/>
@@ -38988,7 +39753,7 @@
 </p:sld>
 </file>
 
-<file path=ppt/slides/slide7.xml><?xml version="1.0" encoding="utf-8"?>
+<file path=ppt/slides/slide8.xml><?xml version="1.0" encoding="utf-8"?>
 <p:sld xmlns:a="http://schemas.openxmlformats.org/drawingml/2006/main" xmlns:r="http://schemas.openxmlformats.org/officeDocument/2006/relationships" xmlns:p="http://schemas.openxmlformats.org/presentationml/2006/main">
   <p:cSld>
     <p:spTree>
@@ -39320,7 +40085,7 @@
 </p:sld>
 </file>
 
-<file path=ppt/slides/slide8.xml><?xml version="1.0" encoding="utf-8"?>
+<file path=ppt/slides/slide9.xml><?xml version="1.0" encoding="utf-8"?>
 <p:sld xmlns:a="http://schemas.openxmlformats.org/drawingml/2006/main" xmlns:r="http://schemas.openxmlformats.org/officeDocument/2006/relationships" xmlns:p="http://schemas.openxmlformats.org/presentationml/2006/main">
   <p:cSld>
     <p:spTree>
@@ -39523,303 +40288,6 @@
                 <a:cs typeface="Arial Black"/>
               </a:rPr>
               <a:t>6</a:t>
-            </a:r>
-            <a:endParaRPr sz="1268">
-              <a:latin typeface="Arial Black"/>
-              <a:cs typeface="Arial Black"/>
-            </a:endParaRPr>
-          </a:p>
-        </p:txBody>
-      </p:sp>
-    </p:spTree>
-  </p:cSld>
-  <p:clrMapOvr>
-    <a:masterClrMapping/>
-  </p:clrMapOvr>
-  <p:transition>
-    <p:cut/>
-  </p:transition>
-</p:sld>
-</file>
-
-<file path=ppt/slides/slide9.xml><?xml version="1.0" encoding="utf-8"?>
-<p:sld xmlns:a="http://schemas.openxmlformats.org/drawingml/2006/main" xmlns:r="http://schemas.openxmlformats.org/officeDocument/2006/relationships" xmlns:p="http://schemas.openxmlformats.org/presentationml/2006/main">
-  <p:cSld>
-    <p:spTree>
-      <p:nvGrpSpPr>
-        <p:cNvPr id="1" name=""/>
-        <p:cNvGrpSpPr/>
-        <p:nvPr/>
-      </p:nvGrpSpPr>
-      <p:grpSpPr>
-        <a:xfrm>
-          <a:off x="0" y="0"/>
-          <a:ext cx="0" cy="0"/>
-          <a:chOff x="0" y="0"/>
-          <a:chExt cx="0" cy="0"/>
-        </a:xfrm>
-      </p:grpSpPr>
-      <p:sp>
-        <p:nvSpPr>
-          <p:cNvPr id="2" name="object 2"/>
-          <p:cNvSpPr txBox="1">
-            <a:spLocks noGrp="1"/>
-          </p:cNvSpPr>
-          <p:nvPr>
-            <p:ph type="title"/>
-          </p:nvPr>
-        </p:nvSpPr>
-        <p:spPr>
-          <a:xfrm>
-            <a:off x="218306" y="228600"/>
-            <a:ext cx="10898048" cy="702856"/>
-          </a:xfrm>
-          <a:prstGeom prst="rect">
-            <a:avLst/>
-          </a:prstGeom>
-        </p:spPr>
-        <p:txBody>
-          <a:bodyPr vert="horz" wrap="square" lIns="0" tIns="25499" rIns="0" bIns="0" rtlCol="0" anchor="b">
-            <a:spAutoFit/>
-          </a:bodyPr>
-          <a:lstStyle/>
-          <a:p>
-            <a:pPr marL="26841">
-              <a:lnSpc>
-                <a:spcPct val="100000"/>
-              </a:lnSpc>
-              <a:spcBef>
-                <a:spcPts val="201"/>
-              </a:spcBef>
-            </a:pPr>
-            <a:r>
-              <a:rPr lang="en-CA" spc="95" dirty="0"/>
-              <a:t>…and large </a:t>
-            </a:r>
-            <a:r>
-              <a:rPr spc="85" dirty="0"/>
-              <a:t>barriers </a:t>
-            </a:r>
-            <a:r>
-              <a:rPr spc="63" dirty="0"/>
-              <a:t>to</a:t>
-            </a:r>
-            <a:r>
-              <a:rPr spc="42" dirty="0"/>
-              <a:t> </a:t>
-            </a:r>
-            <a:r>
-              <a:rPr spc="74" dirty="0"/>
-              <a:t>entry</a:t>
-            </a:r>
-          </a:p>
-        </p:txBody>
-      </p:sp>
-      <p:sp>
-        <p:nvSpPr>
-          <p:cNvPr id="6" name="object 6"/>
-          <p:cNvSpPr txBox="1"/>
-          <p:nvPr/>
-        </p:nvSpPr>
-        <p:spPr>
-          <a:xfrm>
-            <a:off x="533400" y="1025953"/>
-            <a:ext cx="10080321" cy="2403047"/>
-          </a:xfrm>
-          <a:prstGeom prst="rect">
-            <a:avLst/>
-          </a:prstGeom>
-        </p:spPr>
-        <p:txBody>
-          <a:bodyPr vert="horz" wrap="square" lIns="0" tIns="101998" rIns="0" bIns="0" rtlCol="0">
-            <a:spAutoFit/>
-          </a:bodyPr>
-          <a:lstStyle/>
-          <a:p>
-            <a:pPr marL="216074" indent="-190574">
-              <a:spcBef>
-                <a:spcPts val="803"/>
-              </a:spcBef>
-              <a:buChar char="•"/>
-              <a:tabLst>
-                <a:tab pos="217416" algn="l"/>
-              </a:tabLst>
-            </a:pPr>
-            <a:r>
-              <a:rPr sz="2200" dirty="0">
-                <a:solidFill>
-                  <a:srgbClr val="22373A"/>
-                </a:solidFill>
-                <a:latin typeface="Times New Roman" panose="02020603050405020304" pitchFamily="18" charset="0"/>
-                <a:cs typeface="Times New Roman" panose="02020603050405020304" pitchFamily="18" charset="0"/>
-              </a:rPr>
-              <a:t>The Canadian Medical Association (CMA) has monopoly power to</a:t>
-            </a:r>
-            <a:endParaRPr sz="2200" dirty="0">
-              <a:latin typeface="Times New Roman" panose="02020603050405020304" pitchFamily="18" charset="0"/>
-              <a:cs typeface="Times New Roman" panose="02020603050405020304" pitchFamily="18" charset="0"/>
-            </a:endParaRPr>
-          </a:p>
-          <a:p>
-            <a:pPr marL="696536" lvl="1" indent="-182522">
-              <a:spcBef>
-                <a:spcPts val="528"/>
-              </a:spcBef>
-              <a:buChar char="•"/>
-              <a:tabLst>
-                <a:tab pos="697878" algn="l"/>
-              </a:tabLst>
-            </a:pPr>
-            <a:r>
-              <a:rPr sz="2200" dirty="0">
-                <a:solidFill>
-                  <a:srgbClr val="22373A"/>
-                </a:solidFill>
-                <a:latin typeface="Times New Roman" panose="02020603050405020304" pitchFamily="18" charset="0"/>
-                <a:cs typeface="Times New Roman" panose="02020603050405020304" pitchFamily="18" charset="0"/>
-              </a:rPr>
-              <a:t>Govern the educational requirements to become a physician</a:t>
-            </a:r>
-            <a:endParaRPr sz="2200" dirty="0">
-              <a:latin typeface="Times New Roman" panose="02020603050405020304" pitchFamily="18" charset="0"/>
-              <a:cs typeface="Times New Roman" panose="02020603050405020304" pitchFamily="18" charset="0"/>
-            </a:endParaRPr>
-          </a:p>
-          <a:p>
-            <a:pPr marL="696536" lvl="1" indent="-182522">
-              <a:spcBef>
-                <a:spcPts val="148"/>
-              </a:spcBef>
-              <a:buChar char="•"/>
-              <a:tabLst>
-                <a:tab pos="697878" algn="l"/>
-              </a:tabLst>
-            </a:pPr>
-            <a:r>
-              <a:rPr sz="2200" dirty="0">
-                <a:solidFill>
-                  <a:srgbClr val="22373A"/>
-                </a:solidFill>
-                <a:latin typeface="Times New Roman" panose="02020603050405020304" pitchFamily="18" charset="0"/>
-                <a:cs typeface="Times New Roman" panose="02020603050405020304" pitchFamily="18" charset="0"/>
-              </a:rPr>
-              <a:t>Grant licenses</a:t>
-            </a:r>
-            <a:endParaRPr sz="2200" dirty="0">
-              <a:latin typeface="Times New Roman" panose="02020603050405020304" pitchFamily="18" charset="0"/>
-              <a:cs typeface="Times New Roman" panose="02020603050405020304" pitchFamily="18" charset="0"/>
-            </a:endParaRPr>
-          </a:p>
-          <a:p>
-            <a:pPr marL="696536" lvl="1" indent="-182522">
-              <a:spcBef>
-                <a:spcPts val="159"/>
-              </a:spcBef>
-              <a:buChar char="•"/>
-              <a:tabLst>
-                <a:tab pos="697878" algn="l"/>
-              </a:tabLst>
-            </a:pPr>
-            <a:r>
-              <a:rPr sz="2200" dirty="0">
-                <a:solidFill>
-                  <a:srgbClr val="22373A"/>
-                </a:solidFill>
-                <a:latin typeface="Times New Roman" panose="02020603050405020304" pitchFamily="18" charset="0"/>
-                <a:cs typeface="Times New Roman" panose="02020603050405020304" pitchFamily="18" charset="0"/>
-              </a:rPr>
-              <a:t>Determine the number of new residency slots to new physicians</a:t>
-            </a:r>
-            <a:endParaRPr sz="2200" dirty="0">
-              <a:latin typeface="Times New Roman" panose="02020603050405020304" pitchFamily="18" charset="0"/>
-              <a:cs typeface="Times New Roman" panose="02020603050405020304" pitchFamily="18" charset="0"/>
-            </a:endParaRPr>
-          </a:p>
-          <a:p>
-            <a:pPr marL="216074" marR="10737" indent="-190574">
-              <a:lnSpc>
-                <a:spcPct val="116199"/>
-              </a:lnSpc>
-              <a:spcBef>
-                <a:spcPts val="666"/>
-              </a:spcBef>
-              <a:buChar char="•"/>
-              <a:tabLst>
-                <a:tab pos="217416" algn="l"/>
-              </a:tabLst>
-            </a:pPr>
-            <a:r>
-              <a:rPr sz="2200" dirty="0">
-                <a:solidFill>
-                  <a:srgbClr val="22373A"/>
-                </a:solidFill>
-                <a:latin typeface="Times New Roman" panose="02020603050405020304" pitchFamily="18" charset="0"/>
-                <a:cs typeface="Times New Roman" panose="02020603050405020304" pitchFamily="18" charset="0"/>
-              </a:rPr>
-              <a:t>While these regulations </a:t>
-            </a:r>
-            <a:r>
-              <a:rPr lang="en-CA" sz="2200" dirty="0">
-                <a:solidFill>
-                  <a:srgbClr val="22373A"/>
-                </a:solidFill>
-                <a:latin typeface="Times New Roman" panose="02020603050405020304" pitchFamily="18" charset="0"/>
-                <a:cs typeface="Times New Roman" panose="02020603050405020304" pitchFamily="18" charset="0"/>
-              </a:rPr>
-              <a:t>aid </a:t>
-            </a:r>
-            <a:r>
-              <a:rPr sz="2200" dirty="0">
-                <a:solidFill>
-                  <a:srgbClr val="22373A"/>
-                </a:solidFill>
-                <a:latin typeface="Times New Roman" panose="02020603050405020304" pitchFamily="18" charset="0"/>
-                <a:cs typeface="Times New Roman" panose="02020603050405020304" pitchFamily="18" charset="0"/>
-              </a:rPr>
-              <a:t>a well-functioning healthcare sector, they also keep physician wages high (not unique to physicians)</a:t>
-            </a:r>
-            <a:endParaRPr sz="2200" dirty="0">
-              <a:latin typeface="Times New Roman" panose="02020603050405020304" pitchFamily="18" charset="0"/>
-              <a:cs typeface="Times New Roman" panose="02020603050405020304" pitchFamily="18" charset="0"/>
-            </a:endParaRPr>
-          </a:p>
-        </p:txBody>
-      </p:sp>
-      <p:sp>
-        <p:nvSpPr>
-          <p:cNvPr id="7" name="object 7"/>
-          <p:cNvSpPr txBox="1"/>
-          <p:nvPr/>
-        </p:nvSpPr>
-        <p:spPr>
-          <a:xfrm>
-            <a:off x="11870006" y="6407476"/>
-            <a:ext cx="124813" cy="220866"/>
-          </a:xfrm>
-          <a:prstGeom prst="rect">
-            <a:avLst/>
-          </a:prstGeom>
-        </p:spPr>
-        <p:txBody>
-          <a:bodyPr vert="horz" wrap="square" lIns="0" tIns="25499" rIns="0" bIns="0" rtlCol="0">
-            <a:spAutoFit/>
-          </a:bodyPr>
-          <a:lstStyle/>
-          <a:p>
-            <a:pPr marL="26841">
-              <a:spcBef>
-                <a:spcPts val="201"/>
-              </a:spcBef>
-            </a:pPr>
-            <a:r>
-              <a:rPr sz="1268" spc="-296" dirty="0">
-                <a:solidFill>
-                  <a:srgbClr val="22373A"/>
-                </a:solidFill>
-                <a:latin typeface="Arial Black"/>
-                <a:cs typeface="Arial Black"/>
-              </a:rPr>
-              <a:t>7</a:t>
             </a:r>
             <a:endParaRPr sz="1268">
               <a:latin typeface="Arial Black"/>

--- a/Lecture04_ProviderPayment/L4Slides_ProviderPayment_2023W.pptx
+++ b/Lecture04_ProviderPayment/L4Slides_ProviderPayment_2023W.pptx
@@ -265,7 +265,7 @@
           <a:p>
             <a:fld id="{EF911157-0FC2-4F06-8D61-FD647FE4E19D}" type="datetimeFigureOut">
               <a:rPr lang="en-US" smtClean="0"/>
-              <a:t>2/1/2023</a:t>
+              <a:t>2/7/2024</a:t>
             </a:fld>
             <a:endParaRPr lang="en-US"/>
           </a:p>
@@ -585,7 +585,10 @@
               <a:buFont typeface="Arial" panose="020B0604020202020204" pitchFamily="34" charset="0"/>
               <a:buNone/>
             </a:pPr>
-            <a:endParaRPr lang="en-US" dirty="0"/>
+            <a:r>
+              <a:rPr lang="en-US" dirty="0"/>
+              <a:t>For next time / if extra time: https://onlinelibrary.wiley.com/doi/epdf/10.1002/hec.4588</a:t>
+            </a:r>
           </a:p>
         </p:txBody>
       </p:sp>
@@ -626,6 +629,89 @@
 </file>
 
 <file path=ppt/notesSlides/notesSlide10.xml><?xml version="1.0" encoding="utf-8"?>
+<p:notes xmlns:a="http://schemas.openxmlformats.org/drawingml/2006/main" xmlns:r="http://schemas.openxmlformats.org/officeDocument/2006/relationships" xmlns:p="http://schemas.openxmlformats.org/presentationml/2006/main">
+  <p:cSld>
+    <p:spTree>
+      <p:nvGrpSpPr>
+        <p:cNvPr id="1" name=""/>
+        <p:cNvGrpSpPr/>
+        <p:nvPr/>
+      </p:nvGrpSpPr>
+      <p:grpSpPr>
+        <a:xfrm>
+          <a:off x="0" y="0"/>
+          <a:ext cx="0" cy="0"/>
+          <a:chOff x="0" y="0"/>
+          <a:chExt cx="0" cy="0"/>
+        </a:xfrm>
+      </p:grpSpPr>
+      <p:sp>
+        <p:nvSpPr>
+          <p:cNvPr id="26626" name="Rectangle 2"/>
+          <p:cNvSpPr>
+            <a:spLocks noGrp="1" noRot="1" noChangeAspect="1" noChangeArrowheads="1" noTextEdit="1"/>
+          </p:cNvSpPr>
+          <p:nvPr>
+            <p:ph type="sldImg"/>
+          </p:nvPr>
+        </p:nvSpPr>
+        <p:spPr>
+          <a:ln/>
+        </p:spPr>
+      </p:sp>
+      <p:sp>
+        <p:nvSpPr>
+          <p:cNvPr id="26627" name="Rectangle 3"/>
+          <p:cNvSpPr>
+            <a:spLocks noGrp="1" noChangeArrowheads="1"/>
+          </p:cNvSpPr>
+          <p:nvPr>
+            <p:ph type="body" idx="1"/>
+          </p:nvPr>
+        </p:nvSpPr>
+        <p:spPr>
+          <a:noFill/>
+          <a:ln w="9525"/>
+          <a:extLst>
+            <a:ext uri="{909E8E84-426E-40DD-AFC4-6F175D3DCCD1}">
+              <a14:hiddenFill xmlns:a14="http://schemas.microsoft.com/office/drawing/2010/main">
+                <a:solidFill>
+                  <a:srgbClr val="FFFFFF"/>
+                </a:solidFill>
+              </a14:hiddenFill>
+            </a:ext>
+            <a:ext uri="{91240B29-F687-4F45-9708-019B960494DF}">
+              <a14:hiddenLine xmlns:a14="http://schemas.microsoft.com/office/drawing/2010/main" w="9525">
+                <a:solidFill>
+                  <a:srgbClr val="000000"/>
+                </a:solidFill>
+                <a:miter lim="800000"/>
+                <a:headEnd/>
+                <a:tailEnd/>
+              </a14:hiddenLine>
+            </a:ext>
+          </a:extLst>
+        </p:spPr>
+        <p:txBody>
+          <a:bodyPr/>
+          <a:lstStyle/>
+          <a:p>
+            <a:r>
+              <a:rPr lang="en-US" altLang="en-US" dirty="0"/>
+              <a:t>Simple model: how do we think about trade-offs between FFS and capitation?</a:t>
+            </a:r>
+          </a:p>
+        </p:txBody>
+      </p:sp>
+    </p:spTree>
+  </p:cSld>
+  <p:clrMapOvr>
+    <a:masterClrMapping/>
+  </p:clrMapOvr>
+</p:notes>
+</file>
+
+<file path=ppt/notesSlides/notesSlide11.xml><?xml version="1.0" encoding="utf-8"?>
 <p:notes xmlns:a="http://schemas.openxmlformats.org/drawingml/2006/main" xmlns:r="http://schemas.openxmlformats.org/officeDocument/2006/relationships" xmlns:p="http://schemas.openxmlformats.org/presentationml/2006/main">
   <p:cSld>
     <p:spTree>
@@ -741,7 +827,7 @@
 </p:notes>
 </file>
 
-<file path=ppt/notesSlides/notesSlide11.xml><?xml version="1.0" encoding="utf-8"?>
+<file path=ppt/notesSlides/notesSlide12.xml><?xml version="1.0" encoding="utf-8"?>
 <p:notes xmlns:a="http://schemas.openxmlformats.org/drawingml/2006/main" xmlns:r="http://schemas.openxmlformats.org/officeDocument/2006/relationships" xmlns:p="http://schemas.openxmlformats.org/presentationml/2006/main">
   <p:cSld>
     <p:spTree>
@@ -846,89 +932,6 @@
               <a:latin typeface="Arial" pitchFamily="34" charset="0"/>
               <a:ea typeface="宋体" pitchFamily="2" charset="-122"/>
             </a:endParaRPr>
-          </a:p>
-        </p:txBody>
-      </p:sp>
-    </p:spTree>
-  </p:cSld>
-  <p:clrMapOvr>
-    <a:masterClrMapping/>
-  </p:clrMapOvr>
-</p:notes>
-</file>
-
-<file path=ppt/notesSlides/notesSlide12.xml><?xml version="1.0" encoding="utf-8"?>
-<p:notes xmlns:a="http://schemas.openxmlformats.org/drawingml/2006/main" xmlns:r="http://schemas.openxmlformats.org/officeDocument/2006/relationships" xmlns:p="http://schemas.openxmlformats.org/presentationml/2006/main">
-  <p:cSld>
-    <p:spTree>
-      <p:nvGrpSpPr>
-        <p:cNvPr id="1" name=""/>
-        <p:cNvGrpSpPr/>
-        <p:nvPr/>
-      </p:nvGrpSpPr>
-      <p:grpSpPr>
-        <a:xfrm>
-          <a:off x="0" y="0"/>
-          <a:ext cx="0" cy="0"/>
-          <a:chOff x="0" y="0"/>
-          <a:chExt cx="0" cy="0"/>
-        </a:xfrm>
-      </p:grpSpPr>
-      <p:sp>
-        <p:nvSpPr>
-          <p:cNvPr id="38914" name="Slide Image Placeholder 1"/>
-          <p:cNvSpPr>
-            <a:spLocks noGrp="1" noRot="1" noChangeAspect="1" noTextEdit="1"/>
-          </p:cNvSpPr>
-          <p:nvPr>
-            <p:ph type="sldImg"/>
-          </p:nvPr>
-        </p:nvSpPr>
-        <p:spPr>
-          <a:ln/>
-        </p:spPr>
-      </p:sp>
-      <p:sp>
-        <p:nvSpPr>
-          <p:cNvPr id="38915" name="Notes Placeholder 2"/>
-          <p:cNvSpPr>
-            <a:spLocks noGrp="1"/>
-          </p:cNvSpPr>
-          <p:nvPr>
-            <p:ph type="body" idx="1"/>
-          </p:nvPr>
-        </p:nvSpPr>
-        <p:spPr>
-          <a:noFill/>
-          <a:ln w="9525"/>
-          <a:extLst>
-            <a:ext uri="{909E8E84-426E-40DD-AFC4-6F175D3DCCD1}">
-              <a14:hiddenFill xmlns:a14="http://schemas.microsoft.com/office/drawing/2010/main">
-                <a:solidFill>
-                  <a:srgbClr val="FFFFFF"/>
-                </a:solidFill>
-              </a14:hiddenFill>
-            </a:ext>
-            <a:ext uri="{91240B29-F687-4F45-9708-019B960494DF}">
-              <a14:hiddenLine xmlns:a14="http://schemas.microsoft.com/office/drawing/2010/main" w="9525">
-                <a:solidFill>
-                  <a:srgbClr val="000000"/>
-                </a:solidFill>
-                <a:miter lim="800000"/>
-                <a:headEnd/>
-                <a:tailEnd/>
-              </a14:hiddenLine>
-            </a:ext>
-          </a:extLst>
-        </p:spPr>
-        <p:txBody>
-          <a:bodyPr/>
-          <a:lstStyle/>
-          <a:p>
-            <a:r>
-              <a:rPr lang="en-US" altLang="en-US" dirty="0"/>
-              <a:t>Note that when alpha = 1, your utility is still maximized. What if alpha goes past 1?Who falls into that category?</a:t>
-            </a:r>
           </a:p>
         </p:txBody>
       </p:sp>
@@ -1010,17 +1013,12 @@
           <a:p>
             <a:r>
               <a:rPr lang="en-US" altLang="en-US" dirty="0"/>
-              <a:t>Note that here we incorporate two possible payment extremes into pi – model lets us flexibly compare these</a:t>
+              <a:t>Note that when alpha = 1, your utility is still maximized. What if alpha goes past 1?Who falls into that category?</a:t>
             </a:r>
           </a:p>
         </p:txBody>
       </p:sp>
     </p:spTree>
-    <p:extLst>
-      <p:ext uri="{BB962C8B-B14F-4D97-AF65-F5344CB8AC3E}">
-        <p14:creationId xmlns:p14="http://schemas.microsoft.com/office/powerpoint/2010/main" val="2860834563"/>
-      </p:ext>
-    </p:extLst>
   </p:cSld>
   <p:clrMapOvr>
     <a:masterClrMapping/>
@@ -1047,19 +1045,21 @@
       </p:grpSpPr>
       <p:sp>
         <p:nvSpPr>
-          <p:cNvPr id="2" name="Slide Image Placeholder 1"/>
+          <p:cNvPr id="38914" name="Slide Image Placeholder 1"/>
           <p:cNvSpPr>
-            <a:spLocks noGrp="1" noRot="1" noChangeAspect="1"/>
+            <a:spLocks noGrp="1" noRot="1" noChangeAspect="1" noTextEdit="1"/>
           </p:cNvSpPr>
           <p:nvPr>
             <p:ph type="sldImg"/>
           </p:nvPr>
         </p:nvSpPr>
-        <p:spPr/>
+        <p:spPr>
+          <a:ln/>
+        </p:spPr>
       </p:sp>
       <p:sp>
         <p:nvSpPr>
-          <p:cNvPr id="3" name="Notes Placeholder 2"/>
+          <p:cNvPr id="38915" name="Notes Placeholder 2"/>
           <p:cNvSpPr>
             <a:spLocks noGrp="1"/>
           </p:cNvSpPr>
@@ -1067,45 +1067,44 @@
             <p:ph type="body" idx="1"/>
           </p:nvPr>
         </p:nvSpPr>
-        <p:spPr/>
+        <p:spPr>
+          <a:noFill/>
+          <a:ln w="9525"/>
+          <a:extLst>
+            <a:ext uri="{909E8E84-426E-40DD-AFC4-6F175D3DCCD1}">
+              <a14:hiddenFill xmlns:a14="http://schemas.microsoft.com/office/drawing/2010/main">
+                <a:solidFill>
+                  <a:srgbClr val="FFFFFF"/>
+                </a:solidFill>
+              </a14:hiddenFill>
+            </a:ext>
+            <a:ext uri="{91240B29-F687-4F45-9708-019B960494DF}">
+              <a14:hiddenLine xmlns:a14="http://schemas.microsoft.com/office/drawing/2010/main" w="9525">
+                <a:solidFill>
+                  <a:srgbClr val="000000"/>
+                </a:solidFill>
+                <a:miter lim="800000"/>
+                <a:headEnd/>
+                <a:tailEnd/>
+              </a14:hiddenLine>
+            </a:ext>
+          </a:extLst>
+        </p:spPr>
         <p:txBody>
           <a:bodyPr/>
           <a:lstStyle/>
           <a:p>
             <a:r>
-              <a:rPr lang="en-CA" dirty="0"/>
-              <a:t>What assumptions are we making here? (Leave graph on board)</a:t>
-            </a:r>
-          </a:p>
-        </p:txBody>
-      </p:sp>
-      <p:sp>
-        <p:nvSpPr>
-          <p:cNvPr id="4" name="Slide Number Placeholder 3"/>
-          <p:cNvSpPr>
-            <a:spLocks noGrp="1"/>
-          </p:cNvSpPr>
-          <p:nvPr>
-            <p:ph type="sldNum" sz="quarter" idx="5"/>
-          </p:nvPr>
-        </p:nvSpPr>
-        <p:spPr/>
-        <p:txBody>
-          <a:bodyPr/>
-          <a:lstStyle/>
-          <a:p>
-            <a:fld id="{4AF79E1B-2C51-4B9B-8EA4-26DE9E345AFF}" type="slidenum">
-              <a:rPr lang="en-US" smtClean="0"/>
-              <a:t>22</a:t>
-            </a:fld>
-            <a:endParaRPr lang="en-US"/>
+              <a:rPr lang="en-US" altLang="en-US" dirty="0"/>
+              <a:t>Note that here we incorporate two possible payment extremes into pi – model lets us flexibly compare these</a:t>
+            </a:r>
           </a:p>
         </p:txBody>
       </p:sp>
     </p:spTree>
     <p:extLst>
       <p:ext uri="{BB962C8B-B14F-4D97-AF65-F5344CB8AC3E}">
-        <p14:creationId xmlns:p14="http://schemas.microsoft.com/office/powerpoint/2010/main" val="3400181846"/>
+        <p14:creationId xmlns:p14="http://schemas.microsoft.com/office/powerpoint/2010/main" val="2860834563"/>
       </p:ext>
     </p:extLst>
   </p:cSld>
@@ -1161,7 +1160,7 @@
           <a:p>
             <a:r>
               <a:rPr lang="en-CA" dirty="0"/>
-              <a:t>What assumptions are we making here? </a:t>
+              <a:t>What assumptions are we making here? (Leave graph on board)</a:t>
             </a:r>
           </a:p>
         </p:txBody>
@@ -1183,7 +1182,7 @@
           <a:p>
             <a:fld id="{4AF79E1B-2C51-4B9B-8EA4-26DE9E345AFF}" type="slidenum">
               <a:rPr lang="en-US" smtClean="0"/>
-              <a:t>23</a:t>
+              <a:t>22</a:t>
             </a:fld>
             <a:endParaRPr lang="en-US"/>
           </a:p>
@@ -1192,7 +1191,7 @@
     </p:spTree>
     <p:extLst>
       <p:ext uri="{BB962C8B-B14F-4D97-AF65-F5344CB8AC3E}">
-        <p14:creationId xmlns:p14="http://schemas.microsoft.com/office/powerpoint/2010/main" val="1902832553"/>
+        <p14:creationId xmlns:p14="http://schemas.microsoft.com/office/powerpoint/2010/main" val="3400181846"/>
       </p:ext>
     </p:extLst>
   </p:cSld>
@@ -1248,7 +1247,7 @@
           <a:p>
             <a:r>
               <a:rPr lang="en-CA" dirty="0"/>
-              <a:t>Since alpha &lt; 1 , it is less than patient’s desired optimum</a:t>
+              <a:t>What assumptions are we making here? </a:t>
             </a:r>
           </a:p>
         </p:txBody>
@@ -1270,7 +1269,7 @@
           <a:p>
             <a:fld id="{4AF79E1B-2C51-4B9B-8EA4-26DE9E345AFF}" type="slidenum">
               <a:rPr lang="en-US" smtClean="0"/>
-              <a:t>24</a:t>
+              <a:t>23</a:t>
             </a:fld>
             <a:endParaRPr lang="en-US"/>
           </a:p>
@@ -1279,7 +1278,7 @@
     </p:spTree>
     <p:extLst>
       <p:ext uri="{BB962C8B-B14F-4D97-AF65-F5344CB8AC3E}">
-        <p14:creationId xmlns:p14="http://schemas.microsoft.com/office/powerpoint/2010/main" val="714266092"/>
+        <p14:creationId xmlns:p14="http://schemas.microsoft.com/office/powerpoint/2010/main" val="1902832553"/>
       </p:ext>
     </p:extLst>
   </p:cSld>
@@ -1335,7 +1334,7 @@
           <a:p>
             <a:r>
               <a:rPr lang="en-CA" dirty="0"/>
-              <a:t>(Leave graph on board) Note – this model is obviously simple – if doctors weren’t altruistic at all, then there would be no quantity provided. What else aren’t we accounting for? (Norms)</a:t>
+              <a:t>Since alpha &lt; 1 , it is less than patient’s desired optimum</a:t>
             </a:r>
           </a:p>
         </p:txBody>
@@ -1357,7 +1356,7 @@
           <a:p>
             <a:fld id="{4AF79E1B-2C51-4B9B-8EA4-26DE9E345AFF}" type="slidenum">
               <a:rPr lang="en-US" smtClean="0"/>
-              <a:t>25</a:t>
+              <a:t>24</a:t>
             </a:fld>
             <a:endParaRPr lang="en-US"/>
           </a:p>
@@ -1366,7 +1365,7 @@
     </p:spTree>
     <p:extLst>
       <p:ext uri="{BB962C8B-B14F-4D97-AF65-F5344CB8AC3E}">
-        <p14:creationId xmlns:p14="http://schemas.microsoft.com/office/powerpoint/2010/main" val="3979182852"/>
+        <p14:creationId xmlns:p14="http://schemas.microsoft.com/office/powerpoint/2010/main" val="714266092"/>
       </p:ext>
     </p:extLst>
   </p:cSld>
@@ -1422,7 +1421,7 @@
           <a:p>
             <a:r>
               <a:rPr lang="en-CA" dirty="0"/>
-              <a:t>If marginal costs are c, then we have the same condition as before except we increase the RHS from 0 to c. This means that we must increase b(q) from our capitated solution, which means increasing service provision. (Leave graph on board)</a:t>
+              <a:t>(Leave graph on board) Note – this model is obviously simple – if doctors weren’t altruistic at all, then there would be no quantity provided. What else aren’t we accounting for? (Norms)</a:t>
             </a:r>
           </a:p>
         </p:txBody>
@@ -1444,7 +1443,7 @@
           <a:p>
             <a:fld id="{4AF79E1B-2C51-4B9B-8EA4-26DE9E345AFF}" type="slidenum">
               <a:rPr lang="en-US" smtClean="0"/>
-              <a:t>26</a:t>
+              <a:t>25</a:t>
             </a:fld>
             <a:endParaRPr lang="en-US"/>
           </a:p>
@@ -1453,7 +1452,7 @@
     </p:spTree>
     <p:extLst>
       <p:ext uri="{BB962C8B-B14F-4D97-AF65-F5344CB8AC3E}">
-        <p14:creationId xmlns:p14="http://schemas.microsoft.com/office/powerpoint/2010/main" val="2423219825"/>
+        <p14:creationId xmlns:p14="http://schemas.microsoft.com/office/powerpoint/2010/main" val="3979182852"/>
       </p:ext>
     </p:extLst>
   </p:cSld>
@@ -1509,7 +1508,7 @@
           <a:p>
             <a:r>
               <a:rPr lang="en-CA" dirty="0"/>
-              <a:t>No reason to believe that FFS will get to the “right” level of provision</a:t>
+              <a:t>If marginal costs are c, then we have the same condition as before except we increase the RHS from 0 to c. This means that we must increase b(q) from our capitated solution, which means increasing service provision. (Leave graph on board)</a:t>
             </a:r>
           </a:p>
         </p:txBody>
@@ -1531,7 +1530,7 @@
           <a:p>
             <a:fld id="{4AF79E1B-2C51-4B9B-8EA4-26DE9E345AFF}" type="slidenum">
               <a:rPr lang="en-US" smtClean="0"/>
-              <a:t>27</a:t>
+              <a:t>26</a:t>
             </a:fld>
             <a:endParaRPr lang="en-US"/>
           </a:p>
@@ -1540,7 +1539,7 @@
     </p:spTree>
     <p:extLst>
       <p:ext uri="{BB962C8B-B14F-4D97-AF65-F5344CB8AC3E}">
-        <p14:creationId xmlns:p14="http://schemas.microsoft.com/office/powerpoint/2010/main" val="3314948882"/>
+        <p14:creationId xmlns:p14="http://schemas.microsoft.com/office/powerpoint/2010/main" val="2423219825"/>
       </p:ext>
     </p:extLst>
   </p:cSld>
@@ -1687,7 +1686,7 @@
           <a:p>
             <a:r>
               <a:rPr lang="en-CA" dirty="0"/>
-              <a:t>Yes, in this case we need to decrease the marginal costs</a:t>
+              <a:t>No reason to believe that FFS will get to the “right” level of provision</a:t>
             </a:r>
           </a:p>
         </p:txBody>
@@ -1709,7 +1708,7 @@
           <a:p>
             <a:fld id="{4AF79E1B-2C51-4B9B-8EA4-26DE9E345AFF}" type="slidenum">
               <a:rPr lang="en-US" smtClean="0"/>
-              <a:t>28</a:t>
+              <a:t>27</a:t>
             </a:fld>
             <a:endParaRPr lang="en-US"/>
           </a:p>
@@ -1718,7 +1717,7 @@
     </p:spTree>
     <p:extLst>
       <p:ext uri="{BB962C8B-B14F-4D97-AF65-F5344CB8AC3E}">
-        <p14:creationId xmlns:p14="http://schemas.microsoft.com/office/powerpoint/2010/main" val="3590120813"/>
+        <p14:creationId xmlns:p14="http://schemas.microsoft.com/office/powerpoint/2010/main" val="3314948882"/>
       </p:ext>
     </p:extLst>
   </p:cSld>
@@ -1774,7 +1773,7 @@
           <a:p>
             <a:r>
               <a:rPr lang="en-CA" dirty="0"/>
-              <a:t>Suppose we have a mixed system where some fraction “r” of costs are paid and a physician is also paid a capitated “a” amount </a:t>
+              <a:t>Yes, in this case we need to decrease the marginal costs</a:t>
             </a:r>
           </a:p>
         </p:txBody>
@@ -1796,7 +1795,7 @@
           <a:p>
             <a:fld id="{4AF79E1B-2C51-4B9B-8EA4-26DE9E345AFF}" type="slidenum">
               <a:rPr lang="en-US" smtClean="0"/>
-              <a:t>29</a:t>
+              <a:t>28</a:t>
             </a:fld>
             <a:endParaRPr lang="en-US"/>
           </a:p>
@@ -1805,7 +1804,7 @@
     </p:spTree>
     <p:extLst>
       <p:ext uri="{BB962C8B-B14F-4D97-AF65-F5344CB8AC3E}">
-        <p14:creationId xmlns:p14="http://schemas.microsoft.com/office/powerpoint/2010/main" val="527161287"/>
+        <p14:creationId xmlns:p14="http://schemas.microsoft.com/office/powerpoint/2010/main" val="3590120813"/>
       </p:ext>
     </p:extLst>
   </p:cSld>
@@ -1859,26 +1858,9 @@
           <a:bodyPr/>
           <a:lstStyle/>
           <a:p>
-            <a:pPr marL="0" marR="0" lvl="0" indent="0" algn="l" defTabSz="914400" rtl="0" eaLnBrk="1" fontAlgn="auto" latinLnBrk="0" hangingPunct="1">
-              <a:lnSpc>
-                <a:spcPct val="100000"/>
-              </a:lnSpc>
-              <a:spcBef>
-                <a:spcPts val="0"/>
-              </a:spcBef>
-              <a:spcAft>
-                <a:spcPts val="0"/>
-              </a:spcAft>
-              <a:buClrTx/>
-              <a:buSzTx/>
-              <a:buFontTx/>
-              <a:buNone/>
-              <a:tabLst/>
-              <a:defRPr/>
-            </a:pPr>
             <a:r>
               <a:rPr lang="en-CA" dirty="0"/>
-              <a:t>Marginal benefit = marginal cost. </a:t>
+              <a:t>Suppose we have a mixed system where some fraction “r” of costs are paid and a physician is also paid a capitated “a” amount </a:t>
             </a:r>
           </a:p>
         </p:txBody>
@@ -1900,7 +1882,7 @@
           <a:p>
             <a:fld id="{4AF79E1B-2C51-4B9B-8EA4-26DE9E345AFF}" type="slidenum">
               <a:rPr lang="en-US" smtClean="0"/>
-              <a:t>30</a:t>
+              <a:t>29</a:t>
             </a:fld>
             <a:endParaRPr lang="en-US"/>
           </a:p>
@@ -1909,7 +1891,7 @@
     </p:spTree>
     <p:extLst>
       <p:ext uri="{BB962C8B-B14F-4D97-AF65-F5344CB8AC3E}">
-        <p14:creationId xmlns:p14="http://schemas.microsoft.com/office/powerpoint/2010/main" val="2317568186"/>
+        <p14:creationId xmlns:p14="http://schemas.microsoft.com/office/powerpoint/2010/main" val="527161287"/>
       </p:ext>
     </p:extLst>
   </p:cSld>
@@ -1982,24 +1964,8 @@
             </a:pPr>
             <a:r>
               <a:rPr lang="en-CA" dirty="0"/>
-              <a:t>Marginal benefit = marginal cost. Now, the MDs have to be paid for everything but their altruism. Think about comparative statics—what happens as alpha changes? If alpha = 1, then we can get away with full capitation (see figure 1), but otherwise need to “beef </a:t>
-            </a:r>
-            <a:r>
-              <a:rPr lang="en-CA" dirty="0" err="1"/>
-              <a:t>ti</a:t>
-            </a:r>
-            <a:r>
-              <a:rPr lang="en-CA" dirty="0"/>
-              <a:t> up” a </a:t>
-            </a:r>
-            <a:r>
-              <a:rPr lang="en-CA" dirty="0" err="1"/>
-              <a:t>litle</a:t>
-            </a:r>
-            <a:endParaRPr lang="en-CA" dirty="0"/>
-          </a:p>
-          <a:p>
-            <a:endParaRPr lang="en-CA" dirty="0"/>
+              <a:t>Marginal benefit = marginal cost. </a:t>
+            </a:r>
           </a:p>
         </p:txBody>
       </p:sp>
@@ -2020,7 +1986,7 @@
           <a:p>
             <a:fld id="{4AF79E1B-2C51-4B9B-8EA4-26DE9E345AFF}" type="slidenum">
               <a:rPr lang="en-US" smtClean="0"/>
-              <a:t>31</a:t>
+              <a:t>30</a:t>
             </a:fld>
             <a:endParaRPr lang="en-US"/>
           </a:p>
@@ -2029,7 +1995,7 @@
     </p:spTree>
     <p:extLst>
       <p:ext uri="{BB962C8B-B14F-4D97-AF65-F5344CB8AC3E}">
-        <p14:creationId xmlns:p14="http://schemas.microsoft.com/office/powerpoint/2010/main" val="3881209130"/>
+        <p14:creationId xmlns:p14="http://schemas.microsoft.com/office/powerpoint/2010/main" val="2317568186"/>
       </p:ext>
     </p:extLst>
   </p:cSld>
@@ -2083,10 +2049,43 @@
           <a:bodyPr/>
           <a:lstStyle/>
           <a:p>
+            <a:pPr marL="0" marR="0" lvl="0" indent="0" algn="l" defTabSz="914400" rtl="0" eaLnBrk="1" fontAlgn="auto" latinLnBrk="0" hangingPunct="1">
+              <a:lnSpc>
+                <a:spcPct val="100000"/>
+              </a:lnSpc>
+              <a:spcBef>
+                <a:spcPts val="0"/>
+              </a:spcBef>
+              <a:spcAft>
+                <a:spcPts val="0"/>
+              </a:spcAft>
+              <a:buClrTx/>
+              <a:buSzTx/>
+              <a:buFontTx/>
+              <a:buNone/>
+              <a:tabLst/>
+              <a:defRPr/>
+            </a:pPr>
             <a:r>
               <a:rPr lang="en-CA" dirty="0"/>
-              <a:t>Policy makers get to choose r and a</a:t>
-            </a:r>
+              <a:t>Marginal benefit = marginal cost. Now, the MDs have to be paid for everything but their altruism. Think about comparative statics—what happens as alpha changes? If alpha = 1, then we can get away with full capitation (see figure 1), but otherwise need to “beef </a:t>
+            </a:r>
+            <a:r>
+              <a:rPr lang="en-CA" dirty="0" err="1"/>
+              <a:t>ti</a:t>
+            </a:r>
+            <a:r>
+              <a:rPr lang="en-CA" dirty="0"/>
+              <a:t> up” a </a:t>
+            </a:r>
+            <a:r>
+              <a:rPr lang="en-CA" dirty="0" err="1"/>
+              <a:t>litle</a:t>
+            </a:r>
+            <a:endParaRPr lang="en-CA" dirty="0"/>
+          </a:p>
+          <a:p>
+            <a:endParaRPr lang="en-CA" dirty="0"/>
           </a:p>
         </p:txBody>
       </p:sp>
@@ -2107,7 +2106,7 @@
           <a:p>
             <a:fld id="{4AF79E1B-2C51-4B9B-8EA4-26DE9E345AFF}" type="slidenum">
               <a:rPr lang="en-US" smtClean="0"/>
-              <a:t>32</a:t>
+              <a:t>31</a:t>
             </a:fld>
             <a:endParaRPr lang="en-US"/>
           </a:p>
@@ -2116,7 +2115,7 @@
     </p:spTree>
     <p:extLst>
       <p:ext uri="{BB962C8B-B14F-4D97-AF65-F5344CB8AC3E}">
-        <p14:creationId xmlns:p14="http://schemas.microsoft.com/office/powerpoint/2010/main" val="1135223908"/>
+        <p14:creationId xmlns:p14="http://schemas.microsoft.com/office/powerpoint/2010/main" val="3881209130"/>
       </p:ext>
     </p:extLst>
   </p:cSld>
@@ -2171,6 +2170,93 @@
           <a:lstStyle/>
           <a:p>
             <a:r>
+              <a:rPr lang="en-CA" dirty="0"/>
+              <a:t>Policy makers get to choose r and a. Look at figures here: https://www.sciencedirect.com/science/article/pii/0167629686900020 </a:t>
+            </a:r>
+          </a:p>
+        </p:txBody>
+      </p:sp>
+      <p:sp>
+        <p:nvSpPr>
+          <p:cNvPr id="4" name="Slide Number Placeholder 3"/>
+          <p:cNvSpPr>
+            <a:spLocks noGrp="1"/>
+          </p:cNvSpPr>
+          <p:nvPr>
+            <p:ph type="sldNum" sz="quarter" idx="5"/>
+          </p:nvPr>
+        </p:nvSpPr>
+        <p:spPr/>
+        <p:txBody>
+          <a:bodyPr/>
+          <a:lstStyle/>
+          <a:p>
+            <a:fld id="{4AF79E1B-2C51-4B9B-8EA4-26DE9E345AFF}" type="slidenum">
+              <a:rPr lang="en-US" smtClean="0"/>
+              <a:t>32</a:t>
+            </a:fld>
+            <a:endParaRPr lang="en-US"/>
+          </a:p>
+        </p:txBody>
+      </p:sp>
+    </p:spTree>
+    <p:extLst>
+      <p:ext uri="{BB962C8B-B14F-4D97-AF65-F5344CB8AC3E}">
+        <p14:creationId xmlns:p14="http://schemas.microsoft.com/office/powerpoint/2010/main" val="1135223908"/>
+      </p:ext>
+    </p:extLst>
+  </p:cSld>
+  <p:clrMapOvr>
+    <a:masterClrMapping/>
+  </p:clrMapOvr>
+</p:notes>
+</file>
+
+<file path=ppt/notesSlides/notesSlide26.xml><?xml version="1.0" encoding="utf-8"?>
+<p:notes xmlns:a="http://schemas.openxmlformats.org/drawingml/2006/main" xmlns:r="http://schemas.openxmlformats.org/officeDocument/2006/relationships" xmlns:p="http://schemas.openxmlformats.org/presentationml/2006/main">
+  <p:cSld>
+    <p:spTree>
+      <p:nvGrpSpPr>
+        <p:cNvPr id="1" name=""/>
+        <p:cNvGrpSpPr/>
+        <p:nvPr/>
+      </p:nvGrpSpPr>
+      <p:grpSpPr>
+        <a:xfrm>
+          <a:off x="0" y="0"/>
+          <a:ext cx="0" cy="0"/>
+          <a:chOff x="0" y="0"/>
+          <a:chExt cx="0" cy="0"/>
+        </a:xfrm>
+      </p:grpSpPr>
+      <p:sp>
+        <p:nvSpPr>
+          <p:cNvPr id="2" name="Slide Image Placeholder 1"/>
+          <p:cNvSpPr>
+            <a:spLocks noGrp="1" noRot="1" noChangeAspect="1"/>
+          </p:cNvSpPr>
+          <p:nvPr>
+            <p:ph type="sldImg"/>
+          </p:nvPr>
+        </p:nvSpPr>
+        <p:spPr/>
+      </p:sp>
+      <p:sp>
+        <p:nvSpPr>
+          <p:cNvPr id="3" name="Notes Placeholder 2"/>
+          <p:cNvSpPr>
+            <a:spLocks noGrp="1"/>
+          </p:cNvSpPr>
+          <p:nvPr>
+            <p:ph type="body" idx="1"/>
+          </p:nvPr>
+        </p:nvSpPr>
+        <p:spPr/>
+        <p:txBody>
+          <a:bodyPr/>
+          <a:lstStyle/>
+          <a:p>
+            <a:r>
               <a:rPr lang="en-US" altLang="en-US" dirty="0"/>
               <a:t>Also do we want to implement q’? Why or why not? </a:t>
             </a:r>
@@ -2207,89 +2293,6 @@
         <p14:creationId xmlns:p14="http://schemas.microsoft.com/office/powerpoint/2010/main" val="3569833132"/>
       </p:ext>
     </p:extLst>
-  </p:cSld>
-  <p:clrMapOvr>
-    <a:masterClrMapping/>
-  </p:clrMapOvr>
-</p:notes>
-</file>
-
-<file path=ppt/notesSlides/notesSlide26.xml><?xml version="1.0" encoding="utf-8"?>
-<p:notes xmlns:a="http://schemas.openxmlformats.org/drawingml/2006/main" xmlns:r="http://schemas.openxmlformats.org/officeDocument/2006/relationships" xmlns:p="http://schemas.openxmlformats.org/presentationml/2006/main">
-  <p:cSld>
-    <p:spTree>
-      <p:nvGrpSpPr>
-        <p:cNvPr id="1" name=""/>
-        <p:cNvGrpSpPr/>
-        <p:nvPr/>
-      </p:nvGrpSpPr>
-      <p:grpSpPr>
-        <a:xfrm>
-          <a:off x="0" y="0"/>
-          <a:ext cx="0" cy="0"/>
-          <a:chOff x="0" y="0"/>
-          <a:chExt cx="0" cy="0"/>
-        </a:xfrm>
-      </p:grpSpPr>
-      <p:sp>
-        <p:nvSpPr>
-          <p:cNvPr id="40962" name="Slide Image Placeholder 1"/>
-          <p:cNvSpPr>
-            <a:spLocks noGrp="1" noRot="1" noChangeAspect="1" noTextEdit="1"/>
-          </p:cNvSpPr>
-          <p:nvPr>
-            <p:ph type="sldImg"/>
-          </p:nvPr>
-        </p:nvSpPr>
-        <p:spPr>
-          <a:ln/>
-        </p:spPr>
-      </p:sp>
-      <p:sp>
-        <p:nvSpPr>
-          <p:cNvPr id="40963" name="Notes Placeholder 2"/>
-          <p:cNvSpPr>
-            <a:spLocks noGrp="1"/>
-          </p:cNvSpPr>
-          <p:nvPr>
-            <p:ph type="body" idx="1"/>
-          </p:nvPr>
-        </p:nvSpPr>
-        <p:spPr>
-          <a:noFill/>
-          <a:ln w="9525"/>
-          <a:extLst>
-            <a:ext uri="{909E8E84-426E-40DD-AFC4-6F175D3DCCD1}">
-              <a14:hiddenFill xmlns:a14="http://schemas.microsoft.com/office/drawing/2010/main">
-                <a:solidFill>
-                  <a:srgbClr val="FFFFFF"/>
-                </a:solidFill>
-              </a14:hiddenFill>
-            </a:ext>
-            <a:ext uri="{91240B29-F687-4F45-9708-019B960494DF}">
-              <a14:hiddenLine xmlns:a14="http://schemas.microsoft.com/office/drawing/2010/main" w="9525">
-                <a:solidFill>
-                  <a:srgbClr val="000000"/>
-                </a:solidFill>
-                <a:miter lim="800000"/>
-                <a:headEnd/>
-                <a:tailEnd/>
-              </a14:hiddenLine>
-            </a:ext>
-          </a:extLst>
-        </p:spPr>
-        <p:txBody>
-          <a:bodyPr/>
-          <a:lstStyle/>
-          <a:p>
-            <a:r>
-              <a:rPr lang="en-US" altLang="en-US" dirty="0"/>
-              <a:t>We’ll briefly walk through one extension of the model. </a:t>
-            </a:r>
-          </a:p>
-        </p:txBody>
-      </p:sp>
-    </p:spTree>
   </p:cSld>
   <p:clrMapOvr>
     <a:masterClrMapping/>
@@ -2367,17 +2370,12 @@
           <a:p>
             <a:r>
               <a:rPr lang="en-US" altLang="en-US" dirty="0"/>
-              <a:t>We’ll briefly walk through one extension of the model (can skip this part if there isn’t time)</a:t>
+              <a:t>We’ll briefly walk through one extension of the model. </a:t>
             </a:r>
           </a:p>
         </p:txBody>
       </p:sp>
     </p:spTree>
-    <p:extLst>
-      <p:ext uri="{BB962C8B-B14F-4D97-AF65-F5344CB8AC3E}">
-        <p14:creationId xmlns:p14="http://schemas.microsoft.com/office/powerpoint/2010/main" val="4251555495"/>
-      </p:ext>
-    </p:extLst>
   </p:cSld>
   <p:clrMapOvr>
     <a:masterClrMapping/>
@@ -2455,7 +2453,7 @@
           <a:p>
             <a:r>
               <a:rPr lang="en-US" altLang="en-US" dirty="0"/>
-              <a:t>Simplified this utility function from the paper – note that the patient optimum is easy to compute, and depends only on patient cost-sharing © being less than a (note that the bracketed term is benefit from treatment)</a:t>
+              <a:t>We’ll briefly walk through one extension of the model (can skip this part if there isn’t time)</a:t>
             </a:r>
           </a:p>
         </p:txBody>
@@ -2463,7 +2461,7 @@
     </p:spTree>
     <p:extLst>
       <p:ext uri="{BB962C8B-B14F-4D97-AF65-F5344CB8AC3E}">
-        <p14:creationId xmlns:p14="http://schemas.microsoft.com/office/powerpoint/2010/main" val="3688866236"/>
+        <p14:creationId xmlns:p14="http://schemas.microsoft.com/office/powerpoint/2010/main" val="4251555495"/>
       </p:ext>
     </p:extLst>
   </p:cSld>
@@ -2543,7 +2541,7 @@
           <a:p>
             <a:r>
               <a:rPr lang="en-US" altLang="en-US" dirty="0"/>
-              <a:t>Now the provider’s utility max is just (a-(r/alpha))/b and requires only that r &lt; alpha * a. In previous part of problem we had r = 1-alpha . Leave solutions on the board</a:t>
+              <a:t>Simplified this utility function from the paper – note that the patient optimum is easy to compute, and depends only on patient cost-sharing © being less than a (note that the bracketed term is benefit from treatment)</a:t>
             </a:r>
           </a:p>
         </p:txBody>
@@ -2551,7 +2549,7 @@
     </p:spTree>
     <p:extLst>
       <p:ext uri="{BB962C8B-B14F-4D97-AF65-F5344CB8AC3E}">
-        <p14:creationId xmlns:p14="http://schemas.microsoft.com/office/powerpoint/2010/main" val="3261817441"/>
+        <p14:creationId xmlns:p14="http://schemas.microsoft.com/office/powerpoint/2010/main" val="3688866236"/>
       </p:ext>
     </p:extLst>
   </p:cSld>
@@ -2718,7 +2716,7 @@
           <a:p>
             <a:r>
               <a:rPr lang="en-US" altLang="en-US" dirty="0"/>
-              <a:t>Not going to go through this solution, but you can derive it yourself easily. Note that the q is flipped (patient is considering the minimal deviation from the provider’s quantity, and vice versa)</a:t>
+              <a:t>Now the provider’s utility max is just (a-(r/alpha))/b and requires only that r &lt; alpha * a. In previous part of problem we had r = 1-alpha . Leave solutions on the board</a:t>
             </a:r>
           </a:p>
         </p:txBody>
@@ -2726,7 +2724,7 @@
     </p:spTree>
     <p:extLst>
       <p:ext uri="{BB962C8B-B14F-4D97-AF65-F5344CB8AC3E}">
-        <p14:creationId xmlns:p14="http://schemas.microsoft.com/office/powerpoint/2010/main" val="1005153845"/>
+        <p14:creationId xmlns:p14="http://schemas.microsoft.com/office/powerpoint/2010/main" val="3261817441"/>
       </p:ext>
     </p:extLst>
   </p:cSld>
@@ -2806,7 +2804,7 @@
           <a:p>
             <a:r>
               <a:rPr lang="en-US" altLang="en-US" dirty="0"/>
-              <a:t>Not going to go through this solution, but you can derive it yourself easily. Note that F, G, H, and I depend on the quadratic terms of utility functions </a:t>
+              <a:t>Not going to go through this solution, but you can derive it yourself easily. Note that the q is flipped (patient is considering the minimal deviation from the provider’s quantity, and vice versa)</a:t>
             </a:r>
           </a:p>
         </p:txBody>
@@ -2814,7 +2812,7 @@
     </p:spTree>
     <p:extLst>
       <p:ext uri="{BB962C8B-B14F-4D97-AF65-F5344CB8AC3E}">
-        <p14:creationId xmlns:p14="http://schemas.microsoft.com/office/powerpoint/2010/main" val="1635011627"/>
+        <p14:creationId xmlns:p14="http://schemas.microsoft.com/office/powerpoint/2010/main" val="1005153845"/>
       </p:ext>
     </p:extLst>
   </p:cSld>
@@ -2894,7 +2892,7 @@
           <a:p>
             <a:r>
               <a:rPr lang="en-US" altLang="en-US" dirty="0"/>
-              <a:t>Is this a good assumption? Can work this out from the solutions to individual problems on the board</a:t>
+              <a:t>Not going to go through this solution, but you can derive it yourself easily. Note that F, G, H, and I depend on the quadratic terms of utility functions </a:t>
             </a:r>
           </a:p>
         </p:txBody>
@@ -2902,7 +2900,7 @@
     </p:spTree>
     <p:extLst>
       <p:ext uri="{BB962C8B-B14F-4D97-AF65-F5344CB8AC3E}">
-        <p14:creationId xmlns:p14="http://schemas.microsoft.com/office/powerpoint/2010/main" val="406141902"/>
+        <p14:creationId xmlns:p14="http://schemas.microsoft.com/office/powerpoint/2010/main" val="1635011627"/>
       </p:ext>
     </p:extLst>
   </p:cSld>
@@ -2990,7 +2988,7 @@
     </p:spTree>
     <p:extLst>
       <p:ext uri="{BB962C8B-B14F-4D97-AF65-F5344CB8AC3E}">
-        <p14:creationId xmlns:p14="http://schemas.microsoft.com/office/powerpoint/2010/main" val="3717872741"/>
+        <p14:creationId xmlns:p14="http://schemas.microsoft.com/office/powerpoint/2010/main" val="406141902"/>
       </p:ext>
     </p:extLst>
   </p:cSld>
@@ -3070,7 +3068,7 @@
           <a:p>
             <a:r>
               <a:rPr lang="en-US" altLang="en-US" dirty="0"/>
-              <a:t>And there we go! Why is B’ = 1? Because here we have assumed constant marginal costs of 1</a:t>
+              <a:t>Is this a good assumption? Can work this out from the solutions to individual problems on the board</a:t>
             </a:r>
           </a:p>
         </p:txBody>
@@ -3078,7 +3076,7 @@
     </p:spTree>
     <p:extLst>
       <p:ext uri="{BB962C8B-B14F-4D97-AF65-F5344CB8AC3E}">
-        <p14:creationId xmlns:p14="http://schemas.microsoft.com/office/powerpoint/2010/main" val="562158162"/>
+        <p14:creationId xmlns:p14="http://schemas.microsoft.com/office/powerpoint/2010/main" val="3717872741"/>
       </p:ext>
     </p:extLst>
   </p:cSld>
@@ -3089,180 +3087,6 @@
 </file>
 
 <file path=ppt/notesSlides/notesSlide35.xml><?xml version="1.0" encoding="utf-8"?>
-<p:notes xmlns:a="http://schemas.openxmlformats.org/drawingml/2006/main" xmlns:r="http://schemas.openxmlformats.org/officeDocument/2006/relationships" xmlns:p="http://schemas.openxmlformats.org/presentationml/2006/main">
-  <p:cSld>
-    <p:spTree>
-      <p:nvGrpSpPr>
-        <p:cNvPr id="1" name=""/>
-        <p:cNvGrpSpPr/>
-        <p:nvPr/>
-      </p:nvGrpSpPr>
-      <p:grpSpPr>
-        <a:xfrm>
-          <a:off x="0" y="0"/>
-          <a:ext cx="0" cy="0"/>
-          <a:chOff x="0" y="0"/>
-          <a:chExt cx="0" cy="0"/>
-        </a:xfrm>
-      </p:grpSpPr>
-      <p:sp>
-        <p:nvSpPr>
-          <p:cNvPr id="2" name="Slide Image Placeholder 1"/>
-          <p:cNvSpPr>
-            <a:spLocks noGrp="1" noRot="1" noChangeAspect="1"/>
-          </p:cNvSpPr>
-          <p:nvPr>
-            <p:ph type="sldImg"/>
-          </p:nvPr>
-        </p:nvSpPr>
-        <p:spPr/>
-      </p:sp>
-      <p:sp>
-        <p:nvSpPr>
-          <p:cNvPr id="3" name="Notes Placeholder 2"/>
-          <p:cNvSpPr>
-            <a:spLocks noGrp="1"/>
-          </p:cNvSpPr>
-          <p:nvPr>
-            <p:ph type="body" idx="1"/>
-          </p:nvPr>
-        </p:nvSpPr>
-        <p:spPr/>
-        <p:txBody>
-          <a:bodyPr/>
-          <a:lstStyle/>
-          <a:p>
-            <a:r>
-              <a:rPr lang="en-US" dirty="0"/>
-              <a:t>Some of my concerns – can we estimate bargaining? What about multiple types of insurance? </a:t>
-            </a:r>
-          </a:p>
-        </p:txBody>
-      </p:sp>
-      <p:sp>
-        <p:nvSpPr>
-          <p:cNvPr id="4" name="Slide Number Placeholder 3"/>
-          <p:cNvSpPr>
-            <a:spLocks noGrp="1"/>
-          </p:cNvSpPr>
-          <p:nvPr>
-            <p:ph type="sldNum" sz="quarter" idx="5"/>
-          </p:nvPr>
-        </p:nvSpPr>
-        <p:spPr/>
-        <p:txBody>
-          <a:bodyPr/>
-          <a:lstStyle/>
-          <a:p>
-            <a:fld id="{4AF79E1B-2C51-4B9B-8EA4-26DE9E345AFF}" type="slidenum">
-              <a:rPr lang="en-US" smtClean="0"/>
-              <a:t>43</a:t>
-            </a:fld>
-            <a:endParaRPr lang="en-US"/>
-          </a:p>
-        </p:txBody>
-      </p:sp>
-    </p:spTree>
-    <p:extLst>
-      <p:ext uri="{BB962C8B-B14F-4D97-AF65-F5344CB8AC3E}">
-        <p14:creationId xmlns:p14="http://schemas.microsoft.com/office/powerpoint/2010/main" val="3569833132"/>
-      </p:ext>
-    </p:extLst>
-  </p:cSld>
-  <p:clrMapOvr>
-    <a:masterClrMapping/>
-  </p:clrMapOvr>
-</p:notes>
-</file>
-
-<file path=ppt/notesSlides/notesSlide36.xml><?xml version="1.0" encoding="utf-8"?>
-<p:notes xmlns:a="http://schemas.openxmlformats.org/drawingml/2006/main" xmlns:r="http://schemas.openxmlformats.org/officeDocument/2006/relationships" xmlns:p="http://schemas.openxmlformats.org/presentationml/2006/main">
-  <p:cSld>
-    <p:spTree>
-      <p:nvGrpSpPr>
-        <p:cNvPr id="1" name=""/>
-        <p:cNvGrpSpPr/>
-        <p:nvPr/>
-      </p:nvGrpSpPr>
-      <p:grpSpPr>
-        <a:xfrm>
-          <a:off x="0" y="0"/>
-          <a:ext cx="0" cy="0"/>
-          <a:chOff x="0" y="0"/>
-          <a:chExt cx="0" cy="0"/>
-        </a:xfrm>
-      </p:grpSpPr>
-      <p:sp>
-        <p:nvSpPr>
-          <p:cNvPr id="2" name="Slide Image Placeholder 1"/>
-          <p:cNvSpPr>
-            <a:spLocks noGrp="1" noRot="1" noChangeAspect="1"/>
-          </p:cNvSpPr>
-          <p:nvPr>
-            <p:ph type="sldImg"/>
-          </p:nvPr>
-        </p:nvSpPr>
-        <p:spPr/>
-      </p:sp>
-      <p:sp>
-        <p:nvSpPr>
-          <p:cNvPr id="3" name="Notes Placeholder 2"/>
-          <p:cNvSpPr>
-            <a:spLocks noGrp="1"/>
-          </p:cNvSpPr>
-          <p:nvPr>
-            <p:ph type="body" idx="1"/>
-          </p:nvPr>
-        </p:nvSpPr>
-        <p:spPr/>
-        <p:txBody>
-          <a:bodyPr/>
-          <a:lstStyle/>
-          <a:p>
-            <a:r>
-              <a:rPr lang="en-CA" dirty="0"/>
-              <a:t>How does provider payment change if there are heterogeneous patients? </a:t>
-            </a:r>
-          </a:p>
-        </p:txBody>
-      </p:sp>
-      <p:sp>
-        <p:nvSpPr>
-          <p:cNvPr id="4" name="Slide Number Placeholder 3"/>
-          <p:cNvSpPr>
-            <a:spLocks noGrp="1"/>
-          </p:cNvSpPr>
-          <p:nvPr>
-            <p:ph type="sldNum" sz="quarter" idx="5"/>
-          </p:nvPr>
-        </p:nvSpPr>
-        <p:spPr/>
-        <p:txBody>
-          <a:bodyPr/>
-          <a:lstStyle/>
-          <a:p>
-            <a:fld id="{4AF79E1B-2C51-4B9B-8EA4-26DE9E345AFF}" type="slidenum">
-              <a:rPr lang="en-US" smtClean="0"/>
-              <a:t>44</a:t>
-            </a:fld>
-            <a:endParaRPr lang="en-US"/>
-          </a:p>
-        </p:txBody>
-      </p:sp>
-    </p:spTree>
-    <p:extLst>
-      <p:ext uri="{BB962C8B-B14F-4D97-AF65-F5344CB8AC3E}">
-        <p14:creationId xmlns:p14="http://schemas.microsoft.com/office/powerpoint/2010/main" val="234933604"/>
-      </p:ext>
-    </p:extLst>
-  </p:cSld>
-  <p:clrMapOvr>
-    <a:masterClrMapping/>
-  </p:clrMapOvr>
-</p:notes>
-</file>
-
-<file path=ppt/notesSlides/notesSlide37.xml><?xml version="1.0" encoding="utf-8"?>
 <p:notes xmlns:a="http://schemas.openxmlformats.org/drawingml/2006/main" xmlns:r="http://schemas.openxmlformats.org/officeDocument/2006/relationships" xmlns:p="http://schemas.openxmlformats.org/presentationml/2006/main">
   <p:cSld>
     <p:spTree>
@@ -3340,7 +3164,181 @@
     </p:spTree>
     <p:extLst>
       <p:ext uri="{BB962C8B-B14F-4D97-AF65-F5344CB8AC3E}">
-        <p14:creationId xmlns:p14="http://schemas.microsoft.com/office/powerpoint/2010/main" val="2830558088"/>
+        <p14:creationId xmlns:p14="http://schemas.microsoft.com/office/powerpoint/2010/main" val="562158162"/>
+      </p:ext>
+    </p:extLst>
+  </p:cSld>
+  <p:clrMapOvr>
+    <a:masterClrMapping/>
+  </p:clrMapOvr>
+</p:notes>
+</file>
+
+<file path=ppt/notesSlides/notesSlide36.xml><?xml version="1.0" encoding="utf-8"?>
+<p:notes xmlns:a="http://schemas.openxmlformats.org/drawingml/2006/main" xmlns:r="http://schemas.openxmlformats.org/officeDocument/2006/relationships" xmlns:p="http://schemas.openxmlformats.org/presentationml/2006/main">
+  <p:cSld>
+    <p:spTree>
+      <p:nvGrpSpPr>
+        <p:cNvPr id="1" name=""/>
+        <p:cNvGrpSpPr/>
+        <p:nvPr/>
+      </p:nvGrpSpPr>
+      <p:grpSpPr>
+        <a:xfrm>
+          <a:off x="0" y="0"/>
+          <a:ext cx="0" cy="0"/>
+          <a:chOff x="0" y="0"/>
+          <a:chExt cx="0" cy="0"/>
+        </a:xfrm>
+      </p:grpSpPr>
+      <p:sp>
+        <p:nvSpPr>
+          <p:cNvPr id="2" name="Slide Image Placeholder 1"/>
+          <p:cNvSpPr>
+            <a:spLocks noGrp="1" noRot="1" noChangeAspect="1"/>
+          </p:cNvSpPr>
+          <p:nvPr>
+            <p:ph type="sldImg"/>
+          </p:nvPr>
+        </p:nvSpPr>
+        <p:spPr/>
+      </p:sp>
+      <p:sp>
+        <p:nvSpPr>
+          <p:cNvPr id="3" name="Notes Placeholder 2"/>
+          <p:cNvSpPr>
+            <a:spLocks noGrp="1"/>
+          </p:cNvSpPr>
+          <p:nvPr>
+            <p:ph type="body" idx="1"/>
+          </p:nvPr>
+        </p:nvSpPr>
+        <p:spPr/>
+        <p:txBody>
+          <a:bodyPr/>
+          <a:lstStyle/>
+          <a:p>
+            <a:r>
+              <a:rPr lang="en-US" dirty="0"/>
+              <a:t>Some of my concerns – can we estimate bargaining? What about multiple types of insurance? </a:t>
+            </a:r>
+          </a:p>
+        </p:txBody>
+      </p:sp>
+      <p:sp>
+        <p:nvSpPr>
+          <p:cNvPr id="4" name="Slide Number Placeholder 3"/>
+          <p:cNvSpPr>
+            <a:spLocks noGrp="1"/>
+          </p:cNvSpPr>
+          <p:nvPr>
+            <p:ph type="sldNum" sz="quarter" idx="5"/>
+          </p:nvPr>
+        </p:nvSpPr>
+        <p:spPr/>
+        <p:txBody>
+          <a:bodyPr/>
+          <a:lstStyle/>
+          <a:p>
+            <a:fld id="{4AF79E1B-2C51-4B9B-8EA4-26DE9E345AFF}" type="slidenum">
+              <a:rPr lang="en-US" smtClean="0"/>
+              <a:t>43</a:t>
+            </a:fld>
+            <a:endParaRPr lang="en-US"/>
+          </a:p>
+        </p:txBody>
+      </p:sp>
+    </p:spTree>
+    <p:extLst>
+      <p:ext uri="{BB962C8B-B14F-4D97-AF65-F5344CB8AC3E}">
+        <p14:creationId xmlns:p14="http://schemas.microsoft.com/office/powerpoint/2010/main" val="3569833132"/>
+      </p:ext>
+    </p:extLst>
+  </p:cSld>
+  <p:clrMapOvr>
+    <a:masterClrMapping/>
+  </p:clrMapOvr>
+</p:notes>
+</file>
+
+<file path=ppt/notesSlides/notesSlide37.xml><?xml version="1.0" encoding="utf-8"?>
+<p:notes xmlns:a="http://schemas.openxmlformats.org/drawingml/2006/main" xmlns:r="http://schemas.openxmlformats.org/officeDocument/2006/relationships" xmlns:p="http://schemas.openxmlformats.org/presentationml/2006/main">
+  <p:cSld>
+    <p:spTree>
+      <p:nvGrpSpPr>
+        <p:cNvPr id="1" name=""/>
+        <p:cNvGrpSpPr/>
+        <p:nvPr/>
+      </p:nvGrpSpPr>
+      <p:grpSpPr>
+        <a:xfrm>
+          <a:off x="0" y="0"/>
+          <a:ext cx="0" cy="0"/>
+          <a:chOff x="0" y="0"/>
+          <a:chExt cx="0" cy="0"/>
+        </a:xfrm>
+      </p:grpSpPr>
+      <p:sp>
+        <p:nvSpPr>
+          <p:cNvPr id="2" name="Slide Image Placeholder 1"/>
+          <p:cNvSpPr>
+            <a:spLocks noGrp="1" noRot="1" noChangeAspect="1"/>
+          </p:cNvSpPr>
+          <p:nvPr>
+            <p:ph type="sldImg"/>
+          </p:nvPr>
+        </p:nvSpPr>
+        <p:spPr/>
+      </p:sp>
+      <p:sp>
+        <p:nvSpPr>
+          <p:cNvPr id="3" name="Notes Placeholder 2"/>
+          <p:cNvSpPr>
+            <a:spLocks noGrp="1"/>
+          </p:cNvSpPr>
+          <p:nvPr>
+            <p:ph type="body" idx="1"/>
+          </p:nvPr>
+        </p:nvSpPr>
+        <p:spPr/>
+        <p:txBody>
+          <a:bodyPr/>
+          <a:lstStyle/>
+          <a:p>
+            <a:r>
+              <a:rPr lang="en-CA" dirty="0"/>
+              <a:t>How does provider payment change if there are heterogeneous patients? </a:t>
+            </a:r>
+          </a:p>
+        </p:txBody>
+      </p:sp>
+      <p:sp>
+        <p:nvSpPr>
+          <p:cNvPr id="4" name="Slide Number Placeholder 3"/>
+          <p:cNvSpPr>
+            <a:spLocks noGrp="1"/>
+          </p:cNvSpPr>
+          <p:nvPr>
+            <p:ph type="sldNum" sz="quarter" idx="5"/>
+          </p:nvPr>
+        </p:nvSpPr>
+        <p:spPr/>
+        <p:txBody>
+          <a:bodyPr/>
+          <a:lstStyle/>
+          <a:p>
+            <a:fld id="{4AF79E1B-2C51-4B9B-8EA4-26DE9E345AFF}" type="slidenum">
+              <a:rPr lang="en-US" smtClean="0"/>
+              <a:t>44</a:t>
+            </a:fld>
+            <a:endParaRPr lang="en-US"/>
+          </a:p>
+        </p:txBody>
+      </p:sp>
+    </p:spTree>
+    <p:extLst>
+      <p:ext uri="{BB962C8B-B14F-4D97-AF65-F5344CB8AC3E}">
+        <p14:creationId xmlns:p14="http://schemas.microsoft.com/office/powerpoint/2010/main" val="234933604"/>
       </p:ext>
     </p:extLst>
   </p:cSld>
@@ -3428,7 +3426,7 @@
     </p:spTree>
     <p:extLst>
       <p:ext uri="{BB962C8B-B14F-4D97-AF65-F5344CB8AC3E}">
-        <p14:creationId xmlns:p14="http://schemas.microsoft.com/office/powerpoint/2010/main" val="367138001"/>
+        <p14:creationId xmlns:p14="http://schemas.microsoft.com/office/powerpoint/2010/main" val="2830558088"/>
       </p:ext>
     </p:extLst>
   </p:cSld>
@@ -3508,7 +3506,7 @@
           <a:p>
             <a:r>
               <a:rPr lang="en-US" altLang="en-US" dirty="0"/>
-              <a:t>Note: now we have to switch out of the q for quantity mindset. Also have to think of B as social benefit (could potentially be different from above). ,Note: should H be public information? How would model change without it being public?</a:t>
+              <a:t>And there we go! Why is B’ = 1? Because here we have assumed constant marginal costs of 1</a:t>
             </a:r>
           </a:p>
         </p:txBody>
@@ -3516,7 +3514,7 @@
     </p:spTree>
     <p:extLst>
       <p:ext uri="{BB962C8B-B14F-4D97-AF65-F5344CB8AC3E}">
-        <p14:creationId xmlns:p14="http://schemas.microsoft.com/office/powerpoint/2010/main" val="348208287"/>
+        <p14:creationId xmlns:p14="http://schemas.microsoft.com/office/powerpoint/2010/main" val="367138001"/>
       </p:ext>
     </p:extLst>
   </p:cSld>
@@ -3572,8 +3570,11 @@
           <a:p>
             <a:r>
               <a:rPr lang="en-CA" dirty="0"/>
-              <a:t>P4P is still kind of an open question. FFS is also called prospective reimbursement</a:t>
-            </a:r>
+              <a:t>https://web.stanford.edu/~mpolyak/GPRSU_physician_income_vJuly2020.pdf. Go through figures here. </a:t>
+            </a:r>
+          </a:p>
+          <a:p>
+            <a:endParaRPr lang="en-CA" dirty="0"/>
           </a:p>
         </p:txBody>
       </p:sp>
@@ -3594,7 +3595,7 @@
           <a:p>
             <a:fld id="{4AF79E1B-2C51-4B9B-8EA4-26DE9E345AFF}" type="slidenum">
               <a:rPr lang="en-US" smtClean="0"/>
-              <a:t>12</a:t>
+              <a:t>8</a:t>
             </a:fld>
             <a:endParaRPr lang="en-US"/>
           </a:p>
@@ -3603,7 +3604,7 @@
     </p:spTree>
     <p:extLst>
       <p:ext uri="{BB962C8B-B14F-4D97-AF65-F5344CB8AC3E}">
-        <p14:creationId xmlns:p14="http://schemas.microsoft.com/office/powerpoint/2010/main" val="2932517144"/>
+        <p14:creationId xmlns:p14="http://schemas.microsoft.com/office/powerpoint/2010/main" val="2571178621"/>
       </p:ext>
     </p:extLst>
   </p:cSld>
@@ -3683,7 +3684,7 @@
           <a:p>
             <a:r>
               <a:rPr lang="en-US" altLang="en-US" dirty="0"/>
-              <a:t>Would we assume this to be true in most cases? When would we assume it to be true? ( Maybe in Canadian contexts)</a:t>
+              <a:t>Note: now we have to switch out of the q for quantity mindset. Also have to think of B as social benefit (could potentially be different from above). ,Note: should H be public information? How would model change without it being public?</a:t>
             </a:r>
           </a:p>
         </p:txBody>
@@ -3691,7 +3692,7 @@
     </p:spTree>
     <p:extLst>
       <p:ext uri="{BB962C8B-B14F-4D97-AF65-F5344CB8AC3E}">
-        <p14:creationId xmlns:p14="http://schemas.microsoft.com/office/powerpoint/2010/main" val="1438983011"/>
+        <p14:creationId xmlns:p14="http://schemas.microsoft.com/office/powerpoint/2010/main" val="348208287"/>
       </p:ext>
     </p:extLst>
   </p:cSld>
@@ -3771,7 +3772,7 @@
           <a:p>
             <a:r>
               <a:rPr lang="en-US" altLang="en-US" dirty="0"/>
-              <a:t>This independence is the interesting bit. Also note that here we don’ have the altruism parameter – could we incorporate it somehow? Yes, in H.</a:t>
+              <a:t>Would we assume this to be true in most cases? When would we assume it to be true? ( Maybe in Canadian contexts)</a:t>
             </a:r>
           </a:p>
         </p:txBody>
@@ -3779,7 +3780,7 @@
     </p:spTree>
     <p:extLst>
       <p:ext uri="{BB962C8B-B14F-4D97-AF65-F5344CB8AC3E}">
-        <p14:creationId xmlns:p14="http://schemas.microsoft.com/office/powerpoint/2010/main" val="3947596991"/>
+        <p14:creationId xmlns:p14="http://schemas.microsoft.com/office/powerpoint/2010/main" val="1438983011"/>
       </p:ext>
     </p:extLst>
   </p:cSld>
@@ -3859,15 +3860,7 @@
           <a:p>
             <a:r>
               <a:rPr lang="en-US" altLang="en-US" dirty="0"/>
-              <a:t>Proof: just need to take first order condition </a:t>
-            </a:r>
-            <a:r>
-              <a:rPr lang="en-US" altLang="en-US" dirty="0" err="1"/>
-              <a:t>w.r.t.</a:t>
-            </a:r>
-            <a:r>
-              <a:rPr lang="en-US" altLang="en-US" dirty="0"/>
-              <a:t> p. Then the first part = B’(q) by the proposition, and the rest (three terms) are equal to the social FOC, B’(q) = 0.</a:t>
+              <a:t>This independence is the interesting bit. Also note that here we don’ have the altruism parameter – could we incorporate it somehow? Yes, in H.</a:t>
             </a:r>
           </a:p>
         </p:txBody>
@@ -3875,7 +3868,7 @@
     </p:spTree>
     <p:extLst>
       <p:ext uri="{BB962C8B-B14F-4D97-AF65-F5344CB8AC3E}">
-        <p14:creationId xmlns:p14="http://schemas.microsoft.com/office/powerpoint/2010/main" val="995771109"/>
+        <p14:creationId xmlns:p14="http://schemas.microsoft.com/office/powerpoint/2010/main" val="3947596991"/>
       </p:ext>
     </p:extLst>
   </p:cSld>
@@ -3971,7 +3964,7 @@
     </p:spTree>
     <p:extLst>
       <p:ext uri="{BB962C8B-B14F-4D97-AF65-F5344CB8AC3E}">
-        <p14:creationId xmlns:p14="http://schemas.microsoft.com/office/powerpoint/2010/main" val="568825844"/>
+        <p14:creationId xmlns:p14="http://schemas.microsoft.com/office/powerpoint/2010/main" val="995771109"/>
       </p:ext>
     </p:extLst>
   </p:cSld>
@@ -4051,7 +4044,15 @@
           <a:p>
             <a:r>
               <a:rPr lang="en-US" altLang="en-US" dirty="0"/>
-              <a:t>No! We still want everyone to be treated</a:t>
+              <a:t>Proof: just need to take first order condition </a:t>
+            </a:r>
+            <a:r>
+              <a:rPr lang="en-US" altLang="en-US" dirty="0" err="1"/>
+              <a:t>w.r.t.</a:t>
+            </a:r>
+            <a:r>
+              <a:rPr lang="en-US" altLang="en-US" dirty="0"/>
+              <a:t> p. Then the first part = B’(q) by the proposition, and the rest (three terms) are equal to the social FOC, B’(q) = 0.</a:t>
             </a:r>
           </a:p>
         </p:txBody>
@@ -4059,7 +4060,7 @@
     </p:spTree>
     <p:extLst>
       <p:ext uri="{BB962C8B-B14F-4D97-AF65-F5344CB8AC3E}">
-        <p14:creationId xmlns:p14="http://schemas.microsoft.com/office/powerpoint/2010/main" val="956691528"/>
+        <p14:creationId xmlns:p14="http://schemas.microsoft.com/office/powerpoint/2010/main" val="568825844"/>
       </p:ext>
     </p:extLst>
   </p:cSld>
@@ -4139,7 +4140,7 @@
           <a:p>
             <a:r>
               <a:rPr lang="en-US" altLang="en-US" dirty="0"/>
-              <a:t>Now there’s no way the social planner can get around the link between p and x- -- if the optimal p leads to patients being dumped, there’s nothing the planner can do about it. </a:t>
+              <a:t>No! We still want everyone to be treated</a:t>
             </a:r>
           </a:p>
         </p:txBody>
@@ -4147,7 +4148,7 @@
     </p:spTree>
     <p:extLst>
       <p:ext uri="{BB962C8B-B14F-4D97-AF65-F5344CB8AC3E}">
-        <p14:creationId xmlns:p14="http://schemas.microsoft.com/office/powerpoint/2010/main" val="3613515749"/>
+        <p14:creationId xmlns:p14="http://schemas.microsoft.com/office/powerpoint/2010/main" val="956691528"/>
       </p:ext>
     </p:extLst>
   </p:cSld>
@@ -4227,47 +4228,7 @@
           <a:p>
             <a:r>
               <a:rPr lang="en-US" altLang="en-US" dirty="0"/>
-              <a:t>Difference between dumping, creaming, and skimping: dumping is not treating sick. </a:t>
-            </a:r>
-            <a:r>
-              <a:rPr lang="en-CA" altLang="en-US" sz="1800" b="0" i="0" u="none" strike="noStrike" baseline="0" dirty="0">
-                <a:solidFill>
-                  <a:srgbClr val="000000"/>
-                </a:solidFill>
-                <a:latin typeface="Deja Vu Serif"/>
-              </a:rPr>
-              <a:t>Creaming is keeping healthier patients on roster longer (e.g., </a:t>
-            </a:r>
-            <a:r>
-              <a:rPr lang="en-US" sz="1800" b="0" i="0" u="none" strike="noStrike" baseline="0" dirty="0">
-                <a:solidFill>
-                  <a:srgbClr val="000000"/>
-                </a:solidFill>
-                <a:latin typeface="Deja Vu Serif"/>
-              </a:rPr>
-              <a:t>increased length of hospital stay for healthier patients). Skimping is kicking out sicker patients faster (</a:t>
-            </a:r>
-            <a:r>
-              <a:rPr lang="en-US" sz="1800" b="0" i="0" u="none" strike="noStrike" baseline="0" dirty="0" err="1">
-                <a:solidFill>
-                  <a:srgbClr val="000000"/>
-                </a:solidFill>
-                <a:latin typeface="Deja Vu Serif"/>
-              </a:rPr>
-              <a:t>e.g</a:t>
-            </a:r>
-            <a:r>
-              <a:rPr lang="en-US" sz="1800" b="0" i="0" u="none" strike="noStrike" baseline="0" dirty="0">
-                <a:solidFill>
-                  <a:srgbClr val="000000"/>
-                </a:solidFill>
-                <a:latin typeface="Deja Vu Serif"/>
-              </a:rPr>
-              <a:t>,. decreased length of stay for sicker patients). </a:t>
-            </a:r>
-            <a:r>
-              <a:rPr lang="en-US" altLang="en-US" dirty="0"/>
-              <a:t>Of course there will be no effort if costs are always reimbursed perfectly. So can we blend the two?</a:t>
+              <a:t>Now there’s no way the social planner can get around the link between p and x- -- if the optimal p leads to patients being dumped, there’s nothing the planner can do about it. What does this mean for quality? https://people.bu.edu/ma/Ma-Mak_ORE2019.pdf</a:t>
             </a:r>
           </a:p>
         </p:txBody>
@@ -4275,7 +4236,7 @@
     </p:spTree>
     <p:extLst>
       <p:ext uri="{BB962C8B-B14F-4D97-AF65-F5344CB8AC3E}">
-        <p14:creationId xmlns:p14="http://schemas.microsoft.com/office/powerpoint/2010/main" val="3765907633"/>
+        <p14:creationId xmlns:p14="http://schemas.microsoft.com/office/powerpoint/2010/main" val="3613515749"/>
       </p:ext>
     </p:extLst>
   </p:cSld>
@@ -4354,17 +4315,56 @@
           <a:lstStyle/>
           <a:p>
             <a:r>
-              <a:rPr lang="en-CA" altLang="en-US" dirty="0"/>
-              <a:t>Skipping over the derivation here. Note that now q depends on risk as well (creaming and skimping)</a:t>
-            </a:r>
-            <a:endParaRPr lang="en-US" altLang="en-US" dirty="0"/>
+              <a:rPr lang="en-US" altLang="en-US" dirty="0"/>
+              <a:t>Go over quality discrimination in paper: https://people.bu.edu/ma/Ma-Mak_ORE2019.pdf. Difference between dumping, creaming, and skimping: dumping is not treating sick. </a:t>
+            </a:r>
+            <a:r>
+              <a:rPr lang="en-CA" altLang="en-US" sz="1800" b="0" i="0" u="none" strike="noStrike" baseline="0" dirty="0">
+                <a:solidFill>
+                  <a:srgbClr val="000000"/>
+                </a:solidFill>
+                <a:latin typeface="Deja Vu Serif"/>
+              </a:rPr>
+              <a:t>Creaming is keeping healthier patients on roster longer (e.g., </a:t>
+            </a:r>
+            <a:r>
+              <a:rPr lang="en-US" sz="1800" b="0" i="0" u="none" strike="noStrike" baseline="0" dirty="0">
+                <a:solidFill>
+                  <a:srgbClr val="000000"/>
+                </a:solidFill>
+                <a:latin typeface="Deja Vu Serif"/>
+              </a:rPr>
+              <a:t>increased length of hospital stay for healthier patients). Skimping is kicking out sicker patients faster (</a:t>
+            </a:r>
+            <a:r>
+              <a:rPr lang="en-US" sz="1800" b="0" i="0" u="none" strike="noStrike" baseline="0" dirty="0" err="1">
+                <a:solidFill>
+                  <a:srgbClr val="000000"/>
+                </a:solidFill>
+                <a:latin typeface="Deja Vu Serif"/>
+              </a:rPr>
+              <a:t>e.g</a:t>
+            </a:r>
+            <a:r>
+              <a:rPr lang="en-US" sz="1800" b="0" i="0" u="none" strike="noStrike" baseline="0" dirty="0">
+                <a:solidFill>
+                  <a:srgbClr val="000000"/>
+                </a:solidFill>
+                <a:latin typeface="Deja Vu Serif"/>
+              </a:rPr>
+              <a:t>,. decreased length of stay for sicker patients). </a:t>
+            </a:r>
+            <a:r>
+              <a:rPr lang="en-US" altLang="en-US" dirty="0"/>
+              <a:t>Of course there will be no effort if costs are always reimbursed perfectly. So can we blend the two?</a:t>
+            </a:r>
           </a:p>
         </p:txBody>
       </p:sp>
     </p:spTree>
     <p:extLst>
       <p:ext uri="{BB962C8B-B14F-4D97-AF65-F5344CB8AC3E}">
-        <p14:creationId xmlns:p14="http://schemas.microsoft.com/office/powerpoint/2010/main" val="2489615303"/>
+        <p14:creationId xmlns:p14="http://schemas.microsoft.com/office/powerpoint/2010/main" val="3765907633"/>
       </p:ext>
     </p:extLst>
   </p:cSld>
@@ -4444,23 +4444,7 @@
           <a:p>
             <a:r>
               <a:rPr lang="en-CA" altLang="en-US" dirty="0"/>
-              <a:t>This last one is an </a:t>
-            </a:r>
-            <a:r>
-              <a:rPr lang="en-CA" altLang="en-US" dirty="0" err="1"/>
-              <a:t>experimenta</a:t>
-            </a:r>
-            <a:r>
-              <a:rPr lang="en-CA" altLang="en-US" dirty="0"/>
-              <a:t> </a:t>
-            </a:r>
-            <a:r>
-              <a:rPr lang="en-CA" altLang="en-US" dirty="0" err="1"/>
-              <a:t>lsetting</a:t>
-            </a:r>
-            <a:r>
-              <a:rPr lang="en-CA" altLang="en-US"/>
-              <a:t>. </a:t>
+              <a:t>Skipping over the derivation here. Note that now q depends on risk as well (creaming and skimping)</a:t>
             </a:r>
             <a:endParaRPr lang="en-US" altLang="en-US" dirty="0"/>
           </a:p>
@@ -4469,7 +4453,7 @@
     </p:spTree>
     <p:extLst>
       <p:ext uri="{BB962C8B-B14F-4D97-AF65-F5344CB8AC3E}">
-        <p14:creationId xmlns:p14="http://schemas.microsoft.com/office/powerpoint/2010/main" val="234802601"/>
+        <p14:creationId xmlns:p14="http://schemas.microsoft.com/office/powerpoint/2010/main" val="2489615303"/>
       </p:ext>
     </p:extLst>
   </p:cSld>
@@ -4498,19 +4482,21 @@
       </p:grpSpPr>
       <p:sp>
         <p:nvSpPr>
-          <p:cNvPr id="2" name="Slide Image Placeholder 1"/>
+          <p:cNvPr id="40962" name="Slide Image Placeholder 1"/>
           <p:cNvSpPr>
-            <a:spLocks noGrp="1" noRot="1" noChangeAspect="1"/>
+            <a:spLocks noGrp="1" noRot="1" noChangeAspect="1" noTextEdit="1"/>
           </p:cNvSpPr>
           <p:nvPr>
             <p:ph type="sldImg"/>
           </p:nvPr>
         </p:nvSpPr>
-        <p:spPr/>
+        <p:spPr>
+          <a:ln/>
+        </p:spPr>
       </p:sp>
       <p:sp>
         <p:nvSpPr>
-          <p:cNvPr id="3" name="Notes Placeholder 2"/>
+          <p:cNvPr id="40963" name="Notes Placeholder 2"/>
           <p:cNvSpPr>
             <a:spLocks noGrp="1"/>
           </p:cNvSpPr>
@@ -4518,45 +4504,65 @@
             <p:ph type="body" idx="1"/>
           </p:nvPr>
         </p:nvSpPr>
-        <p:spPr/>
+        <p:spPr>
+          <a:noFill/>
+          <a:ln w="9525"/>
+          <a:extLst>
+            <a:ext uri="{909E8E84-426E-40DD-AFC4-6F175D3DCCD1}">
+              <a14:hiddenFill xmlns:a14="http://schemas.microsoft.com/office/drawing/2010/main">
+                <a:solidFill>
+                  <a:srgbClr val="FFFFFF"/>
+                </a:solidFill>
+              </a14:hiddenFill>
+            </a:ext>
+            <a:ext uri="{91240B29-F687-4F45-9708-019B960494DF}">
+              <a14:hiddenLine xmlns:a14="http://schemas.microsoft.com/office/drawing/2010/main" w="9525">
+                <a:solidFill>
+                  <a:srgbClr val="000000"/>
+                </a:solidFill>
+                <a:miter lim="800000"/>
+                <a:headEnd/>
+                <a:tailEnd/>
+              </a14:hiddenLine>
+            </a:ext>
+          </a:extLst>
+        </p:spPr>
         <p:txBody>
           <a:bodyPr/>
           <a:lstStyle/>
           <a:p>
             <a:r>
-              <a:rPr lang="en-US" dirty="0"/>
-              <a:t>Some of my concerns – can we estimate bargaining? What about multiple types of insurance? </a:t>
-            </a:r>
-          </a:p>
-        </p:txBody>
-      </p:sp>
-      <p:sp>
-        <p:nvSpPr>
-          <p:cNvPr id="4" name="Slide Number Placeholder 3"/>
-          <p:cNvSpPr>
-            <a:spLocks noGrp="1"/>
-          </p:cNvSpPr>
-          <p:nvPr>
-            <p:ph type="sldNum" sz="quarter" idx="5"/>
-          </p:nvPr>
-        </p:nvSpPr>
-        <p:spPr/>
-        <p:txBody>
-          <a:bodyPr/>
-          <a:lstStyle/>
-          <a:p>
-            <a:fld id="{4AF79E1B-2C51-4B9B-8EA4-26DE9E345AFF}" type="slidenum">
-              <a:rPr lang="en-US" smtClean="0"/>
-              <a:t>57</a:t>
-            </a:fld>
-            <a:endParaRPr lang="en-US"/>
+              <a:rPr lang="en-CA" altLang="en-US" dirty="0"/>
+              <a:t>This last one is an </a:t>
+            </a:r>
+            <a:r>
+              <a:rPr lang="en-CA" altLang="en-US" dirty="0" err="1"/>
+              <a:t>experimenta</a:t>
+            </a:r>
+            <a:r>
+              <a:rPr lang="en-CA" altLang="en-US" dirty="0"/>
+              <a:t> </a:t>
+            </a:r>
+            <a:r>
+              <a:rPr lang="en-CA" altLang="en-US" dirty="0" err="1"/>
+              <a:t>lsetting</a:t>
+            </a:r>
+            <a:r>
+              <a:rPr lang="en-CA" altLang="en-US" dirty="0"/>
+              <a:t>. Go through extensions listed </a:t>
+            </a:r>
+            <a:r>
+              <a:rPr lang="en-CA" altLang="en-US"/>
+              <a:t>in the paper as well. </a:t>
+            </a:r>
+            <a:endParaRPr lang="en-US" altLang="en-US" dirty="0"/>
           </a:p>
         </p:txBody>
       </p:sp>
     </p:spTree>
     <p:extLst>
       <p:ext uri="{BB962C8B-B14F-4D97-AF65-F5344CB8AC3E}">
-        <p14:creationId xmlns:p14="http://schemas.microsoft.com/office/powerpoint/2010/main" val="3268012273"/>
+        <p14:creationId xmlns:p14="http://schemas.microsoft.com/office/powerpoint/2010/main" val="234802601"/>
       </p:ext>
     </p:extLst>
   </p:cSld>
@@ -4634,7 +4640,7 @@
           <a:p>
             <a:fld id="{4AF79E1B-2C51-4B9B-8EA4-26DE9E345AFF}" type="slidenum">
               <a:rPr lang="en-US" smtClean="0"/>
-              <a:t>13</a:t>
+              <a:t>12</a:t>
             </a:fld>
             <a:endParaRPr lang="en-US"/>
           </a:p>
@@ -4643,7 +4649,7 @@
     </p:spTree>
     <p:extLst>
       <p:ext uri="{BB962C8B-B14F-4D97-AF65-F5344CB8AC3E}">
-        <p14:creationId xmlns:p14="http://schemas.microsoft.com/office/powerpoint/2010/main" val="2538824954"/>
+        <p14:creationId xmlns:p14="http://schemas.microsoft.com/office/powerpoint/2010/main" val="2932517144"/>
       </p:ext>
     </p:extLst>
   </p:cSld>
@@ -4654,6 +4660,93 @@
 </file>
 
 <file path=ppt/notesSlides/notesSlide50.xml><?xml version="1.0" encoding="utf-8"?>
+<p:notes xmlns:a="http://schemas.openxmlformats.org/drawingml/2006/main" xmlns:r="http://schemas.openxmlformats.org/officeDocument/2006/relationships" xmlns:p="http://schemas.openxmlformats.org/presentationml/2006/main">
+  <p:cSld>
+    <p:spTree>
+      <p:nvGrpSpPr>
+        <p:cNvPr id="1" name=""/>
+        <p:cNvGrpSpPr/>
+        <p:nvPr/>
+      </p:nvGrpSpPr>
+      <p:grpSpPr>
+        <a:xfrm>
+          <a:off x="0" y="0"/>
+          <a:ext cx="0" cy="0"/>
+          <a:chOff x="0" y="0"/>
+          <a:chExt cx="0" cy="0"/>
+        </a:xfrm>
+      </p:grpSpPr>
+      <p:sp>
+        <p:nvSpPr>
+          <p:cNvPr id="2" name="Slide Image Placeholder 1"/>
+          <p:cNvSpPr>
+            <a:spLocks noGrp="1" noRot="1" noChangeAspect="1"/>
+          </p:cNvSpPr>
+          <p:nvPr>
+            <p:ph type="sldImg"/>
+          </p:nvPr>
+        </p:nvSpPr>
+        <p:spPr/>
+      </p:sp>
+      <p:sp>
+        <p:nvSpPr>
+          <p:cNvPr id="3" name="Notes Placeholder 2"/>
+          <p:cNvSpPr>
+            <a:spLocks noGrp="1"/>
+          </p:cNvSpPr>
+          <p:nvPr>
+            <p:ph type="body" idx="1"/>
+          </p:nvPr>
+        </p:nvSpPr>
+        <p:spPr/>
+        <p:txBody>
+          <a:bodyPr/>
+          <a:lstStyle/>
+          <a:p>
+            <a:r>
+              <a:rPr lang="en-US" dirty="0"/>
+              <a:t>Some of my concerns – can we estimate bargaining? What about multiple types of insurance? </a:t>
+            </a:r>
+          </a:p>
+        </p:txBody>
+      </p:sp>
+      <p:sp>
+        <p:nvSpPr>
+          <p:cNvPr id="4" name="Slide Number Placeholder 3"/>
+          <p:cNvSpPr>
+            <a:spLocks noGrp="1"/>
+          </p:cNvSpPr>
+          <p:nvPr>
+            <p:ph type="sldNum" sz="quarter" idx="5"/>
+          </p:nvPr>
+        </p:nvSpPr>
+        <p:spPr/>
+        <p:txBody>
+          <a:bodyPr/>
+          <a:lstStyle/>
+          <a:p>
+            <a:fld id="{4AF79E1B-2C51-4B9B-8EA4-26DE9E345AFF}" type="slidenum">
+              <a:rPr lang="en-US" smtClean="0"/>
+              <a:t>57</a:t>
+            </a:fld>
+            <a:endParaRPr lang="en-US"/>
+          </a:p>
+        </p:txBody>
+      </p:sp>
+    </p:spTree>
+    <p:extLst>
+      <p:ext uri="{BB962C8B-B14F-4D97-AF65-F5344CB8AC3E}">
+        <p14:creationId xmlns:p14="http://schemas.microsoft.com/office/powerpoint/2010/main" val="3268012273"/>
+      </p:ext>
+    </p:extLst>
+  </p:cSld>
+  <p:clrMapOvr>
+    <a:masterClrMapping/>
+  </p:clrMapOvr>
+</p:notes>
+</file>
+
+<file path=ppt/notesSlides/notesSlide51.xml><?xml version="1.0" encoding="utf-8"?>
 <p:notes xmlns:a="http://schemas.openxmlformats.org/drawingml/2006/main" xmlns:r="http://schemas.openxmlformats.org/officeDocument/2006/relationships" xmlns:p="http://schemas.openxmlformats.org/presentationml/2006/main">
   <p:cSld>
     <p:spTree>
@@ -4783,6 +4876,93 @@
           <a:p>
             <a:r>
               <a:rPr lang="en-CA" dirty="0"/>
+              <a:t>P4P is still kind of an open question. FFS is also called prospective reimbursement</a:t>
+            </a:r>
+          </a:p>
+        </p:txBody>
+      </p:sp>
+      <p:sp>
+        <p:nvSpPr>
+          <p:cNvPr id="4" name="Slide Number Placeholder 3"/>
+          <p:cNvSpPr>
+            <a:spLocks noGrp="1"/>
+          </p:cNvSpPr>
+          <p:nvPr>
+            <p:ph type="sldNum" sz="quarter" idx="5"/>
+          </p:nvPr>
+        </p:nvSpPr>
+        <p:spPr/>
+        <p:txBody>
+          <a:bodyPr/>
+          <a:lstStyle/>
+          <a:p>
+            <a:fld id="{4AF79E1B-2C51-4B9B-8EA4-26DE9E345AFF}" type="slidenum">
+              <a:rPr lang="en-US" smtClean="0"/>
+              <a:t>13</a:t>
+            </a:fld>
+            <a:endParaRPr lang="en-US"/>
+          </a:p>
+        </p:txBody>
+      </p:sp>
+    </p:spTree>
+    <p:extLst>
+      <p:ext uri="{BB962C8B-B14F-4D97-AF65-F5344CB8AC3E}">
+        <p14:creationId xmlns:p14="http://schemas.microsoft.com/office/powerpoint/2010/main" val="2538824954"/>
+      </p:ext>
+    </p:extLst>
+  </p:cSld>
+  <p:clrMapOvr>
+    <a:masterClrMapping/>
+  </p:clrMapOvr>
+</p:notes>
+</file>
+
+<file path=ppt/notesSlides/notesSlide7.xml><?xml version="1.0" encoding="utf-8"?>
+<p:notes xmlns:a="http://schemas.openxmlformats.org/drawingml/2006/main" xmlns:r="http://schemas.openxmlformats.org/officeDocument/2006/relationships" xmlns:p="http://schemas.openxmlformats.org/presentationml/2006/main">
+  <p:cSld>
+    <p:spTree>
+      <p:nvGrpSpPr>
+        <p:cNvPr id="1" name=""/>
+        <p:cNvGrpSpPr/>
+        <p:nvPr/>
+      </p:nvGrpSpPr>
+      <p:grpSpPr>
+        <a:xfrm>
+          <a:off x="0" y="0"/>
+          <a:ext cx="0" cy="0"/>
+          <a:chOff x="0" y="0"/>
+          <a:chExt cx="0" cy="0"/>
+        </a:xfrm>
+      </p:grpSpPr>
+      <p:sp>
+        <p:nvSpPr>
+          <p:cNvPr id="2" name="Slide Image Placeholder 1"/>
+          <p:cNvSpPr>
+            <a:spLocks noGrp="1" noRot="1" noChangeAspect="1"/>
+          </p:cNvSpPr>
+          <p:nvPr>
+            <p:ph type="sldImg"/>
+          </p:nvPr>
+        </p:nvSpPr>
+        <p:spPr/>
+      </p:sp>
+      <p:sp>
+        <p:nvSpPr>
+          <p:cNvPr id="3" name="Notes Placeholder 2"/>
+          <p:cNvSpPr>
+            <a:spLocks noGrp="1"/>
+          </p:cNvSpPr>
+          <p:nvPr>
+            <p:ph type="body" idx="1"/>
+          </p:nvPr>
+        </p:nvSpPr>
+        <p:spPr/>
+        <p:txBody>
+          <a:bodyPr/>
+          <a:lstStyle/>
+          <a:p>
+            <a:r>
+              <a:rPr lang="en-CA" dirty="0"/>
               <a:t>P4P is still kind of an open question </a:t>
             </a:r>
           </a:p>
@@ -4824,7 +5004,7 @@
 </p:notes>
 </file>
 
-<file path=ppt/notesSlides/notesSlide7.xml><?xml version="1.0" encoding="utf-8"?>
+<file path=ppt/notesSlides/notesSlide8.xml><?xml version="1.0" encoding="utf-8"?>
 <p:notes xmlns:a="http://schemas.openxmlformats.org/drawingml/2006/main" xmlns:r="http://schemas.openxmlformats.org/officeDocument/2006/relationships" xmlns:p="http://schemas.openxmlformats.org/presentationml/2006/main">
   <p:cSld>
     <p:spTree>
@@ -4949,7 +5129,7 @@
 </p:notes>
 </file>
 
-<file path=ppt/notesSlides/notesSlide8.xml><?xml version="1.0" encoding="utf-8"?>
+<file path=ppt/notesSlides/notesSlide9.xml><?xml version="1.0" encoding="utf-8"?>
 <p:notes xmlns:a="http://schemas.openxmlformats.org/drawingml/2006/main" xmlns:r="http://schemas.openxmlformats.org/officeDocument/2006/relationships" xmlns:p="http://schemas.openxmlformats.org/presentationml/2006/main">
   <p:cSld>
     <p:spTree>
@@ -5033,89 +5213,6 @@
 </p:notes>
 </file>
 
-<file path=ppt/notesSlides/notesSlide9.xml><?xml version="1.0" encoding="utf-8"?>
-<p:notes xmlns:a="http://schemas.openxmlformats.org/drawingml/2006/main" xmlns:r="http://schemas.openxmlformats.org/officeDocument/2006/relationships" xmlns:p="http://schemas.openxmlformats.org/presentationml/2006/main">
-  <p:cSld>
-    <p:spTree>
-      <p:nvGrpSpPr>
-        <p:cNvPr id="1" name=""/>
-        <p:cNvGrpSpPr/>
-        <p:nvPr/>
-      </p:nvGrpSpPr>
-      <p:grpSpPr>
-        <a:xfrm>
-          <a:off x="0" y="0"/>
-          <a:ext cx="0" cy="0"/>
-          <a:chOff x="0" y="0"/>
-          <a:chExt cx="0" cy="0"/>
-        </a:xfrm>
-      </p:grpSpPr>
-      <p:sp>
-        <p:nvSpPr>
-          <p:cNvPr id="26626" name="Rectangle 2"/>
-          <p:cNvSpPr>
-            <a:spLocks noGrp="1" noRot="1" noChangeAspect="1" noChangeArrowheads="1" noTextEdit="1"/>
-          </p:cNvSpPr>
-          <p:nvPr>
-            <p:ph type="sldImg"/>
-          </p:nvPr>
-        </p:nvSpPr>
-        <p:spPr>
-          <a:ln/>
-        </p:spPr>
-      </p:sp>
-      <p:sp>
-        <p:nvSpPr>
-          <p:cNvPr id="26627" name="Rectangle 3"/>
-          <p:cNvSpPr>
-            <a:spLocks noGrp="1" noChangeArrowheads="1"/>
-          </p:cNvSpPr>
-          <p:nvPr>
-            <p:ph type="body" idx="1"/>
-          </p:nvPr>
-        </p:nvSpPr>
-        <p:spPr>
-          <a:noFill/>
-          <a:ln w="9525"/>
-          <a:extLst>
-            <a:ext uri="{909E8E84-426E-40DD-AFC4-6F175D3DCCD1}">
-              <a14:hiddenFill xmlns:a14="http://schemas.microsoft.com/office/drawing/2010/main">
-                <a:solidFill>
-                  <a:srgbClr val="FFFFFF"/>
-                </a:solidFill>
-              </a14:hiddenFill>
-            </a:ext>
-            <a:ext uri="{91240B29-F687-4F45-9708-019B960494DF}">
-              <a14:hiddenLine xmlns:a14="http://schemas.microsoft.com/office/drawing/2010/main" w="9525">
-                <a:solidFill>
-                  <a:srgbClr val="000000"/>
-                </a:solidFill>
-                <a:miter lim="800000"/>
-                <a:headEnd/>
-                <a:tailEnd/>
-              </a14:hiddenLine>
-            </a:ext>
-          </a:extLst>
-        </p:spPr>
-        <p:txBody>
-          <a:bodyPr/>
-          <a:lstStyle/>
-          <a:p>
-            <a:r>
-              <a:rPr lang="en-US" altLang="en-US" dirty="0"/>
-              <a:t>Simple model: how do we think about trade-offs between FFS and capitation?</a:t>
-            </a:r>
-          </a:p>
-        </p:txBody>
-      </p:sp>
-    </p:spTree>
-  </p:cSld>
-  <p:clrMapOvr>
-    <a:masterClrMapping/>
-  </p:clrMapOvr>
-</p:notes>
-</file>
-
 <file path=ppt/slideLayouts/slideLayout1.xml><?xml version="1.0" encoding="utf-8"?>
 <p:sldLayout xmlns:a="http://schemas.openxmlformats.org/drawingml/2006/main" xmlns:r="http://schemas.openxmlformats.org/officeDocument/2006/relationships" xmlns:p="http://schemas.openxmlformats.org/presentationml/2006/main" showMasterSp="0" type="title" preserve="1">
   <p:cSld name="Title Slide">
@@ -5285,7 +5382,7 @@
             <a:fld id="{0972D05C-DCFB-4BB6-B49C-AC126BF3ED2C}" type="datetimeFigureOut">
               <a:rPr lang="en-US" smtClean="0"/>
               <a:pPr/>
-              <a:t>2/1/2023</a:t>
+              <a:t>2/7/2024</a:t>
             </a:fld>
             <a:endParaRPr lang="en-US"/>
           </a:p>
@@ -5515,7 +5612,7 @@
             <a:fld id="{0972D05C-DCFB-4BB6-B49C-AC126BF3ED2C}" type="datetimeFigureOut">
               <a:rPr lang="en-US" smtClean="0"/>
               <a:pPr/>
-              <a:t>2/1/2023</a:t>
+              <a:t>2/7/2024</a:t>
             </a:fld>
             <a:endParaRPr lang="en-US"/>
           </a:p>
@@ -5697,7 +5794,7 @@
             <a:fld id="{0972D05C-DCFB-4BB6-B49C-AC126BF3ED2C}" type="datetimeFigureOut">
               <a:rPr lang="en-US" smtClean="0"/>
               <a:pPr/>
-              <a:t>2/1/2023</a:t>
+              <a:t>2/7/2024</a:t>
             </a:fld>
             <a:endParaRPr lang="en-US"/>
           </a:p>
@@ -6144,7 +6241,7 @@
             <a:fld id="{0972D05C-DCFB-4BB6-B49C-AC126BF3ED2C}" type="datetimeFigureOut">
               <a:rPr lang="en-US" smtClean="0"/>
               <a:pPr/>
-              <a:t>2/1/2023</a:t>
+              <a:t>2/7/2024</a:t>
             </a:fld>
             <a:endParaRPr lang="en-US"/>
           </a:p>
@@ -6400,7 +6497,7 @@
             <a:fld id="{0972D05C-DCFB-4BB6-B49C-AC126BF3ED2C}" type="datetimeFigureOut">
               <a:rPr lang="en-US" smtClean="0"/>
               <a:pPr/>
-              <a:t>2/1/2023</a:t>
+              <a:t>2/7/2024</a:t>
             </a:fld>
             <a:endParaRPr lang="en-US"/>
           </a:p>
@@ -6728,7 +6825,7 @@
             <a:fld id="{0972D05C-DCFB-4BB6-B49C-AC126BF3ED2C}" type="datetimeFigureOut">
               <a:rPr lang="en-US" smtClean="0"/>
               <a:pPr/>
-              <a:t>2/1/2023</a:t>
+              <a:t>2/7/2024</a:t>
             </a:fld>
             <a:endParaRPr lang="en-US"/>
           </a:p>
@@ -7181,7 +7278,7 @@
             <a:fld id="{0972D05C-DCFB-4BB6-B49C-AC126BF3ED2C}" type="datetimeFigureOut">
               <a:rPr lang="en-US" smtClean="0"/>
               <a:pPr/>
-              <a:t>2/1/2023</a:t>
+              <a:t>2/7/2024</a:t>
             </a:fld>
             <a:endParaRPr lang="en-US"/>
           </a:p>
@@ -7301,7 +7398,7 @@
             <a:fld id="{0972D05C-DCFB-4BB6-B49C-AC126BF3ED2C}" type="datetimeFigureOut">
               <a:rPr lang="en-US" smtClean="0"/>
               <a:pPr/>
-              <a:t>2/1/2023</a:t>
+              <a:t>2/7/2024</a:t>
             </a:fld>
             <a:endParaRPr lang="en-US"/>
           </a:p>
@@ -7398,7 +7495,7 @@
             <a:fld id="{0972D05C-DCFB-4BB6-B49C-AC126BF3ED2C}" type="datetimeFigureOut">
               <a:rPr lang="en-US" smtClean="0"/>
               <a:pPr/>
-              <a:t>2/1/2023</a:t>
+              <a:t>2/7/2024</a:t>
             </a:fld>
             <a:endParaRPr lang="en-US"/>
           </a:p>
@@ -7687,7 +7784,7 @@
             <a:fld id="{0972D05C-DCFB-4BB6-B49C-AC126BF3ED2C}" type="datetimeFigureOut">
               <a:rPr lang="en-US" smtClean="0"/>
               <a:pPr/>
-              <a:t>2/1/2023</a:t>
+              <a:t>2/7/2024</a:t>
             </a:fld>
             <a:endParaRPr lang="en-US"/>
           </a:p>
@@ -8011,7 +8108,7 @@
             <a:fld id="{0972D05C-DCFB-4BB6-B49C-AC126BF3ED2C}" type="datetimeFigureOut">
               <a:rPr lang="en-US" smtClean="0"/>
               <a:pPr/>
-              <a:t>2/1/2023</a:t>
+              <a:t>2/7/2024</a:t>
             </a:fld>
             <a:endParaRPr lang="en-US"/>
           </a:p>
@@ -8266,7 +8363,7 @@
             <a:fld id="{0972D05C-DCFB-4BB6-B49C-AC126BF3ED2C}" type="datetimeFigureOut">
               <a:rPr lang="en-US" smtClean="0"/>
               <a:pPr/>
-              <a:t>2/1/2023</a:t>
+              <a:t>2/7/2024</a:t>
             </a:fld>
             <a:endParaRPr lang="en-US" dirty="0"/>
           </a:p>
@@ -8817,7 +8914,7 @@
           <a:p>
             <a:r>
               <a:rPr lang="en-US" sz="2400" dirty="0"/>
-              <a:t>February 1, 2023</a:t>
+              <a:t>February 7, 2024</a:t>
             </a:r>
           </a:p>
           <a:p>
@@ -39853,7 +39950,7 @@
             <a:avLst/>
           </a:prstGeom>
           <a:blipFill>
-            <a:blip r:embed="rId2" cstate="print"/>
+            <a:blip r:embed="rId3" cstate="print"/>
             <a:stretch>
               <a:fillRect/>
             </a:stretch>

--- a/Lecture04_ProviderPayment/L4Slides_ProviderPayment_2023W.pptx
+++ b/Lecture04_ProviderPayment/L4Slides_ProviderPayment_2023W.pptx
@@ -274,7 +274,7 @@
           <a:p>
             <a:fld id="{EF911157-0FC2-4F06-8D61-FD647FE4E19D}" type="datetimeFigureOut">
               <a:rPr lang="en-US" smtClean="0"/>
-              <a:t>1/28/2025</a:t>
+              <a:t>1/31/2025</a:t>
             </a:fld>
             <a:endParaRPr lang="en-US"/>
           </a:p>
@@ -6670,7 +6670,7 @@
             <a:fld id="{0972D05C-DCFB-4BB6-B49C-AC126BF3ED2C}" type="datetimeFigureOut">
               <a:rPr lang="en-US" smtClean="0"/>
               <a:pPr/>
-              <a:t>1/28/2025</a:t>
+              <a:t>1/31/2025</a:t>
             </a:fld>
             <a:endParaRPr lang="en-US"/>
           </a:p>
@@ -6900,7 +6900,7 @@
             <a:fld id="{0972D05C-DCFB-4BB6-B49C-AC126BF3ED2C}" type="datetimeFigureOut">
               <a:rPr lang="en-US" smtClean="0"/>
               <a:pPr/>
-              <a:t>1/28/2025</a:t>
+              <a:t>1/31/2025</a:t>
             </a:fld>
             <a:endParaRPr lang="en-US"/>
           </a:p>
@@ -7082,7 +7082,7 @@
             <a:fld id="{0972D05C-DCFB-4BB6-B49C-AC126BF3ED2C}" type="datetimeFigureOut">
               <a:rPr lang="en-US" smtClean="0"/>
               <a:pPr/>
-              <a:t>1/28/2025</a:t>
+              <a:t>1/31/2025</a:t>
             </a:fld>
             <a:endParaRPr lang="en-US"/>
           </a:p>
@@ -7529,7 +7529,7 @@
             <a:fld id="{0972D05C-DCFB-4BB6-B49C-AC126BF3ED2C}" type="datetimeFigureOut">
               <a:rPr lang="en-US" smtClean="0"/>
               <a:pPr/>
-              <a:t>1/28/2025</a:t>
+              <a:t>1/31/2025</a:t>
             </a:fld>
             <a:endParaRPr lang="en-US"/>
           </a:p>
@@ -7785,7 +7785,7 @@
             <a:fld id="{0972D05C-DCFB-4BB6-B49C-AC126BF3ED2C}" type="datetimeFigureOut">
               <a:rPr lang="en-US" smtClean="0"/>
               <a:pPr/>
-              <a:t>1/28/2025</a:t>
+              <a:t>1/31/2025</a:t>
             </a:fld>
             <a:endParaRPr lang="en-US"/>
           </a:p>
@@ -8113,7 +8113,7 @@
             <a:fld id="{0972D05C-DCFB-4BB6-B49C-AC126BF3ED2C}" type="datetimeFigureOut">
               <a:rPr lang="en-US" smtClean="0"/>
               <a:pPr/>
-              <a:t>1/28/2025</a:t>
+              <a:t>1/31/2025</a:t>
             </a:fld>
             <a:endParaRPr lang="en-US"/>
           </a:p>
@@ -8566,7 +8566,7 @@
             <a:fld id="{0972D05C-DCFB-4BB6-B49C-AC126BF3ED2C}" type="datetimeFigureOut">
               <a:rPr lang="en-US" smtClean="0"/>
               <a:pPr/>
-              <a:t>1/28/2025</a:t>
+              <a:t>1/31/2025</a:t>
             </a:fld>
             <a:endParaRPr lang="en-US"/>
           </a:p>
@@ -8686,7 +8686,7 @@
             <a:fld id="{0972D05C-DCFB-4BB6-B49C-AC126BF3ED2C}" type="datetimeFigureOut">
               <a:rPr lang="en-US" smtClean="0"/>
               <a:pPr/>
-              <a:t>1/28/2025</a:t>
+              <a:t>1/31/2025</a:t>
             </a:fld>
             <a:endParaRPr lang="en-US"/>
           </a:p>
@@ -8783,7 +8783,7 @@
             <a:fld id="{0972D05C-DCFB-4BB6-B49C-AC126BF3ED2C}" type="datetimeFigureOut">
               <a:rPr lang="en-US" smtClean="0"/>
               <a:pPr/>
-              <a:t>1/28/2025</a:t>
+              <a:t>1/31/2025</a:t>
             </a:fld>
             <a:endParaRPr lang="en-US"/>
           </a:p>
@@ -9072,7 +9072,7 @@
             <a:fld id="{0972D05C-DCFB-4BB6-B49C-AC126BF3ED2C}" type="datetimeFigureOut">
               <a:rPr lang="en-US" smtClean="0"/>
               <a:pPr/>
-              <a:t>1/28/2025</a:t>
+              <a:t>1/31/2025</a:t>
             </a:fld>
             <a:endParaRPr lang="en-US"/>
           </a:p>
@@ -9396,7 +9396,7 @@
             <a:fld id="{0972D05C-DCFB-4BB6-B49C-AC126BF3ED2C}" type="datetimeFigureOut">
               <a:rPr lang="en-US" smtClean="0"/>
               <a:pPr/>
-              <a:t>1/28/2025</a:t>
+              <a:t>1/31/2025</a:t>
             </a:fld>
             <a:endParaRPr lang="en-US"/>
           </a:p>
@@ -9651,7 +9651,7 @@
             <a:fld id="{0972D05C-DCFB-4BB6-B49C-AC126BF3ED2C}" type="datetimeFigureOut">
               <a:rPr lang="en-US" smtClean="0"/>
               <a:pPr/>
-              <a:t>1/28/2025</a:t>
+              <a:t>1/31/2025</a:t>
             </a:fld>
             <a:endParaRPr lang="en-US" dirty="0"/>
           </a:p>
@@ -13962,6 +13962,42 @@
           </a:p>
         </p:txBody>
       </p:sp>
+      <p:pic>
+        <p:nvPicPr>
+          <p:cNvPr id="4" name="Picture 3" descr="A person with a mustache and a mustache&#10;&#10;Description automatically generated">
+            <a:extLst>
+              <a:ext uri="{FF2B5EF4-FFF2-40B4-BE49-F238E27FC236}">
+                <a16:creationId xmlns:a16="http://schemas.microsoft.com/office/drawing/2014/main" id="{FD42BBF6-0AEB-654A-7D9E-BF80C3195385}"/>
+              </a:ext>
+            </a:extLst>
+          </p:cNvPr>
+          <p:cNvPicPr>
+            <a:picLocks noChangeAspect="1"/>
+          </p:cNvPicPr>
+          <p:nvPr/>
+        </p:nvPicPr>
+        <p:blipFill>
+          <a:blip r:embed="rId2">
+            <a:extLst>
+              <a:ext uri="{28A0092B-C50C-407E-A947-70E740481C1C}">
+                <a14:useLocalDpi xmlns:a14="http://schemas.microsoft.com/office/drawing/2010/main" val="0"/>
+              </a:ext>
+            </a:extLst>
+          </a:blip>
+          <a:stretch>
+            <a:fillRect/>
+          </a:stretch>
+        </p:blipFill>
+        <p:spPr>
+          <a:xfrm>
+            <a:off x="5562600" y="3605784"/>
+            <a:ext cx="5671457" cy="3176016"/>
+          </a:xfrm>
+          <a:prstGeom prst="rect">
+            <a:avLst/>
+          </a:prstGeom>
+        </p:spPr>
+      </p:pic>
     </p:spTree>
     <p:extLst>
       <p:ext uri="{BB962C8B-B14F-4D97-AF65-F5344CB8AC3E}">
